--- a/incquery-deps-documentation/visio-diagrams/diagram-source.pptx
+++ b/incquery-deps-documentation/visio-diagrams/diagram-source.pptx
@@ -5,11 +5,13 @@
     <p:sldMasterId id="2147483648" r:id="rId1"/>
   </p:sldMasterIdLst>
   <p:notesMasterIdLst>
-    <p:notesMasterId r:id="rId4"/>
+    <p:notesMasterId r:id="rId6"/>
   </p:notesMasterIdLst>
   <p:sldIdLst>
     <p:sldId id="259" r:id="rId2"/>
     <p:sldId id="256" r:id="rId3"/>
+    <p:sldId id="261" r:id="rId4"/>
+    <p:sldId id="260" r:id="rId5"/>
   </p:sldIdLst>
   <p:sldSz cx="6858000" cy="9906000" type="A4"/>
   <p:notesSz cx="6858000" cy="9144000"/>
@@ -117,6 +119,12 @@
             <p14:sldId id="256"/>
           </p14:sldIdLst>
         </p14:section>
+        <p14:section name="Java runtime" id="{AE4E346D-51BB-444E-8C3F-15CE17C6F1F2}">
+          <p14:sldIdLst>
+            <p14:sldId id="261"/>
+            <p14:sldId id="260"/>
+          </p14:sldIdLst>
+        </p14:section>
       </p14:sectionLst>
     </p:ext>
   </p:extLst>
@@ -205,7 +213,7 @@
           <a:p>
             <a:fld id="{066D07CF-11C7-4B9C-BCBF-E2D9FCA17911}" type="datetimeFigureOut">
               <a:rPr lang="hu-HU" smtClean="0"/>
-              <a:t>2012.10.08.</a:t>
+              <a:t>2012.10.12.</a:t>
             </a:fld>
             <a:endParaRPr lang="hu-HU"/>
           </a:p>
@@ -738,7 +746,7 @@
           <a:p>
             <a:fld id="{109A3B03-3B51-4BDD-9DD7-3CEC69C24252}" type="datetimeFigureOut">
               <a:rPr lang="hu-HU" smtClean="0"/>
-              <a:t>2012.10.08.</a:t>
+              <a:t>2012.10.12.</a:t>
             </a:fld>
             <a:endParaRPr lang="hu-HU"/>
           </a:p>
@@ -908,7 +916,7 @@
           <a:p>
             <a:fld id="{109A3B03-3B51-4BDD-9DD7-3CEC69C24252}" type="datetimeFigureOut">
               <a:rPr lang="hu-HU" smtClean="0"/>
-              <a:t>2012.10.08.</a:t>
+              <a:t>2012.10.12.</a:t>
             </a:fld>
             <a:endParaRPr lang="hu-HU"/>
           </a:p>
@@ -1088,7 +1096,7 @@
           <a:p>
             <a:fld id="{109A3B03-3B51-4BDD-9DD7-3CEC69C24252}" type="datetimeFigureOut">
               <a:rPr lang="hu-HU" smtClean="0"/>
-              <a:t>2012.10.08.</a:t>
+              <a:t>2012.10.12.</a:t>
             </a:fld>
             <a:endParaRPr lang="hu-HU"/>
           </a:p>
@@ -1258,7 +1266,7 @@
           <a:p>
             <a:fld id="{109A3B03-3B51-4BDD-9DD7-3CEC69C24252}" type="datetimeFigureOut">
               <a:rPr lang="hu-HU" smtClean="0"/>
-              <a:t>2012.10.08.</a:t>
+              <a:t>2012.10.12.</a:t>
             </a:fld>
             <a:endParaRPr lang="hu-HU"/>
           </a:p>
@@ -1504,7 +1512,7 @@
           <a:p>
             <a:fld id="{109A3B03-3B51-4BDD-9DD7-3CEC69C24252}" type="datetimeFigureOut">
               <a:rPr lang="hu-HU" smtClean="0"/>
-              <a:t>2012.10.08.</a:t>
+              <a:t>2012.10.12.</a:t>
             </a:fld>
             <a:endParaRPr lang="hu-HU"/>
           </a:p>
@@ -1792,7 +1800,7 @@
           <a:p>
             <a:fld id="{109A3B03-3B51-4BDD-9DD7-3CEC69C24252}" type="datetimeFigureOut">
               <a:rPr lang="hu-HU" smtClean="0"/>
-              <a:t>2012.10.08.</a:t>
+              <a:t>2012.10.12.</a:t>
             </a:fld>
             <a:endParaRPr lang="hu-HU"/>
           </a:p>
@@ -2214,7 +2222,7 @@
           <a:p>
             <a:fld id="{109A3B03-3B51-4BDD-9DD7-3CEC69C24252}" type="datetimeFigureOut">
               <a:rPr lang="hu-HU" smtClean="0"/>
-              <a:t>2012.10.08.</a:t>
+              <a:t>2012.10.12.</a:t>
             </a:fld>
             <a:endParaRPr lang="hu-HU"/>
           </a:p>
@@ -2332,7 +2340,7 @@
           <a:p>
             <a:fld id="{109A3B03-3B51-4BDD-9DD7-3CEC69C24252}" type="datetimeFigureOut">
               <a:rPr lang="hu-HU" smtClean="0"/>
-              <a:t>2012.10.08.</a:t>
+              <a:t>2012.10.12.</a:t>
             </a:fld>
             <a:endParaRPr lang="hu-HU"/>
           </a:p>
@@ -2427,7 +2435,7 @@
           <a:p>
             <a:fld id="{109A3B03-3B51-4BDD-9DD7-3CEC69C24252}" type="datetimeFigureOut">
               <a:rPr lang="hu-HU" smtClean="0"/>
-              <a:t>2012.10.08.</a:t>
+              <a:t>2012.10.12.</a:t>
             </a:fld>
             <a:endParaRPr lang="hu-HU"/>
           </a:p>
@@ -2704,7 +2712,7 @@
           <a:p>
             <a:fld id="{109A3B03-3B51-4BDD-9DD7-3CEC69C24252}" type="datetimeFigureOut">
               <a:rPr lang="hu-HU" smtClean="0"/>
-              <a:t>2012.10.08.</a:t>
+              <a:t>2012.10.12.</a:t>
             </a:fld>
             <a:endParaRPr lang="hu-HU"/>
           </a:p>
@@ -2957,7 +2965,7 @@
           <a:p>
             <a:fld id="{109A3B03-3B51-4BDD-9DD7-3CEC69C24252}" type="datetimeFigureOut">
               <a:rPr lang="hu-HU" smtClean="0"/>
-              <a:t>2012.10.08.</a:t>
+              <a:t>2012.10.12.</a:t>
             </a:fld>
             <a:endParaRPr lang="hu-HU"/>
           </a:p>
@@ -3170,7 +3178,7 @@
           <a:p>
             <a:fld id="{109A3B03-3B51-4BDD-9DD7-3CEC69C24252}" type="datetimeFigureOut">
               <a:rPr lang="hu-HU" smtClean="0"/>
-              <a:t>2012.10.08.</a:t>
+              <a:t>2012.10.12.</a:t>
             </a:fld>
             <a:endParaRPr lang="hu-HU"/>
           </a:p>
@@ -4370,11 +4378,6 @@
               </a:rPr>
               <a:t>Central repository management</a:t>
             </a:r>
-            <a:endParaRPr lang="en-US" dirty="0">
-              <a:solidFill>
-                <a:schemeClr val="tx2"/>
-              </a:solidFill>
-            </a:endParaRPr>
           </a:p>
         </p:txBody>
       </p:sp>
@@ -4896,11 +4899,7 @@
             <a:pPr algn="r"/>
             <a:r>
               <a:rPr lang="en-US" sz="1400" dirty="0" smtClean="0"/>
-              <a:t>s</a:t>
-            </a:r>
-            <a:r>
-              <a:rPr lang="en-US" sz="1400" dirty="0" smtClean="0"/>
-              <a:t>tate</a:t>
+              <a:t>state</a:t>
             </a:r>
           </a:p>
           <a:p>
@@ -7451,6 +7450,934 @@
       </p:par>
     </p:tnLst>
   </p:timing>
+</p:sld>
+</file>
+
+<file path=ppt/slides/slide3.xml><?xml version="1.0" encoding="utf-8"?>
+<p:sld xmlns:a="http://schemas.openxmlformats.org/drawingml/2006/main" xmlns:r="http://schemas.openxmlformats.org/officeDocument/2006/relationships" xmlns:p="http://schemas.openxmlformats.org/presentationml/2006/main">
+  <p:cSld>
+    <p:spTree>
+      <p:nvGrpSpPr>
+        <p:cNvPr id="1" name=""/>
+        <p:cNvGrpSpPr/>
+        <p:nvPr/>
+      </p:nvGrpSpPr>
+      <p:grpSpPr>
+        <a:xfrm>
+          <a:off x="0" y="0"/>
+          <a:ext cx="0" cy="0"/>
+          <a:chOff x="0" y="0"/>
+          <a:chExt cx="0" cy="0"/>
+        </a:xfrm>
+      </p:grpSpPr>
+      <p:sp>
+        <p:nvSpPr>
+          <p:cNvPr id="2" name="Snip Single Corner Rectangle 1"/>
+          <p:cNvSpPr/>
+          <p:nvPr/>
+        </p:nvSpPr>
+        <p:spPr>
+          <a:xfrm>
+            <a:off x="245070" y="1004045"/>
+            <a:ext cx="1002754" cy="1368152"/>
+          </a:xfrm>
+          <a:prstGeom prst="snip1Rect">
+            <a:avLst/>
+          </a:prstGeom>
+        </p:spPr>
+        <p:style>
+          <a:lnRef idx="2">
+            <a:schemeClr val="accent1"/>
+          </a:lnRef>
+          <a:fillRef idx="1">
+            <a:schemeClr val="lt1"/>
+          </a:fillRef>
+          <a:effectRef idx="0">
+            <a:schemeClr val="accent1"/>
+          </a:effectRef>
+          <a:fontRef idx="minor">
+            <a:schemeClr val="dk1"/>
+          </a:fontRef>
+        </p:style>
+        <p:txBody>
+          <a:bodyPr rtlCol="0" anchor="ctr"/>
+          <a:lstStyle/>
+          <a:p>
+            <a:pPr algn="ctr"/>
+            <a:r>
+              <a:rPr lang="hu-HU" sz="1400" dirty="0" smtClean="0"/>
+              <a:t>Foo.java</a:t>
+            </a:r>
+            <a:endParaRPr lang="en-US" sz="1600" dirty="0"/>
+          </a:p>
+        </p:txBody>
+      </p:sp>
+      <p:sp>
+        <p:nvSpPr>
+          <p:cNvPr id="3" name="Rounded Rectangle 2"/>
+          <p:cNvSpPr/>
+          <p:nvPr/>
+        </p:nvSpPr>
+        <p:spPr>
+          <a:xfrm>
+            <a:off x="1880615" y="1472097"/>
+            <a:ext cx="1008112" cy="432048"/>
+          </a:xfrm>
+          <a:prstGeom prst="roundRect">
+            <a:avLst/>
+          </a:prstGeom>
+        </p:spPr>
+        <p:style>
+          <a:lnRef idx="2">
+            <a:schemeClr val="accent1"/>
+          </a:lnRef>
+          <a:fillRef idx="1">
+            <a:schemeClr val="lt1"/>
+          </a:fillRef>
+          <a:effectRef idx="0">
+            <a:schemeClr val="accent1"/>
+          </a:effectRef>
+          <a:fontRef idx="minor">
+            <a:schemeClr val="dk1"/>
+          </a:fontRef>
+        </p:style>
+        <p:txBody>
+          <a:bodyPr rtlCol="0" anchor="ctr"/>
+          <a:lstStyle/>
+          <a:p>
+            <a:pPr algn="ctr"/>
+            <a:r>
+              <a:rPr lang="hu-HU" sz="1400" dirty="0" smtClean="0"/>
+              <a:t>javac</a:t>
+            </a:r>
+            <a:endParaRPr lang="en-US" sz="1600" dirty="0"/>
+          </a:p>
+        </p:txBody>
+      </p:sp>
+      <p:sp>
+        <p:nvSpPr>
+          <p:cNvPr id="4" name="Snip Single Corner Rectangle 3"/>
+          <p:cNvSpPr/>
+          <p:nvPr/>
+        </p:nvSpPr>
+        <p:spPr>
+          <a:xfrm>
+            <a:off x="3429000" y="1004045"/>
+            <a:ext cx="1002754" cy="1368152"/>
+          </a:xfrm>
+          <a:prstGeom prst="snip1Rect">
+            <a:avLst/>
+          </a:prstGeom>
+        </p:spPr>
+        <p:style>
+          <a:lnRef idx="2">
+            <a:schemeClr val="accent1"/>
+          </a:lnRef>
+          <a:fillRef idx="1">
+            <a:schemeClr val="lt1"/>
+          </a:fillRef>
+          <a:effectRef idx="0">
+            <a:schemeClr val="accent1"/>
+          </a:effectRef>
+          <a:fontRef idx="minor">
+            <a:schemeClr val="dk1"/>
+          </a:fontRef>
+        </p:style>
+        <p:txBody>
+          <a:bodyPr rtlCol="0" anchor="ctr"/>
+          <a:lstStyle/>
+          <a:p>
+            <a:pPr algn="ctr"/>
+            <a:r>
+              <a:rPr lang="hu-HU" sz="1400" dirty="0" smtClean="0"/>
+              <a:t>Foo.class</a:t>
+            </a:r>
+            <a:endParaRPr lang="en-US" sz="1600" dirty="0"/>
+          </a:p>
+        </p:txBody>
+      </p:sp>
+      <p:sp>
+        <p:nvSpPr>
+          <p:cNvPr id="5" name="Rounded Rectangle 4"/>
+          <p:cNvSpPr/>
+          <p:nvPr/>
+        </p:nvSpPr>
+        <p:spPr>
+          <a:xfrm>
+            <a:off x="5095825" y="1472097"/>
+            <a:ext cx="1008112" cy="432048"/>
+          </a:xfrm>
+          <a:prstGeom prst="roundRect">
+            <a:avLst/>
+          </a:prstGeom>
+        </p:spPr>
+        <p:style>
+          <a:lnRef idx="2">
+            <a:schemeClr val="accent1"/>
+          </a:lnRef>
+          <a:fillRef idx="1">
+            <a:schemeClr val="lt1"/>
+          </a:fillRef>
+          <a:effectRef idx="0">
+            <a:schemeClr val="accent1"/>
+          </a:effectRef>
+          <a:fontRef idx="minor">
+            <a:schemeClr val="dk1"/>
+          </a:fontRef>
+        </p:style>
+        <p:txBody>
+          <a:bodyPr rtlCol="0" anchor="ctr"/>
+          <a:lstStyle/>
+          <a:p>
+            <a:pPr algn="ctr"/>
+            <a:r>
+              <a:rPr lang="hu-HU" sz="1400" dirty="0" smtClean="0"/>
+              <a:t>java</a:t>
+            </a:r>
+            <a:endParaRPr lang="en-US" sz="1600" dirty="0"/>
+          </a:p>
+        </p:txBody>
+      </p:sp>
+      <p:cxnSp>
+        <p:nvCxnSpPr>
+          <p:cNvPr id="7" name="Straight Arrow Connector 6"/>
+          <p:cNvCxnSpPr/>
+          <p:nvPr/>
+        </p:nvCxnSpPr>
+        <p:spPr>
+          <a:xfrm>
+            <a:off x="5301208" y="1004045"/>
+            <a:ext cx="0" cy="468052"/>
+          </a:xfrm>
+          <a:prstGeom prst="straightConnector1">
+            <a:avLst/>
+          </a:prstGeom>
+          <a:ln>
+            <a:tailEnd type="arrow"/>
+          </a:ln>
+        </p:spPr>
+        <p:style>
+          <a:lnRef idx="2">
+            <a:schemeClr val="accent1"/>
+          </a:lnRef>
+          <a:fillRef idx="0">
+            <a:schemeClr val="accent1"/>
+          </a:fillRef>
+          <a:effectRef idx="1">
+            <a:schemeClr val="accent1"/>
+          </a:effectRef>
+          <a:fontRef idx="minor">
+            <a:schemeClr val="tx1"/>
+          </a:fontRef>
+        </p:style>
+      </p:cxnSp>
+      <p:cxnSp>
+        <p:nvCxnSpPr>
+          <p:cNvPr id="8" name="Straight Arrow Connector 7"/>
+          <p:cNvCxnSpPr/>
+          <p:nvPr/>
+        </p:nvCxnSpPr>
+        <p:spPr>
+          <a:xfrm flipH="1">
+            <a:off x="5599882" y="1004045"/>
+            <a:ext cx="349398" cy="483729"/>
+          </a:xfrm>
+          <a:prstGeom prst="straightConnector1">
+            <a:avLst/>
+          </a:prstGeom>
+          <a:ln>
+            <a:tailEnd type="arrow"/>
+          </a:ln>
+        </p:spPr>
+        <p:style>
+          <a:lnRef idx="2">
+            <a:schemeClr val="accent1"/>
+          </a:lnRef>
+          <a:fillRef idx="0">
+            <a:schemeClr val="accent1"/>
+          </a:fillRef>
+          <a:effectRef idx="1">
+            <a:schemeClr val="accent1"/>
+          </a:effectRef>
+          <a:fontRef idx="minor">
+            <a:schemeClr val="tx1"/>
+          </a:fontRef>
+        </p:style>
+      </p:cxnSp>
+      <p:sp>
+        <p:nvSpPr>
+          <p:cNvPr id="10" name="TextBox 9"/>
+          <p:cNvSpPr txBox="1"/>
+          <p:nvPr/>
+        </p:nvSpPr>
+        <p:spPr>
+          <a:xfrm>
+            <a:off x="4951809" y="665491"/>
+            <a:ext cx="1357511" cy="338554"/>
+          </a:xfrm>
+          <a:prstGeom prst="rect">
+            <a:avLst/>
+          </a:prstGeom>
+          <a:noFill/>
+        </p:spPr>
+        <p:txBody>
+          <a:bodyPr wrap="square" rtlCol="0">
+            <a:spAutoFit/>
+          </a:bodyPr>
+          <a:lstStyle/>
+          <a:p>
+            <a:r>
+              <a:rPr lang="hu-HU" sz="1600" dirty="0" smtClean="0"/>
+              <a:t>Other classes</a:t>
+            </a:r>
+            <a:endParaRPr lang="en-US" sz="1600" dirty="0"/>
+          </a:p>
+        </p:txBody>
+      </p:sp>
+      <p:sp>
+        <p:nvSpPr>
+          <p:cNvPr id="14" name="Left Brace 13"/>
+          <p:cNvSpPr/>
+          <p:nvPr/>
+        </p:nvSpPr>
+        <p:spPr>
+          <a:xfrm rot="16200000">
+            <a:off x="1382675" y="1394507"/>
+            <a:ext cx="404664" cy="2679873"/>
+          </a:xfrm>
+          <a:prstGeom prst="leftBrace">
+            <a:avLst/>
+          </a:prstGeom>
+        </p:spPr>
+        <p:style>
+          <a:lnRef idx="2">
+            <a:schemeClr val="dk1"/>
+          </a:lnRef>
+          <a:fillRef idx="0">
+            <a:schemeClr val="dk1"/>
+          </a:fillRef>
+          <a:effectRef idx="1">
+            <a:schemeClr val="dk1"/>
+          </a:effectRef>
+          <a:fontRef idx="minor">
+            <a:schemeClr val="tx1"/>
+          </a:fontRef>
+        </p:style>
+        <p:txBody>
+          <a:bodyPr rtlCol="0" anchor="ctr"/>
+          <a:lstStyle/>
+          <a:p>
+            <a:pPr algn="ctr"/>
+            <a:endParaRPr lang="en-US"/>
+          </a:p>
+        </p:txBody>
+      </p:sp>
+      <p:sp>
+        <p:nvSpPr>
+          <p:cNvPr id="15" name="TextBox 14"/>
+          <p:cNvSpPr txBox="1"/>
+          <p:nvPr/>
+        </p:nvSpPr>
+        <p:spPr>
+          <a:xfrm>
+            <a:off x="245069" y="2861889"/>
+            <a:ext cx="2679875" cy="338554"/>
+          </a:xfrm>
+          <a:prstGeom prst="rect">
+            <a:avLst/>
+          </a:prstGeom>
+          <a:noFill/>
+        </p:spPr>
+        <p:txBody>
+          <a:bodyPr wrap="square" rtlCol="0">
+            <a:spAutoFit/>
+          </a:bodyPr>
+          <a:lstStyle/>
+          <a:p>
+            <a:pPr algn="ctr"/>
+            <a:r>
+              <a:rPr lang="hu-HU" sz="1600" dirty="0" smtClean="0"/>
+              <a:t>Java language</a:t>
+            </a:r>
+            <a:endParaRPr lang="en-US" sz="1600" dirty="0"/>
+          </a:p>
+        </p:txBody>
+      </p:sp>
+      <p:sp>
+        <p:nvSpPr>
+          <p:cNvPr id="16" name="Left Brace 15"/>
+          <p:cNvSpPr/>
+          <p:nvPr/>
+        </p:nvSpPr>
+        <p:spPr>
+          <a:xfrm rot="16200000">
+            <a:off x="4561669" y="1394507"/>
+            <a:ext cx="404664" cy="2679873"/>
+          </a:xfrm>
+          <a:prstGeom prst="leftBrace">
+            <a:avLst/>
+          </a:prstGeom>
+        </p:spPr>
+        <p:style>
+          <a:lnRef idx="2">
+            <a:schemeClr val="dk1"/>
+          </a:lnRef>
+          <a:fillRef idx="0">
+            <a:schemeClr val="dk1"/>
+          </a:fillRef>
+          <a:effectRef idx="1">
+            <a:schemeClr val="dk1"/>
+          </a:effectRef>
+          <a:fontRef idx="minor">
+            <a:schemeClr val="tx1"/>
+          </a:fontRef>
+        </p:style>
+        <p:txBody>
+          <a:bodyPr rtlCol="0" anchor="ctr"/>
+          <a:lstStyle/>
+          <a:p>
+            <a:pPr algn="ctr"/>
+            <a:endParaRPr lang="en-US"/>
+          </a:p>
+        </p:txBody>
+      </p:sp>
+      <p:sp>
+        <p:nvSpPr>
+          <p:cNvPr id="17" name="TextBox 16"/>
+          <p:cNvSpPr txBox="1"/>
+          <p:nvPr/>
+        </p:nvSpPr>
+        <p:spPr>
+          <a:xfrm>
+            <a:off x="3424063" y="2861889"/>
+            <a:ext cx="2679875" cy="338554"/>
+          </a:xfrm>
+          <a:prstGeom prst="rect">
+            <a:avLst/>
+          </a:prstGeom>
+          <a:noFill/>
+        </p:spPr>
+        <p:txBody>
+          <a:bodyPr wrap="square" rtlCol="0">
+            <a:spAutoFit/>
+          </a:bodyPr>
+          <a:lstStyle/>
+          <a:p>
+            <a:pPr algn="ctr"/>
+            <a:r>
+              <a:rPr lang="hu-HU" sz="1600" dirty="0" smtClean="0"/>
+              <a:t>Java Virtual Machine</a:t>
+            </a:r>
+            <a:endParaRPr lang="en-US" sz="1600" dirty="0"/>
+          </a:p>
+        </p:txBody>
+      </p:sp>
+      <p:cxnSp>
+        <p:nvCxnSpPr>
+          <p:cNvPr id="18" name="Straight Arrow Connector 17"/>
+          <p:cNvCxnSpPr>
+            <a:stCxn id="2" idx="0"/>
+            <a:endCxn id="3" idx="1"/>
+          </p:cNvCxnSpPr>
+          <p:nvPr/>
+        </p:nvCxnSpPr>
+        <p:spPr>
+          <a:xfrm>
+            <a:off x="1247824" y="1688121"/>
+            <a:ext cx="632791" cy="0"/>
+          </a:xfrm>
+          <a:prstGeom prst="straightConnector1">
+            <a:avLst/>
+          </a:prstGeom>
+          <a:ln>
+            <a:tailEnd type="arrow"/>
+          </a:ln>
+        </p:spPr>
+        <p:style>
+          <a:lnRef idx="2">
+            <a:schemeClr val="accent1"/>
+          </a:lnRef>
+          <a:fillRef idx="0">
+            <a:schemeClr val="accent1"/>
+          </a:fillRef>
+          <a:effectRef idx="1">
+            <a:schemeClr val="accent1"/>
+          </a:effectRef>
+          <a:fontRef idx="minor">
+            <a:schemeClr val="tx1"/>
+          </a:fontRef>
+        </p:style>
+      </p:cxnSp>
+      <p:cxnSp>
+        <p:nvCxnSpPr>
+          <p:cNvPr id="21" name="Straight Arrow Connector 20"/>
+          <p:cNvCxnSpPr>
+            <a:stCxn id="3" idx="3"/>
+            <a:endCxn id="4" idx="2"/>
+          </p:cNvCxnSpPr>
+          <p:nvPr/>
+        </p:nvCxnSpPr>
+        <p:spPr>
+          <a:xfrm>
+            <a:off x="2888727" y="1688121"/>
+            <a:ext cx="540273" cy="0"/>
+          </a:xfrm>
+          <a:prstGeom prst="straightConnector1">
+            <a:avLst/>
+          </a:prstGeom>
+          <a:ln>
+            <a:tailEnd type="arrow"/>
+          </a:ln>
+        </p:spPr>
+        <p:style>
+          <a:lnRef idx="2">
+            <a:schemeClr val="accent1"/>
+          </a:lnRef>
+          <a:fillRef idx="0">
+            <a:schemeClr val="accent1"/>
+          </a:fillRef>
+          <a:effectRef idx="1">
+            <a:schemeClr val="accent1"/>
+          </a:effectRef>
+          <a:fontRef idx="minor">
+            <a:schemeClr val="tx1"/>
+          </a:fontRef>
+        </p:style>
+      </p:cxnSp>
+      <p:cxnSp>
+        <p:nvCxnSpPr>
+          <p:cNvPr id="40" name="Elbow Connector 39"/>
+          <p:cNvCxnSpPr/>
+          <p:nvPr/>
+        </p:nvCxnSpPr>
+        <p:spPr>
+          <a:xfrm rot="16200000" flipH="1">
+            <a:off x="1069891" y="1012092"/>
+            <a:ext cx="170631" cy="159297"/>
+          </a:xfrm>
+          <a:prstGeom prst="bentConnector3">
+            <a:avLst>
+              <a:gd name="adj1" fmla="val 97449"/>
+            </a:avLst>
+          </a:prstGeom>
+        </p:spPr>
+        <p:style>
+          <a:lnRef idx="2">
+            <a:schemeClr val="accent1"/>
+          </a:lnRef>
+          <a:fillRef idx="0">
+            <a:schemeClr val="accent1"/>
+          </a:fillRef>
+          <a:effectRef idx="1">
+            <a:schemeClr val="accent1"/>
+          </a:effectRef>
+          <a:fontRef idx="minor">
+            <a:schemeClr val="tx1"/>
+          </a:fontRef>
+        </p:style>
+      </p:cxnSp>
+      <p:cxnSp>
+        <p:nvCxnSpPr>
+          <p:cNvPr id="23" name="Straight Arrow Connector 22"/>
+          <p:cNvCxnSpPr>
+            <a:stCxn id="4" idx="0"/>
+            <a:endCxn id="5" idx="1"/>
+          </p:cNvCxnSpPr>
+          <p:nvPr/>
+        </p:nvCxnSpPr>
+        <p:spPr>
+          <a:xfrm>
+            <a:off x="4431754" y="1688121"/>
+            <a:ext cx="664071" cy="0"/>
+          </a:xfrm>
+          <a:prstGeom prst="straightConnector1">
+            <a:avLst/>
+          </a:prstGeom>
+          <a:ln>
+            <a:tailEnd type="arrow"/>
+          </a:ln>
+        </p:spPr>
+        <p:style>
+          <a:lnRef idx="2">
+            <a:schemeClr val="accent1"/>
+          </a:lnRef>
+          <a:fillRef idx="0">
+            <a:schemeClr val="accent1"/>
+          </a:fillRef>
+          <a:effectRef idx="1">
+            <a:schemeClr val="accent1"/>
+          </a:effectRef>
+          <a:fontRef idx="minor">
+            <a:schemeClr val="tx1"/>
+          </a:fontRef>
+        </p:style>
+      </p:cxnSp>
+      <p:cxnSp>
+        <p:nvCxnSpPr>
+          <p:cNvPr id="44" name="Elbow Connector 43"/>
+          <p:cNvCxnSpPr/>
+          <p:nvPr/>
+        </p:nvCxnSpPr>
+        <p:spPr>
+          <a:xfrm rot="16200000" flipH="1">
+            <a:off x="4258777" y="1009191"/>
+            <a:ext cx="170631" cy="159297"/>
+          </a:xfrm>
+          <a:prstGeom prst="bentConnector3">
+            <a:avLst>
+              <a:gd name="adj1" fmla="val 97449"/>
+            </a:avLst>
+          </a:prstGeom>
+        </p:spPr>
+        <p:style>
+          <a:lnRef idx="2">
+            <a:schemeClr val="accent1"/>
+          </a:lnRef>
+          <a:fillRef idx="0">
+            <a:schemeClr val="accent1"/>
+          </a:fillRef>
+          <a:effectRef idx="1">
+            <a:schemeClr val="accent1"/>
+          </a:effectRef>
+          <a:fontRef idx="minor">
+            <a:schemeClr val="tx1"/>
+          </a:fontRef>
+        </p:style>
+      </p:cxnSp>
+    </p:spTree>
+    <p:extLst>
+      <p:ext uri="{BB962C8B-B14F-4D97-AF65-F5344CB8AC3E}">
+        <p14:creationId xmlns:p14="http://schemas.microsoft.com/office/powerpoint/2010/main" val="695761561"/>
+      </p:ext>
+    </p:extLst>
+  </p:cSld>
+  <p:clrMapOvr>
+    <a:masterClrMapping/>
+  </p:clrMapOvr>
+</p:sld>
+</file>
+
+<file path=ppt/slides/slide4.xml><?xml version="1.0" encoding="utf-8"?>
+<p:sld xmlns:a="http://schemas.openxmlformats.org/drawingml/2006/main" xmlns:r="http://schemas.openxmlformats.org/officeDocument/2006/relationships" xmlns:p="http://schemas.openxmlformats.org/presentationml/2006/main">
+  <p:cSld>
+    <p:spTree>
+      <p:nvGrpSpPr>
+        <p:cNvPr id="1" name=""/>
+        <p:cNvGrpSpPr/>
+        <p:nvPr/>
+      </p:nvGrpSpPr>
+      <p:grpSpPr>
+        <a:xfrm>
+          <a:off x="0" y="0"/>
+          <a:ext cx="0" cy="0"/>
+          <a:chOff x="0" y="0"/>
+          <a:chExt cx="0" cy="0"/>
+        </a:xfrm>
+      </p:grpSpPr>
+      <p:sp>
+        <p:nvSpPr>
+          <p:cNvPr id="2" name="Rectangle 1"/>
+          <p:cNvSpPr/>
+          <p:nvPr/>
+        </p:nvSpPr>
+        <p:spPr>
+          <a:xfrm>
+            <a:off x="260647" y="776536"/>
+            <a:ext cx="3157289" cy="864095"/>
+          </a:xfrm>
+          <a:prstGeom prst="rect">
+            <a:avLst/>
+          </a:prstGeom>
+        </p:spPr>
+        <p:style>
+          <a:lnRef idx="2">
+            <a:schemeClr val="accent1"/>
+          </a:lnRef>
+          <a:fillRef idx="1">
+            <a:schemeClr val="lt1"/>
+          </a:fillRef>
+          <a:effectRef idx="0">
+            <a:schemeClr val="accent1"/>
+          </a:effectRef>
+          <a:fontRef idx="minor">
+            <a:schemeClr val="dk1"/>
+          </a:fontRef>
+        </p:style>
+        <p:txBody>
+          <a:bodyPr rtlCol="0" anchor="ctr"/>
+          <a:lstStyle/>
+          <a:p>
+            <a:pPr algn="ctr"/>
+            <a:r>
+              <a:rPr lang="hu-HU" dirty="0" smtClean="0"/>
+              <a:t>Constant pool</a:t>
+            </a:r>
+            <a:endParaRPr lang="en-US" dirty="0"/>
+          </a:p>
+        </p:txBody>
+      </p:sp>
+      <p:sp>
+        <p:nvSpPr>
+          <p:cNvPr id="3" name="Rectangle 2"/>
+          <p:cNvSpPr/>
+          <p:nvPr/>
+        </p:nvSpPr>
+        <p:spPr>
+          <a:xfrm>
+            <a:off x="260648" y="416496"/>
+            <a:ext cx="3157289" cy="360040"/>
+          </a:xfrm>
+          <a:prstGeom prst="rect">
+            <a:avLst/>
+          </a:prstGeom>
+        </p:spPr>
+        <p:style>
+          <a:lnRef idx="2">
+            <a:schemeClr val="accent1"/>
+          </a:lnRef>
+          <a:fillRef idx="1">
+            <a:schemeClr val="lt1"/>
+          </a:fillRef>
+          <a:effectRef idx="0">
+            <a:schemeClr val="accent1"/>
+          </a:effectRef>
+          <a:fontRef idx="minor">
+            <a:schemeClr val="dk1"/>
+          </a:fontRef>
+        </p:style>
+        <p:txBody>
+          <a:bodyPr rtlCol="0" anchor="ctr"/>
+          <a:lstStyle/>
+          <a:p>
+            <a:pPr algn="ctr"/>
+            <a:r>
+              <a:rPr lang="hu-HU" dirty="0" smtClean="0"/>
+              <a:t>Header</a:t>
+            </a:r>
+            <a:endParaRPr lang="en-US" dirty="0"/>
+          </a:p>
+        </p:txBody>
+      </p:sp>
+      <p:sp>
+        <p:nvSpPr>
+          <p:cNvPr id="7" name="Rectangle 6"/>
+          <p:cNvSpPr/>
+          <p:nvPr/>
+        </p:nvSpPr>
+        <p:spPr>
+          <a:xfrm>
+            <a:off x="260646" y="1640631"/>
+            <a:ext cx="3157289" cy="360040"/>
+          </a:xfrm>
+          <a:prstGeom prst="rect">
+            <a:avLst/>
+          </a:prstGeom>
+        </p:spPr>
+        <p:style>
+          <a:lnRef idx="2">
+            <a:schemeClr val="accent1"/>
+          </a:lnRef>
+          <a:fillRef idx="1">
+            <a:schemeClr val="lt1"/>
+          </a:fillRef>
+          <a:effectRef idx="0">
+            <a:schemeClr val="accent1"/>
+          </a:effectRef>
+          <a:fontRef idx="minor">
+            <a:schemeClr val="dk1"/>
+          </a:fontRef>
+        </p:style>
+        <p:txBody>
+          <a:bodyPr rtlCol="0" anchor="ctr"/>
+          <a:lstStyle/>
+          <a:p>
+            <a:pPr algn="ctr"/>
+            <a:r>
+              <a:rPr lang="hu-HU" dirty="0" smtClean="0"/>
+              <a:t>Access rights</a:t>
+            </a:r>
+            <a:endParaRPr lang="en-US" dirty="0"/>
+          </a:p>
+        </p:txBody>
+      </p:sp>
+      <p:sp>
+        <p:nvSpPr>
+          <p:cNvPr id="8" name="Rectangle 7"/>
+          <p:cNvSpPr/>
+          <p:nvPr/>
+        </p:nvSpPr>
+        <p:spPr>
+          <a:xfrm>
+            <a:off x="260648" y="2000671"/>
+            <a:ext cx="3157289" cy="360040"/>
+          </a:xfrm>
+          <a:prstGeom prst="rect">
+            <a:avLst/>
+          </a:prstGeom>
+        </p:spPr>
+        <p:style>
+          <a:lnRef idx="2">
+            <a:schemeClr val="accent1"/>
+          </a:lnRef>
+          <a:fillRef idx="1">
+            <a:schemeClr val="lt1"/>
+          </a:fillRef>
+          <a:effectRef idx="0">
+            <a:schemeClr val="accent1"/>
+          </a:effectRef>
+          <a:fontRef idx="minor">
+            <a:schemeClr val="dk1"/>
+          </a:fontRef>
+        </p:style>
+        <p:txBody>
+          <a:bodyPr rtlCol="0" anchor="ctr"/>
+          <a:lstStyle/>
+          <a:p>
+            <a:pPr algn="ctr"/>
+            <a:r>
+              <a:rPr lang="hu-HU" dirty="0" smtClean="0"/>
+              <a:t>Implemented interfaces</a:t>
+            </a:r>
+            <a:endParaRPr lang="en-US" dirty="0"/>
+          </a:p>
+        </p:txBody>
+      </p:sp>
+      <p:sp>
+        <p:nvSpPr>
+          <p:cNvPr id="9" name="Rectangle 8"/>
+          <p:cNvSpPr/>
+          <p:nvPr/>
+        </p:nvSpPr>
+        <p:spPr>
+          <a:xfrm>
+            <a:off x="260645" y="2360711"/>
+            <a:ext cx="3157289" cy="360040"/>
+          </a:xfrm>
+          <a:prstGeom prst="rect">
+            <a:avLst/>
+          </a:prstGeom>
+        </p:spPr>
+        <p:style>
+          <a:lnRef idx="2">
+            <a:schemeClr val="accent1"/>
+          </a:lnRef>
+          <a:fillRef idx="1">
+            <a:schemeClr val="lt1"/>
+          </a:fillRef>
+          <a:effectRef idx="0">
+            <a:schemeClr val="accent1"/>
+          </a:effectRef>
+          <a:fontRef idx="minor">
+            <a:schemeClr val="dk1"/>
+          </a:fontRef>
+        </p:style>
+        <p:txBody>
+          <a:bodyPr rtlCol="0" anchor="ctr"/>
+          <a:lstStyle/>
+          <a:p>
+            <a:pPr algn="ctr"/>
+            <a:r>
+              <a:rPr lang="hu-HU" dirty="0" smtClean="0"/>
+              <a:t>Fields</a:t>
+            </a:r>
+            <a:endParaRPr lang="en-US" dirty="0"/>
+          </a:p>
+        </p:txBody>
+      </p:sp>
+      <p:sp>
+        <p:nvSpPr>
+          <p:cNvPr id="10" name="Rectangle 9"/>
+          <p:cNvSpPr/>
+          <p:nvPr/>
+        </p:nvSpPr>
+        <p:spPr>
+          <a:xfrm>
+            <a:off x="260644" y="2720751"/>
+            <a:ext cx="3157289" cy="360040"/>
+          </a:xfrm>
+          <a:prstGeom prst="rect">
+            <a:avLst/>
+          </a:prstGeom>
+        </p:spPr>
+        <p:style>
+          <a:lnRef idx="2">
+            <a:schemeClr val="accent1"/>
+          </a:lnRef>
+          <a:fillRef idx="1">
+            <a:schemeClr val="lt1"/>
+          </a:fillRef>
+          <a:effectRef idx="0">
+            <a:schemeClr val="accent1"/>
+          </a:effectRef>
+          <a:fontRef idx="minor">
+            <a:schemeClr val="dk1"/>
+          </a:fontRef>
+        </p:style>
+        <p:txBody>
+          <a:bodyPr rtlCol="0" anchor="ctr"/>
+          <a:lstStyle/>
+          <a:p>
+            <a:pPr algn="ctr"/>
+            <a:r>
+              <a:rPr lang="hu-HU" dirty="0" smtClean="0"/>
+              <a:t>Methods</a:t>
+            </a:r>
+            <a:endParaRPr lang="en-US" dirty="0"/>
+          </a:p>
+        </p:txBody>
+      </p:sp>
+      <p:sp>
+        <p:nvSpPr>
+          <p:cNvPr id="11" name="Rectangle 10"/>
+          <p:cNvSpPr/>
+          <p:nvPr/>
+        </p:nvSpPr>
+        <p:spPr>
+          <a:xfrm>
+            <a:off x="260643" y="3080791"/>
+            <a:ext cx="3157289" cy="360040"/>
+          </a:xfrm>
+          <a:prstGeom prst="rect">
+            <a:avLst/>
+          </a:prstGeom>
+        </p:spPr>
+        <p:style>
+          <a:lnRef idx="2">
+            <a:schemeClr val="accent1"/>
+          </a:lnRef>
+          <a:fillRef idx="1">
+            <a:schemeClr val="lt1"/>
+          </a:fillRef>
+          <a:effectRef idx="0">
+            <a:schemeClr val="accent1"/>
+          </a:effectRef>
+          <a:fontRef idx="minor">
+            <a:schemeClr val="dk1"/>
+          </a:fontRef>
+        </p:style>
+        <p:txBody>
+          <a:bodyPr rtlCol="0" anchor="ctr"/>
+          <a:lstStyle/>
+          <a:p>
+            <a:pPr algn="ctr"/>
+            <a:r>
+              <a:rPr lang="hu-HU" dirty="0" smtClean="0"/>
+              <a:t>Class attributes</a:t>
+            </a:r>
+            <a:endParaRPr lang="en-US" dirty="0"/>
+          </a:p>
+        </p:txBody>
+      </p:sp>
+    </p:spTree>
+    <p:extLst>
+      <p:ext uri="{BB962C8B-B14F-4D97-AF65-F5344CB8AC3E}">
+        <p14:creationId xmlns:p14="http://schemas.microsoft.com/office/powerpoint/2010/main" val="2360883287"/>
+      </p:ext>
+    </p:extLst>
+  </p:cSld>
+  <p:clrMapOvr>
+    <a:masterClrMapping/>
+  </p:clrMapOvr>
 </p:sld>
 </file>
 

--- a/incquery-deps-documentation/visio-diagrams/diagram-source.pptx
+++ b/incquery-deps-documentation/visio-diagrams/diagram-source.pptx
@@ -213,7 +213,7 @@
           <a:p>
             <a:fld id="{066D07CF-11C7-4B9C-BCBF-E2D9FCA17911}" type="datetimeFigureOut">
               <a:rPr lang="hu-HU" smtClean="0"/>
-              <a:t>2012.10.12.</a:t>
+              <a:t>2012.10.15.</a:t>
             </a:fld>
             <a:endParaRPr lang="hu-HU"/>
           </a:p>
@@ -746,7 +746,7 @@
           <a:p>
             <a:fld id="{109A3B03-3B51-4BDD-9DD7-3CEC69C24252}" type="datetimeFigureOut">
               <a:rPr lang="hu-HU" smtClean="0"/>
-              <a:t>2012.10.12.</a:t>
+              <a:t>2012.10.15.</a:t>
             </a:fld>
             <a:endParaRPr lang="hu-HU"/>
           </a:p>
@@ -916,7 +916,7 @@
           <a:p>
             <a:fld id="{109A3B03-3B51-4BDD-9DD7-3CEC69C24252}" type="datetimeFigureOut">
               <a:rPr lang="hu-HU" smtClean="0"/>
-              <a:t>2012.10.12.</a:t>
+              <a:t>2012.10.15.</a:t>
             </a:fld>
             <a:endParaRPr lang="hu-HU"/>
           </a:p>
@@ -1096,7 +1096,7 @@
           <a:p>
             <a:fld id="{109A3B03-3B51-4BDD-9DD7-3CEC69C24252}" type="datetimeFigureOut">
               <a:rPr lang="hu-HU" smtClean="0"/>
-              <a:t>2012.10.12.</a:t>
+              <a:t>2012.10.15.</a:t>
             </a:fld>
             <a:endParaRPr lang="hu-HU"/>
           </a:p>
@@ -1266,7 +1266,7 @@
           <a:p>
             <a:fld id="{109A3B03-3B51-4BDD-9DD7-3CEC69C24252}" type="datetimeFigureOut">
               <a:rPr lang="hu-HU" smtClean="0"/>
-              <a:t>2012.10.12.</a:t>
+              <a:t>2012.10.15.</a:t>
             </a:fld>
             <a:endParaRPr lang="hu-HU"/>
           </a:p>
@@ -1512,7 +1512,7 @@
           <a:p>
             <a:fld id="{109A3B03-3B51-4BDD-9DD7-3CEC69C24252}" type="datetimeFigureOut">
               <a:rPr lang="hu-HU" smtClean="0"/>
-              <a:t>2012.10.12.</a:t>
+              <a:t>2012.10.15.</a:t>
             </a:fld>
             <a:endParaRPr lang="hu-HU"/>
           </a:p>
@@ -1800,7 +1800,7 @@
           <a:p>
             <a:fld id="{109A3B03-3B51-4BDD-9DD7-3CEC69C24252}" type="datetimeFigureOut">
               <a:rPr lang="hu-HU" smtClean="0"/>
-              <a:t>2012.10.12.</a:t>
+              <a:t>2012.10.15.</a:t>
             </a:fld>
             <a:endParaRPr lang="hu-HU"/>
           </a:p>
@@ -2222,7 +2222,7 @@
           <a:p>
             <a:fld id="{109A3B03-3B51-4BDD-9DD7-3CEC69C24252}" type="datetimeFigureOut">
               <a:rPr lang="hu-HU" smtClean="0"/>
-              <a:t>2012.10.12.</a:t>
+              <a:t>2012.10.15.</a:t>
             </a:fld>
             <a:endParaRPr lang="hu-HU"/>
           </a:p>
@@ -2340,7 +2340,7 @@
           <a:p>
             <a:fld id="{109A3B03-3B51-4BDD-9DD7-3CEC69C24252}" type="datetimeFigureOut">
               <a:rPr lang="hu-HU" smtClean="0"/>
-              <a:t>2012.10.12.</a:t>
+              <a:t>2012.10.15.</a:t>
             </a:fld>
             <a:endParaRPr lang="hu-HU"/>
           </a:p>
@@ -2435,7 +2435,7 @@
           <a:p>
             <a:fld id="{109A3B03-3B51-4BDD-9DD7-3CEC69C24252}" type="datetimeFigureOut">
               <a:rPr lang="hu-HU" smtClean="0"/>
-              <a:t>2012.10.12.</a:t>
+              <a:t>2012.10.15.</a:t>
             </a:fld>
             <a:endParaRPr lang="hu-HU"/>
           </a:p>
@@ -2712,7 +2712,7 @@
           <a:p>
             <a:fld id="{109A3B03-3B51-4BDD-9DD7-3CEC69C24252}" type="datetimeFigureOut">
               <a:rPr lang="hu-HU" smtClean="0"/>
-              <a:t>2012.10.12.</a:t>
+              <a:t>2012.10.15.</a:t>
             </a:fld>
             <a:endParaRPr lang="hu-HU"/>
           </a:p>
@@ -2965,7 +2965,7 @@
           <a:p>
             <a:fld id="{109A3B03-3B51-4BDD-9DD7-3CEC69C24252}" type="datetimeFigureOut">
               <a:rPr lang="hu-HU" smtClean="0"/>
-              <a:t>2012.10.12.</a:t>
+              <a:t>2012.10.15.</a:t>
             </a:fld>
             <a:endParaRPr lang="hu-HU"/>
           </a:p>
@@ -3178,7 +3178,7 @@
           <a:p>
             <a:fld id="{109A3B03-3B51-4BDD-9DD7-3CEC69C24252}" type="datetimeFigureOut">
               <a:rPr lang="hu-HU" smtClean="0"/>
-              <a:t>2012.10.12.</a:t>
+              <a:t>2012.10.15.</a:t>
             </a:fld>
             <a:endParaRPr lang="hu-HU"/>
           </a:p>
@@ -4501,24 +4501,24 @@
           <a:p>
             <a:pPr algn="ctr"/>
             <a:r>
-              <a:rPr lang="en-US" smtClean="0"/>
+              <a:rPr lang="en-US" dirty="0" smtClean="0"/>
               <a:t>Byte</a:t>
             </a:r>
           </a:p>
           <a:p>
             <a:pPr algn="ctr"/>
             <a:r>
-              <a:rPr lang="en-US" smtClean="0"/>
+              <a:rPr lang="en-US" dirty="0" smtClean="0"/>
               <a:t>code</a:t>
             </a:r>
           </a:p>
           <a:p>
             <a:pPr algn="ctr"/>
             <a:r>
-              <a:rPr lang="en-US" smtClean="0"/>
-              <a:t>analysis</a:t>
-            </a:r>
-            <a:endParaRPr lang="en-US"/>
+              <a:rPr lang="en-US" dirty="0" smtClean="0"/>
+              <a:t>analyzer</a:t>
+            </a:r>
+            <a:endParaRPr lang="en-US" dirty="0"/>
           </a:p>
         </p:txBody>
       </p:sp>
@@ -5181,7 +5181,7 @@
           <a:p>
             <a:pPr algn="ctr"/>
             <a:r>
-              <a:rPr lang="hu-HU" dirty="0" err="1" smtClean="0">
+              <a:rPr lang="hu-HU" dirty="0" smtClean="0">
                 <a:solidFill>
                   <a:schemeClr val="tx2"/>
                 </a:solidFill>
@@ -5197,12 +5197,12 @@
               <a:t> </a:t>
             </a:r>
             <a:r>
-              <a:rPr lang="hu-HU" dirty="0" err="1" smtClean="0">
+              <a:rPr lang="hu-HU" dirty="0" smtClean="0">
                 <a:solidFill>
                   <a:schemeClr val="tx2"/>
                 </a:solidFill>
               </a:rPr>
-              <a:t>plug-in</a:t>
+              <a:t>plugin</a:t>
             </a:r>
             <a:endParaRPr lang="en-US" dirty="0">
               <a:solidFill>

--- a/incquery-deps-documentation/visio-diagrams/diagram-source.pptx
+++ b/incquery-deps-documentation/visio-diagrams/diagram-source.pptx
@@ -8,7 +8,7 @@
     <p:notesMasterId r:id="rId6"/>
   </p:notesMasterIdLst>
   <p:sldIdLst>
-    <p:sldId id="259" r:id="rId2"/>
+    <p:sldId id="262" r:id="rId2"/>
     <p:sldId id="256" r:id="rId3"/>
     <p:sldId id="261" r:id="rId4"/>
     <p:sldId id="260" r:id="rId5"/>
@@ -115,7 +115,7 @@
       <p14:sectionLst xmlns:p14="http://schemas.microsoft.com/office/powerpoint/2010/main">
         <p14:section name="Overview" id="{23AD3A4E-86D7-4F73-9F79-A9AE95B1B270}">
           <p14:sldIdLst>
-            <p14:sldId id="259"/>
+            <p14:sldId id="262"/>
             <p14:sldId id="256"/>
           </p14:sldIdLst>
         </p14:section>
@@ -213,7 +213,7 @@
           <a:p>
             <a:fld id="{066D07CF-11C7-4B9C-BCBF-E2D9FCA17911}" type="datetimeFigureOut">
               <a:rPr lang="hu-HU" smtClean="0"/>
-              <a:t>2012.10.15.</a:t>
+              <a:t>2012.10.16.</a:t>
             </a:fld>
             <a:endParaRPr lang="hu-HU"/>
           </a:p>
@@ -525,6 +525,16 @@
           <a:bodyPr/>
           <a:lstStyle/>
           <a:p>
+            <a:r>
+              <a:rPr lang="hu-HU" dirty="0" smtClean="0"/>
+              <a:t>2</a:t>
+            </a:r>
+            <a:r>
+              <a:rPr lang="hu-HU" baseline="0" dirty="0" smtClean="0"/>
+              <a:t> nyíl kivételével piros nyilak.</a:t>
+            </a:r>
+          </a:p>
+          <a:p>
             <a:endParaRPr lang="hu-HU" dirty="0"/>
           </a:p>
         </p:txBody>
@@ -746,7 +756,7 @@
           <a:p>
             <a:fld id="{109A3B03-3B51-4BDD-9DD7-3CEC69C24252}" type="datetimeFigureOut">
               <a:rPr lang="hu-HU" smtClean="0"/>
-              <a:t>2012.10.15.</a:t>
+              <a:t>2012.10.16.</a:t>
             </a:fld>
             <a:endParaRPr lang="hu-HU"/>
           </a:p>
@@ -916,7 +926,7 @@
           <a:p>
             <a:fld id="{109A3B03-3B51-4BDD-9DD7-3CEC69C24252}" type="datetimeFigureOut">
               <a:rPr lang="hu-HU" smtClean="0"/>
-              <a:t>2012.10.15.</a:t>
+              <a:t>2012.10.16.</a:t>
             </a:fld>
             <a:endParaRPr lang="hu-HU"/>
           </a:p>
@@ -1096,7 +1106,7 @@
           <a:p>
             <a:fld id="{109A3B03-3B51-4BDD-9DD7-3CEC69C24252}" type="datetimeFigureOut">
               <a:rPr lang="hu-HU" smtClean="0"/>
-              <a:t>2012.10.15.</a:t>
+              <a:t>2012.10.16.</a:t>
             </a:fld>
             <a:endParaRPr lang="hu-HU"/>
           </a:p>
@@ -1266,7 +1276,7 @@
           <a:p>
             <a:fld id="{109A3B03-3B51-4BDD-9DD7-3CEC69C24252}" type="datetimeFigureOut">
               <a:rPr lang="hu-HU" smtClean="0"/>
-              <a:t>2012.10.15.</a:t>
+              <a:t>2012.10.16.</a:t>
             </a:fld>
             <a:endParaRPr lang="hu-HU"/>
           </a:p>
@@ -1512,7 +1522,7 @@
           <a:p>
             <a:fld id="{109A3B03-3B51-4BDD-9DD7-3CEC69C24252}" type="datetimeFigureOut">
               <a:rPr lang="hu-HU" smtClean="0"/>
-              <a:t>2012.10.15.</a:t>
+              <a:t>2012.10.16.</a:t>
             </a:fld>
             <a:endParaRPr lang="hu-HU"/>
           </a:p>
@@ -1800,7 +1810,7 @@
           <a:p>
             <a:fld id="{109A3B03-3B51-4BDD-9DD7-3CEC69C24252}" type="datetimeFigureOut">
               <a:rPr lang="hu-HU" smtClean="0"/>
-              <a:t>2012.10.15.</a:t>
+              <a:t>2012.10.16.</a:t>
             </a:fld>
             <a:endParaRPr lang="hu-HU"/>
           </a:p>
@@ -2222,7 +2232,7 @@
           <a:p>
             <a:fld id="{109A3B03-3B51-4BDD-9DD7-3CEC69C24252}" type="datetimeFigureOut">
               <a:rPr lang="hu-HU" smtClean="0"/>
-              <a:t>2012.10.15.</a:t>
+              <a:t>2012.10.16.</a:t>
             </a:fld>
             <a:endParaRPr lang="hu-HU"/>
           </a:p>
@@ -2340,7 +2350,7 @@
           <a:p>
             <a:fld id="{109A3B03-3B51-4BDD-9DD7-3CEC69C24252}" type="datetimeFigureOut">
               <a:rPr lang="hu-HU" smtClean="0"/>
-              <a:t>2012.10.15.</a:t>
+              <a:t>2012.10.16.</a:t>
             </a:fld>
             <a:endParaRPr lang="hu-HU"/>
           </a:p>
@@ -2435,7 +2445,7 @@
           <a:p>
             <a:fld id="{109A3B03-3B51-4BDD-9DD7-3CEC69C24252}" type="datetimeFigureOut">
               <a:rPr lang="hu-HU" smtClean="0"/>
-              <a:t>2012.10.15.</a:t>
+              <a:t>2012.10.16.</a:t>
             </a:fld>
             <a:endParaRPr lang="hu-HU"/>
           </a:p>
@@ -2712,7 +2722,7 @@
           <a:p>
             <a:fld id="{109A3B03-3B51-4BDD-9DD7-3CEC69C24252}" type="datetimeFigureOut">
               <a:rPr lang="hu-HU" smtClean="0"/>
-              <a:t>2012.10.15.</a:t>
+              <a:t>2012.10.16.</a:t>
             </a:fld>
             <a:endParaRPr lang="hu-HU"/>
           </a:p>
@@ -2965,7 +2975,7 @@
           <a:p>
             <a:fld id="{109A3B03-3B51-4BDD-9DD7-3CEC69C24252}" type="datetimeFigureOut">
               <a:rPr lang="hu-HU" smtClean="0"/>
-              <a:t>2012.10.15.</a:t>
+              <a:t>2012.10.16.</a:t>
             </a:fld>
             <a:endParaRPr lang="hu-HU"/>
           </a:p>
@@ -3178,7 +3188,7 @@
           <a:p>
             <a:fld id="{109A3B03-3B51-4BDD-9DD7-3CEC69C24252}" type="datetimeFigureOut">
               <a:rPr lang="hu-HU" smtClean="0"/>
-              <a:t>2012.10.15.</a:t>
+              <a:t>2012.10.16.</a:t>
             </a:fld>
             <a:endParaRPr lang="hu-HU"/>
           </a:p>
@@ -3555,265 +3565,13 @@
       </p:grpSpPr>
       <p:sp>
         <p:nvSpPr>
-          <p:cNvPr id="11" name="Téglalap 10"/>
+          <p:cNvPr id="10" name="Téglalap 9"/>
           <p:cNvSpPr/>
           <p:nvPr/>
         </p:nvSpPr>
         <p:spPr>
           <a:xfrm>
-            <a:off x="1844824" y="56455"/>
-            <a:ext cx="4238312" cy="4735541"/>
-          </a:xfrm>
-          <a:prstGeom prst="rect">
-            <a:avLst/>
-          </a:prstGeom>
-        </p:spPr>
-        <p:style>
-          <a:lnRef idx="1">
-            <a:schemeClr val="accent3"/>
-          </a:lnRef>
-          <a:fillRef idx="3">
-            <a:schemeClr val="accent3"/>
-          </a:fillRef>
-          <a:effectRef idx="2">
-            <a:schemeClr val="accent3"/>
-          </a:effectRef>
-          <a:fontRef idx="minor">
-            <a:schemeClr val="lt1"/>
-          </a:fontRef>
-        </p:style>
-        <p:txBody>
-          <a:bodyPr rtlCol="0" anchor="ctr"/>
-          <a:lstStyle/>
-          <a:p>
-            <a:pPr algn="ctr"/>
-            <a:endParaRPr lang="en-US"/>
-          </a:p>
-        </p:txBody>
-      </p:sp>
-      <p:sp>
-        <p:nvSpPr>
-          <p:cNvPr id="3" name="Téglalap 2"/>
-          <p:cNvSpPr/>
-          <p:nvPr/>
-        </p:nvSpPr>
-        <p:spPr>
-          <a:xfrm>
-            <a:off x="2160501" y="1280592"/>
-            <a:ext cx="3636135" cy="3321660"/>
-          </a:xfrm>
-          <a:prstGeom prst="rect">
-            <a:avLst/>
-          </a:prstGeom>
-        </p:spPr>
-        <p:style>
-          <a:lnRef idx="1">
-            <a:schemeClr val="accent2"/>
-          </a:lnRef>
-          <a:fillRef idx="2">
-            <a:schemeClr val="accent2"/>
-          </a:fillRef>
-          <a:effectRef idx="1">
-            <a:schemeClr val="accent2"/>
-          </a:effectRef>
-          <a:fontRef idx="minor">
-            <a:schemeClr val="dk1"/>
-          </a:fontRef>
-        </p:style>
-        <p:txBody>
-          <a:bodyPr rtlCol="0" anchor="ctr"/>
-          <a:lstStyle/>
-          <a:p>
-            <a:pPr algn="ctr"/>
-            <a:endParaRPr lang="en-US" smtClean="0"/>
-          </a:p>
-          <a:p>
-            <a:pPr algn="ctr"/>
-            <a:endParaRPr lang="en-US" smtClean="0"/>
-          </a:p>
-          <a:p>
-            <a:pPr algn="ctr"/>
-            <a:endParaRPr lang="en-US"/>
-          </a:p>
-        </p:txBody>
-      </p:sp>
-      <p:sp>
-        <p:nvSpPr>
-          <p:cNvPr id="4" name="Lekerekített téglalap 3"/>
-          <p:cNvSpPr/>
-          <p:nvPr/>
-        </p:nvSpPr>
-        <p:spPr>
-          <a:xfrm>
-            <a:off x="2313792" y="3224808"/>
-            <a:ext cx="1790926" cy="864096"/>
-          </a:xfrm>
-          <a:prstGeom prst="roundRect">
-            <a:avLst/>
-          </a:prstGeom>
-        </p:spPr>
-        <p:style>
-          <a:lnRef idx="3">
-            <a:schemeClr val="lt1"/>
-          </a:lnRef>
-          <a:fillRef idx="1">
-            <a:schemeClr val="accent1"/>
-          </a:fillRef>
-          <a:effectRef idx="1">
-            <a:schemeClr val="accent1"/>
-          </a:effectRef>
-          <a:fontRef idx="minor">
-            <a:schemeClr val="lt1"/>
-          </a:fontRef>
-        </p:style>
-        <p:txBody>
-          <a:bodyPr rtlCol="0" anchor="ctr"/>
-          <a:lstStyle/>
-          <a:p>
-            <a:pPr algn="ctr"/>
-            <a:r>
-              <a:rPr lang="en-US" smtClean="0"/>
-              <a:t>Repo model loader</a:t>
-            </a:r>
-            <a:endParaRPr lang="en-US"/>
-          </a:p>
-        </p:txBody>
-      </p:sp>
-      <p:sp>
-        <p:nvSpPr>
-          <p:cNvPr id="5" name="Lekerekített téglalap 4"/>
-          <p:cNvSpPr/>
-          <p:nvPr/>
-        </p:nvSpPr>
-        <p:spPr>
-          <a:xfrm>
-            <a:off x="4435279" y="3224808"/>
-            <a:ext cx="1215514" cy="864096"/>
-          </a:xfrm>
-          <a:prstGeom prst="roundRect">
-            <a:avLst/>
-          </a:prstGeom>
-        </p:spPr>
-        <p:style>
-          <a:lnRef idx="3">
-            <a:schemeClr val="lt1"/>
-          </a:lnRef>
-          <a:fillRef idx="1">
-            <a:schemeClr val="accent1"/>
-          </a:fillRef>
-          <a:effectRef idx="1">
-            <a:schemeClr val="accent1"/>
-          </a:effectRef>
-          <a:fontRef idx="minor">
-            <a:schemeClr val="lt1"/>
-          </a:fontRef>
-        </p:style>
-        <p:txBody>
-          <a:bodyPr rtlCol="0" anchor="ctr"/>
-          <a:lstStyle/>
-          <a:p>
-            <a:pPr algn="ctr"/>
-            <a:r>
-              <a:rPr lang="en-US" smtClean="0"/>
-              <a:t>Ws model creator</a:t>
-            </a:r>
-            <a:endParaRPr lang="en-US"/>
-          </a:p>
-        </p:txBody>
-      </p:sp>
-      <p:sp>
-        <p:nvSpPr>
-          <p:cNvPr id="6" name="Lekerekített téglalap 5"/>
-          <p:cNvSpPr/>
-          <p:nvPr/>
-        </p:nvSpPr>
-        <p:spPr>
-          <a:xfrm>
-            <a:off x="2313792" y="1770497"/>
-            <a:ext cx="1010114" cy="734231"/>
-          </a:xfrm>
-          <a:prstGeom prst="roundRect">
-            <a:avLst/>
-          </a:prstGeom>
-        </p:spPr>
-        <p:style>
-          <a:lnRef idx="3">
-            <a:schemeClr val="lt1"/>
-          </a:lnRef>
-          <a:fillRef idx="1">
-            <a:schemeClr val="accent1"/>
-          </a:fillRef>
-          <a:effectRef idx="1">
-            <a:schemeClr val="accent1"/>
-          </a:effectRef>
-          <a:fontRef idx="minor">
-            <a:schemeClr val="lt1"/>
-          </a:fontRef>
-        </p:style>
-        <p:txBody>
-          <a:bodyPr rtlCol="0" anchor="ctr"/>
-          <a:lstStyle/>
-          <a:p>
-            <a:pPr algn="ctr"/>
-            <a:r>
-              <a:rPr lang="en-US" smtClean="0"/>
-              <a:t>Direct queries</a:t>
-            </a:r>
-            <a:endParaRPr lang="en-US"/>
-          </a:p>
-        </p:txBody>
-      </p:sp>
-      <p:sp>
-        <p:nvSpPr>
-          <p:cNvPr id="7" name="Lekerekített téglalap 6"/>
-          <p:cNvSpPr/>
-          <p:nvPr/>
-        </p:nvSpPr>
-        <p:spPr>
-          <a:xfrm>
-            <a:off x="3744678" y="1756346"/>
-            <a:ext cx="1879656" cy="734231"/>
-          </a:xfrm>
-          <a:prstGeom prst="roundRect">
-            <a:avLst/>
-          </a:prstGeom>
-        </p:spPr>
-        <p:style>
-          <a:lnRef idx="3">
-            <a:schemeClr val="lt1"/>
-          </a:lnRef>
-          <a:fillRef idx="1">
-            <a:schemeClr val="accent1"/>
-          </a:fillRef>
-          <a:effectRef idx="1">
-            <a:schemeClr val="accent1"/>
-          </a:effectRef>
-          <a:fontRef idx="minor">
-            <a:schemeClr val="lt1"/>
-          </a:fontRef>
-        </p:style>
-        <p:txBody>
-          <a:bodyPr rtlCol="0" anchor="ctr"/>
-          <a:lstStyle/>
-          <a:p>
-            <a:pPr algn="ctr"/>
-            <a:r>
-              <a:rPr lang="en-US" smtClean="0"/>
-              <a:t>Pattern matcher</a:t>
-            </a:r>
-            <a:endParaRPr lang="en-US"/>
-          </a:p>
-        </p:txBody>
-      </p:sp>
-      <p:sp>
-        <p:nvSpPr>
-          <p:cNvPr id="9" name="Téglalap 8"/>
-          <p:cNvSpPr/>
-          <p:nvPr/>
-        </p:nvSpPr>
-        <p:spPr>
-          <a:xfrm>
-            <a:off x="2160501" y="2046815"/>
+            <a:off x="1869457" y="3254003"/>
             <a:ext cx="153291" cy="153291"/>
           </a:xfrm>
           <a:prstGeom prst="rect">
@@ -3847,14 +3605,14 @@
       </p:sp>
       <p:sp>
         <p:nvSpPr>
-          <p:cNvPr id="10" name="Téglalap 9"/>
+          <p:cNvPr id="45" name="Rectangle 44"/>
           <p:cNvSpPr/>
           <p:nvPr/>
         </p:nvSpPr>
         <p:spPr>
           <a:xfrm>
-            <a:off x="5639778" y="3580209"/>
-            <a:ext cx="153291" cy="153291"/>
+            <a:off x="1855937" y="4016896"/>
+            <a:ext cx="153293" cy="164578"/>
           </a:xfrm>
           <a:prstGeom prst="rect">
             <a:avLst/>
@@ -3881,6 +3639,256 @@
           <a:lstStyle/>
           <a:p>
             <a:pPr algn="ctr"/>
+            <a:endParaRPr lang="en-US"/>
+          </a:p>
+        </p:txBody>
+      </p:sp>
+      <p:sp>
+        <p:nvSpPr>
+          <p:cNvPr id="11" name="Téglalap 10"/>
+          <p:cNvSpPr/>
+          <p:nvPr/>
+        </p:nvSpPr>
+        <p:spPr>
+          <a:xfrm>
+            <a:off x="1844824" y="56455"/>
+            <a:ext cx="4896544" cy="4284186"/>
+          </a:xfrm>
+          <a:prstGeom prst="rect">
+            <a:avLst/>
+          </a:prstGeom>
+        </p:spPr>
+        <p:style>
+          <a:lnRef idx="1">
+            <a:schemeClr val="accent3"/>
+          </a:lnRef>
+          <a:fillRef idx="3">
+            <a:schemeClr val="accent3"/>
+          </a:fillRef>
+          <a:effectRef idx="2">
+            <a:schemeClr val="accent3"/>
+          </a:effectRef>
+          <a:fontRef idx="minor">
+            <a:schemeClr val="lt1"/>
+          </a:fontRef>
+        </p:style>
+        <p:txBody>
+          <a:bodyPr rtlCol="0" anchor="ctr"/>
+          <a:lstStyle/>
+          <a:p>
+            <a:pPr algn="ctr"/>
+            <a:endParaRPr lang="en-US"/>
+          </a:p>
+        </p:txBody>
+      </p:sp>
+      <p:sp>
+        <p:nvSpPr>
+          <p:cNvPr id="3" name="Téglalap 2"/>
+          <p:cNvSpPr/>
+          <p:nvPr/>
+        </p:nvSpPr>
+        <p:spPr>
+          <a:xfrm>
+            <a:off x="2160501" y="1137241"/>
+            <a:ext cx="4292835" cy="3042467"/>
+          </a:xfrm>
+          <a:prstGeom prst="rect">
+            <a:avLst/>
+          </a:prstGeom>
+        </p:spPr>
+        <p:style>
+          <a:lnRef idx="1">
+            <a:schemeClr val="accent2"/>
+          </a:lnRef>
+          <a:fillRef idx="2">
+            <a:schemeClr val="accent2"/>
+          </a:fillRef>
+          <a:effectRef idx="1">
+            <a:schemeClr val="accent2"/>
+          </a:effectRef>
+          <a:fontRef idx="minor">
+            <a:schemeClr val="dk1"/>
+          </a:fontRef>
+        </p:style>
+        <p:txBody>
+          <a:bodyPr rtlCol="0" anchor="ctr"/>
+          <a:lstStyle/>
+          <a:p>
+            <a:pPr algn="ctr"/>
+            <a:endParaRPr lang="en-US" smtClean="0"/>
+          </a:p>
+          <a:p>
+            <a:pPr algn="ctr"/>
+            <a:endParaRPr lang="en-US" smtClean="0"/>
+          </a:p>
+          <a:p>
+            <a:pPr algn="ctr"/>
+            <a:endParaRPr lang="en-US"/>
+          </a:p>
+        </p:txBody>
+      </p:sp>
+      <p:sp>
+        <p:nvSpPr>
+          <p:cNvPr id="4" name="Lekerekített téglalap 3"/>
+          <p:cNvSpPr/>
+          <p:nvPr/>
+        </p:nvSpPr>
+        <p:spPr>
+          <a:xfrm>
+            <a:off x="2322797" y="2755060"/>
+            <a:ext cx="1838862" cy="864096"/>
+          </a:xfrm>
+          <a:prstGeom prst="roundRect">
+            <a:avLst/>
+          </a:prstGeom>
+        </p:spPr>
+        <p:style>
+          <a:lnRef idx="3">
+            <a:schemeClr val="lt1"/>
+          </a:lnRef>
+          <a:fillRef idx="1">
+            <a:schemeClr val="accent1"/>
+          </a:fillRef>
+          <a:effectRef idx="1">
+            <a:schemeClr val="accent1"/>
+          </a:effectRef>
+          <a:fontRef idx="minor">
+            <a:schemeClr val="lt1"/>
+          </a:fontRef>
+        </p:style>
+        <p:txBody>
+          <a:bodyPr rtlCol="0" anchor="ctr"/>
+          <a:lstStyle/>
+          <a:p>
+            <a:pPr algn="ctr"/>
+            <a:r>
+              <a:rPr lang="hu-HU" sz="1600" dirty="0" smtClean="0"/>
+              <a:t>Dependency database synchronizer</a:t>
+            </a:r>
+            <a:endParaRPr lang="en-US" sz="1600" dirty="0"/>
+          </a:p>
+        </p:txBody>
+      </p:sp>
+      <p:sp>
+        <p:nvSpPr>
+          <p:cNvPr id="5" name="Lekerekített téglalap 4"/>
+          <p:cNvSpPr/>
+          <p:nvPr/>
+        </p:nvSpPr>
+        <p:spPr>
+          <a:xfrm>
+            <a:off x="4512135" y="2764627"/>
+            <a:ext cx="1780073" cy="864096"/>
+          </a:xfrm>
+          <a:prstGeom prst="roundRect">
+            <a:avLst/>
+          </a:prstGeom>
+        </p:spPr>
+        <p:style>
+          <a:lnRef idx="3">
+            <a:schemeClr val="lt1"/>
+          </a:lnRef>
+          <a:fillRef idx="1">
+            <a:schemeClr val="accent1"/>
+          </a:fillRef>
+          <a:effectRef idx="1">
+            <a:schemeClr val="accent1"/>
+          </a:effectRef>
+          <a:fontRef idx="minor">
+            <a:schemeClr val="lt1"/>
+          </a:fontRef>
+        </p:style>
+        <p:txBody>
+          <a:bodyPr rtlCol="0" anchor="ctr"/>
+          <a:lstStyle/>
+          <a:p>
+            <a:pPr algn="ctr"/>
+            <a:r>
+              <a:rPr lang="hu-HU" sz="1600" dirty="0" smtClean="0"/>
+              <a:t>Source code model synchronizer</a:t>
+            </a:r>
+            <a:endParaRPr lang="en-US" sz="1600" dirty="0"/>
+          </a:p>
+        </p:txBody>
+      </p:sp>
+      <p:sp>
+        <p:nvSpPr>
+          <p:cNvPr id="7" name="Lekerekített téglalap 6"/>
+          <p:cNvSpPr/>
+          <p:nvPr/>
+        </p:nvSpPr>
+        <p:spPr>
+          <a:xfrm>
+            <a:off x="2313791" y="1496617"/>
+            <a:ext cx="3975401" cy="504055"/>
+          </a:xfrm>
+          <a:prstGeom prst="roundRect">
+            <a:avLst/>
+          </a:prstGeom>
+        </p:spPr>
+        <p:style>
+          <a:lnRef idx="3">
+            <a:schemeClr val="lt1"/>
+          </a:lnRef>
+          <a:fillRef idx="1">
+            <a:schemeClr val="accent1"/>
+          </a:fillRef>
+          <a:effectRef idx="1">
+            <a:schemeClr val="accent1"/>
+          </a:effectRef>
+          <a:fontRef idx="minor">
+            <a:schemeClr val="lt1"/>
+          </a:fontRef>
+        </p:style>
+        <p:txBody>
+          <a:bodyPr rtlCol="0" anchor="ctr"/>
+          <a:lstStyle/>
+          <a:p>
+            <a:pPr algn="ctr"/>
+            <a:r>
+              <a:rPr lang="hu-HU" sz="1600" dirty="0" smtClean="0"/>
+              <a:t>Model query</a:t>
+            </a:r>
+            <a:endParaRPr lang="en-US" sz="1600" dirty="0"/>
+          </a:p>
+        </p:txBody>
+      </p:sp>
+      <p:sp>
+        <p:nvSpPr>
+          <p:cNvPr id="9" name="Téglalap 8"/>
+          <p:cNvSpPr/>
+          <p:nvPr/>
+        </p:nvSpPr>
+        <p:spPr>
+          <a:xfrm>
+            <a:off x="2169506" y="1709841"/>
+            <a:ext cx="153291" cy="153291"/>
+          </a:xfrm>
+          <a:prstGeom prst="rect">
+            <a:avLst/>
+          </a:prstGeom>
+        </p:spPr>
+        <p:style>
+          <a:lnRef idx="2">
+            <a:schemeClr val="accent1">
+              <a:shade val="50000"/>
+            </a:schemeClr>
+          </a:lnRef>
+          <a:fillRef idx="1">
+            <a:schemeClr val="accent1"/>
+          </a:fillRef>
+          <a:effectRef idx="0">
+            <a:schemeClr val="accent1"/>
+          </a:effectRef>
+          <a:fontRef idx="minor">
+            <a:schemeClr val="lt1"/>
+          </a:fontRef>
+        </p:style>
+        <p:txBody>
+          <a:bodyPr rtlCol="0" anchor="ctr"/>
+          <a:lstStyle/>
+          <a:p>
+            <a:pPr algn="ctr"/>
             <a:endParaRPr lang="en-US" b="1"/>
           </a:p>
         </p:txBody>
@@ -3894,7 +3902,7 @@
         <p:spPr>
           <a:xfrm>
             <a:off x="1844824" y="63749"/>
-            <a:ext cx="4238312" cy="369332"/>
+            <a:ext cx="4896544" cy="369332"/>
           </a:xfrm>
           <a:prstGeom prst="rect">
             <a:avLst/>
@@ -3945,7 +3953,7 @@
         <p:spPr>
           <a:xfrm>
             <a:off x="2160499" y="488504"/>
-            <a:ext cx="3636135" cy="567680"/>
+            <a:ext cx="4292837" cy="360040"/>
           </a:xfrm>
           <a:prstGeom prst="rect">
             <a:avLst/>
@@ -3971,28 +3979,33 @@
           <a:p>
             <a:pPr algn="ctr"/>
             <a:r>
-              <a:rPr lang="en-US" dirty="0">
+              <a:rPr lang="hu-HU" dirty="0">
                 <a:solidFill>
                   <a:schemeClr val="tx2"/>
                 </a:solidFill>
               </a:rPr>
-              <a:t>Views</a:t>
-            </a:r>
+              <a:t>UI components</a:t>
+            </a:r>
+            <a:endParaRPr lang="en-US" dirty="0">
+              <a:solidFill>
+                <a:schemeClr val="tx2"/>
+              </a:solidFill>
+            </a:endParaRPr>
           </a:p>
         </p:txBody>
       </p:sp>
       <p:grpSp>
         <p:nvGrpSpPr>
-          <p:cNvPr id="14" name="Csoportba foglalás 13"/>
+          <p:cNvPr id="138" name="Group 137"/>
           <p:cNvGrpSpPr/>
           <p:nvPr/>
         </p:nvGrpSpPr>
         <p:grpSpPr>
           <a:xfrm>
-            <a:off x="44625" y="1667495"/>
-            <a:ext cx="936103" cy="1243881"/>
-            <a:chOff x="116632" y="108719"/>
-            <a:chExt cx="936103" cy="1243881"/>
+            <a:off x="29781" y="1323676"/>
+            <a:ext cx="936103" cy="1222701"/>
+            <a:chOff x="-43124" y="1448842"/>
+            <a:chExt cx="936103" cy="1222701"/>
           </a:xfrm>
         </p:grpSpPr>
         <p:pic>
@@ -4018,7 +4031,7 @@
           </p:blipFill>
           <p:spPr bwMode="auto">
             <a:xfrm>
-              <a:off x="368660" y="108719"/>
+              <a:off x="208905" y="1448842"/>
               <a:ext cx="432047" cy="914924"/>
             </a:xfrm>
             <a:prstGeom prst="rect">
@@ -4067,7 +4080,7 @@
           </p:nvSpPr>
           <p:spPr>
             <a:xfrm>
-              <a:off x="116632" y="1044823"/>
+              <a:off x="-43124" y="2363766"/>
               <a:ext cx="936103" cy="307777"/>
             </a:xfrm>
             <a:prstGeom prst="rect">
@@ -4082,10 +4095,10 @@
             <a:lstStyle/>
             <a:p>
               <a:r>
-                <a:rPr lang="en-US" sz="1400" smtClean="0"/>
-                <a:t>Developer</a:t>
+                <a:rPr lang="en-US" sz="1400" dirty="0" smtClean="0"/>
+                <a:t>developer</a:t>
               </a:r>
-              <a:endParaRPr lang="en-US"/>
+              <a:endParaRPr lang="en-US" dirty="0"/>
             </a:p>
           </p:txBody>
         </p:sp>
@@ -4094,20 +4107,17 @@
         <p:nvCxnSpPr>
           <p:cNvPr id="17" name="Szögletes összekötő 16"/>
           <p:cNvCxnSpPr>
-            <a:stCxn id="11" idx="3"/>
-            <a:endCxn id="10" idx="3"/>
+            <a:stCxn id="16" idx="2"/>
           </p:cNvCxnSpPr>
           <p:nvPr/>
         </p:nvCxnSpPr>
         <p:spPr>
-          <a:xfrm flipH="1">
-            <a:off x="5793069" y="2424226"/>
-            <a:ext cx="290067" cy="1232629"/>
-          </a:xfrm>
-          <a:prstGeom prst="bentConnector3">
-            <a:avLst>
-              <a:gd name="adj1" fmla="val -203591"/>
-            </a:avLst>
+          <a:xfrm rot="16200000" flipH="1">
+            <a:off x="781226" y="2262983"/>
+            <a:ext cx="784272" cy="1351059"/>
+          </a:xfrm>
+          <a:prstGeom prst="bentConnector2">
+            <a:avLst/>
           </a:prstGeom>
           <a:ln>
             <a:tailEnd type="arrow"/>
@@ -4130,47 +4140,16 @@
       </p:cxnSp>
       <p:cxnSp>
         <p:nvCxnSpPr>
-          <p:cNvPr id="28" name="Egyenes összekötő nyíllal 27"/>
-          <p:cNvCxnSpPr/>
+          <p:cNvPr id="38" name="Egyenes összekötő nyíllal 37"/>
+          <p:cNvCxnSpPr>
+            <a:stCxn id="5" idx="0"/>
+          </p:cNvCxnSpPr>
           <p:nvPr/>
         </p:nvCxnSpPr>
         <p:spPr>
-          <a:xfrm flipV="1">
-            <a:off x="3531488" y="1056184"/>
-            <a:ext cx="0" cy="2168624"/>
-          </a:xfrm>
-          <a:prstGeom prst="straightConnector1">
-            <a:avLst/>
-          </a:prstGeom>
-          <a:ln>
-            <a:tailEnd type="arrow"/>
-          </a:ln>
-        </p:spPr>
-        <p:style>
-          <a:lnRef idx="3">
-            <a:schemeClr val="accent5"/>
-          </a:lnRef>
-          <a:fillRef idx="0">
-            <a:schemeClr val="accent5"/>
-          </a:fillRef>
-          <a:effectRef idx="2">
-            <a:schemeClr val="accent5"/>
-          </a:effectRef>
-          <a:fontRef idx="minor">
-            <a:schemeClr val="tx1"/>
-          </a:fontRef>
-        </p:style>
-      </p:cxnSp>
-      <p:cxnSp>
-        <p:nvCxnSpPr>
-          <p:cNvPr id="38" name="Egyenes összekötő nyíllal 37"/>
-          <p:cNvCxnSpPr/>
-          <p:nvPr/>
-        </p:nvCxnSpPr>
-        <p:spPr>
-          <a:xfrm flipV="1">
-            <a:off x="5014332" y="2504728"/>
-            <a:ext cx="0" cy="710208"/>
+          <a:xfrm flipH="1" flipV="1">
+            <a:off x="5399156" y="2010443"/>
+            <a:ext cx="3016" cy="754184"/>
           </a:xfrm>
           <a:prstGeom prst="straightConnector1">
             <a:avLst/>
@@ -4205,8 +4184,8 @@
         </p:nvCxnSpPr>
         <p:spPr>
           <a:xfrm rot="10800000" flipV="1">
-            <a:off x="512677" y="772343"/>
-            <a:ext cx="1647822" cy="895151"/>
+            <a:off x="497835" y="668524"/>
+            <a:ext cx="1662665" cy="655152"/>
           </a:xfrm>
           <a:prstGeom prst="bentConnector2">
             <a:avLst/>
@@ -4240,9 +4219,9 @@
           <p:nvPr/>
         </p:nvCxnSpPr>
         <p:spPr>
-          <a:xfrm flipV="1">
-            <a:off x="728700" y="2123461"/>
-            <a:ext cx="1431801" cy="1496"/>
+          <a:xfrm>
+            <a:off x="713857" y="1781138"/>
+            <a:ext cx="1455649" cy="5349"/>
           </a:xfrm>
           <a:prstGeom prst="straightConnector1">
             <a:avLst/>
@@ -4271,16 +4250,441 @@
           <p:cNvPr id="44" name="Egyenes összekötő nyíllal 43"/>
           <p:cNvCxnSpPr>
             <a:stCxn id="7" idx="0"/>
+            <a:endCxn id="13" idx="2"/>
           </p:cNvCxnSpPr>
           <p:nvPr/>
         </p:nvCxnSpPr>
         <p:spPr>
           <a:xfrm flipV="1">
-            <a:off x="4684506" y="1056184"/>
-            <a:ext cx="0" cy="700162"/>
+            <a:off x="4301492" y="848544"/>
+            <a:ext cx="5426" cy="648073"/>
           </a:xfrm>
           <a:prstGeom prst="straightConnector1">
             <a:avLst/>
+          </a:prstGeom>
+          <a:ln>
+            <a:tailEnd type="arrow"/>
+          </a:ln>
+        </p:spPr>
+        <p:style>
+          <a:lnRef idx="3">
+            <a:schemeClr val="accent5"/>
+          </a:lnRef>
+          <a:fillRef idx="0">
+            <a:schemeClr val="accent5"/>
+          </a:fillRef>
+          <a:effectRef idx="2">
+            <a:schemeClr val="accent5"/>
+          </a:effectRef>
+          <a:fontRef idx="minor">
+            <a:schemeClr val="tx1"/>
+          </a:fontRef>
+        </p:style>
+      </p:cxnSp>
+      <p:sp>
+        <p:nvSpPr>
+          <p:cNvPr id="51" name="Téglalap 50"/>
+          <p:cNvSpPr/>
+          <p:nvPr/>
+        </p:nvSpPr>
+        <p:spPr>
+          <a:xfrm>
+            <a:off x="1535606" y="4810754"/>
+            <a:ext cx="5205763" cy="1536724"/>
+          </a:xfrm>
+          <a:prstGeom prst="rect">
+            <a:avLst/>
+          </a:prstGeom>
+        </p:spPr>
+        <p:style>
+          <a:lnRef idx="1">
+            <a:schemeClr val="accent2"/>
+          </a:lnRef>
+          <a:fillRef idx="2">
+            <a:schemeClr val="accent2"/>
+          </a:fillRef>
+          <a:effectRef idx="1">
+            <a:schemeClr val="accent2"/>
+          </a:effectRef>
+          <a:fontRef idx="minor">
+            <a:schemeClr val="dk1"/>
+          </a:fontRef>
+        </p:style>
+        <p:txBody>
+          <a:bodyPr rtlCol="0" anchor="ctr"/>
+          <a:lstStyle/>
+          <a:p>
+            <a:pPr algn="ctr"/>
+            <a:endParaRPr lang="en-US">
+              <a:solidFill>
+                <a:schemeClr val="dk1"/>
+              </a:solidFill>
+            </a:endParaRPr>
+          </a:p>
+          <a:p>
+            <a:pPr algn="ctr"/>
+            <a:endParaRPr lang="en-US">
+              <a:solidFill>
+                <a:schemeClr val="dk1"/>
+              </a:solidFill>
+            </a:endParaRPr>
+          </a:p>
+          <a:p>
+            <a:pPr algn="ctr"/>
+            <a:endParaRPr lang="en-US">
+              <a:solidFill>
+                <a:schemeClr val="dk1"/>
+              </a:solidFill>
+            </a:endParaRPr>
+          </a:p>
+        </p:txBody>
+      </p:sp>
+      <p:sp>
+        <p:nvSpPr>
+          <p:cNvPr id="52" name="Szövegdoboz 51"/>
+          <p:cNvSpPr txBox="1"/>
+          <p:nvPr/>
+        </p:nvSpPr>
+        <p:spPr>
+          <a:xfrm>
+            <a:off x="1535606" y="4803138"/>
+            <a:ext cx="5205763" cy="369332"/>
+          </a:xfrm>
+          <a:prstGeom prst="rect">
+            <a:avLst/>
+          </a:prstGeom>
+          <a:noFill/>
+        </p:spPr>
+        <p:txBody>
+          <a:bodyPr wrap="square" rtlCol="0">
+            <a:spAutoFit/>
+          </a:bodyPr>
+          <a:lstStyle/>
+          <a:p>
+            <a:pPr algn="ctr"/>
+            <a:r>
+              <a:rPr lang="en-US" dirty="0" smtClean="0">
+                <a:solidFill>
+                  <a:schemeClr val="tx2"/>
+                </a:solidFill>
+              </a:rPr>
+              <a:t>Server</a:t>
+            </a:r>
+            <a:endParaRPr lang="en-US" dirty="0">
+              <a:solidFill>
+                <a:schemeClr val="tx2"/>
+              </a:solidFill>
+            </a:endParaRPr>
+          </a:p>
+        </p:txBody>
+      </p:sp>
+      <p:sp>
+        <p:nvSpPr>
+          <p:cNvPr id="53" name="Lekerekített téglalap 52"/>
+          <p:cNvSpPr/>
+          <p:nvPr/>
+        </p:nvSpPr>
+        <p:spPr>
+          <a:xfrm>
+            <a:off x="1795068" y="5241513"/>
+            <a:ext cx="989271" cy="864096"/>
+          </a:xfrm>
+          <a:prstGeom prst="roundRect">
+            <a:avLst/>
+          </a:prstGeom>
+        </p:spPr>
+        <p:style>
+          <a:lnRef idx="3">
+            <a:schemeClr val="lt1"/>
+          </a:lnRef>
+          <a:fillRef idx="1">
+            <a:schemeClr val="accent1"/>
+          </a:fillRef>
+          <a:effectRef idx="1">
+            <a:schemeClr val="accent1"/>
+          </a:effectRef>
+          <a:fontRef idx="minor">
+            <a:schemeClr val="lt1"/>
+          </a:fontRef>
+        </p:style>
+        <p:txBody>
+          <a:bodyPr rtlCol="0" anchor="ctr"/>
+          <a:lstStyle/>
+          <a:p>
+            <a:pPr algn="ctr"/>
+            <a:r>
+              <a:rPr lang="en-US" sz="1600" dirty="0" smtClean="0"/>
+              <a:t>Byte</a:t>
+            </a:r>
+          </a:p>
+          <a:p>
+            <a:pPr algn="ctr"/>
+            <a:r>
+              <a:rPr lang="en-US" sz="1600" dirty="0" smtClean="0"/>
+              <a:t>code</a:t>
+            </a:r>
+          </a:p>
+          <a:p>
+            <a:pPr algn="ctr"/>
+            <a:r>
+              <a:rPr lang="en-US" sz="1600" dirty="0" smtClean="0"/>
+              <a:t>analyzer</a:t>
+            </a:r>
+            <a:endParaRPr lang="en-US" sz="1600" dirty="0"/>
+          </a:p>
+        </p:txBody>
+      </p:sp>
+      <p:sp>
+        <p:nvSpPr>
+          <p:cNvPr id="55" name="Lekerekített téglalap 54"/>
+          <p:cNvSpPr/>
+          <p:nvPr/>
+        </p:nvSpPr>
+        <p:spPr>
+          <a:xfrm>
+            <a:off x="5517232" y="5262903"/>
+            <a:ext cx="1137613" cy="842706"/>
+          </a:xfrm>
+          <a:prstGeom prst="roundRect">
+            <a:avLst/>
+          </a:prstGeom>
+        </p:spPr>
+        <p:style>
+          <a:lnRef idx="3">
+            <a:schemeClr val="lt1"/>
+          </a:lnRef>
+          <a:fillRef idx="1">
+            <a:schemeClr val="accent1"/>
+          </a:fillRef>
+          <a:effectRef idx="1">
+            <a:schemeClr val="accent1"/>
+          </a:effectRef>
+          <a:fontRef idx="minor">
+            <a:schemeClr val="lt1"/>
+          </a:fontRef>
+        </p:style>
+        <p:txBody>
+          <a:bodyPr rtlCol="0" anchor="ctr"/>
+          <a:lstStyle/>
+          <a:p>
+            <a:pPr algn="ctr"/>
+            <a:r>
+              <a:rPr lang="en-US" sz="1600" dirty="0" smtClean="0"/>
+              <a:t>Storage</a:t>
+            </a:r>
+          </a:p>
+          <a:p>
+            <a:pPr algn="ctr"/>
+            <a:r>
+              <a:rPr lang="en-US" sz="1600" dirty="0" smtClean="0"/>
+              <a:t>engine</a:t>
+            </a:r>
+            <a:endParaRPr lang="en-US" sz="1600" dirty="0"/>
+          </a:p>
+        </p:txBody>
+      </p:sp>
+      <p:sp>
+        <p:nvSpPr>
+          <p:cNvPr id="56" name="Szövegdoboz 55"/>
+          <p:cNvSpPr txBox="1"/>
+          <p:nvPr/>
+        </p:nvSpPr>
+        <p:spPr>
+          <a:xfrm>
+            <a:off x="1051012" y="5725924"/>
+            <a:ext cx="777270" cy="307777"/>
+          </a:xfrm>
+          <a:prstGeom prst="rect">
+            <a:avLst/>
+          </a:prstGeom>
+          <a:noFill/>
+        </p:spPr>
+        <p:txBody>
+          <a:bodyPr wrap="square" rtlCol="0">
+            <a:spAutoFit/>
+          </a:bodyPr>
+          <a:lstStyle/>
+          <a:p>
+            <a:pPr algn="ctr"/>
+            <a:r>
+              <a:rPr lang="en-US" sz="1400" dirty="0" smtClean="0">
+                <a:solidFill>
+                  <a:schemeClr val="accent5"/>
+                </a:solidFill>
+              </a:rPr>
+              <a:t>binaries</a:t>
+            </a:r>
+            <a:endParaRPr lang="en-US" sz="1400" dirty="0">
+              <a:solidFill>
+                <a:schemeClr val="accent5"/>
+              </a:solidFill>
+            </a:endParaRPr>
+          </a:p>
+        </p:txBody>
+      </p:sp>
+      <p:sp>
+        <p:nvSpPr>
+          <p:cNvPr id="57" name="Téglalap 56"/>
+          <p:cNvSpPr/>
+          <p:nvPr/>
+        </p:nvSpPr>
+        <p:spPr>
+          <a:xfrm>
+            <a:off x="2743366" y="5311201"/>
+            <a:ext cx="870619" cy="307777"/>
+          </a:xfrm>
+          <a:prstGeom prst="rect">
+            <a:avLst/>
+          </a:prstGeom>
+        </p:spPr>
+        <p:txBody>
+          <a:bodyPr wrap="square">
+            <a:spAutoFit/>
+          </a:bodyPr>
+          <a:lstStyle/>
+          <a:p>
+            <a:pPr algn="ctr"/>
+            <a:r>
+              <a:rPr lang="en-US" sz="1400" dirty="0" smtClean="0">
+                <a:solidFill>
+                  <a:schemeClr val="accent5"/>
+                </a:solidFill>
+              </a:rPr>
+              <a:t>structure</a:t>
+            </a:r>
+            <a:endParaRPr lang="en-US" sz="1400" dirty="0">
+              <a:solidFill>
+                <a:schemeClr val="accent5"/>
+              </a:solidFill>
+            </a:endParaRPr>
+          </a:p>
+        </p:txBody>
+      </p:sp>
+      <p:cxnSp>
+        <p:nvCxnSpPr>
+          <p:cNvPr id="58" name="Egyenes összekötő nyíllal 57"/>
+          <p:cNvCxnSpPr>
+            <a:stCxn id="53" idx="3"/>
+            <a:endCxn id="62" idx="1"/>
+          </p:cNvCxnSpPr>
+          <p:nvPr/>
+        </p:nvCxnSpPr>
+        <p:spPr>
+          <a:xfrm>
+            <a:off x="2784339" y="5673561"/>
+            <a:ext cx="788677" cy="0"/>
+          </a:xfrm>
+          <a:prstGeom prst="straightConnector1">
+            <a:avLst/>
+          </a:prstGeom>
+          <a:ln>
+            <a:tailEnd type="arrow"/>
+          </a:ln>
+        </p:spPr>
+        <p:style>
+          <a:lnRef idx="3">
+            <a:schemeClr val="accent5"/>
+          </a:lnRef>
+          <a:fillRef idx="0">
+            <a:schemeClr val="accent5"/>
+          </a:fillRef>
+          <a:effectRef idx="2">
+            <a:schemeClr val="accent5"/>
+          </a:effectRef>
+          <a:fontRef idx="minor">
+            <a:schemeClr val="tx1"/>
+          </a:fontRef>
+        </p:style>
+      </p:cxnSp>
+      <p:sp>
+        <p:nvSpPr>
+          <p:cNvPr id="60" name="Szövegdoboz 59"/>
+          <p:cNvSpPr txBox="1"/>
+          <p:nvPr/>
+        </p:nvSpPr>
+        <p:spPr>
+          <a:xfrm>
+            <a:off x="502515" y="3837575"/>
+            <a:ext cx="692527" cy="523220"/>
+          </a:xfrm>
+          <a:prstGeom prst="rect">
+            <a:avLst/>
+          </a:prstGeom>
+          <a:noFill/>
+        </p:spPr>
+        <p:txBody>
+          <a:bodyPr wrap="square" rtlCol="0">
+            <a:spAutoFit/>
+          </a:bodyPr>
+          <a:lstStyle/>
+          <a:p>
+            <a:r>
+              <a:rPr lang="en-US" sz="1400" dirty="0" smtClean="0">
+                <a:solidFill>
+                  <a:schemeClr val="accent5"/>
+                </a:solidFill>
+              </a:rPr>
+              <a:t>source code</a:t>
+            </a:r>
+            <a:endParaRPr lang="en-US" sz="1400" dirty="0">
+              <a:solidFill>
+                <a:schemeClr val="accent5"/>
+              </a:solidFill>
+            </a:endParaRPr>
+          </a:p>
+        </p:txBody>
+      </p:sp>
+      <p:sp>
+        <p:nvSpPr>
+          <p:cNvPr id="61" name="Téglalap 60"/>
+          <p:cNvSpPr/>
+          <p:nvPr/>
+        </p:nvSpPr>
+        <p:spPr>
+          <a:xfrm>
+            <a:off x="3233471" y="4376755"/>
+            <a:ext cx="1886799" cy="307777"/>
+          </a:xfrm>
+          <a:prstGeom prst="rect">
+            <a:avLst/>
+          </a:prstGeom>
+          <a:noFill/>
+        </p:spPr>
+        <p:txBody>
+          <a:bodyPr wrap="square" rtlCol="0">
+            <a:spAutoFit/>
+          </a:bodyPr>
+          <a:lstStyle/>
+          <a:p>
+            <a:r>
+              <a:rPr lang="en-US" sz="1400" dirty="0">
+                <a:solidFill>
+                  <a:schemeClr val="accent5"/>
+                </a:solidFill>
+              </a:rPr>
+              <a:t>query &amp; retrieve model</a:t>
+            </a:r>
+          </a:p>
+        </p:txBody>
+      </p:sp>
+      <p:cxnSp>
+        <p:nvCxnSpPr>
+          <p:cNvPr id="63" name="Szögletes összekötő 62"/>
+          <p:cNvCxnSpPr>
+            <a:stCxn id="4" idx="2"/>
+            <a:endCxn id="55" idx="0"/>
+          </p:cNvCxnSpPr>
+          <p:nvPr/>
+        </p:nvCxnSpPr>
+        <p:spPr>
+          <a:xfrm rot="16200000" flipH="1">
+            <a:off x="3842260" y="3019123"/>
+            <a:ext cx="1643747" cy="2843811"/>
+          </a:xfrm>
+          <a:prstGeom prst="bentConnector3">
+            <a:avLst>
+              <a:gd name="adj1" fmla="val 64834"/>
+            </a:avLst>
           </a:prstGeom>
           <a:ln>
             <a:tailEnd type="arrow"/>
@@ -4303,239 +4707,16 @@
       </p:cxnSp>
       <p:cxnSp>
         <p:nvCxnSpPr>
-          <p:cNvPr id="47" name="Egyenes összekötő nyíllal 46"/>
-          <p:cNvCxnSpPr>
-            <a:stCxn id="6" idx="2"/>
-          </p:cNvCxnSpPr>
+          <p:cNvPr id="72" name="Szögletes összekötő 71"/>
+          <p:cNvCxnSpPr/>
           <p:nvPr/>
         </p:nvCxnSpPr>
         <p:spPr>
-          <a:xfrm>
-            <a:off x="2818849" y="2504728"/>
-            <a:ext cx="0" cy="720080"/>
-          </a:xfrm>
-          <a:prstGeom prst="straightConnector1">
-            <a:avLst/>
-          </a:prstGeom>
-          <a:ln>
-            <a:tailEnd type="arrow"/>
-          </a:ln>
-        </p:spPr>
-        <p:style>
-          <a:lnRef idx="3">
-            <a:schemeClr val="dk1"/>
-          </a:lnRef>
-          <a:fillRef idx="0">
-            <a:schemeClr val="dk1"/>
-          </a:fillRef>
-          <a:effectRef idx="2">
-            <a:schemeClr val="dk1"/>
-          </a:effectRef>
-          <a:fontRef idx="minor">
-            <a:schemeClr val="tx1"/>
-          </a:fontRef>
-        </p:style>
-      </p:cxnSp>
-      <p:sp>
-        <p:nvSpPr>
-          <p:cNvPr id="49" name="Téglalap 48"/>
-          <p:cNvSpPr/>
-          <p:nvPr/>
-        </p:nvSpPr>
-        <p:spPr>
-          <a:xfrm>
-            <a:off x="44625" y="5308526"/>
-            <a:ext cx="1606918" cy="1588690"/>
-          </a:xfrm>
-          <a:prstGeom prst="rect">
-            <a:avLst/>
-          </a:prstGeom>
-        </p:spPr>
-        <p:style>
-          <a:lnRef idx="1">
-            <a:schemeClr val="accent3"/>
-          </a:lnRef>
-          <a:fillRef idx="3">
-            <a:schemeClr val="accent3"/>
-          </a:fillRef>
-          <a:effectRef idx="2">
-            <a:schemeClr val="accent3"/>
-          </a:effectRef>
-          <a:fontRef idx="minor">
-            <a:schemeClr val="lt1"/>
-          </a:fontRef>
-        </p:style>
-        <p:txBody>
-          <a:bodyPr rtlCol="0" anchor="ctr"/>
-          <a:lstStyle/>
-          <a:p>
-            <a:pPr algn="ctr"/>
-            <a:r>
-              <a:rPr lang="en-US" dirty="0">
-                <a:solidFill>
-                  <a:schemeClr val="tx2"/>
-                </a:solidFill>
-              </a:rPr>
-              <a:t>Central repository management</a:t>
-            </a:r>
-          </a:p>
-        </p:txBody>
-      </p:sp>
-      <p:sp>
-        <p:nvSpPr>
-          <p:cNvPr id="51" name="Téglalap 50"/>
-          <p:cNvSpPr/>
-          <p:nvPr/>
-        </p:nvSpPr>
-        <p:spPr>
-          <a:xfrm>
-            <a:off x="2385243" y="5316141"/>
-            <a:ext cx="3697894" cy="1581075"/>
-          </a:xfrm>
-          <a:prstGeom prst="rect">
-            <a:avLst/>
-          </a:prstGeom>
-        </p:spPr>
-        <p:style>
-          <a:lnRef idx="1">
-            <a:schemeClr val="accent3"/>
-          </a:lnRef>
-          <a:fillRef idx="3">
-            <a:schemeClr val="accent3"/>
-          </a:fillRef>
-          <a:effectRef idx="2">
-            <a:schemeClr val="accent3"/>
-          </a:effectRef>
-          <a:fontRef idx="minor">
-            <a:schemeClr val="lt1"/>
-          </a:fontRef>
-        </p:style>
-        <p:txBody>
-          <a:bodyPr rtlCol="0" anchor="ctr"/>
-          <a:lstStyle/>
-          <a:p>
-            <a:pPr algn="ctr"/>
-            <a:endParaRPr lang="en-US" smtClean="0"/>
-          </a:p>
-          <a:p>
-            <a:pPr algn="ctr"/>
-            <a:endParaRPr lang="en-US" smtClean="0"/>
-          </a:p>
-          <a:p>
-            <a:pPr algn="ctr"/>
-            <a:endParaRPr lang="en-US"/>
-          </a:p>
-        </p:txBody>
-      </p:sp>
-      <p:sp>
-        <p:nvSpPr>
-          <p:cNvPr id="52" name="Szövegdoboz 51"/>
-          <p:cNvSpPr txBox="1"/>
-          <p:nvPr/>
-        </p:nvSpPr>
-        <p:spPr>
-          <a:xfrm>
-            <a:off x="2385243" y="5308526"/>
-            <a:ext cx="3697893" cy="369332"/>
-          </a:xfrm>
-          <a:prstGeom prst="rect">
-            <a:avLst/>
-          </a:prstGeom>
-          <a:noFill/>
-        </p:spPr>
-        <p:txBody>
-          <a:bodyPr wrap="square" rtlCol="0">
-            <a:spAutoFit/>
-          </a:bodyPr>
-          <a:lstStyle/>
-          <a:p>
-            <a:pPr algn="ctr"/>
-            <a:r>
-              <a:rPr lang="en-US" dirty="0" smtClean="0">
-                <a:solidFill>
-                  <a:schemeClr val="tx2"/>
-                </a:solidFill>
-              </a:rPr>
-              <a:t>Server process</a:t>
-            </a:r>
-            <a:endParaRPr lang="en-US" dirty="0">
-              <a:solidFill>
-                <a:schemeClr val="tx2"/>
-              </a:solidFill>
-            </a:endParaRPr>
-          </a:p>
-        </p:txBody>
-      </p:sp>
-      <p:sp>
-        <p:nvSpPr>
-          <p:cNvPr id="53" name="Lekerekített téglalap 52"/>
-          <p:cNvSpPr/>
-          <p:nvPr/>
-        </p:nvSpPr>
-        <p:spPr>
-          <a:xfrm>
-            <a:off x="2645052" y="5817096"/>
-            <a:ext cx="1073562" cy="864096"/>
-          </a:xfrm>
-          <a:prstGeom prst="roundRect">
-            <a:avLst/>
-          </a:prstGeom>
-        </p:spPr>
-        <p:style>
-          <a:lnRef idx="3">
-            <a:schemeClr val="lt1"/>
-          </a:lnRef>
-          <a:fillRef idx="1">
-            <a:schemeClr val="accent1"/>
-          </a:fillRef>
-          <a:effectRef idx="1">
-            <a:schemeClr val="accent1"/>
-          </a:effectRef>
-          <a:fontRef idx="minor">
-            <a:schemeClr val="lt1"/>
-          </a:fontRef>
-        </p:style>
-        <p:txBody>
-          <a:bodyPr rtlCol="0" anchor="ctr"/>
-          <a:lstStyle/>
-          <a:p>
-            <a:pPr algn="ctr"/>
-            <a:r>
-              <a:rPr lang="en-US" dirty="0" smtClean="0"/>
-              <a:t>Byte</a:t>
-            </a:r>
-          </a:p>
-          <a:p>
-            <a:pPr algn="ctr"/>
-            <a:r>
-              <a:rPr lang="en-US" dirty="0" smtClean="0"/>
-              <a:t>code</a:t>
-            </a:r>
-          </a:p>
-          <a:p>
-            <a:pPr algn="ctr"/>
-            <a:r>
-              <a:rPr lang="en-US" dirty="0" smtClean="0"/>
-              <a:t>analyzer</a:t>
-            </a:r>
-            <a:endParaRPr lang="en-US" dirty="0"/>
-          </a:p>
-        </p:txBody>
-      </p:sp>
-      <p:cxnSp>
-        <p:nvCxnSpPr>
-          <p:cNvPr id="54" name="Egyenes összekötő nyíllal 53"/>
-          <p:cNvCxnSpPr>
-            <a:endCxn id="53" idx="1"/>
-          </p:cNvCxnSpPr>
-          <p:nvPr/>
-        </p:nvCxnSpPr>
-        <p:spPr>
-          <a:xfrm>
-            <a:off x="1651543" y="6249144"/>
-            <a:ext cx="993509" cy="0"/>
-          </a:xfrm>
-          <a:prstGeom prst="straightConnector1">
+          <a:xfrm rot="5400000" flipH="1" flipV="1">
+            <a:off x="765323" y="3547568"/>
+            <a:ext cx="850078" cy="1375694"/>
+          </a:xfrm>
+          <a:prstGeom prst="bentConnector2">
             <a:avLst/>
           </a:prstGeom>
           <a:ln>
@@ -4559,63 +4740,100 @@
       </p:cxnSp>
       <p:sp>
         <p:nvSpPr>
-          <p:cNvPr id="55" name="Lekerekített téglalap 54"/>
+          <p:cNvPr id="75" name="Téglalap 74"/>
           <p:cNvSpPr/>
           <p:nvPr/>
         </p:nvSpPr>
         <p:spPr>
           <a:xfrm>
-            <a:off x="4801150" y="5833645"/>
-            <a:ext cx="1137613" cy="864096"/>
-          </a:xfrm>
-          <a:prstGeom prst="roundRect">
-            <a:avLst/>
-          </a:prstGeom>
-        </p:spPr>
-        <p:style>
-          <a:lnRef idx="3">
-            <a:schemeClr val="lt1"/>
-          </a:lnRef>
-          <a:fillRef idx="1">
-            <a:schemeClr val="accent1"/>
-          </a:fillRef>
-          <a:effectRef idx="1">
-            <a:schemeClr val="accent1"/>
-          </a:effectRef>
-          <a:fontRef idx="minor">
-            <a:schemeClr val="lt1"/>
-          </a:fontRef>
-        </p:style>
-        <p:txBody>
-          <a:bodyPr rtlCol="0" anchor="ctr"/>
-          <a:lstStyle/>
-          <a:p>
-            <a:pPr algn="ctr"/>
-            <a:r>
-              <a:rPr lang="en-US" smtClean="0"/>
-              <a:t>Storage</a:t>
-            </a:r>
-          </a:p>
-          <a:p>
-            <a:pPr algn="ctr"/>
-            <a:r>
-              <a:rPr lang="en-US" smtClean="0"/>
-              <a:t>engine</a:t>
-            </a:r>
-            <a:endParaRPr lang="en-US"/>
-          </a:p>
-        </p:txBody>
-      </p:sp>
-      <p:sp>
-        <p:nvSpPr>
-          <p:cNvPr id="56" name="Szövegdoboz 55"/>
+            <a:off x="486828" y="2578235"/>
+            <a:ext cx="692818" cy="738664"/>
+          </a:xfrm>
+          <a:prstGeom prst="rect">
+            <a:avLst/>
+          </a:prstGeom>
+        </p:spPr>
+        <p:txBody>
+          <a:bodyPr wrap="none">
+            <a:spAutoFit/>
+          </a:bodyPr>
+          <a:lstStyle/>
+          <a:p>
+            <a:r>
+              <a:rPr lang="en-US" sz="1400" dirty="0" smtClean="0"/>
+              <a:t>s</a:t>
+            </a:r>
+            <a:r>
+              <a:rPr lang="hu-HU" sz="1400" dirty="0" smtClean="0"/>
+              <a:t>ource</a:t>
+            </a:r>
+          </a:p>
+          <a:p>
+            <a:r>
+              <a:rPr lang="hu-HU" sz="1400" dirty="0" smtClean="0"/>
+              <a:t>code</a:t>
+            </a:r>
+          </a:p>
+          <a:p>
+            <a:r>
+              <a:rPr lang="hu-HU" sz="1400" dirty="0" smtClean="0"/>
+              <a:t>editing</a:t>
+            </a:r>
+            <a:endParaRPr lang="en-US" sz="1400" dirty="0" smtClean="0"/>
+          </a:p>
+        </p:txBody>
+      </p:sp>
+      <p:sp>
+        <p:nvSpPr>
+          <p:cNvPr id="76" name="Téglalap 75"/>
+          <p:cNvSpPr/>
+          <p:nvPr/>
+        </p:nvSpPr>
+        <p:spPr>
+          <a:xfrm>
+            <a:off x="650496" y="1487802"/>
+            <a:ext cx="1282087" cy="307777"/>
+          </a:xfrm>
+          <a:prstGeom prst="rect">
+            <a:avLst/>
+          </a:prstGeom>
+        </p:spPr>
+        <p:txBody>
+          <a:bodyPr wrap="square">
+            <a:spAutoFit/>
+          </a:bodyPr>
+          <a:lstStyle/>
+          <a:p>
+            <a:r>
+              <a:rPr lang="en-US" sz="1400" dirty="0" smtClean="0"/>
+              <a:t>e</a:t>
+            </a:r>
+            <a:r>
+              <a:rPr lang="hu-HU" sz="1400" dirty="0" smtClean="0"/>
+              <a:t>xplicit</a:t>
+            </a:r>
+            <a:r>
+              <a:rPr lang="en-US" sz="1400" dirty="0" smtClean="0"/>
+              <a:t> q</a:t>
+            </a:r>
+            <a:r>
+              <a:rPr lang="hu-HU" sz="1400" dirty="0" smtClean="0"/>
+              <a:t>ueries</a:t>
+            </a:r>
+            <a:endParaRPr lang="en-US" sz="1400" dirty="0"/>
+          </a:p>
+        </p:txBody>
+      </p:sp>
+      <p:sp>
+        <p:nvSpPr>
+          <p:cNvPr id="77" name="Szövegdoboz 76"/>
           <p:cNvSpPr txBox="1"/>
           <p:nvPr/>
         </p:nvSpPr>
         <p:spPr>
           <a:xfrm>
-            <a:off x="1556792" y="5926558"/>
-            <a:ext cx="936104" cy="307777"/>
+            <a:off x="497833" y="678606"/>
+            <a:ext cx="1130967" cy="523220"/>
           </a:xfrm>
           <a:prstGeom prst="rect">
             <a:avLst/>
@@ -4628,14 +4846,23 @@
           </a:bodyPr>
           <a:lstStyle/>
           <a:p>
-            <a:pPr algn="ctr"/>
             <a:r>
               <a:rPr lang="en-US" sz="1400" dirty="0" smtClean="0">
                 <a:solidFill>
                   <a:schemeClr val="accent5"/>
                 </a:solidFill>
               </a:rPr>
-              <a:t>binaries</a:t>
+              <a:t>dependency</a:t>
+            </a:r>
+          </a:p>
+          <a:p>
+            <a:r>
+              <a:rPr lang="en-US" sz="1400" dirty="0" smtClean="0">
+                <a:solidFill>
+                  <a:schemeClr val="accent5"/>
+                </a:solidFill>
+              </a:rPr>
+              <a:t>information</a:t>
             </a:r>
             <a:endParaRPr lang="en-US" sz="1400" dirty="0">
               <a:solidFill>
@@ -4647,91 +4874,14 @@
       </p:sp>
       <p:sp>
         <p:nvSpPr>
-          <p:cNvPr id="57" name="Téglalap 56"/>
-          <p:cNvSpPr/>
-          <p:nvPr/>
-        </p:nvSpPr>
-        <p:spPr>
-          <a:xfrm>
-            <a:off x="3632272" y="5850195"/>
-            <a:ext cx="1164419" cy="830997"/>
-          </a:xfrm>
-          <a:prstGeom prst="rect">
-            <a:avLst/>
-          </a:prstGeom>
-        </p:spPr>
-        <p:txBody>
-          <a:bodyPr wrap="square">
-            <a:spAutoFit/>
-          </a:bodyPr>
-          <a:lstStyle/>
-          <a:p>
-            <a:pPr algn="ctr"/>
-            <a:r>
-              <a:rPr lang="en-US" sz="1600" smtClean="0"/>
-              <a:t>structure</a:t>
-            </a:r>
-          </a:p>
-          <a:p>
-            <a:pPr algn="ctr"/>
-            <a:endParaRPr lang="en-US" sz="1600" smtClean="0"/>
-          </a:p>
-          <a:p>
-            <a:pPr algn="ctr"/>
-            <a:r>
-              <a:rPr lang="en-US" sz="1600" smtClean="0"/>
-              <a:t>&amp; deps</a:t>
-            </a:r>
-            <a:endParaRPr lang="en-US" sz="1600"/>
-          </a:p>
-        </p:txBody>
-      </p:sp>
-      <p:cxnSp>
-        <p:nvCxnSpPr>
-          <p:cNvPr id="58" name="Egyenes összekötő nyíllal 57"/>
-          <p:cNvCxnSpPr>
-            <a:stCxn id="53" idx="3"/>
-            <a:endCxn id="55" idx="1"/>
-          </p:cNvCxnSpPr>
-          <p:nvPr/>
-        </p:nvCxnSpPr>
-        <p:spPr>
-          <a:xfrm>
-            <a:off x="3718614" y="6249144"/>
-            <a:ext cx="1082536" cy="16549"/>
-          </a:xfrm>
-          <a:prstGeom prst="straightConnector1">
-            <a:avLst/>
-          </a:prstGeom>
-          <a:ln>
-            <a:tailEnd type="arrow"/>
-          </a:ln>
-        </p:spPr>
-        <p:style>
-          <a:lnRef idx="3">
-            <a:schemeClr val="dk1"/>
-          </a:lnRef>
-          <a:fillRef idx="0">
-            <a:schemeClr val="dk1"/>
-          </a:fillRef>
-          <a:effectRef idx="2">
-            <a:schemeClr val="dk1"/>
-          </a:effectRef>
-          <a:fontRef idx="minor">
-            <a:schemeClr val="tx1"/>
-          </a:fontRef>
-        </p:style>
-      </p:cxnSp>
-      <p:sp>
-        <p:nvSpPr>
-          <p:cNvPr id="60" name="Szövegdoboz 59"/>
+          <p:cNvPr id="85" name="Szövegdoboz 84"/>
           <p:cNvSpPr txBox="1"/>
           <p:nvPr/>
         </p:nvSpPr>
         <p:spPr>
           <a:xfrm>
-            <a:off x="869437" y="4480872"/>
-            <a:ext cx="692527" cy="523220"/>
+            <a:off x="3258038" y="2147426"/>
+            <a:ext cx="1086518" cy="523220"/>
           </a:xfrm>
           <a:prstGeom prst="rect">
             <a:avLst/>
@@ -4750,7 +4900,17 @@
                   <a:schemeClr val="accent5"/>
                 </a:solidFill>
               </a:rPr>
-              <a:t>source code</a:t>
+              <a:t>repository</a:t>
+            </a:r>
+          </a:p>
+          <a:p>
+            <a:r>
+              <a:rPr lang="en-US" sz="1400" dirty="0" smtClean="0">
+                <a:solidFill>
+                  <a:schemeClr val="accent5"/>
+                </a:solidFill>
+              </a:rPr>
+              <a:t>model</a:t>
             </a:r>
             <a:endParaRPr lang="en-US" sz="1400" dirty="0">
               <a:solidFill>
@@ -4760,92 +4920,20 @@
           </a:p>
         </p:txBody>
       </p:sp>
-      <p:sp>
-        <p:nvSpPr>
-          <p:cNvPr id="61" name="Téglalap 60"/>
-          <p:cNvSpPr/>
-          <p:nvPr/>
-        </p:nvSpPr>
-        <p:spPr>
-          <a:xfrm>
-            <a:off x="3209255" y="4883428"/>
-            <a:ext cx="2064027" cy="338554"/>
-          </a:xfrm>
-          <a:prstGeom prst="rect">
-            <a:avLst/>
-          </a:prstGeom>
-        </p:spPr>
-        <p:txBody>
-          <a:bodyPr wrap="none">
-            <a:spAutoFit/>
-          </a:bodyPr>
-          <a:lstStyle/>
-          <a:p>
-            <a:r>
-              <a:rPr lang="en-US" sz="1600" dirty="0" smtClean="0"/>
-              <a:t>query &amp; retrieve </a:t>
-            </a:r>
-            <a:r>
-              <a:rPr lang="en-US" sz="1400" dirty="0" smtClean="0"/>
-              <a:t>model</a:t>
-            </a:r>
-            <a:endParaRPr lang="en-US" sz="1600" dirty="0"/>
-          </a:p>
-        </p:txBody>
-      </p:sp>
       <p:cxnSp>
         <p:nvCxnSpPr>
-          <p:cNvPr id="63" name="Szögletes összekötő 62"/>
+          <p:cNvPr id="97" name="Egyenes összekötő nyíllal 96"/>
           <p:cNvCxnSpPr>
-            <a:stCxn id="4" idx="2"/>
-            <a:endCxn id="55" idx="0"/>
+            <a:stCxn id="4" idx="0"/>
           </p:cNvCxnSpPr>
           <p:nvPr/>
         </p:nvCxnSpPr>
         <p:spPr>
-          <a:xfrm rot="16200000" flipH="1">
-            <a:off x="3417236" y="3880923"/>
-            <a:ext cx="1744741" cy="2160702"/>
-          </a:xfrm>
-          <a:prstGeom prst="bentConnector3">
-            <a:avLst>
-              <a:gd name="adj1" fmla="val 63102"/>
-            </a:avLst>
-          </a:prstGeom>
-          <a:ln>
-            <a:headEnd type="arrow"/>
-            <a:tailEnd type="arrow"/>
-          </a:ln>
-        </p:spPr>
-        <p:style>
-          <a:lnRef idx="3">
-            <a:schemeClr val="dk1"/>
-          </a:lnRef>
-          <a:fillRef idx="0">
-            <a:schemeClr val="dk1"/>
-          </a:fillRef>
-          <a:effectRef idx="2">
-            <a:schemeClr val="dk1"/>
-          </a:effectRef>
-          <a:fontRef idx="minor">
-            <a:schemeClr val="tx1"/>
-          </a:fontRef>
-        </p:style>
-      </p:cxnSp>
-      <p:cxnSp>
-        <p:nvCxnSpPr>
-          <p:cNvPr id="72" name="Szögletes összekötő 71"/>
-          <p:cNvCxnSpPr>
-            <a:stCxn id="49" idx="0"/>
-          </p:cNvCxnSpPr>
-          <p:nvPr/>
-        </p:nvCxnSpPr>
-        <p:spPr>
-          <a:xfrm rot="5400000" flipH="1" flipV="1">
-            <a:off x="931941" y="4395641"/>
-            <a:ext cx="829028" cy="996742"/>
-          </a:xfrm>
-          <a:prstGeom prst="bentConnector2">
+          <a:xfrm flipV="1">
+            <a:off x="3242228" y="2010443"/>
+            <a:ext cx="0" cy="744617"/>
+          </a:xfrm>
+          <a:prstGeom prst="straightConnector1">
             <a:avLst/>
           </a:prstGeom>
           <a:ln>
@@ -4869,88 +4957,14 @@
       </p:cxnSp>
       <p:sp>
         <p:nvSpPr>
-          <p:cNvPr id="75" name="Téglalap 74"/>
-          <p:cNvSpPr/>
-          <p:nvPr/>
-        </p:nvSpPr>
-        <p:spPr>
-          <a:xfrm>
-            <a:off x="5998428" y="2643074"/>
-            <a:ext cx="708977" cy="738664"/>
-          </a:xfrm>
-          <a:prstGeom prst="rect">
-            <a:avLst/>
-          </a:prstGeom>
-        </p:spPr>
-        <p:txBody>
-          <a:bodyPr wrap="none">
-            <a:spAutoFit/>
-          </a:bodyPr>
-          <a:lstStyle/>
-          <a:p>
-            <a:pPr algn="r"/>
-            <a:r>
-              <a:rPr lang="en-US" sz="1400" dirty="0" err="1" smtClean="0"/>
-              <a:t>ws</a:t>
-            </a:r>
-            <a:endParaRPr lang="en-US" sz="1400" dirty="0" smtClean="0"/>
-          </a:p>
-          <a:p>
-            <a:pPr algn="r"/>
-            <a:r>
-              <a:rPr lang="en-US" sz="1400" dirty="0" smtClean="0"/>
-              <a:t>state</a:t>
-            </a:r>
-          </a:p>
-          <a:p>
-            <a:pPr algn="r"/>
-            <a:r>
-              <a:rPr lang="en-US" sz="1400" dirty="0" smtClean="0"/>
-              <a:t>change</a:t>
-            </a:r>
-            <a:endParaRPr lang="en-US" sz="1400" dirty="0"/>
-          </a:p>
-        </p:txBody>
-      </p:sp>
-      <p:sp>
-        <p:nvSpPr>
-          <p:cNvPr id="76" name="Téglalap 75"/>
-          <p:cNvSpPr/>
-          <p:nvPr/>
-        </p:nvSpPr>
-        <p:spPr>
-          <a:xfrm>
-            <a:off x="726605" y="1606228"/>
-            <a:ext cx="1262235" cy="523220"/>
-          </a:xfrm>
-          <a:prstGeom prst="rect">
-            <a:avLst/>
-          </a:prstGeom>
-        </p:spPr>
-        <p:txBody>
-          <a:bodyPr wrap="square">
-            <a:spAutoFit/>
-          </a:bodyPr>
-          <a:lstStyle/>
-          <a:p>
-            <a:r>
-              <a:rPr lang="en-US" sz="1400" smtClean="0"/>
-              <a:t>query dependencies </a:t>
-            </a:r>
-            <a:endParaRPr lang="en-US" sz="1400"/>
-          </a:p>
-        </p:txBody>
-      </p:sp>
-      <p:sp>
-        <p:nvSpPr>
-          <p:cNvPr id="77" name="Szövegdoboz 76"/>
+          <p:cNvPr id="100" name="Szövegdoboz 99"/>
           <p:cNvSpPr txBox="1"/>
           <p:nvPr/>
         </p:nvSpPr>
         <p:spPr>
           <a:xfrm>
-            <a:off x="512676" y="776536"/>
-            <a:ext cx="1232757" cy="523220"/>
+            <a:off x="5402172" y="2144323"/>
+            <a:ext cx="989177" cy="523220"/>
           </a:xfrm>
           <a:prstGeom prst="rect">
             <a:avLst/>
@@ -4969,7 +4983,7 @@
                   <a:schemeClr val="accent5"/>
                 </a:solidFill>
               </a:rPr>
-              <a:t>dependency</a:t>
+              <a:t>workspace</a:t>
             </a:r>
           </a:p>
           <a:p>
@@ -4979,7 +4993,7 @@
                   <a:schemeClr val="accent5"/>
                 </a:solidFill>
               </a:rPr>
-              <a:t>information</a:t>
+              <a:t>model</a:t>
             </a:r>
             <a:endParaRPr lang="en-US" sz="1400" dirty="0">
               <a:solidFill>
@@ -4991,14 +5005,14 @@
       </p:sp>
       <p:sp>
         <p:nvSpPr>
-          <p:cNvPr id="85" name="Szövegdoboz 84"/>
+          <p:cNvPr id="101" name="Szövegdoboz 100"/>
           <p:cNvSpPr txBox="1"/>
           <p:nvPr/>
         </p:nvSpPr>
         <p:spPr>
           <a:xfrm>
-            <a:off x="3934212" y="2598222"/>
-            <a:ext cx="646916" cy="523220"/>
+            <a:off x="4334831" y="1169788"/>
+            <a:ext cx="606988" cy="307777"/>
           </a:xfrm>
           <a:prstGeom prst="rect">
             <a:avLst/>
@@ -5011,25 +5025,173 @@
           </a:bodyPr>
           <a:lstStyle/>
           <a:p>
-            <a:r>
-              <a:rPr lang="en-US" sz="1400" smtClean="0">
+            <a:pPr algn="ctr"/>
+            <a:r>
+              <a:rPr lang="en-US" sz="1400" dirty="0" smtClean="0">
                 <a:solidFill>
                   <a:schemeClr val="accent5"/>
                 </a:solidFill>
               </a:rPr>
-              <a:t>repo</a:t>
-            </a:r>
-          </a:p>
-          <a:p>
-            <a:r>
-              <a:rPr lang="en-US" sz="1400" smtClean="0">
+              <a:t>result</a:t>
+            </a:r>
+            <a:endParaRPr lang="en-US" sz="1200" dirty="0">
+              <a:solidFill>
+                <a:schemeClr val="accent5"/>
+              </a:solidFill>
+            </a:endParaRPr>
+          </a:p>
+        </p:txBody>
+      </p:sp>
+      <p:sp>
+        <p:nvSpPr>
+          <p:cNvPr id="130" name="Szövegdoboz 129"/>
+          <p:cNvSpPr txBox="1"/>
+          <p:nvPr/>
+        </p:nvSpPr>
+        <p:spPr>
+          <a:xfrm>
+            <a:off x="2169506" y="3810376"/>
+            <a:ext cx="4292837" cy="369332"/>
+          </a:xfrm>
+          <a:prstGeom prst="rect">
+            <a:avLst/>
+          </a:prstGeom>
+          <a:noFill/>
+        </p:spPr>
+        <p:txBody>
+          <a:bodyPr wrap="square" rtlCol="0">
+            <a:spAutoFit/>
+          </a:bodyPr>
+          <a:lstStyle/>
+          <a:p>
+            <a:pPr algn="ctr"/>
+            <a:r>
+              <a:rPr lang="hu-HU" dirty="0" smtClean="0">
+                <a:solidFill>
+                  <a:schemeClr val="tx2"/>
+                </a:solidFill>
+              </a:rPr>
+              <a:t>Client</a:t>
+            </a:r>
+            <a:r>
+              <a:rPr lang="hu-HU" dirty="0">
+                <a:solidFill>
+                  <a:schemeClr val="tx2"/>
+                </a:solidFill>
+              </a:rPr>
+              <a:t> </a:t>
+            </a:r>
+            <a:r>
+              <a:rPr lang="hu-HU" dirty="0" smtClean="0">
+                <a:solidFill>
+                  <a:schemeClr val="tx2"/>
+                </a:solidFill>
+              </a:rPr>
+              <a:t>plugin</a:t>
+            </a:r>
+            <a:endParaRPr lang="en-US" dirty="0">
+              <a:solidFill>
+                <a:schemeClr val="tx2"/>
+              </a:solidFill>
+            </a:endParaRPr>
+          </a:p>
+        </p:txBody>
+      </p:sp>
+      <p:sp>
+        <p:nvSpPr>
+          <p:cNvPr id="20" name="Flowchart: Magnetic Disk 19"/>
+          <p:cNvSpPr/>
+          <p:nvPr/>
+        </p:nvSpPr>
+        <p:spPr>
+          <a:xfrm>
+            <a:off x="25715" y="5743758"/>
+            <a:ext cx="936101" cy="793418"/>
+          </a:xfrm>
+          <a:prstGeom prst="flowChartMagneticDisk">
+            <a:avLst/>
+          </a:prstGeom>
+        </p:spPr>
+        <p:style>
+          <a:lnRef idx="2">
+            <a:schemeClr val="accent6">
+              <a:shade val="50000"/>
+            </a:schemeClr>
+          </a:lnRef>
+          <a:fillRef idx="1">
+            <a:schemeClr val="accent6"/>
+          </a:fillRef>
+          <a:effectRef idx="0">
+            <a:schemeClr val="accent6"/>
+          </a:effectRef>
+          <a:fontRef idx="minor">
+            <a:schemeClr val="lt1"/>
+          </a:fontRef>
+        </p:style>
+        <p:txBody>
+          <a:bodyPr rtlCol="0" anchor="ctr"/>
+          <a:lstStyle/>
+          <a:p>
+            <a:pPr algn="ctr"/>
+            <a:r>
+              <a:rPr lang="hu-HU" sz="1200" dirty="0"/>
+              <a:t>Binary </a:t>
+            </a:r>
+            <a:endParaRPr lang="en-US" sz="1200" dirty="0"/>
+          </a:p>
+          <a:p>
+            <a:pPr algn="ctr"/>
+            <a:r>
+              <a:rPr lang="hu-HU" sz="1200" dirty="0"/>
+              <a:t>component repo</a:t>
+            </a:r>
+            <a:r>
+              <a:rPr lang="en-US" sz="1200" dirty="0" err="1"/>
+              <a:t>sitory</a:t>
+            </a:r>
+            <a:endParaRPr lang="en-US" sz="1200" dirty="0"/>
+          </a:p>
+        </p:txBody>
+      </p:sp>
+      <p:sp>
+        <p:nvSpPr>
+          <p:cNvPr id="24" name="TextBox 23"/>
+          <p:cNvSpPr txBox="1"/>
+          <p:nvPr/>
+        </p:nvSpPr>
+        <p:spPr>
+          <a:xfrm>
+            <a:off x="505172" y="5418147"/>
+            <a:ext cx="563863" cy="307777"/>
+          </a:xfrm>
+          <a:prstGeom prst="rect">
+            <a:avLst/>
+          </a:prstGeom>
+          <a:noFill/>
+        </p:spPr>
+        <p:txBody>
+          <a:bodyPr wrap="square" rtlCol="0">
+            <a:spAutoFit/>
+          </a:bodyPr>
+          <a:lstStyle/>
+          <a:p>
+            <a:r>
+              <a:rPr lang="en-US" sz="1400" dirty="0" smtClean="0">
                 <a:solidFill>
                   <a:schemeClr val="accent5"/>
                 </a:solidFill>
               </a:rPr>
-              <a:t>model</a:t>
-            </a:r>
-            <a:endParaRPr lang="en-US" sz="1400">
+              <a:t>b</a:t>
+            </a:r>
+            <a:r>
+              <a:rPr lang="hu-HU" sz="1400" dirty="0" smtClean="0">
+                <a:solidFill>
+                  <a:schemeClr val="accent5"/>
+                </a:solidFill>
+              </a:rPr>
+              <a:t>uild</a:t>
+            </a:r>
+            <a:endParaRPr lang="en-US" sz="1400" dirty="0">
               <a:solidFill>
                 <a:schemeClr val="accent5"/>
               </a:solidFill>
@@ -5039,14 +5201,17 @@
       </p:sp>
       <p:cxnSp>
         <p:nvCxnSpPr>
-          <p:cNvPr id="97" name="Egyenes összekötő nyíllal 96"/>
-          <p:cNvCxnSpPr/>
+          <p:cNvPr id="26" name="Straight Arrow Connector 25"/>
+          <p:cNvCxnSpPr>
+            <a:stCxn id="160" idx="3"/>
+            <a:endCxn id="20" idx="1"/>
+          </p:cNvCxnSpPr>
           <p:nvPr/>
         </p:nvCxnSpPr>
         <p:spPr>
-          <a:xfrm flipV="1">
-            <a:off x="3903304" y="2473816"/>
-            <a:ext cx="4172" cy="750992"/>
+          <a:xfrm>
+            <a:off x="493765" y="5385048"/>
+            <a:ext cx="1" cy="358710"/>
           </a:xfrm>
           <a:prstGeom prst="straightConnector1">
             <a:avLst/>
@@ -5072,45 +5237,270 @@
       </p:cxnSp>
       <p:sp>
         <p:nvSpPr>
-          <p:cNvPr id="100" name="Szövegdoboz 99"/>
-          <p:cNvSpPr txBox="1"/>
-          <p:nvPr/>
-        </p:nvSpPr>
-        <p:spPr>
-          <a:xfrm>
-            <a:off x="5086340" y="2598222"/>
-            <a:ext cx="646916" cy="523220"/>
+          <p:cNvPr id="59" name="Flowchart: Magnetic Disk 58"/>
+          <p:cNvSpPr/>
+          <p:nvPr/>
+        </p:nvSpPr>
+        <p:spPr>
+          <a:xfrm>
+            <a:off x="5517232" y="6571582"/>
+            <a:ext cx="1137613" cy="757682"/>
+          </a:xfrm>
+          <a:prstGeom prst="flowChartMagneticDisk">
+            <a:avLst/>
+          </a:prstGeom>
+        </p:spPr>
+        <p:style>
+          <a:lnRef idx="3">
+            <a:schemeClr val="lt1"/>
+          </a:lnRef>
+          <a:fillRef idx="1">
+            <a:schemeClr val="accent1"/>
+          </a:fillRef>
+          <a:effectRef idx="1">
+            <a:schemeClr val="accent1"/>
+          </a:effectRef>
+          <a:fontRef idx="minor">
+            <a:schemeClr val="lt1"/>
+          </a:fontRef>
+        </p:style>
+        <p:txBody>
+          <a:bodyPr rtlCol="0" anchor="ctr"/>
+          <a:lstStyle/>
+          <a:p>
+            <a:pPr algn="ctr"/>
+            <a:r>
+              <a:rPr lang="hu-HU" sz="1400" dirty="0"/>
+              <a:t>Dependency</a:t>
+            </a:r>
+            <a:r>
+              <a:rPr lang="hu-HU" sz="1100" dirty="0" smtClean="0">
+                <a:solidFill>
+                  <a:schemeClr val="tx1"/>
+                </a:solidFill>
+              </a:rPr>
+              <a:t> </a:t>
+            </a:r>
+          </a:p>
+          <a:p>
+            <a:pPr algn="ctr"/>
+            <a:r>
+              <a:rPr lang="hu-HU" sz="1400" dirty="0"/>
+              <a:t>database</a:t>
+            </a:r>
+            <a:endParaRPr lang="en-US" sz="1400" dirty="0"/>
+          </a:p>
+        </p:txBody>
+      </p:sp>
+      <p:cxnSp>
+        <p:nvCxnSpPr>
+          <p:cNvPr id="30" name="Straight Arrow Connector 29"/>
+          <p:cNvCxnSpPr>
+            <a:stCxn id="55" idx="2"/>
+            <a:endCxn id="59" idx="1"/>
+          </p:cNvCxnSpPr>
+          <p:nvPr/>
+        </p:nvCxnSpPr>
+        <p:spPr>
+          <a:xfrm>
+            <a:off x="6086039" y="6105609"/>
+            <a:ext cx="0" cy="465973"/>
+          </a:xfrm>
+          <a:prstGeom prst="straightConnector1">
+            <a:avLst/>
+          </a:prstGeom>
+          <a:ln>
+            <a:headEnd type="arrow"/>
+            <a:tailEnd type="arrow"/>
+          </a:ln>
+        </p:spPr>
+        <p:style>
+          <a:lnRef idx="3">
+            <a:schemeClr val="accent5"/>
+          </a:lnRef>
+          <a:fillRef idx="0">
+            <a:schemeClr val="accent5"/>
+          </a:fillRef>
+          <a:effectRef idx="2">
+            <a:schemeClr val="accent5"/>
+          </a:effectRef>
+          <a:fontRef idx="minor">
+            <a:schemeClr val="tx1"/>
+          </a:fontRef>
+        </p:style>
+      </p:cxnSp>
+      <p:sp>
+        <p:nvSpPr>
+          <p:cNvPr id="62" name="Lekerekített téglalap 54"/>
+          <p:cNvSpPr/>
+          <p:nvPr/>
+        </p:nvSpPr>
+        <p:spPr>
+          <a:xfrm>
+            <a:off x="3573016" y="5241513"/>
+            <a:ext cx="1523038" cy="864096"/>
+          </a:xfrm>
+          <a:prstGeom prst="roundRect">
+            <a:avLst/>
+          </a:prstGeom>
+        </p:spPr>
+        <p:style>
+          <a:lnRef idx="3">
+            <a:schemeClr val="lt1"/>
+          </a:lnRef>
+          <a:fillRef idx="1">
+            <a:schemeClr val="accent1"/>
+          </a:fillRef>
+          <a:effectRef idx="1">
+            <a:schemeClr val="accent1"/>
+          </a:effectRef>
+          <a:fontRef idx="minor">
+            <a:schemeClr val="lt1"/>
+          </a:fontRef>
+        </p:style>
+        <p:txBody>
+          <a:bodyPr rtlCol="0" anchor="ctr"/>
+          <a:lstStyle/>
+          <a:p>
+            <a:pPr algn="ctr"/>
+            <a:r>
+              <a:rPr lang="hu-HU" sz="1600" dirty="0" smtClean="0"/>
+              <a:t>Dependency processor</a:t>
+            </a:r>
+            <a:endParaRPr lang="en-US" sz="1600" dirty="0" smtClean="0"/>
+          </a:p>
+        </p:txBody>
+      </p:sp>
+      <p:cxnSp>
+        <p:nvCxnSpPr>
+          <p:cNvPr id="70" name="Straight Arrow Connector 69"/>
+          <p:cNvCxnSpPr>
+            <a:stCxn id="55" idx="1"/>
+            <a:endCxn id="62" idx="3"/>
+          </p:cNvCxnSpPr>
+          <p:nvPr/>
+        </p:nvCxnSpPr>
+        <p:spPr>
+          <a:xfrm flipH="1" flipV="1">
+            <a:off x="5096054" y="5673561"/>
+            <a:ext cx="421178" cy="10695"/>
+          </a:xfrm>
+          <a:prstGeom prst="straightConnector1">
+            <a:avLst/>
+          </a:prstGeom>
+          <a:ln>
+            <a:headEnd type="arrow"/>
+            <a:tailEnd type="arrow"/>
+          </a:ln>
+        </p:spPr>
+        <p:style>
+          <a:lnRef idx="3">
+            <a:schemeClr val="accent5"/>
+          </a:lnRef>
+          <a:fillRef idx="0">
+            <a:schemeClr val="accent5"/>
+          </a:fillRef>
+          <a:effectRef idx="2">
+            <a:schemeClr val="accent5"/>
+          </a:effectRef>
+          <a:fontRef idx="minor">
+            <a:schemeClr val="tx1"/>
+          </a:fontRef>
+        </p:style>
+      </p:cxnSp>
+      <p:sp>
+        <p:nvSpPr>
+          <p:cNvPr id="160" name="Flowchart: Magnetic Disk 159"/>
+          <p:cNvSpPr/>
+          <p:nvPr/>
+        </p:nvSpPr>
+        <p:spPr>
+          <a:xfrm>
+            <a:off x="25713" y="4660454"/>
+            <a:ext cx="936103" cy="724594"/>
+          </a:xfrm>
+          <a:prstGeom prst="flowChartMagneticDisk">
+            <a:avLst/>
+          </a:prstGeom>
+        </p:spPr>
+        <p:style>
+          <a:lnRef idx="2">
+            <a:schemeClr val="accent6">
+              <a:shade val="50000"/>
+            </a:schemeClr>
+          </a:lnRef>
+          <a:fillRef idx="1">
+            <a:schemeClr val="accent6"/>
+          </a:fillRef>
+          <a:effectRef idx="0">
+            <a:schemeClr val="accent6"/>
+          </a:effectRef>
+          <a:fontRef idx="minor">
+            <a:schemeClr val="lt1"/>
+          </a:fontRef>
+        </p:style>
+        <p:txBody>
+          <a:bodyPr rtlCol="0" anchor="ctr"/>
+          <a:lstStyle/>
+          <a:p>
+            <a:pPr algn="ctr"/>
+            <a:r>
+              <a:rPr lang="en-US" sz="1200" dirty="0" smtClean="0"/>
+              <a:t>Source </a:t>
+            </a:r>
+          </a:p>
+          <a:p>
+            <a:pPr algn="ctr"/>
+            <a:r>
+              <a:rPr lang="en-US" sz="1200" dirty="0" smtClean="0"/>
+              <a:t>Repository</a:t>
+            </a:r>
+            <a:endParaRPr lang="en-US" sz="1200" dirty="0" smtClean="0"/>
+          </a:p>
+        </p:txBody>
+      </p:sp>
+      <p:sp>
+        <p:nvSpPr>
+          <p:cNvPr id="74" name="Téglalap 56"/>
+          <p:cNvSpPr/>
+          <p:nvPr/>
+        </p:nvSpPr>
+        <p:spPr>
+          <a:xfrm>
+            <a:off x="2671309" y="5725924"/>
+            <a:ext cx="1014735" cy="523220"/>
           </a:xfrm>
           <a:prstGeom prst="rect">
             <a:avLst/>
           </a:prstGeom>
-          <a:noFill/>
-        </p:spPr>
-        <p:txBody>
-          <a:bodyPr wrap="square" rtlCol="0">
+        </p:spPr>
+        <p:txBody>
+          <a:bodyPr wrap="square">
             <a:spAutoFit/>
           </a:bodyPr>
           <a:lstStyle/>
           <a:p>
-            <a:r>
-              <a:rPr lang="en-US" sz="1400" smtClean="0">
+            <a:pPr algn="ctr"/>
+            <a:r>
+              <a:rPr lang="en-US" sz="1400" dirty="0" smtClean="0">
                 <a:solidFill>
                   <a:schemeClr val="accent5"/>
                 </a:solidFill>
               </a:rPr>
-              <a:t>ws</a:t>
-            </a:r>
-          </a:p>
-          <a:p>
-            <a:r>
-              <a:rPr lang="en-US" sz="1400" smtClean="0">
+              <a:t>external </a:t>
+            </a:r>
+          </a:p>
+          <a:p>
+            <a:pPr algn="ctr"/>
+            <a:r>
+              <a:rPr lang="en-US" sz="1400" dirty="0" smtClean="0">
                 <a:solidFill>
                   <a:schemeClr val="accent5"/>
                 </a:solidFill>
               </a:rPr>
-              <a:t>model</a:t>
-            </a:r>
-            <a:endParaRPr lang="en-US" sz="1400">
+              <a:t>references</a:t>
+            </a:r>
+            <a:endParaRPr lang="en-US" sz="1400" dirty="0">
               <a:solidFill>
                 <a:schemeClr val="accent5"/>
               </a:solidFill>
@@ -5118,104 +5508,48 @@
           </a:p>
         </p:txBody>
       </p:sp>
-      <p:sp>
-        <p:nvSpPr>
-          <p:cNvPr id="101" name="Szövegdoboz 100"/>
-          <p:cNvSpPr txBox="1"/>
-          <p:nvPr/>
-        </p:nvSpPr>
-        <p:spPr>
-          <a:xfrm>
-            <a:off x="3531488" y="1359717"/>
-            <a:ext cx="1153018" cy="307777"/>
-          </a:xfrm>
-          <a:prstGeom prst="rect">
-            <a:avLst/>
-          </a:prstGeom>
-          <a:noFill/>
-        </p:spPr>
-        <p:txBody>
-          <a:bodyPr wrap="square" rtlCol="0">
-            <a:spAutoFit/>
-          </a:bodyPr>
-          <a:lstStyle/>
-          <a:p>
-            <a:pPr algn="ctr"/>
-            <a:r>
-              <a:rPr lang="en-US" sz="1400" smtClean="0">
-                <a:solidFill>
-                  <a:schemeClr val="accent5"/>
-                </a:solidFill>
-              </a:rPr>
-              <a:t>result</a:t>
-            </a:r>
-            <a:endParaRPr lang="en-US" sz="1400">
-              <a:solidFill>
-                <a:schemeClr val="accent5"/>
-              </a:solidFill>
-            </a:endParaRPr>
-          </a:p>
-        </p:txBody>
-      </p:sp>
-      <p:sp>
-        <p:nvSpPr>
-          <p:cNvPr id="130" name="Szövegdoboz 129"/>
-          <p:cNvSpPr txBox="1"/>
-          <p:nvPr/>
-        </p:nvSpPr>
-        <p:spPr>
-          <a:xfrm>
-            <a:off x="2160499" y="4232920"/>
-            <a:ext cx="3636137" cy="369332"/>
-          </a:xfrm>
-          <a:prstGeom prst="rect">
-            <a:avLst/>
-          </a:prstGeom>
-          <a:noFill/>
-        </p:spPr>
-        <p:txBody>
-          <a:bodyPr wrap="square" rtlCol="0">
-            <a:spAutoFit/>
-          </a:bodyPr>
-          <a:lstStyle/>
-          <a:p>
-            <a:pPr algn="ctr"/>
-            <a:r>
-              <a:rPr lang="hu-HU" dirty="0" smtClean="0">
-                <a:solidFill>
-                  <a:schemeClr val="tx2"/>
-                </a:solidFill>
-              </a:rPr>
-              <a:t>Client</a:t>
-            </a:r>
-            <a:r>
-              <a:rPr lang="hu-HU" dirty="0">
-                <a:solidFill>
-                  <a:schemeClr val="tx2"/>
-                </a:solidFill>
-              </a:rPr>
-              <a:t> </a:t>
-            </a:r>
-            <a:r>
-              <a:rPr lang="hu-HU" dirty="0" smtClean="0">
-                <a:solidFill>
-                  <a:schemeClr val="tx2"/>
-                </a:solidFill>
-              </a:rPr>
-              <a:t>plugin</a:t>
-            </a:r>
-            <a:endParaRPr lang="en-US" dirty="0">
-              <a:solidFill>
-                <a:schemeClr val="tx2"/>
-              </a:solidFill>
-            </a:endParaRPr>
-          </a:p>
-        </p:txBody>
-      </p:sp>
+      <p:cxnSp>
+        <p:nvCxnSpPr>
+          <p:cNvPr id="148" name="Elbow Connector 147"/>
+          <p:cNvCxnSpPr>
+            <a:stCxn id="20" idx="4"/>
+            <a:endCxn id="53" idx="1"/>
+          </p:cNvCxnSpPr>
+          <p:nvPr/>
+        </p:nvCxnSpPr>
+        <p:spPr>
+          <a:xfrm flipV="1">
+            <a:off x="961816" y="5673561"/>
+            <a:ext cx="833252" cy="466906"/>
+          </a:xfrm>
+          <a:prstGeom prst="bentConnector3">
+            <a:avLst>
+              <a:gd name="adj1" fmla="val 17993"/>
+            </a:avLst>
+          </a:prstGeom>
+          <a:ln>
+            <a:tailEnd type="arrow"/>
+          </a:ln>
+        </p:spPr>
+        <p:style>
+          <a:lnRef idx="3">
+            <a:schemeClr val="accent5"/>
+          </a:lnRef>
+          <a:fillRef idx="0">
+            <a:schemeClr val="accent5"/>
+          </a:fillRef>
+          <a:effectRef idx="2">
+            <a:schemeClr val="accent5"/>
+          </a:effectRef>
+          <a:fontRef idx="minor">
+            <a:schemeClr val="tx1"/>
+          </a:fontRef>
+        </p:style>
+      </p:cxnSp>
     </p:spTree>
     <p:extLst>
       <p:ext uri="{BB962C8B-B14F-4D97-AF65-F5344CB8AC3E}">
-        <p14:creationId xmlns:p14="http://schemas.microsoft.com/office/powerpoint/2010/main" val="2128898988"/>
+        <p14:creationId xmlns:p14="http://schemas.microsoft.com/office/powerpoint/2010/main" val="4184215866"/>
       </p:ext>
     </p:extLst>
   </p:cSld>
@@ -8054,6 +8388,13 @@
   <p:clrMapOvr>
     <a:masterClrMapping/>
   </p:clrMapOvr>
+  <p:timing>
+    <p:tnLst>
+      <p:par>
+        <p:cTn id="1" dur="indefinite" restart="never" nodeType="tmRoot"/>
+      </p:par>
+    </p:tnLst>
+  </p:timing>
 </p:sld>
 </file>
 
@@ -8378,6 +8719,13 @@
   <p:clrMapOvr>
     <a:masterClrMapping/>
   </p:clrMapOvr>
+  <p:timing>
+    <p:tnLst>
+      <p:par>
+        <p:cTn id="1" dur="indefinite" restart="never" nodeType="tmRoot"/>
+      </p:par>
+    </p:tnLst>
+  </p:timing>
 </p:sld>
 </file>
 

--- a/incquery-deps-documentation/visio-diagrams/diagram-source.pptx
+++ b/incquery-deps-documentation/visio-diagrams/diagram-source.pptx
@@ -9,9 +9,9 @@
   </p:notesMasterIdLst>
   <p:sldIdLst>
     <p:sldId id="262" r:id="rId2"/>
-    <p:sldId id="256" r:id="rId3"/>
-    <p:sldId id="261" r:id="rId4"/>
-    <p:sldId id="260" r:id="rId5"/>
+    <p:sldId id="261" r:id="rId3"/>
+    <p:sldId id="260" r:id="rId4"/>
+    <p:sldId id="263" r:id="rId5"/>
   </p:sldIdLst>
   <p:sldSz cx="6858000" cy="9906000" type="A4"/>
   <p:notesSz cx="6858000" cy="9144000"/>
@@ -116,19 +116,2770 @@
         <p14:section name="Overview" id="{23AD3A4E-86D7-4F73-9F79-A9AE95B1B270}">
           <p14:sldIdLst>
             <p14:sldId id="262"/>
-            <p14:sldId id="256"/>
           </p14:sldIdLst>
         </p14:section>
         <p14:section name="Java runtime" id="{AE4E346D-51BB-444E-8C3F-15CE17C6F1F2}">
           <p14:sldIdLst>
             <p14:sldId id="261"/>
             <p14:sldId id="260"/>
+            <p14:sldId id="263"/>
           </p14:sldIdLst>
         </p14:section>
       </p14:sectionLst>
     </p:ext>
   </p:extLst>
 </p:presentation>
+</file>
+
+<file path=ppt/diagrams/colors1.xml><?xml version="1.0" encoding="utf-8"?>
+<dgm:colorsDef xmlns:dgm="http://schemas.openxmlformats.org/drawingml/2006/diagram" xmlns:a="http://schemas.openxmlformats.org/drawingml/2006/main" uniqueId="urn:microsoft.com/office/officeart/2005/8/colors/accent1_2">
+  <dgm:title val=""/>
+  <dgm:desc val=""/>
+  <dgm:catLst>
+    <dgm:cat type="accent1" pri="11200"/>
+  </dgm:catLst>
+  <dgm:styleLbl name="node0">
+    <dgm:fillClrLst meth="repeat">
+      <a:schemeClr val="accent1"/>
+    </dgm:fillClrLst>
+    <dgm:linClrLst meth="repeat">
+      <a:schemeClr val="lt1"/>
+    </dgm:linClrLst>
+    <dgm:effectClrLst/>
+    <dgm:txLinClrLst/>
+    <dgm:txFillClrLst/>
+    <dgm:txEffectClrLst/>
+  </dgm:styleLbl>
+  <dgm:styleLbl name="alignNode1">
+    <dgm:fillClrLst meth="repeat">
+      <a:schemeClr val="accent1"/>
+    </dgm:fillClrLst>
+    <dgm:linClrLst meth="repeat">
+      <a:schemeClr val="accent1"/>
+    </dgm:linClrLst>
+    <dgm:effectClrLst/>
+    <dgm:txLinClrLst/>
+    <dgm:txFillClrLst/>
+    <dgm:txEffectClrLst/>
+  </dgm:styleLbl>
+  <dgm:styleLbl name="node1">
+    <dgm:fillClrLst meth="repeat">
+      <a:schemeClr val="accent1"/>
+    </dgm:fillClrLst>
+    <dgm:linClrLst meth="repeat">
+      <a:schemeClr val="lt1"/>
+    </dgm:linClrLst>
+    <dgm:effectClrLst/>
+    <dgm:txLinClrLst/>
+    <dgm:txFillClrLst/>
+    <dgm:txEffectClrLst/>
+  </dgm:styleLbl>
+  <dgm:styleLbl name="lnNode1">
+    <dgm:fillClrLst meth="repeat">
+      <a:schemeClr val="accent1"/>
+    </dgm:fillClrLst>
+    <dgm:linClrLst meth="repeat">
+      <a:schemeClr val="lt1"/>
+    </dgm:linClrLst>
+    <dgm:effectClrLst/>
+    <dgm:txLinClrLst/>
+    <dgm:txFillClrLst/>
+    <dgm:txEffectClrLst/>
+  </dgm:styleLbl>
+  <dgm:styleLbl name="vennNode1">
+    <dgm:fillClrLst meth="repeat">
+      <a:schemeClr val="accent1">
+        <a:alpha val="50000"/>
+      </a:schemeClr>
+    </dgm:fillClrLst>
+    <dgm:linClrLst meth="repeat">
+      <a:schemeClr val="lt1"/>
+    </dgm:linClrLst>
+    <dgm:effectClrLst/>
+    <dgm:txLinClrLst/>
+    <dgm:txFillClrLst/>
+    <dgm:txEffectClrLst/>
+  </dgm:styleLbl>
+  <dgm:styleLbl name="node2">
+    <dgm:fillClrLst meth="repeat">
+      <a:schemeClr val="accent1"/>
+    </dgm:fillClrLst>
+    <dgm:linClrLst meth="repeat">
+      <a:schemeClr val="lt1"/>
+    </dgm:linClrLst>
+    <dgm:effectClrLst/>
+    <dgm:txLinClrLst/>
+    <dgm:txFillClrLst/>
+    <dgm:txEffectClrLst/>
+  </dgm:styleLbl>
+  <dgm:styleLbl name="node3">
+    <dgm:fillClrLst meth="repeat">
+      <a:schemeClr val="accent1"/>
+    </dgm:fillClrLst>
+    <dgm:linClrLst meth="repeat">
+      <a:schemeClr val="lt1"/>
+    </dgm:linClrLst>
+    <dgm:effectClrLst/>
+    <dgm:txLinClrLst/>
+    <dgm:txFillClrLst/>
+    <dgm:txEffectClrLst/>
+  </dgm:styleLbl>
+  <dgm:styleLbl name="node4">
+    <dgm:fillClrLst meth="repeat">
+      <a:schemeClr val="accent1"/>
+    </dgm:fillClrLst>
+    <dgm:linClrLst meth="repeat">
+      <a:schemeClr val="lt1"/>
+    </dgm:linClrLst>
+    <dgm:effectClrLst/>
+    <dgm:txLinClrLst/>
+    <dgm:txFillClrLst/>
+    <dgm:txEffectClrLst/>
+  </dgm:styleLbl>
+  <dgm:styleLbl name="fgImgPlace1">
+    <dgm:fillClrLst meth="repeat">
+      <a:schemeClr val="accent1">
+        <a:tint val="50000"/>
+      </a:schemeClr>
+    </dgm:fillClrLst>
+    <dgm:linClrLst meth="repeat">
+      <a:schemeClr val="lt1"/>
+    </dgm:linClrLst>
+    <dgm:effectClrLst/>
+    <dgm:txLinClrLst/>
+    <dgm:txFillClrLst meth="repeat">
+      <a:schemeClr val="lt1"/>
+    </dgm:txFillClrLst>
+    <dgm:txEffectClrLst/>
+  </dgm:styleLbl>
+  <dgm:styleLbl name="alignImgPlace1">
+    <dgm:fillClrLst meth="repeat">
+      <a:schemeClr val="accent1">
+        <a:tint val="50000"/>
+      </a:schemeClr>
+    </dgm:fillClrLst>
+    <dgm:linClrLst meth="repeat">
+      <a:schemeClr val="lt1"/>
+    </dgm:linClrLst>
+    <dgm:effectClrLst/>
+    <dgm:txLinClrLst/>
+    <dgm:txFillClrLst meth="repeat">
+      <a:schemeClr val="lt1"/>
+    </dgm:txFillClrLst>
+    <dgm:txEffectClrLst/>
+  </dgm:styleLbl>
+  <dgm:styleLbl name="bgImgPlace1">
+    <dgm:fillClrLst meth="repeat">
+      <a:schemeClr val="accent1">
+        <a:tint val="50000"/>
+      </a:schemeClr>
+    </dgm:fillClrLst>
+    <dgm:linClrLst meth="repeat">
+      <a:schemeClr val="lt1"/>
+    </dgm:linClrLst>
+    <dgm:effectClrLst/>
+    <dgm:txLinClrLst/>
+    <dgm:txFillClrLst meth="repeat">
+      <a:schemeClr val="lt1"/>
+    </dgm:txFillClrLst>
+    <dgm:txEffectClrLst/>
+  </dgm:styleLbl>
+  <dgm:styleLbl name="sibTrans2D1">
+    <dgm:fillClrLst meth="repeat">
+      <a:schemeClr val="accent1">
+        <a:tint val="60000"/>
+      </a:schemeClr>
+    </dgm:fillClrLst>
+    <dgm:linClrLst meth="repeat">
+      <a:schemeClr val="accent1">
+        <a:tint val="60000"/>
+      </a:schemeClr>
+    </dgm:linClrLst>
+    <dgm:effectClrLst/>
+    <dgm:txLinClrLst/>
+    <dgm:txFillClrLst/>
+    <dgm:txEffectClrLst/>
+  </dgm:styleLbl>
+  <dgm:styleLbl name="fgSibTrans2D1">
+    <dgm:fillClrLst meth="repeat">
+      <a:schemeClr val="accent1">
+        <a:tint val="60000"/>
+      </a:schemeClr>
+    </dgm:fillClrLst>
+    <dgm:linClrLst meth="repeat">
+      <a:schemeClr val="accent1">
+        <a:tint val="60000"/>
+      </a:schemeClr>
+    </dgm:linClrLst>
+    <dgm:effectClrLst/>
+    <dgm:txLinClrLst/>
+    <dgm:txFillClrLst/>
+    <dgm:txEffectClrLst/>
+  </dgm:styleLbl>
+  <dgm:styleLbl name="bgSibTrans2D1">
+    <dgm:fillClrLst meth="repeat">
+      <a:schemeClr val="accent1">
+        <a:tint val="60000"/>
+      </a:schemeClr>
+    </dgm:fillClrLst>
+    <dgm:linClrLst meth="repeat">
+      <a:schemeClr val="accent1">
+        <a:tint val="60000"/>
+      </a:schemeClr>
+    </dgm:linClrLst>
+    <dgm:effectClrLst/>
+    <dgm:txLinClrLst/>
+    <dgm:txFillClrLst/>
+    <dgm:txEffectClrLst/>
+  </dgm:styleLbl>
+  <dgm:styleLbl name="sibTrans1D1">
+    <dgm:fillClrLst meth="repeat">
+      <a:schemeClr val="accent1"/>
+    </dgm:fillClrLst>
+    <dgm:linClrLst meth="repeat">
+      <a:schemeClr val="accent1"/>
+    </dgm:linClrLst>
+    <dgm:effectClrLst/>
+    <dgm:txLinClrLst/>
+    <dgm:txFillClrLst meth="repeat">
+      <a:schemeClr val="tx1"/>
+    </dgm:txFillClrLst>
+    <dgm:txEffectClrLst/>
+  </dgm:styleLbl>
+  <dgm:styleLbl name="callout">
+    <dgm:fillClrLst meth="repeat">
+      <a:schemeClr val="accent1"/>
+    </dgm:fillClrLst>
+    <dgm:linClrLst meth="repeat">
+      <a:schemeClr val="accent1">
+        <a:tint val="50000"/>
+      </a:schemeClr>
+    </dgm:linClrLst>
+    <dgm:effectClrLst/>
+    <dgm:txLinClrLst/>
+    <dgm:txFillClrLst meth="repeat">
+      <a:schemeClr val="tx1"/>
+    </dgm:txFillClrLst>
+    <dgm:txEffectClrLst/>
+  </dgm:styleLbl>
+  <dgm:styleLbl name="asst0">
+    <dgm:fillClrLst meth="repeat">
+      <a:schemeClr val="accent1"/>
+    </dgm:fillClrLst>
+    <dgm:linClrLst meth="repeat">
+      <a:schemeClr val="lt1"/>
+    </dgm:linClrLst>
+    <dgm:effectClrLst/>
+    <dgm:txLinClrLst/>
+    <dgm:txFillClrLst/>
+    <dgm:txEffectClrLst/>
+  </dgm:styleLbl>
+  <dgm:styleLbl name="asst1">
+    <dgm:fillClrLst meth="repeat">
+      <a:schemeClr val="accent1"/>
+    </dgm:fillClrLst>
+    <dgm:linClrLst meth="repeat">
+      <a:schemeClr val="lt1"/>
+    </dgm:linClrLst>
+    <dgm:effectClrLst/>
+    <dgm:txLinClrLst/>
+    <dgm:txFillClrLst/>
+    <dgm:txEffectClrLst/>
+  </dgm:styleLbl>
+  <dgm:styleLbl name="asst2">
+    <dgm:fillClrLst meth="repeat">
+      <a:schemeClr val="accent1"/>
+    </dgm:fillClrLst>
+    <dgm:linClrLst meth="repeat">
+      <a:schemeClr val="lt1"/>
+    </dgm:linClrLst>
+    <dgm:effectClrLst/>
+    <dgm:txLinClrLst/>
+    <dgm:txFillClrLst/>
+    <dgm:txEffectClrLst/>
+  </dgm:styleLbl>
+  <dgm:styleLbl name="asst3">
+    <dgm:fillClrLst meth="repeat">
+      <a:schemeClr val="accent1"/>
+    </dgm:fillClrLst>
+    <dgm:linClrLst meth="repeat">
+      <a:schemeClr val="lt1"/>
+    </dgm:linClrLst>
+    <dgm:effectClrLst/>
+    <dgm:txLinClrLst/>
+    <dgm:txFillClrLst/>
+    <dgm:txEffectClrLst/>
+  </dgm:styleLbl>
+  <dgm:styleLbl name="asst4">
+    <dgm:fillClrLst meth="repeat">
+      <a:schemeClr val="accent1"/>
+    </dgm:fillClrLst>
+    <dgm:linClrLst meth="repeat">
+      <a:schemeClr val="lt1"/>
+    </dgm:linClrLst>
+    <dgm:effectClrLst/>
+    <dgm:txLinClrLst/>
+    <dgm:txFillClrLst/>
+    <dgm:txEffectClrLst/>
+  </dgm:styleLbl>
+  <dgm:styleLbl name="parChTrans2D1">
+    <dgm:fillClrLst meth="repeat">
+      <a:schemeClr val="accent1">
+        <a:tint val="60000"/>
+      </a:schemeClr>
+    </dgm:fillClrLst>
+    <dgm:linClrLst meth="repeat">
+      <a:schemeClr val="accent1">
+        <a:tint val="60000"/>
+      </a:schemeClr>
+    </dgm:linClrLst>
+    <dgm:effectClrLst/>
+    <dgm:txLinClrLst/>
+    <dgm:txFillClrLst meth="repeat">
+      <a:schemeClr val="lt1"/>
+    </dgm:txFillClrLst>
+    <dgm:txEffectClrLst/>
+  </dgm:styleLbl>
+  <dgm:styleLbl name="parChTrans2D2">
+    <dgm:fillClrLst meth="repeat">
+      <a:schemeClr val="accent1"/>
+    </dgm:fillClrLst>
+    <dgm:linClrLst meth="repeat">
+      <a:schemeClr val="accent1"/>
+    </dgm:linClrLst>
+    <dgm:effectClrLst/>
+    <dgm:txLinClrLst/>
+    <dgm:txFillClrLst meth="repeat">
+      <a:schemeClr val="lt1"/>
+    </dgm:txFillClrLst>
+    <dgm:txEffectClrLst/>
+  </dgm:styleLbl>
+  <dgm:styleLbl name="parChTrans2D3">
+    <dgm:fillClrLst meth="repeat">
+      <a:schemeClr val="accent1"/>
+    </dgm:fillClrLst>
+    <dgm:linClrLst meth="repeat">
+      <a:schemeClr val="accent1"/>
+    </dgm:linClrLst>
+    <dgm:effectClrLst/>
+    <dgm:txLinClrLst/>
+    <dgm:txFillClrLst meth="repeat">
+      <a:schemeClr val="lt1"/>
+    </dgm:txFillClrLst>
+    <dgm:txEffectClrLst/>
+  </dgm:styleLbl>
+  <dgm:styleLbl name="parChTrans2D4">
+    <dgm:fillClrLst meth="repeat">
+      <a:schemeClr val="accent1"/>
+    </dgm:fillClrLst>
+    <dgm:linClrLst meth="repeat">
+      <a:schemeClr val="accent1"/>
+    </dgm:linClrLst>
+    <dgm:effectClrLst/>
+    <dgm:txLinClrLst/>
+    <dgm:txFillClrLst meth="repeat">
+      <a:schemeClr val="lt1"/>
+    </dgm:txFillClrLst>
+    <dgm:txEffectClrLst/>
+  </dgm:styleLbl>
+  <dgm:styleLbl name="parChTrans1D1">
+    <dgm:fillClrLst meth="repeat">
+      <a:schemeClr val="accent1"/>
+    </dgm:fillClrLst>
+    <dgm:linClrLst meth="repeat">
+      <a:schemeClr val="accent1">
+        <a:shade val="60000"/>
+      </a:schemeClr>
+    </dgm:linClrLst>
+    <dgm:effectClrLst/>
+    <dgm:txLinClrLst/>
+    <dgm:txFillClrLst meth="repeat">
+      <a:schemeClr val="tx1"/>
+    </dgm:txFillClrLst>
+    <dgm:txEffectClrLst/>
+  </dgm:styleLbl>
+  <dgm:styleLbl name="parChTrans1D2">
+    <dgm:fillClrLst meth="repeat">
+      <a:schemeClr val="accent1"/>
+    </dgm:fillClrLst>
+    <dgm:linClrLst meth="repeat">
+      <a:schemeClr val="accent1">
+        <a:shade val="60000"/>
+      </a:schemeClr>
+    </dgm:linClrLst>
+    <dgm:effectClrLst/>
+    <dgm:txLinClrLst/>
+    <dgm:txFillClrLst meth="repeat">
+      <a:schemeClr val="tx1"/>
+    </dgm:txFillClrLst>
+    <dgm:txEffectClrLst/>
+  </dgm:styleLbl>
+  <dgm:styleLbl name="parChTrans1D3">
+    <dgm:fillClrLst meth="repeat">
+      <a:schemeClr val="accent1"/>
+    </dgm:fillClrLst>
+    <dgm:linClrLst meth="repeat">
+      <a:schemeClr val="accent1">
+        <a:shade val="80000"/>
+      </a:schemeClr>
+    </dgm:linClrLst>
+    <dgm:effectClrLst/>
+    <dgm:txLinClrLst/>
+    <dgm:txFillClrLst meth="repeat">
+      <a:schemeClr val="tx1"/>
+    </dgm:txFillClrLst>
+    <dgm:txEffectClrLst/>
+  </dgm:styleLbl>
+  <dgm:styleLbl name="parChTrans1D4">
+    <dgm:fillClrLst meth="repeat">
+      <a:schemeClr val="accent1"/>
+    </dgm:fillClrLst>
+    <dgm:linClrLst meth="repeat">
+      <a:schemeClr val="accent1">
+        <a:shade val="80000"/>
+      </a:schemeClr>
+    </dgm:linClrLst>
+    <dgm:effectClrLst/>
+    <dgm:txLinClrLst/>
+    <dgm:txFillClrLst meth="repeat">
+      <a:schemeClr val="tx1"/>
+    </dgm:txFillClrLst>
+    <dgm:txEffectClrLst/>
+  </dgm:styleLbl>
+  <dgm:styleLbl name="fgAcc1">
+    <dgm:fillClrLst meth="repeat">
+      <a:schemeClr val="lt1">
+        <a:alpha val="90000"/>
+      </a:schemeClr>
+    </dgm:fillClrLst>
+    <dgm:linClrLst meth="repeat">
+      <a:schemeClr val="accent1"/>
+    </dgm:linClrLst>
+    <dgm:effectClrLst/>
+    <dgm:txLinClrLst/>
+    <dgm:txFillClrLst meth="repeat">
+      <a:schemeClr val="dk1"/>
+    </dgm:txFillClrLst>
+    <dgm:txEffectClrLst/>
+  </dgm:styleLbl>
+  <dgm:styleLbl name="conFgAcc1">
+    <dgm:fillClrLst meth="repeat">
+      <a:schemeClr val="lt1">
+        <a:alpha val="90000"/>
+      </a:schemeClr>
+    </dgm:fillClrLst>
+    <dgm:linClrLst meth="repeat">
+      <a:schemeClr val="accent1"/>
+    </dgm:linClrLst>
+    <dgm:effectClrLst/>
+    <dgm:txLinClrLst/>
+    <dgm:txFillClrLst meth="repeat">
+      <a:schemeClr val="dk1"/>
+    </dgm:txFillClrLst>
+    <dgm:txEffectClrLst/>
+  </dgm:styleLbl>
+  <dgm:styleLbl name="alignAcc1">
+    <dgm:fillClrLst meth="repeat">
+      <a:schemeClr val="lt1">
+        <a:alpha val="90000"/>
+      </a:schemeClr>
+    </dgm:fillClrLst>
+    <dgm:linClrLst meth="repeat">
+      <a:schemeClr val="accent1"/>
+    </dgm:linClrLst>
+    <dgm:effectClrLst/>
+    <dgm:txLinClrLst/>
+    <dgm:txFillClrLst meth="repeat">
+      <a:schemeClr val="dk1"/>
+    </dgm:txFillClrLst>
+    <dgm:txEffectClrLst/>
+  </dgm:styleLbl>
+  <dgm:styleLbl name="trAlignAcc1">
+    <dgm:fillClrLst meth="repeat">
+      <a:schemeClr val="lt1">
+        <a:alpha val="40000"/>
+      </a:schemeClr>
+    </dgm:fillClrLst>
+    <dgm:linClrLst meth="repeat">
+      <a:schemeClr val="accent1"/>
+    </dgm:linClrLst>
+    <dgm:effectClrLst/>
+    <dgm:txLinClrLst/>
+    <dgm:txFillClrLst meth="repeat">
+      <a:schemeClr val="dk1"/>
+    </dgm:txFillClrLst>
+    <dgm:txEffectClrLst/>
+  </dgm:styleLbl>
+  <dgm:styleLbl name="bgAcc1">
+    <dgm:fillClrLst meth="repeat">
+      <a:schemeClr val="lt1">
+        <a:alpha val="90000"/>
+      </a:schemeClr>
+    </dgm:fillClrLst>
+    <dgm:linClrLst meth="repeat">
+      <a:schemeClr val="accent1"/>
+    </dgm:linClrLst>
+    <dgm:effectClrLst/>
+    <dgm:txLinClrLst/>
+    <dgm:txFillClrLst meth="repeat">
+      <a:schemeClr val="dk1"/>
+    </dgm:txFillClrLst>
+    <dgm:txEffectClrLst/>
+  </dgm:styleLbl>
+  <dgm:styleLbl name="solidFgAcc1">
+    <dgm:fillClrLst meth="repeat">
+      <a:schemeClr val="lt1"/>
+    </dgm:fillClrLst>
+    <dgm:linClrLst meth="repeat">
+      <a:schemeClr val="accent1"/>
+    </dgm:linClrLst>
+    <dgm:effectClrLst/>
+    <dgm:txLinClrLst/>
+    <dgm:txFillClrLst meth="repeat">
+      <a:schemeClr val="dk1"/>
+    </dgm:txFillClrLst>
+    <dgm:txEffectClrLst/>
+  </dgm:styleLbl>
+  <dgm:styleLbl name="solidAlignAcc1">
+    <dgm:fillClrLst meth="repeat">
+      <a:schemeClr val="lt1"/>
+    </dgm:fillClrLst>
+    <dgm:linClrLst meth="repeat">
+      <a:schemeClr val="accent1"/>
+    </dgm:linClrLst>
+    <dgm:effectClrLst/>
+    <dgm:txLinClrLst/>
+    <dgm:txFillClrLst meth="repeat">
+      <a:schemeClr val="dk1"/>
+    </dgm:txFillClrLst>
+    <dgm:txEffectClrLst/>
+  </dgm:styleLbl>
+  <dgm:styleLbl name="solidBgAcc1">
+    <dgm:fillClrLst meth="repeat">
+      <a:schemeClr val="lt1"/>
+    </dgm:fillClrLst>
+    <dgm:linClrLst meth="repeat">
+      <a:schemeClr val="accent1"/>
+    </dgm:linClrLst>
+    <dgm:effectClrLst/>
+    <dgm:txLinClrLst/>
+    <dgm:txFillClrLst meth="repeat">
+      <a:schemeClr val="dk1"/>
+    </dgm:txFillClrLst>
+    <dgm:txEffectClrLst/>
+  </dgm:styleLbl>
+  <dgm:styleLbl name="fgAccFollowNode1">
+    <dgm:fillClrLst meth="repeat">
+      <a:schemeClr val="accent1">
+        <a:alpha val="90000"/>
+        <a:tint val="40000"/>
+      </a:schemeClr>
+    </dgm:fillClrLst>
+    <dgm:linClrLst meth="repeat">
+      <a:schemeClr val="accent1">
+        <a:alpha val="90000"/>
+        <a:tint val="40000"/>
+      </a:schemeClr>
+    </dgm:linClrLst>
+    <dgm:effectClrLst/>
+    <dgm:txLinClrLst/>
+    <dgm:txFillClrLst meth="repeat">
+      <a:schemeClr val="dk1"/>
+    </dgm:txFillClrLst>
+    <dgm:txEffectClrLst/>
+  </dgm:styleLbl>
+  <dgm:styleLbl name="alignAccFollowNode1">
+    <dgm:fillClrLst meth="repeat">
+      <a:schemeClr val="accent1">
+        <a:alpha val="90000"/>
+        <a:tint val="40000"/>
+      </a:schemeClr>
+    </dgm:fillClrLst>
+    <dgm:linClrLst meth="repeat">
+      <a:schemeClr val="accent1">
+        <a:alpha val="90000"/>
+        <a:tint val="40000"/>
+      </a:schemeClr>
+    </dgm:linClrLst>
+    <dgm:effectClrLst/>
+    <dgm:txLinClrLst/>
+    <dgm:txFillClrLst meth="repeat">
+      <a:schemeClr val="dk1"/>
+    </dgm:txFillClrLst>
+    <dgm:txEffectClrLst/>
+  </dgm:styleLbl>
+  <dgm:styleLbl name="bgAccFollowNode1">
+    <dgm:fillClrLst meth="repeat">
+      <a:schemeClr val="accent1">
+        <a:alpha val="90000"/>
+        <a:tint val="40000"/>
+      </a:schemeClr>
+    </dgm:fillClrLst>
+    <dgm:linClrLst meth="repeat">
+      <a:schemeClr val="accent1">
+        <a:alpha val="90000"/>
+        <a:tint val="40000"/>
+      </a:schemeClr>
+    </dgm:linClrLst>
+    <dgm:effectClrLst/>
+    <dgm:txLinClrLst/>
+    <dgm:txFillClrLst meth="repeat">
+      <a:schemeClr val="dk1"/>
+    </dgm:txFillClrLst>
+    <dgm:txEffectClrLst/>
+  </dgm:styleLbl>
+  <dgm:styleLbl name="fgAcc0">
+    <dgm:fillClrLst meth="repeat">
+      <a:schemeClr val="lt1">
+        <a:alpha val="90000"/>
+      </a:schemeClr>
+    </dgm:fillClrLst>
+    <dgm:linClrLst meth="repeat">
+      <a:schemeClr val="accent1"/>
+    </dgm:linClrLst>
+    <dgm:effectClrLst/>
+    <dgm:txLinClrLst/>
+    <dgm:txFillClrLst meth="repeat">
+      <a:schemeClr val="dk1"/>
+    </dgm:txFillClrLst>
+    <dgm:txEffectClrLst/>
+  </dgm:styleLbl>
+  <dgm:styleLbl name="fgAcc2">
+    <dgm:fillClrLst meth="repeat">
+      <a:schemeClr val="lt1">
+        <a:alpha val="90000"/>
+      </a:schemeClr>
+    </dgm:fillClrLst>
+    <dgm:linClrLst meth="repeat">
+      <a:schemeClr val="accent1"/>
+    </dgm:linClrLst>
+    <dgm:effectClrLst/>
+    <dgm:txLinClrLst/>
+    <dgm:txFillClrLst meth="repeat">
+      <a:schemeClr val="dk1"/>
+    </dgm:txFillClrLst>
+    <dgm:txEffectClrLst/>
+  </dgm:styleLbl>
+  <dgm:styleLbl name="fgAcc3">
+    <dgm:fillClrLst meth="repeat">
+      <a:schemeClr val="lt1">
+        <a:alpha val="90000"/>
+      </a:schemeClr>
+    </dgm:fillClrLst>
+    <dgm:linClrLst meth="repeat">
+      <a:schemeClr val="accent1"/>
+    </dgm:linClrLst>
+    <dgm:effectClrLst/>
+    <dgm:txLinClrLst/>
+    <dgm:txFillClrLst meth="repeat">
+      <a:schemeClr val="dk1"/>
+    </dgm:txFillClrLst>
+    <dgm:txEffectClrLst/>
+  </dgm:styleLbl>
+  <dgm:styleLbl name="fgAcc4">
+    <dgm:fillClrLst meth="repeat">
+      <a:schemeClr val="lt1">
+        <a:alpha val="90000"/>
+      </a:schemeClr>
+    </dgm:fillClrLst>
+    <dgm:linClrLst meth="repeat">
+      <a:schemeClr val="accent1"/>
+    </dgm:linClrLst>
+    <dgm:effectClrLst/>
+    <dgm:txLinClrLst/>
+    <dgm:txFillClrLst meth="repeat">
+      <a:schemeClr val="dk1"/>
+    </dgm:txFillClrLst>
+    <dgm:txEffectClrLst/>
+  </dgm:styleLbl>
+  <dgm:styleLbl name="bgShp">
+    <dgm:fillClrLst meth="repeat">
+      <a:schemeClr val="accent1">
+        <a:tint val="40000"/>
+      </a:schemeClr>
+    </dgm:fillClrLst>
+    <dgm:linClrLst meth="repeat">
+      <a:schemeClr val="accent1"/>
+    </dgm:linClrLst>
+    <dgm:effectClrLst/>
+    <dgm:txLinClrLst/>
+    <dgm:txFillClrLst meth="repeat">
+      <a:schemeClr val="dk1"/>
+    </dgm:txFillClrLst>
+    <dgm:txEffectClrLst/>
+  </dgm:styleLbl>
+  <dgm:styleLbl name="dkBgShp">
+    <dgm:fillClrLst meth="repeat">
+      <a:schemeClr val="accent1">
+        <a:shade val="80000"/>
+      </a:schemeClr>
+    </dgm:fillClrLst>
+    <dgm:linClrLst meth="repeat">
+      <a:schemeClr val="accent1"/>
+    </dgm:linClrLst>
+    <dgm:effectClrLst/>
+    <dgm:txLinClrLst/>
+    <dgm:txFillClrLst meth="repeat">
+      <a:schemeClr val="lt1"/>
+    </dgm:txFillClrLst>
+    <dgm:txEffectClrLst/>
+  </dgm:styleLbl>
+  <dgm:styleLbl name="trBgShp">
+    <dgm:fillClrLst meth="repeat">
+      <a:schemeClr val="accent1">
+        <a:tint val="50000"/>
+        <a:alpha val="40000"/>
+      </a:schemeClr>
+    </dgm:fillClrLst>
+    <dgm:linClrLst meth="repeat">
+      <a:schemeClr val="accent1"/>
+    </dgm:linClrLst>
+    <dgm:effectClrLst/>
+    <dgm:txLinClrLst/>
+    <dgm:txFillClrLst meth="repeat">
+      <a:schemeClr val="lt1"/>
+    </dgm:txFillClrLst>
+    <dgm:txEffectClrLst/>
+  </dgm:styleLbl>
+  <dgm:styleLbl name="fgShp">
+    <dgm:fillClrLst meth="repeat">
+      <a:schemeClr val="accent1">
+        <a:tint val="60000"/>
+      </a:schemeClr>
+    </dgm:fillClrLst>
+    <dgm:linClrLst meth="repeat">
+      <a:schemeClr val="lt1"/>
+    </dgm:linClrLst>
+    <dgm:effectClrLst/>
+    <dgm:txLinClrLst/>
+    <dgm:txFillClrLst meth="repeat">
+      <a:schemeClr val="dk1"/>
+    </dgm:txFillClrLst>
+    <dgm:txEffectClrLst/>
+  </dgm:styleLbl>
+  <dgm:styleLbl name="revTx">
+    <dgm:fillClrLst meth="repeat">
+      <a:schemeClr val="lt1">
+        <a:alpha val="0"/>
+      </a:schemeClr>
+    </dgm:fillClrLst>
+    <dgm:linClrLst meth="repeat">
+      <a:schemeClr val="dk1">
+        <a:alpha val="0"/>
+      </a:schemeClr>
+    </dgm:linClrLst>
+    <dgm:effectClrLst/>
+    <dgm:txLinClrLst/>
+    <dgm:txFillClrLst meth="repeat">
+      <a:schemeClr val="tx1"/>
+    </dgm:txFillClrLst>
+    <dgm:txEffectClrLst/>
+  </dgm:styleLbl>
+</dgm:colorsDef>
+</file>
+
+<file path=ppt/diagrams/data1.xml><?xml version="1.0" encoding="utf-8"?>
+<dgm:dataModel xmlns:dgm="http://schemas.openxmlformats.org/drawingml/2006/diagram" xmlns:a="http://schemas.openxmlformats.org/drawingml/2006/main">
+  <dgm:ptLst>
+    <dgm:pt modelId="{CD39A5D4-7659-45A0-A345-2EAD4309D481}" type="doc">
+      <dgm:prSet loTypeId="urn:microsoft.com/office/officeart/2005/8/layout/process1" loCatId="process" qsTypeId="urn:microsoft.com/office/officeart/2005/8/quickstyle/simple1" qsCatId="simple" csTypeId="urn:microsoft.com/office/officeart/2005/8/colors/accent1_2" csCatId="accent1" phldr="1"/>
+      <dgm:spPr/>
+    </dgm:pt>
+    <dgm:pt modelId="{90EB03C9-FC94-491F-B79B-3030822DA883}">
+      <dgm:prSet phldrT="[Text]"/>
+      <dgm:spPr/>
+      <dgm:t>
+        <a:bodyPr/>
+        <a:lstStyle/>
+        <a:p>
+          <a:r>
+            <a:rPr lang="hu-HU" dirty="0" smtClean="0"/>
+            <a:t>Gather structure</a:t>
+          </a:r>
+          <a:endParaRPr lang="en-US" dirty="0"/>
+        </a:p>
+      </dgm:t>
+    </dgm:pt>
+    <dgm:pt modelId="{49F4B4A9-929B-4DDE-8182-1F7F5120C6E5}" type="parTrans" cxnId="{0BE37BCB-1EF8-40B1-8855-42CB35B3C5C8}">
+      <dgm:prSet/>
+      <dgm:spPr/>
+      <dgm:t>
+        <a:bodyPr/>
+        <a:lstStyle/>
+        <a:p>
+          <a:endParaRPr lang="en-US"/>
+        </a:p>
+      </dgm:t>
+    </dgm:pt>
+    <dgm:pt modelId="{12DE9912-F042-414E-B3B6-FBC124BD5B25}" type="sibTrans" cxnId="{0BE37BCB-1EF8-40B1-8855-42CB35B3C5C8}">
+      <dgm:prSet/>
+      <dgm:spPr/>
+      <dgm:t>
+        <a:bodyPr/>
+        <a:lstStyle/>
+        <a:p>
+          <a:endParaRPr lang="en-US"/>
+        </a:p>
+      </dgm:t>
+    </dgm:pt>
+    <dgm:pt modelId="{F0F2769A-1199-48DE-9B22-CCB6010A3335}">
+      <dgm:prSet phldrT="[Text]"/>
+      <dgm:spPr/>
+      <dgm:t>
+        <a:bodyPr/>
+        <a:lstStyle/>
+        <a:p>
+          <a:r>
+            <a:rPr lang="hu-HU" dirty="0" smtClean="0"/>
+            <a:t>Gather references</a:t>
+          </a:r>
+          <a:endParaRPr lang="en-US" dirty="0"/>
+        </a:p>
+      </dgm:t>
+    </dgm:pt>
+    <dgm:pt modelId="{0461A3D4-01D1-4CD4-8434-5719646FD663}" type="parTrans" cxnId="{B762F8F5-5680-4AFC-A1A3-03D6189399C6}">
+      <dgm:prSet/>
+      <dgm:spPr/>
+      <dgm:t>
+        <a:bodyPr/>
+        <a:lstStyle/>
+        <a:p>
+          <a:endParaRPr lang="en-US"/>
+        </a:p>
+      </dgm:t>
+    </dgm:pt>
+    <dgm:pt modelId="{3A7FBFD5-C68E-4BFB-B00D-9581F32F2774}" type="sibTrans" cxnId="{B762F8F5-5680-4AFC-A1A3-03D6189399C6}">
+      <dgm:prSet/>
+      <dgm:spPr/>
+      <dgm:t>
+        <a:bodyPr/>
+        <a:lstStyle/>
+        <a:p>
+          <a:endParaRPr lang="en-US"/>
+        </a:p>
+      </dgm:t>
+    </dgm:pt>
+    <dgm:pt modelId="{DDB85ACD-860F-4F26-9C19-BF38892C7BEA}">
+      <dgm:prSet phldrT="[Text]"/>
+      <dgm:spPr/>
+      <dgm:t>
+        <a:bodyPr/>
+        <a:lstStyle/>
+        <a:p>
+          <a:r>
+            <a:rPr lang="hu-HU" dirty="0" smtClean="0"/>
+            <a:t>Convert to source format</a:t>
+          </a:r>
+          <a:endParaRPr lang="en-US" dirty="0"/>
+        </a:p>
+      </dgm:t>
+    </dgm:pt>
+    <dgm:pt modelId="{82762091-53F2-49C0-9F4E-A1BE687DAC6F}" type="parTrans" cxnId="{DB50C269-D666-474F-9546-0C2DAA292696}">
+      <dgm:prSet/>
+      <dgm:spPr/>
+      <dgm:t>
+        <a:bodyPr/>
+        <a:lstStyle/>
+        <a:p>
+          <a:endParaRPr lang="en-US"/>
+        </a:p>
+      </dgm:t>
+    </dgm:pt>
+    <dgm:pt modelId="{DE19FD3A-FEDA-4520-83A1-2BD07D8316B3}" type="sibTrans" cxnId="{DB50C269-D666-474F-9546-0C2DAA292696}">
+      <dgm:prSet/>
+      <dgm:spPr/>
+      <dgm:t>
+        <a:bodyPr/>
+        <a:lstStyle/>
+        <a:p>
+          <a:endParaRPr lang="en-US"/>
+        </a:p>
+      </dgm:t>
+    </dgm:pt>
+    <dgm:pt modelId="{113A74AF-7986-4E7F-A07B-0B9AE1A741D2}">
+      <dgm:prSet phldrT="[Text]"/>
+      <dgm:spPr/>
+      <dgm:t>
+        <a:bodyPr/>
+        <a:lstStyle/>
+        <a:p>
+          <a:r>
+            <a:rPr lang="hu-HU" dirty="0" smtClean="0"/>
+            <a:t>Filter information</a:t>
+          </a:r>
+          <a:endParaRPr lang="en-US" dirty="0"/>
+        </a:p>
+      </dgm:t>
+    </dgm:pt>
+    <dgm:pt modelId="{C3826192-672D-4BFD-8D7E-E0E3252A4AC9}" type="parTrans" cxnId="{7E8375E8-6BE8-4D57-805A-5DE7D75D3E6C}">
+      <dgm:prSet/>
+      <dgm:spPr/>
+      <dgm:t>
+        <a:bodyPr/>
+        <a:lstStyle/>
+        <a:p>
+          <a:endParaRPr lang="en-US"/>
+        </a:p>
+      </dgm:t>
+    </dgm:pt>
+    <dgm:pt modelId="{0F5A0701-4A89-4D3F-8E0C-B08A9E8E03B5}" type="sibTrans" cxnId="{7E8375E8-6BE8-4D57-805A-5DE7D75D3E6C}">
+      <dgm:prSet/>
+      <dgm:spPr/>
+      <dgm:t>
+        <a:bodyPr/>
+        <a:lstStyle/>
+        <a:p>
+          <a:endParaRPr lang="en-US"/>
+        </a:p>
+      </dgm:t>
+    </dgm:pt>
+    <dgm:pt modelId="{31847001-EB12-440A-AAF9-CB4F3F197E1A}" type="pres">
+      <dgm:prSet presAssocID="{CD39A5D4-7659-45A0-A345-2EAD4309D481}" presName="Name0" presStyleCnt="0">
+        <dgm:presLayoutVars>
+          <dgm:dir/>
+          <dgm:resizeHandles val="exact"/>
+        </dgm:presLayoutVars>
+      </dgm:prSet>
+      <dgm:spPr/>
+    </dgm:pt>
+    <dgm:pt modelId="{9B596910-61E9-4C36-BFF7-8D4A75ED0A91}" type="pres">
+      <dgm:prSet presAssocID="{90EB03C9-FC94-491F-B79B-3030822DA883}" presName="node" presStyleLbl="node1" presStyleIdx="0" presStyleCnt="4">
+        <dgm:presLayoutVars>
+          <dgm:bulletEnabled val="1"/>
+        </dgm:presLayoutVars>
+      </dgm:prSet>
+      <dgm:spPr/>
+      <dgm:t>
+        <a:bodyPr/>
+        <a:lstStyle/>
+        <a:p>
+          <a:endParaRPr lang="en-US"/>
+        </a:p>
+      </dgm:t>
+    </dgm:pt>
+    <dgm:pt modelId="{4937E544-948D-47AE-9997-07F401BE281A}" type="pres">
+      <dgm:prSet presAssocID="{12DE9912-F042-414E-B3B6-FBC124BD5B25}" presName="sibTrans" presStyleLbl="sibTrans2D1" presStyleIdx="0" presStyleCnt="3"/>
+      <dgm:spPr/>
+    </dgm:pt>
+    <dgm:pt modelId="{622038D5-8748-48DD-A25A-D0AF25586C10}" type="pres">
+      <dgm:prSet presAssocID="{12DE9912-F042-414E-B3B6-FBC124BD5B25}" presName="connectorText" presStyleLbl="sibTrans2D1" presStyleIdx="0" presStyleCnt="3"/>
+      <dgm:spPr/>
+    </dgm:pt>
+    <dgm:pt modelId="{C9C215A8-D6FE-4ACB-B0FD-FE11CBAD2AC5}" type="pres">
+      <dgm:prSet presAssocID="{F0F2769A-1199-48DE-9B22-CCB6010A3335}" presName="node" presStyleLbl="node1" presStyleIdx="1" presStyleCnt="4">
+        <dgm:presLayoutVars>
+          <dgm:bulletEnabled val="1"/>
+        </dgm:presLayoutVars>
+      </dgm:prSet>
+      <dgm:spPr/>
+      <dgm:t>
+        <a:bodyPr/>
+        <a:lstStyle/>
+        <a:p>
+          <a:endParaRPr lang="en-US"/>
+        </a:p>
+      </dgm:t>
+    </dgm:pt>
+    <dgm:pt modelId="{DF764472-6458-4F89-A300-EA3415E4EE16}" type="pres">
+      <dgm:prSet presAssocID="{3A7FBFD5-C68E-4BFB-B00D-9581F32F2774}" presName="sibTrans" presStyleLbl="sibTrans2D1" presStyleIdx="1" presStyleCnt="3"/>
+      <dgm:spPr/>
+    </dgm:pt>
+    <dgm:pt modelId="{8D47B5A0-A41F-4ADC-8730-561B3C2419BC}" type="pres">
+      <dgm:prSet presAssocID="{3A7FBFD5-C68E-4BFB-B00D-9581F32F2774}" presName="connectorText" presStyleLbl="sibTrans2D1" presStyleIdx="1" presStyleCnt="3"/>
+      <dgm:spPr/>
+    </dgm:pt>
+    <dgm:pt modelId="{34F7957B-662E-46F9-8C13-AAA64418E827}" type="pres">
+      <dgm:prSet presAssocID="{DDB85ACD-860F-4F26-9C19-BF38892C7BEA}" presName="node" presStyleLbl="node1" presStyleIdx="2" presStyleCnt="4">
+        <dgm:presLayoutVars>
+          <dgm:bulletEnabled val="1"/>
+        </dgm:presLayoutVars>
+      </dgm:prSet>
+      <dgm:spPr/>
+      <dgm:t>
+        <a:bodyPr/>
+        <a:lstStyle/>
+        <a:p>
+          <a:endParaRPr lang="en-US"/>
+        </a:p>
+      </dgm:t>
+    </dgm:pt>
+    <dgm:pt modelId="{5DE24C01-3619-4BAC-9468-EFD0DECDAEBE}" type="pres">
+      <dgm:prSet presAssocID="{DE19FD3A-FEDA-4520-83A1-2BD07D8316B3}" presName="sibTrans" presStyleLbl="sibTrans2D1" presStyleIdx="2" presStyleCnt="3"/>
+      <dgm:spPr/>
+    </dgm:pt>
+    <dgm:pt modelId="{FCCAC406-000E-4BB6-9C34-BD0B3882E050}" type="pres">
+      <dgm:prSet presAssocID="{DE19FD3A-FEDA-4520-83A1-2BD07D8316B3}" presName="connectorText" presStyleLbl="sibTrans2D1" presStyleIdx="2" presStyleCnt="3"/>
+      <dgm:spPr/>
+    </dgm:pt>
+    <dgm:pt modelId="{D71C472C-06E1-4BBA-91FF-4B5D3CC75F1F}" type="pres">
+      <dgm:prSet presAssocID="{113A74AF-7986-4E7F-A07B-0B9AE1A741D2}" presName="node" presStyleLbl="node1" presStyleIdx="3" presStyleCnt="4">
+        <dgm:presLayoutVars>
+          <dgm:bulletEnabled val="1"/>
+        </dgm:presLayoutVars>
+      </dgm:prSet>
+      <dgm:spPr/>
+      <dgm:t>
+        <a:bodyPr/>
+        <a:lstStyle/>
+        <a:p>
+          <a:endParaRPr lang="en-US"/>
+        </a:p>
+      </dgm:t>
+    </dgm:pt>
+  </dgm:ptLst>
+  <dgm:cxnLst>
+    <dgm:cxn modelId="{D322BC26-6868-4CB2-B1C3-7F39B2D1BBC3}" type="presOf" srcId="{113A74AF-7986-4E7F-A07B-0B9AE1A741D2}" destId="{D71C472C-06E1-4BBA-91FF-4B5D3CC75F1F}" srcOrd="0" destOrd="0" presId="urn:microsoft.com/office/officeart/2005/8/layout/process1"/>
+    <dgm:cxn modelId="{948C39D5-A445-4728-9B06-85113EDEEF63}" type="presOf" srcId="{F0F2769A-1199-48DE-9B22-CCB6010A3335}" destId="{C9C215A8-D6FE-4ACB-B0FD-FE11CBAD2AC5}" srcOrd="0" destOrd="0" presId="urn:microsoft.com/office/officeart/2005/8/layout/process1"/>
+    <dgm:cxn modelId="{D8FAF011-9906-479F-861E-B2E51BD2AFC5}" type="presOf" srcId="{DDB85ACD-860F-4F26-9C19-BF38892C7BEA}" destId="{34F7957B-662E-46F9-8C13-AAA64418E827}" srcOrd="0" destOrd="0" presId="urn:microsoft.com/office/officeart/2005/8/layout/process1"/>
+    <dgm:cxn modelId="{F50132D9-705F-4FFB-9ABE-DC0748E02C37}" type="presOf" srcId="{DE19FD3A-FEDA-4520-83A1-2BD07D8316B3}" destId="{FCCAC406-000E-4BB6-9C34-BD0B3882E050}" srcOrd="1" destOrd="0" presId="urn:microsoft.com/office/officeart/2005/8/layout/process1"/>
+    <dgm:cxn modelId="{723904B8-5D06-499D-8CD7-258D366331BE}" type="presOf" srcId="{12DE9912-F042-414E-B3B6-FBC124BD5B25}" destId="{622038D5-8748-48DD-A25A-D0AF25586C10}" srcOrd="1" destOrd="0" presId="urn:microsoft.com/office/officeart/2005/8/layout/process1"/>
+    <dgm:cxn modelId="{829486BC-BA59-45B1-86D1-3080DBD9A509}" type="presOf" srcId="{DE19FD3A-FEDA-4520-83A1-2BD07D8316B3}" destId="{5DE24C01-3619-4BAC-9468-EFD0DECDAEBE}" srcOrd="0" destOrd="0" presId="urn:microsoft.com/office/officeart/2005/8/layout/process1"/>
+    <dgm:cxn modelId="{97522110-C6FD-443B-A02E-95820FD164C2}" type="presOf" srcId="{CD39A5D4-7659-45A0-A345-2EAD4309D481}" destId="{31847001-EB12-440A-AAF9-CB4F3F197E1A}" srcOrd="0" destOrd="0" presId="urn:microsoft.com/office/officeart/2005/8/layout/process1"/>
+    <dgm:cxn modelId="{C4825851-F946-4EA1-85A6-47529D8079EA}" type="presOf" srcId="{3A7FBFD5-C68E-4BFB-B00D-9581F32F2774}" destId="{8D47B5A0-A41F-4ADC-8730-561B3C2419BC}" srcOrd="1" destOrd="0" presId="urn:microsoft.com/office/officeart/2005/8/layout/process1"/>
+    <dgm:cxn modelId="{0BE37BCB-1EF8-40B1-8855-42CB35B3C5C8}" srcId="{CD39A5D4-7659-45A0-A345-2EAD4309D481}" destId="{90EB03C9-FC94-491F-B79B-3030822DA883}" srcOrd="0" destOrd="0" parTransId="{49F4B4A9-929B-4DDE-8182-1F7F5120C6E5}" sibTransId="{12DE9912-F042-414E-B3B6-FBC124BD5B25}"/>
+    <dgm:cxn modelId="{0641983B-C181-47DC-92B8-E3E83CEAE4F8}" type="presOf" srcId="{3A7FBFD5-C68E-4BFB-B00D-9581F32F2774}" destId="{DF764472-6458-4F89-A300-EA3415E4EE16}" srcOrd="0" destOrd="0" presId="urn:microsoft.com/office/officeart/2005/8/layout/process1"/>
+    <dgm:cxn modelId="{7E8375E8-6BE8-4D57-805A-5DE7D75D3E6C}" srcId="{CD39A5D4-7659-45A0-A345-2EAD4309D481}" destId="{113A74AF-7986-4E7F-A07B-0B9AE1A741D2}" srcOrd="3" destOrd="0" parTransId="{C3826192-672D-4BFD-8D7E-E0E3252A4AC9}" sibTransId="{0F5A0701-4A89-4D3F-8E0C-B08A9E8E03B5}"/>
+    <dgm:cxn modelId="{DB50C269-D666-474F-9546-0C2DAA292696}" srcId="{CD39A5D4-7659-45A0-A345-2EAD4309D481}" destId="{DDB85ACD-860F-4F26-9C19-BF38892C7BEA}" srcOrd="2" destOrd="0" parTransId="{82762091-53F2-49C0-9F4E-A1BE687DAC6F}" sibTransId="{DE19FD3A-FEDA-4520-83A1-2BD07D8316B3}"/>
+    <dgm:cxn modelId="{F4DFD9E5-A2FF-4628-82CD-3891978397D9}" type="presOf" srcId="{90EB03C9-FC94-491F-B79B-3030822DA883}" destId="{9B596910-61E9-4C36-BFF7-8D4A75ED0A91}" srcOrd="0" destOrd="0" presId="urn:microsoft.com/office/officeart/2005/8/layout/process1"/>
+    <dgm:cxn modelId="{B762F8F5-5680-4AFC-A1A3-03D6189399C6}" srcId="{CD39A5D4-7659-45A0-A345-2EAD4309D481}" destId="{F0F2769A-1199-48DE-9B22-CCB6010A3335}" srcOrd="1" destOrd="0" parTransId="{0461A3D4-01D1-4CD4-8434-5719646FD663}" sibTransId="{3A7FBFD5-C68E-4BFB-B00D-9581F32F2774}"/>
+    <dgm:cxn modelId="{4CB207AA-7CE2-4C8D-BF1A-CFF78D019437}" type="presOf" srcId="{12DE9912-F042-414E-B3B6-FBC124BD5B25}" destId="{4937E544-948D-47AE-9997-07F401BE281A}" srcOrd="0" destOrd="0" presId="urn:microsoft.com/office/officeart/2005/8/layout/process1"/>
+    <dgm:cxn modelId="{D8FA7B4B-E436-4BF8-937D-E292BA9CCBB3}" type="presParOf" srcId="{31847001-EB12-440A-AAF9-CB4F3F197E1A}" destId="{9B596910-61E9-4C36-BFF7-8D4A75ED0A91}" srcOrd="0" destOrd="0" presId="urn:microsoft.com/office/officeart/2005/8/layout/process1"/>
+    <dgm:cxn modelId="{427651B8-6A8B-4399-A56B-9E35883E506C}" type="presParOf" srcId="{31847001-EB12-440A-AAF9-CB4F3F197E1A}" destId="{4937E544-948D-47AE-9997-07F401BE281A}" srcOrd="1" destOrd="0" presId="urn:microsoft.com/office/officeart/2005/8/layout/process1"/>
+    <dgm:cxn modelId="{E958C3FE-43AD-4028-8981-E73145E8F708}" type="presParOf" srcId="{4937E544-948D-47AE-9997-07F401BE281A}" destId="{622038D5-8748-48DD-A25A-D0AF25586C10}" srcOrd="0" destOrd="0" presId="urn:microsoft.com/office/officeart/2005/8/layout/process1"/>
+    <dgm:cxn modelId="{32296A86-1750-4B2A-AC27-E5BDFB359B5C}" type="presParOf" srcId="{31847001-EB12-440A-AAF9-CB4F3F197E1A}" destId="{C9C215A8-D6FE-4ACB-B0FD-FE11CBAD2AC5}" srcOrd="2" destOrd="0" presId="urn:microsoft.com/office/officeart/2005/8/layout/process1"/>
+    <dgm:cxn modelId="{E5814E93-7724-48DF-955C-F141C27B8481}" type="presParOf" srcId="{31847001-EB12-440A-AAF9-CB4F3F197E1A}" destId="{DF764472-6458-4F89-A300-EA3415E4EE16}" srcOrd="3" destOrd="0" presId="urn:microsoft.com/office/officeart/2005/8/layout/process1"/>
+    <dgm:cxn modelId="{1E20E85E-AE0E-4EAD-ADEF-6FB622229A8D}" type="presParOf" srcId="{DF764472-6458-4F89-A300-EA3415E4EE16}" destId="{8D47B5A0-A41F-4ADC-8730-561B3C2419BC}" srcOrd="0" destOrd="0" presId="urn:microsoft.com/office/officeart/2005/8/layout/process1"/>
+    <dgm:cxn modelId="{71102B17-13F8-4C04-BE66-C1DAF98E9650}" type="presParOf" srcId="{31847001-EB12-440A-AAF9-CB4F3F197E1A}" destId="{34F7957B-662E-46F9-8C13-AAA64418E827}" srcOrd="4" destOrd="0" presId="urn:microsoft.com/office/officeart/2005/8/layout/process1"/>
+    <dgm:cxn modelId="{E2352D05-DE69-4552-B08B-86C7946A2380}" type="presParOf" srcId="{31847001-EB12-440A-AAF9-CB4F3F197E1A}" destId="{5DE24C01-3619-4BAC-9468-EFD0DECDAEBE}" srcOrd="5" destOrd="0" presId="urn:microsoft.com/office/officeart/2005/8/layout/process1"/>
+    <dgm:cxn modelId="{B0C87664-60A6-4E75-BDE0-8FC2CB53DBBC}" type="presParOf" srcId="{5DE24C01-3619-4BAC-9468-EFD0DECDAEBE}" destId="{FCCAC406-000E-4BB6-9C34-BD0B3882E050}" srcOrd="0" destOrd="0" presId="urn:microsoft.com/office/officeart/2005/8/layout/process1"/>
+    <dgm:cxn modelId="{D438E84B-EFF9-4C5E-A34E-167C0FEB48EC}" type="presParOf" srcId="{31847001-EB12-440A-AAF9-CB4F3F197E1A}" destId="{D71C472C-06E1-4BBA-91FF-4B5D3CC75F1F}" srcOrd="6" destOrd="0" presId="urn:microsoft.com/office/officeart/2005/8/layout/process1"/>
+  </dgm:cxnLst>
+  <dgm:bg/>
+  <dgm:whole/>
+  <dgm:extLst>
+    <a:ext uri="http://schemas.microsoft.com/office/drawing/2008/diagram">
+      <dsp:dataModelExt xmlns:dsp="http://schemas.microsoft.com/office/drawing/2008/diagram" relId="rId6" minVer="http://schemas.openxmlformats.org/drawingml/2006/diagram"/>
+    </a:ext>
+    <a:ext uri="{C62137D5-CB1D-491B-B009-E17868A290BF}">
+      <dgm14:recolorImg xmlns:dgm14="http://schemas.microsoft.com/office/drawing/2010/diagram" val="1"/>
+    </a:ext>
+  </dgm:extLst>
+</dgm:dataModel>
+</file>
+
+<file path=ppt/diagrams/drawing1.xml><?xml version="1.0" encoding="utf-8"?>
+<dsp:drawing xmlns:dgm="http://schemas.openxmlformats.org/drawingml/2006/diagram" xmlns:dsp="http://schemas.microsoft.com/office/drawing/2008/diagram" xmlns:a="http://schemas.openxmlformats.org/drawingml/2006/main">
+  <dsp:spTree>
+    <dsp:nvGrpSpPr>
+      <dsp:cNvPr id="0" name=""/>
+      <dsp:cNvGrpSpPr/>
+    </dsp:nvGrpSpPr>
+    <dsp:grpSpPr/>
+    <dsp:sp modelId="{9B596910-61E9-4C36-BFF7-8D4A75ED0A91}">
+      <dsp:nvSpPr>
+        <dsp:cNvPr id="0" name=""/>
+        <dsp:cNvSpPr/>
+      </dsp:nvSpPr>
+      <dsp:spPr>
+        <a:xfrm>
+          <a:off x="2009" y="0"/>
+          <a:ext cx="878458" cy="648072"/>
+        </a:xfrm>
+        <a:prstGeom prst="roundRect">
+          <a:avLst>
+            <a:gd name="adj" fmla="val 10000"/>
+          </a:avLst>
+        </a:prstGeom>
+        <a:solidFill>
+          <a:schemeClr val="accent1">
+            <a:hueOff val="0"/>
+            <a:satOff val="0"/>
+            <a:lumOff val="0"/>
+            <a:alphaOff val="0"/>
+          </a:schemeClr>
+        </a:solidFill>
+        <a:ln w="25400" cap="flat" cmpd="sng" algn="ctr">
+          <a:solidFill>
+            <a:schemeClr val="lt1">
+              <a:hueOff val="0"/>
+              <a:satOff val="0"/>
+              <a:lumOff val="0"/>
+              <a:alphaOff val="0"/>
+            </a:schemeClr>
+          </a:solidFill>
+          <a:prstDash val="solid"/>
+        </a:ln>
+        <a:effectLst/>
+      </dsp:spPr>
+      <dsp:style>
+        <a:lnRef idx="2">
+          <a:scrgbClr r="0" g="0" b="0"/>
+        </a:lnRef>
+        <a:fillRef idx="1">
+          <a:scrgbClr r="0" g="0" b="0"/>
+        </a:fillRef>
+        <a:effectRef idx="0">
+          <a:scrgbClr r="0" g="0" b="0"/>
+        </a:effectRef>
+        <a:fontRef idx="minor">
+          <a:schemeClr val="lt1"/>
+        </a:fontRef>
+      </dsp:style>
+      <dsp:txBody>
+        <a:bodyPr spcFirstLastPara="0" vert="horz" wrap="square" lIns="45720" tIns="45720" rIns="45720" bIns="45720" numCol="1" spcCol="1270" anchor="ctr" anchorCtr="0">
+          <a:noAutofit/>
+        </a:bodyPr>
+        <a:lstStyle/>
+        <a:p>
+          <a:pPr lvl="0" algn="ctr" defTabSz="533400">
+            <a:lnSpc>
+              <a:spcPct val="90000"/>
+            </a:lnSpc>
+            <a:spcBef>
+              <a:spcPct val="0"/>
+            </a:spcBef>
+            <a:spcAft>
+              <a:spcPct val="35000"/>
+            </a:spcAft>
+          </a:pPr>
+          <a:r>
+            <a:rPr lang="hu-HU" sz="1200" kern="1200" dirty="0" smtClean="0"/>
+            <a:t>Gather structure</a:t>
+          </a:r>
+          <a:endParaRPr lang="en-US" sz="1200" kern="1200" dirty="0"/>
+        </a:p>
+      </dsp:txBody>
+      <dsp:txXfrm>
+        <a:off x="20990" y="18981"/>
+        <a:ext cx="840496" cy="610110"/>
+      </dsp:txXfrm>
+    </dsp:sp>
+    <dsp:sp modelId="{4937E544-948D-47AE-9997-07F401BE281A}">
+      <dsp:nvSpPr>
+        <dsp:cNvPr id="0" name=""/>
+        <dsp:cNvSpPr/>
+      </dsp:nvSpPr>
+      <dsp:spPr>
+        <a:xfrm>
+          <a:off x="968312" y="215107"/>
+          <a:ext cx="186233" cy="217857"/>
+        </a:xfrm>
+        <a:prstGeom prst="rightArrow">
+          <a:avLst>
+            <a:gd name="adj1" fmla="val 60000"/>
+            <a:gd name="adj2" fmla="val 50000"/>
+          </a:avLst>
+        </a:prstGeom>
+        <a:solidFill>
+          <a:schemeClr val="accent1">
+            <a:tint val="60000"/>
+            <a:hueOff val="0"/>
+            <a:satOff val="0"/>
+            <a:lumOff val="0"/>
+            <a:alphaOff val="0"/>
+          </a:schemeClr>
+        </a:solidFill>
+        <a:ln>
+          <a:noFill/>
+        </a:ln>
+        <a:effectLst/>
+      </dsp:spPr>
+      <dsp:style>
+        <a:lnRef idx="0">
+          <a:scrgbClr r="0" g="0" b="0"/>
+        </a:lnRef>
+        <a:fillRef idx="1">
+          <a:scrgbClr r="0" g="0" b="0"/>
+        </a:fillRef>
+        <a:effectRef idx="0">
+          <a:scrgbClr r="0" g="0" b="0"/>
+        </a:effectRef>
+        <a:fontRef idx="minor">
+          <a:schemeClr val="lt1"/>
+        </a:fontRef>
+      </dsp:style>
+      <dsp:txBody>
+        <a:bodyPr spcFirstLastPara="0" vert="horz" wrap="square" lIns="0" tIns="0" rIns="0" bIns="0" numCol="1" spcCol="1270" anchor="ctr" anchorCtr="0">
+          <a:noAutofit/>
+        </a:bodyPr>
+        <a:lstStyle/>
+        <a:p>
+          <a:pPr lvl="0" algn="ctr" defTabSz="400050">
+            <a:lnSpc>
+              <a:spcPct val="90000"/>
+            </a:lnSpc>
+            <a:spcBef>
+              <a:spcPct val="0"/>
+            </a:spcBef>
+            <a:spcAft>
+              <a:spcPct val="35000"/>
+            </a:spcAft>
+          </a:pPr>
+          <a:endParaRPr lang="en-US" sz="900" kern="1200"/>
+        </a:p>
+      </dsp:txBody>
+      <dsp:txXfrm>
+        <a:off x="968312" y="258678"/>
+        <a:ext cx="130363" cy="130715"/>
+      </dsp:txXfrm>
+    </dsp:sp>
+    <dsp:sp modelId="{C9C215A8-D6FE-4ACB-B0FD-FE11CBAD2AC5}">
+      <dsp:nvSpPr>
+        <dsp:cNvPr id="0" name=""/>
+        <dsp:cNvSpPr/>
+      </dsp:nvSpPr>
+      <dsp:spPr>
+        <a:xfrm>
+          <a:off x="1231850" y="0"/>
+          <a:ext cx="878458" cy="648072"/>
+        </a:xfrm>
+        <a:prstGeom prst="roundRect">
+          <a:avLst>
+            <a:gd name="adj" fmla="val 10000"/>
+          </a:avLst>
+        </a:prstGeom>
+        <a:solidFill>
+          <a:schemeClr val="accent1">
+            <a:hueOff val="0"/>
+            <a:satOff val="0"/>
+            <a:lumOff val="0"/>
+            <a:alphaOff val="0"/>
+          </a:schemeClr>
+        </a:solidFill>
+        <a:ln w="25400" cap="flat" cmpd="sng" algn="ctr">
+          <a:solidFill>
+            <a:schemeClr val="lt1">
+              <a:hueOff val="0"/>
+              <a:satOff val="0"/>
+              <a:lumOff val="0"/>
+              <a:alphaOff val="0"/>
+            </a:schemeClr>
+          </a:solidFill>
+          <a:prstDash val="solid"/>
+        </a:ln>
+        <a:effectLst/>
+      </dsp:spPr>
+      <dsp:style>
+        <a:lnRef idx="2">
+          <a:scrgbClr r="0" g="0" b="0"/>
+        </a:lnRef>
+        <a:fillRef idx="1">
+          <a:scrgbClr r="0" g="0" b="0"/>
+        </a:fillRef>
+        <a:effectRef idx="0">
+          <a:scrgbClr r="0" g="0" b="0"/>
+        </a:effectRef>
+        <a:fontRef idx="minor">
+          <a:schemeClr val="lt1"/>
+        </a:fontRef>
+      </dsp:style>
+      <dsp:txBody>
+        <a:bodyPr spcFirstLastPara="0" vert="horz" wrap="square" lIns="45720" tIns="45720" rIns="45720" bIns="45720" numCol="1" spcCol="1270" anchor="ctr" anchorCtr="0">
+          <a:noAutofit/>
+        </a:bodyPr>
+        <a:lstStyle/>
+        <a:p>
+          <a:pPr lvl="0" algn="ctr" defTabSz="533400">
+            <a:lnSpc>
+              <a:spcPct val="90000"/>
+            </a:lnSpc>
+            <a:spcBef>
+              <a:spcPct val="0"/>
+            </a:spcBef>
+            <a:spcAft>
+              <a:spcPct val="35000"/>
+            </a:spcAft>
+          </a:pPr>
+          <a:r>
+            <a:rPr lang="hu-HU" sz="1200" kern="1200" dirty="0" smtClean="0"/>
+            <a:t>Gather references</a:t>
+          </a:r>
+          <a:endParaRPr lang="en-US" sz="1200" kern="1200" dirty="0"/>
+        </a:p>
+      </dsp:txBody>
+      <dsp:txXfrm>
+        <a:off x="1250831" y="18981"/>
+        <a:ext cx="840496" cy="610110"/>
+      </dsp:txXfrm>
+    </dsp:sp>
+    <dsp:sp modelId="{DF764472-6458-4F89-A300-EA3415E4EE16}">
+      <dsp:nvSpPr>
+        <dsp:cNvPr id="0" name=""/>
+        <dsp:cNvSpPr/>
+      </dsp:nvSpPr>
+      <dsp:spPr>
+        <a:xfrm>
+          <a:off x="2198154" y="215107"/>
+          <a:ext cx="186233" cy="217857"/>
+        </a:xfrm>
+        <a:prstGeom prst="rightArrow">
+          <a:avLst>
+            <a:gd name="adj1" fmla="val 60000"/>
+            <a:gd name="adj2" fmla="val 50000"/>
+          </a:avLst>
+        </a:prstGeom>
+        <a:solidFill>
+          <a:schemeClr val="accent1">
+            <a:tint val="60000"/>
+            <a:hueOff val="0"/>
+            <a:satOff val="0"/>
+            <a:lumOff val="0"/>
+            <a:alphaOff val="0"/>
+          </a:schemeClr>
+        </a:solidFill>
+        <a:ln>
+          <a:noFill/>
+        </a:ln>
+        <a:effectLst/>
+      </dsp:spPr>
+      <dsp:style>
+        <a:lnRef idx="0">
+          <a:scrgbClr r="0" g="0" b="0"/>
+        </a:lnRef>
+        <a:fillRef idx="1">
+          <a:scrgbClr r="0" g="0" b="0"/>
+        </a:fillRef>
+        <a:effectRef idx="0">
+          <a:scrgbClr r="0" g="0" b="0"/>
+        </a:effectRef>
+        <a:fontRef idx="minor">
+          <a:schemeClr val="lt1"/>
+        </a:fontRef>
+      </dsp:style>
+      <dsp:txBody>
+        <a:bodyPr spcFirstLastPara="0" vert="horz" wrap="square" lIns="0" tIns="0" rIns="0" bIns="0" numCol="1" spcCol="1270" anchor="ctr" anchorCtr="0">
+          <a:noAutofit/>
+        </a:bodyPr>
+        <a:lstStyle/>
+        <a:p>
+          <a:pPr lvl="0" algn="ctr" defTabSz="400050">
+            <a:lnSpc>
+              <a:spcPct val="90000"/>
+            </a:lnSpc>
+            <a:spcBef>
+              <a:spcPct val="0"/>
+            </a:spcBef>
+            <a:spcAft>
+              <a:spcPct val="35000"/>
+            </a:spcAft>
+          </a:pPr>
+          <a:endParaRPr lang="en-US" sz="900" kern="1200"/>
+        </a:p>
+      </dsp:txBody>
+      <dsp:txXfrm>
+        <a:off x="2198154" y="258678"/>
+        <a:ext cx="130363" cy="130715"/>
+      </dsp:txXfrm>
+    </dsp:sp>
+    <dsp:sp modelId="{34F7957B-662E-46F9-8C13-AAA64418E827}">
+      <dsp:nvSpPr>
+        <dsp:cNvPr id="0" name=""/>
+        <dsp:cNvSpPr/>
+      </dsp:nvSpPr>
+      <dsp:spPr>
+        <a:xfrm>
+          <a:off x="2461691" y="0"/>
+          <a:ext cx="878458" cy="648072"/>
+        </a:xfrm>
+        <a:prstGeom prst="roundRect">
+          <a:avLst>
+            <a:gd name="adj" fmla="val 10000"/>
+          </a:avLst>
+        </a:prstGeom>
+        <a:solidFill>
+          <a:schemeClr val="accent1">
+            <a:hueOff val="0"/>
+            <a:satOff val="0"/>
+            <a:lumOff val="0"/>
+            <a:alphaOff val="0"/>
+          </a:schemeClr>
+        </a:solidFill>
+        <a:ln w="25400" cap="flat" cmpd="sng" algn="ctr">
+          <a:solidFill>
+            <a:schemeClr val="lt1">
+              <a:hueOff val="0"/>
+              <a:satOff val="0"/>
+              <a:lumOff val="0"/>
+              <a:alphaOff val="0"/>
+            </a:schemeClr>
+          </a:solidFill>
+          <a:prstDash val="solid"/>
+        </a:ln>
+        <a:effectLst/>
+      </dsp:spPr>
+      <dsp:style>
+        <a:lnRef idx="2">
+          <a:scrgbClr r="0" g="0" b="0"/>
+        </a:lnRef>
+        <a:fillRef idx="1">
+          <a:scrgbClr r="0" g="0" b="0"/>
+        </a:fillRef>
+        <a:effectRef idx="0">
+          <a:scrgbClr r="0" g="0" b="0"/>
+        </a:effectRef>
+        <a:fontRef idx="minor">
+          <a:schemeClr val="lt1"/>
+        </a:fontRef>
+      </dsp:style>
+      <dsp:txBody>
+        <a:bodyPr spcFirstLastPara="0" vert="horz" wrap="square" lIns="45720" tIns="45720" rIns="45720" bIns="45720" numCol="1" spcCol="1270" anchor="ctr" anchorCtr="0">
+          <a:noAutofit/>
+        </a:bodyPr>
+        <a:lstStyle/>
+        <a:p>
+          <a:pPr lvl="0" algn="ctr" defTabSz="533400">
+            <a:lnSpc>
+              <a:spcPct val="90000"/>
+            </a:lnSpc>
+            <a:spcBef>
+              <a:spcPct val="0"/>
+            </a:spcBef>
+            <a:spcAft>
+              <a:spcPct val="35000"/>
+            </a:spcAft>
+          </a:pPr>
+          <a:r>
+            <a:rPr lang="hu-HU" sz="1200" kern="1200" dirty="0" smtClean="0"/>
+            <a:t>Convert to source format</a:t>
+          </a:r>
+          <a:endParaRPr lang="en-US" sz="1200" kern="1200" dirty="0"/>
+        </a:p>
+      </dsp:txBody>
+      <dsp:txXfrm>
+        <a:off x="2480672" y="18981"/>
+        <a:ext cx="840496" cy="610110"/>
+      </dsp:txXfrm>
+    </dsp:sp>
+    <dsp:sp modelId="{5DE24C01-3619-4BAC-9468-EFD0DECDAEBE}">
+      <dsp:nvSpPr>
+        <dsp:cNvPr id="0" name=""/>
+        <dsp:cNvSpPr/>
+      </dsp:nvSpPr>
+      <dsp:spPr>
+        <a:xfrm>
+          <a:off x="3427995" y="215107"/>
+          <a:ext cx="186233" cy="217857"/>
+        </a:xfrm>
+        <a:prstGeom prst="rightArrow">
+          <a:avLst>
+            <a:gd name="adj1" fmla="val 60000"/>
+            <a:gd name="adj2" fmla="val 50000"/>
+          </a:avLst>
+        </a:prstGeom>
+        <a:solidFill>
+          <a:schemeClr val="accent1">
+            <a:tint val="60000"/>
+            <a:hueOff val="0"/>
+            <a:satOff val="0"/>
+            <a:lumOff val="0"/>
+            <a:alphaOff val="0"/>
+          </a:schemeClr>
+        </a:solidFill>
+        <a:ln>
+          <a:noFill/>
+        </a:ln>
+        <a:effectLst/>
+      </dsp:spPr>
+      <dsp:style>
+        <a:lnRef idx="0">
+          <a:scrgbClr r="0" g="0" b="0"/>
+        </a:lnRef>
+        <a:fillRef idx="1">
+          <a:scrgbClr r="0" g="0" b="0"/>
+        </a:fillRef>
+        <a:effectRef idx="0">
+          <a:scrgbClr r="0" g="0" b="0"/>
+        </a:effectRef>
+        <a:fontRef idx="minor">
+          <a:schemeClr val="lt1"/>
+        </a:fontRef>
+      </dsp:style>
+      <dsp:txBody>
+        <a:bodyPr spcFirstLastPara="0" vert="horz" wrap="square" lIns="0" tIns="0" rIns="0" bIns="0" numCol="1" spcCol="1270" anchor="ctr" anchorCtr="0">
+          <a:noAutofit/>
+        </a:bodyPr>
+        <a:lstStyle/>
+        <a:p>
+          <a:pPr lvl="0" algn="ctr" defTabSz="400050">
+            <a:lnSpc>
+              <a:spcPct val="90000"/>
+            </a:lnSpc>
+            <a:spcBef>
+              <a:spcPct val="0"/>
+            </a:spcBef>
+            <a:spcAft>
+              <a:spcPct val="35000"/>
+            </a:spcAft>
+          </a:pPr>
+          <a:endParaRPr lang="en-US" sz="900" kern="1200"/>
+        </a:p>
+      </dsp:txBody>
+      <dsp:txXfrm>
+        <a:off x="3427995" y="258678"/>
+        <a:ext cx="130363" cy="130715"/>
+      </dsp:txXfrm>
+    </dsp:sp>
+    <dsp:sp modelId="{D71C472C-06E1-4BBA-91FF-4B5D3CC75F1F}">
+      <dsp:nvSpPr>
+        <dsp:cNvPr id="0" name=""/>
+        <dsp:cNvSpPr/>
+      </dsp:nvSpPr>
+      <dsp:spPr>
+        <a:xfrm>
+          <a:off x="3691532" y="0"/>
+          <a:ext cx="878458" cy="648072"/>
+        </a:xfrm>
+        <a:prstGeom prst="roundRect">
+          <a:avLst>
+            <a:gd name="adj" fmla="val 10000"/>
+          </a:avLst>
+        </a:prstGeom>
+        <a:solidFill>
+          <a:schemeClr val="accent1">
+            <a:hueOff val="0"/>
+            <a:satOff val="0"/>
+            <a:lumOff val="0"/>
+            <a:alphaOff val="0"/>
+          </a:schemeClr>
+        </a:solidFill>
+        <a:ln w="25400" cap="flat" cmpd="sng" algn="ctr">
+          <a:solidFill>
+            <a:schemeClr val="lt1">
+              <a:hueOff val="0"/>
+              <a:satOff val="0"/>
+              <a:lumOff val="0"/>
+              <a:alphaOff val="0"/>
+            </a:schemeClr>
+          </a:solidFill>
+          <a:prstDash val="solid"/>
+        </a:ln>
+        <a:effectLst/>
+      </dsp:spPr>
+      <dsp:style>
+        <a:lnRef idx="2">
+          <a:scrgbClr r="0" g="0" b="0"/>
+        </a:lnRef>
+        <a:fillRef idx="1">
+          <a:scrgbClr r="0" g="0" b="0"/>
+        </a:fillRef>
+        <a:effectRef idx="0">
+          <a:scrgbClr r="0" g="0" b="0"/>
+        </a:effectRef>
+        <a:fontRef idx="minor">
+          <a:schemeClr val="lt1"/>
+        </a:fontRef>
+      </dsp:style>
+      <dsp:txBody>
+        <a:bodyPr spcFirstLastPara="0" vert="horz" wrap="square" lIns="45720" tIns="45720" rIns="45720" bIns="45720" numCol="1" spcCol="1270" anchor="ctr" anchorCtr="0">
+          <a:noAutofit/>
+        </a:bodyPr>
+        <a:lstStyle/>
+        <a:p>
+          <a:pPr lvl="0" algn="ctr" defTabSz="533400">
+            <a:lnSpc>
+              <a:spcPct val="90000"/>
+            </a:lnSpc>
+            <a:spcBef>
+              <a:spcPct val="0"/>
+            </a:spcBef>
+            <a:spcAft>
+              <a:spcPct val="35000"/>
+            </a:spcAft>
+          </a:pPr>
+          <a:r>
+            <a:rPr lang="hu-HU" sz="1200" kern="1200" dirty="0" smtClean="0"/>
+            <a:t>Filter information</a:t>
+          </a:r>
+          <a:endParaRPr lang="en-US" sz="1200" kern="1200" dirty="0"/>
+        </a:p>
+      </dsp:txBody>
+      <dsp:txXfrm>
+        <a:off x="3710513" y="18981"/>
+        <a:ext cx="840496" cy="610110"/>
+      </dsp:txXfrm>
+    </dsp:sp>
+  </dsp:spTree>
+</dsp:drawing>
+</file>
+
+<file path=ppt/diagrams/layout1.xml><?xml version="1.0" encoding="utf-8"?>
+<dgm:layoutDef xmlns:dgm="http://schemas.openxmlformats.org/drawingml/2006/diagram" xmlns:a="http://schemas.openxmlformats.org/drawingml/2006/main" uniqueId="urn:microsoft.com/office/officeart/2005/8/layout/process1">
+  <dgm:title val=""/>
+  <dgm:desc val=""/>
+  <dgm:catLst>
+    <dgm:cat type="process" pri="1000"/>
+    <dgm:cat type="convert" pri="15000"/>
+  </dgm:catLst>
+  <dgm:sampData useDef="1">
+    <dgm:dataModel>
+      <dgm:ptLst/>
+      <dgm:bg/>
+      <dgm:whole/>
+    </dgm:dataModel>
+  </dgm:sampData>
+  <dgm:styleData>
+    <dgm:dataModel>
+      <dgm:ptLst>
+        <dgm:pt modelId="0" type="doc"/>
+        <dgm:pt modelId="1"/>
+        <dgm:pt modelId="2"/>
+      </dgm:ptLst>
+      <dgm:cxnLst>
+        <dgm:cxn modelId="3" srcId="0" destId="1" srcOrd="0" destOrd="0"/>
+        <dgm:cxn modelId="4" srcId="0" destId="2" srcOrd="1" destOrd="0"/>
+      </dgm:cxnLst>
+      <dgm:bg/>
+      <dgm:whole/>
+    </dgm:dataModel>
+  </dgm:styleData>
+  <dgm:clrData>
+    <dgm:dataModel>
+      <dgm:ptLst>
+        <dgm:pt modelId="0" type="doc"/>
+        <dgm:pt modelId="1"/>
+        <dgm:pt modelId="2"/>
+        <dgm:pt modelId="3"/>
+        <dgm:pt modelId="4"/>
+      </dgm:ptLst>
+      <dgm:cxnLst>
+        <dgm:cxn modelId="5" srcId="0" destId="1" srcOrd="0" destOrd="0"/>
+        <dgm:cxn modelId="6" srcId="0" destId="2" srcOrd="1" destOrd="0"/>
+        <dgm:cxn modelId="7" srcId="0" destId="3" srcOrd="2" destOrd="0"/>
+        <dgm:cxn modelId="8" srcId="0" destId="4" srcOrd="3" destOrd="0"/>
+      </dgm:cxnLst>
+      <dgm:bg/>
+      <dgm:whole/>
+    </dgm:dataModel>
+  </dgm:clrData>
+  <dgm:layoutNode name="Name0">
+    <dgm:varLst>
+      <dgm:dir/>
+      <dgm:resizeHandles val="exact"/>
+    </dgm:varLst>
+    <dgm:choose name="Name1">
+      <dgm:if name="Name2" func="var" arg="dir" op="equ" val="norm">
+        <dgm:alg type="lin"/>
+      </dgm:if>
+      <dgm:else name="Name3">
+        <dgm:alg type="lin">
+          <dgm:param type="linDir" val="fromR"/>
+        </dgm:alg>
+      </dgm:else>
+    </dgm:choose>
+    <dgm:shape xmlns:r="http://schemas.openxmlformats.org/officeDocument/2006/relationships" r:blip="">
+      <dgm:adjLst/>
+    </dgm:shape>
+    <dgm:presOf/>
+    <dgm:constrLst>
+      <dgm:constr type="w" for="ch" ptType="node" refType="w"/>
+      <dgm:constr type="h" for="ch" ptType="node" op="equ"/>
+      <dgm:constr type="primFontSz" for="ch" ptType="node" op="equ" val="65"/>
+      <dgm:constr type="w" for="ch" ptType="sibTrans" refType="w" refFor="ch" refPtType="node" op="equ" fact="0.4"/>
+      <dgm:constr type="h" for="ch" ptType="sibTrans" op="equ"/>
+      <dgm:constr type="primFontSz" for="des" forName="connectorText" op="equ" val="55"/>
+      <dgm:constr type="primFontSz" for="des" forName="connectorText" refType="primFontSz" refFor="ch" refPtType="node" op="lte" fact="0.8"/>
+    </dgm:constrLst>
+    <dgm:ruleLst/>
+    <dgm:forEach name="nodesForEach" axis="ch" ptType="node">
+      <dgm:layoutNode name="node">
+        <dgm:varLst>
+          <dgm:bulletEnabled val="1"/>
+        </dgm:varLst>
+        <dgm:alg type="tx"/>
+        <dgm:shape xmlns:r="http://schemas.openxmlformats.org/officeDocument/2006/relationships" type="roundRect" r:blip="">
+          <dgm:adjLst>
+            <dgm:adj idx="1" val="0.1"/>
+          </dgm:adjLst>
+        </dgm:shape>
+        <dgm:presOf axis="desOrSelf" ptType="node"/>
+        <dgm:constrLst>
+          <dgm:constr type="h" refType="w" fact="0.6"/>
+          <dgm:constr type="tMarg" refType="primFontSz" fact="0.3"/>
+          <dgm:constr type="bMarg" refType="primFontSz" fact="0.3"/>
+          <dgm:constr type="lMarg" refType="primFontSz" fact="0.3"/>
+          <dgm:constr type="rMarg" refType="primFontSz" fact="0.3"/>
+        </dgm:constrLst>
+        <dgm:ruleLst>
+          <dgm:rule type="primFontSz" val="18" fact="NaN" max="NaN"/>
+          <dgm:rule type="h" val="NaN" fact="1.5" max="NaN"/>
+          <dgm:rule type="primFontSz" val="5" fact="NaN" max="NaN"/>
+          <dgm:rule type="h" val="INF" fact="NaN" max="NaN"/>
+        </dgm:ruleLst>
+      </dgm:layoutNode>
+      <dgm:forEach name="sibTransForEach" axis="followSib" ptType="sibTrans" cnt="1">
+        <dgm:layoutNode name="sibTrans">
+          <dgm:alg type="conn">
+            <dgm:param type="begPts" val="auto"/>
+            <dgm:param type="endPts" val="auto"/>
+          </dgm:alg>
+          <dgm:shape xmlns:r="http://schemas.openxmlformats.org/officeDocument/2006/relationships" type="conn" r:blip="">
+            <dgm:adjLst/>
+          </dgm:shape>
+          <dgm:presOf axis="self"/>
+          <dgm:constrLst>
+            <dgm:constr type="h" refType="w" fact="0.62"/>
+            <dgm:constr type="connDist"/>
+            <dgm:constr type="begPad" refType="connDist" fact="0.25"/>
+            <dgm:constr type="endPad" refType="connDist" fact="0.22"/>
+          </dgm:constrLst>
+          <dgm:ruleLst/>
+          <dgm:layoutNode name="connectorText">
+            <dgm:alg type="tx">
+              <dgm:param type="autoTxRot" val="grav"/>
+            </dgm:alg>
+            <dgm:shape xmlns:r="http://schemas.openxmlformats.org/officeDocument/2006/relationships" type="conn" r:blip="" hideGeom="1">
+              <dgm:adjLst/>
+            </dgm:shape>
+            <dgm:presOf axis="self"/>
+            <dgm:constrLst>
+              <dgm:constr type="lMarg"/>
+              <dgm:constr type="rMarg"/>
+              <dgm:constr type="tMarg"/>
+              <dgm:constr type="bMarg"/>
+            </dgm:constrLst>
+            <dgm:ruleLst>
+              <dgm:rule type="primFontSz" val="5" fact="NaN" max="NaN"/>
+            </dgm:ruleLst>
+          </dgm:layoutNode>
+        </dgm:layoutNode>
+      </dgm:forEach>
+    </dgm:forEach>
+  </dgm:layoutNode>
+</dgm:layoutDef>
+</file>
+
+<file path=ppt/diagrams/quickStyle1.xml><?xml version="1.0" encoding="utf-8"?>
+<dgm:styleDef xmlns:dgm="http://schemas.openxmlformats.org/drawingml/2006/diagram" xmlns:a="http://schemas.openxmlformats.org/drawingml/2006/main" uniqueId="urn:microsoft.com/office/officeart/2005/8/quickstyle/simple1">
+  <dgm:title val=""/>
+  <dgm:desc val=""/>
+  <dgm:catLst>
+    <dgm:cat type="simple" pri="10100"/>
+  </dgm:catLst>
+  <dgm:scene3d>
+    <a:camera prst="orthographicFront"/>
+    <a:lightRig rig="threePt" dir="t"/>
+  </dgm:scene3d>
+  <dgm:styleLbl name="node0">
+    <dgm:scene3d>
+      <a:camera prst="orthographicFront"/>
+      <a:lightRig rig="threePt" dir="t"/>
+    </dgm:scene3d>
+    <dgm:sp3d/>
+    <dgm:txPr/>
+    <dgm:style>
+      <a:lnRef idx="2">
+        <a:scrgbClr r="0" g="0" b="0"/>
+      </a:lnRef>
+      <a:fillRef idx="1">
+        <a:scrgbClr r="0" g="0" b="0"/>
+      </a:fillRef>
+      <a:effectRef idx="0">
+        <a:scrgbClr r="0" g="0" b="0"/>
+      </a:effectRef>
+      <a:fontRef idx="minor">
+        <a:schemeClr val="lt1"/>
+      </a:fontRef>
+    </dgm:style>
+  </dgm:styleLbl>
+  <dgm:styleLbl name="lnNode1">
+    <dgm:scene3d>
+      <a:camera prst="orthographicFront"/>
+      <a:lightRig rig="threePt" dir="t"/>
+    </dgm:scene3d>
+    <dgm:sp3d/>
+    <dgm:txPr/>
+    <dgm:style>
+      <a:lnRef idx="2">
+        <a:scrgbClr r="0" g="0" b="0"/>
+      </a:lnRef>
+      <a:fillRef idx="1">
+        <a:scrgbClr r="0" g="0" b="0"/>
+      </a:fillRef>
+      <a:effectRef idx="0">
+        <a:scrgbClr r="0" g="0" b="0"/>
+      </a:effectRef>
+      <a:fontRef idx="minor">
+        <a:schemeClr val="lt1"/>
+      </a:fontRef>
+    </dgm:style>
+  </dgm:styleLbl>
+  <dgm:styleLbl name="vennNode1">
+    <dgm:scene3d>
+      <a:camera prst="orthographicFront"/>
+      <a:lightRig rig="threePt" dir="t"/>
+    </dgm:scene3d>
+    <dgm:sp3d/>
+    <dgm:txPr/>
+    <dgm:style>
+      <a:lnRef idx="2">
+        <a:scrgbClr r="0" g="0" b="0"/>
+      </a:lnRef>
+      <a:fillRef idx="1">
+        <a:scrgbClr r="0" g="0" b="0"/>
+      </a:fillRef>
+      <a:effectRef idx="0">
+        <a:scrgbClr r="0" g="0" b="0"/>
+      </a:effectRef>
+      <a:fontRef idx="minor">
+        <a:schemeClr val="tx1"/>
+      </a:fontRef>
+    </dgm:style>
+  </dgm:styleLbl>
+  <dgm:styleLbl name="alignNode1">
+    <dgm:scene3d>
+      <a:camera prst="orthographicFront"/>
+      <a:lightRig rig="threePt" dir="t"/>
+    </dgm:scene3d>
+    <dgm:sp3d/>
+    <dgm:txPr/>
+    <dgm:style>
+      <a:lnRef idx="2">
+        <a:scrgbClr r="0" g="0" b="0"/>
+      </a:lnRef>
+      <a:fillRef idx="1">
+        <a:scrgbClr r="0" g="0" b="0"/>
+      </a:fillRef>
+      <a:effectRef idx="0">
+        <a:scrgbClr r="0" g="0" b="0"/>
+      </a:effectRef>
+      <a:fontRef idx="minor">
+        <a:schemeClr val="lt1"/>
+      </a:fontRef>
+    </dgm:style>
+  </dgm:styleLbl>
+  <dgm:styleLbl name="node1">
+    <dgm:scene3d>
+      <a:camera prst="orthographicFront"/>
+      <a:lightRig rig="threePt" dir="t"/>
+    </dgm:scene3d>
+    <dgm:sp3d/>
+    <dgm:txPr/>
+    <dgm:style>
+      <a:lnRef idx="2">
+        <a:scrgbClr r="0" g="0" b="0"/>
+      </a:lnRef>
+      <a:fillRef idx="1">
+        <a:scrgbClr r="0" g="0" b="0"/>
+      </a:fillRef>
+      <a:effectRef idx="0">
+        <a:scrgbClr r="0" g="0" b="0"/>
+      </a:effectRef>
+      <a:fontRef idx="minor">
+        <a:schemeClr val="lt1"/>
+      </a:fontRef>
+    </dgm:style>
+  </dgm:styleLbl>
+  <dgm:styleLbl name="node2">
+    <dgm:scene3d>
+      <a:camera prst="orthographicFront"/>
+      <a:lightRig rig="threePt" dir="t"/>
+    </dgm:scene3d>
+    <dgm:sp3d/>
+    <dgm:txPr/>
+    <dgm:style>
+      <a:lnRef idx="2">
+        <a:scrgbClr r="0" g="0" b="0"/>
+      </a:lnRef>
+      <a:fillRef idx="1">
+        <a:scrgbClr r="0" g="0" b="0"/>
+      </a:fillRef>
+      <a:effectRef idx="0">
+        <a:scrgbClr r="0" g="0" b="0"/>
+      </a:effectRef>
+      <a:fontRef idx="minor">
+        <a:schemeClr val="lt1"/>
+      </a:fontRef>
+    </dgm:style>
+  </dgm:styleLbl>
+  <dgm:styleLbl name="node3">
+    <dgm:scene3d>
+      <a:camera prst="orthographicFront"/>
+      <a:lightRig rig="threePt" dir="t"/>
+    </dgm:scene3d>
+    <dgm:sp3d/>
+    <dgm:txPr/>
+    <dgm:style>
+      <a:lnRef idx="2">
+        <a:scrgbClr r="0" g="0" b="0"/>
+      </a:lnRef>
+      <a:fillRef idx="1">
+        <a:scrgbClr r="0" g="0" b="0"/>
+      </a:fillRef>
+      <a:effectRef idx="0">
+        <a:scrgbClr r="0" g="0" b="0"/>
+      </a:effectRef>
+      <a:fontRef idx="minor">
+        <a:schemeClr val="lt1"/>
+      </a:fontRef>
+    </dgm:style>
+  </dgm:styleLbl>
+  <dgm:styleLbl name="node4">
+    <dgm:scene3d>
+      <a:camera prst="orthographicFront"/>
+      <a:lightRig rig="threePt" dir="t"/>
+    </dgm:scene3d>
+    <dgm:sp3d/>
+    <dgm:txPr/>
+    <dgm:style>
+      <a:lnRef idx="2">
+        <a:scrgbClr r="0" g="0" b="0"/>
+      </a:lnRef>
+      <a:fillRef idx="1">
+        <a:scrgbClr r="0" g="0" b="0"/>
+      </a:fillRef>
+      <a:effectRef idx="0">
+        <a:scrgbClr r="0" g="0" b="0"/>
+      </a:effectRef>
+      <a:fontRef idx="minor">
+        <a:schemeClr val="lt1"/>
+      </a:fontRef>
+    </dgm:style>
+  </dgm:styleLbl>
+  <dgm:styleLbl name="fgImgPlace1">
+    <dgm:scene3d>
+      <a:camera prst="orthographicFront"/>
+      <a:lightRig rig="threePt" dir="t"/>
+    </dgm:scene3d>
+    <dgm:sp3d/>
+    <dgm:txPr/>
+    <dgm:style>
+      <a:lnRef idx="2">
+        <a:scrgbClr r="0" g="0" b="0"/>
+      </a:lnRef>
+      <a:fillRef idx="1">
+        <a:scrgbClr r="0" g="0" b="0"/>
+      </a:fillRef>
+      <a:effectRef idx="0">
+        <a:scrgbClr r="0" g="0" b="0"/>
+      </a:effectRef>
+      <a:fontRef idx="minor"/>
+    </dgm:style>
+  </dgm:styleLbl>
+  <dgm:styleLbl name="alignImgPlace1">
+    <dgm:scene3d>
+      <a:camera prst="orthographicFront"/>
+      <a:lightRig rig="threePt" dir="t"/>
+    </dgm:scene3d>
+    <dgm:sp3d/>
+    <dgm:txPr/>
+    <dgm:style>
+      <a:lnRef idx="2">
+        <a:scrgbClr r="0" g="0" b="0"/>
+      </a:lnRef>
+      <a:fillRef idx="1">
+        <a:scrgbClr r="0" g="0" b="0"/>
+      </a:fillRef>
+      <a:effectRef idx="0">
+        <a:scrgbClr r="0" g="0" b="0"/>
+      </a:effectRef>
+      <a:fontRef idx="minor"/>
+    </dgm:style>
+  </dgm:styleLbl>
+  <dgm:styleLbl name="bgImgPlace1">
+    <dgm:scene3d>
+      <a:camera prst="orthographicFront"/>
+      <a:lightRig rig="threePt" dir="t"/>
+    </dgm:scene3d>
+    <dgm:sp3d/>
+    <dgm:txPr/>
+    <dgm:style>
+      <a:lnRef idx="2">
+        <a:scrgbClr r="0" g="0" b="0"/>
+      </a:lnRef>
+      <a:fillRef idx="1">
+        <a:scrgbClr r="0" g="0" b="0"/>
+      </a:fillRef>
+      <a:effectRef idx="0">
+        <a:scrgbClr r="0" g="0" b="0"/>
+      </a:effectRef>
+      <a:fontRef idx="minor"/>
+    </dgm:style>
+  </dgm:styleLbl>
+  <dgm:styleLbl name="sibTrans2D1">
+    <dgm:scene3d>
+      <a:camera prst="orthographicFront"/>
+      <a:lightRig rig="threePt" dir="t"/>
+    </dgm:scene3d>
+    <dgm:sp3d/>
+    <dgm:txPr/>
+    <dgm:style>
+      <a:lnRef idx="0">
+        <a:scrgbClr r="0" g="0" b="0"/>
+      </a:lnRef>
+      <a:fillRef idx="1">
+        <a:scrgbClr r="0" g="0" b="0"/>
+      </a:fillRef>
+      <a:effectRef idx="0">
+        <a:scrgbClr r="0" g="0" b="0"/>
+      </a:effectRef>
+      <a:fontRef idx="minor">
+        <a:schemeClr val="lt1"/>
+      </a:fontRef>
+    </dgm:style>
+  </dgm:styleLbl>
+  <dgm:styleLbl name="fgSibTrans2D1">
+    <dgm:scene3d>
+      <a:camera prst="orthographicFront"/>
+      <a:lightRig rig="threePt" dir="t"/>
+    </dgm:scene3d>
+    <dgm:sp3d/>
+    <dgm:txPr/>
+    <dgm:style>
+      <a:lnRef idx="0">
+        <a:scrgbClr r="0" g="0" b="0"/>
+      </a:lnRef>
+      <a:fillRef idx="1">
+        <a:scrgbClr r="0" g="0" b="0"/>
+      </a:fillRef>
+      <a:effectRef idx="0">
+        <a:scrgbClr r="0" g="0" b="0"/>
+      </a:effectRef>
+      <a:fontRef idx="minor">
+        <a:schemeClr val="lt1"/>
+      </a:fontRef>
+    </dgm:style>
+  </dgm:styleLbl>
+  <dgm:styleLbl name="bgSibTrans2D1">
+    <dgm:scene3d>
+      <a:camera prst="orthographicFront"/>
+      <a:lightRig rig="threePt" dir="t"/>
+    </dgm:scene3d>
+    <dgm:sp3d/>
+    <dgm:txPr/>
+    <dgm:style>
+      <a:lnRef idx="0">
+        <a:scrgbClr r="0" g="0" b="0"/>
+      </a:lnRef>
+      <a:fillRef idx="1">
+        <a:scrgbClr r="0" g="0" b="0"/>
+      </a:fillRef>
+      <a:effectRef idx="0">
+        <a:scrgbClr r="0" g="0" b="0"/>
+      </a:effectRef>
+      <a:fontRef idx="minor">
+        <a:schemeClr val="lt1"/>
+      </a:fontRef>
+    </dgm:style>
+  </dgm:styleLbl>
+  <dgm:styleLbl name="sibTrans1D1">
+    <dgm:scene3d>
+      <a:camera prst="orthographicFront"/>
+      <a:lightRig rig="threePt" dir="t"/>
+    </dgm:scene3d>
+    <dgm:sp3d/>
+    <dgm:txPr/>
+    <dgm:style>
+      <a:lnRef idx="1">
+        <a:scrgbClr r="0" g="0" b="0"/>
+      </a:lnRef>
+      <a:fillRef idx="0">
+        <a:scrgbClr r="0" g="0" b="0"/>
+      </a:fillRef>
+      <a:effectRef idx="0">
+        <a:scrgbClr r="0" g="0" b="0"/>
+      </a:effectRef>
+      <a:fontRef idx="minor"/>
+    </dgm:style>
+  </dgm:styleLbl>
+  <dgm:styleLbl name="callout">
+    <dgm:scene3d>
+      <a:camera prst="orthographicFront"/>
+      <a:lightRig rig="threePt" dir="t"/>
+    </dgm:scene3d>
+    <dgm:sp3d/>
+    <dgm:txPr/>
+    <dgm:style>
+      <a:lnRef idx="2">
+        <a:scrgbClr r="0" g="0" b="0"/>
+      </a:lnRef>
+      <a:fillRef idx="1">
+        <a:scrgbClr r="0" g="0" b="0"/>
+      </a:fillRef>
+      <a:effectRef idx="0">
+        <a:scrgbClr r="0" g="0" b="0"/>
+      </a:effectRef>
+      <a:fontRef idx="minor"/>
+    </dgm:style>
+  </dgm:styleLbl>
+  <dgm:styleLbl name="asst0">
+    <dgm:scene3d>
+      <a:camera prst="orthographicFront"/>
+      <a:lightRig rig="threePt" dir="t"/>
+    </dgm:scene3d>
+    <dgm:sp3d/>
+    <dgm:txPr/>
+    <dgm:style>
+      <a:lnRef idx="2">
+        <a:scrgbClr r="0" g="0" b="0"/>
+      </a:lnRef>
+      <a:fillRef idx="1">
+        <a:scrgbClr r="0" g="0" b="0"/>
+      </a:fillRef>
+      <a:effectRef idx="0">
+        <a:scrgbClr r="0" g="0" b="0"/>
+      </a:effectRef>
+      <a:fontRef idx="minor">
+        <a:schemeClr val="lt1"/>
+      </a:fontRef>
+    </dgm:style>
+  </dgm:styleLbl>
+  <dgm:styleLbl name="asst1">
+    <dgm:scene3d>
+      <a:camera prst="orthographicFront"/>
+      <a:lightRig rig="threePt" dir="t"/>
+    </dgm:scene3d>
+    <dgm:sp3d/>
+    <dgm:txPr/>
+    <dgm:style>
+      <a:lnRef idx="2">
+        <a:scrgbClr r="0" g="0" b="0"/>
+      </a:lnRef>
+      <a:fillRef idx="1">
+        <a:scrgbClr r="0" g="0" b="0"/>
+      </a:fillRef>
+      <a:effectRef idx="0">
+        <a:scrgbClr r="0" g="0" b="0"/>
+      </a:effectRef>
+      <a:fontRef idx="minor">
+        <a:schemeClr val="lt1"/>
+      </a:fontRef>
+    </dgm:style>
+  </dgm:styleLbl>
+  <dgm:styleLbl name="asst2">
+    <dgm:scene3d>
+      <a:camera prst="orthographicFront"/>
+      <a:lightRig rig="threePt" dir="t"/>
+    </dgm:scene3d>
+    <dgm:sp3d/>
+    <dgm:txPr/>
+    <dgm:style>
+      <a:lnRef idx="2">
+        <a:scrgbClr r="0" g="0" b="0"/>
+      </a:lnRef>
+      <a:fillRef idx="1">
+        <a:scrgbClr r="0" g="0" b="0"/>
+      </a:fillRef>
+      <a:effectRef idx="0">
+        <a:scrgbClr r="0" g="0" b="0"/>
+      </a:effectRef>
+      <a:fontRef idx="minor">
+        <a:schemeClr val="lt1"/>
+      </a:fontRef>
+    </dgm:style>
+  </dgm:styleLbl>
+  <dgm:styleLbl name="asst3">
+    <dgm:scene3d>
+      <a:camera prst="orthographicFront"/>
+      <a:lightRig rig="threePt" dir="t"/>
+    </dgm:scene3d>
+    <dgm:sp3d/>
+    <dgm:txPr/>
+    <dgm:style>
+      <a:lnRef idx="2">
+        <a:scrgbClr r="0" g="0" b="0"/>
+      </a:lnRef>
+      <a:fillRef idx="1">
+        <a:scrgbClr r="0" g="0" b="0"/>
+      </a:fillRef>
+      <a:effectRef idx="0">
+        <a:scrgbClr r="0" g="0" b="0"/>
+      </a:effectRef>
+      <a:fontRef idx="minor">
+        <a:schemeClr val="lt1"/>
+      </a:fontRef>
+    </dgm:style>
+  </dgm:styleLbl>
+  <dgm:styleLbl name="asst4">
+    <dgm:scene3d>
+      <a:camera prst="orthographicFront"/>
+      <a:lightRig rig="threePt" dir="t"/>
+    </dgm:scene3d>
+    <dgm:sp3d/>
+    <dgm:txPr/>
+    <dgm:style>
+      <a:lnRef idx="2">
+        <a:scrgbClr r="0" g="0" b="0"/>
+      </a:lnRef>
+      <a:fillRef idx="1">
+        <a:scrgbClr r="0" g="0" b="0"/>
+      </a:fillRef>
+      <a:effectRef idx="0">
+        <a:scrgbClr r="0" g="0" b="0"/>
+      </a:effectRef>
+      <a:fontRef idx="minor">
+        <a:schemeClr val="lt1"/>
+      </a:fontRef>
+    </dgm:style>
+  </dgm:styleLbl>
+  <dgm:styleLbl name="parChTrans2D1">
+    <dgm:scene3d>
+      <a:camera prst="orthographicFront"/>
+      <a:lightRig rig="threePt" dir="t"/>
+    </dgm:scene3d>
+    <dgm:sp3d/>
+    <dgm:txPr/>
+    <dgm:style>
+      <a:lnRef idx="2">
+        <a:scrgbClr r="0" g="0" b="0"/>
+      </a:lnRef>
+      <a:fillRef idx="1">
+        <a:scrgbClr r="0" g="0" b="0"/>
+      </a:fillRef>
+      <a:effectRef idx="0">
+        <a:scrgbClr r="0" g="0" b="0"/>
+      </a:effectRef>
+      <a:fontRef idx="minor">
+        <a:schemeClr val="lt1"/>
+      </a:fontRef>
+    </dgm:style>
+  </dgm:styleLbl>
+  <dgm:styleLbl name="parChTrans2D2">
+    <dgm:scene3d>
+      <a:camera prst="orthographicFront"/>
+      <a:lightRig rig="threePt" dir="t"/>
+    </dgm:scene3d>
+    <dgm:sp3d/>
+    <dgm:txPr/>
+    <dgm:style>
+      <a:lnRef idx="2">
+        <a:scrgbClr r="0" g="0" b="0"/>
+      </a:lnRef>
+      <a:fillRef idx="1">
+        <a:scrgbClr r="0" g="0" b="0"/>
+      </a:fillRef>
+      <a:effectRef idx="0">
+        <a:scrgbClr r="0" g="0" b="0"/>
+      </a:effectRef>
+      <a:fontRef idx="minor">
+        <a:schemeClr val="lt1"/>
+      </a:fontRef>
+    </dgm:style>
+  </dgm:styleLbl>
+  <dgm:styleLbl name="parChTrans2D3">
+    <dgm:scene3d>
+      <a:camera prst="orthographicFront"/>
+      <a:lightRig rig="threePt" dir="t"/>
+    </dgm:scene3d>
+    <dgm:sp3d/>
+    <dgm:txPr/>
+    <dgm:style>
+      <a:lnRef idx="2">
+        <a:scrgbClr r="0" g="0" b="0"/>
+      </a:lnRef>
+      <a:fillRef idx="1">
+        <a:scrgbClr r="0" g="0" b="0"/>
+      </a:fillRef>
+      <a:effectRef idx="0">
+        <a:scrgbClr r="0" g="0" b="0"/>
+      </a:effectRef>
+      <a:fontRef idx="minor">
+        <a:schemeClr val="lt1"/>
+      </a:fontRef>
+    </dgm:style>
+  </dgm:styleLbl>
+  <dgm:styleLbl name="parChTrans2D4">
+    <dgm:scene3d>
+      <a:camera prst="orthographicFront"/>
+      <a:lightRig rig="threePt" dir="t"/>
+    </dgm:scene3d>
+    <dgm:sp3d/>
+    <dgm:txPr/>
+    <dgm:style>
+      <a:lnRef idx="2">
+        <a:scrgbClr r="0" g="0" b="0"/>
+      </a:lnRef>
+      <a:fillRef idx="1">
+        <a:scrgbClr r="0" g="0" b="0"/>
+      </a:fillRef>
+      <a:effectRef idx="0">
+        <a:scrgbClr r="0" g="0" b="0"/>
+      </a:effectRef>
+      <a:fontRef idx="minor">
+        <a:schemeClr val="lt1"/>
+      </a:fontRef>
+    </dgm:style>
+  </dgm:styleLbl>
+  <dgm:styleLbl name="parChTrans1D1">
+    <dgm:scene3d>
+      <a:camera prst="orthographicFront"/>
+      <a:lightRig rig="threePt" dir="t"/>
+    </dgm:scene3d>
+    <dgm:sp3d/>
+    <dgm:txPr/>
+    <dgm:style>
+      <a:lnRef idx="2">
+        <a:scrgbClr r="0" g="0" b="0"/>
+      </a:lnRef>
+      <a:fillRef idx="0">
+        <a:scrgbClr r="0" g="0" b="0"/>
+      </a:fillRef>
+      <a:effectRef idx="0">
+        <a:scrgbClr r="0" g="0" b="0"/>
+      </a:effectRef>
+      <a:fontRef idx="minor"/>
+    </dgm:style>
+  </dgm:styleLbl>
+  <dgm:styleLbl name="parChTrans1D2">
+    <dgm:scene3d>
+      <a:camera prst="orthographicFront"/>
+      <a:lightRig rig="threePt" dir="t"/>
+    </dgm:scene3d>
+    <dgm:sp3d/>
+    <dgm:txPr/>
+    <dgm:style>
+      <a:lnRef idx="2">
+        <a:scrgbClr r="0" g="0" b="0"/>
+      </a:lnRef>
+      <a:fillRef idx="0">
+        <a:scrgbClr r="0" g="0" b="0"/>
+      </a:fillRef>
+      <a:effectRef idx="0">
+        <a:scrgbClr r="0" g="0" b="0"/>
+      </a:effectRef>
+      <a:fontRef idx="minor"/>
+    </dgm:style>
+  </dgm:styleLbl>
+  <dgm:styleLbl name="parChTrans1D3">
+    <dgm:scene3d>
+      <a:camera prst="orthographicFront"/>
+      <a:lightRig rig="threePt" dir="t"/>
+    </dgm:scene3d>
+    <dgm:sp3d/>
+    <dgm:txPr/>
+    <dgm:style>
+      <a:lnRef idx="2">
+        <a:scrgbClr r="0" g="0" b="0"/>
+      </a:lnRef>
+      <a:fillRef idx="0">
+        <a:scrgbClr r="0" g="0" b="0"/>
+      </a:fillRef>
+      <a:effectRef idx="0">
+        <a:scrgbClr r="0" g="0" b="0"/>
+      </a:effectRef>
+      <a:fontRef idx="minor"/>
+    </dgm:style>
+  </dgm:styleLbl>
+  <dgm:styleLbl name="parChTrans1D4">
+    <dgm:scene3d>
+      <a:camera prst="orthographicFront"/>
+      <a:lightRig rig="threePt" dir="t"/>
+    </dgm:scene3d>
+    <dgm:sp3d/>
+    <dgm:txPr/>
+    <dgm:style>
+      <a:lnRef idx="2">
+        <a:scrgbClr r="0" g="0" b="0"/>
+      </a:lnRef>
+      <a:fillRef idx="0">
+        <a:scrgbClr r="0" g="0" b="0"/>
+      </a:fillRef>
+      <a:effectRef idx="0">
+        <a:scrgbClr r="0" g="0" b="0"/>
+      </a:effectRef>
+      <a:fontRef idx="minor"/>
+    </dgm:style>
+  </dgm:styleLbl>
+  <dgm:styleLbl name="fgAcc1">
+    <dgm:scene3d>
+      <a:camera prst="orthographicFront"/>
+      <a:lightRig rig="threePt" dir="t"/>
+    </dgm:scene3d>
+    <dgm:sp3d/>
+    <dgm:txPr/>
+    <dgm:style>
+      <a:lnRef idx="2">
+        <a:scrgbClr r="0" g="0" b="0"/>
+      </a:lnRef>
+      <a:fillRef idx="1">
+        <a:scrgbClr r="0" g="0" b="0"/>
+      </a:fillRef>
+      <a:effectRef idx="0">
+        <a:scrgbClr r="0" g="0" b="0"/>
+      </a:effectRef>
+      <a:fontRef idx="minor"/>
+    </dgm:style>
+  </dgm:styleLbl>
+  <dgm:styleLbl name="conFgAcc1">
+    <dgm:scene3d>
+      <a:camera prst="orthographicFront"/>
+      <a:lightRig rig="threePt" dir="t"/>
+    </dgm:scene3d>
+    <dgm:sp3d/>
+    <dgm:txPr/>
+    <dgm:style>
+      <a:lnRef idx="2">
+        <a:scrgbClr r="0" g="0" b="0"/>
+      </a:lnRef>
+      <a:fillRef idx="1">
+        <a:scrgbClr r="0" g="0" b="0"/>
+      </a:fillRef>
+      <a:effectRef idx="0">
+        <a:scrgbClr r="0" g="0" b="0"/>
+      </a:effectRef>
+      <a:fontRef idx="minor"/>
+    </dgm:style>
+  </dgm:styleLbl>
+  <dgm:styleLbl name="alignAcc1">
+    <dgm:scene3d>
+      <a:camera prst="orthographicFront"/>
+      <a:lightRig rig="threePt" dir="t"/>
+    </dgm:scene3d>
+    <dgm:sp3d/>
+    <dgm:txPr/>
+    <dgm:style>
+      <a:lnRef idx="2">
+        <a:scrgbClr r="0" g="0" b="0"/>
+      </a:lnRef>
+      <a:fillRef idx="1">
+        <a:scrgbClr r="0" g="0" b="0"/>
+      </a:fillRef>
+      <a:effectRef idx="0">
+        <a:scrgbClr r="0" g="0" b="0"/>
+      </a:effectRef>
+      <a:fontRef idx="minor"/>
+    </dgm:style>
+  </dgm:styleLbl>
+  <dgm:styleLbl name="trAlignAcc1">
+    <dgm:scene3d>
+      <a:camera prst="orthographicFront"/>
+      <a:lightRig rig="threePt" dir="t"/>
+    </dgm:scene3d>
+    <dgm:sp3d/>
+    <dgm:txPr/>
+    <dgm:style>
+      <a:lnRef idx="1">
+        <a:scrgbClr r="0" g="0" b="0"/>
+      </a:lnRef>
+      <a:fillRef idx="1">
+        <a:scrgbClr r="0" g="0" b="0"/>
+      </a:fillRef>
+      <a:effectRef idx="0">
+        <a:scrgbClr r="0" g="0" b="0"/>
+      </a:effectRef>
+      <a:fontRef idx="minor"/>
+    </dgm:style>
+  </dgm:styleLbl>
+  <dgm:styleLbl name="bgAcc1">
+    <dgm:scene3d>
+      <a:camera prst="orthographicFront"/>
+      <a:lightRig rig="threePt" dir="t"/>
+    </dgm:scene3d>
+    <dgm:sp3d/>
+    <dgm:txPr/>
+    <dgm:style>
+      <a:lnRef idx="2">
+        <a:scrgbClr r="0" g="0" b="0"/>
+      </a:lnRef>
+      <a:fillRef idx="1">
+        <a:scrgbClr r="0" g="0" b="0"/>
+      </a:fillRef>
+      <a:effectRef idx="0">
+        <a:scrgbClr r="0" g="0" b="0"/>
+      </a:effectRef>
+      <a:fontRef idx="minor"/>
+    </dgm:style>
+  </dgm:styleLbl>
+  <dgm:styleLbl name="solidFgAcc1">
+    <dgm:scene3d>
+      <a:camera prst="orthographicFront"/>
+      <a:lightRig rig="threePt" dir="t"/>
+    </dgm:scene3d>
+    <dgm:sp3d/>
+    <dgm:txPr/>
+    <dgm:style>
+      <a:lnRef idx="2">
+        <a:scrgbClr r="0" g="0" b="0"/>
+      </a:lnRef>
+      <a:fillRef idx="1">
+        <a:scrgbClr r="0" g="0" b="0"/>
+      </a:fillRef>
+      <a:effectRef idx="0">
+        <a:scrgbClr r="0" g="0" b="0"/>
+      </a:effectRef>
+      <a:fontRef idx="minor"/>
+    </dgm:style>
+  </dgm:styleLbl>
+  <dgm:styleLbl name="solidAlignAcc1">
+    <dgm:scene3d>
+      <a:camera prst="orthographicFront"/>
+      <a:lightRig rig="threePt" dir="t"/>
+    </dgm:scene3d>
+    <dgm:sp3d/>
+    <dgm:txPr/>
+    <dgm:style>
+      <a:lnRef idx="2">
+        <a:scrgbClr r="0" g="0" b="0"/>
+      </a:lnRef>
+      <a:fillRef idx="1">
+        <a:scrgbClr r="0" g="0" b="0"/>
+      </a:fillRef>
+      <a:effectRef idx="0">
+        <a:scrgbClr r="0" g="0" b="0"/>
+      </a:effectRef>
+      <a:fontRef idx="minor"/>
+    </dgm:style>
+  </dgm:styleLbl>
+  <dgm:styleLbl name="solidBgAcc1">
+    <dgm:scene3d>
+      <a:camera prst="orthographicFront"/>
+      <a:lightRig rig="threePt" dir="t"/>
+    </dgm:scene3d>
+    <dgm:sp3d/>
+    <dgm:txPr/>
+    <dgm:style>
+      <a:lnRef idx="2">
+        <a:scrgbClr r="0" g="0" b="0"/>
+      </a:lnRef>
+      <a:fillRef idx="1">
+        <a:scrgbClr r="0" g="0" b="0"/>
+      </a:fillRef>
+      <a:effectRef idx="0">
+        <a:scrgbClr r="0" g="0" b="0"/>
+      </a:effectRef>
+      <a:fontRef idx="minor"/>
+    </dgm:style>
+  </dgm:styleLbl>
+  <dgm:styleLbl name="fgAccFollowNode1">
+    <dgm:scene3d>
+      <a:camera prst="orthographicFront"/>
+      <a:lightRig rig="threePt" dir="t"/>
+    </dgm:scene3d>
+    <dgm:sp3d/>
+    <dgm:txPr/>
+    <dgm:style>
+      <a:lnRef idx="2">
+        <a:scrgbClr r="0" g="0" b="0"/>
+      </a:lnRef>
+      <a:fillRef idx="1">
+        <a:scrgbClr r="0" g="0" b="0"/>
+      </a:fillRef>
+      <a:effectRef idx="0">
+        <a:scrgbClr r="0" g="0" b="0"/>
+      </a:effectRef>
+      <a:fontRef idx="minor"/>
+    </dgm:style>
+  </dgm:styleLbl>
+  <dgm:styleLbl name="alignAccFollowNode1">
+    <dgm:scene3d>
+      <a:camera prst="orthographicFront"/>
+      <a:lightRig rig="threePt" dir="t"/>
+    </dgm:scene3d>
+    <dgm:sp3d/>
+    <dgm:txPr/>
+    <dgm:style>
+      <a:lnRef idx="2">
+        <a:scrgbClr r="0" g="0" b="0"/>
+      </a:lnRef>
+      <a:fillRef idx="1">
+        <a:scrgbClr r="0" g="0" b="0"/>
+      </a:fillRef>
+      <a:effectRef idx="0">
+        <a:scrgbClr r="0" g="0" b="0"/>
+      </a:effectRef>
+      <a:fontRef idx="minor"/>
+    </dgm:style>
+  </dgm:styleLbl>
+  <dgm:styleLbl name="bgAccFollowNode1">
+    <dgm:scene3d>
+      <a:camera prst="orthographicFront"/>
+      <a:lightRig rig="threePt" dir="t"/>
+    </dgm:scene3d>
+    <dgm:sp3d/>
+    <dgm:txPr/>
+    <dgm:style>
+      <a:lnRef idx="2">
+        <a:scrgbClr r="0" g="0" b="0"/>
+      </a:lnRef>
+      <a:fillRef idx="1">
+        <a:scrgbClr r="0" g="0" b="0"/>
+      </a:fillRef>
+      <a:effectRef idx="0">
+        <a:scrgbClr r="0" g="0" b="0"/>
+      </a:effectRef>
+      <a:fontRef idx="minor"/>
+    </dgm:style>
+  </dgm:styleLbl>
+  <dgm:styleLbl name="fgAcc0">
+    <dgm:scene3d>
+      <a:camera prst="orthographicFront"/>
+      <a:lightRig rig="threePt" dir="t"/>
+    </dgm:scene3d>
+    <dgm:sp3d/>
+    <dgm:txPr/>
+    <dgm:style>
+      <a:lnRef idx="2">
+        <a:scrgbClr r="0" g="0" b="0"/>
+      </a:lnRef>
+      <a:fillRef idx="1">
+        <a:scrgbClr r="0" g="0" b="0"/>
+      </a:fillRef>
+      <a:effectRef idx="0">
+        <a:scrgbClr r="0" g="0" b="0"/>
+      </a:effectRef>
+      <a:fontRef idx="minor"/>
+    </dgm:style>
+  </dgm:styleLbl>
+  <dgm:styleLbl name="fgAcc2">
+    <dgm:scene3d>
+      <a:camera prst="orthographicFront"/>
+      <a:lightRig rig="threePt" dir="t"/>
+    </dgm:scene3d>
+    <dgm:sp3d/>
+    <dgm:txPr/>
+    <dgm:style>
+      <a:lnRef idx="2">
+        <a:scrgbClr r="0" g="0" b="0"/>
+      </a:lnRef>
+      <a:fillRef idx="1">
+        <a:scrgbClr r="0" g="0" b="0"/>
+      </a:fillRef>
+      <a:effectRef idx="0">
+        <a:scrgbClr r="0" g="0" b="0"/>
+      </a:effectRef>
+      <a:fontRef idx="minor"/>
+    </dgm:style>
+  </dgm:styleLbl>
+  <dgm:styleLbl name="fgAcc3">
+    <dgm:scene3d>
+      <a:camera prst="orthographicFront"/>
+      <a:lightRig rig="threePt" dir="t"/>
+    </dgm:scene3d>
+    <dgm:sp3d/>
+    <dgm:txPr/>
+    <dgm:style>
+      <a:lnRef idx="2">
+        <a:scrgbClr r="0" g="0" b="0"/>
+      </a:lnRef>
+      <a:fillRef idx="1">
+        <a:scrgbClr r="0" g="0" b="0"/>
+      </a:fillRef>
+      <a:effectRef idx="0">
+        <a:scrgbClr r="0" g="0" b="0"/>
+      </a:effectRef>
+      <a:fontRef idx="minor"/>
+    </dgm:style>
+  </dgm:styleLbl>
+  <dgm:styleLbl name="fgAcc4">
+    <dgm:scene3d>
+      <a:camera prst="orthographicFront"/>
+      <a:lightRig rig="threePt" dir="t"/>
+    </dgm:scene3d>
+    <dgm:sp3d/>
+    <dgm:txPr/>
+    <dgm:style>
+      <a:lnRef idx="2">
+        <a:scrgbClr r="0" g="0" b="0"/>
+      </a:lnRef>
+      <a:fillRef idx="1">
+        <a:scrgbClr r="0" g="0" b="0"/>
+      </a:fillRef>
+      <a:effectRef idx="0">
+        <a:scrgbClr r="0" g="0" b="0"/>
+      </a:effectRef>
+      <a:fontRef idx="minor"/>
+    </dgm:style>
+  </dgm:styleLbl>
+  <dgm:styleLbl name="bgShp">
+    <dgm:scene3d>
+      <a:camera prst="orthographicFront"/>
+      <a:lightRig rig="threePt" dir="t"/>
+    </dgm:scene3d>
+    <dgm:sp3d/>
+    <dgm:txPr/>
+    <dgm:style>
+      <a:lnRef idx="0">
+        <a:scrgbClr r="0" g="0" b="0"/>
+      </a:lnRef>
+      <a:fillRef idx="1">
+        <a:scrgbClr r="0" g="0" b="0"/>
+      </a:fillRef>
+      <a:effectRef idx="0">
+        <a:scrgbClr r="0" g="0" b="0"/>
+      </a:effectRef>
+      <a:fontRef idx="minor"/>
+    </dgm:style>
+  </dgm:styleLbl>
+  <dgm:styleLbl name="dkBgShp">
+    <dgm:scene3d>
+      <a:camera prst="orthographicFront"/>
+      <a:lightRig rig="threePt" dir="t"/>
+    </dgm:scene3d>
+    <dgm:sp3d/>
+    <dgm:txPr/>
+    <dgm:style>
+      <a:lnRef idx="0">
+        <a:scrgbClr r="0" g="0" b="0"/>
+      </a:lnRef>
+      <a:fillRef idx="1">
+        <a:scrgbClr r="0" g="0" b="0"/>
+      </a:fillRef>
+      <a:effectRef idx="0">
+        <a:scrgbClr r="0" g="0" b="0"/>
+      </a:effectRef>
+      <a:fontRef idx="minor"/>
+    </dgm:style>
+  </dgm:styleLbl>
+  <dgm:styleLbl name="trBgShp">
+    <dgm:scene3d>
+      <a:camera prst="orthographicFront"/>
+      <a:lightRig rig="threePt" dir="t"/>
+    </dgm:scene3d>
+    <dgm:sp3d/>
+    <dgm:txPr/>
+    <dgm:style>
+      <a:lnRef idx="0">
+        <a:scrgbClr r="0" g="0" b="0"/>
+      </a:lnRef>
+      <a:fillRef idx="1">
+        <a:scrgbClr r="0" g="0" b="0"/>
+      </a:fillRef>
+      <a:effectRef idx="0">
+        <a:scrgbClr r="0" g="0" b="0"/>
+      </a:effectRef>
+      <a:fontRef idx="minor"/>
+    </dgm:style>
+  </dgm:styleLbl>
+  <dgm:styleLbl name="fgShp">
+    <dgm:scene3d>
+      <a:camera prst="orthographicFront"/>
+      <a:lightRig rig="threePt" dir="t"/>
+    </dgm:scene3d>
+    <dgm:sp3d/>
+    <dgm:txPr/>
+    <dgm:style>
+      <a:lnRef idx="2">
+        <a:scrgbClr r="0" g="0" b="0"/>
+      </a:lnRef>
+      <a:fillRef idx="1">
+        <a:scrgbClr r="0" g="0" b="0"/>
+      </a:fillRef>
+      <a:effectRef idx="0">
+        <a:scrgbClr r="0" g="0" b="0"/>
+      </a:effectRef>
+      <a:fontRef idx="minor"/>
+    </dgm:style>
+  </dgm:styleLbl>
+  <dgm:styleLbl name="revTx">
+    <dgm:scene3d>
+      <a:camera prst="orthographicFront"/>
+      <a:lightRig rig="threePt" dir="t"/>
+    </dgm:scene3d>
+    <dgm:sp3d/>
+    <dgm:txPr/>
+    <dgm:style>
+      <a:lnRef idx="0">
+        <a:scrgbClr r="0" g="0" b="0"/>
+      </a:lnRef>
+      <a:fillRef idx="0">
+        <a:scrgbClr r="0" g="0" b="0"/>
+      </a:fillRef>
+      <a:effectRef idx="0">
+        <a:scrgbClr r="0" g="0" b="0"/>
+      </a:effectRef>
+      <a:fontRef idx="minor"/>
+    </dgm:style>
+  </dgm:styleLbl>
+</dgm:styleDef>
 </file>
 
 <file path=ppt/notesMasters/notesMaster1.xml><?xml version="1.0" encoding="utf-8"?>
@@ -5585,2227 +8336,6 @@
       </p:grpSpPr>
       <p:sp>
         <p:nvSpPr>
-          <p:cNvPr id="33" name="Téglalap 32"/>
-          <p:cNvSpPr/>
-          <p:nvPr/>
-        </p:nvSpPr>
-        <p:spPr>
-          <a:xfrm>
-            <a:off x="1628800" y="4341564"/>
-            <a:ext cx="5112567" cy="3995812"/>
-          </a:xfrm>
-          <a:prstGeom prst="rect">
-            <a:avLst/>
-          </a:prstGeom>
-        </p:spPr>
-        <p:style>
-          <a:lnRef idx="2">
-            <a:schemeClr val="accent4">
-              <a:shade val="50000"/>
-            </a:schemeClr>
-          </a:lnRef>
-          <a:fillRef idx="1">
-            <a:schemeClr val="accent4"/>
-          </a:fillRef>
-          <a:effectRef idx="0">
-            <a:schemeClr val="accent4"/>
-          </a:effectRef>
-          <a:fontRef idx="minor">
-            <a:schemeClr val="lt1"/>
-          </a:fontRef>
-        </p:style>
-        <p:txBody>
-          <a:bodyPr rtlCol="0" anchor="ctr"/>
-          <a:lstStyle/>
-          <a:p>
-            <a:pPr algn="ctr"/>
-            <a:endParaRPr lang="en-US" smtClean="0"/>
-          </a:p>
-        </p:txBody>
-      </p:sp>
-      <p:cxnSp>
-        <p:nvCxnSpPr>
-          <p:cNvPr id="360" name="Egyenes összekötő nyíllal 359"/>
-          <p:cNvCxnSpPr>
-            <a:stCxn id="46" idx="2"/>
-          </p:cNvCxnSpPr>
-          <p:nvPr/>
-        </p:nvCxnSpPr>
-        <p:spPr>
-          <a:xfrm flipH="1">
-            <a:off x="4797202" y="6489339"/>
-            <a:ext cx="963405" cy="567445"/>
-          </a:xfrm>
-          <a:prstGeom prst="straightConnector1">
-            <a:avLst/>
-          </a:prstGeom>
-          <a:ln>
-            <a:tailEnd type="arrow"/>
-          </a:ln>
-        </p:spPr>
-        <p:style>
-          <a:lnRef idx="3">
-            <a:schemeClr val="accent3"/>
-          </a:lnRef>
-          <a:fillRef idx="0">
-            <a:schemeClr val="accent3"/>
-          </a:fillRef>
-          <a:effectRef idx="2">
-            <a:schemeClr val="accent3"/>
-          </a:effectRef>
-          <a:fontRef idx="minor">
-            <a:schemeClr val="tx1"/>
-          </a:fontRef>
-        </p:style>
-      </p:cxnSp>
-      <p:sp>
-        <p:nvSpPr>
-          <p:cNvPr id="12" name="Téglalap 11"/>
-          <p:cNvSpPr/>
-          <p:nvPr/>
-        </p:nvSpPr>
-        <p:spPr>
-          <a:xfrm>
-            <a:off x="1638190" y="1161047"/>
-            <a:ext cx="5103177" cy="2999866"/>
-          </a:xfrm>
-          <a:prstGeom prst="rect">
-            <a:avLst/>
-          </a:prstGeom>
-        </p:spPr>
-        <p:style>
-          <a:lnRef idx="2">
-            <a:schemeClr val="accent4">
-              <a:shade val="50000"/>
-            </a:schemeClr>
-          </a:lnRef>
-          <a:fillRef idx="1">
-            <a:schemeClr val="accent4"/>
-          </a:fillRef>
-          <a:effectRef idx="0">
-            <a:schemeClr val="accent4"/>
-          </a:effectRef>
-          <a:fontRef idx="minor">
-            <a:schemeClr val="lt1"/>
-          </a:fontRef>
-        </p:style>
-        <p:txBody>
-          <a:bodyPr rtlCol="0" anchor="ctr"/>
-          <a:lstStyle/>
-          <a:p>
-            <a:pPr algn="ctr"/>
-            <a:endParaRPr lang="en-US" smtClean="0"/>
-          </a:p>
-          <a:p>
-            <a:pPr algn="ctr"/>
-            <a:endParaRPr lang="en-US" smtClean="0"/>
-          </a:p>
-          <a:p>
-            <a:pPr algn="ctr"/>
-            <a:endParaRPr lang="en-US"/>
-          </a:p>
-        </p:txBody>
-      </p:sp>
-      <p:sp>
-        <p:nvSpPr>
-          <p:cNvPr id="202" name="Szövegdoboz 201"/>
-          <p:cNvSpPr txBox="1"/>
-          <p:nvPr/>
-        </p:nvSpPr>
-        <p:spPr>
-          <a:xfrm>
-            <a:off x="3579809" y="1131573"/>
-            <a:ext cx="1514936" cy="369332"/>
-          </a:xfrm>
-          <a:prstGeom prst="rect">
-            <a:avLst/>
-          </a:prstGeom>
-          <a:noFill/>
-        </p:spPr>
-        <p:txBody>
-          <a:bodyPr wrap="square" rtlCol="0">
-            <a:spAutoFit/>
-          </a:bodyPr>
-          <a:lstStyle/>
-          <a:p>
-            <a:pPr algn="ctr"/>
-            <a:r>
-              <a:rPr lang="hu-HU" dirty="0" err="1" smtClean="0"/>
-              <a:t>Client</a:t>
-            </a:r>
-            <a:r>
-              <a:rPr lang="hu-HU" dirty="0" smtClean="0"/>
-              <a:t> </a:t>
-            </a:r>
-            <a:r>
-              <a:rPr lang="hu-HU" dirty="0" err="1" smtClean="0"/>
-              <a:t>plugin</a:t>
-            </a:r>
-            <a:endParaRPr lang="en-US" dirty="0"/>
-          </a:p>
-        </p:txBody>
-      </p:sp>
-      <p:sp>
-        <p:nvSpPr>
-          <p:cNvPr id="30" name="Téglalap 29"/>
-          <p:cNvSpPr/>
-          <p:nvPr/>
-        </p:nvSpPr>
-        <p:spPr>
-          <a:xfrm>
-            <a:off x="116632" y="128464"/>
-            <a:ext cx="1368152" cy="4032449"/>
-          </a:xfrm>
-          <a:prstGeom prst="rect">
-            <a:avLst/>
-          </a:prstGeom>
-        </p:spPr>
-        <p:style>
-          <a:lnRef idx="2">
-            <a:schemeClr val="accent4">
-              <a:shade val="50000"/>
-            </a:schemeClr>
-          </a:lnRef>
-          <a:fillRef idx="1">
-            <a:schemeClr val="accent4"/>
-          </a:fillRef>
-          <a:effectRef idx="0">
-            <a:schemeClr val="accent4"/>
-          </a:effectRef>
-          <a:fontRef idx="minor">
-            <a:schemeClr val="lt1"/>
-          </a:fontRef>
-        </p:style>
-        <p:txBody>
-          <a:bodyPr rtlCol="0" anchor="ctr"/>
-          <a:lstStyle/>
-          <a:p>
-            <a:pPr algn="ctr"/>
-            <a:endParaRPr lang="en-US" dirty="0" smtClean="0"/>
-          </a:p>
-        </p:txBody>
-      </p:sp>
-      <p:sp>
-        <p:nvSpPr>
-          <p:cNvPr id="19" name="Lekerekített téglalap 18"/>
-          <p:cNvSpPr/>
-          <p:nvPr/>
-        </p:nvSpPr>
-        <p:spPr>
-          <a:xfrm>
-            <a:off x="346525" y="1278919"/>
-            <a:ext cx="908365" cy="846624"/>
-          </a:xfrm>
-          <a:prstGeom prst="roundRect">
-            <a:avLst/>
-          </a:prstGeom>
-        </p:spPr>
-        <p:style>
-          <a:lnRef idx="3">
-            <a:schemeClr val="lt1"/>
-          </a:lnRef>
-          <a:fillRef idx="1">
-            <a:schemeClr val="accent1"/>
-          </a:fillRef>
-          <a:effectRef idx="1">
-            <a:schemeClr val="accent1"/>
-          </a:effectRef>
-          <a:fontRef idx="minor">
-            <a:schemeClr val="lt1"/>
-          </a:fontRef>
-        </p:style>
-        <p:txBody>
-          <a:bodyPr rtlCol="0" anchor="ctr"/>
-          <a:lstStyle/>
-          <a:p>
-            <a:pPr algn="ctr"/>
-            <a:r>
-              <a:rPr lang="en-US" dirty="0" smtClean="0"/>
-              <a:t>SVN</a:t>
-            </a:r>
-            <a:endParaRPr lang="en-US" dirty="0"/>
-          </a:p>
-        </p:txBody>
-      </p:sp>
-      <p:sp>
-        <p:nvSpPr>
-          <p:cNvPr id="20" name="Lekerekített téglalap 19"/>
-          <p:cNvSpPr/>
-          <p:nvPr/>
-        </p:nvSpPr>
-        <p:spPr>
-          <a:xfrm>
-            <a:off x="327170" y="3026256"/>
-            <a:ext cx="908365" cy="846623"/>
-          </a:xfrm>
-          <a:prstGeom prst="roundRect">
-            <a:avLst/>
-          </a:prstGeom>
-        </p:spPr>
-        <p:style>
-          <a:lnRef idx="3">
-            <a:schemeClr val="lt1"/>
-          </a:lnRef>
-          <a:fillRef idx="1">
-            <a:schemeClr val="accent1"/>
-          </a:fillRef>
-          <a:effectRef idx="1">
-            <a:schemeClr val="accent1"/>
-          </a:effectRef>
-          <a:fontRef idx="minor">
-            <a:schemeClr val="lt1"/>
-          </a:fontRef>
-        </p:style>
-        <p:txBody>
-          <a:bodyPr rtlCol="0" anchor="ctr"/>
-          <a:lstStyle/>
-          <a:p>
-            <a:pPr algn="ctr"/>
-            <a:r>
-              <a:rPr lang="en-US" dirty="0" smtClean="0"/>
-              <a:t>Binary repo</a:t>
-            </a:r>
-            <a:endParaRPr lang="en-US" dirty="0"/>
-          </a:p>
-        </p:txBody>
-      </p:sp>
-      <p:sp>
-        <p:nvSpPr>
-          <p:cNvPr id="34" name="Lekerekített téglalap 33"/>
-          <p:cNvSpPr/>
-          <p:nvPr/>
-        </p:nvSpPr>
-        <p:spPr>
-          <a:xfrm>
-            <a:off x="1946552" y="5229339"/>
-            <a:ext cx="1260000" cy="1260000"/>
-          </a:xfrm>
-          <a:prstGeom prst="roundRect">
-            <a:avLst/>
-          </a:prstGeom>
-        </p:spPr>
-        <p:style>
-          <a:lnRef idx="3">
-            <a:schemeClr val="lt1"/>
-          </a:lnRef>
-          <a:fillRef idx="1">
-            <a:schemeClr val="accent1"/>
-          </a:fillRef>
-          <a:effectRef idx="1">
-            <a:schemeClr val="accent1"/>
-          </a:effectRef>
-          <a:fontRef idx="minor">
-            <a:schemeClr val="lt1"/>
-          </a:fontRef>
-        </p:style>
-        <p:txBody>
-          <a:bodyPr rtlCol="0" anchor="ctr"/>
-          <a:lstStyle/>
-          <a:p>
-            <a:pPr algn="ctr"/>
-            <a:r>
-              <a:rPr lang="en-US" dirty="0" smtClean="0"/>
-              <a:t>Artifact</a:t>
-            </a:r>
-          </a:p>
-          <a:p>
-            <a:pPr algn="ctr"/>
-            <a:r>
-              <a:rPr lang="en-US" dirty="0" smtClean="0"/>
-              <a:t>discovery</a:t>
-            </a:r>
-            <a:endParaRPr lang="en-US" dirty="0"/>
-          </a:p>
-        </p:txBody>
-      </p:sp>
-      <p:sp>
-        <p:nvSpPr>
-          <p:cNvPr id="45" name="Lekerekített téglalap 44"/>
-          <p:cNvSpPr/>
-          <p:nvPr/>
-        </p:nvSpPr>
-        <p:spPr>
-          <a:xfrm>
-            <a:off x="3543785" y="5229341"/>
-            <a:ext cx="1253147" cy="1260000"/>
-          </a:xfrm>
-          <a:prstGeom prst="roundRect">
-            <a:avLst/>
-          </a:prstGeom>
-        </p:spPr>
-        <p:style>
-          <a:lnRef idx="3">
-            <a:schemeClr val="lt1"/>
-          </a:lnRef>
-          <a:fillRef idx="1">
-            <a:schemeClr val="accent1"/>
-          </a:fillRef>
-          <a:effectRef idx="1">
-            <a:schemeClr val="accent1"/>
-          </a:effectRef>
-          <a:fontRef idx="minor">
-            <a:schemeClr val="lt1"/>
-          </a:fontRef>
-        </p:style>
-        <p:txBody>
-          <a:bodyPr rtlCol="0" anchor="ctr"/>
-          <a:lstStyle/>
-          <a:p>
-            <a:pPr algn="ctr"/>
-            <a:r>
-              <a:rPr lang="en-US" dirty="0" err="1" smtClean="0"/>
-              <a:t>Bytecode</a:t>
-            </a:r>
-            <a:endParaRPr lang="en-US" dirty="0" smtClean="0"/>
-          </a:p>
-          <a:p>
-            <a:pPr algn="ctr"/>
-            <a:r>
-              <a:rPr lang="en-US" dirty="0" err="1" smtClean="0"/>
-              <a:t>analyser</a:t>
-            </a:r>
-            <a:endParaRPr lang="en-US" dirty="0"/>
-          </a:p>
-        </p:txBody>
-      </p:sp>
-      <p:sp>
-        <p:nvSpPr>
-          <p:cNvPr id="46" name="Lekerekített téglalap 45"/>
-          <p:cNvSpPr/>
-          <p:nvPr/>
-        </p:nvSpPr>
-        <p:spPr>
-          <a:xfrm>
-            <a:off x="5139885" y="5229340"/>
-            <a:ext cx="1241443" cy="1259999"/>
-          </a:xfrm>
-          <a:prstGeom prst="roundRect">
-            <a:avLst/>
-          </a:prstGeom>
-        </p:spPr>
-        <p:style>
-          <a:lnRef idx="3">
-            <a:schemeClr val="lt1"/>
-          </a:lnRef>
-          <a:fillRef idx="1">
-            <a:schemeClr val="accent1"/>
-          </a:fillRef>
-          <a:effectRef idx="1">
-            <a:schemeClr val="accent1"/>
-          </a:effectRef>
-          <a:fontRef idx="minor">
-            <a:schemeClr val="lt1"/>
-          </a:fontRef>
-        </p:style>
-        <p:txBody>
-          <a:bodyPr rtlCol="0" anchor="ctr"/>
-          <a:lstStyle/>
-          <a:p>
-            <a:pPr algn="ctr"/>
-            <a:r>
-              <a:rPr lang="en-US" dirty="0" smtClean="0"/>
-              <a:t>Remote</a:t>
-            </a:r>
-          </a:p>
-          <a:p>
-            <a:pPr algn="ctr"/>
-            <a:r>
-              <a:rPr lang="en-US" dirty="0" smtClean="0"/>
-              <a:t>interface</a:t>
-            </a:r>
-          </a:p>
-        </p:txBody>
-      </p:sp>
-      <p:sp>
-        <p:nvSpPr>
-          <p:cNvPr id="29" name="Lekerekített téglalap 28"/>
-          <p:cNvSpPr/>
-          <p:nvPr/>
-        </p:nvSpPr>
-        <p:spPr>
-          <a:xfrm>
-            <a:off x="1946552" y="6834541"/>
-            <a:ext cx="1260000" cy="1251883"/>
-          </a:xfrm>
-          <a:prstGeom prst="roundRect">
-            <a:avLst/>
-          </a:prstGeom>
-        </p:spPr>
-        <p:style>
-          <a:lnRef idx="3">
-            <a:schemeClr val="lt1"/>
-          </a:lnRef>
-          <a:fillRef idx="1">
-            <a:schemeClr val="accent1"/>
-          </a:fillRef>
-          <a:effectRef idx="1">
-            <a:schemeClr val="accent1"/>
-          </a:effectRef>
-          <a:fontRef idx="minor">
-            <a:schemeClr val="lt1"/>
-          </a:fontRef>
-        </p:style>
-        <p:txBody>
-          <a:bodyPr rtlCol="0" anchor="ctr"/>
-          <a:lstStyle/>
-          <a:p>
-            <a:pPr algn="ctr"/>
-            <a:r>
-              <a:rPr lang="en-US" smtClean="0"/>
-              <a:t>Scheduler</a:t>
-            </a:r>
-          </a:p>
-        </p:txBody>
-      </p:sp>
-      <p:sp>
-        <p:nvSpPr>
-          <p:cNvPr id="31" name="Lekerekített téglalap 30"/>
-          <p:cNvSpPr/>
-          <p:nvPr/>
-        </p:nvSpPr>
-        <p:spPr>
-          <a:xfrm>
-            <a:off x="3543785" y="6790189"/>
-            <a:ext cx="1253417" cy="1251883"/>
-          </a:xfrm>
-          <a:prstGeom prst="roundRect">
-            <a:avLst/>
-          </a:prstGeom>
-        </p:spPr>
-        <p:style>
-          <a:lnRef idx="3">
-            <a:schemeClr val="lt1"/>
-          </a:lnRef>
-          <a:fillRef idx="1">
-            <a:schemeClr val="accent1"/>
-          </a:fillRef>
-          <a:effectRef idx="1">
-            <a:schemeClr val="accent1"/>
-          </a:effectRef>
-          <a:fontRef idx="minor">
-            <a:schemeClr val="lt1"/>
-          </a:fontRef>
-        </p:style>
-        <p:txBody>
-          <a:bodyPr rtlCol="0" anchor="ctr"/>
-          <a:lstStyle/>
-          <a:p>
-            <a:pPr algn="ctr"/>
-            <a:r>
-              <a:rPr lang="en-US" dirty="0" smtClean="0"/>
-              <a:t>Database</a:t>
-            </a:r>
-          </a:p>
-          <a:p>
-            <a:pPr algn="ctr"/>
-            <a:r>
-              <a:rPr lang="en-US" dirty="0" smtClean="0"/>
-              <a:t>module</a:t>
-            </a:r>
-            <a:endParaRPr lang="en-US" dirty="0"/>
-          </a:p>
-        </p:txBody>
-      </p:sp>
-      <p:sp>
-        <p:nvSpPr>
-          <p:cNvPr id="37" name="Folyamatábra: Mágneslemez 36"/>
-          <p:cNvSpPr/>
-          <p:nvPr/>
-        </p:nvSpPr>
-        <p:spPr>
-          <a:xfrm>
-            <a:off x="5216265" y="6856484"/>
-            <a:ext cx="442032" cy="520852"/>
-          </a:xfrm>
-          <a:prstGeom prst="flowChartMagneticDisk">
-            <a:avLst/>
-          </a:prstGeom>
-        </p:spPr>
-        <p:style>
-          <a:lnRef idx="3">
-            <a:schemeClr val="lt1"/>
-          </a:lnRef>
-          <a:fillRef idx="1">
-            <a:schemeClr val="accent2"/>
-          </a:fillRef>
-          <a:effectRef idx="1">
-            <a:schemeClr val="accent2"/>
-          </a:effectRef>
-          <a:fontRef idx="minor">
-            <a:schemeClr val="lt1"/>
-          </a:fontRef>
-        </p:style>
-        <p:txBody>
-          <a:bodyPr rtlCol="0" anchor="ctr"/>
-          <a:lstStyle/>
-          <a:p>
-            <a:pPr algn="ctr"/>
-            <a:endParaRPr lang="en-US"/>
-          </a:p>
-        </p:txBody>
-      </p:sp>
-      <p:sp>
-        <p:nvSpPr>
-          <p:cNvPr id="38" name="Folyamatábra: Mágneslemez 37"/>
-          <p:cNvSpPr/>
-          <p:nvPr/>
-        </p:nvSpPr>
-        <p:spPr>
-          <a:xfrm>
-            <a:off x="5821074" y="6875255"/>
-            <a:ext cx="442032" cy="520852"/>
-          </a:xfrm>
-          <a:prstGeom prst="flowChartMagneticDisk">
-            <a:avLst/>
-          </a:prstGeom>
-        </p:spPr>
-        <p:style>
-          <a:lnRef idx="3">
-            <a:schemeClr val="lt1"/>
-          </a:lnRef>
-          <a:fillRef idx="1">
-            <a:schemeClr val="accent2"/>
-          </a:fillRef>
-          <a:effectRef idx="1">
-            <a:schemeClr val="accent2"/>
-          </a:effectRef>
-          <a:fontRef idx="minor">
-            <a:schemeClr val="lt1"/>
-          </a:fontRef>
-        </p:style>
-        <p:txBody>
-          <a:bodyPr rtlCol="0" anchor="ctr"/>
-          <a:lstStyle/>
-          <a:p>
-            <a:pPr algn="ctr"/>
-            <a:endParaRPr lang="en-US"/>
-          </a:p>
-        </p:txBody>
-      </p:sp>
-      <p:cxnSp>
-        <p:nvCxnSpPr>
-          <p:cNvPr id="16" name="Görbe összekötő 15"/>
-          <p:cNvCxnSpPr/>
-          <p:nvPr/>
-        </p:nvCxnSpPr>
-        <p:spPr>
-          <a:xfrm rot="5400000">
-            <a:off x="3360429" y="832693"/>
-            <a:ext cx="656707" cy="2"/>
-          </a:xfrm>
-          <a:prstGeom prst="curvedConnector3">
-            <a:avLst>
-              <a:gd name="adj1" fmla="val 56962"/>
-            </a:avLst>
-          </a:prstGeom>
-          <a:ln>
-            <a:tailEnd type="arrow"/>
-          </a:ln>
-        </p:spPr>
-        <p:style>
-          <a:lnRef idx="3">
-            <a:schemeClr val="accent3"/>
-          </a:lnRef>
-          <a:fillRef idx="0">
-            <a:schemeClr val="accent3"/>
-          </a:fillRef>
-          <a:effectRef idx="2">
-            <a:schemeClr val="accent3"/>
-          </a:effectRef>
-          <a:fontRef idx="minor">
-            <a:schemeClr val="tx1"/>
-          </a:fontRef>
-        </p:style>
-      </p:cxnSp>
-      <p:cxnSp>
-        <p:nvCxnSpPr>
-          <p:cNvPr id="26" name="Görbe összekötő 25"/>
-          <p:cNvCxnSpPr/>
-          <p:nvPr/>
-        </p:nvCxnSpPr>
-        <p:spPr>
-          <a:xfrm rot="5400000" flipH="1" flipV="1">
-            <a:off x="4301987" y="825693"/>
-            <a:ext cx="633776" cy="1"/>
-          </a:xfrm>
-          <a:prstGeom prst="curvedConnector3">
-            <a:avLst>
-              <a:gd name="adj1" fmla="val 51202"/>
-            </a:avLst>
-          </a:prstGeom>
-          <a:ln>
-            <a:tailEnd type="arrow"/>
-          </a:ln>
-        </p:spPr>
-        <p:style>
-          <a:lnRef idx="3">
-            <a:schemeClr val="accent3"/>
-          </a:lnRef>
-          <a:fillRef idx="0">
-            <a:schemeClr val="accent3"/>
-          </a:fillRef>
-          <a:effectRef idx="2">
-            <a:schemeClr val="accent3"/>
-          </a:effectRef>
-          <a:fontRef idx="minor">
-            <a:schemeClr val="tx1"/>
-          </a:fontRef>
-        </p:style>
-      </p:cxnSp>
-      <p:sp>
-        <p:nvSpPr>
-          <p:cNvPr id="57" name="Szövegdoboz 56"/>
-          <p:cNvSpPr txBox="1"/>
-          <p:nvPr/>
-        </p:nvSpPr>
-        <p:spPr>
-          <a:xfrm>
-            <a:off x="1628800" y="701118"/>
-            <a:ext cx="874261" cy="307777"/>
-          </a:xfrm>
-          <a:prstGeom prst="rect">
-            <a:avLst/>
-          </a:prstGeom>
-          <a:noFill/>
-        </p:spPr>
-        <p:txBody>
-          <a:bodyPr wrap="square" rtlCol="0">
-            <a:spAutoFit/>
-          </a:bodyPr>
-          <a:lstStyle/>
-          <a:p>
-            <a:pPr algn="ctr"/>
-            <a:r>
-              <a:rPr lang="en-US" sz="1400" dirty="0" smtClean="0">
-                <a:solidFill>
-                  <a:schemeClr val="tx1">
-                    <a:lumMod val="75000"/>
-                    <a:lumOff val="25000"/>
-                  </a:schemeClr>
-                </a:solidFill>
-              </a:rPr>
-              <a:t>checkout</a:t>
-            </a:r>
-            <a:endParaRPr lang="en-US" sz="1400" dirty="0">
-              <a:solidFill>
-                <a:schemeClr val="tx1">
-                  <a:lumMod val="75000"/>
-                  <a:lumOff val="25000"/>
-                </a:schemeClr>
-              </a:solidFill>
-            </a:endParaRPr>
-          </a:p>
-        </p:txBody>
-      </p:sp>
-      <p:cxnSp>
-        <p:nvCxnSpPr>
-          <p:cNvPr id="83" name="Görbe összekötő 82"/>
-          <p:cNvCxnSpPr>
-            <a:stCxn id="29" idx="0"/>
-            <a:endCxn id="34" idx="2"/>
-          </p:cNvCxnSpPr>
-          <p:nvPr/>
-        </p:nvCxnSpPr>
-        <p:spPr>
-          <a:xfrm rot="5400000" flipH="1" flipV="1">
-            <a:off x="2403951" y="6661940"/>
-            <a:ext cx="345202" cy="12700"/>
-          </a:xfrm>
-          <a:prstGeom prst="curvedConnector3">
-            <a:avLst/>
-          </a:prstGeom>
-          <a:ln>
-            <a:tailEnd type="arrow"/>
-          </a:ln>
-        </p:spPr>
-        <p:style>
-          <a:lnRef idx="3">
-            <a:schemeClr val="accent3"/>
-          </a:lnRef>
-          <a:fillRef idx="0">
-            <a:schemeClr val="accent3"/>
-          </a:fillRef>
-          <a:effectRef idx="2">
-            <a:schemeClr val="accent3"/>
-          </a:effectRef>
-          <a:fontRef idx="minor">
-            <a:schemeClr val="tx1"/>
-          </a:fontRef>
-        </p:style>
-      </p:cxnSp>
-      <p:cxnSp>
-        <p:nvCxnSpPr>
-          <p:cNvPr id="88" name="Egyenes összekötő nyíllal 87"/>
-          <p:cNvCxnSpPr>
-            <a:stCxn id="31" idx="3"/>
-            <a:endCxn id="38" idx="2"/>
-          </p:cNvCxnSpPr>
-          <p:nvPr/>
-        </p:nvCxnSpPr>
-        <p:spPr>
-          <a:xfrm flipV="1">
-            <a:off x="4797202" y="7135681"/>
-            <a:ext cx="1023872" cy="280450"/>
-          </a:xfrm>
-          <a:prstGeom prst="straightConnector1">
-            <a:avLst/>
-          </a:prstGeom>
-          <a:ln>
-            <a:headEnd type="arrow"/>
-            <a:tailEnd type="arrow"/>
-          </a:ln>
-        </p:spPr>
-        <p:style>
-          <a:lnRef idx="3">
-            <a:schemeClr val="dk1"/>
-          </a:lnRef>
-          <a:fillRef idx="0">
-            <a:schemeClr val="dk1"/>
-          </a:fillRef>
-          <a:effectRef idx="2">
-            <a:schemeClr val="dk1"/>
-          </a:effectRef>
-          <a:fontRef idx="minor">
-            <a:schemeClr val="tx1"/>
-          </a:fontRef>
-        </p:style>
-      </p:cxnSp>
-      <p:cxnSp>
-        <p:nvCxnSpPr>
-          <p:cNvPr id="90" name="Egyenes összekötő nyíllal 89"/>
-          <p:cNvCxnSpPr>
-            <a:stCxn id="31" idx="3"/>
-            <a:endCxn id="37" idx="2"/>
-          </p:cNvCxnSpPr>
-          <p:nvPr/>
-        </p:nvCxnSpPr>
-        <p:spPr>
-          <a:xfrm flipV="1">
-            <a:off x="4797202" y="7116910"/>
-            <a:ext cx="419063" cy="299221"/>
-          </a:xfrm>
-          <a:prstGeom prst="straightConnector1">
-            <a:avLst/>
-          </a:prstGeom>
-          <a:ln>
-            <a:prstDash val="sysDot"/>
-            <a:headEnd type="arrow"/>
-            <a:tailEnd type="arrow"/>
-          </a:ln>
-        </p:spPr>
-        <p:style>
-          <a:lnRef idx="3">
-            <a:schemeClr val="dk1"/>
-          </a:lnRef>
-          <a:fillRef idx="0">
-            <a:schemeClr val="dk1"/>
-          </a:fillRef>
-          <a:effectRef idx="2">
-            <a:schemeClr val="dk1"/>
-          </a:effectRef>
-          <a:fontRef idx="minor">
-            <a:schemeClr val="tx1"/>
-          </a:fontRef>
-        </p:style>
-      </p:cxnSp>
-      <p:cxnSp>
-        <p:nvCxnSpPr>
-          <p:cNvPr id="94" name="Egyenes összekötő nyíllal 93"/>
-          <p:cNvCxnSpPr/>
-          <p:nvPr/>
-        </p:nvCxnSpPr>
-        <p:spPr>
-          <a:xfrm>
-            <a:off x="3744796" y="6517866"/>
-            <a:ext cx="135" cy="300848"/>
-          </a:xfrm>
-          <a:prstGeom prst="straightConnector1">
-            <a:avLst/>
-          </a:prstGeom>
-          <a:ln>
-            <a:tailEnd type="arrow"/>
-          </a:ln>
-        </p:spPr>
-        <p:style>
-          <a:lnRef idx="3">
-            <a:schemeClr val="accent6"/>
-          </a:lnRef>
-          <a:fillRef idx="0">
-            <a:schemeClr val="accent6"/>
-          </a:fillRef>
-          <a:effectRef idx="2">
-            <a:schemeClr val="accent6"/>
-          </a:effectRef>
-          <a:fontRef idx="minor">
-            <a:schemeClr val="tx1"/>
-          </a:fontRef>
-        </p:style>
-      </p:cxnSp>
-      <p:cxnSp>
-        <p:nvCxnSpPr>
-          <p:cNvPr id="103" name="Egyenes összekötő nyíllal 102"/>
-          <p:cNvCxnSpPr>
-            <a:stCxn id="19" idx="0"/>
-          </p:cNvCxnSpPr>
-          <p:nvPr/>
-        </p:nvCxnSpPr>
-        <p:spPr>
-          <a:xfrm flipV="1">
-            <a:off x="800708" y="508805"/>
-            <a:ext cx="1383894" cy="770114"/>
-          </a:xfrm>
-          <a:prstGeom prst="straightConnector1">
-            <a:avLst/>
-          </a:prstGeom>
-          <a:ln>
-            <a:tailEnd type="arrow"/>
-          </a:ln>
-        </p:spPr>
-        <p:style>
-          <a:lnRef idx="3">
-            <a:schemeClr val="accent6"/>
-          </a:lnRef>
-          <a:fillRef idx="0">
-            <a:schemeClr val="accent6"/>
-          </a:fillRef>
-          <a:effectRef idx="2">
-            <a:schemeClr val="accent6"/>
-          </a:effectRef>
-          <a:fontRef idx="minor">
-            <a:schemeClr val="tx1"/>
-          </a:fontRef>
-        </p:style>
-      </p:cxnSp>
-      <p:cxnSp>
-        <p:nvCxnSpPr>
-          <p:cNvPr id="123" name="Egyenes összekötő nyíllal 122"/>
-          <p:cNvCxnSpPr>
-            <a:stCxn id="20" idx="2"/>
-            <a:endCxn id="34" idx="0"/>
-          </p:cNvCxnSpPr>
-          <p:nvPr/>
-        </p:nvCxnSpPr>
-        <p:spPr>
-          <a:xfrm>
-            <a:off x="781353" y="3872879"/>
-            <a:ext cx="1795199" cy="1356460"/>
-          </a:xfrm>
-          <a:prstGeom prst="straightConnector1">
-            <a:avLst/>
-          </a:prstGeom>
-          <a:ln>
-            <a:tailEnd type="arrow"/>
-          </a:ln>
-        </p:spPr>
-        <p:style>
-          <a:lnRef idx="3">
-            <a:schemeClr val="accent6"/>
-          </a:lnRef>
-          <a:fillRef idx="0">
-            <a:schemeClr val="accent6"/>
-          </a:fillRef>
-          <a:effectRef idx="2">
-            <a:schemeClr val="accent6"/>
-          </a:effectRef>
-          <a:fontRef idx="minor">
-            <a:schemeClr val="tx1"/>
-          </a:fontRef>
-        </p:style>
-      </p:cxnSp>
-      <p:cxnSp>
-        <p:nvCxnSpPr>
-          <p:cNvPr id="125" name="Egyenes összekötő nyíllal 124"/>
-          <p:cNvCxnSpPr>
-            <a:stCxn id="46" idx="0"/>
-          </p:cNvCxnSpPr>
-          <p:nvPr/>
-        </p:nvCxnSpPr>
-        <p:spPr>
-          <a:xfrm flipH="1" flipV="1">
-            <a:off x="4796932" y="3872880"/>
-            <a:ext cx="963675" cy="1356460"/>
-          </a:xfrm>
-          <a:prstGeom prst="straightConnector1">
-            <a:avLst/>
-          </a:prstGeom>
-          <a:ln>
-            <a:tailEnd type="arrow"/>
-          </a:ln>
-        </p:spPr>
-        <p:style>
-          <a:lnRef idx="3">
-            <a:schemeClr val="accent6"/>
-          </a:lnRef>
-          <a:fillRef idx="0">
-            <a:schemeClr val="accent6"/>
-          </a:fillRef>
-          <a:effectRef idx="2">
-            <a:schemeClr val="accent6"/>
-          </a:effectRef>
-          <a:fontRef idx="minor">
-            <a:schemeClr val="tx1"/>
-          </a:fontRef>
-        </p:style>
-      </p:cxnSp>
-      <p:cxnSp>
-        <p:nvCxnSpPr>
-          <p:cNvPr id="128" name="Egyenes összekötő nyíllal 127"/>
-          <p:cNvCxnSpPr>
-            <a:stCxn id="20" idx="0"/>
-          </p:cNvCxnSpPr>
-          <p:nvPr/>
-        </p:nvCxnSpPr>
-        <p:spPr>
-          <a:xfrm flipV="1">
-            <a:off x="781353" y="2125543"/>
-            <a:ext cx="1" cy="900713"/>
-          </a:xfrm>
-          <a:prstGeom prst="straightConnector1">
-            <a:avLst/>
-          </a:prstGeom>
-          <a:ln>
-            <a:headEnd type="arrow"/>
-            <a:tailEnd type="arrow"/>
-          </a:ln>
-        </p:spPr>
-        <p:style>
-          <a:lnRef idx="3">
-            <a:schemeClr val="dk1"/>
-          </a:lnRef>
-          <a:fillRef idx="0">
-            <a:schemeClr val="dk1"/>
-          </a:fillRef>
-          <a:effectRef idx="2">
-            <a:schemeClr val="dk1"/>
-          </a:effectRef>
-          <a:fontRef idx="minor">
-            <a:schemeClr val="tx1"/>
-          </a:fontRef>
-        </p:style>
-      </p:cxnSp>
-      <p:sp>
-        <p:nvSpPr>
-          <p:cNvPr id="194" name="Szövegdoboz 193"/>
-          <p:cNvSpPr txBox="1"/>
-          <p:nvPr/>
-        </p:nvSpPr>
-        <p:spPr>
-          <a:xfrm>
-            <a:off x="795395" y="4304928"/>
-            <a:ext cx="761397" cy="307777"/>
-          </a:xfrm>
-          <a:prstGeom prst="rect">
-            <a:avLst/>
-          </a:prstGeom>
-          <a:noFill/>
-        </p:spPr>
-        <p:txBody>
-          <a:bodyPr wrap="square" rtlCol="0">
-            <a:spAutoFit/>
-          </a:bodyPr>
-          <a:lstStyle/>
-          <a:p>
-            <a:r>
-              <a:rPr lang="en-US" sz="1400" dirty="0" smtClean="0">
-                <a:solidFill>
-                  <a:schemeClr val="tx1">
-                    <a:lumMod val="75000"/>
-                    <a:lumOff val="25000"/>
-                  </a:schemeClr>
-                </a:solidFill>
-              </a:rPr>
-              <a:t>jar files</a:t>
-            </a:r>
-            <a:endParaRPr lang="en-US" sz="1400" dirty="0">
-              <a:solidFill>
-                <a:schemeClr val="tx1">
-                  <a:lumMod val="75000"/>
-                  <a:lumOff val="25000"/>
-                </a:schemeClr>
-              </a:solidFill>
-            </a:endParaRPr>
-          </a:p>
-        </p:txBody>
-      </p:sp>
-      <p:sp>
-        <p:nvSpPr>
-          <p:cNvPr id="195" name="Szövegdoboz 194"/>
-          <p:cNvSpPr txBox="1"/>
-          <p:nvPr/>
-        </p:nvSpPr>
-        <p:spPr>
-          <a:xfrm>
-            <a:off x="1800580" y="6533114"/>
-            <a:ext cx="768044" cy="307777"/>
-          </a:xfrm>
-          <a:prstGeom prst="rect">
-            <a:avLst/>
-          </a:prstGeom>
-          <a:noFill/>
-        </p:spPr>
-        <p:txBody>
-          <a:bodyPr wrap="square" rtlCol="0">
-            <a:spAutoFit/>
-          </a:bodyPr>
-          <a:lstStyle/>
-          <a:p>
-            <a:r>
-              <a:rPr lang="en-US" sz="1400" dirty="0" smtClean="0">
-                <a:solidFill>
-                  <a:schemeClr val="tx1">
-                    <a:lumMod val="75000"/>
-                    <a:lumOff val="25000"/>
-                  </a:schemeClr>
-                </a:solidFill>
-              </a:rPr>
-              <a:t>execute</a:t>
-            </a:r>
-          </a:p>
-        </p:txBody>
-      </p:sp>
-      <p:sp>
-        <p:nvSpPr>
-          <p:cNvPr id="197" name="Szövegdoboz 196"/>
-          <p:cNvSpPr txBox="1"/>
-          <p:nvPr/>
-        </p:nvSpPr>
-        <p:spPr>
-          <a:xfrm>
-            <a:off x="3815331" y="6495689"/>
-            <a:ext cx="2357548" cy="307777"/>
-          </a:xfrm>
-          <a:prstGeom prst="rect">
-            <a:avLst/>
-          </a:prstGeom>
-          <a:noFill/>
-        </p:spPr>
-        <p:txBody>
-          <a:bodyPr wrap="square" rtlCol="0">
-            <a:spAutoFit/>
-          </a:bodyPr>
-          <a:lstStyle/>
-          <a:p>
-            <a:r>
-              <a:rPr lang="en-US" sz="1400" dirty="0">
-                <a:solidFill>
-                  <a:schemeClr val="tx1">
-                    <a:lumMod val="75000"/>
-                    <a:lumOff val="25000"/>
-                  </a:schemeClr>
-                </a:solidFill>
-              </a:rPr>
-              <a:t>s</a:t>
-            </a:r>
-            <a:r>
-              <a:rPr lang="en-US" sz="1400" dirty="0" smtClean="0">
-                <a:solidFill>
-                  <a:schemeClr val="tx1">
-                    <a:lumMod val="75000"/>
-                    <a:lumOff val="25000"/>
-                  </a:schemeClr>
-                </a:solidFill>
-              </a:rPr>
-              <a:t>tructure &amp; </a:t>
-            </a:r>
-            <a:r>
-              <a:rPr lang="hu-HU" sz="1400" dirty="0" err="1" smtClean="0">
-                <a:solidFill>
-                  <a:schemeClr val="tx1">
-                    <a:lumMod val="75000"/>
-                    <a:lumOff val="25000"/>
-                  </a:schemeClr>
-                </a:solidFill>
-              </a:rPr>
-              <a:t>deps</a:t>
-            </a:r>
-            <a:endParaRPr lang="en-US" sz="1400" dirty="0">
-              <a:solidFill>
-                <a:schemeClr val="tx1">
-                  <a:lumMod val="75000"/>
-                  <a:lumOff val="25000"/>
-                </a:schemeClr>
-              </a:solidFill>
-            </a:endParaRPr>
-          </a:p>
-        </p:txBody>
-      </p:sp>
-      <p:sp>
-        <p:nvSpPr>
-          <p:cNvPr id="219" name="Szövegdoboz 218"/>
-          <p:cNvSpPr txBox="1"/>
-          <p:nvPr/>
-        </p:nvSpPr>
-        <p:spPr>
-          <a:xfrm>
-            <a:off x="2859688" y="701118"/>
-            <a:ext cx="752125" cy="307777"/>
-          </a:xfrm>
-          <a:prstGeom prst="rect">
-            <a:avLst/>
-          </a:prstGeom>
-          <a:noFill/>
-        </p:spPr>
-        <p:txBody>
-          <a:bodyPr wrap="square" rtlCol="0">
-            <a:spAutoFit/>
-          </a:bodyPr>
-          <a:lstStyle/>
-          <a:p>
-            <a:pPr algn="ctr"/>
-            <a:r>
-              <a:rPr lang="hu-HU" sz="1400" dirty="0" err="1" smtClean="0">
-                <a:solidFill>
-                  <a:schemeClr val="tx1">
-                    <a:lumMod val="75000"/>
-                    <a:lumOff val="25000"/>
-                  </a:schemeClr>
-                </a:solidFill>
-              </a:rPr>
-              <a:t>request</a:t>
-            </a:r>
-            <a:endParaRPr lang="en-US" sz="1400" dirty="0">
-              <a:solidFill>
-                <a:schemeClr val="tx1">
-                  <a:lumMod val="75000"/>
-                  <a:lumOff val="25000"/>
-                </a:schemeClr>
-              </a:solidFill>
-            </a:endParaRPr>
-          </a:p>
-        </p:txBody>
-      </p:sp>
-      <p:sp>
-        <p:nvSpPr>
-          <p:cNvPr id="228" name="Szövegdoboz 227"/>
-          <p:cNvSpPr txBox="1"/>
-          <p:nvPr/>
-        </p:nvSpPr>
-        <p:spPr>
-          <a:xfrm>
-            <a:off x="4726125" y="593397"/>
-            <a:ext cx="857647" cy="523220"/>
-          </a:xfrm>
-          <a:prstGeom prst="rect">
-            <a:avLst/>
-          </a:prstGeom>
-          <a:noFill/>
-        </p:spPr>
-        <p:txBody>
-          <a:bodyPr wrap="square" rtlCol="0">
-            <a:spAutoFit/>
-          </a:bodyPr>
-          <a:lstStyle/>
-          <a:p>
-            <a:r>
-              <a:rPr lang="en-US" sz="1400" dirty="0" smtClean="0">
-                <a:solidFill>
-                  <a:schemeClr val="tx1">
-                    <a:lumMod val="75000"/>
-                    <a:lumOff val="25000"/>
-                  </a:schemeClr>
-                </a:solidFill>
-              </a:rPr>
-              <a:t>visual </a:t>
-            </a:r>
-          </a:p>
-          <a:p>
-            <a:r>
-              <a:rPr lang="en-US" sz="1400" dirty="0" smtClean="0">
-                <a:solidFill>
-                  <a:schemeClr val="tx1">
-                    <a:lumMod val="75000"/>
-                    <a:lumOff val="25000"/>
-                  </a:schemeClr>
-                </a:solidFill>
-              </a:rPr>
-              <a:t>feedback</a:t>
-            </a:r>
-            <a:endParaRPr lang="en-US" sz="1400" dirty="0">
-              <a:solidFill>
-                <a:schemeClr val="tx1">
-                  <a:lumMod val="75000"/>
-                  <a:lumOff val="25000"/>
-                </a:schemeClr>
-              </a:solidFill>
-            </a:endParaRPr>
-          </a:p>
-        </p:txBody>
-      </p:sp>
-      <p:sp>
-        <p:nvSpPr>
-          <p:cNvPr id="235" name="Szövegdoboz 234"/>
-          <p:cNvSpPr txBox="1"/>
-          <p:nvPr/>
-        </p:nvSpPr>
-        <p:spPr>
-          <a:xfrm rot="5400000">
-            <a:off x="529447" y="2394548"/>
-            <a:ext cx="900713" cy="307777"/>
-          </a:xfrm>
-          <a:prstGeom prst="rect">
-            <a:avLst/>
-          </a:prstGeom>
-          <a:noFill/>
-        </p:spPr>
-        <p:txBody>
-          <a:bodyPr wrap="square" rtlCol="0">
-            <a:spAutoFit/>
-          </a:bodyPr>
-          <a:lstStyle/>
-          <a:p>
-            <a:pPr algn="ctr"/>
-            <a:r>
-              <a:rPr lang="en-US" sz="1400" dirty="0" smtClean="0">
-                <a:solidFill>
-                  <a:schemeClr val="tx1">
-                    <a:lumMod val="75000"/>
-                    <a:lumOff val="25000"/>
-                  </a:schemeClr>
-                </a:solidFill>
-              </a:rPr>
-              <a:t>conforms</a:t>
-            </a:r>
-            <a:endParaRPr lang="en-US" sz="1400" dirty="0">
-              <a:solidFill>
-                <a:schemeClr val="tx1">
-                  <a:lumMod val="75000"/>
-                  <a:lumOff val="25000"/>
-                </a:schemeClr>
-              </a:solidFill>
-            </a:endParaRPr>
-          </a:p>
-        </p:txBody>
-      </p:sp>
-      <p:sp>
-        <p:nvSpPr>
-          <p:cNvPr id="251" name="Szövegdoboz 250"/>
-          <p:cNvSpPr txBox="1"/>
-          <p:nvPr/>
-        </p:nvSpPr>
-        <p:spPr>
-          <a:xfrm>
-            <a:off x="5602180" y="4594121"/>
-            <a:ext cx="923164" cy="430887"/>
-          </a:xfrm>
-          <a:prstGeom prst="rect">
-            <a:avLst/>
-          </a:prstGeom>
-          <a:noFill/>
-        </p:spPr>
-        <p:txBody>
-          <a:bodyPr wrap="square" lIns="0" tIns="0" rIns="0" bIns="0" rtlCol="0">
-            <a:spAutoFit/>
-          </a:bodyPr>
-          <a:lstStyle/>
-          <a:p>
-            <a:r>
-              <a:rPr lang="en-US" sz="1400" dirty="0" smtClean="0">
-                <a:solidFill>
-                  <a:schemeClr val="tx1">
-                    <a:lumMod val="75000"/>
-                    <a:lumOff val="25000"/>
-                  </a:schemeClr>
-                </a:solidFill>
-              </a:rPr>
-              <a:t>repository</a:t>
-            </a:r>
-          </a:p>
-          <a:p>
-            <a:r>
-              <a:rPr lang="en-US" sz="1400" dirty="0" smtClean="0">
-                <a:solidFill>
-                  <a:schemeClr val="tx1">
-                    <a:lumMod val="75000"/>
-                    <a:lumOff val="25000"/>
-                  </a:schemeClr>
-                </a:solidFill>
-              </a:rPr>
-              <a:t>model</a:t>
-            </a:r>
-            <a:endParaRPr lang="en-US" sz="1400" dirty="0">
-              <a:solidFill>
-                <a:schemeClr val="tx1">
-                  <a:lumMod val="75000"/>
-                  <a:lumOff val="25000"/>
-                </a:schemeClr>
-              </a:solidFill>
-            </a:endParaRPr>
-          </a:p>
-        </p:txBody>
-      </p:sp>
-      <p:sp>
-        <p:nvSpPr>
-          <p:cNvPr id="327" name="Szövegdoboz 326"/>
-          <p:cNvSpPr txBox="1"/>
-          <p:nvPr/>
-        </p:nvSpPr>
-        <p:spPr>
-          <a:xfrm>
-            <a:off x="1638190" y="4351739"/>
-            <a:ext cx="5103177" cy="369332"/>
-          </a:xfrm>
-          <a:prstGeom prst="rect">
-            <a:avLst/>
-          </a:prstGeom>
-          <a:noFill/>
-        </p:spPr>
-        <p:txBody>
-          <a:bodyPr wrap="square" rtlCol="0">
-            <a:spAutoFit/>
-          </a:bodyPr>
-          <a:lstStyle/>
-          <a:p>
-            <a:pPr algn="ctr"/>
-            <a:r>
-              <a:rPr lang="en-US" dirty="0"/>
-              <a:t>Server </a:t>
-            </a:r>
-            <a:r>
-              <a:rPr lang="en-US" dirty="0" smtClean="0"/>
-              <a:t>process</a:t>
-            </a:r>
-            <a:endParaRPr lang="en-US" dirty="0"/>
-          </a:p>
-        </p:txBody>
-      </p:sp>
-      <p:sp>
-        <p:nvSpPr>
-          <p:cNvPr id="348" name="Szövegdoboz 347"/>
-          <p:cNvSpPr txBox="1"/>
-          <p:nvPr/>
-        </p:nvSpPr>
-        <p:spPr>
-          <a:xfrm>
-            <a:off x="2924944" y="4736976"/>
-            <a:ext cx="886229" cy="307777"/>
-          </a:xfrm>
-          <a:prstGeom prst="rect">
-            <a:avLst/>
-          </a:prstGeom>
-          <a:noFill/>
-        </p:spPr>
-        <p:txBody>
-          <a:bodyPr wrap="square" rtlCol="0">
-            <a:spAutoFit/>
-          </a:bodyPr>
-          <a:lstStyle/>
-          <a:p>
-            <a:pPr algn="ctr"/>
-            <a:r>
-              <a:rPr lang="en-US" sz="1400" dirty="0" smtClean="0">
-                <a:solidFill>
-                  <a:schemeClr val="tx1">
-                    <a:lumMod val="75000"/>
-                    <a:lumOff val="25000"/>
-                  </a:schemeClr>
-                </a:solidFill>
-              </a:rPr>
-              <a:t>new jars</a:t>
-            </a:r>
-            <a:endParaRPr lang="en-US" sz="1400" dirty="0">
-              <a:solidFill>
-                <a:schemeClr val="tx1">
-                  <a:lumMod val="75000"/>
-                  <a:lumOff val="25000"/>
-                </a:schemeClr>
-              </a:solidFill>
-            </a:endParaRPr>
-          </a:p>
-        </p:txBody>
-      </p:sp>
-      <p:sp>
-        <p:nvSpPr>
-          <p:cNvPr id="350" name="Szövegdoboz 349"/>
-          <p:cNvSpPr txBox="1"/>
-          <p:nvPr/>
-        </p:nvSpPr>
-        <p:spPr>
-          <a:xfrm>
-            <a:off x="4796932" y="7597551"/>
-            <a:ext cx="1944435" cy="307777"/>
-          </a:xfrm>
-          <a:prstGeom prst="rect">
-            <a:avLst/>
-          </a:prstGeom>
-          <a:noFill/>
-        </p:spPr>
-        <p:txBody>
-          <a:bodyPr wrap="square" rtlCol="0">
-            <a:spAutoFit/>
-          </a:bodyPr>
-          <a:lstStyle/>
-          <a:p>
-            <a:pPr algn="ctr"/>
-            <a:r>
-              <a:rPr lang="en-US" sz="1400" dirty="0" smtClean="0">
-                <a:solidFill>
-                  <a:schemeClr val="tx1">
-                    <a:lumMod val="75000"/>
-                    <a:lumOff val="25000"/>
-                  </a:schemeClr>
-                </a:solidFill>
-              </a:rPr>
-              <a:t>Different back-ends</a:t>
-            </a:r>
-            <a:endParaRPr lang="en-US" sz="1400" dirty="0">
-              <a:solidFill>
-                <a:schemeClr val="tx1">
-                  <a:lumMod val="75000"/>
-                  <a:lumOff val="25000"/>
-                </a:schemeClr>
-              </a:solidFill>
-            </a:endParaRPr>
-          </a:p>
-        </p:txBody>
-      </p:sp>
-      <p:sp>
-        <p:nvSpPr>
-          <p:cNvPr id="362" name="Szövegdoboz 361"/>
-          <p:cNvSpPr txBox="1"/>
-          <p:nvPr/>
-        </p:nvSpPr>
-        <p:spPr>
-          <a:xfrm>
-            <a:off x="5360456" y="6526764"/>
-            <a:ext cx="948864" cy="307777"/>
-          </a:xfrm>
-          <a:prstGeom prst="rect">
-            <a:avLst/>
-          </a:prstGeom>
-          <a:noFill/>
-        </p:spPr>
-        <p:txBody>
-          <a:bodyPr wrap="square" rtlCol="0">
-            <a:spAutoFit/>
-          </a:bodyPr>
-          <a:lstStyle/>
-          <a:p>
-            <a:pPr algn="ctr"/>
-            <a:r>
-              <a:rPr lang="en-US" sz="1400" dirty="0" smtClean="0">
-                <a:solidFill>
-                  <a:schemeClr val="tx1">
-                    <a:lumMod val="75000"/>
-                    <a:lumOff val="25000"/>
-                  </a:schemeClr>
-                </a:solidFill>
-              </a:rPr>
-              <a:t>query</a:t>
-            </a:r>
-          </a:p>
-        </p:txBody>
-      </p:sp>
-      <p:sp>
-        <p:nvSpPr>
-          <p:cNvPr id="47" name="Szövegdoboz 46"/>
-          <p:cNvSpPr txBox="1"/>
-          <p:nvPr/>
-        </p:nvSpPr>
-        <p:spPr>
-          <a:xfrm>
-            <a:off x="116629" y="128464"/>
-            <a:ext cx="1521561" cy="646331"/>
-          </a:xfrm>
-          <a:prstGeom prst="rect">
-            <a:avLst/>
-          </a:prstGeom>
-          <a:noFill/>
-        </p:spPr>
-        <p:txBody>
-          <a:bodyPr wrap="square" rtlCol="0">
-            <a:spAutoFit/>
-          </a:bodyPr>
-          <a:lstStyle/>
-          <a:p>
-            <a:pPr algn="ctr"/>
-            <a:r>
-              <a:rPr lang="en-US" dirty="0" smtClean="0"/>
-              <a:t>Infra</a:t>
-            </a:r>
-            <a:r>
-              <a:rPr lang="hu-HU" dirty="0"/>
-              <a:t>-</a:t>
-            </a:r>
-            <a:r>
-              <a:rPr lang="en-US" dirty="0" smtClean="0"/>
-              <a:t>structure</a:t>
-            </a:r>
-            <a:endParaRPr lang="en-US" dirty="0"/>
-          </a:p>
-        </p:txBody>
-      </p:sp>
-      <p:sp>
-        <p:nvSpPr>
-          <p:cNvPr id="74" name="Lekerekített téglalap 73"/>
-          <p:cNvSpPr/>
-          <p:nvPr/>
-        </p:nvSpPr>
-        <p:spPr>
-          <a:xfrm>
-            <a:off x="1770032" y="3512840"/>
-            <a:ext cx="3171136" cy="360040"/>
-          </a:xfrm>
-          <a:prstGeom prst="roundRect">
-            <a:avLst/>
-          </a:prstGeom>
-        </p:spPr>
-        <p:style>
-          <a:lnRef idx="3">
-            <a:schemeClr val="lt1"/>
-          </a:lnRef>
-          <a:fillRef idx="1">
-            <a:schemeClr val="accent1"/>
-          </a:fillRef>
-          <a:effectRef idx="1">
-            <a:schemeClr val="accent1"/>
-          </a:effectRef>
-          <a:fontRef idx="minor">
-            <a:schemeClr val="lt1"/>
-          </a:fontRef>
-        </p:style>
-        <p:txBody>
-          <a:bodyPr rtlCol="0" anchor="ctr"/>
-          <a:lstStyle/>
-          <a:p>
-            <a:pPr algn="ctr"/>
-            <a:r>
-              <a:rPr lang="hu-HU" dirty="0" err="1" smtClean="0"/>
-              <a:t>Communication</a:t>
-            </a:r>
-            <a:r>
-              <a:rPr lang="hu-HU" dirty="0" smtClean="0"/>
-              <a:t> </a:t>
-            </a:r>
-            <a:r>
-              <a:rPr lang="hu-HU" dirty="0" err="1" smtClean="0"/>
-              <a:t>layer</a:t>
-            </a:r>
-            <a:endParaRPr lang="en-US" dirty="0"/>
-          </a:p>
-        </p:txBody>
-      </p:sp>
-      <p:sp>
-        <p:nvSpPr>
-          <p:cNvPr id="75" name="Lekerekített téglalap 74"/>
-          <p:cNvSpPr/>
-          <p:nvPr/>
-        </p:nvSpPr>
-        <p:spPr>
-          <a:xfrm>
-            <a:off x="5273650" y="2552777"/>
-            <a:ext cx="1350372" cy="1320103"/>
-          </a:xfrm>
-          <a:prstGeom prst="roundRect">
-            <a:avLst/>
-          </a:prstGeom>
-        </p:spPr>
-        <p:style>
-          <a:lnRef idx="3">
-            <a:schemeClr val="lt1"/>
-          </a:lnRef>
-          <a:fillRef idx="1">
-            <a:schemeClr val="accent5"/>
-          </a:fillRef>
-          <a:effectRef idx="1">
-            <a:schemeClr val="accent5"/>
-          </a:effectRef>
-          <a:fontRef idx="minor">
-            <a:schemeClr val="lt1"/>
-          </a:fontRef>
-        </p:style>
-        <p:txBody>
-          <a:bodyPr rtlCol="0" anchor="ctr"/>
-          <a:lstStyle/>
-          <a:p>
-            <a:pPr algn="ctr"/>
-            <a:r>
-              <a:rPr lang="hu-HU" dirty="0" err="1" smtClean="0"/>
-              <a:t>Workspace</a:t>
-            </a:r>
-            <a:r>
-              <a:rPr lang="hu-HU" dirty="0" smtClean="0"/>
-              <a:t> </a:t>
-            </a:r>
-          </a:p>
-          <a:p>
-            <a:pPr algn="ctr"/>
-            <a:r>
-              <a:rPr lang="hu-HU" dirty="0" err="1" smtClean="0"/>
-              <a:t>model</a:t>
-            </a:r>
-            <a:endParaRPr lang="hu-HU" dirty="0" smtClean="0"/>
-          </a:p>
-          <a:p>
-            <a:pPr algn="ctr"/>
-            <a:r>
-              <a:rPr lang="hu-HU" dirty="0" err="1" smtClean="0"/>
-              <a:t>creator</a:t>
-            </a:r>
-            <a:endParaRPr lang="en-US" dirty="0"/>
-          </a:p>
-        </p:txBody>
-      </p:sp>
-      <p:sp>
-        <p:nvSpPr>
-          <p:cNvPr id="76" name="Lekerekített téglalap 75"/>
-          <p:cNvSpPr/>
-          <p:nvPr/>
-        </p:nvSpPr>
-        <p:spPr>
-          <a:xfrm>
-            <a:off x="3127800" y="2533727"/>
-            <a:ext cx="1813368" cy="675692"/>
-          </a:xfrm>
-          <a:prstGeom prst="roundRect">
-            <a:avLst/>
-          </a:prstGeom>
-        </p:spPr>
-        <p:style>
-          <a:lnRef idx="3">
-            <a:schemeClr val="lt1"/>
-          </a:lnRef>
-          <a:fillRef idx="1">
-            <a:schemeClr val="accent5"/>
-          </a:fillRef>
-          <a:effectRef idx="1">
-            <a:schemeClr val="accent5"/>
-          </a:effectRef>
-          <a:fontRef idx="minor">
-            <a:schemeClr val="lt1"/>
-          </a:fontRef>
-        </p:style>
-        <p:txBody>
-          <a:bodyPr rtlCol="0" anchor="ctr"/>
-          <a:lstStyle/>
-          <a:p>
-            <a:pPr algn="ctr"/>
-            <a:r>
-              <a:rPr lang="hu-HU" dirty="0" err="1" smtClean="0"/>
-              <a:t>Repo</a:t>
-            </a:r>
-            <a:r>
-              <a:rPr lang="hu-HU" dirty="0" smtClean="0"/>
-              <a:t> </a:t>
-            </a:r>
-            <a:r>
-              <a:rPr lang="hu-HU" dirty="0" err="1" smtClean="0"/>
-              <a:t>model</a:t>
-            </a:r>
-            <a:r>
-              <a:rPr lang="hu-HU" dirty="0" smtClean="0"/>
-              <a:t> </a:t>
-            </a:r>
-            <a:r>
-              <a:rPr lang="hu-HU" dirty="0" err="1" smtClean="0"/>
-              <a:t>loader</a:t>
-            </a:r>
-            <a:endParaRPr lang="en-US" dirty="0"/>
-          </a:p>
-        </p:txBody>
-      </p:sp>
-      <p:sp>
-        <p:nvSpPr>
-          <p:cNvPr id="77" name="Lekerekített téglalap 76"/>
-          <p:cNvSpPr/>
-          <p:nvPr/>
-        </p:nvSpPr>
-        <p:spPr>
-          <a:xfrm>
-            <a:off x="1784391" y="1712641"/>
-            <a:ext cx="1012276" cy="1499468"/>
-          </a:xfrm>
-          <a:prstGeom prst="roundRect">
-            <a:avLst/>
-          </a:prstGeom>
-        </p:spPr>
-        <p:style>
-          <a:lnRef idx="3">
-            <a:schemeClr val="lt1"/>
-          </a:lnRef>
-          <a:fillRef idx="1">
-            <a:schemeClr val="accent1"/>
-          </a:fillRef>
-          <a:effectRef idx="1">
-            <a:schemeClr val="accent1"/>
-          </a:effectRef>
-          <a:fontRef idx="minor">
-            <a:schemeClr val="lt1"/>
-          </a:fontRef>
-        </p:style>
-        <p:txBody>
-          <a:bodyPr rtlCol="0" anchor="ctr"/>
-          <a:lstStyle/>
-          <a:p>
-            <a:pPr algn="ctr"/>
-            <a:r>
-              <a:rPr lang="hu-HU" dirty="0" err="1" smtClean="0"/>
-              <a:t>Direct</a:t>
-            </a:r>
-            <a:r>
-              <a:rPr lang="hu-HU" dirty="0" smtClean="0"/>
-              <a:t> </a:t>
-            </a:r>
-          </a:p>
-          <a:p>
-            <a:pPr algn="ctr"/>
-            <a:r>
-              <a:rPr lang="hu-HU" dirty="0" err="1" smtClean="0"/>
-              <a:t>queries</a:t>
-            </a:r>
-            <a:endParaRPr lang="en-US" dirty="0"/>
-          </a:p>
-        </p:txBody>
-      </p:sp>
-      <p:sp>
-        <p:nvSpPr>
-          <p:cNvPr id="80" name="Lekerekített téglalap 79"/>
-          <p:cNvSpPr/>
-          <p:nvPr/>
-        </p:nvSpPr>
-        <p:spPr>
-          <a:xfrm>
-            <a:off x="3127801" y="1712640"/>
-            <a:ext cx="3496222" cy="549502"/>
-          </a:xfrm>
-          <a:prstGeom prst="roundRect">
-            <a:avLst/>
-          </a:prstGeom>
-        </p:spPr>
-        <p:style>
-          <a:lnRef idx="3">
-            <a:schemeClr val="lt1"/>
-          </a:lnRef>
-          <a:fillRef idx="1">
-            <a:schemeClr val="accent5"/>
-          </a:fillRef>
-          <a:effectRef idx="1">
-            <a:schemeClr val="accent5"/>
-          </a:effectRef>
-          <a:fontRef idx="minor">
-            <a:schemeClr val="lt1"/>
-          </a:fontRef>
-        </p:style>
-        <p:txBody>
-          <a:bodyPr rtlCol="0" anchor="ctr"/>
-          <a:lstStyle/>
-          <a:p>
-            <a:pPr algn="ctr"/>
-            <a:r>
-              <a:rPr lang="hu-HU" dirty="0" err="1" smtClean="0"/>
-              <a:t>Pattern-based</a:t>
-            </a:r>
-            <a:r>
-              <a:rPr lang="hu-HU" dirty="0" smtClean="0"/>
-              <a:t> </a:t>
-            </a:r>
-            <a:r>
-              <a:rPr lang="hu-HU" dirty="0" err="1" smtClean="0"/>
-              <a:t>queries</a:t>
-            </a:r>
-            <a:endParaRPr lang="hu-HU" dirty="0" smtClean="0"/>
-          </a:p>
-        </p:txBody>
-      </p:sp>
-      <p:sp>
-        <p:nvSpPr>
-          <p:cNvPr id="82" name="Téglalap 81"/>
-          <p:cNvSpPr/>
-          <p:nvPr/>
-        </p:nvSpPr>
-        <p:spPr>
-          <a:xfrm>
-            <a:off x="1638190" y="128464"/>
-            <a:ext cx="5103177" cy="369332"/>
-          </a:xfrm>
-          <a:prstGeom prst="rect">
-            <a:avLst/>
-          </a:prstGeom>
-        </p:spPr>
-        <p:style>
-          <a:lnRef idx="2">
-            <a:schemeClr val="accent4">
-              <a:shade val="50000"/>
-            </a:schemeClr>
-          </a:lnRef>
-          <a:fillRef idx="1">
-            <a:schemeClr val="accent4"/>
-          </a:fillRef>
-          <a:effectRef idx="0">
-            <a:schemeClr val="accent4"/>
-          </a:effectRef>
-          <a:fontRef idx="minor">
-            <a:schemeClr val="lt1"/>
-          </a:fontRef>
-        </p:style>
-        <p:txBody>
-          <a:bodyPr rtlCol="0" anchor="ctr"/>
-          <a:lstStyle/>
-          <a:p>
-            <a:pPr algn="ctr"/>
-            <a:endParaRPr lang="en-US" smtClean="0"/>
-          </a:p>
-          <a:p>
-            <a:pPr algn="ctr"/>
-            <a:endParaRPr lang="en-US" smtClean="0"/>
-          </a:p>
-          <a:p>
-            <a:pPr algn="ctr"/>
-            <a:endParaRPr lang="en-US"/>
-          </a:p>
-        </p:txBody>
-      </p:sp>
-      <p:sp>
-        <p:nvSpPr>
-          <p:cNvPr id="84" name="Szövegdoboz 83"/>
-          <p:cNvSpPr txBox="1"/>
-          <p:nvPr/>
-        </p:nvSpPr>
-        <p:spPr>
-          <a:xfrm>
-            <a:off x="1638190" y="135007"/>
-            <a:ext cx="5103177" cy="369332"/>
-          </a:xfrm>
-          <a:prstGeom prst="rect">
-            <a:avLst/>
-          </a:prstGeom>
-          <a:noFill/>
-        </p:spPr>
-        <p:txBody>
-          <a:bodyPr wrap="square" rtlCol="0">
-            <a:spAutoFit/>
-          </a:bodyPr>
-          <a:lstStyle/>
-          <a:p>
-            <a:pPr algn="ctr"/>
-            <a:r>
-              <a:rPr lang="hu-HU" dirty="0" err="1" smtClean="0"/>
-              <a:t>Eclipse</a:t>
-            </a:r>
-            <a:r>
-              <a:rPr lang="hu-HU" dirty="0" smtClean="0"/>
-              <a:t> IDE</a:t>
-            </a:r>
-            <a:endParaRPr lang="en-US" dirty="0"/>
-          </a:p>
-        </p:txBody>
-      </p:sp>
-      <p:sp>
-        <p:nvSpPr>
-          <p:cNvPr id="226" name="Téglalap 225"/>
-          <p:cNvSpPr/>
-          <p:nvPr/>
-        </p:nvSpPr>
-        <p:spPr>
-          <a:xfrm>
-            <a:off x="7173416" y="4053094"/>
-            <a:ext cx="332385" cy="298645"/>
-          </a:xfrm>
-          <a:prstGeom prst="rect">
-            <a:avLst/>
-          </a:prstGeom>
-        </p:spPr>
-        <p:style>
-          <a:lnRef idx="2">
-            <a:schemeClr val="accent1">
-              <a:shade val="50000"/>
-            </a:schemeClr>
-          </a:lnRef>
-          <a:fillRef idx="1">
-            <a:schemeClr val="accent1"/>
-          </a:fillRef>
-          <a:effectRef idx="0">
-            <a:schemeClr val="accent1"/>
-          </a:effectRef>
-          <a:fontRef idx="minor">
-            <a:schemeClr val="lt1"/>
-          </a:fontRef>
-        </p:style>
-        <p:txBody>
-          <a:bodyPr rtlCol="0" anchor="ctr"/>
-          <a:lstStyle/>
-          <a:p>
-            <a:pPr algn="ctr"/>
-            <a:endParaRPr lang="hu-HU"/>
-          </a:p>
-        </p:txBody>
-      </p:sp>
-      <p:cxnSp>
-        <p:nvCxnSpPr>
-          <p:cNvPr id="233" name="Egyenes összekötő nyíllal 232"/>
-          <p:cNvCxnSpPr/>
-          <p:nvPr/>
-        </p:nvCxnSpPr>
-        <p:spPr>
-          <a:xfrm flipV="1">
-            <a:off x="3270709" y="2226794"/>
-            <a:ext cx="0" cy="271585"/>
-          </a:xfrm>
-          <a:prstGeom prst="straightConnector1">
-            <a:avLst/>
-          </a:prstGeom>
-          <a:ln>
-            <a:tailEnd type="arrow"/>
-          </a:ln>
-        </p:spPr>
-        <p:style>
-          <a:lnRef idx="3">
-            <a:schemeClr val="accent6"/>
-          </a:lnRef>
-          <a:fillRef idx="0">
-            <a:schemeClr val="accent6"/>
-          </a:fillRef>
-          <a:effectRef idx="2">
-            <a:schemeClr val="accent6"/>
-          </a:effectRef>
-          <a:fontRef idx="minor">
-            <a:schemeClr val="tx1"/>
-          </a:fontRef>
-        </p:style>
-      </p:cxnSp>
-      <p:sp>
-        <p:nvSpPr>
-          <p:cNvPr id="85" name="Szövegdoboz 84"/>
-          <p:cNvSpPr txBox="1"/>
-          <p:nvPr/>
-        </p:nvSpPr>
-        <p:spPr>
-          <a:xfrm>
-            <a:off x="3346448" y="2262142"/>
-            <a:ext cx="1594720" cy="307777"/>
-          </a:xfrm>
-          <a:prstGeom prst="rect">
-            <a:avLst/>
-          </a:prstGeom>
-          <a:noFill/>
-        </p:spPr>
-        <p:txBody>
-          <a:bodyPr wrap="square" rtlCol="0">
-            <a:spAutoFit/>
-          </a:bodyPr>
-          <a:lstStyle/>
-          <a:p>
-            <a:pPr algn="ctr"/>
-            <a:r>
-              <a:rPr lang="hu-HU" sz="1400" dirty="0" err="1" smtClean="0">
-                <a:solidFill>
-                  <a:schemeClr val="tx1">
-                    <a:lumMod val="75000"/>
-                    <a:lumOff val="25000"/>
-                  </a:schemeClr>
-                </a:solidFill>
-              </a:rPr>
-              <a:t>Repo</a:t>
-            </a:r>
-            <a:r>
-              <a:rPr lang="hu-HU" sz="1400" dirty="0" smtClean="0">
-                <a:solidFill>
-                  <a:schemeClr val="tx1">
-                    <a:lumMod val="75000"/>
-                    <a:lumOff val="25000"/>
-                  </a:schemeClr>
-                </a:solidFill>
-              </a:rPr>
-              <a:t> EMF </a:t>
-            </a:r>
-            <a:r>
-              <a:rPr lang="hu-HU" sz="1400" dirty="0" err="1" smtClean="0">
-                <a:solidFill>
-                  <a:schemeClr val="tx1">
-                    <a:lumMod val="75000"/>
-                    <a:lumOff val="25000"/>
-                  </a:schemeClr>
-                </a:solidFill>
-              </a:rPr>
-              <a:t>model</a:t>
-            </a:r>
-            <a:endParaRPr lang="en-US" sz="1400" dirty="0">
-              <a:solidFill>
-                <a:schemeClr val="tx1">
-                  <a:lumMod val="75000"/>
-                  <a:lumOff val="25000"/>
-                </a:schemeClr>
-              </a:solidFill>
-            </a:endParaRPr>
-          </a:p>
-        </p:txBody>
-      </p:sp>
-      <p:cxnSp>
-        <p:nvCxnSpPr>
-          <p:cNvPr id="86" name="Egyenes összekötő nyíllal 85"/>
-          <p:cNvCxnSpPr/>
-          <p:nvPr/>
-        </p:nvCxnSpPr>
-        <p:spPr>
-          <a:xfrm flipV="1">
-            <a:off x="6381328" y="2251403"/>
-            <a:ext cx="0" cy="271585"/>
-          </a:xfrm>
-          <a:prstGeom prst="straightConnector1">
-            <a:avLst/>
-          </a:prstGeom>
-          <a:ln>
-            <a:tailEnd type="arrow"/>
-          </a:ln>
-        </p:spPr>
-        <p:style>
-          <a:lnRef idx="3">
-            <a:schemeClr val="accent6"/>
-          </a:lnRef>
-          <a:fillRef idx="0">
-            <a:schemeClr val="accent6"/>
-          </a:fillRef>
-          <a:effectRef idx="2">
-            <a:schemeClr val="accent6"/>
-          </a:effectRef>
-          <a:fontRef idx="minor">
-            <a:schemeClr val="tx1"/>
-          </a:fontRef>
-        </p:style>
-      </p:cxnSp>
-      <p:sp>
-        <p:nvSpPr>
-          <p:cNvPr id="87" name="Szövegdoboz 86"/>
-          <p:cNvSpPr txBox="1"/>
-          <p:nvPr/>
-        </p:nvSpPr>
-        <p:spPr>
-          <a:xfrm>
-            <a:off x="5013176" y="2262142"/>
-            <a:ext cx="1378696" cy="307777"/>
-          </a:xfrm>
-          <a:prstGeom prst="rect">
-            <a:avLst/>
-          </a:prstGeom>
-          <a:noFill/>
-        </p:spPr>
-        <p:txBody>
-          <a:bodyPr wrap="square" rtlCol="0">
-            <a:spAutoFit/>
-          </a:bodyPr>
-          <a:lstStyle/>
-          <a:p>
-            <a:pPr algn="ctr"/>
-            <a:r>
-              <a:rPr lang="hu-HU" sz="1400" dirty="0" err="1" smtClean="0">
-                <a:solidFill>
-                  <a:schemeClr val="tx1">
-                    <a:lumMod val="75000"/>
-                    <a:lumOff val="25000"/>
-                  </a:schemeClr>
-                </a:solidFill>
-              </a:rPr>
-              <a:t>Ws</a:t>
-            </a:r>
-            <a:r>
-              <a:rPr lang="hu-HU" sz="1400" dirty="0" smtClean="0">
-                <a:solidFill>
-                  <a:schemeClr val="tx1">
-                    <a:lumMod val="75000"/>
-                    <a:lumOff val="25000"/>
-                  </a:schemeClr>
-                </a:solidFill>
-              </a:rPr>
-              <a:t> EMF </a:t>
-            </a:r>
-            <a:r>
-              <a:rPr lang="hu-HU" sz="1400" dirty="0" err="1" smtClean="0">
-                <a:solidFill>
-                  <a:schemeClr val="tx1">
-                    <a:lumMod val="75000"/>
-                    <a:lumOff val="25000"/>
-                  </a:schemeClr>
-                </a:solidFill>
-              </a:rPr>
-              <a:t>model</a:t>
-            </a:r>
-            <a:endParaRPr lang="en-US" sz="1400" dirty="0">
-              <a:solidFill>
-                <a:schemeClr val="tx1">
-                  <a:lumMod val="75000"/>
-                  <a:lumOff val="25000"/>
-                </a:schemeClr>
-              </a:solidFill>
-            </a:endParaRPr>
-          </a:p>
-        </p:txBody>
-      </p:sp>
-      <p:cxnSp>
-        <p:nvCxnSpPr>
-          <p:cNvPr id="111" name="Görbe összekötő 110"/>
-          <p:cNvCxnSpPr>
-            <a:stCxn id="34" idx="0"/>
-            <a:endCxn id="45" idx="0"/>
-          </p:cNvCxnSpPr>
-          <p:nvPr/>
-        </p:nvCxnSpPr>
-        <p:spPr>
-          <a:xfrm rot="16200000" flipH="1">
-            <a:off x="3373454" y="4432437"/>
-            <a:ext cx="2" cy="1593807"/>
-          </a:xfrm>
-          <a:prstGeom prst="curvedConnector3">
-            <a:avLst>
-              <a:gd name="adj1" fmla="val -11430000000"/>
-            </a:avLst>
-          </a:prstGeom>
-          <a:ln>
-            <a:tailEnd type="arrow"/>
-          </a:ln>
-        </p:spPr>
-        <p:style>
-          <a:lnRef idx="3">
-            <a:schemeClr val="accent6"/>
-          </a:lnRef>
-          <a:fillRef idx="0">
-            <a:schemeClr val="accent6"/>
-          </a:fillRef>
-          <a:effectRef idx="2">
-            <a:schemeClr val="accent6"/>
-          </a:effectRef>
-          <a:fontRef idx="minor">
-            <a:schemeClr val="tx1"/>
-          </a:fontRef>
-        </p:style>
-      </p:cxnSp>
-    </p:spTree>
-    <p:extLst>
-      <p:ext uri="{BB962C8B-B14F-4D97-AF65-F5344CB8AC3E}">
-        <p14:creationId xmlns:p14="http://schemas.microsoft.com/office/powerpoint/2010/main" val="3370761508"/>
-      </p:ext>
-    </p:extLst>
-  </p:cSld>
-  <p:clrMapOvr>
-    <a:masterClrMapping/>
-  </p:clrMapOvr>
-  <p:timing>
-    <p:tnLst>
-      <p:par>
-        <p:cTn id="1" dur="indefinite" restart="never" nodeType="tmRoot"/>
-      </p:par>
-    </p:tnLst>
-  </p:timing>
-</p:sld>
-</file>
-
-<file path=ppt/slides/slide3.xml><?xml version="1.0" encoding="utf-8"?>
-<p:sld xmlns:a="http://schemas.openxmlformats.org/drawingml/2006/main" xmlns:r="http://schemas.openxmlformats.org/officeDocument/2006/relationships" xmlns:p="http://schemas.openxmlformats.org/presentationml/2006/main">
-  <p:cSld>
-    <p:spTree>
-      <p:nvGrpSpPr>
-        <p:cNvPr id="1" name=""/>
-        <p:cNvGrpSpPr/>
-        <p:nvPr/>
-      </p:nvGrpSpPr>
-      <p:grpSpPr>
-        <a:xfrm>
-          <a:off x="0" y="0"/>
-          <a:ext cx="0" cy="0"/>
-          <a:chOff x="0" y="0"/>
-          <a:chExt cx="0" cy="0"/>
-        </a:xfrm>
-      </p:grpSpPr>
-      <p:sp>
-        <p:nvSpPr>
           <p:cNvPr id="2" name="Snip Single Corner Rectangle 1"/>
           <p:cNvSpPr/>
           <p:nvPr/>
@@ -8398,6 +8928,1357 @@
 </p:sld>
 </file>
 
+<file path=ppt/slides/slide3.xml><?xml version="1.0" encoding="utf-8"?>
+<p:sld xmlns:a="http://schemas.openxmlformats.org/drawingml/2006/main" xmlns:r="http://schemas.openxmlformats.org/officeDocument/2006/relationships" xmlns:p="http://schemas.openxmlformats.org/presentationml/2006/main">
+  <p:cSld>
+    <p:spTree>
+      <p:nvGrpSpPr>
+        <p:cNvPr id="1" name=""/>
+        <p:cNvGrpSpPr/>
+        <p:nvPr/>
+      </p:nvGrpSpPr>
+      <p:grpSpPr>
+        <a:xfrm>
+          <a:off x="0" y="0"/>
+          <a:ext cx="0" cy="0"/>
+          <a:chOff x="0" y="0"/>
+          <a:chExt cx="0" cy="0"/>
+        </a:xfrm>
+      </p:grpSpPr>
+      <p:sp>
+        <p:nvSpPr>
+          <p:cNvPr id="2" name="Rectangle 1"/>
+          <p:cNvSpPr/>
+          <p:nvPr/>
+        </p:nvSpPr>
+        <p:spPr>
+          <a:xfrm>
+            <a:off x="1660552" y="920552"/>
+            <a:ext cx="720079" cy="648072"/>
+          </a:xfrm>
+          <a:prstGeom prst="rect">
+            <a:avLst/>
+          </a:prstGeom>
+        </p:spPr>
+        <p:style>
+          <a:lnRef idx="2">
+            <a:schemeClr val="accent1"/>
+          </a:lnRef>
+          <a:fillRef idx="1">
+            <a:schemeClr val="lt1"/>
+          </a:fillRef>
+          <a:effectRef idx="0">
+            <a:schemeClr val="accent1"/>
+          </a:effectRef>
+          <a:fontRef idx="minor">
+            <a:schemeClr val="dk1"/>
+          </a:fontRef>
+        </p:style>
+        <p:txBody>
+          <a:bodyPr rtlCol="0" anchor="ctr"/>
+          <a:lstStyle/>
+          <a:p>
+            <a:pPr algn="ctr"/>
+            <a:r>
+              <a:rPr lang="hu-HU" sz="1100" dirty="0" smtClean="0"/>
+              <a:t>Constant pool</a:t>
+            </a:r>
+            <a:endParaRPr lang="en-US" sz="1100" dirty="0"/>
+          </a:p>
+        </p:txBody>
+      </p:sp>
+      <p:sp>
+        <p:nvSpPr>
+          <p:cNvPr id="3" name="Rectangle 2"/>
+          <p:cNvSpPr/>
+          <p:nvPr/>
+        </p:nvSpPr>
+        <p:spPr>
+          <a:xfrm>
+            <a:off x="1024931" y="920552"/>
+            <a:ext cx="635620" cy="648072"/>
+          </a:xfrm>
+          <a:prstGeom prst="rect">
+            <a:avLst/>
+          </a:prstGeom>
+        </p:spPr>
+        <p:style>
+          <a:lnRef idx="2">
+            <a:schemeClr val="accent1"/>
+          </a:lnRef>
+          <a:fillRef idx="1">
+            <a:schemeClr val="lt1"/>
+          </a:fillRef>
+          <a:effectRef idx="0">
+            <a:schemeClr val="accent1"/>
+          </a:effectRef>
+          <a:fontRef idx="minor">
+            <a:schemeClr val="dk1"/>
+          </a:fontRef>
+        </p:style>
+        <p:txBody>
+          <a:bodyPr rtlCol="0" anchor="ctr"/>
+          <a:lstStyle/>
+          <a:p>
+            <a:pPr algn="ctr"/>
+            <a:r>
+              <a:rPr lang="hu-HU" sz="1100" dirty="0" smtClean="0"/>
+              <a:t>Header</a:t>
+            </a:r>
+            <a:endParaRPr lang="en-US" sz="1100" dirty="0"/>
+          </a:p>
+        </p:txBody>
+      </p:sp>
+      <p:sp>
+        <p:nvSpPr>
+          <p:cNvPr id="7" name="Rectangle 6"/>
+          <p:cNvSpPr/>
+          <p:nvPr/>
+        </p:nvSpPr>
+        <p:spPr>
+          <a:xfrm>
+            <a:off x="2380632" y="920552"/>
+            <a:ext cx="576063" cy="648072"/>
+          </a:xfrm>
+          <a:prstGeom prst="rect">
+            <a:avLst/>
+          </a:prstGeom>
+        </p:spPr>
+        <p:style>
+          <a:lnRef idx="2">
+            <a:schemeClr val="accent1"/>
+          </a:lnRef>
+          <a:fillRef idx="1">
+            <a:schemeClr val="lt1"/>
+          </a:fillRef>
+          <a:effectRef idx="0">
+            <a:schemeClr val="accent1"/>
+          </a:effectRef>
+          <a:fontRef idx="minor">
+            <a:schemeClr val="dk1"/>
+          </a:fontRef>
+        </p:style>
+        <p:txBody>
+          <a:bodyPr rtlCol="0" anchor="ctr"/>
+          <a:lstStyle/>
+          <a:p>
+            <a:pPr algn="ctr"/>
+            <a:r>
+              <a:rPr lang="hu-HU" sz="1100" dirty="0" smtClean="0"/>
+              <a:t>Access rights</a:t>
+            </a:r>
+            <a:endParaRPr lang="en-US" sz="1100" dirty="0"/>
+          </a:p>
+        </p:txBody>
+      </p:sp>
+      <p:sp>
+        <p:nvSpPr>
+          <p:cNvPr id="8" name="Rectangle 7"/>
+          <p:cNvSpPr/>
+          <p:nvPr/>
+        </p:nvSpPr>
+        <p:spPr>
+          <a:xfrm>
+            <a:off x="2956695" y="920552"/>
+            <a:ext cx="1008111" cy="648072"/>
+          </a:xfrm>
+          <a:prstGeom prst="rect">
+            <a:avLst/>
+          </a:prstGeom>
+        </p:spPr>
+        <p:style>
+          <a:lnRef idx="2">
+            <a:schemeClr val="accent1"/>
+          </a:lnRef>
+          <a:fillRef idx="1">
+            <a:schemeClr val="lt1"/>
+          </a:fillRef>
+          <a:effectRef idx="0">
+            <a:schemeClr val="accent1"/>
+          </a:effectRef>
+          <a:fontRef idx="minor">
+            <a:schemeClr val="dk1"/>
+          </a:fontRef>
+        </p:style>
+        <p:txBody>
+          <a:bodyPr rtlCol="0" anchor="ctr"/>
+          <a:lstStyle/>
+          <a:p>
+            <a:pPr algn="ctr"/>
+            <a:r>
+              <a:rPr lang="hu-HU" sz="1100" dirty="0" smtClean="0"/>
+              <a:t>Implemented interfaces</a:t>
+            </a:r>
+            <a:endParaRPr lang="en-US" sz="1100" dirty="0"/>
+          </a:p>
+        </p:txBody>
+      </p:sp>
+      <p:sp>
+        <p:nvSpPr>
+          <p:cNvPr id="9" name="Rectangle 8"/>
+          <p:cNvSpPr/>
+          <p:nvPr/>
+        </p:nvSpPr>
+        <p:spPr>
+          <a:xfrm>
+            <a:off x="3964806" y="920552"/>
+            <a:ext cx="576065" cy="648072"/>
+          </a:xfrm>
+          <a:prstGeom prst="rect">
+            <a:avLst/>
+          </a:prstGeom>
+        </p:spPr>
+        <p:style>
+          <a:lnRef idx="2">
+            <a:schemeClr val="accent1"/>
+          </a:lnRef>
+          <a:fillRef idx="1">
+            <a:schemeClr val="lt1"/>
+          </a:fillRef>
+          <a:effectRef idx="0">
+            <a:schemeClr val="accent1"/>
+          </a:effectRef>
+          <a:fontRef idx="minor">
+            <a:schemeClr val="dk1"/>
+          </a:fontRef>
+        </p:style>
+        <p:txBody>
+          <a:bodyPr rtlCol="0" anchor="ctr"/>
+          <a:lstStyle/>
+          <a:p>
+            <a:pPr algn="ctr"/>
+            <a:r>
+              <a:rPr lang="hu-HU" sz="1100" dirty="0" smtClean="0"/>
+              <a:t>Fields</a:t>
+            </a:r>
+            <a:endParaRPr lang="en-US" sz="1100" dirty="0"/>
+          </a:p>
+        </p:txBody>
+      </p:sp>
+      <p:sp>
+        <p:nvSpPr>
+          <p:cNvPr id="10" name="Rectangle 9"/>
+          <p:cNvSpPr/>
+          <p:nvPr/>
+        </p:nvSpPr>
+        <p:spPr>
+          <a:xfrm>
+            <a:off x="4540872" y="920552"/>
+            <a:ext cx="720079" cy="648072"/>
+          </a:xfrm>
+          <a:prstGeom prst="rect">
+            <a:avLst/>
+          </a:prstGeom>
+        </p:spPr>
+        <p:style>
+          <a:lnRef idx="2">
+            <a:schemeClr val="accent1"/>
+          </a:lnRef>
+          <a:fillRef idx="1">
+            <a:schemeClr val="lt1"/>
+          </a:fillRef>
+          <a:effectRef idx="0">
+            <a:schemeClr val="accent1"/>
+          </a:effectRef>
+          <a:fontRef idx="minor">
+            <a:schemeClr val="dk1"/>
+          </a:fontRef>
+        </p:style>
+        <p:txBody>
+          <a:bodyPr rtlCol="0" anchor="ctr"/>
+          <a:lstStyle/>
+          <a:p>
+            <a:pPr algn="ctr"/>
+            <a:r>
+              <a:rPr lang="hu-HU" sz="1100" dirty="0" smtClean="0"/>
+              <a:t>Methods</a:t>
+            </a:r>
+            <a:endParaRPr lang="en-US" sz="1100" dirty="0"/>
+          </a:p>
+        </p:txBody>
+      </p:sp>
+      <p:sp>
+        <p:nvSpPr>
+          <p:cNvPr id="11" name="Rectangle 10"/>
+          <p:cNvSpPr/>
+          <p:nvPr/>
+        </p:nvSpPr>
+        <p:spPr>
+          <a:xfrm>
+            <a:off x="5260952" y="920552"/>
+            <a:ext cx="792088" cy="648072"/>
+          </a:xfrm>
+          <a:prstGeom prst="rect">
+            <a:avLst/>
+          </a:prstGeom>
+        </p:spPr>
+        <p:style>
+          <a:lnRef idx="2">
+            <a:schemeClr val="accent1"/>
+          </a:lnRef>
+          <a:fillRef idx="1">
+            <a:schemeClr val="lt1"/>
+          </a:fillRef>
+          <a:effectRef idx="0">
+            <a:schemeClr val="accent1"/>
+          </a:effectRef>
+          <a:fontRef idx="minor">
+            <a:schemeClr val="dk1"/>
+          </a:fontRef>
+        </p:style>
+        <p:txBody>
+          <a:bodyPr rtlCol="0" anchor="ctr"/>
+          <a:lstStyle/>
+          <a:p>
+            <a:pPr algn="ctr"/>
+            <a:r>
+              <a:rPr lang="hu-HU" sz="1100" dirty="0" smtClean="0"/>
+              <a:t>Class attributes</a:t>
+            </a:r>
+            <a:endParaRPr lang="en-US" sz="1100" dirty="0"/>
+          </a:p>
+        </p:txBody>
+      </p:sp>
+      <p:sp>
+        <p:nvSpPr>
+          <p:cNvPr id="12" name="Rectangle 11"/>
+          <p:cNvSpPr/>
+          <p:nvPr/>
+        </p:nvSpPr>
+        <p:spPr>
+          <a:xfrm>
+            <a:off x="1191642" y="1928664"/>
+            <a:ext cx="1499716" cy="792088"/>
+          </a:xfrm>
+          <a:prstGeom prst="rect">
+            <a:avLst/>
+          </a:prstGeom>
+        </p:spPr>
+        <p:style>
+          <a:lnRef idx="2">
+            <a:schemeClr val="accent1"/>
+          </a:lnRef>
+          <a:fillRef idx="1">
+            <a:schemeClr val="lt1"/>
+          </a:fillRef>
+          <a:effectRef idx="0">
+            <a:schemeClr val="accent1"/>
+          </a:effectRef>
+          <a:fontRef idx="minor">
+            <a:schemeClr val="dk1"/>
+          </a:fontRef>
+        </p:style>
+        <p:txBody>
+          <a:bodyPr rtlCol="0" anchor="ctr"/>
+          <a:lstStyle/>
+          <a:p>
+            <a:pPr algn="ctr"/>
+            <a:endParaRPr lang="en-US" sz="1000" dirty="0" smtClean="0">
+              <a:cs typeface="Courier New" pitchFamily="49" charset="0"/>
+            </a:endParaRPr>
+          </a:p>
+          <a:p>
+            <a:pPr algn="ctr"/>
+            <a:r>
+              <a:rPr lang="en-US" sz="1000" dirty="0" smtClean="0">
+                <a:cs typeface="Courier New" pitchFamily="49" charset="0"/>
+              </a:rPr>
+              <a:t>“</a:t>
+            </a:r>
+            <a:r>
+              <a:rPr lang="en-US" sz="1000" dirty="0" err="1" smtClean="0">
+                <a:cs typeface="Courier New" pitchFamily="49" charset="0"/>
+              </a:rPr>
+              <a:t>println</a:t>
+            </a:r>
+            <a:r>
+              <a:rPr lang="en-US" sz="1000" dirty="0" smtClean="0">
+                <a:cs typeface="Courier New" pitchFamily="49" charset="0"/>
+              </a:rPr>
+              <a:t>”</a:t>
+            </a:r>
+          </a:p>
+          <a:p>
+            <a:pPr algn="ctr"/>
+            <a:r>
+              <a:rPr lang="en-US" sz="1000" dirty="0" smtClean="0">
+                <a:cs typeface="Courier New" pitchFamily="49" charset="0"/>
+              </a:rPr>
+              <a:t>“</a:t>
+            </a:r>
+            <a:r>
+              <a:rPr lang="hu-HU" sz="1000" dirty="0" smtClean="0">
+                <a:cs typeface="Courier New" pitchFamily="49" charset="0"/>
+              </a:rPr>
+              <a:t>(</a:t>
+            </a:r>
+            <a:r>
+              <a:rPr lang="en-US" sz="1000" dirty="0" err="1" smtClean="0">
+                <a:cs typeface="Courier New" pitchFamily="49" charset="0"/>
+              </a:rPr>
+              <a:t>Ljava</a:t>
+            </a:r>
+            <a:r>
+              <a:rPr lang="en-US" sz="1000" dirty="0" smtClean="0">
+                <a:cs typeface="Courier New" pitchFamily="49" charset="0"/>
+              </a:rPr>
+              <a:t>/</a:t>
+            </a:r>
+            <a:r>
+              <a:rPr lang="en-US" sz="1000" dirty="0" err="1" smtClean="0">
+                <a:cs typeface="Courier New" pitchFamily="49" charset="0"/>
+              </a:rPr>
+              <a:t>lang</a:t>
+            </a:r>
+            <a:r>
+              <a:rPr lang="en-US" sz="1000" dirty="0" smtClean="0">
+                <a:cs typeface="Courier New" pitchFamily="49" charset="0"/>
+              </a:rPr>
+              <a:t>/String;</a:t>
+            </a:r>
+            <a:r>
+              <a:rPr lang="hu-HU" sz="1000" dirty="0" smtClean="0">
+                <a:cs typeface="Courier New" pitchFamily="49" charset="0"/>
+              </a:rPr>
+              <a:t>)V</a:t>
+            </a:r>
+            <a:r>
+              <a:rPr lang="en-US" sz="1000" dirty="0" smtClean="0">
+                <a:cs typeface="Courier New" pitchFamily="49" charset="0"/>
+              </a:rPr>
+              <a:t>”</a:t>
+            </a:r>
+            <a:endParaRPr lang="hu-HU" sz="1000" dirty="0" smtClean="0">
+              <a:cs typeface="Courier New" pitchFamily="49" charset="0"/>
+            </a:endParaRPr>
+          </a:p>
+          <a:p>
+            <a:pPr algn="ctr"/>
+            <a:r>
+              <a:rPr lang="hu-HU" sz="1000" dirty="0" smtClean="0">
+                <a:cs typeface="Courier New" pitchFamily="49" charset="0"/>
+              </a:rPr>
+              <a:t>”java.io.PrintStream”</a:t>
+            </a:r>
+            <a:endParaRPr lang="en-US" sz="1000" dirty="0">
+              <a:cs typeface="Courier New" pitchFamily="49" charset="0"/>
+            </a:endParaRPr>
+          </a:p>
+        </p:txBody>
+      </p:sp>
+      <p:sp>
+        <p:nvSpPr>
+          <p:cNvPr id="4" name="TextBox 3"/>
+          <p:cNvSpPr txBox="1"/>
+          <p:nvPr/>
+        </p:nvSpPr>
+        <p:spPr>
+          <a:xfrm>
+            <a:off x="1191642" y="1928664"/>
+            <a:ext cx="1499716" cy="261610"/>
+          </a:xfrm>
+          <a:prstGeom prst="rect">
+            <a:avLst/>
+          </a:prstGeom>
+          <a:noFill/>
+        </p:spPr>
+        <p:txBody>
+          <a:bodyPr wrap="square" rtlCol="0">
+            <a:spAutoFit/>
+          </a:bodyPr>
+          <a:lstStyle/>
+          <a:p>
+            <a:pPr algn="ctr"/>
+            <a:r>
+              <a:rPr lang="en-US" sz="1100" b="1" dirty="0" err="1" smtClean="0"/>
+              <a:t>ConstantMethodRef</a:t>
+            </a:r>
+            <a:endParaRPr lang="en-US" sz="1100" b="1" dirty="0"/>
+          </a:p>
+        </p:txBody>
+      </p:sp>
+      <p:sp>
+        <p:nvSpPr>
+          <p:cNvPr id="13" name="Rectangle 12"/>
+          <p:cNvSpPr/>
+          <p:nvPr/>
+        </p:nvSpPr>
+        <p:spPr>
+          <a:xfrm>
+            <a:off x="1191642" y="2720752"/>
+            <a:ext cx="1499716" cy="792088"/>
+          </a:xfrm>
+          <a:prstGeom prst="rect">
+            <a:avLst/>
+          </a:prstGeom>
+        </p:spPr>
+        <p:style>
+          <a:lnRef idx="2">
+            <a:schemeClr val="accent1"/>
+          </a:lnRef>
+          <a:fillRef idx="1">
+            <a:schemeClr val="lt1"/>
+          </a:fillRef>
+          <a:effectRef idx="0">
+            <a:schemeClr val="accent1"/>
+          </a:effectRef>
+          <a:fontRef idx="minor">
+            <a:schemeClr val="dk1"/>
+          </a:fontRef>
+        </p:style>
+        <p:txBody>
+          <a:bodyPr rtlCol="0" anchor="ctr"/>
+          <a:lstStyle/>
+          <a:p>
+            <a:pPr algn="ctr"/>
+            <a:endParaRPr lang="en-US" sz="1000" dirty="0" smtClean="0">
+              <a:cs typeface="Courier New" pitchFamily="49" charset="0"/>
+            </a:endParaRPr>
+          </a:p>
+          <a:p>
+            <a:pPr algn="ctr"/>
+            <a:r>
+              <a:rPr lang="en-US" sz="1000" dirty="0" smtClean="0">
+                <a:cs typeface="Courier New" pitchFamily="49" charset="0"/>
+              </a:rPr>
+              <a:t>“</a:t>
+            </a:r>
+            <a:r>
+              <a:rPr lang="en-US" sz="1000" dirty="0" err="1" smtClean="0">
+                <a:cs typeface="Courier New" pitchFamily="49" charset="0"/>
+              </a:rPr>
+              <a:t>varName</a:t>
+            </a:r>
+            <a:r>
+              <a:rPr lang="en-US" sz="1000" dirty="0" smtClean="0">
+                <a:cs typeface="Courier New" pitchFamily="49" charset="0"/>
+              </a:rPr>
+              <a:t>”</a:t>
+            </a:r>
+          </a:p>
+          <a:p>
+            <a:pPr algn="ctr"/>
+            <a:r>
+              <a:rPr lang="en-US" sz="1000" dirty="0" smtClean="0">
+                <a:cs typeface="Courier New" pitchFamily="49" charset="0"/>
+              </a:rPr>
+              <a:t>“</a:t>
+            </a:r>
+            <a:r>
+              <a:rPr lang="en-US" sz="1000" dirty="0" smtClean="0">
+                <a:cs typeface="Courier New" pitchFamily="49" charset="0"/>
+              </a:rPr>
+              <a:t>[</a:t>
+            </a:r>
+            <a:r>
+              <a:rPr lang="en-US" sz="1000" dirty="0" err="1" smtClean="0">
+                <a:cs typeface="Courier New" pitchFamily="49" charset="0"/>
+              </a:rPr>
+              <a:t>Ljava</a:t>
+            </a:r>
+            <a:r>
+              <a:rPr lang="en-US" sz="1000" dirty="0" smtClean="0">
+                <a:cs typeface="Courier New" pitchFamily="49" charset="0"/>
+              </a:rPr>
+              <a:t>/</a:t>
+            </a:r>
+            <a:r>
+              <a:rPr lang="en-US" sz="1000" dirty="0" err="1" smtClean="0">
+                <a:cs typeface="Courier New" pitchFamily="49" charset="0"/>
+              </a:rPr>
+              <a:t>lang</a:t>
+            </a:r>
+            <a:r>
+              <a:rPr lang="en-US" sz="1000" dirty="0" smtClean="0">
+                <a:cs typeface="Courier New" pitchFamily="49" charset="0"/>
+              </a:rPr>
+              <a:t>/Object;</a:t>
+            </a:r>
+            <a:r>
+              <a:rPr lang="en-US" sz="1000" dirty="0" smtClean="0">
+                <a:cs typeface="Courier New" pitchFamily="49" charset="0"/>
+              </a:rPr>
+              <a:t>”</a:t>
+            </a:r>
+            <a:endParaRPr lang="hu-HU" sz="1000" dirty="0" smtClean="0">
+              <a:cs typeface="Courier New" pitchFamily="49" charset="0"/>
+            </a:endParaRPr>
+          </a:p>
+          <a:p>
+            <a:pPr algn="ctr"/>
+            <a:r>
+              <a:rPr lang="hu-HU" sz="1000" dirty="0" smtClean="0">
+                <a:cs typeface="Courier New" pitchFamily="49" charset="0"/>
+              </a:rPr>
+              <a:t>”</a:t>
+            </a:r>
+            <a:r>
+              <a:rPr lang="en-US" sz="1000" dirty="0" err="1" smtClean="0">
+                <a:cs typeface="Courier New" pitchFamily="49" charset="0"/>
+              </a:rPr>
+              <a:t>HelloWorld</a:t>
+            </a:r>
+            <a:r>
+              <a:rPr lang="hu-HU" sz="1000" dirty="0" smtClean="0">
+                <a:cs typeface="Courier New" pitchFamily="49" charset="0"/>
+              </a:rPr>
+              <a:t>”</a:t>
+            </a:r>
+            <a:endParaRPr lang="en-US" sz="1000" dirty="0">
+              <a:cs typeface="Courier New" pitchFamily="49" charset="0"/>
+            </a:endParaRPr>
+          </a:p>
+        </p:txBody>
+      </p:sp>
+      <p:sp>
+        <p:nvSpPr>
+          <p:cNvPr id="14" name="TextBox 13"/>
+          <p:cNvSpPr txBox="1"/>
+          <p:nvPr/>
+        </p:nvSpPr>
+        <p:spPr>
+          <a:xfrm>
+            <a:off x="1209204" y="2720752"/>
+            <a:ext cx="1499716" cy="261610"/>
+          </a:xfrm>
+          <a:prstGeom prst="rect">
+            <a:avLst/>
+          </a:prstGeom>
+          <a:noFill/>
+        </p:spPr>
+        <p:txBody>
+          <a:bodyPr wrap="square" rtlCol="0">
+            <a:spAutoFit/>
+          </a:bodyPr>
+          <a:lstStyle/>
+          <a:p>
+            <a:pPr algn="ctr"/>
+            <a:r>
+              <a:rPr lang="en-US" sz="1100" b="1" dirty="0" err="1" smtClean="0"/>
+              <a:t>ConstantFieldRef</a:t>
+            </a:r>
+            <a:endParaRPr lang="en-US" sz="1100" b="1" dirty="0"/>
+          </a:p>
+        </p:txBody>
+      </p:sp>
+      <p:sp>
+        <p:nvSpPr>
+          <p:cNvPr id="15" name="Rectangle 14"/>
+          <p:cNvSpPr/>
+          <p:nvPr/>
+        </p:nvSpPr>
+        <p:spPr>
+          <a:xfrm>
+            <a:off x="1191642" y="4079007"/>
+            <a:ext cx="1499716" cy="576064"/>
+          </a:xfrm>
+          <a:prstGeom prst="rect">
+            <a:avLst/>
+          </a:prstGeom>
+        </p:spPr>
+        <p:style>
+          <a:lnRef idx="2">
+            <a:schemeClr val="accent1"/>
+          </a:lnRef>
+          <a:fillRef idx="1">
+            <a:schemeClr val="lt1"/>
+          </a:fillRef>
+          <a:effectRef idx="0">
+            <a:schemeClr val="accent1"/>
+          </a:effectRef>
+          <a:fontRef idx="minor">
+            <a:schemeClr val="dk1"/>
+          </a:fontRef>
+        </p:style>
+        <p:txBody>
+          <a:bodyPr rtlCol="0" anchor="ctr"/>
+          <a:lstStyle/>
+          <a:p>
+            <a:pPr algn="ctr"/>
+            <a:endParaRPr lang="en-US" sz="1000" dirty="0" smtClean="0">
+              <a:cs typeface="Courier New" pitchFamily="49" charset="0"/>
+            </a:endParaRPr>
+          </a:p>
+          <a:p>
+            <a:pPr algn="ctr"/>
+            <a:endParaRPr lang="en-US" sz="1000" dirty="0">
+              <a:cs typeface="Courier New" pitchFamily="49" charset="0"/>
+            </a:endParaRPr>
+          </a:p>
+          <a:p>
+            <a:pPr algn="ctr"/>
+            <a:r>
+              <a:rPr lang="en-US" sz="1000" dirty="0" smtClean="0">
+                <a:cs typeface="Courier New" pitchFamily="49" charset="0"/>
+              </a:rPr>
+              <a:t>“java/</a:t>
+            </a:r>
+            <a:r>
+              <a:rPr lang="en-US" sz="1000" dirty="0" err="1" smtClean="0">
+                <a:cs typeface="Courier New" pitchFamily="49" charset="0"/>
+              </a:rPr>
+              <a:t>io</a:t>
+            </a:r>
+            <a:r>
+              <a:rPr lang="en-US" sz="1000" dirty="0" smtClean="0">
+                <a:cs typeface="Courier New" pitchFamily="49" charset="0"/>
+              </a:rPr>
+              <a:t>/</a:t>
+            </a:r>
+            <a:r>
+              <a:rPr lang="en-US" sz="1000" dirty="0" err="1" smtClean="0">
+                <a:cs typeface="Courier New" pitchFamily="49" charset="0"/>
+              </a:rPr>
+              <a:t>PrintStream</a:t>
+            </a:r>
+            <a:r>
+              <a:rPr lang="en-US" sz="1000" dirty="0" smtClean="0">
+                <a:cs typeface="Courier New" pitchFamily="49" charset="0"/>
+              </a:rPr>
+              <a:t>”</a:t>
+            </a:r>
+          </a:p>
+          <a:p>
+            <a:pPr algn="ctr"/>
+            <a:endParaRPr lang="hu-HU" sz="1000" dirty="0" smtClean="0">
+              <a:cs typeface="Courier New" pitchFamily="49" charset="0"/>
+            </a:endParaRPr>
+          </a:p>
+        </p:txBody>
+      </p:sp>
+      <p:sp>
+        <p:nvSpPr>
+          <p:cNvPr id="16" name="TextBox 15"/>
+          <p:cNvSpPr txBox="1"/>
+          <p:nvPr/>
+        </p:nvSpPr>
+        <p:spPr>
+          <a:xfrm>
+            <a:off x="1186686" y="4105429"/>
+            <a:ext cx="1499716" cy="261610"/>
+          </a:xfrm>
+          <a:prstGeom prst="rect">
+            <a:avLst/>
+          </a:prstGeom>
+          <a:noFill/>
+        </p:spPr>
+        <p:txBody>
+          <a:bodyPr wrap="square" rtlCol="0">
+            <a:spAutoFit/>
+          </a:bodyPr>
+          <a:lstStyle/>
+          <a:p>
+            <a:pPr algn="ctr"/>
+            <a:r>
+              <a:rPr lang="en-US" sz="1100" b="1" dirty="0" err="1" smtClean="0"/>
+              <a:t>ConstantClass</a:t>
+            </a:r>
+            <a:endParaRPr lang="en-US" sz="1100" b="1" dirty="0"/>
+          </a:p>
+        </p:txBody>
+      </p:sp>
+      <p:sp>
+        <p:nvSpPr>
+          <p:cNvPr id="21" name="Rectangle 20"/>
+          <p:cNvSpPr/>
+          <p:nvPr/>
+        </p:nvSpPr>
+        <p:spPr>
+          <a:xfrm>
+            <a:off x="1191642" y="3512840"/>
+            <a:ext cx="1499716" cy="576064"/>
+          </a:xfrm>
+          <a:prstGeom prst="rect">
+            <a:avLst/>
+          </a:prstGeom>
+        </p:spPr>
+        <p:style>
+          <a:lnRef idx="2">
+            <a:schemeClr val="accent1"/>
+          </a:lnRef>
+          <a:fillRef idx="1">
+            <a:schemeClr val="lt1"/>
+          </a:fillRef>
+          <a:effectRef idx="0">
+            <a:schemeClr val="accent1"/>
+          </a:effectRef>
+          <a:fontRef idx="minor">
+            <a:schemeClr val="dk1"/>
+          </a:fontRef>
+        </p:style>
+        <p:txBody>
+          <a:bodyPr rtlCol="0" anchor="ctr"/>
+          <a:lstStyle/>
+          <a:p>
+            <a:pPr algn="ctr"/>
+            <a:endParaRPr lang="en-US" sz="1000" dirty="0" smtClean="0">
+              <a:cs typeface="Courier New" pitchFamily="49" charset="0"/>
+            </a:endParaRPr>
+          </a:p>
+          <a:p>
+            <a:pPr algn="ctr"/>
+            <a:endParaRPr lang="en-US" sz="1000" dirty="0">
+              <a:cs typeface="Courier New" pitchFamily="49" charset="0"/>
+            </a:endParaRPr>
+          </a:p>
+          <a:p>
+            <a:pPr algn="ctr"/>
+            <a:r>
+              <a:rPr lang="en-US" sz="1000" dirty="0" smtClean="0">
+                <a:cs typeface="Courier New" pitchFamily="49" charset="0"/>
+              </a:rPr>
+              <a:t>“Hello, world”</a:t>
+            </a:r>
+          </a:p>
+          <a:p>
+            <a:pPr algn="ctr"/>
+            <a:endParaRPr lang="hu-HU" sz="1000" dirty="0" smtClean="0">
+              <a:cs typeface="Courier New" pitchFamily="49" charset="0"/>
+            </a:endParaRPr>
+          </a:p>
+        </p:txBody>
+      </p:sp>
+      <p:sp>
+        <p:nvSpPr>
+          <p:cNvPr id="22" name="TextBox 21"/>
+          <p:cNvSpPr txBox="1"/>
+          <p:nvPr/>
+        </p:nvSpPr>
+        <p:spPr>
+          <a:xfrm>
+            <a:off x="1191642" y="3512840"/>
+            <a:ext cx="1499716" cy="261610"/>
+          </a:xfrm>
+          <a:prstGeom prst="rect">
+            <a:avLst/>
+          </a:prstGeom>
+          <a:noFill/>
+        </p:spPr>
+        <p:txBody>
+          <a:bodyPr wrap="square" rtlCol="0">
+            <a:spAutoFit/>
+          </a:bodyPr>
+          <a:lstStyle/>
+          <a:p>
+            <a:pPr algn="ctr"/>
+            <a:r>
+              <a:rPr lang="en-US" sz="1100" b="1" dirty="0" err="1" smtClean="0"/>
+              <a:t>ConstantString</a:t>
+            </a:r>
+            <a:endParaRPr lang="en-US" sz="1100" b="1" dirty="0"/>
+          </a:p>
+        </p:txBody>
+      </p:sp>
+      <p:cxnSp>
+        <p:nvCxnSpPr>
+          <p:cNvPr id="6" name="Straight Connector 5"/>
+          <p:cNvCxnSpPr/>
+          <p:nvPr/>
+        </p:nvCxnSpPr>
+        <p:spPr>
+          <a:xfrm flipH="1">
+            <a:off x="1191642" y="1568624"/>
+            <a:ext cx="468911" cy="352080"/>
+          </a:xfrm>
+          <a:prstGeom prst="line">
+            <a:avLst/>
+          </a:prstGeom>
+          <a:ln w="19050">
+            <a:prstDash val="dash"/>
+          </a:ln>
+        </p:spPr>
+        <p:style>
+          <a:lnRef idx="2">
+            <a:schemeClr val="accent1"/>
+          </a:lnRef>
+          <a:fillRef idx="0">
+            <a:schemeClr val="accent1"/>
+          </a:fillRef>
+          <a:effectRef idx="1">
+            <a:schemeClr val="accent1"/>
+          </a:effectRef>
+          <a:fontRef idx="minor">
+            <a:schemeClr val="tx1"/>
+          </a:fontRef>
+        </p:style>
+      </p:cxnSp>
+      <p:cxnSp>
+        <p:nvCxnSpPr>
+          <p:cNvPr id="23" name="Straight Connector 22"/>
+          <p:cNvCxnSpPr/>
+          <p:nvPr/>
+        </p:nvCxnSpPr>
+        <p:spPr>
+          <a:xfrm>
+            <a:off x="2380632" y="1568624"/>
+            <a:ext cx="310726" cy="360041"/>
+          </a:xfrm>
+          <a:prstGeom prst="line">
+            <a:avLst/>
+          </a:prstGeom>
+          <a:ln w="19050">
+            <a:prstDash val="dash"/>
+          </a:ln>
+        </p:spPr>
+        <p:style>
+          <a:lnRef idx="2">
+            <a:schemeClr val="accent1"/>
+          </a:lnRef>
+          <a:fillRef idx="0">
+            <a:schemeClr val="accent1"/>
+          </a:fillRef>
+          <a:effectRef idx="1">
+            <a:schemeClr val="accent1"/>
+          </a:effectRef>
+          <a:fontRef idx="minor">
+            <a:schemeClr val="tx1"/>
+          </a:fontRef>
+        </p:style>
+      </p:cxnSp>
+      <p:sp>
+        <p:nvSpPr>
+          <p:cNvPr id="26" name="Rectangle 25"/>
+          <p:cNvSpPr/>
+          <p:nvPr/>
+        </p:nvSpPr>
+        <p:spPr>
+          <a:xfrm>
+            <a:off x="3324443" y="1920704"/>
+            <a:ext cx="2728597" cy="608126"/>
+          </a:xfrm>
+          <a:prstGeom prst="rect">
+            <a:avLst/>
+          </a:prstGeom>
+        </p:spPr>
+        <p:style>
+          <a:lnRef idx="2">
+            <a:schemeClr val="accent1"/>
+          </a:lnRef>
+          <a:fillRef idx="1">
+            <a:schemeClr val="lt1"/>
+          </a:fillRef>
+          <a:effectRef idx="0">
+            <a:schemeClr val="accent1"/>
+          </a:effectRef>
+          <a:fontRef idx="minor">
+            <a:schemeClr val="dk1"/>
+          </a:fontRef>
+        </p:style>
+        <p:txBody>
+          <a:bodyPr rtlCol="0" anchor="ctr"/>
+          <a:lstStyle/>
+          <a:p>
+            <a:pPr algn="ctr"/>
+            <a:endParaRPr lang="en-US" sz="1000" dirty="0" smtClean="0">
+              <a:cs typeface="Courier New" pitchFamily="49" charset="0"/>
+            </a:endParaRPr>
+          </a:p>
+          <a:p>
+            <a:pPr algn="ctr"/>
+            <a:endParaRPr lang="en-US" sz="1000" dirty="0" smtClean="0">
+              <a:cs typeface="Courier New" pitchFamily="49" charset="0"/>
+            </a:endParaRPr>
+          </a:p>
+          <a:p>
+            <a:pPr algn="ctr"/>
+            <a:endParaRPr lang="en-US" sz="1000" dirty="0">
+              <a:cs typeface="Courier New" pitchFamily="49" charset="0"/>
+            </a:endParaRPr>
+          </a:p>
+        </p:txBody>
+      </p:sp>
+      <p:sp>
+        <p:nvSpPr>
+          <p:cNvPr id="27" name="TextBox 26"/>
+          <p:cNvSpPr txBox="1"/>
+          <p:nvPr/>
+        </p:nvSpPr>
+        <p:spPr>
+          <a:xfrm>
+            <a:off x="3324443" y="1928665"/>
+            <a:ext cx="2728597" cy="600164"/>
+          </a:xfrm>
+          <a:prstGeom prst="rect">
+            <a:avLst/>
+          </a:prstGeom>
+          <a:noFill/>
+        </p:spPr>
+        <p:txBody>
+          <a:bodyPr wrap="square" lIns="91440" rIns="0" rtlCol="0">
+            <a:spAutoFit/>
+          </a:bodyPr>
+          <a:lstStyle/>
+          <a:p>
+            <a:r>
+              <a:rPr lang="en-US" sz="1100" dirty="0" err="1" smtClean="0"/>
+              <a:t>getstatic</a:t>
+            </a:r>
+            <a:r>
+              <a:rPr lang="hu-HU" sz="1100" dirty="0" smtClean="0"/>
+              <a:t>	</a:t>
+            </a:r>
+            <a:r>
+              <a:rPr lang="en-US" sz="1100" dirty="0" err="1" smtClean="0"/>
+              <a:t>java.lang.System.out</a:t>
+            </a:r>
+            <a:endParaRPr lang="en-US" sz="1100" dirty="0" smtClean="0"/>
+          </a:p>
+          <a:p>
+            <a:r>
+              <a:rPr lang="en-US" sz="1100" dirty="0" err="1" smtClean="0"/>
+              <a:t>ldc</a:t>
+            </a:r>
+            <a:r>
+              <a:rPr lang="hu-HU" sz="1100" dirty="0" smtClean="0"/>
+              <a:t>	</a:t>
+            </a:r>
+            <a:r>
+              <a:rPr lang="en-US" sz="1100" dirty="0" smtClean="0"/>
+              <a:t>“Hello, world”</a:t>
+            </a:r>
+          </a:p>
+          <a:p>
+            <a:r>
+              <a:rPr lang="en-US" sz="1100" dirty="0" err="1" smtClean="0"/>
+              <a:t>invokevirtual</a:t>
+            </a:r>
+            <a:r>
+              <a:rPr lang="hu-HU" sz="1100" dirty="0" smtClean="0"/>
+              <a:t>	</a:t>
+            </a:r>
+            <a:r>
+              <a:rPr lang="en-US" sz="1100" dirty="0" err="1" smtClean="0"/>
+              <a:t>java.io.PrintStream.println</a:t>
+            </a:r>
+            <a:endParaRPr lang="en-US" sz="1100" dirty="0"/>
+          </a:p>
+        </p:txBody>
+      </p:sp>
+      <p:cxnSp>
+        <p:nvCxnSpPr>
+          <p:cNvPr id="28" name="Straight Connector 27"/>
+          <p:cNvCxnSpPr/>
+          <p:nvPr/>
+        </p:nvCxnSpPr>
+        <p:spPr>
+          <a:xfrm flipH="1">
+            <a:off x="3324443" y="1568624"/>
+            <a:ext cx="1216430" cy="360041"/>
+          </a:xfrm>
+          <a:prstGeom prst="line">
+            <a:avLst/>
+          </a:prstGeom>
+          <a:ln w="19050">
+            <a:prstDash val="dash"/>
+          </a:ln>
+        </p:spPr>
+        <p:style>
+          <a:lnRef idx="2">
+            <a:schemeClr val="accent1"/>
+          </a:lnRef>
+          <a:fillRef idx="0">
+            <a:schemeClr val="accent1"/>
+          </a:fillRef>
+          <a:effectRef idx="1">
+            <a:schemeClr val="accent1"/>
+          </a:effectRef>
+          <a:fontRef idx="minor">
+            <a:schemeClr val="tx1"/>
+          </a:fontRef>
+        </p:style>
+      </p:cxnSp>
+      <p:cxnSp>
+        <p:nvCxnSpPr>
+          <p:cNvPr id="31" name="Straight Connector 30"/>
+          <p:cNvCxnSpPr/>
+          <p:nvPr/>
+        </p:nvCxnSpPr>
+        <p:spPr>
+          <a:xfrm>
+            <a:off x="5260953" y="1568624"/>
+            <a:ext cx="792087" cy="352080"/>
+          </a:xfrm>
+          <a:prstGeom prst="line">
+            <a:avLst/>
+          </a:prstGeom>
+          <a:ln w="19050">
+            <a:prstDash val="dash"/>
+          </a:ln>
+        </p:spPr>
+        <p:style>
+          <a:lnRef idx="2">
+            <a:schemeClr val="accent1"/>
+          </a:lnRef>
+          <a:fillRef idx="0">
+            <a:schemeClr val="accent1"/>
+          </a:fillRef>
+          <a:effectRef idx="1">
+            <a:schemeClr val="accent1"/>
+          </a:effectRef>
+          <a:fontRef idx="minor">
+            <a:schemeClr val="tx1"/>
+          </a:fontRef>
+        </p:style>
+      </p:cxnSp>
+      <p:sp>
+        <p:nvSpPr>
+          <p:cNvPr id="50" name="Freeform 49"/>
+          <p:cNvSpPr/>
+          <p:nvPr/>
+        </p:nvSpPr>
+        <p:spPr>
+          <a:xfrm>
+            <a:off x="1024931" y="2562225"/>
+            <a:ext cx="275255" cy="1886719"/>
+          </a:xfrm>
+          <a:custGeom>
+            <a:avLst/>
+            <a:gdLst>
+              <a:gd name="connsiteX0" fmla="*/ 333375 w 338137"/>
+              <a:gd name="connsiteY0" fmla="*/ 0 h 1323975"/>
+              <a:gd name="connsiteX1" fmla="*/ 0 w 338137"/>
+              <a:gd name="connsiteY1" fmla="*/ 0 h 1323975"/>
+              <a:gd name="connsiteX2" fmla="*/ 0 w 338137"/>
+              <a:gd name="connsiteY2" fmla="*/ 1323975 h 1323975"/>
+              <a:gd name="connsiteX3" fmla="*/ 338137 w 338137"/>
+              <a:gd name="connsiteY3" fmla="*/ 1323975 h 1323975"/>
+            </a:gdLst>
+            <a:ahLst/>
+            <a:cxnLst>
+              <a:cxn ang="0">
+                <a:pos x="connsiteX0" y="connsiteY0"/>
+              </a:cxn>
+              <a:cxn ang="0">
+                <a:pos x="connsiteX1" y="connsiteY1"/>
+              </a:cxn>
+              <a:cxn ang="0">
+                <a:pos x="connsiteX2" y="connsiteY2"/>
+              </a:cxn>
+              <a:cxn ang="0">
+                <a:pos x="connsiteX3" y="connsiteY3"/>
+              </a:cxn>
+            </a:cxnLst>
+            <a:rect l="l" t="t" r="r" b="b"/>
+            <a:pathLst>
+              <a:path w="338137" h="1323975">
+                <a:moveTo>
+                  <a:pt x="333375" y="0"/>
+                </a:moveTo>
+                <a:lnTo>
+                  <a:pt x="0" y="0"/>
+                </a:lnTo>
+                <a:lnTo>
+                  <a:pt x="0" y="1323975"/>
+                </a:lnTo>
+                <a:lnTo>
+                  <a:pt x="338137" y="1323975"/>
+                </a:lnTo>
+              </a:path>
+            </a:pathLst>
+          </a:custGeom>
+          <a:ln>
+            <a:tailEnd type="arrow"/>
+          </a:ln>
+        </p:spPr>
+        <p:style>
+          <a:lnRef idx="2">
+            <a:schemeClr val="dk1"/>
+          </a:lnRef>
+          <a:fillRef idx="0">
+            <a:schemeClr val="dk1"/>
+          </a:fillRef>
+          <a:effectRef idx="1">
+            <a:schemeClr val="dk1"/>
+          </a:effectRef>
+          <a:fontRef idx="minor">
+            <a:schemeClr val="tx1"/>
+          </a:fontRef>
+        </p:style>
+        <p:txBody>
+          <a:bodyPr rtlCol="0" anchor="ctr"/>
+          <a:lstStyle/>
+          <a:p>
+            <a:pPr algn="ctr"/>
+            <a:endParaRPr lang="en-US"/>
+          </a:p>
+        </p:txBody>
+      </p:sp>
+      <p:cxnSp>
+        <p:nvCxnSpPr>
+          <p:cNvPr id="52" name="Straight Arrow Connector 51"/>
+          <p:cNvCxnSpPr>
+            <a:stCxn id="69" idx="1"/>
+            <a:endCxn id="21" idx="3"/>
+          </p:cNvCxnSpPr>
+          <p:nvPr/>
+        </p:nvCxnSpPr>
+        <p:spPr>
+          <a:xfrm flipH="1">
+            <a:off x="2691358" y="2234649"/>
+            <a:ext cx="1587324" cy="1566223"/>
+          </a:xfrm>
+          <a:prstGeom prst="straightConnector1">
+            <a:avLst/>
+          </a:prstGeom>
+          <a:ln>
+            <a:tailEnd type="arrow"/>
+          </a:ln>
+        </p:spPr>
+        <p:style>
+          <a:lnRef idx="2">
+            <a:schemeClr val="dk1"/>
+          </a:lnRef>
+          <a:fillRef idx="0">
+            <a:schemeClr val="dk1"/>
+          </a:fillRef>
+          <a:effectRef idx="1">
+            <a:schemeClr val="dk1"/>
+          </a:effectRef>
+          <a:fontRef idx="minor">
+            <a:schemeClr val="tx1"/>
+          </a:fontRef>
+        </p:style>
+      </p:cxnSp>
+      <p:cxnSp>
+        <p:nvCxnSpPr>
+          <p:cNvPr id="59" name="Straight Arrow Connector 58"/>
+          <p:cNvCxnSpPr>
+            <a:stCxn id="73" idx="1"/>
+            <a:endCxn id="15" idx="3"/>
+          </p:cNvCxnSpPr>
+          <p:nvPr/>
+        </p:nvCxnSpPr>
+        <p:spPr>
+          <a:xfrm flipH="1">
+            <a:off x="2691358" y="2395108"/>
+            <a:ext cx="1587324" cy="1971931"/>
+          </a:xfrm>
+          <a:prstGeom prst="straightConnector1">
+            <a:avLst/>
+          </a:prstGeom>
+          <a:ln>
+            <a:tailEnd type="arrow"/>
+          </a:ln>
+        </p:spPr>
+        <p:style>
+          <a:lnRef idx="2">
+            <a:schemeClr val="dk1"/>
+          </a:lnRef>
+          <a:fillRef idx="0">
+            <a:schemeClr val="dk1"/>
+          </a:fillRef>
+          <a:effectRef idx="1">
+            <a:schemeClr val="dk1"/>
+          </a:effectRef>
+          <a:fontRef idx="minor">
+            <a:schemeClr val="tx1"/>
+          </a:fontRef>
+        </p:style>
+      </p:cxnSp>
+      <p:sp>
+        <p:nvSpPr>
+          <p:cNvPr id="69" name="Rounded Rectangle 68"/>
+          <p:cNvSpPr/>
+          <p:nvPr/>
+        </p:nvSpPr>
+        <p:spPr>
+          <a:xfrm>
+            <a:off x="4278682" y="2164249"/>
+            <a:ext cx="878510" cy="140799"/>
+          </a:xfrm>
+          <a:prstGeom prst="roundRect">
+            <a:avLst>
+              <a:gd name="adj" fmla="val 0"/>
+            </a:avLst>
+          </a:prstGeom>
+          <a:noFill/>
+          <a:ln w="3175"/>
+        </p:spPr>
+        <p:style>
+          <a:lnRef idx="2">
+            <a:schemeClr val="dk1"/>
+          </a:lnRef>
+          <a:fillRef idx="1">
+            <a:schemeClr val="lt1"/>
+          </a:fillRef>
+          <a:effectRef idx="0">
+            <a:schemeClr val="dk1"/>
+          </a:effectRef>
+          <a:fontRef idx="minor">
+            <a:schemeClr val="dk1"/>
+          </a:fontRef>
+        </p:style>
+        <p:txBody>
+          <a:bodyPr rtlCol="0" anchor="ctr"/>
+          <a:lstStyle/>
+          <a:p>
+            <a:pPr algn="ctr"/>
+            <a:endParaRPr lang="en-US"/>
+          </a:p>
+        </p:txBody>
+      </p:sp>
+      <p:sp>
+        <p:nvSpPr>
+          <p:cNvPr id="73" name="Rounded Rectangle 72"/>
+          <p:cNvSpPr/>
+          <p:nvPr/>
+        </p:nvSpPr>
+        <p:spPr>
+          <a:xfrm>
+            <a:off x="4278682" y="2324708"/>
+            <a:ext cx="1526582" cy="140799"/>
+          </a:xfrm>
+          <a:prstGeom prst="roundRect">
+            <a:avLst>
+              <a:gd name="adj" fmla="val 0"/>
+            </a:avLst>
+          </a:prstGeom>
+          <a:noFill/>
+          <a:ln w="3175"/>
+        </p:spPr>
+        <p:style>
+          <a:lnRef idx="2">
+            <a:schemeClr val="dk1"/>
+          </a:lnRef>
+          <a:fillRef idx="1">
+            <a:schemeClr val="lt1"/>
+          </a:fillRef>
+          <a:effectRef idx="0">
+            <a:schemeClr val="dk1"/>
+          </a:effectRef>
+          <a:fontRef idx="minor">
+            <a:schemeClr val="dk1"/>
+          </a:fontRef>
+        </p:style>
+        <p:txBody>
+          <a:bodyPr rtlCol="0" anchor="ctr"/>
+          <a:lstStyle/>
+          <a:p>
+            <a:pPr algn="ctr"/>
+            <a:endParaRPr lang="en-US"/>
+          </a:p>
+        </p:txBody>
+      </p:sp>
+    </p:spTree>
+    <p:extLst>
+      <p:ext uri="{BB962C8B-B14F-4D97-AF65-F5344CB8AC3E}">
+        <p14:creationId xmlns:p14="http://schemas.microsoft.com/office/powerpoint/2010/main" val="2360883287"/>
+      </p:ext>
+    </p:extLst>
+  </p:cSld>
+  <p:clrMapOvr>
+    <a:masterClrMapping/>
+  </p:clrMapOvr>
+  <p:timing>
+    <p:tnLst>
+      <p:par>
+        <p:cTn id="1" dur="indefinite" restart="never" nodeType="tmRoot"/>
+      </p:par>
+    </p:tnLst>
+  </p:timing>
+</p:sld>
+</file>
+
 <file path=ppt/slides/slide4.xml><?xml version="1.0" encoding="utf-8"?>
 <p:sld xmlns:a="http://schemas.openxmlformats.org/drawingml/2006/main" xmlns:r="http://schemas.openxmlformats.org/officeDocument/2006/relationships" xmlns:p="http://schemas.openxmlformats.org/presentationml/2006/main">
   <p:cSld>
@@ -8417,14 +10298,108 @@
       </p:grpSpPr>
       <p:sp>
         <p:nvSpPr>
+          <p:cNvPr id="37" name="Line Callout 2 (Accent Bar) 36"/>
+          <p:cNvSpPr/>
+          <p:nvPr/>
+        </p:nvSpPr>
+        <p:spPr>
+          <a:xfrm rot="5400000">
+            <a:off x="2657252" y="2132734"/>
+            <a:ext cx="648074" cy="3569075"/>
+          </a:xfrm>
+          <a:prstGeom prst="accentCallout2">
+            <a:avLst>
+              <a:gd name="adj1" fmla="val 72842"/>
+              <a:gd name="adj2" fmla="val -6373"/>
+              <a:gd name="adj3" fmla="val 84123"/>
+              <a:gd name="adj4" fmla="val -74976"/>
+              <a:gd name="adj5" fmla="val 84389"/>
+              <a:gd name="adj6" fmla="val -164835"/>
+            </a:avLst>
+          </a:prstGeom>
+        </p:spPr>
+        <p:style>
+          <a:lnRef idx="2">
+            <a:schemeClr val="accent2">
+              <a:shade val="50000"/>
+            </a:schemeClr>
+          </a:lnRef>
+          <a:fillRef idx="1">
+            <a:schemeClr val="accent2"/>
+          </a:fillRef>
+          <a:effectRef idx="0">
+            <a:schemeClr val="accent2"/>
+          </a:effectRef>
+          <a:fontRef idx="minor">
+            <a:schemeClr val="lt1"/>
+          </a:fontRef>
+        </p:style>
+        <p:txBody>
+          <a:bodyPr rtlCol="0" anchor="ctr"/>
+          <a:lstStyle/>
+          <a:p>
+            <a:pPr algn="ctr"/>
+            <a:endParaRPr lang="en-US"/>
+          </a:p>
+        </p:txBody>
+      </p:sp>
+      <p:sp>
+        <p:nvSpPr>
+          <p:cNvPr id="36" name="Line Callout 2 (Accent Bar) 35"/>
+          <p:cNvSpPr/>
+          <p:nvPr/>
+        </p:nvSpPr>
+        <p:spPr>
+          <a:xfrm rot="5400000">
+            <a:off x="3756423" y="1332259"/>
+            <a:ext cx="648074" cy="3569075"/>
+          </a:xfrm>
+          <a:prstGeom prst="accentCallout2">
+            <a:avLst>
+              <a:gd name="adj1" fmla="val 74265"/>
+              <a:gd name="adj2" fmla="val -8333"/>
+              <a:gd name="adj3" fmla="val 82344"/>
+              <a:gd name="adj4" fmla="val -20106"/>
+              <a:gd name="adj5" fmla="val 82610"/>
+              <a:gd name="adj6" fmla="val -38437"/>
+            </a:avLst>
+          </a:prstGeom>
+        </p:spPr>
+        <p:style>
+          <a:lnRef idx="2">
+            <a:schemeClr val="accent2">
+              <a:shade val="50000"/>
+            </a:schemeClr>
+          </a:lnRef>
+          <a:fillRef idx="1">
+            <a:schemeClr val="accent2"/>
+          </a:fillRef>
+          <a:effectRef idx="0">
+            <a:schemeClr val="accent2"/>
+          </a:effectRef>
+          <a:fontRef idx="minor">
+            <a:schemeClr val="lt1"/>
+          </a:fontRef>
+        </p:style>
+        <p:txBody>
+          <a:bodyPr rtlCol="0" anchor="ctr"/>
+          <a:lstStyle/>
+          <a:p>
+            <a:pPr algn="ctr"/>
+            <a:endParaRPr lang="en-US"/>
+          </a:p>
+        </p:txBody>
+      </p:sp>
+      <p:sp>
+        <p:nvSpPr>
           <p:cNvPr id="2" name="Rectangle 1"/>
           <p:cNvSpPr/>
           <p:nvPr/>
         </p:nvSpPr>
         <p:spPr>
           <a:xfrm>
-            <a:off x="260647" y="776536"/>
-            <a:ext cx="3157289" cy="864095"/>
+            <a:off x="1695778" y="3668319"/>
+            <a:ext cx="493186" cy="497904"/>
           </a:xfrm>
           <a:prstGeom prst="rect">
             <a:avLst/>
@@ -8450,10 +10425,10 @@
           <a:p>
             <a:pPr algn="ctr"/>
             <a:r>
-              <a:rPr lang="hu-HU" dirty="0" smtClean="0"/>
+              <a:rPr lang="hu-HU" sz="600" dirty="0" smtClean="0"/>
               <a:t>Constant pool</a:t>
             </a:r>
-            <a:endParaRPr lang="en-US" dirty="0"/>
+            <a:endParaRPr lang="en-US" sz="600" dirty="0"/>
           </a:p>
         </p:txBody>
       </p:sp>
@@ -8465,8 +10440,8 @@
         </p:nvSpPr>
         <p:spPr>
           <a:xfrm>
-            <a:off x="260648" y="416496"/>
-            <a:ext cx="3157289" cy="360040"/>
+            <a:off x="1260438" y="3668319"/>
+            <a:ext cx="435339" cy="497904"/>
           </a:xfrm>
           <a:prstGeom prst="rect">
             <a:avLst/>
@@ -8492,23 +10467,23 @@
           <a:p>
             <a:pPr algn="ctr"/>
             <a:r>
-              <a:rPr lang="hu-HU" dirty="0" smtClean="0"/>
+              <a:rPr lang="hu-HU" sz="600" dirty="0" smtClean="0"/>
               <a:t>Header</a:t>
             </a:r>
-            <a:endParaRPr lang="en-US" dirty="0"/>
-          </a:p>
-        </p:txBody>
-      </p:sp>
-      <p:sp>
-        <p:nvSpPr>
-          <p:cNvPr id="7" name="Rectangle 6"/>
+            <a:endParaRPr lang="en-US" sz="600" dirty="0"/>
+          </a:p>
+        </p:txBody>
+      </p:sp>
+      <p:sp>
+        <p:nvSpPr>
+          <p:cNvPr id="4" name="Rectangle 3"/>
           <p:cNvSpPr/>
           <p:nvPr/>
         </p:nvSpPr>
         <p:spPr>
           <a:xfrm>
-            <a:off x="260646" y="1640631"/>
-            <a:ext cx="3157289" cy="360040"/>
+            <a:off x="2188964" y="3668319"/>
+            <a:ext cx="394548" cy="497904"/>
           </a:xfrm>
           <a:prstGeom prst="rect">
             <a:avLst/>
@@ -8534,27 +10509,32 @@
           <a:p>
             <a:pPr algn="ctr"/>
             <a:r>
-              <a:rPr lang="hu-HU" dirty="0" smtClean="0"/>
+              <a:rPr lang="hu-HU" sz="600" dirty="0" smtClean="0"/>
               <a:t>Access rights</a:t>
             </a:r>
-            <a:endParaRPr lang="en-US" dirty="0"/>
-          </a:p>
-        </p:txBody>
-      </p:sp>
-      <p:sp>
-        <p:nvSpPr>
-          <p:cNvPr id="8" name="Rectangle 7"/>
+            <a:endParaRPr lang="en-US" sz="600" dirty="0"/>
+          </a:p>
+        </p:txBody>
+      </p:sp>
+      <p:sp>
+        <p:nvSpPr>
+          <p:cNvPr id="5" name="Rectangle 4"/>
           <p:cNvSpPr/>
           <p:nvPr/>
         </p:nvSpPr>
         <p:spPr>
           <a:xfrm>
-            <a:off x="260648" y="2000671"/>
-            <a:ext cx="3157289" cy="360040"/>
+            <a:off x="2583513" y="3668319"/>
+            <a:ext cx="690460" cy="497904"/>
           </a:xfrm>
           <a:prstGeom prst="rect">
             <a:avLst/>
           </a:prstGeom>
+          <a:solidFill>
+            <a:schemeClr val="accent4">
+              <a:lumMod val="75000"/>
+            </a:schemeClr>
+          </a:solidFill>
         </p:spPr>
         <p:style>
           <a:lnRef idx="2">
@@ -8576,27 +10556,32 @@
           <a:p>
             <a:pPr algn="ctr"/>
             <a:r>
-              <a:rPr lang="hu-HU" dirty="0" smtClean="0"/>
+              <a:rPr lang="hu-HU" sz="600" dirty="0" smtClean="0"/>
               <a:t>Implemented interfaces</a:t>
             </a:r>
-            <a:endParaRPr lang="en-US" dirty="0"/>
-          </a:p>
-        </p:txBody>
-      </p:sp>
-      <p:sp>
-        <p:nvSpPr>
-          <p:cNvPr id="9" name="Rectangle 8"/>
+            <a:endParaRPr lang="en-US" sz="600" dirty="0"/>
+          </a:p>
+        </p:txBody>
+      </p:sp>
+      <p:sp>
+        <p:nvSpPr>
+          <p:cNvPr id="6" name="Rectangle 5"/>
           <p:cNvSpPr/>
           <p:nvPr/>
         </p:nvSpPr>
         <p:spPr>
           <a:xfrm>
-            <a:off x="260645" y="2360711"/>
-            <a:ext cx="3157289" cy="360040"/>
+            <a:off x="3273973" y="3668319"/>
+            <a:ext cx="394550" cy="497904"/>
           </a:xfrm>
           <a:prstGeom prst="rect">
             <a:avLst/>
           </a:prstGeom>
+          <a:solidFill>
+            <a:schemeClr val="accent4">
+              <a:lumMod val="75000"/>
+            </a:schemeClr>
+          </a:solidFill>
         </p:spPr>
         <p:style>
           <a:lnRef idx="2">
@@ -8618,27 +10603,32 @@
           <a:p>
             <a:pPr algn="ctr"/>
             <a:r>
-              <a:rPr lang="hu-HU" dirty="0" smtClean="0"/>
+              <a:rPr lang="hu-HU" sz="600" dirty="0" smtClean="0"/>
               <a:t>Fields</a:t>
             </a:r>
-            <a:endParaRPr lang="en-US" dirty="0"/>
-          </a:p>
-        </p:txBody>
-      </p:sp>
-      <p:sp>
-        <p:nvSpPr>
-          <p:cNvPr id="10" name="Rectangle 9"/>
+            <a:endParaRPr lang="en-US" sz="600" dirty="0"/>
+          </a:p>
+        </p:txBody>
+      </p:sp>
+      <p:sp>
+        <p:nvSpPr>
+          <p:cNvPr id="7" name="Rectangle 6"/>
           <p:cNvSpPr/>
           <p:nvPr/>
         </p:nvSpPr>
         <p:spPr>
           <a:xfrm>
-            <a:off x="260644" y="2720751"/>
-            <a:ext cx="3157289" cy="360040"/>
+            <a:off x="3668524" y="3668319"/>
+            <a:ext cx="493186" cy="497904"/>
           </a:xfrm>
           <a:prstGeom prst="rect">
             <a:avLst/>
           </a:prstGeom>
+          <a:solidFill>
+            <a:schemeClr val="accent4">
+              <a:lumMod val="75000"/>
+            </a:schemeClr>
+          </a:solidFill>
         </p:spPr>
         <p:style>
           <a:lnRef idx="2">
@@ -8660,23 +10650,23 @@
           <a:p>
             <a:pPr algn="ctr"/>
             <a:r>
-              <a:rPr lang="hu-HU" dirty="0" smtClean="0"/>
+              <a:rPr lang="hu-HU" sz="600" dirty="0" smtClean="0"/>
               <a:t>Methods</a:t>
             </a:r>
-            <a:endParaRPr lang="en-US" dirty="0"/>
-          </a:p>
-        </p:txBody>
-      </p:sp>
-      <p:sp>
-        <p:nvSpPr>
-          <p:cNvPr id="11" name="Rectangle 10"/>
+            <a:endParaRPr lang="en-US" sz="600" dirty="0"/>
+          </a:p>
+        </p:txBody>
+      </p:sp>
+      <p:sp>
+        <p:nvSpPr>
+          <p:cNvPr id="8" name="Rectangle 7"/>
           <p:cNvSpPr/>
           <p:nvPr/>
         </p:nvSpPr>
         <p:spPr>
           <a:xfrm>
-            <a:off x="260643" y="3080791"/>
-            <a:ext cx="3157289" cy="360040"/>
+            <a:off x="4161710" y="3668319"/>
+            <a:ext cx="542505" cy="497904"/>
           </a:xfrm>
           <a:prstGeom prst="rect">
             <a:avLst/>
@@ -8702,17 +10692,347 @@
           <a:p>
             <a:pPr algn="ctr"/>
             <a:r>
-              <a:rPr lang="hu-HU" dirty="0" smtClean="0"/>
+              <a:rPr lang="hu-HU" sz="600" dirty="0" smtClean="0"/>
               <a:t>Class attributes</a:t>
             </a:r>
-            <a:endParaRPr lang="en-US" dirty="0"/>
+            <a:endParaRPr lang="en-US" sz="600" dirty="0"/>
+          </a:p>
+        </p:txBody>
+      </p:sp>
+      <p:graphicFrame>
+        <p:nvGraphicFramePr>
+          <p:cNvPr id="9" name="Diagram 8"/>
+          <p:cNvGraphicFramePr/>
+          <p:nvPr>
+            <p:extLst>
+              <p:ext uri="{D42A27DB-BD31-4B8C-83A1-F6EECF244321}">
+                <p14:modId xmlns:p14="http://schemas.microsoft.com/office/powerpoint/2010/main" val="3198015935"/>
+              </p:ext>
+            </p:extLst>
+          </p:nvPr>
+        </p:nvGraphicFramePr>
+        <p:xfrm>
+          <a:off x="1376492" y="1928664"/>
+          <a:ext cx="4572000" cy="648072"/>
+        </p:xfrm>
+        <a:graphic>
+          <a:graphicData uri="http://schemas.openxmlformats.org/drawingml/2006/diagram">
+            <dgm:relIds xmlns:dgm="http://schemas.openxmlformats.org/drawingml/2006/diagram" xmlns:r="http://schemas.openxmlformats.org/officeDocument/2006/relationships" r:dm="rId2" r:lo="rId3" r:qs="rId4" r:cs="rId5"/>
+          </a:graphicData>
+        </a:graphic>
+      </p:graphicFrame>
+      <p:sp>
+        <p:nvSpPr>
+          <p:cNvPr id="23" name="Rectangle 22"/>
+          <p:cNvSpPr/>
+          <p:nvPr/>
+        </p:nvSpPr>
+        <p:spPr>
+          <a:xfrm>
+            <a:off x="2801184" y="2867844"/>
+            <a:ext cx="493186" cy="497904"/>
+          </a:xfrm>
+          <a:prstGeom prst="rect">
+            <a:avLst/>
+          </a:prstGeom>
+          <a:solidFill>
+            <a:schemeClr val="accent4">
+              <a:lumMod val="75000"/>
+            </a:schemeClr>
+          </a:solidFill>
+        </p:spPr>
+        <p:style>
+          <a:lnRef idx="2">
+            <a:schemeClr val="accent1"/>
+          </a:lnRef>
+          <a:fillRef idx="1">
+            <a:schemeClr val="lt1"/>
+          </a:fillRef>
+          <a:effectRef idx="0">
+            <a:schemeClr val="accent1"/>
+          </a:effectRef>
+          <a:fontRef idx="minor">
+            <a:schemeClr val="dk1"/>
+          </a:fontRef>
+        </p:style>
+        <p:txBody>
+          <a:bodyPr rtlCol="0" anchor="ctr"/>
+          <a:lstStyle/>
+          <a:p>
+            <a:pPr algn="ctr"/>
+            <a:r>
+              <a:rPr lang="hu-HU" sz="600" dirty="0"/>
+              <a:t>Constant pool</a:t>
+            </a:r>
+            <a:endParaRPr lang="en-US" sz="600" dirty="0"/>
+          </a:p>
+        </p:txBody>
+      </p:sp>
+      <p:sp>
+        <p:nvSpPr>
+          <p:cNvPr id="24" name="Rectangle 23"/>
+          <p:cNvSpPr/>
+          <p:nvPr/>
+        </p:nvSpPr>
+        <p:spPr>
+          <a:xfrm>
+            <a:off x="2365844" y="2867844"/>
+            <a:ext cx="435339" cy="497904"/>
+          </a:xfrm>
+          <a:prstGeom prst="rect">
+            <a:avLst/>
+          </a:prstGeom>
+        </p:spPr>
+        <p:style>
+          <a:lnRef idx="2">
+            <a:schemeClr val="accent1"/>
+          </a:lnRef>
+          <a:fillRef idx="1">
+            <a:schemeClr val="lt1"/>
+          </a:fillRef>
+          <a:effectRef idx="0">
+            <a:schemeClr val="accent1"/>
+          </a:effectRef>
+          <a:fontRef idx="minor">
+            <a:schemeClr val="dk1"/>
+          </a:fontRef>
+        </p:style>
+        <p:txBody>
+          <a:bodyPr rtlCol="0" anchor="ctr"/>
+          <a:lstStyle/>
+          <a:p>
+            <a:pPr algn="ctr"/>
+            <a:r>
+              <a:rPr lang="hu-HU" sz="600" dirty="0" smtClean="0"/>
+              <a:t>Header</a:t>
+            </a:r>
+            <a:endParaRPr lang="en-US" sz="600" dirty="0"/>
+          </a:p>
+        </p:txBody>
+      </p:sp>
+      <p:sp>
+        <p:nvSpPr>
+          <p:cNvPr id="25" name="Rectangle 24"/>
+          <p:cNvSpPr/>
+          <p:nvPr/>
+        </p:nvSpPr>
+        <p:spPr>
+          <a:xfrm>
+            <a:off x="3294370" y="2867844"/>
+            <a:ext cx="394548" cy="497904"/>
+          </a:xfrm>
+          <a:prstGeom prst="rect">
+            <a:avLst/>
+          </a:prstGeom>
+        </p:spPr>
+        <p:style>
+          <a:lnRef idx="2">
+            <a:schemeClr val="accent1"/>
+          </a:lnRef>
+          <a:fillRef idx="1">
+            <a:schemeClr val="lt1"/>
+          </a:fillRef>
+          <a:effectRef idx="0">
+            <a:schemeClr val="accent1"/>
+          </a:effectRef>
+          <a:fontRef idx="minor">
+            <a:schemeClr val="dk1"/>
+          </a:fontRef>
+        </p:style>
+        <p:txBody>
+          <a:bodyPr rtlCol="0" anchor="ctr"/>
+          <a:lstStyle/>
+          <a:p>
+            <a:pPr algn="ctr"/>
+            <a:r>
+              <a:rPr lang="hu-HU" sz="600" dirty="0" smtClean="0"/>
+              <a:t>Access </a:t>
+            </a:r>
+            <a:r>
+              <a:rPr lang="hu-HU" sz="600" dirty="0"/>
+              <a:t>rights</a:t>
+            </a:r>
+            <a:endParaRPr lang="en-US" sz="600" dirty="0"/>
+          </a:p>
+        </p:txBody>
+      </p:sp>
+      <p:sp>
+        <p:nvSpPr>
+          <p:cNvPr id="26" name="Rectangle 25"/>
+          <p:cNvSpPr/>
+          <p:nvPr/>
+        </p:nvSpPr>
+        <p:spPr>
+          <a:xfrm>
+            <a:off x="3688919" y="2867844"/>
+            <a:ext cx="690460" cy="497904"/>
+          </a:xfrm>
+          <a:prstGeom prst="rect">
+            <a:avLst/>
+          </a:prstGeom>
+        </p:spPr>
+        <p:style>
+          <a:lnRef idx="2">
+            <a:schemeClr val="accent1"/>
+          </a:lnRef>
+          <a:fillRef idx="1">
+            <a:schemeClr val="lt1"/>
+          </a:fillRef>
+          <a:effectRef idx="0">
+            <a:schemeClr val="accent1"/>
+          </a:effectRef>
+          <a:fontRef idx="minor">
+            <a:schemeClr val="dk1"/>
+          </a:fontRef>
+        </p:style>
+        <p:txBody>
+          <a:bodyPr rtlCol="0" anchor="ctr"/>
+          <a:lstStyle/>
+          <a:p>
+            <a:pPr algn="ctr"/>
+            <a:r>
+              <a:rPr lang="hu-HU" sz="600" dirty="0"/>
+              <a:t>Implemented interfaces</a:t>
+            </a:r>
+            <a:endParaRPr lang="en-US" sz="600" dirty="0"/>
+          </a:p>
+        </p:txBody>
+      </p:sp>
+      <p:sp>
+        <p:nvSpPr>
+          <p:cNvPr id="27" name="Rectangle 26"/>
+          <p:cNvSpPr/>
+          <p:nvPr/>
+        </p:nvSpPr>
+        <p:spPr>
+          <a:xfrm>
+            <a:off x="4379379" y="2867844"/>
+            <a:ext cx="394550" cy="497904"/>
+          </a:xfrm>
+          <a:prstGeom prst="rect">
+            <a:avLst/>
+          </a:prstGeom>
+        </p:spPr>
+        <p:style>
+          <a:lnRef idx="2">
+            <a:schemeClr val="accent1"/>
+          </a:lnRef>
+          <a:fillRef idx="1">
+            <a:schemeClr val="lt1"/>
+          </a:fillRef>
+          <a:effectRef idx="0">
+            <a:schemeClr val="accent1"/>
+          </a:effectRef>
+          <a:fontRef idx="minor">
+            <a:schemeClr val="dk1"/>
+          </a:fontRef>
+        </p:style>
+        <p:txBody>
+          <a:bodyPr rtlCol="0" anchor="ctr"/>
+          <a:lstStyle/>
+          <a:p>
+            <a:pPr algn="ctr"/>
+            <a:r>
+              <a:rPr lang="hu-HU" sz="600" dirty="0"/>
+              <a:t>Fields</a:t>
+            </a:r>
+            <a:endParaRPr lang="en-US" sz="600" dirty="0"/>
+          </a:p>
+        </p:txBody>
+      </p:sp>
+      <p:sp>
+        <p:nvSpPr>
+          <p:cNvPr id="28" name="Rectangle 27"/>
+          <p:cNvSpPr/>
+          <p:nvPr/>
+        </p:nvSpPr>
+        <p:spPr>
+          <a:xfrm>
+            <a:off x="4773930" y="2867844"/>
+            <a:ext cx="493186" cy="497904"/>
+          </a:xfrm>
+          <a:prstGeom prst="rect">
+            <a:avLst/>
+          </a:prstGeom>
+          <a:solidFill>
+            <a:schemeClr val="accent4">
+              <a:lumMod val="75000"/>
+            </a:schemeClr>
+          </a:solidFill>
+        </p:spPr>
+        <p:style>
+          <a:lnRef idx="2">
+            <a:schemeClr val="accent1"/>
+          </a:lnRef>
+          <a:fillRef idx="1">
+            <a:schemeClr val="lt1"/>
+          </a:fillRef>
+          <a:effectRef idx="0">
+            <a:schemeClr val="accent1"/>
+          </a:effectRef>
+          <a:fontRef idx="minor">
+            <a:schemeClr val="dk1"/>
+          </a:fontRef>
+        </p:style>
+        <p:txBody>
+          <a:bodyPr rtlCol="0" anchor="ctr"/>
+          <a:lstStyle/>
+          <a:p>
+            <a:pPr algn="ctr"/>
+            <a:r>
+              <a:rPr lang="hu-HU" sz="600" dirty="0" smtClean="0"/>
+              <a:t>Methods</a:t>
+            </a:r>
+            <a:endParaRPr lang="en-US" sz="600" dirty="0"/>
+          </a:p>
+        </p:txBody>
+      </p:sp>
+      <p:sp>
+        <p:nvSpPr>
+          <p:cNvPr id="29" name="Rectangle 28"/>
+          <p:cNvSpPr/>
+          <p:nvPr/>
+        </p:nvSpPr>
+        <p:spPr>
+          <a:xfrm>
+            <a:off x="5267116" y="2867844"/>
+            <a:ext cx="542505" cy="497904"/>
+          </a:xfrm>
+          <a:prstGeom prst="rect">
+            <a:avLst/>
+          </a:prstGeom>
+        </p:spPr>
+        <p:style>
+          <a:lnRef idx="2">
+            <a:schemeClr val="accent1"/>
+          </a:lnRef>
+          <a:fillRef idx="1">
+            <a:schemeClr val="lt1"/>
+          </a:fillRef>
+          <a:effectRef idx="0">
+            <a:schemeClr val="accent1"/>
+          </a:effectRef>
+          <a:fontRef idx="minor">
+            <a:schemeClr val="dk1"/>
+          </a:fontRef>
+        </p:style>
+        <p:txBody>
+          <a:bodyPr rtlCol="0" anchor="ctr"/>
+          <a:lstStyle/>
+          <a:p>
+            <a:pPr algn="ctr"/>
+            <a:r>
+              <a:rPr lang="hu-HU" sz="600" dirty="0" smtClean="0"/>
+              <a:t>Class attributes</a:t>
+            </a:r>
+            <a:endParaRPr lang="en-US" sz="600" dirty="0"/>
           </a:p>
         </p:txBody>
       </p:sp>
     </p:spTree>
     <p:extLst>
       <p:ext uri="{BB962C8B-B14F-4D97-AF65-F5344CB8AC3E}">
-        <p14:creationId xmlns:p14="http://schemas.microsoft.com/office/powerpoint/2010/main" val="2360883287"/>
+        <p14:creationId xmlns:p14="http://schemas.microsoft.com/office/powerpoint/2010/main" val="1828172597"/>
       </p:ext>
     </p:extLst>
   </p:cSld>

--- a/incquery-deps-documentation/visio-diagrams/diagram-source.pptx
+++ b/incquery-deps-documentation/visio-diagrams/diagram-source.pptx
@@ -1060,10 +1060,24 @@
     <dgm:pt modelId="{4937E544-948D-47AE-9997-07F401BE281A}" type="pres">
       <dgm:prSet presAssocID="{12DE9912-F042-414E-B3B6-FBC124BD5B25}" presName="sibTrans" presStyleLbl="sibTrans2D1" presStyleIdx="0" presStyleCnt="3"/>
       <dgm:spPr/>
+      <dgm:t>
+        <a:bodyPr/>
+        <a:lstStyle/>
+        <a:p>
+          <a:endParaRPr lang="en-US"/>
+        </a:p>
+      </dgm:t>
     </dgm:pt>
     <dgm:pt modelId="{622038D5-8748-48DD-A25A-D0AF25586C10}" type="pres">
       <dgm:prSet presAssocID="{12DE9912-F042-414E-B3B6-FBC124BD5B25}" presName="connectorText" presStyleLbl="sibTrans2D1" presStyleIdx="0" presStyleCnt="3"/>
       <dgm:spPr/>
+      <dgm:t>
+        <a:bodyPr/>
+        <a:lstStyle/>
+        <a:p>
+          <a:endParaRPr lang="en-US"/>
+        </a:p>
+      </dgm:t>
     </dgm:pt>
     <dgm:pt modelId="{C9C215A8-D6FE-4ACB-B0FD-FE11CBAD2AC5}" type="pres">
       <dgm:prSet presAssocID="{F0F2769A-1199-48DE-9B22-CCB6010A3335}" presName="node" presStyleLbl="node1" presStyleIdx="1" presStyleCnt="4">
@@ -1083,10 +1097,24 @@
     <dgm:pt modelId="{DF764472-6458-4F89-A300-EA3415E4EE16}" type="pres">
       <dgm:prSet presAssocID="{3A7FBFD5-C68E-4BFB-B00D-9581F32F2774}" presName="sibTrans" presStyleLbl="sibTrans2D1" presStyleIdx="1" presStyleCnt="3"/>
       <dgm:spPr/>
+      <dgm:t>
+        <a:bodyPr/>
+        <a:lstStyle/>
+        <a:p>
+          <a:endParaRPr lang="en-US"/>
+        </a:p>
+      </dgm:t>
     </dgm:pt>
     <dgm:pt modelId="{8D47B5A0-A41F-4ADC-8730-561B3C2419BC}" type="pres">
       <dgm:prSet presAssocID="{3A7FBFD5-C68E-4BFB-B00D-9581F32F2774}" presName="connectorText" presStyleLbl="sibTrans2D1" presStyleIdx="1" presStyleCnt="3"/>
       <dgm:spPr/>
+      <dgm:t>
+        <a:bodyPr/>
+        <a:lstStyle/>
+        <a:p>
+          <a:endParaRPr lang="en-US"/>
+        </a:p>
+      </dgm:t>
     </dgm:pt>
     <dgm:pt modelId="{34F7957B-662E-46F9-8C13-AAA64418E827}" type="pres">
       <dgm:prSet presAssocID="{DDB85ACD-860F-4F26-9C19-BF38892C7BEA}" presName="node" presStyleLbl="node1" presStyleIdx="2" presStyleCnt="4">
@@ -1106,10 +1134,24 @@
     <dgm:pt modelId="{5DE24C01-3619-4BAC-9468-EFD0DECDAEBE}" type="pres">
       <dgm:prSet presAssocID="{DE19FD3A-FEDA-4520-83A1-2BD07D8316B3}" presName="sibTrans" presStyleLbl="sibTrans2D1" presStyleIdx="2" presStyleCnt="3"/>
       <dgm:spPr/>
+      <dgm:t>
+        <a:bodyPr/>
+        <a:lstStyle/>
+        <a:p>
+          <a:endParaRPr lang="en-US"/>
+        </a:p>
+      </dgm:t>
     </dgm:pt>
     <dgm:pt modelId="{FCCAC406-000E-4BB6-9C34-BD0B3882E050}" type="pres">
       <dgm:prSet presAssocID="{DE19FD3A-FEDA-4520-83A1-2BD07D8316B3}" presName="connectorText" presStyleLbl="sibTrans2D1" presStyleIdx="2" presStyleCnt="3"/>
       <dgm:spPr/>
+      <dgm:t>
+        <a:bodyPr/>
+        <a:lstStyle/>
+        <a:p>
+          <a:endParaRPr lang="en-US"/>
+        </a:p>
+      </dgm:t>
     </dgm:pt>
     <dgm:pt modelId="{D71C472C-06E1-4BBA-91FF-4B5D3CC75F1F}" type="pres">
       <dgm:prSet presAssocID="{113A74AF-7986-4E7F-A07B-0B9AE1A741D2}" presName="node" presStyleLbl="node1" presStyleIdx="3" presStyleCnt="4">
@@ -1128,21 +1170,21 @@
     </dgm:pt>
   </dgm:ptLst>
   <dgm:cxnLst>
+    <dgm:cxn modelId="{4CB207AA-7CE2-4C8D-BF1A-CFF78D019437}" type="presOf" srcId="{12DE9912-F042-414E-B3B6-FBC124BD5B25}" destId="{4937E544-948D-47AE-9997-07F401BE281A}" srcOrd="0" destOrd="0" presId="urn:microsoft.com/office/officeart/2005/8/layout/process1"/>
     <dgm:cxn modelId="{D322BC26-6868-4CB2-B1C3-7F39B2D1BBC3}" type="presOf" srcId="{113A74AF-7986-4E7F-A07B-0B9AE1A741D2}" destId="{D71C472C-06E1-4BBA-91FF-4B5D3CC75F1F}" srcOrd="0" destOrd="0" presId="urn:microsoft.com/office/officeart/2005/8/layout/process1"/>
-    <dgm:cxn modelId="{948C39D5-A445-4728-9B06-85113EDEEF63}" type="presOf" srcId="{F0F2769A-1199-48DE-9B22-CCB6010A3335}" destId="{C9C215A8-D6FE-4ACB-B0FD-FE11CBAD2AC5}" srcOrd="0" destOrd="0" presId="urn:microsoft.com/office/officeart/2005/8/layout/process1"/>
+    <dgm:cxn modelId="{0BE37BCB-1EF8-40B1-8855-42CB35B3C5C8}" srcId="{CD39A5D4-7659-45A0-A345-2EAD4309D481}" destId="{90EB03C9-FC94-491F-B79B-3030822DA883}" srcOrd="0" destOrd="0" parTransId="{49F4B4A9-929B-4DDE-8182-1F7F5120C6E5}" sibTransId="{12DE9912-F042-414E-B3B6-FBC124BD5B25}"/>
+    <dgm:cxn modelId="{DB50C269-D666-474F-9546-0C2DAA292696}" srcId="{CD39A5D4-7659-45A0-A345-2EAD4309D481}" destId="{DDB85ACD-860F-4F26-9C19-BF38892C7BEA}" srcOrd="2" destOrd="0" parTransId="{82762091-53F2-49C0-9F4E-A1BE687DAC6F}" sibTransId="{DE19FD3A-FEDA-4520-83A1-2BD07D8316B3}"/>
+    <dgm:cxn modelId="{723904B8-5D06-499D-8CD7-258D366331BE}" type="presOf" srcId="{12DE9912-F042-414E-B3B6-FBC124BD5B25}" destId="{622038D5-8748-48DD-A25A-D0AF25586C10}" srcOrd="1" destOrd="0" presId="urn:microsoft.com/office/officeart/2005/8/layout/process1"/>
+    <dgm:cxn modelId="{0641983B-C181-47DC-92B8-E3E83CEAE4F8}" type="presOf" srcId="{3A7FBFD5-C68E-4BFB-B00D-9581F32F2774}" destId="{DF764472-6458-4F89-A300-EA3415E4EE16}" srcOrd="0" destOrd="0" presId="urn:microsoft.com/office/officeart/2005/8/layout/process1"/>
+    <dgm:cxn modelId="{F50132D9-705F-4FFB-9ABE-DC0748E02C37}" type="presOf" srcId="{DE19FD3A-FEDA-4520-83A1-2BD07D8316B3}" destId="{FCCAC406-000E-4BB6-9C34-BD0B3882E050}" srcOrd="1" destOrd="0" presId="urn:microsoft.com/office/officeart/2005/8/layout/process1"/>
+    <dgm:cxn modelId="{B762F8F5-5680-4AFC-A1A3-03D6189399C6}" srcId="{CD39A5D4-7659-45A0-A345-2EAD4309D481}" destId="{F0F2769A-1199-48DE-9B22-CCB6010A3335}" srcOrd="1" destOrd="0" parTransId="{0461A3D4-01D1-4CD4-8434-5719646FD663}" sibTransId="{3A7FBFD5-C68E-4BFB-B00D-9581F32F2774}"/>
     <dgm:cxn modelId="{D8FAF011-9906-479F-861E-B2E51BD2AFC5}" type="presOf" srcId="{DDB85ACD-860F-4F26-9C19-BF38892C7BEA}" destId="{34F7957B-662E-46F9-8C13-AAA64418E827}" srcOrd="0" destOrd="0" presId="urn:microsoft.com/office/officeart/2005/8/layout/process1"/>
-    <dgm:cxn modelId="{F50132D9-705F-4FFB-9ABE-DC0748E02C37}" type="presOf" srcId="{DE19FD3A-FEDA-4520-83A1-2BD07D8316B3}" destId="{FCCAC406-000E-4BB6-9C34-BD0B3882E050}" srcOrd="1" destOrd="0" presId="urn:microsoft.com/office/officeart/2005/8/layout/process1"/>
-    <dgm:cxn modelId="{723904B8-5D06-499D-8CD7-258D366331BE}" type="presOf" srcId="{12DE9912-F042-414E-B3B6-FBC124BD5B25}" destId="{622038D5-8748-48DD-A25A-D0AF25586C10}" srcOrd="1" destOrd="0" presId="urn:microsoft.com/office/officeart/2005/8/layout/process1"/>
-    <dgm:cxn modelId="{829486BC-BA59-45B1-86D1-3080DBD9A509}" type="presOf" srcId="{DE19FD3A-FEDA-4520-83A1-2BD07D8316B3}" destId="{5DE24C01-3619-4BAC-9468-EFD0DECDAEBE}" srcOrd="0" destOrd="0" presId="urn:microsoft.com/office/officeart/2005/8/layout/process1"/>
     <dgm:cxn modelId="{97522110-C6FD-443B-A02E-95820FD164C2}" type="presOf" srcId="{CD39A5D4-7659-45A0-A345-2EAD4309D481}" destId="{31847001-EB12-440A-AAF9-CB4F3F197E1A}" srcOrd="0" destOrd="0" presId="urn:microsoft.com/office/officeart/2005/8/layout/process1"/>
     <dgm:cxn modelId="{C4825851-F946-4EA1-85A6-47529D8079EA}" type="presOf" srcId="{3A7FBFD5-C68E-4BFB-B00D-9581F32F2774}" destId="{8D47B5A0-A41F-4ADC-8730-561B3C2419BC}" srcOrd="1" destOrd="0" presId="urn:microsoft.com/office/officeart/2005/8/layout/process1"/>
-    <dgm:cxn modelId="{0BE37BCB-1EF8-40B1-8855-42CB35B3C5C8}" srcId="{CD39A5D4-7659-45A0-A345-2EAD4309D481}" destId="{90EB03C9-FC94-491F-B79B-3030822DA883}" srcOrd="0" destOrd="0" parTransId="{49F4B4A9-929B-4DDE-8182-1F7F5120C6E5}" sibTransId="{12DE9912-F042-414E-B3B6-FBC124BD5B25}"/>
-    <dgm:cxn modelId="{0641983B-C181-47DC-92B8-E3E83CEAE4F8}" type="presOf" srcId="{3A7FBFD5-C68E-4BFB-B00D-9581F32F2774}" destId="{DF764472-6458-4F89-A300-EA3415E4EE16}" srcOrd="0" destOrd="0" presId="urn:microsoft.com/office/officeart/2005/8/layout/process1"/>
+    <dgm:cxn modelId="{F4DFD9E5-A2FF-4628-82CD-3891978397D9}" type="presOf" srcId="{90EB03C9-FC94-491F-B79B-3030822DA883}" destId="{9B596910-61E9-4C36-BFF7-8D4A75ED0A91}" srcOrd="0" destOrd="0" presId="urn:microsoft.com/office/officeart/2005/8/layout/process1"/>
     <dgm:cxn modelId="{7E8375E8-6BE8-4D57-805A-5DE7D75D3E6C}" srcId="{CD39A5D4-7659-45A0-A345-2EAD4309D481}" destId="{113A74AF-7986-4E7F-A07B-0B9AE1A741D2}" srcOrd="3" destOrd="0" parTransId="{C3826192-672D-4BFD-8D7E-E0E3252A4AC9}" sibTransId="{0F5A0701-4A89-4D3F-8E0C-B08A9E8E03B5}"/>
-    <dgm:cxn modelId="{DB50C269-D666-474F-9546-0C2DAA292696}" srcId="{CD39A5D4-7659-45A0-A345-2EAD4309D481}" destId="{DDB85ACD-860F-4F26-9C19-BF38892C7BEA}" srcOrd="2" destOrd="0" parTransId="{82762091-53F2-49C0-9F4E-A1BE687DAC6F}" sibTransId="{DE19FD3A-FEDA-4520-83A1-2BD07D8316B3}"/>
-    <dgm:cxn modelId="{F4DFD9E5-A2FF-4628-82CD-3891978397D9}" type="presOf" srcId="{90EB03C9-FC94-491F-B79B-3030822DA883}" destId="{9B596910-61E9-4C36-BFF7-8D4A75ED0A91}" srcOrd="0" destOrd="0" presId="urn:microsoft.com/office/officeart/2005/8/layout/process1"/>
-    <dgm:cxn modelId="{B762F8F5-5680-4AFC-A1A3-03D6189399C6}" srcId="{CD39A5D4-7659-45A0-A345-2EAD4309D481}" destId="{F0F2769A-1199-48DE-9B22-CCB6010A3335}" srcOrd="1" destOrd="0" parTransId="{0461A3D4-01D1-4CD4-8434-5719646FD663}" sibTransId="{3A7FBFD5-C68E-4BFB-B00D-9581F32F2774}"/>
-    <dgm:cxn modelId="{4CB207AA-7CE2-4C8D-BF1A-CFF78D019437}" type="presOf" srcId="{12DE9912-F042-414E-B3B6-FBC124BD5B25}" destId="{4937E544-948D-47AE-9997-07F401BE281A}" srcOrd="0" destOrd="0" presId="urn:microsoft.com/office/officeart/2005/8/layout/process1"/>
+    <dgm:cxn modelId="{829486BC-BA59-45B1-86D1-3080DBD9A509}" type="presOf" srcId="{DE19FD3A-FEDA-4520-83A1-2BD07D8316B3}" destId="{5DE24C01-3619-4BAC-9468-EFD0DECDAEBE}" srcOrd="0" destOrd="0" presId="urn:microsoft.com/office/officeart/2005/8/layout/process1"/>
+    <dgm:cxn modelId="{948C39D5-A445-4728-9B06-85113EDEEF63}" type="presOf" srcId="{F0F2769A-1199-48DE-9B22-CCB6010A3335}" destId="{C9C215A8-D6FE-4ACB-B0FD-FE11CBAD2AC5}" srcOrd="0" destOrd="0" presId="urn:microsoft.com/office/officeart/2005/8/layout/process1"/>
     <dgm:cxn modelId="{D8FA7B4B-E436-4BF8-937D-E292BA9CCBB3}" type="presParOf" srcId="{31847001-EB12-440A-AAF9-CB4F3F197E1A}" destId="{9B596910-61E9-4C36-BFF7-8D4A75ED0A91}" srcOrd="0" destOrd="0" presId="urn:microsoft.com/office/officeart/2005/8/layout/process1"/>
     <dgm:cxn modelId="{427651B8-6A8B-4399-A56B-9E35883E506C}" type="presParOf" srcId="{31847001-EB12-440A-AAF9-CB4F3F197E1A}" destId="{4937E544-948D-47AE-9997-07F401BE281A}" srcOrd="1" destOrd="0" presId="urn:microsoft.com/office/officeart/2005/8/layout/process1"/>
     <dgm:cxn modelId="{E958C3FE-43AD-4028-8981-E73145E8F708}" type="presParOf" srcId="{4937E544-948D-47AE-9997-07F401BE281A}" destId="{622038D5-8748-48DD-A25A-D0AF25586C10}" srcOrd="0" destOrd="0" presId="urn:microsoft.com/office/officeart/2005/8/layout/process1"/>
@@ -2964,7 +3006,7 @@
           <a:p>
             <a:fld id="{066D07CF-11C7-4B9C-BCBF-E2D9FCA17911}" type="datetimeFigureOut">
               <a:rPr lang="hu-HU" smtClean="0"/>
-              <a:t>2012.10.16.</a:t>
+              <a:t>2012.10.18.</a:t>
             </a:fld>
             <a:endParaRPr lang="hu-HU"/>
           </a:p>
@@ -3507,7 +3549,7 @@
           <a:p>
             <a:fld id="{109A3B03-3B51-4BDD-9DD7-3CEC69C24252}" type="datetimeFigureOut">
               <a:rPr lang="hu-HU" smtClean="0"/>
-              <a:t>2012.10.16.</a:t>
+              <a:t>2012.10.18.</a:t>
             </a:fld>
             <a:endParaRPr lang="hu-HU"/>
           </a:p>
@@ -3677,7 +3719,7 @@
           <a:p>
             <a:fld id="{109A3B03-3B51-4BDD-9DD7-3CEC69C24252}" type="datetimeFigureOut">
               <a:rPr lang="hu-HU" smtClean="0"/>
-              <a:t>2012.10.16.</a:t>
+              <a:t>2012.10.18.</a:t>
             </a:fld>
             <a:endParaRPr lang="hu-HU"/>
           </a:p>
@@ -3857,7 +3899,7 @@
           <a:p>
             <a:fld id="{109A3B03-3B51-4BDD-9DD7-3CEC69C24252}" type="datetimeFigureOut">
               <a:rPr lang="hu-HU" smtClean="0"/>
-              <a:t>2012.10.16.</a:t>
+              <a:t>2012.10.18.</a:t>
             </a:fld>
             <a:endParaRPr lang="hu-HU"/>
           </a:p>
@@ -4027,7 +4069,7 @@
           <a:p>
             <a:fld id="{109A3B03-3B51-4BDD-9DD7-3CEC69C24252}" type="datetimeFigureOut">
               <a:rPr lang="hu-HU" smtClean="0"/>
-              <a:t>2012.10.16.</a:t>
+              <a:t>2012.10.18.</a:t>
             </a:fld>
             <a:endParaRPr lang="hu-HU"/>
           </a:p>
@@ -4273,7 +4315,7 @@
           <a:p>
             <a:fld id="{109A3B03-3B51-4BDD-9DD7-3CEC69C24252}" type="datetimeFigureOut">
               <a:rPr lang="hu-HU" smtClean="0"/>
-              <a:t>2012.10.16.</a:t>
+              <a:t>2012.10.18.</a:t>
             </a:fld>
             <a:endParaRPr lang="hu-HU"/>
           </a:p>
@@ -4561,7 +4603,7 @@
           <a:p>
             <a:fld id="{109A3B03-3B51-4BDD-9DD7-3CEC69C24252}" type="datetimeFigureOut">
               <a:rPr lang="hu-HU" smtClean="0"/>
-              <a:t>2012.10.16.</a:t>
+              <a:t>2012.10.18.</a:t>
             </a:fld>
             <a:endParaRPr lang="hu-HU"/>
           </a:p>
@@ -4983,7 +5025,7 @@
           <a:p>
             <a:fld id="{109A3B03-3B51-4BDD-9DD7-3CEC69C24252}" type="datetimeFigureOut">
               <a:rPr lang="hu-HU" smtClean="0"/>
-              <a:t>2012.10.16.</a:t>
+              <a:t>2012.10.18.</a:t>
             </a:fld>
             <a:endParaRPr lang="hu-HU"/>
           </a:p>
@@ -5101,7 +5143,7 @@
           <a:p>
             <a:fld id="{109A3B03-3B51-4BDD-9DD7-3CEC69C24252}" type="datetimeFigureOut">
               <a:rPr lang="hu-HU" smtClean="0"/>
-              <a:t>2012.10.16.</a:t>
+              <a:t>2012.10.18.</a:t>
             </a:fld>
             <a:endParaRPr lang="hu-HU"/>
           </a:p>
@@ -5196,7 +5238,7 @@
           <a:p>
             <a:fld id="{109A3B03-3B51-4BDD-9DD7-3CEC69C24252}" type="datetimeFigureOut">
               <a:rPr lang="hu-HU" smtClean="0"/>
-              <a:t>2012.10.16.</a:t>
+              <a:t>2012.10.18.</a:t>
             </a:fld>
             <a:endParaRPr lang="hu-HU"/>
           </a:p>
@@ -5473,7 +5515,7 @@
           <a:p>
             <a:fld id="{109A3B03-3B51-4BDD-9DD7-3CEC69C24252}" type="datetimeFigureOut">
               <a:rPr lang="hu-HU" smtClean="0"/>
-              <a:t>2012.10.16.</a:t>
+              <a:t>2012.10.18.</a:t>
             </a:fld>
             <a:endParaRPr lang="hu-HU"/>
           </a:p>
@@ -5726,7 +5768,7 @@
           <a:p>
             <a:fld id="{109A3B03-3B51-4BDD-9DD7-3CEC69C24252}" type="datetimeFigureOut">
               <a:rPr lang="hu-HU" smtClean="0"/>
-              <a:t>2012.10.16.</a:t>
+              <a:t>2012.10.18.</a:t>
             </a:fld>
             <a:endParaRPr lang="hu-HU"/>
           </a:p>
@@ -5939,7 +5981,7 @@
           <a:p>
             <a:fld id="{109A3B03-3B51-4BDD-9DD7-3CEC69C24252}" type="datetimeFigureOut">
               <a:rPr lang="hu-HU" smtClean="0"/>
-              <a:t>2012.10.16.</a:t>
+              <a:t>2012.10.18.</a:t>
             </a:fld>
             <a:endParaRPr lang="hu-HU"/>
           </a:p>
@@ -6316,13 +6358,51 @@
       </p:grpSpPr>
       <p:sp>
         <p:nvSpPr>
+          <p:cNvPr id="11" name="Téglalap 10"/>
+          <p:cNvSpPr/>
+          <p:nvPr/>
+        </p:nvSpPr>
+        <p:spPr>
+          <a:xfrm>
+            <a:off x="1844824" y="56455"/>
+            <a:ext cx="4896544" cy="4284186"/>
+          </a:xfrm>
+          <a:prstGeom prst="rect">
+            <a:avLst/>
+          </a:prstGeom>
+        </p:spPr>
+        <p:style>
+          <a:lnRef idx="1">
+            <a:schemeClr val="accent3"/>
+          </a:lnRef>
+          <a:fillRef idx="3">
+            <a:schemeClr val="accent3"/>
+          </a:fillRef>
+          <a:effectRef idx="2">
+            <a:schemeClr val="accent3"/>
+          </a:effectRef>
+          <a:fontRef idx="minor">
+            <a:schemeClr val="lt1"/>
+          </a:fontRef>
+        </p:style>
+        <p:txBody>
+          <a:bodyPr rtlCol="0" anchor="ctr"/>
+          <a:lstStyle/>
+          <a:p>
+            <a:pPr algn="ctr"/>
+            <a:endParaRPr lang="en-US"/>
+          </a:p>
+        </p:txBody>
+      </p:sp>
+      <p:sp>
+        <p:nvSpPr>
           <p:cNvPr id="10" name="Téglalap 9"/>
           <p:cNvSpPr/>
           <p:nvPr/>
         </p:nvSpPr>
         <p:spPr>
           <a:xfrm>
-            <a:off x="1869457" y="3254003"/>
+            <a:off x="1859932" y="3254003"/>
             <a:ext cx="153291" cy="153291"/>
           </a:xfrm>
           <a:prstGeom prst="rect">
@@ -6351,84 +6431,6 @@
           <a:p>
             <a:pPr algn="ctr"/>
             <a:endParaRPr lang="en-US" b="1"/>
-          </a:p>
-        </p:txBody>
-      </p:sp>
-      <p:sp>
-        <p:nvSpPr>
-          <p:cNvPr id="45" name="Rectangle 44"/>
-          <p:cNvSpPr/>
-          <p:nvPr/>
-        </p:nvSpPr>
-        <p:spPr>
-          <a:xfrm>
-            <a:off x="1855937" y="4016896"/>
-            <a:ext cx="153293" cy="164578"/>
-          </a:xfrm>
-          <a:prstGeom prst="rect">
-            <a:avLst/>
-          </a:prstGeom>
-        </p:spPr>
-        <p:style>
-          <a:lnRef idx="2">
-            <a:schemeClr val="accent1">
-              <a:shade val="50000"/>
-            </a:schemeClr>
-          </a:lnRef>
-          <a:fillRef idx="1">
-            <a:schemeClr val="accent1"/>
-          </a:fillRef>
-          <a:effectRef idx="0">
-            <a:schemeClr val="accent1"/>
-          </a:effectRef>
-          <a:fontRef idx="minor">
-            <a:schemeClr val="lt1"/>
-          </a:fontRef>
-        </p:style>
-        <p:txBody>
-          <a:bodyPr rtlCol="0" anchor="ctr"/>
-          <a:lstStyle/>
-          <a:p>
-            <a:pPr algn="ctr"/>
-            <a:endParaRPr lang="en-US"/>
-          </a:p>
-        </p:txBody>
-      </p:sp>
-      <p:sp>
-        <p:nvSpPr>
-          <p:cNvPr id="11" name="Téglalap 10"/>
-          <p:cNvSpPr/>
-          <p:nvPr/>
-        </p:nvSpPr>
-        <p:spPr>
-          <a:xfrm>
-            <a:off x="1844824" y="56455"/>
-            <a:ext cx="4896544" cy="4284186"/>
-          </a:xfrm>
-          <a:prstGeom prst="rect">
-            <a:avLst/>
-          </a:prstGeom>
-        </p:spPr>
-        <p:style>
-          <a:lnRef idx="1">
-            <a:schemeClr val="accent3"/>
-          </a:lnRef>
-          <a:fillRef idx="3">
-            <a:schemeClr val="accent3"/>
-          </a:fillRef>
-          <a:effectRef idx="2">
-            <a:schemeClr val="accent3"/>
-          </a:effectRef>
-          <a:fontRef idx="minor">
-            <a:schemeClr val="lt1"/>
-          </a:fontRef>
-        </p:style>
-        <p:txBody>
-          <a:bodyPr rtlCol="0" anchor="ctr"/>
-          <a:lstStyle/>
-          <a:p>
-            <a:pPr algn="ctr"/>
-            <a:endParaRPr lang="en-US"/>
           </a:p>
         </p:txBody>
       </p:sp>
@@ -6859,13 +6861,14 @@
           <p:cNvPr id="17" name="Szögletes összekötő 16"/>
           <p:cNvCxnSpPr>
             <a:stCxn id="16" idx="2"/>
+            <a:endCxn id="10" idx="1"/>
           </p:cNvCxnSpPr>
           <p:nvPr/>
         </p:nvCxnSpPr>
         <p:spPr>
           <a:xfrm rot="16200000" flipH="1">
-            <a:off x="781226" y="2262983"/>
-            <a:ext cx="784272" cy="1351059"/>
+            <a:off x="786746" y="2257463"/>
+            <a:ext cx="784272" cy="1362099"/>
           </a:xfrm>
           <a:prstGeom prst="bentConnector2">
             <a:avLst/>
@@ -7098,7 +7101,7 @@
         </p:nvSpPr>
         <p:spPr>
           <a:xfrm>
-            <a:off x="1535606" y="4803138"/>
+            <a:off x="1535606" y="4815334"/>
             <a:ext cx="5205763" cy="369332"/>
           </a:xfrm>
           <a:prstGeom prst="rect">
@@ -7894,11 +7897,11 @@
             <a:pPr algn="ctr"/>
             <a:r>
               <a:rPr lang="hu-HU" sz="1200" dirty="0"/>
-              <a:t>component repo</a:t>
-            </a:r>
-            <a:r>
-              <a:rPr lang="en-US" sz="1200" dirty="0" err="1"/>
-              <a:t>sitory</a:t>
+              <a:t>component </a:t>
+            </a:r>
+            <a:r>
+              <a:rPr lang="en-US" sz="1200" dirty="0" smtClean="0"/>
+              <a:t>repository</a:t>
             </a:r>
             <a:endParaRPr lang="en-US" sz="1200" dirty="0"/>
           </a:p>
@@ -7961,8 +7964,8 @@
         </p:nvCxnSpPr>
         <p:spPr>
           <a:xfrm>
-            <a:off x="493765" y="5385048"/>
-            <a:ext cx="1" cy="358710"/>
+            <a:off x="493765" y="5418146"/>
+            <a:ext cx="1" cy="325612"/>
           </a:xfrm>
           <a:prstGeom prst="straightConnector1">
             <a:avLst/>
@@ -8167,8 +8170,8 @@
         </p:nvSpPr>
         <p:spPr>
           <a:xfrm>
-            <a:off x="25713" y="4660454"/>
-            <a:ext cx="936103" cy="724594"/>
+            <a:off x="25713" y="4660453"/>
+            <a:ext cx="936103" cy="757693"/>
           </a:xfrm>
           <a:prstGeom prst="flowChartMagneticDisk">
             <a:avLst/>
@@ -9462,13 +9465,7 @@
               <a:rPr lang="en-US" sz="1000" dirty="0" smtClean="0">
                 <a:cs typeface="Courier New" pitchFamily="49" charset="0"/>
               </a:rPr>
-              <a:t>“</a:t>
-            </a:r>
-            <a:r>
-              <a:rPr lang="en-US" sz="1000" dirty="0" smtClean="0">
-                <a:cs typeface="Courier New" pitchFamily="49" charset="0"/>
-              </a:rPr>
-              <a:t>[</a:t>
+              <a:t>“[</a:t>
             </a:r>
             <a:r>
               <a:rPr lang="en-US" sz="1000" dirty="0" err="1" smtClean="0">
@@ -9492,13 +9489,7 @@
               <a:rPr lang="en-US" sz="1000" dirty="0" smtClean="0">
                 <a:cs typeface="Courier New" pitchFamily="49" charset="0"/>
               </a:rPr>
-              <a:t>/Object;</a:t>
-            </a:r>
-            <a:r>
-              <a:rPr lang="en-US" sz="1000" dirty="0" smtClean="0">
-                <a:cs typeface="Courier New" pitchFamily="49" charset="0"/>
-              </a:rPr>
-              <a:t>”</a:t>
+              <a:t>/Object;”</a:t>
             </a:r>
             <a:endParaRPr lang="hu-HU" sz="1000" dirty="0" smtClean="0">
               <a:cs typeface="Courier New" pitchFamily="49" charset="0"/>

--- a/incquery-deps-documentation/visio-diagrams/diagram-source.pptx
+++ b/incquery-deps-documentation/visio-diagrams/diagram-source.pptx
@@ -5,13 +5,15 @@
     <p:sldMasterId id="2147483648" r:id="rId1"/>
   </p:sldMasterIdLst>
   <p:notesMasterIdLst>
-    <p:notesMasterId r:id="rId6"/>
+    <p:notesMasterId r:id="rId8"/>
   </p:notesMasterIdLst>
   <p:sldIdLst>
     <p:sldId id="262" r:id="rId2"/>
     <p:sldId id="261" r:id="rId3"/>
     <p:sldId id="260" r:id="rId4"/>
     <p:sldId id="263" r:id="rId5"/>
+    <p:sldId id="264" r:id="rId6"/>
+    <p:sldId id="265" r:id="rId7"/>
   </p:sldIdLst>
   <p:sldSz cx="6858000" cy="9906000" type="A4"/>
   <p:notesSz cx="6858000" cy="9144000"/>
@@ -123,6 +125,8 @@
             <p14:sldId id="261"/>
             <p14:sldId id="260"/>
             <p14:sldId id="263"/>
+            <p14:sldId id="264"/>
+            <p14:sldId id="265"/>
           </p14:sldIdLst>
         </p14:section>
       </p14:sectionLst>
@@ -132,6 +136,753 @@
 </file>
 
 <file path=ppt/diagrams/colors1.xml><?xml version="1.0" encoding="utf-8"?>
+<dgm:colorsDef xmlns:dgm="http://schemas.openxmlformats.org/drawingml/2006/diagram" xmlns:a="http://schemas.openxmlformats.org/drawingml/2006/main" uniqueId="urn:microsoft.com/office/officeart/2005/8/colors/accent1_2">
+  <dgm:title val=""/>
+  <dgm:desc val=""/>
+  <dgm:catLst>
+    <dgm:cat type="accent1" pri="11200"/>
+  </dgm:catLst>
+  <dgm:styleLbl name="node0">
+    <dgm:fillClrLst meth="repeat">
+      <a:schemeClr val="accent1"/>
+    </dgm:fillClrLst>
+    <dgm:linClrLst meth="repeat">
+      <a:schemeClr val="lt1"/>
+    </dgm:linClrLst>
+    <dgm:effectClrLst/>
+    <dgm:txLinClrLst/>
+    <dgm:txFillClrLst/>
+    <dgm:txEffectClrLst/>
+  </dgm:styleLbl>
+  <dgm:styleLbl name="alignNode1">
+    <dgm:fillClrLst meth="repeat">
+      <a:schemeClr val="accent1"/>
+    </dgm:fillClrLst>
+    <dgm:linClrLst meth="repeat">
+      <a:schemeClr val="accent1"/>
+    </dgm:linClrLst>
+    <dgm:effectClrLst/>
+    <dgm:txLinClrLst/>
+    <dgm:txFillClrLst/>
+    <dgm:txEffectClrLst/>
+  </dgm:styleLbl>
+  <dgm:styleLbl name="node1">
+    <dgm:fillClrLst meth="repeat">
+      <a:schemeClr val="accent1"/>
+    </dgm:fillClrLst>
+    <dgm:linClrLst meth="repeat">
+      <a:schemeClr val="lt1"/>
+    </dgm:linClrLst>
+    <dgm:effectClrLst/>
+    <dgm:txLinClrLst/>
+    <dgm:txFillClrLst/>
+    <dgm:txEffectClrLst/>
+  </dgm:styleLbl>
+  <dgm:styleLbl name="lnNode1">
+    <dgm:fillClrLst meth="repeat">
+      <a:schemeClr val="accent1"/>
+    </dgm:fillClrLst>
+    <dgm:linClrLst meth="repeat">
+      <a:schemeClr val="lt1"/>
+    </dgm:linClrLst>
+    <dgm:effectClrLst/>
+    <dgm:txLinClrLst/>
+    <dgm:txFillClrLst/>
+    <dgm:txEffectClrLst/>
+  </dgm:styleLbl>
+  <dgm:styleLbl name="vennNode1">
+    <dgm:fillClrLst meth="repeat">
+      <a:schemeClr val="accent1">
+        <a:alpha val="50000"/>
+      </a:schemeClr>
+    </dgm:fillClrLst>
+    <dgm:linClrLst meth="repeat">
+      <a:schemeClr val="lt1"/>
+    </dgm:linClrLst>
+    <dgm:effectClrLst/>
+    <dgm:txLinClrLst/>
+    <dgm:txFillClrLst/>
+    <dgm:txEffectClrLst/>
+  </dgm:styleLbl>
+  <dgm:styleLbl name="node2">
+    <dgm:fillClrLst meth="repeat">
+      <a:schemeClr val="accent1"/>
+    </dgm:fillClrLst>
+    <dgm:linClrLst meth="repeat">
+      <a:schemeClr val="lt1"/>
+    </dgm:linClrLst>
+    <dgm:effectClrLst/>
+    <dgm:txLinClrLst/>
+    <dgm:txFillClrLst/>
+    <dgm:txEffectClrLst/>
+  </dgm:styleLbl>
+  <dgm:styleLbl name="node3">
+    <dgm:fillClrLst meth="repeat">
+      <a:schemeClr val="accent1"/>
+    </dgm:fillClrLst>
+    <dgm:linClrLst meth="repeat">
+      <a:schemeClr val="lt1"/>
+    </dgm:linClrLst>
+    <dgm:effectClrLst/>
+    <dgm:txLinClrLst/>
+    <dgm:txFillClrLst/>
+    <dgm:txEffectClrLst/>
+  </dgm:styleLbl>
+  <dgm:styleLbl name="node4">
+    <dgm:fillClrLst meth="repeat">
+      <a:schemeClr val="accent1"/>
+    </dgm:fillClrLst>
+    <dgm:linClrLst meth="repeat">
+      <a:schemeClr val="lt1"/>
+    </dgm:linClrLst>
+    <dgm:effectClrLst/>
+    <dgm:txLinClrLst/>
+    <dgm:txFillClrLst/>
+    <dgm:txEffectClrLst/>
+  </dgm:styleLbl>
+  <dgm:styleLbl name="fgImgPlace1">
+    <dgm:fillClrLst meth="repeat">
+      <a:schemeClr val="accent1">
+        <a:tint val="50000"/>
+      </a:schemeClr>
+    </dgm:fillClrLst>
+    <dgm:linClrLst meth="repeat">
+      <a:schemeClr val="lt1"/>
+    </dgm:linClrLst>
+    <dgm:effectClrLst/>
+    <dgm:txLinClrLst/>
+    <dgm:txFillClrLst meth="repeat">
+      <a:schemeClr val="lt1"/>
+    </dgm:txFillClrLst>
+    <dgm:txEffectClrLst/>
+  </dgm:styleLbl>
+  <dgm:styleLbl name="alignImgPlace1">
+    <dgm:fillClrLst meth="repeat">
+      <a:schemeClr val="accent1">
+        <a:tint val="50000"/>
+      </a:schemeClr>
+    </dgm:fillClrLst>
+    <dgm:linClrLst meth="repeat">
+      <a:schemeClr val="lt1"/>
+    </dgm:linClrLst>
+    <dgm:effectClrLst/>
+    <dgm:txLinClrLst/>
+    <dgm:txFillClrLst meth="repeat">
+      <a:schemeClr val="lt1"/>
+    </dgm:txFillClrLst>
+    <dgm:txEffectClrLst/>
+  </dgm:styleLbl>
+  <dgm:styleLbl name="bgImgPlace1">
+    <dgm:fillClrLst meth="repeat">
+      <a:schemeClr val="accent1">
+        <a:tint val="50000"/>
+      </a:schemeClr>
+    </dgm:fillClrLst>
+    <dgm:linClrLst meth="repeat">
+      <a:schemeClr val="lt1"/>
+    </dgm:linClrLst>
+    <dgm:effectClrLst/>
+    <dgm:txLinClrLst/>
+    <dgm:txFillClrLst meth="repeat">
+      <a:schemeClr val="lt1"/>
+    </dgm:txFillClrLst>
+    <dgm:txEffectClrLst/>
+  </dgm:styleLbl>
+  <dgm:styleLbl name="sibTrans2D1">
+    <dgm:fillClrLst meth="repeat">
+      <a:schemeClr val="accent1">
+        <a:tint val="60000"/>
+      </a:schemeClr>
+    </dgm:fillClrLst>
+    <dgm:linClrLst meth="repeat">
+      <a:schemeClr val="accent1">
+        <a:tint val="60000"/>
+      </a:schemeClr>
+    </dgm:linClrLst>
+    <dgm:effectClrLst/>
+    <dgm:txLinClrLst/>
+    <dgm:txFillClrLst/>
+    <dgm:txEffectClrLst/>
+  </dgm:styleLbl>
+  <dgm:styleLbl name="fgSibTrans2D1">
+    <dgm:fillClrLst meth="repeat">
+      <a:schemeClr val="accent1">
+        <a:tint val="60000"/>
+      </a:schemeClr>
+    </dgm:fillClrLst>
+    <dgm:linClrLst meth="repeat">
+      <a:schemeClr val="accent1">
+        <a:tint val="60000"/>
+      </a:schemeClr>
+    </dgm:linClrLst>
+    <dgm:effectClrLst/>
+    <dgm:txLinClrLst/>
+    <dgm:txFillClrLst/>
+    <dgm:txEffectClrLst/>
+  </dgm:styleLbl>
+  <dgm:styleLbl name="bgSibTrans2D1">
+    <dgm:fillClrLst meth="repeat">
+      <a:schemeClr val="accent1">
+        <a:tint val="60000"/>
+      </a:schemeClr>
+    </dgm:fillClrLst>
+    <dgm:linClrLst meth="repeat">
+      <a:schemeClr val="accent1">
+        <a:tint val="60000"/>
+      </a:schemeClr>
+    </dgm:linClrLst>
+    <dgm:effectClrLst/>
+    <dgm:txLinClrLst/>
+    <dgm:txFillClrLst/>
+    <dgm:txEffectClrLst/>
+  </dgm:styleLbl>
+  <dgm:styleLbl name="sibTrans1D1">
+    <dgm:fillClrLst meth="repeat">
+      <a:schemeClr val="accent1"/>
+    </dgm:fillClrLst>
+    <dgm:linClrLst meth="repeat">
+      <a:schemeClr val="accent1"/>
+    </dgm:linClrLst>
+    <dgm:effectClrLst/>
+    <dgm:txLinClrLst/>
+    <dgm:txFillClrLst meth="repeat">
+      <a:schemeClr val="tx1"/>
+    </dgm:txFillClrLst>
+    <dgm:txEffectClrLst/>
+  </dgm:styleLbl>
+  <dgm:styleLbl name="callout">
+    <dgm:fillClrLst meth="repeat">
+      <a:schemeClr val="accent1"/>
+    </dgm:fillClrLst>
+    <dgm:linClrLst meth="repeat">
+      <a:schemeClr val="accent1">
+        <a:tint val="50000"/>
+      </a:schemeClr>
+    </dgm:linClrLst>
+    <dgm:effectClrLst/>
+    <dgm:txLinClrLst/>
+    <dgm:txFillClrLst meth="repeat">
+      <a:schemeClr val="tx1"/>
+    </dgm:txFillClrLst>
+    <dgm:txEffectClrLst/>
+  </dgm:styleLbl>
+  <dgm:styleLbl name="asst0">
+    <dgm:fillClrLst meth="repeat">
+      <a:schemeClr val="accent1"/>
+    </dgm:fillClrLst>
+    <dgm:linClrLst meth="repeat">
+      <a:schemeClr val="lt1"/>
+    </dgm:linClrLst>
+    <dgm:effectClrLst/>
+    <dgm:txLinClrLst/>
+    <dgm:txFillClrLst/>
+    <dgm:txEffectClrLst/>
+  </dgm:styleLbl>
+  <dgm:styleLbl name="asst1">
+    <dgm:fillClrLst meth="repeat">
+      <a:schemeClr val="accent1"/>
+    </dgm:fillClrLst>
+    <dgm:linClrLst meth="repeat">
+      <a:schemeClr val="lt1"/>
+    </dgm:linClrLst>
+    <dgm:effectClrLst/>
+    <dgm:txLinClrLst/>
+    <dgm:txFillClrLst/>
+    <dgm:txEffectClrLst/>
+  </dgm:styleLbl>
+  <dgm:styleLbl name="asst2">
+    <dgm:fillClrLst meth="repeat">
+      <a:schemeClr val="accent1"/>
+    </dgm:fillClrLst>
+    <dgm:linClrLst meth="repeat">
+      <a:schemeClr val="lt1"/>
+    </dgm:linClrLst>
+    <dgm:effectClrLst/>
+    <dgm:txLinClrLst/>
+    <dgm:txFillClrLst/>
+    <dgm:txEffectClrLst/>
+  </dgm:styleLbl>
+  <dgm:styleLbl name="asst3">
+    <dgm:fillClrLst meth="repeat">
+      <a:schemeClr val="accent1"/>
+    </dgm:fillClrLst>
+    <dgm:linClrLst meth="repeat">
+      <a:schemeClr val="lt1"/>
+    </dgm:linClrLst>
+    <dgm:effectClrLst/>
+    <dgm:txLinClrLst/>
+    <dgm:txFillClrLst/>
+    <dgm:txEffectClrLst/>
+  </dgm:styleLbl>
+  <dgm:styleLbl name="asst4">
+    <dgm:fillClrLst meth="repeat">
+      <a:schemeClr val="accent1"/>
+    </dgm:fillClrLst>
+    <dgm:linClrLst meth="repeat">
+      <a:schemeClr val="lt1"/>
+    </dgm:linClrLst>
+    <dgm:effectClrLst/>
+    <dgm:txLinClrLst/>
+    <dgm:txFillClrLst/>
+    <dgm:txEffectClrLst/>
+  </dgm:styleLbl>
+  <dgm:styleLbl name="parChTrans2D1">
+    <dgm:fillClrLst meth="repeat">
+      <a:schemeClr val="accent1">
+        <a:tint val="60000"/>
+      </a:schemeClr>
+    </dgm:fillClrLst>
+    <dgm:linClrLst meth="repeat">
+      <a:schemeClr val="accent1">
+        <a:tint val="60000"/>
+      </a:schemeClr>
+    </dgm:linClrLst>
+    <dgm:effectClrLst/>
+    <dgm:txLinClrLst/>
+    <dgm:txFillClrLst meth="repeat">
+      <a:schemeClr val="lt1"/>
+    </dgm:txFillClrLst>
+    <dgm:txEffectClrLst/>
+  </dgm:styleLbl>
+  <dgm:styleLbl name="parChTrans2D2">
+    <dgm:fillClrLst meth="repeat">
+      <a:schemeClr val="accent1"/>
+    </dgm:fillClrLst>
+    <dgm:linClrLst meth="repeat">
+      <a:schemeClr val="accent1"/>
+    </dgm:linClrLst>
+    <dgm:effectClrLst/>
+    <dgm:txLinClrLst/>
+    <dgm:txFillClrLst meth="repeat">
+      <a:schemeClr val="lt1"/>
+    </dgm:txFillClrLst>
+    <dgm:txEffectClrLst/>
+  </dgm:styleLbl>
+  <dgm:styleLbl name="parChTrans2D3">
+    <dgm:fillClrLst meth="repeat">
+      <a:schemeClr val="accent1"/>
+    </dgm:fillClrLst>
+    <dgm:linClrLst meth="repeat">
+      <a:schemeClr val="accent1"/>
+    </dgm:linClrLst>
+    <dgm:effectClrLst/>
+    <dgm:txLinClrLst/>
+    <dgm:txFillClrLst meth="repeat">
+      <a:schemeClr val="lt1"/>
+    </dgm:txFillClrLst>
+    <dgm:txEffectClrLst/>
+  </dgm:styleLbl>
+  <dgm:styleLbl name="parChTrans2D4">
+    <dgm:fillClrLst meth="repeat">
+      <a:schemeClr val="accent1"/>
+    </dgm:fillClrLst>
+    <dgm:linClrLst meth="repeat">
+      <a:schemeClr val="accent1"/>
+    </dgm:linClrLst>
+    <dgm:effectClrLst/>
+    <dgm:txLinClrLst/>
+    <dgm:txFillClrLst meth="repeat">
+      <a:schemeClr val="lt1"/>
+    </dgm:txFillClrLst>
+    <dgm:txEffectClrLst/>
+  </dgm:styleLbl>
+  <dgm:styleLbl name="parChTrans1D1">
+    <dgm:fillClrLst meth="repeat">
+      <a:schemeClr val="accent1"/>
+    </dgm:fillClrLst>
+    <dgm:linClrLst meth="repeat">
+      <a:schemeClr val="accent1">
+        <a:shade val="60000"/>
+      </a:schemeClr>
+    </dgm:linClrLst>
+    <dgm:effectClrLst/>
+    <dgm:txLinClrLst/>
+    <dgm:txFillClrLst meth="repeat">
+      <a:schemeClr val="tx1"/>
+    </dgm:txFillClrLst>
+    <dgm:txEffectClrLst/>
+  </dgm:styleLbl>
+  <dgm:styleLbl name="parChTrans1D2">
+    <dgm:fillClrLst meth="repeat">
+      <a:schemeClr val="accent1"/>
+    </dgm:fillClrLst>
+    <dgm:linClrLst meth="repeat">
+      <a:schemeClr val="accent1">
+        <a:shade val="60000"/>
+      </a:schemeClr>
+    </dgm:linClrLst>
+    <dgm:effectClrLst/>
+    <dgm:txLinClrLst/>
+    <dgm:txFillClrLst meth="repeat">
+      <a:schemeClr val="tx1"/>
+    </dgm:txFillClrLst>
+    <dgm:txEffectClrLst/>
+  </dgm:styleLbl>
+  <dgm:styleLbl name="parChTrans1D3">
+    <dgm:fillClrLst meth="repeat">
+      <a:schemeClr val="accent1"/>
+    </dgm:fillClrLst>
+    <dgm:linClrLst meth="repeat">
+      <a:schemeClr val="accent1">
+        <a:shade val="80000"/>
+      </a:schemeClr>
+    </dgm:linClrLst>
+    <dgm:effectClrLst/>
+    <dgm:txLinClrLst/>
+    <dgm:txFillClrLst meth="repeat">
+      <a:schemeClr val="tx1"/>
+    </dgm:txFillClrLst>
+    <dgm:txEffectClrLst/>
+  </dgm:styleLbl>
+  <dgm:styleLbl name="parChTrans1D4">
+    <dgm:fillClrLst meth="repeat">
+      <a:schemeClr val="accent1"/>
+    </dgm:fillClrLst>
+    <dgm:linClrLst meth="repeat">
+      <a:schemeClr val="accent1">
+        <a:shade val="80000"/>
+      </a:schemeClr>
+    </dgm:linClrLst>
+    <dgm:effectClrLst/>
+    <dgm:txLinClrLst/>
+    <dgm:txFillClrLst meth="repeat">
+      <a:schemeClr val="tx1"/>
+    </dgm:txFillClrLst>
+    <dgm:txEffectClrLst/>
+  </dgm:styleLbl>
+  <dgm:styleLbl name="fgAcc1">
+    <dgm:fillClrLst meth="repeat">
+      <a:schemeClr val="lt1">
+        <a:alpha val="90000"/>
+      </a:schemeClr>
+    </dgm:fillClrLst>
+    <dgm:linClrLst meth="repeat">
+      <a:schemeClr val="accent1"/>
+    </dgm:linClrLst>
+    <dgm:effectClrLst/>
+    <dgm:txLinClrLst/>
+    <dgm:txFillClrLst meth="repeat">
+      <a:schemeClr val="dk1"/>
+    </dgm:txFillClrLst>
+    <dgm:txEffectClrLst/>
+  </dgm:styleLbl>
+  <dgm:styleLbl name="conFgAcc1">
+    <dgm:fillClrLst meth="repeat">
+      <a:schemeClr val="lt1">
+        <a:alpha val="90000"/>
+      </a:schemeClr>
+    </dgm:fillClrLst>
+    <dgm:linClrLst meth="repeat">
+      <a:schemeClr val="accent1"/>
+    </dgm:linClrLst>
+    <dgm:effectClrLst/>
+    <dgm:txLinClrLst/>
+    <dgm:txFillClrLst meth="repeat">
+      <a:schemeClr val="dk1"/>
+    </dgm:txFillClrLst>
+    <dgm:txEffectClrLst/>
+  </dgm:styleLbl>
+  <dgm:styleLbl name="alignAcc1">
+    <dgm:fillClrLst meth="repeat">
+      <a:schemeClr val="lt1">
+        <a:alpha val="90000"/>
+      </a:schemeClr>
+    </dgm:fillClrLst>
+    <dgm:linClrLst meth="repeat">
+      <a:schemeClr val="accent1"/>
+    </dgm:linClrLst>
+    <dgm:effectClrLst/>
+    <dgm:txLinClrLst/>
+    <dgm:txFillClrLst meth="repeat">
+      <a:schemeClr val="dk1"/>
+    </dgm:txFillClrLst>
+    <dgm:txEffectClrLst/>
+  </dgm:styleLbl>
+  <dgm:styleLbl name="trAlignAcc1">
+    <dgm:fillClrLst meth="repeat">
+      <a:schemeClr val="lt1">
+        <a:alpha val="40000"/>
+      </a:schemeClr>
+    </dgm:fillClrLst>
+    <dgm:linClrLst meth="repeat">
+      <a:schemeClr val="accent1"/>
+    </dgm:linClrLst>
+    <dgm:effectClrLst/>
+    <dgm:txLinClrLst/>
+    <dgm:txFillClrLst meth="repeat">
+      <a:schemeClr val="dk1"/>
+    </dgm:txFillClrLst>
+    <dgm:txEffectClrLst/>
+  </dgm:styleLbl>
+  <dgm:styleLbl name="bgAcc1">
+    <dgm:fillClrLst meth="repeat">
+      <a:schemeClr val="lt1">
+        <a:alpha val="90000"/>
+      </a:schemeClr>
+    </dgm:fillClrLst>
+    <dgm:linClrLst meth="repeat">
+      <a:schemeClr val="accent1"/>
+    </dgm:linClrLst>
+    <dgm:effectClrLst/>
+    <dgm:txLinClrLst/>
+    <dgm:txFillClrLst meth="repeat">
+      <a:schemeClr val="dk1"/>
+    </dgm:txFillClrLst>
+    <dgm:txEffectClrLst/>
+  </dgm:styleLbl>
+  <dgm:styleLbl name="solidFgAcc1">
+    <dgm:fillClrLst meth="repeat">
+      <a:schemeClr val="lt1"/>
+    </dgm:fillClrLst>
+    <dgm:linClrLst meth="repeat">
+      <a:schemeClr val="accent1"/>
+    </dgm:linClrLst>
+    <dgm:effectClrLst/>
+    <dgm:txLinClrLst/>
+    <dgm:txFillClrLst meth="repeat">
+      <a:schemeClr val="dk1"/>
+    </dgm:txFillClrLst>
+    <dgm:txEffectClrLst/>
+  </dgm:styleLbl>
+  <dgm:styleLbl name="solidAlignAcc1">
+    <dgm:fillClrLst meth="repeat">
+      <a:schemeClr val="lt1"/>
+    </dgm:fillClrLst>
+    <dgm:linClrLst meth="repeat">
+      <a:schemeClr val="accent1"/>
+    </dgm:linClrLst>
+    <dgm:effectClrLst/>
+    <dgm:txLinClrLst/>
+    <dgm:txFillClrLst meth="repeat">
+      <a:schemeClr val="dk1"/>
+    </dgm:txFillClrLst>
+    <dgm:txEffectClrLst/>
+  </dgm:styleLbl>
+  <dgm:styleLbl name="solidBgAcc1">
+    <dgm:fillClrLst meth="repeat">
+      <a:schemeClr val="lt1"/>
+    </dgm:fillClrLst>
+    <dgm:linClrLst meth="repeat">
+      <a:schemeClr val="accent1"/>
+    </dgm:linClrLst>
+    <dgm:effectClrLst/>
+    <dgm:txLinClrLst/>
+    <dgm:txFillClrLst meth="repeat">
+      <a:schemeClr val="dk1"/>
+    </dgm:txFillClrLst>
+    <dgm:txEffectClrLst/>
+  </dgm:styleLbl>
+  <dgm:styleLbl name="fgAccFollowNode1">
+    <dgm:fillClrLst meth="repeat">
+      <a:schemeClr val="accent1">
+        <a:alpha val="90000"/>
+        <a:tint val="40000"/>
+      </a:schemeClr>
+    </dgm:fillClrLst>
+    <dgm:linClrLst meth="repeat">
+      <a:schemeClr val="accent1">
+        <a:alpha val="90000"/>
+        <a:tint val="40000"/>
+      </a:schemeClr>
+    </dgm:linClrLst>
+    <dgm:effectClrLst/>
+    <dgm:txLinClrLst/>
+    <dgm:txFillClrLst meth="repeat">
+      <a:schemeClr val="dk1"/>
+    </dgm:txFillClrLst>
+    <dgm:txEffectClrLst/>
+  </dgm:styleLbl>
+  <dgm:styleLbl name="alignAccFollowNode1">
+    <dgm:fillClrLst meth="repeat">
+      <a:schemeClr val="accent1">
+        <a:alpha val="90000"/>
+        <a:tint val="40000"/>
+      </a:schemeClr>
+    </dgm:fillClrLst>
+    <dgm:linClrLst meth="repeat">
+      <a:schemeClr val="accent1">
+        <a:alpha val="90000"/>
+        <a:tint val="40000"/>
+      </a:schemeClr>
+    </dgm:linClrLst>
+    <dgm:effectClrLst/>
+    <dgm:txLinClrLst/>
+    <dgm:txFillClrLst meth="repeat">
+      <a:schemeClr val="dk1"/>
+    </dgm:txFillClrLst>
+    <dgm:txEffectClrLst/>
+  </dgm:styleLbl>
+  <dgm:styleLbl name="bgAccFollowNode1">
+    <dgm:fillClrLst meth="repeat">
+      <a:schemeClr val="accent1">
+        <a:alpha val="90000"/>
+        <a:tint val="40000"/>
+      </a:schemeClr>
+    </dgm:fillClrLst>
+    <dgm:linClrLst meth="repeat">
+      <a:schemeClr val="accent1">
+        <a:alpha val="90000"/>
+        <a:tint val="40000"/>
+      </a:schemeClr>
+    </dgm:linClrLst>
+    <dgm:effectClrLst/>
+    <dgm:txLinClrLst/>
+    <dgm:txFillClrLst meth="repeat">
+      <a:schemeClr val="dk1"/>
+    </dgm:txFillClrLst>
+    <dgm:txEffectClrLst/>
+  </dgm:styleLbl>
+  <dgm:styleLbl name="fgAcc0">
+    <dgm:fillClrLst meth="repeat">
+      <a:schemeClr val="lt1">
+        <a:alpha val="90000"/>
+      </a:schemeClr>
+    </dgm:fillClrLst>
+    <dgm:linClrLst meth="repeat">
+      <a:schemeClr val="accent1"/>
+    </dgm:linClrLst>
+    <dgm:effectClrLst/>
+    <dgm:txLinClrLst/>
+    <dgm:txFillClrLst meth="repeat">
+      <a:schemeClr val="dk1"/>
+    </dgm:txFillClrLst>
+    <dgm:txEffectClrLst/>
+  </dgm:styleLbl>
+  <dgm:styleLbl name="fgAcc2">
+    <dgm:fillClrLst meth="repeat">
+      <a:schemeClr val="lt1">
+        <a:alpha val="90000"/>
+      </a:schemeClr>
+    </dgm:fillClrLst>
+    <dgm:linClrLst meth="repeat">
+      <a:schemeClr val="accent1"/>
+    </dgm:linClrLst>
+    <dgm:effectClrLst/>
+    <dgm:txLinClrLst/>
+    <dgm:txFillClrLst meth="repeat">
+      <a:schemeClr val="dk1"/>
+    </dgm:txFillClrLst>
+    <dgm:txEffectClrLst/>
+  </dgm:styleLbl>
+  <dgm:styleLbl name="fgAcc3">
+    <dgm:fillClrLst meth="repeat">
+      <a:schemeClr val="lt1">
+        <a:alpha val="90000"/>
+      </a:schemeClr>
+    </dgm:fillClrLst>
+    <dgm:linClrLst meth="repeat">
+      <a:schemeClr val="accent1"/>
+    </dgm:linClrLst>
+    <dgm:effectClrLst/>
+    <dgm:txLinClrLst/>
+    <dgm:txFillClrLst meth="repeat">
+      <a:schemeClr val="dk1"/>
+    </dgm:txFillClrLst>
+    <dgm:txEffectClrLst/>
+  </dgm:styleLbl>
+  <dgm:styleLbl name="fgAcc4">
+    <dgm:fillClrLst meth="repeat">
+      <a:schemeClr val="lt1">
+        <a:alpha val="90000"/>
+      </a:schemeClr>
+    </dgm:fillClrLst>
+    <dgm:linClrLst meth="repeat">
+      <a:schemeClr val="accent1"/>
+    </dgm:linClrLst>
+    <dgm:effectClrLst/>
+    <dgm:txLinClrLst/>
+    <dgm:txFillClrLst meth="repeat">
+      <a:schemeClr val="dk1"/>
+    </dgm:txFillClrLst>
+    <dgm:txEffectClrLst/>
+  </dgm:styleLbl>
+  <dgm:styleLbl name="bgShp">
+    <dgm:fillClrLst meth="repeat">
+      <a:schemeClr val="accent1">
+        <a:tint val="40000"/>
+      </a:schemeClr>
+    </dgm:fillClrLst>
+    <dgm:linClrLst meth="repeat">
+      <a:schemeClr val="accent1"/>
+    </dgm:linClrLst>
+    <dgm:effectClrLst/>
+    <dgm:txLinClrLst/>
+    <dgm:txFillClrLst meth="repeat">
+      <a:schemeClr val="dk1"/>
+    </dgm:txFillClrLst>
+    <dgm:txEffectClrLst/>
+  </dgm:styleLbl>
+  <dgm:styleLbl name="dkBgShp">
+    <dgm:fillClrLst meth="repeat">
+      <a:schemeClr val="accent1">
+        <a:shade val="80000"/>
+      </a:schemeClr>
+    </dgm:fillClrLst>
+    <dgm:linClrLst meth="repeat">
+      <a:schemeClr val="accent1"/>
+    </dgm:linClrLst>
+    <dgm:effectClrLst/>
+    <dgm:txLinClrLst/>
+    <dgm:txFillClrLst meth="repeat">
+      <a:schemeClr val="lt1"/>
+    </dgm:txFillClrLst>
+    <dgm:txEffectClrLst/>
+  </dgm:styleLbl>
+  <dgm:styleLbl name="trBgShp">
+    <dgm:fillClrLst meth="repeat">
+      <a:schemeClr val="accent1">
+        <a:tint val="50000"/>
+        <a:alpha val="40000"/>
+      </a:schemeClr>
+    </dgm:fillClrLst>
+    <dgm:linClrLst meth="repeat">
+      <a:schemeClr val="accent1"/>
+    </dgm:linClrLst>
+    <dgm:effectClrLst/>
+    <dgm:txLinClrLst/>
+    <dgm:txFillClrLst meth="repeat">
+      <a:schemeClr val="lt1"/>
+    </dgm:txFillClrLst>
+    <dgm:txEffectClrLst/>
+  </dgm:styleLbl>
+  <dgm:styleLbl name="fgShp">
+    <dgm:fillClrLst meth="repeat">
+      <a:schemeClr val="accent1">
+        <a:tint val="60000"/>
+      </a:schemeClr>
+    </dgm:fillClrLst>
+    <dgm:linClrLst meth="repeat">
+      <a:schemeClr val="lt1"/>
+    </dgm:linClrLst>
+    <dgm:effectClrLst/>
+    <dgm:txLinClrLst/>
+    <dgm:txFillClrLst meth="repeat">
+      <a:schemeClr val="dk1"/>
+    </dgm:txFillClrLst>
+    <dgm:txEffectClrLst/>
+  </dgm:styleLbl>
+  <dgm:styleLbl name="revTx">
+    <dgm:fillClrLst meth="repeat">
+      <a:schemeClr val="lt1">
+        <a:alpha val="0"/>
+      </a:schemeClr>
+    </dgm:fillClrLst>
+    <dgm:linClrLst meth="repeat">
+      <a:schemeClr val="dk1">
+        <a:alpha val="0"/>
+      </a:schemeClr>
+    </dgm:linClrLst>
+    <dgm:effectClrLst/>
+    <dgm:txLinClrLst/>
+    <dgm:txFillClrLst meth="repeat">
+      <a:schemeClr val="tx1"/>
+    </dgm:txFillClrLst>
+    <dgm:txEffectClrLst/>
+  </dgm:styleLbl>
+</dgm:colorsDef>
+</file>
+
+<file path=ppt/diagrams/colors2.xml><?xml version="1.0" encoding="utf-8"?>
 <dgm:colorsDef xmlns:dgm="http://schemas.openxmlformats.org/drawingml/2006/diagram" xmlns:a="http://schemas.openxmlformats.org/drawingml/2006/main" uniqueId="urn:microsoft.com/office/officeart/2005/8/colors/accent1_2">
   <dgm:title val=""/>
   <dgm:desc val=""/>
@@ -1204,6 +1955,565 @@
     </a:ext>
     <a:ext uri="{C62137D5-CB1D-491B-B009-E17868A290BF}">
       <dgm14:recolorImg xmlns:dgm14="http://schemas.microsoft.com/office/drawing/2010/diagram" val="1"/>
+    </a:ext>
+  </dgm:extLst>
+</dgm:dataModel>
+</file>
+
+<file path=ppt/diagrams/data2.xml><?xml version="1.0" encoding="utf-8"?>
+<dgm:dataModel xmlns:dgm="http://schemas.openxmlformats.org/drawingml/2006/diagram" xmlns:a="http://schemas.openxmlformats.org/drawingml/2006/main">
+  <dgm:ptLst>
+    <dgm:pt modelId="{FDB29BDC-7CAF-4DE5-B604-FFD084883D35}" type="doc">
+      <dgm:prSet loTypeId="urn:microsoft.com/office/officeart/2005/8/layout/process3" loCatId="process" qsTypeId="urn:microsoft.com/office/officeart/2005/8/quickstyle/simple1" qsCatId="simple" csTypeId="urn:microsoft.com/office/officeart/2005/8/colors/accent1_2" csCatId="accent1" phldr="1"/>
+      <dgm:spPr/>
+    </dgm:pt>
+    <dgm:pt modelId="{23E9BE2F-0B68-4660-B14B-AA6A221E3C6B}">
+      <dgm:prSet phldrT="[Text]"/>
+      <dgm:spPr/>
+      <dgm:t>
+        <a:bodyPr/>
+        <a:lstStyle/>
+        <a:p>
+          <a:r>
+            <a:rPr lang="hu-HU" dirty="0" smtClean="0"/>
+            <a:t>Eclipse Startup</a:t>
+          </a:r>
+          <a:endParaRPr lang="en-US" dirty="0"/>
+        </a:p>
+      </dgm:t>
+    </dgm:pt>
+    <dgm:pt modelId="{D8C7E8DF-0B6C-45E0-AE5C-2A462014D8C2}" type="parTrans" cxnId="{5AAE8BFD-6E74-44F2-9A1C-AD31AF458949}">
+      <dgm:prSet/>
+      <dgm:spPr/>
+      <dgm:t>
+        <a:bodyPr/>
+        <a:lstStyle/>
+        <a:p>
+          <a:endParaRPr lang="en-US"/>
+        </a:p>
+      </dgm:t>
+    </dgm:pt>
+    <dgm:pt modelId="{DAF8DBA7-B6FE-4941-AD4C-56B7BECBE0DA}" type="sibTrans" cxnId="{5AAE8BFD-6E74-44F2-9A1C-AD31AF458949}">
+      <dgm:prSet/>
+      <dgm:spPr/>
+      <dgm:t>
+        <a:bodyPr/>
+        <a:lstStyle/>
+        <a:p>
+          <a:endParaRPr lang="en-US"/>
+        </a:p>
+      </dgm:t>
+    </dgm:pt>
+    <dgm:pt modelId="{99F541C9-4B89-4720-8419-4756B8A83A7E}">
+      <dgm:prSet phldrT="[Text]"/>
+      <dgm:spPr/>
+      <dgm:t>
+        <a:bodyPr/>
+        <a:lstStyle/>
+        <a:p>
+          <a:r>
+            <a:rPr lang="hu-HU" smtClean="0"/>
+            <a:t>Java </a:t>
+          </a:r>
+          <a:r>
+            <a:rPr lang="hu-HU" smtClean="0"/>
+            <a:t>code changes</a:t>
+          </a:r>
+          <a:endParaRPr lang="en-US" dirty="0"/>
+        </a:p>
+      </dgm:t>
+    </dgm:pt>
+    <dgm:pt modelId="{7FF73C21-1B15-4FC2-A655-33C7A363E49E}" type="parTrans" cxnId="{06B2DD58-DC8C-487B-8734-F86528E2E808}">
+      <dgm:prSet/>
+      <dgm:spPr/>
+      <dgm:t>
+        <a:bodyPr/>
+        <a:lstStyle/>
+        <a:p>
+          <a:endParaRPr lang="en-US"/>
+        </a:p>
+      </dgm:t>
+    </dgm:pt>
+    <dgm:pt modelId="{6783C4DC-314E-474B-A502-3DEC5A16B774}" type="sibTrans" cxnId="{06B2DD58-DC8C-487B-8734-F86528E2E808}">
+      <dgm:prSet/>
+      <dgm:spPr/>
+      <dgm:t>
+        <a:bodyPr/>
+        <a:lstStyle/>
+        <a:p>
+          <a:endParaRPr lang="en-US"/>
+        </a:p>
+      </dgm:t>
+    </dgm:pt>
+    <dgm:pt modelId="{6DF77C84-12E0-4FB5-8064-8EDC512450E3}">
+      <dgm:prSet phldrT="[Text]" custT="1"/>
+      <dgm:spPr/>
+      <dgm:t>
+        <a:bodyPr/>
+        <a:lstStyle/>
+        <a:p>
+          <a:r>
+            <a:rPr lang="hu-HU" sz="1200" dirty="0" smtClean="0"/>
+            <a:t>Incremental model update</a:t>
+          </a:r>
+          <a:endParaRPr lang="en-US" sz="1200" dirty="0"/>
+        </a:p>
+      </dgm:t>
+    </dgm:pt>
+    <dgm:pt modelId="{1F4F7CEC-3472-4DE6-BCBB-B78220C95E64}" type="parTrans" cxnId="{135A5854-BABD-433B-8CEC-A844C3AE38CF}">
+      <dgm:prSet/>
+      <dgm:spPr/>
+      <dgm:t>
+        <a:bodyPr/>
+        <a:lstStyle/>
+        <a:p>
+          <a:endParaRPr lang="en-US"/>
+        </a:p>
+      </dgm:t>
+    </dgm:pt>
+    <dgm:pt modelId="{789AD4C8-6B51-42CF-8E78-ECFE7CF0480C}" type="sibTrans" cxnId="{135A5854-BABD-433B-8CEC-A844C3AE38CF}">
+      <dgm:prSet/>
+      <dgm:spPr/>
+      <dgm:t>
+        <a:bodyPr/>
+        <a:lstStyle/>
+        <a:p>
+          <a:endParaRPr lang="en-US"/>
+        </a:p>
+      </dgm:t>
+    </dgm:pt>
+    <dgm:pt modelId="{FFBE7152-9240-4F05-A484-F353574ADCAB}">
+      <dgm:prSet phldrT="[Text]" custT="1"/>
+      <dgm:spPr/>
+      <dgm:t>
+        <a:bodyPr/>
+        <a:lstStyle/>
+        <a:p>
+          <a:r>
+            <a:rPr lang="hu-HU" sz="1200" dirty="0" smtClean="0"/>
+            <a:t>Load Java Model Structure</a:t>
+          </a:r>
+          <a:endParaRPr lang="en-US" sz="1200" dirty="0"/>
+        </a:p>
+      </dgm:t>
+    </dgm:pt>
+    <dgm:pt modelId="{820FAF01-879D-4575-B712-A5AE44D8C44B}" type="parTrans" cxnId="{479AC3EF-EAD1-446E-81B7-E2156BCA1992}">
+      <dgm:prSet/>
+      <dgm:spPr/>
+      <dgm:t>
+        <a:bodyPr/>
+        <a:lstStyle/>
+        <a:p>
+          <a:endParaRPr lang="en-US"/>
+        </a:p>
+      </dgm:t>
+    </dgm:pt>
+    <dgm:pt modelId="{77E59311-2344-42DB-895D-7F567335CD24}" type="sibTrans" cxnId="{479AC3EF-EAD1-446E-81B7-E2156BCA1992}">
+      <dgm:prSet/>
+      <dgm:spPr/>
+      <dgm:t>
+        <a:bodyPr/>
+        <a:lstStyle/>
+        <a:p>
+          <a:endParaRPr lang="en-US"/>
+        </a:p>
+      </dgm:t>
+    </dgm:pt>
+    <dgm:pt modelId="{78755EBA-6679-4B9D-8D4B-522C3AFAE4EC}">
+      <dgm:prSet phldrT="[Text]" custT="1"/>
+      <dgm:spPr/>
+      <dgm:t>
+        <a:bodyPr/>
+        <a:lstStyle/>
+        <a:p>
+          <a:r>
+            <a:rPr lang="hu-HU" sz="1200" dirty="0" smtClean="0"/>
+            <a:t>Search </a:t>
+          </a:r>
+          <a:r>
+            <a:rPr lang="hu-HU" sz="1200" dirty="0" smtClean="0"/>
+            <a:t>dependencies</a:t>
+          </a:r>
+          <a:endParaRPr lang="en-US" sz="1200" dirty="0"/>
+        </a:p>
+      </dgm:t>
+    </dgm:pt>
+    <dgm:pt modelId="{A02A6A6C-ACFD-425B-AD36-E4594313EC18}" type="parTrans" cxnId="{FE34B8AA-9CA5-4F2B-9F7E-ECD5B6EBE472}">
+      <dgm:prSet/>
+      <dgm:spPr/>
+      <dgm:t>
+        <a:bodyPr/>
+        <a:lstStyle/>
+        <a:p>
+          <a:endParaRPr lang="en-US"/>
+        </a:p>
+      </dgm:t>
+    </dgm:pt>
+    <dgm:pt modelId="{66D92159-229F-4E0B-ADD0-E76E21829947}" type="sibTrans" cxnId="{FE34B8AA-9CA5-4F2B-9F7E-ECD5B6EBE472}">
+      <dgm:prSet/>
+      <dgm:spPr/>
+      <dgm:t>
+        <a:bodyPr/>
+        <a:lstStyle/>
+        <a:p>
+          <a:endParaRPr lang="en-US"/>
+        </a:p>
+      </dgm:t>
+    </dgm:pt>
+    <dgm:pt modelId="{89F9240B-9632-4DE3-A228-C4F6C570DB12}">
+      <dgm:prSet phldrT="[Text]"/>
+      <dgm:spPr/>
+      <dgm:t>
+        <a:bodyPr/>
+        <a:lstStyle/>
+        <a:p>
+          <a:r>
+            <a:rPr lang="hu-HU" dirty="0" smtClean="0"/>
+            <a:t>Eclipse shuts down</a:t>
+          </a:r>
+          <a:endParaRPr lang="en-US" dirty="0"/>
+        </a:p>
+      </dgm:t>
+    </dgm:pt>
+    <dgm:pt modelId="{DC2C9175-D928-4325-9FE6-62CE8319C006}" type="parTrans" cxnId="{7FA0605E-2EFF-4E84-AF45-1B988B346457}">
+      <dgm:prSet/>
+      <dgm:spPr/>
+      <dgm:t>
+        <a:bodyPr/>
+        <a:lstStyle/>
+        <a:p>
+          <a:endParaRPr lang="en-US"/>
+        </a:p>
+      </dgm:t>
+    </dgm:pt>
+    <dgm:pt modelId="{C1791B6B-7A02-4573-AE05-8D217DFC7DF9}" type="sibTrans" cxnId="{7FA0605E-2EFF-4E84-AF45-1B988B346457}">
+      <dgm:prSet/>
+      <dgm:spPr/>
+      <dgm:t>
+        <a:bodyPr/>
+        <a:lstStyle/>
+        <a:p>
+          <a:endParaRPr lang="en-US"/>
+        </a:p>
+      </dgm:t>
+    </dgm:pt>
+    <dgm:pt modelId="{1436DA99-98D2-46A6-9879-A64FA746FADF}">
+      <dgm:prSet phldrT="[Text]" custT="1"/>
+      <dgm:spPr/>
+      <dgm:t>
+        <a:bodyPr/>
+        <a:lstStyle/>
+        <a:p>
+          <a:r>
+            <a:rPr lang="hu-HU" sz="1200" dirty="0" smtClean="0"/>
+            <a:t>Save model to disk</a:t>
+          </a:r>
+          <a:endParaRPr lang="en-US" sz="1200" dirty="0"/>
+        </a:p>
+      </dgm:t>
+    </dgm:pt>
+    <dgm:pt modelId="{0A7594E5-AF2F-404C-A970-3D7343362F2A}" type="parTrans" cxnId="{85291B55-A46C-4F11-9303-8BBB4F27B9AE}">
+      <dgm:prSet/>
+      <dgm:spPr/>
+      <dgm:t>
+        <a:bodyPr/>
+        <a:lstStyle/>
+        <a:p>
+          <a:endParaRPr lang="en-US"/>
+        </a:p>
+      </dgm:t>
+    </dgm:pt>
+    <dgm:pt modelId="{68452923-C40B-4D69-A47A-A6F4FA97D1E9}" type="sibTrans" cxnId="{85291B55-A46C-4F11-9303-8BBB4F27B9AE}">
+      <dgm:prSet/>
+      <dgm:spPr/>
+      <dgm:t>
+        <a:bodyPr/>
+        <a:lstStyle/>
+        <a:p>
+          <a:endParaRPr lang="en-US"/>
+        </a:p>
+      </dgm:t>
+    </dgm:pt>
+    <dgm:pt modelId="{69203A6C-F9FD-4B47-B29D-A3FD54DF983B}">
+      <dgm:prSet phldrT="[Text]" custT="1"/>
+      <dgm:spPr/>
+      <dgm:t>
+        <a:bodyPr/>
+        <a:lstStyle/>
+        <a:p>
+          <a:r>
+            <a:rPr lang="hu-HU" sz="1200" dirty="0" smtClean="0"/>
+            <a:t>Subscribe for Java Model change</a:t>
+          </a:r>
+          <a:endParaRPr lang="en-US" sz="1200" dirty="0"/>
+        </a:p>
+      </dgm:t>
+    </dgm:pt>
+    <dgm:pt modelId="{73B75FEB-7731-45AB-A7B5-553836A1EAC2}" type="parTrans" cxnId="{CB383971-8103-4059-9B53-2CAA39F78040}">
+      <dgm:prSet/>
+      <dgm:spPr/>
+      <dgm:t>
+        <a:bodyPr/>
+        <a:lstStyle/>
+        <a:p>
+          <a:endParaRPr lang="en-US"/>
+        </a:p>
+      </dgm:t>
+    </dgm:pt>
+    <dgm:pt modelId="{E6709D32-8BFD-4CEE-8D17-86D610F20E8D}" type="sibTrans" cxnId="{CB383971-8103-4059-9B53-2CAA39F78040}">
+      <dgm:prSet/>
+      <dgm:spPr/>
+      <dgm:t>
+        <a:bodyPr/>
+        <a:lstStyle/>
+        <a:p>
+          <a:endParaRPr lang="en-US"/>
+        </a:p>
+      </dgm:t>
+    </dgm:pt>
+    <dgm:pt modelId="{F5B10830-9B9E-43F2-A9C2-F3FB4AC10FE0}" type="pres">
+      <dgm:prSet presAssocID="{FDB29BDC-7CAF-4DE5-B604-FFD084883D35}" presName="linearFlow" presStyleCnt="0">
+        <dgm:presLayoutVars>
+          <dgm:dir/>
+          <dgm:animLvl val="lvl"/>
+          <dgm:resizeHandles val="exact"/>
+        </dgm:presLayoutVars>
+      </dgm:prSet>
+      <dgm:spPr/>
+    </dgm:pt>
+    <dgm:pt modelId="{C06F00B3-02B3-4157-9556-F6BE00EE11F0}" type="pres">
+      <dgm:prSet presAssocID="{23E9BE2F-0B68-4660-B14B-AA6A221E3C6B}" presName="composite" presStyleCnt="0"/>
+      <dgm:spPr/>
+    </dgm:pt>
+    <dgm:pt modelId="{A0DC9EAA-5056-45E0-8AE0-895707891302}" type="pres">
+      <dgm:prSet presAssocID="{23E9BE2F-0B68-4660-B14B-AA6A221E3C6B}" presName="parTx" presStyleLbl="node1" presStyleIdx="0" presStyleCnt="3">
+        <dgm:presLayoutVars>
+          <dgm:chMax val="0"/>
+          <dgm:chPref val="0"/>
+          <dgm:bulletEnabled val="1"/>
+        </dgm:presLayoutVars>
+      </dgm:prSet>
+      <dgm:spPr/>
+      <dgm:t>
+        <a:bodyPr/>
+        <a:lstStyle/>
+        <a:p>
+          <a:endParaRPr lang="en-US"/>
+        </a:p>
+      </dgm:t>
+    </dgm:pt>
+    <dgm:pt modelId="{8B3BCE30-B0A2-4FEA-AA20-530F7C5B4F57}" type="pres">
+      <dgm:prSet presAssocID="{23E9BE2F-0B68-4660-B14B-AA6A221E3C6B}" presName="parSh" presStyleLbl="node1" presStyleIdx="0" presStyleCnt="3"/>
+      <dgm:spPr/>
+      <dgm:t>
+        <a:bodyPr/>
+        <a:lstStyle/>
+        <a:p>
+          <a:endParaRPr lang="en-US"/>
+        </a:p>
+      </dgm:t>
+    </dgm:pt>
+    <dgm:pt modelId="{E5FF585A-6EEB-4240-B449-78DB777BD3C8}" type="pres">
+      <dgm:prSet presAssocID="{23E9BE2F-0B68-4660-B14B-AA6A221E3C6B}" presName="desTx" presStyleLbl="fgAcc1" presStyleIdx="0" presStyleCnt="3">
+        <dgm:presLayoutVars>
+          <dgm:bulletEnabled val="1"/>
+        </dgm:presLayoutVars>
+      </dgm:prSet>
+      <dgm:spPr/>
+      <dgm:t>
+        <a:bodyPr/>
+        <a:lstStyle/>
+        <a:p>
+          <a:endParaRPr lang="en-US"/>
+        </a:p>
+      </dgm:t>
+    </dgm:pt>
+    <dgm:pt modelId="{CEB601EB-83B9-4501-849D-EC92EFED9F85}" type="pres">
+      <dgm:prSet presAssocID="{DAF8DBA7-B6FE-4941-AD4C-56B7BECBE0DA}" presName="sibTrans" presStyleLbl="sibTrans2D1" presStyleIdx="0" presStyleCnt="2"/>
+      <dgm:spPr/>
+      <dgm:t>
+        <a:bodyPr/>
+        <a:lstStyle/>
+        <a:p>
+          <a:endParaRPr lang="en-US"/>
+        </a:p>
+      </dgm:t>
+    </dgm:pt>
+    <dgm:pt modelId="{57ED2D54-0A47-4A18-9FB7-1BCA81BBFF52}" type="pres">
+      <dgm:prSet presAssocID="{DAF8DBA7-B6FE-4941-AD4C-56B7BECBE0DA}" presName="connTx" presStyleLbl="sibTrans2D1" presStyleIdx="0" presStyleCnt="2"/>
+      <dgm:spPr/>
+      <dgm:t>
+        <a:bodyPr/>
+        <a:lstStyle/>
+        <a:p>
+          <a:endParaRPr lang="en-US"/>
+        </a:p>
+      </dgm:t>
+    </dgm:pt>
+    <dgm:pt modelId="{7169E490-A7BD-4136-8407-4A06301D4DE3}" type="pres">
+      <dgm:prSet presAssocID="{99F541C9-4B89-4720-8419-4756B8A83A7E}" presName="composite" presStyleCnt="0"/>
+      <dgm:spPr/>
+    </dgm:pt>
+    <dgm:pt modelId="{2A92E57F-79B2-4C10-BC93-A1402D7A3349}" type="pres">
+      <dgm:prSet presAssocID="{99F541C9-4B89-4720-8419-4756B8A83A7E}" presName="parTx" presStyleLbl="node1" presStyleIdx="0" presStyleCnt="3">
+        <dgm:presLayoutVars>
+          <dgm:chMax val="0"/>
+          <dgm:chPref val="0"/>
+          <dgm:bulletEnabled val="1"/>
+        </dgm:presLayoutVars>
+      </dgm:prSet>
+      <dgm:spPr/>
+      <dgm:t>
+        <a:bodyPr/>
+        <a:lstStyle/>
+        <a:p>
+          <a:endParaRPr lang="en-US"/>
+        </a:p>
+      </dgm:t>
+    </dgm:pt>
+    <dgm:pt modelId="{F29EBD48-39FE-46A3-8159-E25C865C6BF8}" type="pres">
+      <dgm:prSet presAssocID="{99F541C9-4B89-4720-8419-4756B8A83A7E}" presName="parSh" presStyleLbl="node1" presStyleIdx="1" presStyleCnt="3"/>
+      <dgm:spPr/>
+      <dgm:t>
+        <a:bodyPr/>
+        <a:lstStyle/>
+        <a:p>
+          <a:endParaRPr lang="en-US"/>
+        </a:p>
+      </dgm:t>
+    </dgm:pt>
+    <dgm:pt modelId="{884BE4BE-800C-4710-B702-504DB05EE476}" type="pres">
+      <dgm:prSet presAssocID="{99F541C9-4B89-4720-8419-4756B8A83A7E}" presName="desTx" presStyleLbl="fgAcc1" presStyleIdx="1" presStyleCnt="3">
+        <dgm:presLayoutVars>
+          <dgm:bulletEnabled val="1"/>
+        </dgm:presLayoutVars>
+      </dgm:prSet>
+      <dgm:spPr/>
+      <dgm:t>
+        <a:bodyPr/>
+        <a:lstStyle/>
+        <a:p>
+          <a:endParaRPr lang="en-US"/>
+        </a:p>
+      </dgm:t>
+    </dgm:pt>
+    <dgm:pt modelId="{F14FE8F0-029E-4C04-A790-62927A941AD2}" type="pres">
+      <dgm:prSet presAssocID="{6783C4DC-314E-474B-A502-3DEC5A16B774}" presName="sibTrans" presStyleLbl="sibTrans2D1" presStyleIdx="1" presStyleCnt="2"/>
+      <dgm:spPr/>
+      <dgm:t>
+        <a:bodyPr/>
+        <a:lstStyle/>
+        <a:p>
+          <a:endParaRPr lang="en-US"/>
+        </a:p>
+      </dgm:t>
+    </dgm:pt>
+    <dgm:pt modelId="{39A67C2B-FE37-47A0-A735-F7D2F807D3CE}" type="pres">
+      <dgm:prSet presAssocID="{6783C4DC-314E-474B-A502-3DEC5A16B774}" presName="connTx" presStyleLbl="sibTrans2D1" presStyleIdx="1" presStyleCnt="2"/>
+      <dgm:spPr/>
+      <dgm:t>
+        <a:bodyPr/>
+        <a:lstStyle/>
+        <a:p>
+          <a:endParaRPr lang="en-US"/>
+        </a:p>
+      </dgm:t>
+    </dgm:pt>
+    <dgm:pt modelId="{68038FCE-106C-4E6E-AAA2-3A5CC5573F91}" type="pres">
+      <dgm:prSet presAssocID="{89F9240B-9632-4DE3-A228-C4F6C570DB12}" presName="composite" presStyleCnt="0"/>
+      <dgm:spPr/>
+    </dgm:pt>
+    <dgm:pt modelId="{72E70E8A-5A96-49D6-93D9-6BA4AF3C2BF1}" type="pres">
+      <dgm:prSet presAssocID="{89F9240B-9632-4DE3-A228-C4F6C570DB12}" presName="parTx" presStyleLbl="node1" presStyleIdx="1" presStyleCnt="3">
+        <dgm:presLayoutVars>
+          <dgm:chMax val="0"/>
+          <dgm:chPref val="0"/>
+          <dgm:bulletEnabled val="1"/>
+        </dgm:presLayoutVars>
+      </dgm:prSet>
+      <dgm:spPr/>
+      <dgm:t>
+        <a:bodyPr/>
+        <a:lstStyle/>
+        <a:p>
+          <a:endParaRPr lang="en-US"/>
+        </a:p>
+      </dgm:t>
+    </dgm:pt>
+    <dgm:pt modelId="{B9490DA7-A1FF-4A37-9F8A-8D2DD806CA18}" type="pres">
+      <dgm:prSet presAssocID="{89F9240B-9632-4DE3-A228-C4F6C570DB12}" presName="parSh" presStyleLbl="node1" presStyleIdx="2" presStyleCnt="3"/>
+      <dgm:spPr/>
+      <dgm:t>
+        <a:bodyPr/>
+        <a:lstStyle/>
+        <a:p>
+          <a:endParaRPr lang="en-US"/>
+        </a:p>
+      </dgm:t>
+    </dgm:pt>
+    <dgm:pt modelId="{4F829F7E-28CF-423F-A6F0-12DFDC90ED6F}" type="pres">
+      <dgm:prSet presAssocID="{89F9240B-9632-4DE3-A228-C4F6C570DB12}" presName="desTx" presStyleLbl="fgAcc1" presStyleIdx="2" presStyleCnt="3">
+        <dgm:presLayoutVars>
+          <dgm:bulletEnabled val="1"/>
+        </dgm:presLayoutVars>
+      </dgm:prSet>
+      <dgm:spPr/>
+      <dgm:t>
+        <a:bodyPr/>
+        <a:lstStyle/>
+        <a:p>
+          <a:endParaRPr lang="en-US"/>
+        </a:p>
+      </dgm:t>
+    </dgm:pt>
+  </dgm:ptLst>
+  <dgm:cxnLst>
+    <dgm:cxn modelId="{1C2320A5-CFFE-4DEF-94E4-01496665B7E5}" type="presOf" srcId="{DAF8DBA7-B6FE-4941-AD4C-56B7BECBE0DA}" destId="{CEB601EB-83B9-4501-849D-EC92EFED9F85}" srcOrd="0" destOrd="0" presId="urn:microsoft.com/office/officeart/2005/8/layout/process3"/>
+    <dgm:cxn modelId="{D4B85A7F-E0BF-4573-B046-8BBB6A4FD835}" type="presOf" srcId="{1436DA99-98D2-46A6-9879-A64FA746FADF}" destId="{4F829F7E-28CF-423F-A6F0-12DFDC90ED6F}" srcOrd="0" destOrd="0" presId="urn:microsoft.com/office/officeart/2005/8/layout/process3"/>
+    <dgm:cxn modelId="{62251BA5-372E-4AED-A0F5-77CCB9CCC3E8}" type="presOf" srcId="{78755EBA-6679-4B9D-8D4B-522C3AFAE4EC}" destId="{E5FF585A-6EEB-4240-B449-78DB777BD3C8}" srcOrd="0" destOrd="1" presId="urn:microsoft.com/office/officeart/2005/8/layout/process3"/>
+    <dgm:cxn modelId="{CB383971-8103-4059-9B53-2CAA39F78040}" srcId="{99F541C9-4B89-4720-8419-4756B8A83A7E}" destId="{69203A6C-F9FD-4B47-B29D-A3FD54DF983B}" srcOrd="0" destOrd="0" parTransId="{73B75FEB-7731-45AB-A7B5-553836A1EAC2}" sibTransId="{E6709D32-8BFD-4CEE-8D17-86D610F20E8D}"/>
+    <dgm:cxn modelId="{1084EE26-F00B-4AD1-AD37-186AB6CC6875}" type="presOf" srcId="{89F9240B-9632-4DE3-A228-C4F6C570DB12}" destId="{B9490DA7-A1FF-4A37-9F8A-8D2DD806CA18}" srcOrd="1" destOrd="0" presId="urn:microsoft.com/office/officeart/2005/8/layout/process3"/>
+    <dgm:cxn modelId="{E3A16923-AEC2-41C6-9C87-27E9C01BC137}" type="presOf" srcId="{23E9BE2F-0B68-4660-B14B-AA6A221E3C6B}" destId="{8B3BCE30-B0A2-4FEA-AA20-530F7C5B4F57}" srcOrd="1" destOrd="0" presId="urn:microsoft.com/office/officeart/2005/8/layout/process3"/>
+    <dgm:cxn modelId="{77FB54BB-865A-4E95-A2C8-D73B04A1241B}" type="presOf" srcId="{FDB29BDC-7CAF-4DE5-B604-FFD084883D35}" destId="{F5B10830-9B9E-43F2-A9C2-F3FB4AC10FE0}" srcOrd="0" destOrd="0" presId="urn:microsoft.com/office/officeart/2005/8/layout/process3"/>
+    <dgm:cxn modelId="{E7B05916-2D79-47BD-872A-5AC477D37932}" type="presOf" srcId="{99F541C9-4B89-4720-8419-4756B8A83A7E}" destId="{2A92E57F-79B2-4C10-BC93-A1402D7A3349}" srcOrd="0" destOrd="0" presId="urn:microsoft.com/office/officeart/2005/8/layout/process3"/>
+    <dgm:cxn modelId="{5BC518E1-BB78-4BFC-BFCA-9B805A9E117D}" type="presOf" srcId="{FFBE7152-9240-4F05-A484-F353574ADCAB}" destId="{E5FF585A-6EEB-4240-B449-78DB777BD3C8}" srcOrd="0" destOrd="0" presId="urn:microsoft.com/office/officeart/2005/8/layout/process3"/>
+    <dgm:cxn modelId="{5A082171-8A85-4529-BAE7-A1B25404C7F9}" type="presOf" srcId="{99F541C9-4B89-4720-8419-4756B8A83A7E}" destId="{F29EBD48-39FE-46A3-8159-E25C865C6BF8}" srcOrd="1" destOrd="0" presId="urn:microsoft.com/office/officeart/2005/8/layout/process3"/>
+    <dgm:cxn modelId="{DD3A013F-1236-412D-84B4-A89D138A4176}" type="presOf" srcId="{23E9BE2F-0B68-4660-B14B-AA6A221E3C6B}" destId="{A0DC9EAA-5056-45E0-8AE0-895707891302}" srcOrd="0" destOrd="0" presId="urn:microsoft.com/office/officeart/2005/8/layout/process3"/>
+    <dgm:cxn modelId="{06B2DD58-DC8C-487B-8734-F86528E2E808}" srcId="{FDB29BDC-7CAF-4DE5-B604-FFD084883D35}" destId="{99F541C9-4B89-4720-8419-4756B8A83A7E}" srcOrd="1" destOrd="0" parTransId="{7FF73C21-1B15-4FC2-A655-33C7A363E49E}" sibTransId="{6783C4DC-314E-474B-A502-3DEC5A16B774}"/>
+    <dgm:cxn modelId="{FE34B8AA-9CA5-4F2B-9F7E-ECD5B6EBE472}" srcId="{23E9BE2F-0B68-4660-B14B-AA6A221E3C6B}" destId="{78755EBA-6679-4B9D-8D4B-522C3AFAE4EC}" srcOrd="1" destOrd="0" parTransId="{A02A6A6C-ACFD-425B-AD36-E4594313EC18}" sibTransId="{66D92159-229F-4E0B-ADD0-E76E21829947}"/>
+    <dgm:cxn modelId="{B1A3AEC1-B711-4955-9479-13A874A02CAA}" type="presOf" srcId="{69203A6C-F9FD-4B47-B29D-A3FD54DF983B}" destId="{884BE4BE-800C-4710-B702-504DB05EE476}" srcOrd="0" destOrd="0" presId="urn:microsoft.com/office/officeart/2005/8/layout/process3"/>
+    <dgm:cxn modelId="{5AAE8BFD-6E74-44F2-9A1C-AD31AF458949}" srcId="{FDB29BDC-7CAF-4DE5-B604-FFD084883D35}" destId="{23E9BE2F-0B68-4660-B14B-AA6A221E3C6B}" srcOrd="0" destOrd="0" parTransId="{D8C7E8DF-0B6C-45E0-AE5C-2A462014D8C2}" sibTransId="{DAF8DBA7-B6FE-4941-AD4C-56B7BECBE0DA}"/>
+    <dgm:cxn modelId="{863F57C8-C6B5-4032-9DE4-4796C9ADA769}" type="presOf" srcId="{DAF8DBA7-B6FE-4941-AD4C-56B7BECBE0DA}" destId="{57ED2D54-0A47-4A18-9FB7-1BCA81BBFF52}" srcOrd="1" destOrd="0" presId="urn:microsoft.com/office/officeart/2005/8/layout/process3"/>
+    <dgm:cxn modelId="{26F43017-4FAA-444A-AA86-2110224F603F}" type="presOf" srcId="{6783C4DC-314E-474B-A502-3DEC5A16B774}" destId="{39A67C2B-FE37-47A0-A735-F7D2F807D3CE}" srcOrd="1" destOrd="0" presId="urn:microsoft.com/office/officeart/2005/8/layout/process3"/>
+    <dgm:cxn modelId="{67A80E91-FF97-4594-8936-4377EFF6BD15}" type="presOf" srcId="{6783C4DC-314E-474B-A502-3DEC5A16B774}" destId="{F14FE8F0-029E-4C04-A790-62927A941AD2}" srcOrd="0" destOrd="0" presId="urn:microsoft.com/office/officeart/2005/8/layout/process3"/>
+    <dgm:cxn modelId="{F7142B95-0AEC-4547-8C6D-17C067423A94}" type="presOf" srcId="{6DF77C84-12E0-4FB5-8064-8EDC512450E3}" destId="{884BE4BE-800C-4710-B702-504DB05EE476}" srcOrd="0" destOrd="1" presId="urn:microsoft.com/office/officeart/2005/8/layout/process3"/>
+    <dgm:cxn modelId="{135A5854-BABD-433B-8CEC-A844C3AE38CF}" srcId="{99F541C9-4B89-4720-8419-4756B8A83A7E}" destId="{6DF77C84-12E0-4FB5-8064-8EDC512450E3}" srcOrd="1" destOrd="0" parTransId="{1F4F7CEC-3472-4DE6-BCBB-B78220C95E64}" sibTransId="{789AD4C8-6B51-42CF-8E78-ECFE7CF0480C}"/>
+    <dgm:cxn modelId="{810330E6-CAFA-4596-8074-DFC8F48A76FF}" type="presOf" srcId="{89F9240B-9632-4DE3-A228-C4F6C570DB12}" destId="{72E70E8A-5A96-49D6-93D9-6BA4AF3C2BF1}" srcOrd="0" destOrd="0" presId="urn:microsoft.com/office/officeart/2005/8/layout/process3"/>
+    <dgm:cxn modelId="{85291B55-A46C-4F11-9303-8BBB4F27B9AE}" srcId="{89F9240B-9632-4DE3-A228-C4F6C570DB12}" destId="{1436DA99-98D2-46A6-9879-A64FA746FADF}" srcOrd="0" destOrd="0" parTransId="{0A7594E5-AF2F-404C-A970-3D7343362F2A}" sibTransId="{68452923-C40B-4D69-A47A-A6F4FA97D1E9}"/>
+    <dgm:cxn modelId="{479AC3EF-EAD1-446E-81B7-E2156BCA1992}" srcId="{23E9BE2F-0B68-4660-B14B-AA6A221E3C6B}" destId="{FFBE7152-9240-4F05-A484-F353574ADCAB}" srcOrd="0" destOrd="0" parTransId="{820FAF01-879D-4575-B712-A5AE44D8C44B}" sibTransId="{77E59311-2344-42DB-895D-7F567335CD24}"/>
+    <dgm:cxn modelId="{7FA0605E-2EFF-4E84-AF45-1B988B346457}" srcId="{FDB29BDC-7CAF-4DE5-B604-FFD084883D35}" destId="{89F9240B-9632-4DE3-A228-C4F6C570DB12}" srcOrd="2" destOrd="0" parTransId="{DC2C9175-D928-4325-9FE6-62CE8319C006}" sibTransId="{C1791B6B-7A02-4573-AE05-8D217DFC7DF9}"/>
+    <dgm:cxn modelId="{DEB11943-162E-423D-9B4E-A5DEF418842E}" type="presParOf" srcId="{F5B10830-9B9E-43F2-A9C2-F3FB4AC10FE0}" destId="{C06F00B3-02B3-4157-9556-F6BE00EE11F0}" srcOrd="0" destOrd="0" presId="urn:microsoft.com/office/officeart/2005/8/layout/process3"/>
+    <dgm:cxn modelId="{61FADB71-EB22-4308-B6E7-36CD964CEF90}" type="presParOf" srcId="{C06F00B3-02B3-4157-9556-F6BE00EE11F0}" destId="{A0DC9EAA-5056-45E0-8AE0-895707891302}" srcOrd="0" destOrd="0" presId="urn:microsoft.com/office/officeart/2005/8/layout/process3"/>
+    <dgm:cxn modelId="{87ECB926-E85E-434B-96BF-0626B61CB765}" type="presParOf" srcId="{C06F00B3-02B3-4157-9556-F6BE00EE11F0}" destId="{8B3BCE30-B0A2-4FEA-AA20-530F7C5B4F57}" srcOrd="1" destOrd="0" presId="urn:microsoft.com/office/officeart/2005/8/layout/process3"/>
+    <dgm:cxn modelId="{0DF8FD8F-AC9C-4988-8232-DAA8C612799B}" type="presParOf" srcId="{C06F00B3-02B3-4157-9556-F6BE00EE11F0}" destId="{E5FF585A-6EEB-4240-B449-78DB777BD3C8}" srcOrd="2" destOrd="0" presId="urn:microsoft.com/office/officeart/2005/8/layout/process3"/>
+    <dgm:cxn modelId="{E9C9F560-E3AA-497A-B3EE-C53B3AD8C286}" type="presParOf" srcId="{F5B10830-9B9E-43F2-A9C2-F3FB4AC10FE0}" destId="{CEB601EB-83B9-4501-849D-EC92EFED9F85}" srcOrd="1" destOrd="0" presId="urn:microsoft.com/office/officeart/2005/8/layout/process3"/>
+    <dgm:cxn modelId="{A74D81F0-665C-4A64-9FC8-CC289AF0F79A}" type="presParOf" srcId="{CEB601EB-83B9-4501-849D-EC92EFED9F85}" destId="{57ED2D54-0A47-4A18-9FB7-1BCA81BBFF52}" srcOrd="0" destOrd="0" presId="urn:microsoft.com/office/officeart/2005/8/layout/process3"/>
+    <dgm:cxn modelId="{3D4EE52F-3AC8-40A1-855F-42D5716F9F20}" type="presParOf" srcId="{F5B10830-9B9E-43F2-A9C2-F3FB4AC10FE0}" destId="{7169E490-A7BD-4136-8407-4A06301D4DE3}" srcOrd="2" destOrd="0" presId="urn:microsoft.com/office/officeart/2005/8/layout/process3"/>
+    <dgm:cxn modelId="{844052C7-52E0-42C6-A0FD-0CFCF25E5E07}" type="presParOf" srcId="{7169E490-A7BD-4136-8407-4A06301D4DE3}" destId="{2A92E57F-79B2-4C10-BC93-A1402D7A3349}" srcOrd="0" destOrd="0" presId="urn:microsoft.com/office/officeart/2005/8/layout/process3"/>
+    <dgm:cxn modelId="{A1952617-746A-4249-A711-B624D88746DF}" type="presParOf" srcId="{7169E490-A7BD-4136-8407-4A06301D4DE3}" destId="{F29EBD48-39FE-46A3-8159-E25C865C6BF8}" srcOrd="1" destOrd="0" presId="urn:microsoft.com/office/officeart/2005/8/layout/process3"/>
+    <dgm:cxn modelId="{6892C5AD-B028-4851-875E-9B27942B028E}" type="presParOf" srcId="{7169E490-A7BD-4136-8407-4A06301D4DE3}" destId="{884BE4BE-800C-4710-B702-504DB05EE476}" srcOrd="2" destOrd="0" presId="urn:microsoft.com/office/officeart/2005/8/layout/process3"/>
+    <dgm:cxn modelId="{A91D98CA-9DEC-45D7-B4A7-581455D489E4}" type="presParOf" srcId="{F5B10830-9B9E-43F2-A9C2-F3FB4AC10FE0}" destId="{F14FE8F0-029E-4C04-A790-62927A941AD2}" srcOrd="3" destOrd="0" presId="urn:microsoft.com/office/officeart/2005/8/layout/process3"/>
+    <dgm:cxn modelId="{C0F11EB5-871B-44FA-819D-5494D031226C}" type="presParOf" srcId="{F14FE8F0-029E-4C04-A790-62927A941AD2}" destId="{39A67C2B-FE37-47A0-A735-F7D2F807D3CE}" srcOrd="0" destOrd="0" presId="urn:microsoft.com/office/officeart/2005/8/layout/process3"/>
+    <dgm:cxn modelId="{54FB7B76-DAEB-4E4F-86B6-9C4FCCEB9197}" type="presParOf" srcId="{F5B10830-9B9E-43F2-A9C2-F3FB4AC10FE0}" destId="{68038FCE-106C-4E6E-AAA2-3A5CC5573F91}" srcOrd="4" destOrd="0" presId="urn:microsoft.com/office/officeart/2005/8/layout/process3"/>
+    <dgm:cxn modelId="{61852A84-9773-49BB-A7D9-D07129C54168}" type="presParOf" srcId="{68038FCE-106C-4E6E-AAA2-3A5CC5573F91}" destId="{72E70E8A-5A96-49D6-93D9-6BA4AF3C2BF1}" srcOrd="0" destOrd="0" presId="urn:microsoft.com/office/officeart/2005/8/layout/process3"/>
+    <dgm:cxn modelId="{2BE91984-613F-47C9-8D16-C5788A18641A}" type="presParOf" srcId="{68038FCE-106C-4E6E-AAA2-3A5CC5573F91}" destId="{B9490DA7-A1FF-4A37-9F8A-8D2DD806CA18}" srcOrd="1" destOrd="0" presId="urn:microsoft.com/office/officeart/2005/8/layout/process3"/>
+    <dgm:cxn modelId="{BEB5E81E-7801-4515-A2B6-B25AAC621F57}" type="presParOf" srcId="{68038FCE-106C-4E6E-AAA2-3A5CC5573F91}" destId="{4F829F7E-28CF-423F-A6F0-12DFDC90ED6F}" srcOrd="2" destOrd="0" presId="urn:microsoft.com/office/officeart/2005/8/layout/process3"/>
+  </dgm:cxnLst>
+  <dgm:bg/>
+  <dgm:whole/>
+  <dgm:extLst>
+    <a:ext uri="http://schemas.microsoft.com/office/drawing/2008/diagram">
+      <dsp:dataModelExt xmlns:dsp="http://schemas.microsoft.com/office/drawing/2008/diagram" relId="rId7" minVer="http://schemas.openxmlformats.org/drawingml/2006/diagram"/>
     </a:ext>
   </dgm:extLst>
 </dgm:dataModel>
@@ -1744,6 +3054,676 @@
 </dsp:drawing>
 </file>
 
+<file path=ppt/diagrams/drawing2.xml><?xml version="1.0" encoding="utf-8"?>
+<dsp:drawing xmlns:dgm="http://schemas.openxmlformats.org/drawingml/2006/diagram" xmlns:dsp="http://schemas.microsoft.com/office/drawing/2008/diagram" xmlns:a="http://schemas.openxmlformats.org/drawingml/2006/main">
+  <dsp:spTree>
+    <dsp:nvGrpSpPr>
+      <dsp:cNvPr id="0" name=""/>
+      <dsp:cNvGrpSpPr/>
+    </dsp:nvGrpSpPr>
+    <dsp:grpSpPr/>
+    <dsp:sp modelId="{8B3BCE30-B0A2-4FEA-AA20-530F7C5B4F57}">
+      <dsp:nvSpPr>
+        <dsp:cNvPr id="0" name=""/>
+        <dsp:cNvSpPr/>
+      </dsp:nvSpPr>
+      <dsp:spPr>
+        <a:xfrm>
+          <a:off x="3030" y="49036"/>
+          <a:ext cx="1377953" cy="819835"/>
+        </a:xfrm>
+        <a:prstGeom prst="roundRect">
+          <a:avLst>
+            <a:gd name="adj" fmla="val 10000"/>
+          </a:avLst>
+        </a:prstGeom>
+        <a:solidFill>
+          <a:schemeClr val="accent1">
+            <a:hueOff val="0"/>
+            <a:satOff val="0"/>
+            <a:lumOff val="0"/>
+            <a:alphaOff val="0"/>
+          </a:schemeClr>
+        </a:solidFill>
+        <a:ln w="25400" cap="flat" cmpd="sng" algn="ctr">
+          <a:solidFill>
+            <a:schemeClr val="lt1">
+              <a:hueOff val="0"/>
+              <a:satOff val="0"/>
+              <a:lumOff val="0"/>
+              <a:alphaOff val="0"/>
+            </a:schemeClr>
+          </a:solidFill>
+          <a:prstDash val="solid"/>
+        </a:ln>
+        <a:effectLst/>
+      </dsp:spPr>
+      <dsp:style>
+        <a:lnRef idx="2">
+          <a:scrgbClr r="0" g="0" b="0"/>
+        </a:lnRef>
+        <a:fillRef idx="1">
+          <a:scrgbClr r="0" g="0" b="0"/>
+        </a:fillRef>
+        <a:effectRef idx="0">
+          <a:scrgbClr r="0" g="0" b="0"/>
+        </a:effectRef>
+        <a:fontRef idx="minor">
+          <a:schemeClr val="lt1"/>
+        </a:fontRef>
+      </dsp:style>
+      <dsp:txBody>
+        <a:bodyPr spcFirstLastPara="0" vert="horz" wrap="square" lIns="99568" tIns="99568" rIns="99568" bIns="53340" numCol="1" spcCol="1270" anchor="t" anchorCtr="0">
+          <a:noAutofit/>
+        </a:bodyPr>
+        <a:lstStyle/>
+        <a:p>
+          <a:pPr lvl="0" algn="l" defTabSz="622300">
+            <a:lnSpc>
+              <a:spcPct val="90000"/>
+            </a:lnSpc>
+            <a:spcBef>
+              <a:spcPct val="0"/>
+            </a:spcBef>
+            <a:spcAft>
+              <a:spcPct val="35000"/>
+            </a:spcAft>
+          </a:pPr>
+          <a:r>
+            <a:rPr lang="hu-HU" sz="1400" kern="1200" dirty="0" smtClean="0"/>
+            <a:t>Eclipse Startup</a:t>
+          </a:r>
+          <a:endParaRPr lang="en-US" sz="1400" kern="1200" dirty="0"/>
+        </a:p>
+      </dsp:txBody>
+      <dsp:txXfrm>
+        <a:off x="3030" y="49036"/>
+        <a:ext cx="1377953" cy="546557"/>
+      </dsp:txXfrm>
+    </dsp:sp>
+    <dsp:sp modelId="{E5FF585A-6EEB-4240-B449-78DB777BD3C8}">
+      <dsp:nvSpPr>
+        <dsp:cNvPr id="0" name=""/>
+        <dsp:cNvSpPr/>
+      </dsp:nvSpPr>
+      <dsp:spPr>
+        <a:xfrm>
+          <a:off x="285262" y="595594"/>
+          <a:ext cx="1377953" cy="1107224"/>
+        </a:xfrm>
+        <a:prstGeom prst="roundRect">
+          <a:avLst>
+            <a:gd name="adj" fmla="val 10000"/>
+          </a:avLst>
+        </a:prstGeom>
+        <a:solidFill>
+          <a:schemeClr val="lt1">
+            <a:alpha val="90000"/>
+            <a:hueOff val="0"/>
+            <a:satOff val="0"/>
+            <a:lumOff val="0"/>
+            <a:alphaOff val="0"/>
+          </a:schemeClr>
+        </a:solidFill>
+        <a:ln w="25400" cap="flat" cmpd="sng" algn="ctr">
+          <a:solidFill>
+            <a:schemeClr val="accent1">
+              <a:hueOff val="0"/>
+              <a:satOff val="0"/>
+              <a:lumOff val="0"/>
+              <a:alphaOff val="0"/>
+            </a:schemeClr>
+          </a:solidFill>
+          <a:prstDash val="solid"/>
+        </a:ln>
+        <a:effectLst/>
+      </dsp:spPr>
+      <dsp:style>
+        <a:lnRef idx="2">
+          <a:scrgbClr r="0" g="0" b="0"/>
+        </a:lnRef>
+        <a:fillRef idx="1">
+          <a:scrgbClr r="0" g="0" b="0"/>
+        </a:fillRef>
+        <a:effectRef idx="0">
+          <a:scrgbClr r="0" g="0" b="0"/>
+        </a:effectRef>
+        <a:fontRef idx="minor"/>
+      </dsp:style>
+      <dsp:txBody>
+        <a:bodyPr spcFirstLastPara="0" vert="horz" wrap="square" lIns="85344" tIns="85344" rIns="85344" bIns="85344" numCol="1" spcCol="1270" anchor="t" anchorCtr="0">
+          <a:noAutofit/>
+        </a:bodyPr>
+        <a:lstStyle/>
+        <a:p>
+          <a:pPr marL="114300" lvl="1" indent="-114300" algn="l" defTabSz="533400">
+            <a:lnSpc>
+              <a:spcPct val="90000"/>
+            </a:lnSpc>
+            <a:spcBef>
+              <a:spcPct val="0"/>
+            </a:spcBef>
+            <a:spcAft>
+              <a:spcPct val="15000"/>
+            </a:spcAft>
+            <a:buChar char="••"/>
+          </a:pPr>
+          <a:r>
+            <a:rPr lang="hu-HU" sz="1200" kern="1200" dirty="0" smtClean="0"/>
+            <a:t>Load Java Model Structure</a:t>
+          </a:r>
+          <a:endParaRPr lang="en-US" sz="1200" kern="1200" dirty="0"/>
+        </a:p>
+        <a:p>
+          <a:pPr marL="114300" lvl="1" indent="-114300" algn="l" defTabSz="533400">
+            <a:lnSpc>
+              <a:spcPct val="90000"/>
+            </a:lnSpc>
+            <a:spcBef>
+              <a:spcPct val="0"/>
+            </a:spcBef>
+            <a:spcAft>
+              <a:spcPct val="15000"/>
+            </a:spcAft>
+            <a:buChar char="••"/>
+          </a:pPr>
+          <a:r>
+            <a:rPr lang="hu-HU" sz="1200" kern="1200" dirty="0" smtClean="0"/>
+            <a:t>Search </a:t>
+          </a:r>
+          <a:r>
+            <a:rPr lang="hu-HU" sz="1200" kern="1200" dirty="0" smtClean="0"/>
+            <a:t>dependencies</a:t>
+          </a:r>
+          <a:endParaRPr lang="en-US" sz="1200" kern="1200" dirty="0"/>
+        </a:p>
+      </dsp:txBody>
+      <dsp:txXfrm>
+        <a:off x="317691" y="628023"/>
+        <a:ext cx="1313095" cy="1042366"/>
+      </dsp:txXfrm>
+    </dsp:sp>
+    <dsp:sp modelId="{CEB601EB-83B9-4501-849D-EC92EFED9F85}">
+      <dsp:nvSpPr>
+        <dsp:cNvPr id="0" name=""/>
+        <dsp:cNvSpPr/>
+      </dsp:nvSpPr>
+      <dsp:spPr>
+        <a:xfrm>
+          <a:off x="1589877" y="150780"/>
+          <a:ext cx="442852" cy="343070"/>
+        </a:xfrm>
+        <a:prstGeom prst="rightArrow">
+          <a:avLst>
+            <a:gd name="adj1" fmla="val 60000"/>
+            <a:gd name="adj2" fmla="val 50000"/>
+          </a:avLst>
+        </a:prstGeom>
+        <a:solidFill>
+          <a:schemeClr val="accent1">
+            <a:tint val="60000"/>
+            <a:hueOff val="0"/>
+            <a:satOff val="0"/>
+            <a:lumOff val="0"/>
+            <a:alphaOff val="0"/>
+          </a:schemeClr>
+        </a:solidFill>
+        <a:ln>
+          <a:noFill/>
+        </a:ln>
+        <a:effectLst/>
+      </dsp:spPr>
+      <dsp:style>
+        <a:lnRef idx="0">
+          <a:scrgbClr r="0" g="0" b="0"/>
+        </a:lnRef>
+        <a:fillRef idx="1">
+          <a:scrgbClr r="0" g="0" b="0"/>
+        </a:fillRef>
+        <a:effectRef idx="0">
+          <a:scrgbClr r="0" g="0" b="0"/>
+        </a:effectRef>
+        <a:fontRef idx="minor">
+          <a:schemeClr val="lt1"/>
+        </a:fontRef>
+      </dsp:style>
+      <dsp:txBody>
+        <a:bodyPr spcFirstLastPara="0" vert="horz" wrap="square" lIns="0" tIns="0" rIns="0" bIns="0" numCol="1" spcCol="1270" anchor="ctr" anchorCtr="0">
+          <a:noAutofit/>
+        </a:bodyPr>
+        <a:lstStyle/>
+        <a:p>
+          <a:pPr lvl="0" algn="ctr" defTabSz="488950">
+            <a:lnSpc>
+              <a:spcPct val="90000"/>
+            </a:lnSpc>
+            <a:spcBef>
+              <a:spcPct val="0"/>
+            </a:spcBef>
+            <a:spcAft>
+              <a:spcPct val="35000"/>
+            </a:spcAft>
+          </a:pPr>
+          <a:endParaRPr lang="en-US" sz="1100" kern="1200"/>
+        </a:p>
+      </dsp:txBody>
+      <dsp:txXfrm>
+        <a:off x="1589877" y="219394"/>
+        <a:ext cx="339931" cy="205842"/>
+      </dsp:txXfrm>
+    </dsp:sp>
+    <dsp:sp modelId="{F29EBD48-39FE-46A3-8159-E25C865C6BF8}">
+      <dsp:nvSpPr>
+        <dsp:cNvPr id="0" name=""/>
+        <dsp:cNvSpPr/>
+      </dsp:nvSpPr>
+      <dsp:spPr>
+        <a:xfrm>
+          <a:off x="2216555" y="49036"/>
+          <a:ext cx="1377953" cy="819835"/>
+        </a:xfrm>
+        <a:prstGeom prst="roundRect">
+          <a:avLst>
+            <a:gd name="adj" fmla="val 10000"/>
+          </a:avLst>
+        </a:prstGeom>
+        <a:solidFill>
+          <a:schemeClr val="accent1">
+            <a:hueOff val="0"/>
+            <a:satOff val="0"/>
+            <a:lumOff val="0"/>
+            <a:alphaOff val="0"/>
+          </a:schemeClr>
+        </a:solidFill>
+        <a:ln w="25400" cap="flat" cmpd="sng" algn="ctr">
+          <a:solidFill>
+            <a:schemeClr val="lt1">
+              <a:hueOff val="0"/>
+              <a:satOff val="0"/>
+              <a:lumOff val="0"/>
+              <a:alphaOff val="0"/>
+            </a:schemeClr>
+          </a:solidFill>
+          <a:prstDash val="solid"/>
+        </a:ln>
+        <a:effectLst/>
+      </dsp:spPr>
+      <dsp:style>
+        <a:lnRef idx="2">
+          <a:scrgbClr r="0" g="0" b="0"/>
+        </a:lnRef>
+        <a:fillRef idx="1">
+          <a:scrgbClr r="0" g="0" b="0"/>
+        </a:fillRef>
+        <a:effectRef idx="0">
+          <a:scrgbClr r="0" g="0" b="0"/>
+        </a:effectRef>
+        <a:fontRef idx="minor">
+          <a:schemeClr val="lt1"/>
+        </a:fontRef>
+      </dsp:style>
+      <dsp:txBody>
+        <a:bodyPr spcFirstLastPara="0" vert="horz" wrap="square" lIns="99568" tIns="99568" rIns="99568" bIns="53340" numCol="1" spcCol="1270" anchor="t" anchorCtr="0">
+          <a:noAutofit/>
+        </a:bodyPr>
+        <a:lstStyle/>
+        <a:p>
+          <a:pPr lvl="0" algn="l" defTabSz="622300">
+            <a:lnSpc>
+              <a:spcPct val="90000"/>
+            </a:lnSpc>
+            <a:spcBef>
+              <a:spcPct val="0"/>
+            </a:spcBef>
+            <a:spcAft>
+              <a:spcPct val="35000"/>
+            </a:spcAft>
+          </a:pPr>
+          <a:r>
+            <a:rPr lang="hu-HU" sz="1400" kern="1200" smtClean="0"/>
+            <a:t>Java </a:t>
+          </a:r>
+          <a:r>
+            <a:rPr lang="hu-HU" sz="1400" kern="1200" smtClean="0"/>
+            <a:t>code changes</a:t>
+          </a:r>
+          <a:endParaRPr lang="en-US" sz="1400" kern="1200" dirty="0"/>
+        </a:p>
+      </dsp:txBody>
+      <dsp:txXfrm>
+        <a:off x="2216555" y="49036"/>
+        <a:ext cx="1377953" cy="546557"/>
+      </dsp:txXfrm>
+    </dsp:sp>
+    <dsp:sp modelId="{884BE4BE-800C-4710-B702-504DB05EE476}">
+      <dsp:nvSpPr>
+        <dsp:cNvPr id="0" name=""/>
+        <dsp:cNvSpPr/>
+      </dsp:nvSpPr>
+      <dsp:spPr>
+        <a:xfrm>
+          <a:off x="2498786" y="595594"/>
+          <a:ext cx="1377953" cy="1107224"/>
+        </a:xfrm>
+        <a:prstGeom prst="roundRect">
+          <a:avLst>
+            <a:gd name="adj" fmla="val 10000"/>
+          </a:avLst>
+        </a:prstGeom>
+        <a:solidFill>
+          <a:schemeClr val="lt1">
+            <a:alpha val="90000"/>
+            <a:hueOff val="0"/>
+            <a:satOff val="0"/>
+            <a:lumOff val="0"/>
+            <a:alphaOff val="0"/>
+          </a:schemeClr>
+        </a:solidFill>
+        <a:ln w="25400" cap="flat" cmpd="sng" algn="ctr">
+          <a:solidFill>
+            <a:schemeClr val="accent1">
+              <a:hueOff val="0"/>
+              <a:satOff val="0"/>
+              <a:lumOff val="0"/>
+              <a:alphaOff val="0"/>
+            </a:schemeClr>
+          </a:solidFill>
+          <a:prstDash val="solid"/>
+        </a:ln>
+        <a:effectLst/>
+      </dsp:spPr>
+      <dsp:style>
+        <a:lnRef idx="2">
+          <a:scrgbClr r="0" g="0" b="0"/>
+        </a:lnRef>
+        <a:fillRef idx="1">
+          <a:scrgbClr r="0" g="0" b="0"/>
+        </a:fillRef>
+        <a:effectRef idx="0">
+          <a:scrgbClr r="0" g="0" b="0"/>
+        </a:effectRef>
+        <a:fontRef idx="minor"/>
+      </dsp:style>
+      <dsp:txBody>
+        <a:bodyPr spcFirstLastPara="0" vert="horz" wrap="square" lIns="85344" tIns="85344" rIns="85344" bIns="85344" numCol="1" spcCol="1270" anchor="t" anchorCtr="0">
+          <a:noAutofit/>
+        </a:bodyPr>
+        <a:lstStyle/>
+        <a:p>
+          <a:pPr marL="114300" lvl="1" indent="-114300" algn="l" defTabSz="533400">
+            <a:lnSpc>
+              <a:spcPct val="90000"/>
+            </a:lnSpc>
+            <a:spcBef>
+              <a:spcPct val="0"/>
+            </a:spcBef>
+            <a:spcAft>
+              <a:spcPct val="15000"/>
+            </a:spcAft>
+            <a:buChar char="••"/>
+          </a:pPr>
+          <a:r>
+            <a:rPr lang="hu-HU" sz="1200" kern="1200" dirty="0" smtClean="0"/>
+            <a:t>Subscribe for Java Model change</a:t>
+          </a:r>
+          <a:endParaRPr lang="en-US" sz="1200" kern="1200" dirty="0"/>
+        </a:p>
+        <a:p>
+          <a:pPr marL="114300" lvl="1" indent="-114300" algn="l" defTabSz="533400">
+            <a:lnSpc>
+              <a:spcPct val="90000"/>
+            </a:lnSpc>
+            <a:spcBef>
+              <a:spcPct val="0"/>
+            </a:spcBef>
+            <a:spcAft>
+              <a:spcPct val="15000"/>
+            </a:spcAft>
+            <a:buChar char="••"/>
+          </a:pPr>
+          <a:r>
+            <a:rPr lang="hu-HU" sz="1200" kern="1200" dirty="0" smtClean="0"/>
+            <a:t>Incremental model update</a:t>
+          </a:r>
+          <a:endParaRPr lang="en-US" sz="1200" kern="1200" dirty="0"/>
+        </a:p>
+      </dsp:txBody>
+      <dsp:txXfrm>
+        <a:off x="2531215" y="628023"/>
+        <a:ext cx="1313095" cy="1042366"/>
+      </dsp:txXfrm>
+    </dsp:sp>
+    <dsp:sp modelId="{F14FE8F0-029E-4C04-A790-62927A941AD2}">
+      <dsp:nvSpPr>
+        <dsp:cNvPr id="0" name=""/>
+        <dsp:cNvSpPr/>
+      </dsp:nvSpPr>
+      <dsp:spPr>
+        <a:xfrm>
+          <a:off x="3803401" y="150780"/>
+          <a:ext cx="442852" cy="343070"/>
+        </a:xfrm>
+        <a:prstGeom prst="rightArrow">
+          <a:avLst>
+            <a:gd name="adj1" fmla="val 60000"/>
+            <a:gd name="adj2" fmla="val 50000"/>
+          </a:avLst>
+        </a:prstGeom>
+        <a:solidFill>
+          <a:schemeClr val="accent1">
+            <a:tint val="60000"/>
+            <a:hueOff val="0"/>
+            <a:satOff val="0"/>
+            <a:lumOff val="0"/>
+            <a:alphaOff val="0"/>
+          </a:schemeClr>
+        </a:solidFill>
+        <a:ln>
+          <a:noFill/>
+        </a:ln>
+        <a:effectLst/>
+      </dsp:spPr>
+      <dsp:style>
+        <a:lnRef idx="0">
+          <a:scrgbClr r="0" g="0" b="0"/>
+        </a:lnRef>
+        <a:fillRef idx="1">
+          <a:scrgbClr r="0" g="0" b="0"/>
+        </a:fillRef>
+        <a:effectRef idx="0">
+          <a:scrgbClr r="0" g="0" b="0"/>
+        </a:effectRef>
+        <a:fontRef idx="minor">
+          <a:schemeClr val="lt1"/>
+        </a:fontRef>
+      </dsp:style>
+      <dsp:txBody>
+        <a:bodyPr spcFirstLastPara="0" vert="horz" wrap="square" lIns="0" tIns="0" rIns="0" bIns="0" numCol="1" spcCol="1270" anchor="ctr" anchorCtr="0">
+          <a:noAutofit/>
+        </a:bodyPr>
+        <a:lstStyle/>
+        <a:p>
+          <a:pPr lvl="0" algn="ctr" defTabSz="488950">
+            <a:lnSpc>
+              <a:spcPct val="90000"/>
+            </a:lnSpc>
+            <a:spcBef>
+              <a:spcPct val="0"/>
+            </a:spcBef>
+            <a:spcAft>
+              <a:spcPct val="35000"/>
+            </a:spcAft>
+          </a:pPr>
+          <a:endParaRPr lang="en-US" sz="1100" kern="1200"/>
+        </a:p>
+      </dsp:txBody>
+      <dsp:txXfrm>
+        <a:off x="3803401" y="219394"/>
+        <a:ext cx="339931" cy="205842"/>
+      </dsp:txXfrm>
+    </dsp:sp>
+    <dsp:sp modelId="{B9490DA7-A1FF-4A37-9F8A-8D2DD806CA18}">
+      <dsp:nvSpPr>
+        <dsp:cNvPr id="0" name=""/>
+        <dsp:cNvSpPr/>
+      </dsp:nvSpPr>
+      <dsp:spPr>
+        <a:xfrm>
+          <a:off x="4430080" y="49036"/>
+          <a:ext cx="1377953" cy="819835"/>
+        </a:xfrm>
+        <a:prstGeom prst="roundRect">
+          <a:avLst>
+            <a:gd name="adj" fmla="val 10000"/>
+          </a:avLst>
+        </a:prstGeom>
+        <a:solidFill>
+          <a:schemeClr val="accent1">
+            <a:hueOff val="0"/>
+            <a:satOff val="0"/>
+            <a:lumOff val="0"/>
+            <a:alphaOff val="0"/>
+          </a:schemeClr>
+        </a:solidFill>
+        <a:ln w="25400" cap="flat" cmpd="sng" algn="ctr">
+          <a:solidFill>
+            <a:schemeClr val="lt1">
+              <a:hueOff val="0"/>
+              <a:satOff val="0"/>
+              <a:lumOff val="0"/>
+              <a:alphaOff val="0"/>
+            </a:schemeClr>
+          </a:solidFill>
+          <a:prstDash val="solid"/>
+        </a:ln>
+        <a:effectLst/>
+      </dsp:spPr>
+      <dsp:style>
+        <a:lnRef idx="2">
+          <a:scrgbClr r="0" g="0" b="0"/>
+        </a:lnRef>
+        <a:fillRef idx="1">
+          <a:scrgbClr r="0" g="0" b="0"/>
+        </a:fillRef>
+        <a:effectRef idx="0">
+          <a:scrgbClr r="0" g="0" b="0"/>
+        </a:effectRef>
+        <a:fontRef idx="minor">
+          <a:schemeClr val="lt1"/>
+        </a:fontRef>
+      </dsp:style>
+      <dsp:txBody>
+        <a:bodyPr spcFirstLastPara="0" vert="horz" wrap="square" lIns="99568" tIns="99568" rIns="99568" bIns="53340" numCol="1" spcCol="1270" anchor="t" anchorCtr="0">
+          <a:noAutofit/>
+        </a:bodyPr>
+        <a:lstStyle/>
+        <a:p>
+          <a:pPr lvl="0" algn="l" defTabSz="622300">
+            <a:lnSpc>
+              <a:spcPct val="90000"/>
+            </a:lnSpc>
+            <a:spcBef>
+              <a:spcPct val="0"/>
+            </a:spcBef>
+            <a:spcAft>
+              <a:spcPct val="35000"/>
+            </a:spcAft>
+          </a:pPr>
+          <a:r>
+            <a:rPr lang="hu-HU" sz="1400" kern="1200" dirty="0" smtClean="0"/>
+            <a:t>Eclipse shuts down</a:t>
+          </a:r>
+          <a:endParaRPr lang="en-US" sz="1400" kern="1200" dirty="0"/>
+        </a:p>
+      </dsp:txBody>
+      <dsp:txXfrm>
+        <a:off x="4430080" y="49036"/>
+        <a:ext cx="1377953" cy="546557"/>
+      </dsp:txXfrm>
+    </dsp:sp>
+    <dsp:sp modelId="{4F829F7E-28CF-423F-A6F0-12DFDC90ED6F}">
+      <dsp:nvSpPr>
+        <dsp:cNvPr id="0" name=""/>
+        <dsp:cNvSpPr/>
+      </dsp:nvSpPr>
+      <dsp:spPr>
+        <a:xfrm>
+          <a:off x="4712311" y="595594"/>
+          <a:ext cx="1377953" cy="1107224"/>
+        </a:xfrm>
+        <a:prstGeom prst="roundRect">
+          <a:avLst>
+            <a:gd name="adj" fmla="val 10000"/>
+          </a:avLst>
+        </a:prstGeom>
+        <a:solidFill>
+          <a:schemeClr val="lt1">
+            <a:alpha val="90000"/>
+            <a:hueOff val="0"/>
+            <a:satOff val="0"/>
+            <a:lumOff val="0"/>
+            <a:alphaOff val="0"/>
+          </a:schemeClr>
+        </a:solidFill>
+        <a:ln w="25400" cap="flat" cmpd="sng" algn="ctr">
+          <a:solidFill>
+            <a:schemeClr val="accent1">
+              <a:hueOff val="0"/>
+              <a:satOff val="0"/>
+              <a:lumOff val="0"/>
+              <a:alphaOff val="0"/>
+            </a:schemeClr>
+          </a:solidFill>
+          <a:prstDash val="solid"/>
+        </a:ln>
+        <a:effectLst/>
+      </dsp:spPr>
+      <dsp:style>
+        <a:lnRef idx="2">
+          <a:scrgbClr r="0" g="0" b="0"/>
+        </a:lnRef>
+        <a:fillRef idx="1">
+          <a:scrgbClr r="0" g="0" b="0"/>
+        </a:fillRef>
+        <a:effectRef idx="0">
+          <a:scrgbClr r="0" g="0" b="0"/>
+        </a:effectRef>
+        <a:fontRef idx="minor"/>
+      </dsp:style>
+      <dsp:txBody>
+        <a:bodyPr spcFirstLastPara="0" vert="horz" wrap="square" lIns="85344" tIns="85344" rIns="85344" bIns="85344" numCol="1" spcCol="1270" anchor="t" anchorCtr="0">
+          <a:noAutofit/>
+        </a:bodyPr>
+        <a:lstStyle/>
+        <a:p>
+          <a:pPr marL="114300" lvl="1" indent="-114300" algn="l" defTabSz="533400">
+            <a:lnSpc>
+              <a:spcPct val="90000"/>
+            </a:lnSpc>
+            <a:spcBef>
+              <a:spcPct val="0"/>
+            </a:spcBef>
+            <a:spcAft>
+              <a:spcPct val="15000"/>
+            </a:spcAft>
+            <a:buChar char="••"/>
+          </a:pPr>
+          <a:r>
+            <a:rPr lang="hu-HU" sz="1200" kern="1200" dirty="0" smtClean="0"/>
+            <a:t>Save model to disk</a:t>
+          </a:r>
+          <a:endParaRPr lang="en-US" sz="1200" kern="1200" dirty="0"/>
+        </a:p>
+      </dsp:txBody>
+      <dsp:txXfrm>
+        <a:off x="4744740" y="628023"/>
+        <a:ext cx="1313095" cy="1042366"/>
+      </dsp:txXfrm>
+    </dsp:sp>
+  </dsp:spTree>
+</dsp:drawing>
+</file>
+
 <file path=ppt/diagrams/layout1.xml><?xml version="1.0" encoding="utf-8"?>
 <dgm:layoutDef xmlns:dgm="http://schemas.openxmlformats.org/drawingml/2006/diagram" xmlns:a="http://schemas.openxmlformats.org/drawingml/2006/main" uniqueId="urn:microsoft.com/office/officeart/2005/8/layout/process1">
   <dgm:title val=""/>
@@ -1890,7 +3870,1342 @@
 </dgm:layoutDef>
 </file>
 
+<file path=ppt/diagrams/layout2.xml><?xml version="1.0" encoding="utf-8"?>
+<dgm:layoutDef xmlns:dgm="http://schemas.openxmlformats.org/drawingml/2006/diagram" xmlns:a="http://schemas.openxmlformats.org/drawingml/2006/main" uniqueId="urn:microsoft.com/office/officeart/2005/8/layout/process3">
+  <dgm:title val=""/>
+  <dgm:desc val=""/>
+  <dgm:catLst>
+    <dgm:cat type="process" pri="2000"/>
+  </dgm:catLst>
+  <dgm:sampData>
+    <dgm:dataModel>
+      <dgm:ptLst>
+        <dgm:pt modelId="0" type="doc"/>
+        <dgm:pt modelId="1">
+          <dgm:prSet phldr="1"/>
+        </dgm:pt>
+        <dgm:pt modelId="11">
+          <dgm:prSet phldr="1"/>
+        </dgm:pt>
+        <dgm:pt modelId="2">
+          <dgm:prSet phldr="1"/>
+        </dgm:pt>
+        <dgm:pt modelId="21">
+          <dgm:prSet phldr="1"/>
+        </dgm:pt>
+        <dgm:pt modelId="3">
+          <dgm:prSet phldr="1"/>
+        </dgm:pt>
+        <dgm:pt modelId="31">
+          <dgm:prSet phldr="1"/>
+        </dgm:pt>
+      </dgm:ptLst>
+      <dgm:cxnLst>
+        <dgm:cxn modelId="4" srcId="0" destId="1" srcOrd="0" destOrd="0"/>
+        <dgm:cxn modelId="5" srcId="0" destId="2" srcOrd="1" destOrd="0"/>
+        <dgm:cxn modelId="6" srcId="0" destId="3" srcOrd="3" destOrd="0"/>
+        <dgm:cxn modelId="12" srcId="1" destId="11" srcOrd="0" destOrd="0"/>
+        <dgm:cxn modelId="23" srcId="2" destId="21" srcOrd="0" destOrd="0"/>
+        <dgm:cxn modelId="34" srcId="3" destId="31" srcOrd="0" destOrd="0"/>
+      </dgm:cxnLst>
+      <dgm:bg/>
+      <dgm:whole/>
+    </dgm:dataModel>
+  </dgm:sampData>
+  <dgm:styleData>
+    <dgm:dataModel>
+      <dgm:ptLst>
+        <dgm:pt modelId="0" type="doc"/>
+        <dgm:pt modelId="1">
+          <dgm:prSet phldr="1"/>
+        </dgm:pt>
+        <dgm:pt modelId="11">
+          <dgm:prSet phldr="1"/>
+        </dgm:pt>
+        <dgm:pt modelId="2">
+          <dgm:prSet phldr="1"/>
+        </dgm:pt>
+        <dgm:pt modelId="21">
+          <dgm:prSet phldr="1"/>
+        </dgm:pt>
+      </dgm:ptLst>
+      <dgm:cxnLst>
+        <dgm:cxn modelId="4" srcId="0" destId="1" srcOrd="0" destOrd="0"/>
+        <dgm:cxn modelId="5" srcId="0" destId="2" srcOrd="1" destOrd="0"/>
+        <dgm:cxn modelId="13" srcId="1" destId="11" srcOrd="0" destOrd="0"/>
+        <dgm:cxn modelId="23" srcId="2" destId="21" srcOrd="0" destOrd="0"/>
+      </dgm:cxnLst>
+      <dgm:bg/>
+      <dgm:whole/>
+    </dgm:dataModel>
+  </dgm:styleData>
+  <dgm:clrData>
+    <dgm:dataModel>
+      <dgm:ptLst>
+        <dgm:pt modelId="0" type="doc"/>
+        <dgm:pt modelId="1">
+          <dgm:prSet phldr="1"/>
+        </dgm:pt>
+        <dgm:pt modelId="11">
+          <dgm:prSet phldr="1"/>
+        </dgm:pt>
+        <dgm:pt modelId="2">
+          <dgm:prSet phldr="1"/>
+        </dgm:pt>
+        <dgm:pt modelId="21">
+          <dgm:prSet phldr="1"/>
+        </dgm:pt>
+        <dgm:pt modelId="3">
+          <dgm:prSet phldr="1"/>
+        </dgm:pt>
+        <dgm:pt modelId="31">
+          <dgm:prSet phldr="1"/>
+        </dgm:pt>
+        <dgm:pt modelId="4">
+          <dgm:prSet phldr="1"/>
+        </dgm:pt>
+        <dgm:pt modelId="41">
+          <dgm:prSet phldr="1"/>
+        </dgm:pt>
+      </dgm:ptLst>
+      <dgm:cxnLst>
+        <dgm:cxn modelId="5" srcId="0" destId="1" srcOrd="0" destOrd="0"/>
+        <dgm:cxn modelId="6" srcId="0" destId="2" srcOrd="1" destOrd="0"/>
+        <dgm:cxn modelId="7" srcId="0" destId="3" srcOrd="2" destOrd="0"/>
+        <dgm:cxn modelId="8" srcId="0" destId="4" srcOrd="3" destOrd="0"/>
+        <dgm:cxn modelId="13" srcId="1" destId="11" srcOrd="0" destOrd="0"/>
+        <dgm:cxn modelId="23" srcId="2" destId="21" srcOrd="0" destOrd="0"/>
+        <dgm:cxn modelId="33" srcId="3" destId="31" srcOrd="0" destOrd="0"/>
+        <dgm:cxn modelId="43" srcId="4" destId="41" srcOrd="0" destOrd="0"/>
+      </dgm:cxnLst>
+      <dgm:bg/>
+      <dgm:whole/>
+    </dgm:dataModel>
+  </dgm:clrData>
+  <dgm:layoutNode name="linearFlow">
+    <dgm:varLst>
+      <dgm:dir/>
+      <dgm:animLvl val="lvl"/>
+      <dgm:resizeHandles val="exact"/>
+    </dgm:varLst>
+    <dgm:choose name="Name0">
+      <dgm:if name="Name1" func="var" arg="dir" op="equ" val="norm">
+        <dgm:alg type="lin"/>
+      </dgm:if>
+      <dgm:else name="Name2">
+        <dgm:alg type="lin">
+          <dgm:param type="linDir" val="fromR"/>
+        </dgm:alg>
+      </dgm:else>
+    </dgm:choose>
+    <dgm:shape xmlns:r="http://schemas.openxmlformats.org/officeDocument/2006/relationships" r:blip="">
+      <dgm:adjLst/>
+    </dgm:shape>
+    <dgm:presOf/>
+    <dgm:constrLst>
+      <dgm:constr type="w" for="ch" forName="composite" refType="w"/>
+      <dgm:constr type="w" for="ch" ptType="sibTrans" refType="w" refFor="ch" refForName="composite" fact="0.3333"/>
+      <dgm:constr type="w" for="des" forName="parTx"/>
+      <dgm:constr type="h" for="des" forName="parTx" op="equ"/>
+      <dgm:constr type="h" for="des" forName="parSh" op="equ"/>
+      <dgm:constr type="w" for="des" forName="desTx"/>
+      <dgm:constr type="h" for="des" forName="desTx" op="equ"/>
+      <dgm:constr type="w" for="des" forName="parSh"/>
+      <dgm:constr type="primFontSz" for="des" forName="parTx" val="65"/>
+      <dgm:constr type="secFontSz" for="des" forName="desTx" refType="primFontSz" refFor="des" refForName="parTx" op="equ"/>
+      <dgm:constr type="primFontSz" for="des" forName="connTx" refType="primFontSz" refFor="des" refForName="parTx" fact="0.8"/>
+      <dgm:constr type="primFontSz" for="des" forName="connTx" refType="primFontSz" refFor="des" refForName="parTx" op="lte" fact="0.8"/>
+      <dgm:constr type="h" for="des" forName="parTx" refType="primFontSz" refFor="des" refForName="parTx" fact="0.8"/>
+      <dgm:constr type="h" for="des" forName="parSh" refType="primFontSz" refFor="des" refForName="parTx" fact="1.2"/>
+      <dgm:constr type="h" for="des" forName="desTx" refType="primFontSz" refFor="des" refForName="parTx" fact="1.6"/>
+      <dgm:constr type="h" for="des" forName="parSh" refType="h" refFor="des" refForName="parTx" op="lte" fact="1.5"/>
+      <dgm:constr type="h" for="des" forName="parSh" refType="h" refFor="des" refForName="parTx" op="gte" fact="1.5"/>
+    </dgm:constrLst>
+    <dgm:ruleLst>
+      <dgm:rule type="w" for="ch" forName="composite" val="0" fact="NaN" max="NaN"/>
+      <dgm:rule type="primFontSz" for="des" forName="parTx" val="5" fact="NaN" max="NaN"/>
+    </dgm:ruleLst>
+    <dgm:forEach name="Name3" axis="ch" ptType="node">
+      <dgm:layoutNode name="composite">
+        <dgm:alg type="composite"/>
+        <dgm:shape xmlns:r="http://schemas.openxmlformats.org/officeDocument/2006/relationships" r:blip="">
+          <dgm:adjLst/>
+        </dgm:shape>
+        <dgm:presOf/>
+        <dgm:choose name="Name4">
+          <dgm:if name="Name5" func="var" arg="dir" op="equ" val="norm">
+            <dgm:constrLst>
+              <dgm:constr type="h" refType="w" fact="1000"/>
+              <dgm:constr type="l" for="ch" forName="parTx"/>
+              <dgm:constr type="w" for="ch" forName="parTx" refType="w" fact="0.83"/>
+              <dgm:constr type="t" for="ch" forName="parTx"/>
+              <dgm:constr type="l" for="ch" forName="parSh"/>
+              <dgm:constr type="w" for="ch" forName="parSh" refType="w" refFor="ch" refForName="parTx"/>
+              <dgm:constr type="t" for="ch" forName="parSh"/>
+              <dgm:constr type="l" for="ch" forName="desTx" refType="w" fact="0.17"/>
+              <dgm:constr type="w" for="ch" forName="desTx" refType="w" refFor="ch" refForName="parTx"/>
+              <dgm:constr type="t" for="ch" forName="desTx" refType="h" refFor="ch" refForName="parTx"/>
+            </dgm:constrLst>
+          </dgm:if>
+          <dgm:else name="Name6">
+            <dgm:constrLst>
+              <dgm:constr type="h" refType="w" fact="1000"/>
+              <dgm:constr type="l" for="ch" forName="parTx" refType="w" fact="0.17"/>
+              <dgm:constr type="w" for="ch" forName="parTx" refType="w" fact="0.83"/>
+              <dgm:constr type="t" for="ch" forName="parTx"/>
+              <dgm:constr type="l" for="ch" forName="parSh" refType="w" fact="0.15"/>
+              <dgm:constr type="w" for="ch" forName="parSh" refType="w" refFor="ch" refForName="parTx"/>
+              <dgm:constr type="t" for="ch" forName="parSh"/>
+              <dgm:constr type="l" for="ch" forName="desTx"/>
+              <dgm:constr type="w" for="ch" forName="desTx" refType="w" refFor="ch" refForName="parTx"/>
+              <dgm:constr type="t" for="ch" forName="desTx" refType="h" refFor="ch" refForName="parTx"/>
+            </dgm:constrLst>
+          </dgm:else>
+        </dgm:choose>
+        <dgm:ruleLst>
+          <dgm:rule type="h" val="INF" fact="NaN" max="NaN"/>
+        </dgm:ruleLst>
+        <dgm:layoutNode name="parTx">
+          <dgm:varLst>
+            <dgm:chMax val="0"/>
+            <dgm:chPref val="0"/>
+            <dgm:bulletEnabled val="1"/>
+          </dgm:varLst>
+          <dgm:alg type="tx">
+            <dgm:param type="parTxLTRAlign" val="l"/>
+            <dgm:param type="parTxRTLAlign" val="r"/>
+            <dgm:param type="txAnchorVert" val="t"/>
+          </dgm:alg>
+          <dgm:shape xmlns:r="http://schemas.openxmlformats.org/officeDocument/2006/relationships" type="rect" r:blip="" zOrderOff="1" hideGeom="1">
+            <dgm:adjLst>
+              <dgm:adj idx="1" val="0.1"/>
+            </dgm:adjLst>
+          </dgm:shape>
+          <dgm:presOf axis="self" ptType="node"/>
+          <dgm:constrLst>
+            <dgm:constr type="h" refType="w" op="lte" fact="0.4"/>
+            <dgm:constr type="bMarg" refType="primFontSz" fact="0.3"/>
+            <dgm:constr type="h"/>
+          </dgm:constrLst>
+          <dgm:ruleLst>
+            <dgm:rule type="h" val="INF" fact="NaN" max="NaN"/>
+          </dgm:ruleLst>
+        </dgm:layoutNode>
+        <dgm:layoutNode name="parSh">
+          <dgm:alg type="sp"/>
+          <dgm:shape xmlns:r="http://schemas.openxmlformats.org/officeDocument/2006/relationships" type="roundRect" r:blip="">
+            <dgm:adjLst>
+              <dgm:adj idx="1" val="0.1"/>
+            </dgm:adjLst>
+          </dgm:shape>
+          <dgm:presOf axis="self" ptType="node"/>
+          <dgm:constrLst>
+            <dgm:constr type="h"/>
+          </dgm:constrLst>
+          <dgm:ruleLst/>
+        </dgm:layoutNode>
+        <dgm:layoutNode name="desTx" styleLbl="fgAcc1">
+          <dgm:varLst>
+            <dgm:bulletEnabled val="1"/>
+          </dgm:varLst>
+          <dgm:alg type="tx">
+            <dgm:param type="stBulletLvl" val="1"/>
+          </dgm:alg>
+          <dgm:shape xmlns:r="http://schemas.openxmlformats.org/officeDocument/2006/relationships" type="roundRect" r:blip="">
+            <dgm:adjLst>
+              <dgm:adj idx="1" val="0.1"/>
+            </dgm:adjLst>
+          </dgm:shape>
+          <dgm:presOf axis="des" ptType="node"/>
+          <dgm:constrLst>
+            <dgm:constr type="secFontSz" val="65"/>
+            <dgm:constr type="primFontSz" refType="secFontSz"/>
+            <dgm:constr type="h"/>
+          </dgm:constrLst>
+          <dgm:ruleLst>
+            <dgm:rule type="h" val="INF" fact="NaN" max="NaN"/>
+          </dgm:ruleLst>
+        </dgm:layoutNode>
+      </dgm:layoutNode>
+      <dgm:forEach name="sibTransForEach" axis="followSib" ptType="sibTrans" cnt="1">
+        <dgm:layoutNode name="sibTrans">
+          <dgm:alg type="conn">
+            <dgm:param type="begPts" val="auto"/>
+            <dgm:param type="endPts" val="auto"/>
+            <dgm:param type="srcNode" val="parTx"/>
+            <dgm:param type="dstNode" val="parTx"/>
+          </dgm:alg>
+          <dgm:shape xmlns:r="http://schemas.openxmlformats.org/officeDocument/2006/relationships" type="conn" r:blip="">
+            <dgm:adjLst/>
+          </dgm:shape>
+          <dgm:presOf axis="self"/>
+          <dgm:constrLst>
+            <dgm:constr type="h" refType="w" fact="0.62"/>
+            <dgm:constr type="connDist"/>
+            <dgm:constr type="begPad" refType="connDist" fact="0.25"/>
+            <dgm:constr type="endPad" refType="connDist" fact="0.22"/>
+          </dgm:constrLst>
+          <dgm:ruleLst/>
+          <dgm:layoutNode name="connTx">
+            <dgm:alg type="tx">
+              <dgm:param type="autoTxRot" val="grav"/>
+            </dgm:alg>
+            <dgm:shape xmlns:r="http://schemas.openxmlformats.org/officeDocument/2006/relationships" type="conn" r:blip="" hideGeom="1">
+              <dgm:adjLst/>
+            </dgm:shape>
+            <dgm:presOf axis="self"/>
+            <dgm:constrLst>
+              <dgm:constr type="lMarg"/>
+              <dgm:constr type="rMarg"/>
+              <dgm:constr type="tMarg"/>
+              <dgm:constr type="bMarg"/>
+            </dgm:constrLst>
+            <dgm:ruleLst>
+              <dgm:rule type="primFontSz" val="5" fact="NaN" max="NaN"/>
+            </dgm:ruleLst>
+          </dgm:layoutNode>
+        </dgm:layoutNode>
+      </dgm:forEach>
+    </dgm:forEach>
+  </dgm:layoutNode>
+</dgm:layoutDef>
+</file>
+
 <file path=ppt/diagrams/quickStyle1.xml><?xml version="1.0" encoding="utf-8"?>
+<dgm:styleDef xmlns:dgm="http://schemas.openxmlformats.org/drawingml/2006/diagram" xmlns:a="http://schemas.openxmlformats.org/drawingml/2006/main" uniqueId="urn:microsoft.com/office/officeart/2005/8/quickstyle/simple1">
+  <dgm:title val=""/>
+  <dgm:desc val=""/>
+  <dgm:catLst>
+    <dgm:cat type="simple" pri="10100"/>
+  </dgm:catLst>
+  <dgm:scene3d>
+    <a:camera prst="orthographicFront"/>
+    <a:lightRig rig="threePt" dir="t"/>
+  </dgm:scene3d>
+  <dgm:styleLbl name="node0">
+    <dgm:scene3d>
+      <a:camera prst="orthographicFront"/>
+      <a:lightRig rig="threePt" dir="t"/>
+    </dgm:scene3d>
+    <dgm:sp3d/>
+    <dgm:txPr/>
+    <dgm:style>
+      <a:lnRef idx="2">
+        <a:scrgbClr r="0" g="0" b="0"/>
+      </a:lnRef>
+      <a:fillRef idx="1">
+        <a:scrgbClr r="0" g="0" b="0"/>
+      </a:fillRef>
+      <a:effectRef idx="0">
+        <a:scrgbClr r="0" g="0" b="0"/>
+      </a:effectRef>
+      <a:fontRef idx="minor">
+        <a:schemeClr val="lt1"/>
+      </a:fontRef>
+    </dgm:style>
+  </dgm:styleLbl>
+  <dgm:styleLbl name="lnNode1">
+    <dgm:scene3d>
+      <a:camera prst="orthographicFront"/>
+      <a:lightRig rig="threePt" dir="t"/>
+    </dgm:scene3d>
+    <dgm:sp3d/>
+    <dgm:txPr/>
+    <dgm:style>
+      <a:lnRef idx="2">
+        <a:scrgbClr r="0" g="0" b="0"/>
+      </a:lnRef>
+      <a:fillRef idx="1">
+        <a:scrgbClr r="0" g="0" b="0"/>
+      </a:fillRef>
+      <a:effectRef idx="0">
+        <a:scrgbClr r="0" g="0" b="0"/>
+      </a:effectRef>
+      <a:fontRef idx="minor">
+        <a:schemeClr val="lt1"/>
+      </a:fontRef>
+    </dgm:style>
+  </dgm:styleLbl>
+  <dgm:styleLbl name="vennNode1">
+    <dgm:scene3d>
+      <a:camera prst="orthographicFront"/>
+      <a:lightRig rig="threePt" dir="t"/>
+    </dgm:scene3d>
+    <dgm:sp3d/>
+    <dgm:txPr/>
+    <dgm:style>
+      <a:lnRef idx="2">
+        <a:scrgbClr r="0" g="0" b="0"/>
+      </a:lnRef>
+      <a:fillRef idx="1">
+        <a:scrgbClr r="0" g="0" b="0"/>
+      </a:fillRef>
+      <a:effectRef idx="0">
+        <a:scrgbClr r="0" g="0" b="0"/>
+      </a:effectRef>
+      <a:fontRef idx="minor">
+        <a:schemeClr val="tx1"/>
+      </a:fontRef>
+    </dgm:style>
+  </dgm:styleLbl>
+  <dgm:styleLbl name="alignNode1">
+    <dgm:scene3d>
+      <a:camera prst="orthographicFront"/>
+      <a:lightRig rig="threePt" dir="t"/>
+    </dgm:scene3d>
+    <dgm:sp3d/>
+    <dgm:txPr/>
+    <dgm:style>
+      <a:lnRef idx="2">
+        <a:scrgbClr r="0" g="0" b="0"/>
+      </a:lnRef>
+      <a:fillRef idx="1">
+        <a:scrgbClr r="0" g="0" b="0"/>
+      </a:fillRef>
+      <a:effectRef idx="0">
+        <a:scrgbClr r="0" g="0" b="0"/>
+      </a:effectRef>
+      <a:fontRef idx="minor">
+        <a:schemeClr val="lt1"/>
+      </a:fontRef>
+    </dgm:style>
+  </dgm:styleLbl>
+  <dgm:styleLbl name="node1">
+    <dgm:scene3d>
+      <a:camera prst="orthographicFront"/>
+      <a:lightRig rig="threePt" dir="t"/>
+    </dgm:scene3d>
+    <dgm:sp3d/>
+    <dgm:txPr/>
+    <dgm:style>
+      <a:lnRef idx="2">
+        <a:scrgbClr r="0" g="0" b="0"/>
+      </a:lnRef>
+      <a:fillRef idx="1">
+        <a:scrgbClr r="0" g="0" b="0"/>
+      </a:fillRef>
+      <a:effectRef idx="0">
+        <a:scrgbClr r="0" g="0" b="0"/>
+      </a:effectRef>
+      <a:fontRef idx="minor">
+        <a:schemeClr val="lt1"/>
+      </a:fontRef>
+    </dgm:style>
+  </dgm:styleLbl>
+  <dgm:styleLbl name="node2">
+    <dgm:scene3d>
+      <a:camera prst="orthographicFront"/>
+      <a:lightRig rig="threePt" dir="t"/>
+    </dgm:scene3d>
+    <dgm:sp3d/>
+    <dgm:txPr/>
+    <dgm:style>
+      <a:lnRef idx="2">
+        <a:scrgbClr r="0" g="0" b="0"/>
+      </a:lnRef>
+      <a:fillRef idx="1">
+        <a:scrgbClr r="0" g="0" b="0"/>
+      </a:fillRef>
+      <a:effectRef idx="0">
+        <a:scrgbClr r="0" g="0" b="0"/>
+      </a:effectRef>
+      <a:fontRef idx="minor">
+        <a:schemeClr val="lt1"/>
+      </a:fontRef>
+    </dgm:style>
+  </dgm:styleLbl>
+  <dgm:styleLbl name="node3">
+    <dgm:scene3d>
+      <a:camera prst="orthographicFront"/>
+      <a:lightRig rig="threePt" dir="t"/>
+    </dgm:scene3d>
+    <dgm:sp3d/>
+    <dgm:txPr/>
+    <dgm:style>
+      <a:lnRef idx="2">
+        <a:scrgbClr r="0" g="0" b="0"/>
+      </a:lnRef>
+      <a:fillRef idx="1">
+        <a:scrgbClr r="0" g="0" b="0"/>
+      </a:fillRef>
+      <a:effectRef idx="0">
+        <a:scrgbClr r="0" g="0" b="0"/>
+      </a:effectRef>
+      <a:fontRef idx="minor">
+        <a:schemeClr val="lt1"/>
+      </a:fontRef>
+    </dgm:style>
+  </dgm:styleLbl>
+  <dgm:styleLbl name="node4">
+    <dgm:scene3d>
+      <a:camera prst="orthographicFront"/>
+      <a:lightRig rig="threePt" dir="t"/>
+    </dgm:scene3d>
+    <dgm:sp3d/>
+    <dgm:txPr/>
+    <dgm:style>
+      <a:lnRef idx="2">
+        <a:scrgbClr r="0" g="0" b="0"/>
+      </a:lnRef>
+      <a:fillRef idx="1">
+        <a:scrgbClr r="0" g="0" b="0"/>
+      </a:fillRef>
+      <a:effectRef idx="0">
+        <a:scrgbClr r="0" g="0" b="0"/>
+      </a:effectRef>
+      <a:fontRef idx="minor">
+        <a:schemeClr val="lt1"/>
+      </a:fontRef>
+    </dgm:style>
+  </dgm:styleLbl>
+  <dgm:styleLbl name="fgImgPlace1">
+    <dgm:scene3d>
+      <a:camera prst="orthographicFront"/>
+      <a:lightRig rig="threePt" dir="t"/>
+    </dgm:scene3d>
+    <dgm:sp3d/>
+    <dgm:txPr/>
+    <dgm:style>
+      <a:lnRef idx="2">
+        <a:scrgbClr r="0" g="0" b="0"/>
+      </a:lnRef>
+      <a:fillRef idx="1">
+        <a:scrgbClr r="0" g="0" b="0"/>
+      </a:fillRef>
+      <a:effectRef idx="0">
+        <a:scrgbClr r="0" g="0" b="0"/>
+      </a:effectRef>
+      <a:fontRef idx="minor"/>
+    </dgm:style>
+  </dgm:styleLbl>
+  <dgm:styleLbl name="alignImgPlace1">
+    <dgm:scene3d>
+      <a:camera prst="orthographicFront"/>
+      <a:lightRig rig="threePt" dir="t"/>
+    </dgm:scene3d>
+    <dgm:sp3d/>
+    <dgm:txPr/>
+    <dgm:style>
+      <a:lnRef idx="2">
+        <a:scrgbClr r="0" g="0" b="0"/>
+      </a:lnRef>
+      <a:fillRef idx="1">
+        <a:scrgbClr r="0" g="0" b="0"/>
+      </a:fillRef>
+      <a:effectRef idx="0">
+        <a:scrgbClr r="0" g="0" b="0"/>
+      </a:effectRef>
+      <a:fontRef idx="minor"/>
+    </dgm:style>
+  </dgm:styleLbl>
+  <dgm:styleLbl name="bgImgPlace1">
+    <dgm:scene3d>
+      <a:camera prst="orthographicFront"/>
+      <a:lightRig rig="threePt" dir="t"/>
+    </dgm:scene3d>
+    <dgm:sp3d/>
+    <dgm:txPr/>
+    <dgm:style>
+      <a:lnRef idx="2">
+        <a:scrgbClr r="0" g="0" b="0"/>
+      </a:lnRef>
+      <a:fillRef idx="1">
+        <a:scrgbClr r="0" g="0" b="0"/>
+      </a:fillRef>
+      <a:effectRef idx="0">
+        <a:scrgbClr r="0" g="0" b="0"/>
+      </a:effectRef>
+      <a:fontRef idx="minor"/>
+    </dgm:style>
+  </dgm:styleLbl>
+  <dgm:styleLbl name="sibTrans2D1">
+    <dgm:scene3d>
+      <a:camera prst="orthographicFront"/>
+      <a:lightRig rig="threePt" dir="t"/>
+    </dgm:scene3d>
+    <dgm:sp3d/>
+    <dgm:txPr/>
+    <dgm:style>
+      <a:lnRef idx="0">
+        <a:scrgbClr r="0" g="0" b="0"/>
+      </a:lnRef>
+      <a:fillRef idx="1">
+        <a:scrgbClr r="0" g="0" b="0"/>
+      </a:fillRef>
+      <a:effectRef idx="0">
+        <a:scrgbClr r="0" g="0" b="0"/>
+      </a:effectRef>
+      <a:fontRef idx="minor">
+        <a:schemeClr val="lt1"/>
+      </a:fontRef>
+    </dgm:style>
+  </dgm:styleLbl>
+  <dgm:styleLbl name="fgSibTrans2D1">
+    <dgm:scene3d>
+      <a:camera prst="orthographicFront"/>
+      <a:lightRig rig="threePt" dir="t"/>
+    </dgm:scene3d>
+    <dgm:sp3d/>
+    <dgm:txPr/>
+    <dgm:style>
+      <a:lnRef idx="0">
+        <a:scrgbClr r="0" g="0" b="0"/>
+      </a:lnRef>
+      <a:fillRef idx="1">
+        <a:scrgbClr r="0" g="0" b="0"/>
+      </a:fillRef>
+      <a:effectRef idx="0">
+        <a:scrgbClr r="0" g="0" b="0"/>
+      </a:effectRef>
+      <a:fontRef idx="minor">
+        <a:schemeClr val="lt1"/>
+      </a:fontRef>
+    </dgm:style>
+  </dgm:styleLbl>
+  <dgm:styleLbl name="bgSibTrans2D1">
+    <dgm:scene3d>
+      <a:camera prst="orthographicFront"/>
+      <a:lightRig rig="threePt" dir="t"/>
+    </dgm:scene3d>
+    <dgm:sp3d/>
+    <dgm:txPr/>
+    <dgm:style>
+      <a:lnRef idx="0">
+        <a:scrgbClr r="0" g="0" b="0"/>
+      </a:lnRef>
+      <a:fillRef idx="1">
+        <a:scrgbClr r="0" g="0" b="0"/>
+      </a:fillRef>
+      <a:effectRef idx="0">
+        <a:scrgbClr r="0" g="0" b="0"/>
+      </a:effectRef>
+      <a:fontRef idx="minor">
+        <a:schemeClr val="lt1"/>
+      </a:fontRef>
+    </dgm:style>
+  </dgm:styleLbl>
+  <dgm:styleLbl name="sibTrans1D1">
+    <dgm:scene3d>
+      <a:camera prst="orthographicFront"/>
+      <a:lightRig rig="threePt" dir="t"/>
+    </dgm:scene3d>
+    <dgm:sp3d/>
+    <dgm:txPr/>
+    <dgm:style>
+      <a:lnRef idx="1">
+        <a:scrgbClr r="0" g="0" b="0"/>
+      </a:lnRef>
+      <a:fillRef idx="0">
+        <a:scrgbClr r="0" g="0" b="0"/>
+      </a:fillRef>
+      <a:effectRef idx="0">
+        <a:scrgbClr r="0" g="0" b="0"/>
+      </a:effectRef>
+      <a:fontRef idx="minor"/>
+    </dgm:style>
+  </dgm:styleLbl>
+  <dgm:styleLbl name="callout">
+    <dgm:scene3d>
+      <a:camera prst="orthographicFront"/>
+      <a:lightRig rig="threePt" dir="t"/>
+    </dgm:scene3d>
+    <dgm:sp3d/>
+    <dgm:txPr/>
+    <dgm:style>
+      <a:lnRef idx="2">
+        <a:scrgbClr r="0" g="0" b="0"/>
+      </a:lnRef>
+      <a:fillRef idx="1">
+        <a:scrgbClr r="0" g="0" b="0"/>
+      </a:fillRef>
+      <a:effectRef idx="0">
+        <a:scrgbClr r="0" g="0" b="0"/>
+      </a:effectRef>
+      <a:fontRef idx="minor"/>
+    </dgm:style>
+  </dgm:styleLbl>
+  <dgm:styleLbl name="asst0">
+    <dgm:scene3d>
+      <a:camera prst="orthographicFront"/>
+      <a:lightRig rig="threePt" dir="t"/>
+    </dgm:scene3d>
+    <dgm:sp3d/>
+    <dgm:txPr/>
+    <dgm:style>
+      <a:lnRef idx="2">
+        <a:scrgbClr r="0" g="0" b="0"/>
+      </a:lnRef>
+      <a:fillRef idx="1">
+        <a:scrgbClr r="0" g="0" b="0"/>
+      </a:fillRef>
+      <a:effectRef idx="0">
+        <a:scrgbClr r="0" g="0" b="0"/>
+      </a:effectRef>
+      <a:fontRef idx="minor">
+        <a:schemeClr val="lt1"/>
+      </a:fontRef>
+    </dgm:style>
+  </dgm:styleLbl>
+  <dgm:styleLbl name="asst1">
+    <dgm:scene3d>
+      <a:camera prst="orthographicFront"/>
+      <a:lightRig rig="threePt" dir="t"/>
+    </dgm:scene3d>
+    <dgm:sp3d/>
+    <dgm:txPr/>
+    <dgm:style>
+      <a:lnRef idx="2">
+        <a:scrgbClr r="0" g="0" b="0"/>
+      </a:lnRef>
+      <a:fillRef idx="1">
+        <a:scrgbClr r="0" g="0" b="0"/>
+      </a:fillRef>
+      <a:effectRef idx="0">
+        <a:scrgbClr r="0" g="0" b="0"/>
+      </a:effectRef>
+      <a:fontRef idx="minor">
+        <a:schemeClr val="lt1"/>
+      </a:fontRef>
+    </dgm:style>
+  </dgm:styleLbl>
+  <dgm:styleLbl name="asst2">
+    <dgm:scene3d>
+      <a:camera prst="orthographicFront"/>
+      <a:lightRig rig="threePt" dir="t"/>
+    </dgm:scene3d>
+    <dgm:sp3d/>
+    <dgm:txPr/>
+    <dgm:style>
+      <a:lnRef idx="2">
+        <a:scrgbClr r="0" g="0" b="0"/>
+      </a:lnRef>
+      <a:fillRef idx="1">
+        <a:scrgbClr r="0" g="0" b="0"/>
+      </a:fillRef>
+      <a:effectRef idx="0">
+        <a:scrgbClr r="0" g="0" b="0"/>
+      </a:effectRef>
+      <a:fontRef idx="minor">
+        <a:schemeClr val="lt1"/>
+      </a:fontRef>
+    </dgm:style>
+  </dgm:styleLbl>
+  <dgm:styleLbl name="asst3">
+    <dgm:scene3d>
+      <a:camera prst="orthographicFront"/>
+      <a:lightRig rig="threePt" dir="t"/>
+    </dgm:scene3d>
+    <dgm:sp3d/>
+    <dgm:txPr/>
+    <dgm:style>
+      <a:lnRef idx="2">
+        <a:scrgbClr r="0" g="0" b="0"/>
+      </a:lnRef>
+      <a:fillRef idx="1">
+        <a:scrgbClr r="0" g="0" b="0"/>
+      </a:fillRef>
+      <a:effectRef idx="0">
+        <a:scrgbClr r="0" g="0" b="0"/>
+      </a:effectRef>
+      <a:fontRef idx="minor">
+        <a:schemeClr val="lt1"/>
+      </a:fontRef>
+    </dgm:style>
+  </dgm:styleLbl>
+  <dgm:styleLbl name="asst4">
+    <dgm:scene3d>
+      <a:camera prst="orthographicFront"/>
+      <a:lightRig rig="threePt" dir="t"/>
+    </dgm:scene3d>
+    <dgm:sp3d/>
+    <dgm:txPr/>
+    <dgm:style>
+      <a:lnRef idx="2">
+        <a:scrgbClr r="0" g="0" b="0"/>
+      </a:lnRef>
+      <a:fillRef idx="1">
+        <a:scrgbClr r="0" g="0" b="0"/>
+      </a:fillRef>
+      <a:effectRef idx="0">
+        <a:scrgbClr r="0" g="0" b="0"/>
+      </a:effectRef>
+      <a:fontRef idx="minor">
+        <a:schemeClr val="lt1"/>
+      </a:fontRef>
+    </dgm:style>
+  </dgm:styleLbl>
+  <dgm:styleLbl name="parChTrans2D1">
+    <dgm:scene3d>
+      <a:camera prst="orthographicFront"/>
+      <a:lightRig rig="threePt" dir="t"/>
+    </dgm:scene3d>
+    <dgm:sp3d/>
+    <dgm:txPr/>
+    <dgm:style>
+      <a:lnRef idx="2">
+        <a:scrgbClr r="0" g="0" b="0"/>
+      </a:lnRef>
+      <a:fillRef idx="1">
+        <a:scrgbClr r="0" g="0" b="0"/>
+      </a:fillRef>
+      <a:effectRef idx="0">
+        <a:scrgbClr r="0" g="0" b="0"/>
+      </a:effectRef>
+      <a:fontRef idx="minor">
+        <a:schemeClr val="lt1"/>
+      </a:fontRef>
+    </dgm:style>
+  </dgm:styleLbl>
+  <dgm:styleLbl name="parChTrans2D2">
+    <dgm:scene3d>
+      <a:camera prst="orthographicFront"/>
+      <a:lightRig rig="threePt" dir="t"/>
+    </dgm:scene3d>
+    <dgm:sp3d/>
+    <dgm:txPr/>
+    <dgm:style>
+      <a:lnRef idx="2">
+        <a:scrgbClr r="0" g="0" b="0"/>
+      </a:lnRef>
+      <a:fillRef idx="1">
+        <a:scrgbClr r="0" g="0" b="0"/>
+      </a:fillRef>
+      <a:effectRef idx="0">
+        <a:scrgbClr r="0" g="0" b="0"/>
+      </a:effectRef>
+      <a:fontRef idx="minor">
+        <a:schemeClr val="lt1"/>
+      </a:fontRef>
+    </dgm:style>
+  </dgm:styleLbl>
+  <dgm:styleLbl name="parChTrans2D3">
+    <dgm:scene3d>
+      <a:camera prst="orthographicFront"/>
+      <a:lightRig rig="threePt" dir="t"/>
+    </dgm:scene3d>
+    <dgm:sp3d/>
+    <dgm:txPr/>
+    <dgm:style>
+      <a:lnRef idx="2">
+        <a:scrgbClr r="0" g="0" b="0"/>
+      </a:lnRef>
+      <a:fillRef idx="1">
+        <a:scrgbClr r="0" g="0" b="0"/>
+      </a:fillRef>
+      <a:effectRef idx="0">
+        <a:scrgbClr r="0" g="0" b="0"/>
+      </a:effectRef>
+      <a:fontRef idx="minor">
+        <a:schemeClr val="lt1"/>
+      </a:fontRef>
+    </dgm:style>
+  </dgm:styleLbl>
+  <dgm:styleLbl name="parChTrans2D4">
+    <dgm:scene3d>
+      <a:camera prst="orthographicFront"/>
+      <a:lightRig rig="threePt" dir="t"/>
+    </dgm:scene3d>
+    <dgm:sp3d/>
+    <dgm:txPr/>
+    <dgm:style>
+      <a:lnRef idx="2">
+        <a:scrgbClr r="0" g="0" b="0"/>
+      </a:lnRef>
+      <a:fillRef idx="1">
+        <a:scrgbClr r="0" g="0" b="0"/>
+      </a:fillRef>
+      <a:effectRef idx="0">
+        <a:scrgbClr r="0" g="0" b="0"/>
+      </a:effectRef>
+      <a:fontRef idx="minor">
+        <a:schemeClr val="lt1"/>
+      </a:fontRef>
+    </dgm:style>
+  </dgm:styleLbl>
+  <dgm:styleLbl name="parChTrans1D1">
+    <dgm:scene3d>
+      <a:camera prst="orthographicFront"/>
+      <a:lightRig rig="threePt" dir="t"/>
+    </dgm:scene3d>
+    <dgm:sp3d/>
+    <dgm:txPr/>
+    <dgm:style>
+      <a:lnRef idx="2">
+        <a:scrgbClr r="0" g="0" b="0"/>
+      </a:lnRef>
+      <a:fillRef idx="0">
+        <a:scrgbClr r="0" g="0" b="0"/>
+      </a:fillRef>
+      <a:effectRef idx="0">
+        <a:scrgbClr r="0" g="0" b="0"/>
+      </a:effectRef>
+      <a:fontRef idx="minor"/>
+    </dgm:style>
+  </dgm:styleLbl>
+  <dgm:styleLbl name="parChTrans1D2">
+    <dgm:scene3d>
+      <a:camera prst="orthographicFront"/>
+      <a:lightRig rig="threePt" dir="t"/>
+    </dgm:scene3d>
+    <dgm:sp3d/>
+    <dgm:txPr/>
+    <dgm:style>
+      <a:lnRef idx="2">
+        <a:scrgbClr r="0" g="0" b="0"/>
+      </a:lnRef>
+      <a:fillRef idx="0">
+        <a:scrgbClr r="0" g="0" b="0"/>
+      </a:fillRef>
+      <a:effectRef idx="0">
+        <a:scrgbClr r="0" g="0" b="0"/>
+      </a:effectRef>
+      <a:fontRef idx="minor"/>
+    </dgm:style>
+  </dgm:styleLbl>
+  <dgm:styleLbl name="parChTrans1D3">
+    <dgm:scene3d>
+      <a:camera prst="orthographicFront"/>
+      <a:lightRig rig="threePt" dir="t"/>
+    </dgm:scene3d>
+    <dgm:sp3d/>
+    <dgm:txPr/>
+    <dgm:style>
+      <a:lnRef idx="2">
+        <a:scrgbClr r="0" g="0" b="0"/>
+      </a:lnRef>
+      <a:fillRef idx="0">
+        <a:scrgbClr r="0" g="0" b="0"/>
+      </a:fillRef>
+      <a:effectRef idx="0">
+        <a:scrgbClr r="0" g="0" b="0"/>
+      </a:effectRef>
+      <a:fontRef idx="minor"/>
+    </dgm:style>
+  </dgm:styleLbl>
+  <dgm:styleLbl name="parChTrans1D4">
+    <dgm:scene3d>
+      <a:camera prst="orthographicFront"/>
+      <a:lightRig rig="threePt" dir="t"/>
+    </dgm:scene3d>
+    <dgm:sp3d/>
+    <dgm:txPr/>
+    <dgm:style>
+      <a:lnRef idx="2">
+        <a:scrgbClr r="0" g="0" b="0"/>
+      </a:lnRef>
+      <a:fillRef idx="0">
+        <a:scrgbClr r="0" g="0" b="0"/>
+      </a:fillRef>
+      <a:effectRef idx="0">
+        <a:scrgbClr r="0" g="0" b="0"/>
+      </a:effectRef>
+      <a:fontRef idx="minor"/>
+    </dgm:style>
+  </dgm:styleLbl>
+  <dgm:styleLbl name="fgAcc1">
+    <dgm:scene3d>
+      <a:camera prst="orthographicFront"/>
+      <a:lightRig rig="threePt" dir="t"/>
+    </dgm:scene3d>
+    <dgm:sp3d/>
+    <dgm:txPr/>
+    <dgm:style>
+      <a:lnRef idx="2">
+        <a:scrgbClr r="0" g="0" b="0"/>
+      </a:lnRef>
+      <a:fillRef idx="1">
+        <a:scrgbClr r="0" g="0" b="0"/>
+      </a:fillRef>
+      <a:effectRef idx="0">
+        <a:scrgbClr r="0" g="0" b="0"/>
+      </a:effectRef>
+      <a:fontRef idx="minor"/>
+    </dgm:style>
+  </dgm:styleLbl>
+  <dgm:styleLbl name="conFgAcc1">
+    <dgm:scene3d>
+      <a:camera prst="orthographicFront"/>
+      <a:lightRig rig="threePt" dir="t"/>
+    </dgm:scene3d>
+    <dgm:sp3d/>
+    <dgm:txPr/>
+    <dgm:style>
+      <a:lnRef idx="2">
+        <a:scrgbClr r="0" g="0" b="0"/>
+      </a:lnRef>
+      <a:fillRef idx="1">
+        <a:scrgbClr r="0" g="0" b="0"/>
+      </a:fillRef>
+      <a:effectRef idx="0">
+        <a:scrgbClr r="0" g="0" b="0"/>
+      </a:effectRef>
+      <a:fontRef idx="minor"/>
+    </dgm:style>
+  </dgm:styleLbl>
+  <dgm:styleLbl name="alignAcc1">
+    <dgm:scene3d>
+      <a:camera prst="orthographicFront"/>
+      <a:lightRig rig="threePt" dir="t"/>
+    </dgm:scene3d>
+    <dgm:sp3d/>
+    <dgm:txPr/>
+    <dgm:style>
+      <a:lnRef idx="2">
+        <a:scrgbClr r="0" g="0" b="0"/>
+      </a:lnRef>
+      <a:fillRef idx="1">
+        <a:scrgbClr r="0" g="0" b="0"/>
+      </a:fillRef>
+      <a:effectRef idx="0">
+        <a:scrgbClr r="0" g="0" b="0"/>
+      </a:effectRef>
+      <a:fontRef idx="minor"/>
+    </dgm:style>
+  </dgm:styleLbl>
+  <dgm:styleLbl name="trAlignAcc1">
+    <dgm:scene3d>
+      <a:camera prst="orthographicFront"/>
+      <a:lightRig rig="threePt" dir="t"/>
+    </dgm:scene3d>
+    <dgm:sp3d/>
+    <dgm:txPr/>
+    <dgm:style>
+      <a:lnRef idx="1">
+        <a:scrgbClr r="0" g="0" b="0"/>
+      </a:lnRef>
+      <a:fillRef idx="1">
+        <a:scrgbClr r="0" g="0" b="0"/>
+      </a:fillRef>
+      <a:effectRef idx="0">
+        <a:scrgbClr r="0" g="0" b="0"/>
+      </a:effectRef>
+      <a:fontRef idx="minor"/>
+    </dgm:style>
+  </dgm:styleLbl>
+  <dgm:styleLbl name="bgAcc1">
+    <dgm:scene3d>
+      <a:camera prst="orthographicFront"/>
+      <a:lightRig rig="threePt" dir="t"/>
+    </dgm:scene3d>
+    <dgm:sp3d/>
+    <dgm:txPr/>
+    <dgm:style>
+      <a:lnRef idx="2">
+        <a:scrgbClr r="0" g="0" b="0"/>
+      </a:lnRef>
+      <a:fillRef idx="1">
+        <a:scrgbClr r="0" g="0" b="0"/>
+      </a:fillRef>
+      <a:effectRef idx="0">
+        <a:scrgbClr r="0" g="0" b="0"/>
+      </a:effectRef>
+      <a:fontRef idx="minor"/>
+    </dgm:style>
+  </dgm:styleLbl>
+  <dgm:styleLbl name="solidFgAcc1">
+    <dgm:scene3d>
+      <a:camera prst="orthographicFront"/>
+      <a:lightRig rig="threePt" dir="t"/>
+    </dgm:scene3d>
+    <dgm:sp3d/>
+    <dgm:txPr/>
+    <dgm:style>
+      <a:lnRef idx="2">
+        <a:scrgbClr r="0" g="0" b="0"/>
+      </a:lnRef>
+      <a:fillRef idx="1">
+        <a:scrgbClr r="0" g="0" b="0"/>
+      </a:fillRef>
+      <a:effectRef idx="0">
+        <a:scrgbClr r="0" g="0" b="0"/>
+      </a:effectRef>
+      <a:fontRef idx="minor"/>
+    </dgm:style>
+  </dgm:styleLbl>
+  <dgm:styleLbl name="solidAlignAcc1">
+    <dgm:scene3d>
+      <a:camera prst="orthographicFront"/>
+      <a:lightRig rig="threePt" dir="t"/>
+    </dgm:scene3d>
+    <dgm:sp3d/>
+    <dgm:txPr/>
+    <dgm:style>
+      <a:lnRef idx="2">
+        <a:scrgbClr r="0" g="0" b="0"/>
+      </a:lnRef>
+      <a:fillRef idx="1">
+        <a:scrgbClr r="0" g="0" b="0"/>
+      </a:fillRef>
+      <a:effectRef idx="0">
+        <a:scrgbClr r="0" g="0" b="0"/>
+      </a:effectRef>
+      <a:fontRef idx="minor"/>
+    </dgm:style>
+  </dgm:styleLbl>
+  <dgm:styleLbl name="solidBgAcc1">
+    <dgm:scene3d>
+      <a:camera prst="orthographicFront"/>
+      <a:lightRig rig="threePt" dir="t"/>
+    </dgm:scene3d>
+    <dgm:sp3d/>
+    <dgm:txPr/>
+    <dgm:style>
+      <a:lnRef idx="2">
+        <a:scrgbClr r="0" g="0" b="0"/>
+      </a:lnRef>
+      <a:fillRef idx="1">
+        <a:scrgbClr r="0" g="0" b="0"/>
+      </a:fillRef>
+      <a:effectRef idx="0">
+        <a:scrgbClr r="0" g="0" b="0"/>
+      </a:effectRef>
+      <a:fontRef idx="minor"/>
+    </dgm:style>
+  </dgm:styleLbl>
+  <dgm:styleLbl name="fgAccFollowNode1">
+    <dgm:scene3d>
+      <a:camera prst="orthographicFront"/>
+      <a:lightRig rig="threePt" dir="t"/>
+    </dgm:scene3d>
+    <dgm:sp3d/>
+    <dgm:txPr/>
+    <dgm:style>
+      <a:lnRef idx="2">
+        <a:scrgbClr r="0" g="0" b="0"/>
+      </a:lnRef>
+      <a:fillRef idx="1">
+        <a:scrgbClr r="0" g="0" b="0"/>
+      </a:fillRef>
+      <a:effectRef idx="0">
+        <a:scrgbClr r="0" g="0" b="0"/>
+      </a:effectRef>
+      <a:fontRef idx="minor"/>
+    </dgm:style>
+  </dgm:styleLbl>
+  <dgm:styleLbl name="alignAccFollowNode1">
+    <dgm:scene3d>
+      <a:camera prst="orthographicFront"/>
+      <a:lightRig rig="threePt" dir="t"/>
+    </dgm:scene3d>
+    <dgm:sp3d/>
+    <dgm:txPr/>
+    <dgm:style>
+      <a:lnRef idx="2">
+        <a:scrgbClr r="0" g="0" b="0"/>
+      </a:lnRef>
+      <a:fillRef idx="1">
+        <a:scrgbClr r="0" g="0" b="0"/>
+      </a:fillRef>
+      <a:effectRef idx="0">
+        <a:scrgbClr r="0" g="0" b="0"/>
+      </a:effectRef>
+      <a:fontRef idx="minor"/>
+    </dgm:style>
+  </dgm:styleLbl>
+  <dgm:styleLbl name="bgAccFollowNode1">
+    <dgm:scene3d>
+      <a:camera prst="orthographicFront"/>
+      <a:lightRig rig="threePt" dir="t"/>
+    </dgm:scene3d>
+    <dgm:sp3d/>
+    <dgm:txPr/>
+    <dgm:style>
+      <a:lnRef idx="2">
+        <a:scrgbClr r="0" g="0" b="0"/>
+      </a:lnRef>
+      <a:fillRef idx="1">
+        <a:scrgbClr r="0" g="0" b="0"/>
+      </a:fillRef>
+      <a:effectRef idx="0">
+        <a:scrgbClr r="0" g="0" b="0"/>
+      </a:effectRef>
+      <a:fontRef idx="minor"/>
+    </dgm:style>
+  </dgm:styleLbl>
+  <dgm:styleLbl name="fgAcc0">
+    <dgm:scene3d>
+      <a:camera prst="orthographicFront"/>
+      <a:lightRig rig="threePt" dir="t"/>
+    </dgm:scene3d>
+    <dgm:sp3d/>
+    <dgm:txPr/>
+    <dgm:style>
+      <a:lnRef idx="2">
+        <a:scrgbClr r="0" g="0" b="0"/>
+      </a:lnRef>
+      <a:fillRef idx="1">
+        <a:scrgbClr r="0" g="0" b="0"/>
+      </a:fillRef>
+      <a:effectRef idx="0">
+        <a:scrgbClr r="0" g="0" b="0"/>
+      </a:effectRef>
+      <a:fontRef idx="minor"/>
+    </dgm:style>
+  </dgm:styleLbl>
+  <dgm:styleLbl name="fgAcc2">
+    <dgm:scene3d>
+      <a:camera prst="orthographicFront"/>
+      <a:lightRig rig="threePt" dir="t"/>
+    </dgm:scene3d>
+    <dgm:sp3d/>
+    <dgm:txPr/>
+    <dgm:style>
+      <a:lnRef idx="2">
+        <a:scrgbClr r="0" g="0" b="0"/>
+      </a:lnRef>
+      <a:fillRef idx="1">
+        <a:scrgbClr r="0" g="0" b="0"/>
+      </a:fillRef>
+      <a:effectRef idx="0">
+        <a:scrgbClr r="0" g="0" b="0"/>
+      </a:effectRef>
+      <a:fontRef idx="minor"/>
+    </dgm:style>
+  </dgm:styleLbl>
+  <dgm:styleLbl name="fgAcc3">
+    <dgm:scene3d>
+      <a:camera prst="orthographicFront"/>
+      <a:lightRig rig="threePt" dir="t"/>
+    </dgm:scene3d>
+    <dgm:sp3d/>
+    <dgm:txPr/>
+    <dgm:style>
+      <a:lnRef idx="2">
+        <a:scrgbClr r="0" g="0" b="0"/>
+      </a:lnRef>
+      <a:fillRef idx="1">
+        <a:scrgbClr r="0" g="0" b="0"/>
+      </a:fillRef>
+      <a:effectRef idx="0">
+        <a:scrgbClr r="0" g="0" b="0"/>
+      </a:effectRef>
+      <a:fontRef idx="minor"/>
+    </dgm:style>
+  </dgm:styleLbl>
+  <dgm:styleLbl name="fgAcc4">
+    <dgm:scene3d>
+      <a:camera prst="orthographicFront"/>
+      <a:lightRig rig="threePt" dir="t"/>
+    </dgm:scene3d>
+    <dgm:sp3d/>
+    <dgm:txPr/>
+    <dgm:style>
+      <a:lnRef idx="2">
+        <a:scrgbClr r="0" g="0" b="0"/>
+      </a:lnRef>
+      <a:fillRef idx="1">
+        <a:scrgbClr r="0" g="0" b="0"/>
+      </a:fillRef>
+      <a:effectRef idx="0">
+        <a:scrgbClr r="0" g="0" b="0"/>
+      </a:effectRef>
+      <a:fontRef idx="minor"/>
+    </dgm:style>
+  </dgm:styleLbl>
+  <dgm:styleLbl name="bgShp">
+    <dgm:scene3d>
+      <a:camera prst="orthographicFront"/>
+      <a:lightRig rig="threePt" dir="t"/>
+    </dgm:scene3d>
+    <dgm:sp3d/>
+    <dgm:txPr/>
+    <dgm:style>
+      <a:lnRef idx="0">
+        <a:scrgbClr r="0" g="0" b="0"/>
+      </a:lnRef>
+      <a:fillRef idx="1">
+        <a:scrgbClr r="0" g="0" b="0"/>
+      </a:fillRef>
+      <a:effectRef idx="0">
+        <a:scrgbClr r="0" g="0" b="0"/>
+      </a:effectRef>
+      <a:fontRef idx="minor"/>
+    </dgm:style>
+  </dgm:styleLbl>
+  <dgm:styleLbl name="dkBgShp">
+    <dgm:scene3d>
+      <a:camera prst="orthographicFront"/>
+      <a:lightRig rig="threePt" dir="t"/>
+    </dgm:scene3d>
+    <dgm:sp3d/>
+    <dgm:txPr/>
+    <dgm:style>
+      <a:lnRef idx="0">
+        <a:scrgbClr r="0" g="0" b="0"/>
+      </a:lnRef>
+      <a:fillRef idx="1">
+        <a:scrgbClr r="0" g="0" b="0"/>
+      </a:fillRef>
+      <a:effectRef idx="0">
+        <a:scrgbClr r="0" g="0" b="0"/>
+      </a:effectRef>
+      <a:fontRef idx="minor"/>
+    </dgm:style>
+  </dgm:styleLbl>
+  <dgm:styleLbl name="trBgShp">
+    <dgm:scene3d>
+      <a:camera prst="orthographicFront"/>
+      <a:lightRig rig="threePt" dir="t"/>
+    </dgm:scene3d>
+    <dgm:sp3d/>
+    <dgm:txPr/>
+    <dgm:style>
+      <a:lnRef idx="0">
+        <a:scrgbClr r="0" g="0" b="0"/>
+      </a:lnRef>
+      <a:fillRef idx="1">
+        <a:scrgbClr r="0" g="0" b="0"/>
+      </a:fillRef>
+      <a:effectRef idx="0">
+        <a:scrgbClr r="0" g="0" b="0"/>
+      </a:effectRef>
+      <a:fontRef idx="minor"/>
+    </dgm:style>
+  </dgm:styleLbl>
+  <dgm:styleLbl name="fgShp">
+    <dgm:scene3d>
+      <a:camera prst="orthographicFront"/>
+      <a:lightRig rig="threePt" dir="t"/>
+    </dgm:scene3d>
+    <dgm:sp3d/>
+    <dgm:txPr/>
+    <dgm:style>
+      <a:lnRef idx="2">
+        <a:scrgbClr r="0" g="0" b="0"/>
+      </a:lnRef>
+      <a:fillRef idx="1">
+        <a:scrgbClr r="0" g="0" b="0"/>
+      </a:fillRef>
+      <a:effectRef idx="0">
+        <a:scrgbClr r="0" g="0" b="0"/>
+      </a:effectRef>
+      <a:fontRef idx="minor"/>
+    </dgm:style>
+  </dgm:styleLbl>
+  <dgm:styleLbl name="revTx">
+    <dgm:scene3d>
+      <a:camera prst="orthographicFront"/>
+      <a:lightRig rig="threePt" dir="t"/>
+    </dgm:scene3d>
+    <dgm:sp3d/>
+    <dgm:txPr/>
+    <dgm:style>
+      <a:lnRef idx="0">
+        <a:scrgbClr r="0" g="0" b="0"/>
+      </a:lnRef>
+      <a:fillRef idx="0">
+        <a:scrgbClr r="0" g="0" b="0"/>
+      </a:fillRef>
+      <a:effectRef idx="0">
+        <a:scrgbClr r="0" g="0" b="0"/>
+      </a:effectRef>
+      <a:fontRef idx="minor"/>
+    </dgm:style>
+  </dgm:styleLbl>
+</dgm:styleDef>
+</file>
+
+<file path=ppt/diagrams/quickStyle2.xml><?xml version="1.0" encoding="utf-8"?>
 <dgm:styleDef xmlns:dgm="http://schemas.openxmlformats.org/drawingml/2006/diagram" xmlns:a="http://schemas.openxmlformats.org/drawingml/2006/main" uniqueId="urn:microsoft.com/office/officeart/2005/8/quickstyle/simple1">
   <dgm:title val=""/>
   <dgm:desc val=""/>
@@ -3006,7 +6321,7 @@
           <a:p>
             <a:fld id="{066D07CF-11C7-4B9C-BCBF-E2D9FCA17911}" type="datetimeFigureOut">
               <a:rPr lang="hu-HU" smtClean="0"/>
-              <a:t>2012.10.18.</a:t>
+              <a:t>2012.10.23.</a:t>
             </a:fld>
             <a:endParaRPr lang="hu-HU"/>
           </a:p>
@@ -3549,7 +6864,7 @@
           <a:p>
             <a:fld id="{109A3B03-3B51-4BDD-9DD7-3CEC69C24252}" type="datetimeFigureOut">
               <a:rPr lang="hu-HU" smtClean="0"/>
-              <a:t>2012.10.18.</a:t>
+              <a:t>2012.10.23.</a:t>
             </a:fld>
             <a:endParaRPr lang="hu-HU"/>
           </a:p>
@@ -3719,7 +7034,7 @@
           <a:p>
             <a:fld id="{109A3B03-3B51-4BDD-9DD7-3CEC69C24252}" type="datetimeFigureOut">
               <a:rPr lang="hu-HU" smtClean="0"/>
-              <a:t>2012.10.18.</a:t>
+              <a:t>2012.10.23.</a:t>
             </a:fld>
             <a:endParaRPr lang="hu-HU"/>
           </a:p>
@@ -3899,7 +7214,7 @@
           <a:p>
             <a:fld id="{109A3B03-3B51-4BDD-9DD7-3CEC69C24252}" type="datetimeFigureOut">
               <a:rPr lang="hu-HU" smtClean="0"/>
-              <a:t>2012.10.18.</a:t>
+              <a:t>2012.10.23.</a:t>
             </a:fld>
             <a:endParaRPr lang="hu-HU"/>
           </a:p>
@@ -4069,7 +7384,7 @@
           <a:p>
             <a:fld id="{109A3B03-3B51-4BDD-9DD7-3CEC69C24252}" type="datetimeFigureOut">
               <a:rPr lang="hu-HU" smtClean="0"/>
-              <a:t>2012.10.18.</a:t>
+              <a:t>2012.10.23.</a:t>
             </a:fld>
             <a:endParaRPr lang="hu-HU"/>
           </a:p>
@@ -4315,7 +7630,7 @@
           <a:p>
             <a:fld id="{109A3B03-3B51-4BDD-9DD7-3CEC69C24252}" type="datetimeFigureOut">
               <a:rPr lang="hu-HU" smtClean="0"/>
-              <a:t>2012.10.18.</a:t>
+              <a:t>2012.10.23.</a:t>
             </a:fld>
             <a:endParaRPr lang="hu-HU"/>
           </a:p>
@@ -4603,7 +7918,7 @@
           <a:p>
             <a:fld id="{109A3B03-3B51-4BDD-9DD7-3CEC69C24252}" type="datetimeFigureOut">
               <a:rPr lang="hu-HU" smtClean="0"/>
-              <a:t>2012.10.18.</a:t>
+              <a:t>2012.10.23.</a:t>
             </a:fld>
             <a:endParaRPr lang="hu-HU"/>
           </a:p>
@@ -5025,7 +8340,7 @@
           <a:p>
             <a:fld id="{109A3B03-3B51-4BDD-9DD7-3CEC69C24252}" type="datetimeFigureOut">
               <a:rPr lang="hu-HU" smtClean="0"/>
-              <a:t>2012.10.18.</a:t>
+              <a:t>2012.10.23.</a:t>
             </a:fld>
             <a:endParaRPr lang="hu-HU"/>
           </a:p>
@@ -5143,7 +8458,7 @@
           <a:p>
             <a:fld id="{109A3B03-3B51-4BDD-9DD7-3CEC69C24252}" type="datetimeFigureOut">
               <a:rPr lang="hu-HU" smtClean="0"/>
-              <a:t>2012.10.18.</a:t>
+              <a:t>2012.10.23.</a:t>
             </a:fld>
             <a:endParaRPr lang="hu-HU"/>
           </a:p>
@@ -5238,7 +8553,7 @@
           <a:p>
             <a:fld id="{109A3B03-3B51-4BDD-9DD7-3CEC69C24252}" type="datetimeFigureOut">
               <a:rPr lang="hu-HU" smtClean="0"/>
-              <a:t>2012.10.18.</a:t>
+              <a:t>2012.10.23.</a:t>
             </a:fld>
             <a:endParaRPr lang="hu-HU"/>
           </a:p>
@@ -5515,7 +8830,7 @@
           <a:p>
             <a:fld id="{109A3B03-3B51-4BDD-9DD7-3CEC69C24252}" type="datetimeFigureOut">
               <a:rPr lang="hu-HU" smtClean="0"/>
-              <a:t>2012.10.18.</a:t>
+              <a:t>2012.10.23.</a:t>
             </a:fld>
             <a:endParaRPr lang="hu-HU"/>
           </a:p>
@@ -5768,7 +9083,7 @@
           <a:p>
             <a:fld id="{109A3B03-3B51-4BDD-9DD7-3CEC69C24252}" type="datetimeFigureOut">
               <a:rPr lang="hu-HU" smtClean="0"/>
-              <a:t>2012.10.18.</a:t>
+              <a:t>2012.10.23.</a:t>
             </a:fld>
             <a:endParaRPr lang="hu-HU"/>
           </a:p>
@@ -5981,7 +9296,7 @@
           <a:p>
             <a:fld id="{109A3B03-3B51-4BDD-9DD7-3CEC69C24252}" type="datetimeFigureOut">
               <a:rPr lang="hu-HU" smtClean="0"/>
-              <a:t>2012.10.18.</a:t>
+              <a:t>2012.10.23.</a:t>
             </a:fld>
             <a:endParaRPr lang="hu-HU"/>
           </a:p>
@@ -8209,7 +11524,6 @@
               <a:rPr lang="en-US" sz="1200" dirty="0" smtClean="0"/>
               <a:t>Repository</a:t>
             </a:r>
-            <a:endParaRPr lang="en-US" sz="1200" dirty="0" smtClean="0"/>
           </a:p>
         </p:txBody>
       </p:sp>
@@ -11037,6 +14351,951 @@
       </p:par>
     </p:tnLst>
   </p:timing>
+</p:sld>
+</file>
+
+<file path=ppt/slides/slide5.xml><?xml version="1.0" encoding="utf-8"?>
+<p:sld xmlns:a="http://schemas.openxmlformats.org/drawingml/2006/main" xmlns:r="http://schemas.openxmlformats.org/officeDocument/2006/relationships" xmlns:p="http://schemas.openxmlformats.org/presentationml/2006/main">
+  <p:cSld>
+    <p:spTree>
+      <p:nvGrpSpPr>
+        <p:cNvPr id="1" name=""/>
+        <p:cNvGrpSpPr/>
+        <p:nvPr/>
+      </p:nvGrpSpPr>
+      <p:grpSpPr>
+        <a:xfrm>
+          <a:off x="0" y="0"/>
+          <a:ext cx="0" cy="0"/>
+          <a:chOff x="0" y="0"/>
+          <a:chExt cx="0" cy="0"/>
+        </a:xfrm>
+      </p:grpSpPr>
+      <p:sp>
+        <p:nvSpPr>
+          <p:cNvPr id="19" name="Line Callout 1 (Border and Accent Bar) 18"/>
+          <p:cNvSpPr/>
+          <p:nvPr/>
+        </p:nvSpPr>
+        <p:spPr>
+          <a:xfrm rot="5400000">
+            <a:off x="2647461" y="3172732"/>
+            <a:ext cx="917852" cy="1310038"/>
+          </a:xfrm>
+          <a:prstGeom prst="accentBorderCallout1">
+            <a:avLst>
+              <a:gd name="adj1" fmla="val 48560"/>
+              <a:gd name="adj2" fmla="val -8333"/>
+              <a:gd name="adj3" fmla="val 62432"/>
+              <a:gd name="adj4" fmla="val -18825"/>
+            </a:avLst>
+          </a:prstGeom>
+        </p:spPr>
+        <p:style>
+          <a:lnRef idx="2">
+            <a:schemeClr val="accent1"/>
+          </a:lnRef>
+          <a:fillRef idx="1">
+            <a:schemeClr val="lt1"/>
+          </a:fillRef>
+          <a:effectRef idx="0">
+            <a:schemeClr val="accent1"/>
+          </a:effectRef>
+          <a:fontRef idx="minor">
+            <a:schemeClr val="dk1"/>
+          </a:fontRef>
+        </p:style>
+        <p:txBody>
+          <a:bodyPr rtlCol="0" anchor="ctr"/>
+          <a:lstStyle/>
+          <a:p>
+            <a:pPr algn="ctr"/>
+            <a:endParaRPr lang="en-US" dirty="0"/>
+          </a:p>
+        </p:txBody>
+      </p:sp>
+      <p:pic>
+        <p:nvPicPr>
+          <p:cNvPr id="1028" name="Picture 4"/>
+          <p:cNvPicPr>
+            <a:picLocks noChangeAspect="1" noChangeArrowheads="1"/>
+          </p:cNvPicPr>
+          <p:nvPr/>
+        </p:nvPicPr>
+        <p:blipFill rotWithShape="1">
+          <a:blip r:embed="rId2">
+            <a:extLst>
+              <a:ext uri="{28A0092B-C50C-407E-A947-70E740481C1C}">
+                <a14:useLocalDpi xmlns:a14="http://schemas.microsoft.com/office/drawing/2010/main" val="0"/>
+              </a:ext>
+            </a:extLst>
+          </a:blip>
+          <a:srcRect l="3925" b="131"/>
+          <a:stretch/>
+        </p:blipFill>
+        <p:spPr bwMode="auto">
+          <a:xfrm>
+            <a:off x="2505075" y="3413956"/>
+            <a:ext cx="1244554" cy="827588"/>
+          </a:xfrm>
+          <a:prstGeom prst="rect">
+            <a:avLst/>
+          </a:prstGeom>
+          <a:noFill/>
+          <a:ln>
+            <a:noFill/>
+          </a:ln>
+          <a:effectLst/>
+          <a:extLst>
+            <a:ext uri="{909E8E84-426E-40DD-AFC4-6F175D3DCCD1}">
+              <a14:hiddenFill xmlns:a14="http://schemas.microsoft.com/office/drawing/2010/main">
+                <a:solidFill>
+                  <a:schemeClr val="accent1"/>
+                </a:solidFill>
+              </a14:hiddenFill>
+            </a:ext>
+            <a:ext uri="{91240B29-F687-4F45-9708-019B960494DF}">
+              <a14:hiddenLine xmlns:a14="http://schemas.microsoft.com/office/drawing/2010/main" w="9525">
+                <a:solidFill>
+                  <a:schemeClr val="tx1"/>
+                </a:solidFill>
+                <a:miter lim="800000"/>
+                <a:headEnd/>
+                <a:tailEnd/>
+              </a14:hiddenLine>
+            </a:ext>
+            <a:ext uri="{AF507438-7753-43E0-B8FC-AC1667EBCBE1}">
+              <a14:hiddenEffects xmlns:a14="http://schemas.microsoft.com/office/drawing/2010/main">
+                <a:effectLst>
+                  <a:outerShdw dist="35921" dir="2700000" algn="ctr" rotWithShape="0">
+                    <a:schemeClr val="bg2"/>
+                  </a:outerShdw>
+                </a:effectLst>
+              </a14:hiddenEffects>
+            </a:ext>
+          </a:extLst>
+        </p:spPr>
+      </p:pic>
+      <p:sp>
+        <p:nvSpPr>
+          <p:cNvPr id="14" name="Line Callout 1 (Border and Accent Bar) 13"/>
+          <p:cNvSpPr/>
+          <p:nvPr/>
+        </p:nvSpPr>
+        <p:spPr>
+          <a:xfrm rot="5400000">
+            <a:off x="1157769" y="3172731"/>
+            <a:ext cx="917852" cy="1310038"/>
+          </a:xfrm>
+          <a:prstGeom prst="accentBorderCallout1">
+            <a:avLst>
+              <a:gd name="adj1" fmla="val 48560"/>
+              <a:gd name="adj2" fmla="val -8333"/>
+              <a:gd name="adj3" fmla="val 67595"/>
+              <a:gd name="adj4" fmla="val -31900"/>
+            </a:avLst>
+          </a:prstGeom>
+        </p:spPr>
+        <p:style>
+          <a:lnRef idx="2">
+            <a:schemeClr val="accent1"/>
+          </a:lnRef>
+          <a:fillRef idx="1">
+            <a:schemeClr val="lt1"/>
+          </a:fillRef>
+          <a:effectRef idx="0">
+            <a:schemeClr val="accent1"/>
+          </a:effectRef>
+          <a:fontRef idx="minor">
+            <a:schemeClr val="dk1"/>
+          </a:fontRef>
+        </p:style>
+        <p:txBody>
+          <a:bodyPr rtlCol="0" anchor="ctr"/>
+          <a:lstStyle/>
+          <a:p>
+            <a:pPr algn="ctr"/>
+            <a:endParaRPr lang="en-US" dirty="0"/>
+          </a:p>
+        </p:txBody>
+      </p:sp>
+      <p:graphicFrame>
+        <p:nvGraphicFramePr>
+          <p:cNvPr id="2" name="Diagram 1"/>
+          <p:cNvGraphicFramePr/>
+          <p:nvPr>
+            <p:extLst>
+              <p:ext uri="{D42A27DB-BD31-4B8C-83A1-F6EECF244321}">
+                <p14:modId xmlns:p14="http://schemas.microsoft.com/office/powerpoint/2010/main" val="3351555147"/>
+              </p:ext>
+            </p:extLst>
+          </p:nvPr>
+        </p:nvGraphicFramePr>
+        <p:xfrm>
+          <a:off x="260648" y="272480"/>
+          <a:ext cx="6093296" cy="1751856"/>
+        </p:xfrm>
+        <a:graphic>
+          <a:graphicData uri="http://schemas.openxmlformats.org/drawingml/2006/diagram">
+            <dgm:relIds xmlns:dgm="http://schemas.openxmlformats.org/drawingml/2006/diagram" xmlns:r="http://schemas.openxmlformats.org/officeDocument/2006/relationships" r:dm="rId3" r:lo="rId4" r:qs="rId5" r:cs="rId6"/>
+          </a:graphicData>
+        </a:graphic>
+      </p:graphicFrame>
+      <p:pic>
+        <p:nvPicPr>
+          <p:cNvPr id="1026" name="Picture 2"/>
+          <p:cNvPicPr>
+            <a:picLocks noChangeAspect="1" noChangeArrowheads="1"/>
+          </p:cNvPicPr>
+          <p:nvPr/>
+        </p:nvPicPr>
+        <p:blipFill rotWithShape="1">
+          <a:blip r:embed="rId8">
+            <a:extLst>
+              <a:ext uri="{28A0092B-C50C-407E-A947-70E740481C1C}">
+                <a14:useLocalDpi xmlns:a14="http://schemas.microsoft.com/office/drawing/2010/main" val="0"/>
+              </a:ext>
+            </a:extLst>
+          </a:blip>
+          <a:srcRect l="22415" t="63423" r="31074" b="-5573"/>
+          <a:stretch/>
+        </p:blipFill>
+        <p:spPr bwMode="auto">
+          <a:xfrm>
+            <a:off x="1052736" y="3613606"/>
+            <a:ext cx="1209452" cy="754794"/>
+          </a:xfrm>
+          <a:prstGeom prst="rect">
+            <a:avLst/>
+          </a:prstGeom>
+          <a:noFill/>
+          <a:ln>
+            <a:noFill/>
+          </a:ln>
+          <a:effectLst/>
+          <a:extLst>
+            <a:ext uri="{909E8E84-426E-40DD-AFC4-6F175D3DCCD1}">
+              <a14:hiddenFill xmlns:a14="http://schemas.microsoft.com/office/drawing/2010/main">
+                <a:solidFill>
+                  <a:schemeClr val="accent1"/>
+                </a:solidFill>
+              </a14:hiddenFill>
+            </a:ext>
+            <a:ext uri="{91240B29-F687-4F45-9708-019B960494DF}">
+              <a14:hiddenLine xmlns:a14="http://schemas.microsoft.com/office/drawing/2010/main" w="9525">
+                <a:solidFill>
+                  <a:schemeClr val="tx1"/>
+                </a:solidFill>
+                <a:miter lim="800000"/>
+                <a:headEnd/>
+                <a:tailEnd/>
+              </a14:hiddenLine>
+            </a:ext>
+            <a:ext uri="{AF507438-7753-43E0-B8FC-AC1667EBCBE1}">
+              <a14:hiddenEffects xmlns:a14="http://schemas.microsoft.com/office/drawing/2010/main">
+                <a:effectLst>
+                  <a:outerShdw dist="35921" dir="2700000" algn="ctr" rotWithShape="0">
+                    <a:schemeClr val="bg2"/>
+                  </a:outerShdw>
+                </a:effectLst>
+              </a14:hiddenEffects>
+            </a:ext>
+          </a:extLst>
+        </p:spPr>
+      </p:pic>
+      <p:sp>
+        <p:nvSpPr>
+          <p:cNvPr id="9" name="Right Arrow 4"/>
+          <p:cNvSpPr/>
+          <p:nvPr/>
+        </p:nvSpPr>
+        <p:spPr>
+          <a:xfrm>
+            <a:off x="2060848" y="3533363"/>
+            <a:ext cx="820949" cy="151061"/>
+          </a:xfrm>
+          <a:prstGeom prst="rect">
+            <a:avLst/>
+          </a:prstGeom>
+        </p:spPr>
+        <p:style>
+          <a:lnRef idx="0">
+            <a:scrgbClr r="0" g="0" b="0"/>
+          </a:lnRef>
+          <a:fillRef idx="0">
+            <a:scrgbClr r="0" g="0" b="0"/>
+          </a:fillRef>
+          <a:effectRef idx="0">
+            <a:scrgbClr r="0" g="0" b="0"/>
+          </a:effectRef>
+          <a:fontRef idx="minor">
+            <a:schemeClr val="lt1"/>
+          </a:fontRef>
+        </p:style>
+        <p:txBody>
+          <a:bodyPr spcFirstLastPara="0" vert="horz" wrap="square" lIns="0" tIns="0" rIns="0" bIns="0" numCol="1" spcCol="1270" anchor="ctr" anchorCtr="0">
+            <a:noAutofit/>
+          </a:bodyPr>
+          <a:lstStyle/>
+          <a:p>
+            <a:pPr lvl="0" algn="ctr" defTabSz="355600">
+              <a:lnSpc>
+                <a:spcPct val="90000"/>
+              </a:lnSpc>
+              <a:spcBef>
+                <a:spcPct val="0"/>
+              </a:spcBef>
+              <a:spcAft>
+                <a:spcPct val="35000"/>
+              </a:spcAft>
+            </a:pPr>
+            <a:endParaRPr lang="en-US" sz="800" kern="1200"/>
+          </a:p>
+        </p:txBody>
+      </p:sp>
+      <p:sp>
+        <p:nvSpPr>
+          <p:cNvPr id="13" name="TextBox 12"/>
+          <p:cNvSpPr txBox="1"/>
+          <p:nvPr/>
+        </p:nvSpPr>
+        <p:spPr>
+          <a:xfrm>
+            <a:off x="1085850" y="3459390"/>
+            <a:ext cx="902990" cy="154216"/>
+          </a:xfrm>
+          <a:prstGeom prst="rect">
+            <a:avLst/>
+          </a:prstGeom>
+        </p:spPr>
+        <p:style>
+          <a:lnRef idx="1">
+            <a:schemeClr val="accent6"/>
+          </a:lnRef>
+          <a:fillRef idx="2">
+            <a:schemeClr val="accent6"/>
+          </a:fillRef>
+          <a:effectRef idx="1">
+            <a:schemeClr val="accent6"/>
+          </a:effectRef>
+          <a:fontRef idx="minor">
+            <a:schemeClr val="dk1"/>
+          </a:fontRef>
+        </p:style>
+        <p:txBody>
+          <a:bodyPr rot="0" spcFirstLastPara="0" vertOverflow="overflow" horzOverflow="overflow" vert="horz" wrap="square" lIns="91440" tIns="45720" rIns="91440" bIns="45720" numCol="1" spcCol="0" rtlCol="0" fromWordArt="0" anchor="ctr" anchorCtr="0" forceAA="0" compatLnSpc="1">
+            <a:prstTxWarp prst="textNoShape">
+              <a:avLst/>
+            </a:prstTxWarp>
+            <a:noAutofit/>
+          </a:bodyPr>
+          <a:lstStyle>
+            <a:defPPr>
+              <a:defRPr lang="hu-HU"/>
+            </a:defPPr>
+            <a:lvl1pPr algn="ctr">
+              <a:defRPr>
+                <a:solidFill>
+                  <a:schemeClr val="dk1"/>
+                </a:solidFill>
+              </a:defRPr>
+            </a:lvl1pPr>
+            <a:lvl2pPr>
+              <a:defRPr>
+                <a:solidFill>
+                  <a:schemeClr val="dk1"/>
+                </a:solidFill>
+              </a:defRPr>
+            </a:lvl2pPr>
+            <a:lvl3pPr>
+              <a:defRPr>
+                <a:solidFill>
+                  <a:schemeClr val="dk1"/>
+                </a:solidFill>
+              </a:defRPr>
+            </a:lvl3pPr>
+            <a:lvl4pPr>
+              <a:defRPr>
+                <a:solidFill>
+                  <a:schemeClr val="dk1"/>
+                </a:solidFill>
+              </a:defRPr>
+            </a:lvl4pPr>
+            <a:lvl5pPr>
+              <a:defRPr>
+                <a:solidFill>
+                  <a:schemeClr val="dk1"/>
+                </a:solidFill>
+              </a:defRPr>
+            </a:lvl5pPr>
+            <a:lvl6pPr>
+              <a:defRPr>
+                <a:solidFill>
+                  <a:schemeClr val="dk1"/>
+                </a:solidFill>
+              </a:defRPr>
+            </a:lvl6pPr>
+            <a:lvl7pPr>
+              <a:defRPr>
+                <a:solidFill>
+                  <a:schemeClr val="dk1"/>
+                </a:solidFill>
+              </a:defRPr>
+            </a:lvl7pPr>
+            <a:lvl8pPr>
+              <a:defRPr>
+                <a:solidFill>
+                  <a:schemeClr val="dk1"/>
+                </a:solidFill>
+              </a:defRPr>
+            </a:lvl8pPr>
+            <a:lvl9pPr>
+              <a:defRPr>
+                <a:solidFill>
+                  <a:schemeClr val="dk1"/>
+                </a:solidFill>
+              </a:defRPr>
+            </a:lvl9pPr>
+          </a:lstStyle>
+          <a:p>
+            <a:r>
+              <a:rPr lang="hu-HU" sz="600" dirty="0"/>
+              <a:t>Change event</a:t>
+            </a:r>
+            <a:endParaRPr lang="en-US" sz="600" dirty="0"/>
+          </a:p>
+        </p:txBody>
+      </p:sp>
+      <p:sp>
+        <p:nvSpPr>
+          <p:cNvPr id="12" name="Lightning Bolt 11"/>
+          <p:cNvSpPr/>
+          <p:nvPr/>
+        </p:nvSpPr>
+        <p:spPr>
+          <a:xfrm rot="1359891">
+            <a:off x="1017497" y="3503273"/>
+            <a:ext cx="255268" cy="137269"/>
+          </a:xfrm>
+          <a:prstGeom prst="lightningBolt">
+            <a:avLst/>
+          </a:prstGeom>
+        </p:spPr>
+        <p:style>
+          <a:lnRef idx="1">
+            <a:schemeClr val="accent6"/>
+          </a:lnRef>
+          <a:fillRef idx="2">
+            <a:schemeClr val="accent6"/>
+          </a:fillRef>
+          <a:effectRef idx="1">
+            <a:schemeClr val="accent6"/>
+          </a:effectRef>
+          <a:fontRef idx="minor">
+            <a:schemeClr val="dk1"/>
+          </a:fontRef>
+        </p:style>
+        <p:txBody>
+          <a:bodyPr rtlCol="0" anchor="ctr"/>
+          <a:lstStyle/>
+          <a:p>
+            <a:pPr algn="ctr"/>
+            <a:endParaRPr lang="en-US"/>
+          </a:p>
+        </p:txBody>
+      </p:sp>
+      <p:sp>
+        <p:nvSpPr>
+          <p:cNvPr id="15" name="TextBox 14"/>
+          <p:cNvSpPr txBox="1"/>
+          <p:nvPr/>
+        </p:nvSpPr>
+        <p:spPr>
+          <a:xfrm>
+            <a:off x="961676" y="2810129"/>
+            <a:ext cx="1310038" cy="307777"/>
+          </a:xfrm>
+          <a:prstGeom prst="rect">
+            <a:avLst/>
+          </a:prstGeom>
+          <a:noFill/>
+        </p:spPr>
+        <p:txBody>
+          <a:bodyPr wrap="square" rtlCol="0">
+            <a:spAutoFit/>
+          </a:bodyPr>
+          <a:lstStyle/>
+          <a:p>
+            <a:pPr algn="ctr"/>
+            <a:r>
+              <a:rPr lang="hu-HU" sz="1100" dirty="0"/>
+              <a:t>Original</a:t>
+            </a:r>
+            <a:r>
+              <a:rPr lang="hu-HU" sz="1400" dirty="0" smtClean="0"/>
+              <a:t> </a:t>
+            </a:r>
+            <a:r>
+              <a:rPr lang="hu-HU" sz="1100" dirty="0"/>
+              <a:t>model</a:t>
+            </a:r>
+            <a:endParaRPr lang="en-US" sz="1100" dirty="0"/>
+          </a:p>
+        </p:txBody>
+      </p:sp>
+      <p:sp>
+        <p:nvSpPr>
+          <p:cNvPr id="20" name="TextBox 19"/>
+          <p:cNvSpPr txBox="1"/>
+          <p:nvPr/>
+        </p:nvSpPr>
+        <p:spPr>
+          <a:xfrm>
+            <a:off x="2451367" y="2810129"/>
+            <a:ext cx="1310039" cy="430887"/>
+          </a:xfrm>
+          <a:prstGeom prst="rect">
+            <a:avLst/>
+          </a:prstGeom>
+          <a:noFill/>
+        </p:spPr>
+        <p:txBody>
+          <a:bodyPr wrap="square" rtlCol="0">
+            <a:spAutoFit/>
+          </a:bodyPr>
+          <a:lstStyle/>
+          <a:p>
+            <a:pPr algn="ctr"/>
+            <a:r>
+              <a:rPr lang="hu-HU" sz="1100" dirty="0" smtClean="0"/>
+              <a:t>Element after modifications</a:t>
+            </a:r>
+            <a:endParaRPr lang="en-US" sz="1100" dirty="0"/>
+          </a:p>
+        </p:txBody>
+      </p:sp>
+      <p:sp>
+        <p:nvSpPr>
+          <p:cNvPr id="22" name="Line Callout 1 (Border and Accent Bar) 21"/>
+          <p:cNvSpPr/>
+          <p:nvPr/>
+        </p:nvSpPr>
+        <p:spPr>
+          <a:xfrm rot="16200000">
+            <a:off x="1978153" y="4396867"/>
+            <a:ext cx="917852" cy="1310038"/>
+          </a:xfrm>
+          <a:prstGeom prst="accentBorderCallout1">
+            <a:avLst>
+              <a:gd name="adj1" fmla="val 48560"/>
+              <a:gd name="adj2" fmla="val -8333"/>
+              <a:gd name="adj3" fmla="val 54871"/>
+              <a:gd name="adj4" fmla="val -24117"/>
+            </a:avLst>
+          </a:prstGeom>
+        </p:spPr>
+        <p:style>
+          <a:lnRef idx="2">
+            <a:schemeClr val="accent1"/>
+          </a:lnRef>
+          <a:fillRef idx="1">
+            <a:schemeClr val="lt1"/>
+          </a:fillRef>
+          <a:effectRef idx="0">
+            <a:schemeClr val="accent1"/>
+          </a:effectRef>
+          <a:fontRef idx="minor">
+            <a:schemeClr val="dk1"/>
+          </a:fontRef>
+        </p:style>
+        <p:txBody>
+          <a:bodyPr rtlCol="0" anchor="ctr"/>
+          <a:lstStyle/>
+          <a:p>
+            <a:pPr algn="ctr"/>
+            <a:endParaRPr lang="en-US" dirty="0"/>
+          </a:p>
+        </p:txBody>
+      </p:sp>
+      <p:sp>
+        <p:nvSpPr>
+          <p:cNvPr id="25" name="TextBox 24"/>
+          <p:cNvSpPr txBox="1"/>
+          <p:nvPr/>
+        </p:nvSpPr>
+        <p:spPr>
+          <a:xfrm>
+            <a:off x="1782060" y="5673080"/>
+            <a:ext cx="1310038" cy="261610"/>
+          </a:xfrm>
+          <a:prstGeom prst="rect">
+            <a:avLst/>
+          </a:prstGeom>
+          <a:noFill/>
+        </p:spPr>
+        <p:txBody>
+          <a:bodyPr wrap="square" rtlCol="0">
+            <a:spAutoFit/>
+          </a:bodyPr>
+          <a:lstStyle/>
+          <a:p>
+            <a:pPr algn="ctr"/>
+            <a:r>
+              <a:rPr lang="hu-HU" sz="1100" dirty="0" smtClean="0"/>
+              <a:t>Merged model</a:t>
+            </a:r>
+            <a:endParaRPr lang="en-US" sz="1100" dirty="0"/>
+          </a:p>
+        </p:txBody>
+      </p:sp>
+      <p:pic>
+        <p:nvPicPr>
+          <p:cNvPr id="26" name="Picture 4"/>
+          <p:cNvPicPr>
+            <a:picLocks noChangeAspect="1" noChangeArrowheads="1"/>
+          </p:cNvPicPr>
+          <p:nvPr/>
+        </p:nvPicPr>
+        <p:blipFill rotWithShape="1">
+          <a:blip r:embed="rId2">
+            <a:extLst>
+              <a:ext uri="{28A0092B-C50C-407E-A947-70E740481C1C}">
+                <a14:useLocalDpi xmlns:a14="http://schemas.microsoft.com/office/drawing/2010/main" val="0"/>
+              </a:ext>
+            </a:extLst>
+          </a:blip>
+          <a:srcRect l="3925" b="131"/>
+          <a:stretch/>
+        </p:blipFill>
+        <p:spPr bwMode="auto">
+          <a:xfrm>
+            <a:off x="1808525" y="4638092"/>
+            <a:ext cx="1244554" cy="827588"/>
+          </a:xfrm>
+          <a:prstGeom prst="rect">
+            <a:avLst/>
+          </a:prstGeom>
+          <a:noFill/>
+          <a:ln>
+            <a:noFill/>
+          </a:ln>
+          <a:effectLst/>
+          <a:extLst>
+            <a:ext uri="{909E8E84-426E-40DD-AFC4-6F175D3DCCD1}">
+              <a14:hiddenFill xmlns:a14="http://schemas.microsoft.com/office/drawing/2010/main">
+                <a:solidFill>
+                  <a:schemeClr val="accent1"/>
+                </a:solidFill>
+              </a14:hiddenFill>
+            </a:ext>
+            <a:ext uri="{91240B29-F687-4F45-9708-019B960494DF}">
+              <a14:hiddenLine xmlns:a14="http://schemas.microsoft.com/office/drawing/2010/main" w="9525">
+                <a:solidFill>
+                  <a:schemeClr val="tx1"/>
+                </a:solidFill>
+                <a:miter lim="800000"/>
+                <a:headEnd/>
+                <a:tailEnd/>
+              </a14:hiddenLine>
+            </a:ext>
+            <a:ext uri="{AF507438-7753-43E0-B8FC-AC1667EBCBE1}">
+              <a14:hiddenEffects xmlns:a14="http://schemas.microsoft.com/office/drawing/2010/main">
+                <a:effectLst>
+                  <a:outerShdw dist="35921" dir="2700000" algn="ctr" rotWithShape="0">
+                    <a:schemeClr val="bg2"/>
+                  </a:outerShdw>
+                </a:effectLst>
+              </a14:hiddenEffects>
+            </a:ext>
+          </a:extLst>
+        </p:spPr>
+      </p:pic>
+      <p:sp>
+        <p:nvSpPr>
+          <p:cNvPr id="30" name="Left Brace 29"/>
+          <p:cNvSpPr/>
+          <p:nvPr/>
+        </p:nvSpPr>
+        <p:spPr>
+          <a:xfrm>
+            <a:off x="836712" y="3684424"/>
+            <a:ext cx="72008" cy="557120"/>
+          </a:xfrm>
+          <a:prstGeom prst="leftBrace">
+            <a:avLst/>
+          </a:prstGeom>
+          <a:ln w="19050"/>
+        </p:spPr>
+        <p:style>
+          <a:lnRef idx="1">
+            <a:schemeClr val="accent1"/>
+          </a:lnRef>
+          <a:fillRef idx="0">
+            <a:schemeClr val="accent1"/>
+          </a:fillRef>
+          <a:effectRef idx="0">
+            <a:schemeClr val="accent1"/>
+          </a:effectRef>
+          <a:fontRef idx="minor">
+            <a:schemeClr val="tx1"/>
+          </a:fontRef>
+        </p:style>
+        <p:txBody>
+          <a:bodyPr rtlCol="0" anchor="ctr"/>
+          <a:lstStyle/>
+          <a:p>
+            <a:pPr algn="ctr"/>
+            <a:endParaRPr lang="en-US"/>
+          </a:p>
+        </p:txBody>
+      </p:sp>
+      <p:sp>
+        <p:nvSpPr>
+          <p:cNvPr id="34" name="Left Brace 33"/>
+          <p:cNvSpPr/>
+          <p:nvPr/>
+        </p:nvSpPr>
+        <p:spPr>
+          <a:xfrm>
+            <a:off x="1649115" y="4736976"/>
+            <a:ext cx="72008" cy="557120"/>
+          </a:xfrm>
+          <a:prstGeom prst="leftBrace">
+            <a:avLst/>
+          </a:prstGeom>
+          <a:ln w="19050"/>
+        </p:spPr>
+        <p:style>
+          <a:lnRef idx="1">
+            <a:schemeClr val="accent1"/>
+          </a:lnRef>
+          <a:fillRef idx="0">
+            <a:schemeClr val="accent1"/>
+          </a:fillRef>
+          <a:effectRef idx="0">
+            <a:schemeClr val="accent1"/>
+          </a:effectRef>
+          <a:fontRef idx="minor">
+            <a:schemeClr val="tx1"/>
+          </a:fontRef>
+        </p:style>
+        <p:txBody>
+          <a:bodyPr rtlCol="0" anchor="ctr"/>
+          <a:lstStyle/>
+          <a:p>
+            <a:pPr algn="ctr"/>
+            <a:endParaRPr lang="en-US"/>
+          </a:p>
+        </p:txBody>
+      </p:sp>
+      <p:cxnSp>
+        <p:nvCxnSpPr>
+          <p:cNvPr id="32" name="Curved Connector 31"/>
+          <p:cNvCxnSpPr>
+            <a:stCxn id="30" idx="1"/>
+            <a:endCxn id="34" idx="1"/>
+          </p:cNvCxnSpPr>
+          <p:nvPr/>
+        </p:nvCxnSpPr>
+        <p:spPr>
+          <a:xfrm rot="10800000" flipH="1" flipV="1">
+            <a:off x="836711" y="3962984"/>
+            <a:ext cx="812403" cy="1052552"/>
+          </a:xfrm>
+          <a:prstGeom prst="curvedConnector3">
+            <a:avLst>
+              <a:gd name="adj1" fmla="val -28139"/>
+            </a:avLst>
+          </a:prstGeom>
+          <a:ln w="19050">
+            <a:tailEnd type="arrow"/>
+          </a:ln>
+        </p:spPr>
+        <p:style>
+          <a:lnRef idx="1">
+            <a:schemeClr val="accent1"/>
+          </a:lnRef>
+          <a:fillRef idx="0">
+            <a:schemeClr val="accent1"/>
+          </a:fillRef>
+          <a:effectRef idx="0">
+            <a:schemeClr val="accent1"/>
+          </a:effectRef>
+          <a:fontRef idx="minor">
+            <a:schemeClr val="tx1"/>
+          </a:fontRef>
+        </p:style>
+      </p:cxnSp>
+      <p:sp>
+        <p:nvSpPr>
+          <p:cNvPr id="51" name="Rectangle 50"/>
+          <p:cNvSpPr/>
+          <p:nvPr/>
+        </p:nvSpPr>
+        <p:spPr>
+          <a:xfrm>
+            <a:off x="2996952" y="4059758"/>
+            <a:ext cx="724101" cy="198755"/>
+          </a:xfrm>
+          <a:prstGeom prst="rect">
+            <a:avLst/>
+          </a:prstGeom>
+          <a:noFill/>
+          <a:ln>
+            <a:solidFill>
+              <a:srgbClr val="92D050"/>
+            </a:solidFill>
+          </a:ln>
+        </p:spPr>
+        <p:style>
+          <a:lnRef idx="2">
+            <a:schemeClr val="accent1">
+              <a:shade val="50000"/>
+            </a:schemeClr>
+          </a:lnRef>
+          <a:fillRef idx="1">
+            <a:schemeClr val="accent1"/>
+          </a:fillRef>
+          <a:effectRef idx="0">
+            <a:schemeClr val="accent1"/>
+          </a:effectRef>
+          <a:fontRef idx="minor">
+            <a:schemeClr val="lt1"/>
+          </a:fontRef>
+        </p:style>
+        <p:txBody>
+          <a:bodyPr rtlCol="0" anchor="ctr"/>
+          <a:lstStyle/>
+          <a:p>
+            <a:pPr algn="ctr"/>
+            <a:endParaRPr lang="en-US"/>
+          </a:p>
+        </p:txBody>
+      </p:sp>
+      <p:sp>
+        <p:nvSpPr>
+          <p:cNvPr id="52" name="Rectangle 51"/>
+          <p:cNvSpPr/>
+          <p:nvPr/>
+        </p:nvSpPr>
+        <p:spPr>
+          <a:xfrm>
+            <a:off x="2132856" y="5294096"/>
+            <a:ext cx="920223" cy="171584"/>
+          </a:xfrm>
+          <a:prstGeom prst="rect">
+            <a:avLst/>
+          </a:prstGeom>
+          <a:noFill/>
+          <a:ln>
+            <a:solidFill>
+              <a:schemeClr val="bg1"/>
+            </a:solidFill>
+          </a:ln>
+        </p:spPr>
+        <p:style>
+          <a:lnRef idx="2">
+            <a:schemeClr val="accent1">
+              <a:shade val="50000"/>
+            </a:schemeClr>
+          </a:lnRef>
+          <a:fillRef idx="1">
+            <a:schemeClr val="accent1"/>
+          </a:fillRef>
+          <a:effectRef idx="0">
+            <a:schemeClr val="accent1"/>
+          </a:effectRef>
+          <a:fontRef idx="minor">
+            <a:schemeClr val="lt1"/>
+          </a:fontRef>
+        </p:style>
+        <p:txBody>
+          <a:bodyPr rtlCol="0" anchor="ctr"/>
+          <a:lstStyle/>
+          <a:p>
+            <a:pPr algn="ctr"/>
+            <a:endParaRPr lang="en-US"/>
+          </a:p>
+        </p:txBody>
+      </p:sp>
+      <p:cxnSp>
+        <p:nvCxnSpPr>
+          <p:cNvPr id="54" name="Curved Connector 53"/>
+          <p:cNvCxnSpPr>
+            <a:stCxn id="51" idx="3"/>
+            <a:endCxn id="52" idx="3"/>
+          </p:cNvCxnSpPr>
+          <p:nvPr/>
+        </p:nvCxnSpPr>
+        <p:spPr>
+          <a:xfrm flipH="1">
+            <a:off x="3053079" y="4159136"/>
+            <a:ext cx="667974" cy="1220752"/>
+          </a:xfrm>
+          <a:prstGeom prst="curvedConnector3">
+            <a:avLst>
+              <a:gd name="adj1" fmla="val -34223"/>
+            </a:avLst>
+          </a:prstGeom>
+          <a:ln w="19050">
+            <a:tailEnd type="arrow"/>
+          </a:ln>
+        </p:spPr>
+        <p:style>
+          <a:lnRef idx="1">
+            <a:schemeClr val="accent1"/>
+          </a:lnRef>
+          <a:fillRef idx="0">
+            <a:schemeClr val="accent1"/>
+          </a:fillRef>
+          <a:effectRef idx="0">
+            <a:schemeClr val="accent1"/>
+          </a:effectRef>
+          <a:fontRef idx="minor">
+            <a:schemeClr val="tx1"/>
+          </a:fontRef>
+        </p:style>
+      </p:cxnSp>
+    </p:spTree>
+    <p:extLst>
+      <p:ext uri="{BB962C8B-B14F-4D97-AF65-F5344CB8AC3E}">
+        <p14:creationId xmlns:p14="http://schemas.microsoft.com/office/powerpoint/2010/main" val="3218922719"/>
+      </p:ext>
+    </p:extLst>
+  </p:cSld>
+  <p:clrMapOvr>
+    <a:masterClrMapping/>
+  </p:clrMapOvr>
+</p:sld>
+</file>
+
+<file path=ppt/slides/slide6.xml><?xml version="1.0" encoding="utf-8"?>
+<p:sld xmlns:a="http://schemas.openxmlformats.org/drawingml/2006/main" xmlns:r="http://schemas.openxmlformats.org/officeDocument/2006/relationships" xmlns:p="http://schemas.openxmlformats.org/presentationml/2006/main">
+  <p:cSld>
+    <p:spTree>
+      <p:nvGrpSpPr>
+        <p:cNvPr id="1" name=""/>
+        <p:cNvGrpSpPr/>
+        <p:nvPr/>
+      </p:nvGrpSpPr>
+      <p:grpSpPr>
+        <a:xfrm>
+          <a:off x="0" y="0"/>
+          <a:ext cx="0" cy="0"/>
+          <a:chOff x="0" y="0"/>
+          <a:chExt cx="0" cy="0"/>
+        </a:xfrm>
+      </p:grpSpPr>
+    </p:spTree>
+    <p:extLst>
+      <p:ext uri="{BB962C8B-B14F-4D97-AF65-F5344CB8AC3E}">
+        <p14:creationId xmlns:p14="http://schemas.microsoft.com/office/powerpoint/2010/main" val="3221265485"/>
+      </p:ext>
+    </p:extLst>
+  </p:cSld>
+  <p:clrMapOvr>
+    <a:masterClrMapping/>
+  </p:clrMapOvr>
 </p:sld>
 </file>
 

--- a/incquery-deps-documentation/visio-diagrams/diagram-source.pptx
+++ b/incquery-deps-documentation/visio-diagrams/diagram-source.pptx
@@ -2013,11 +2013,7 @@
         <a:p>
           <a:r>
             <a:rPr lang="hu-HU" smtClean="0"/>
-            <a:t>Java </a:t>
-          </a:r>
-          <a:r>
-            <a:rPr lang="hu-HU" smtClean="0"/>
-            <a:t>code changes</a:t>
+            <a:t>Java code changes</a:t>
           </a:r>
           <a:endParaRPr lang="en-US" dirty="0"/>
         </a:p>
@@ -2128,11 +2124,7 @@
         <a:p>
           <a:r>
             <a:rPr lang="hu-HU" sz="1200" dirty="0" smtClean="0"/>
-            <a:t>Search </a:t>
-          </a:r>
-          <a:r>
-            <a:rPr lang="hu-HU" sz="1200" dirty="0" smtClean="0"/>
-            <a:t>dependencies</a:t>
+            <a:t>Search dependencies</a:t>
           </a:r>
           <a:endParaRPr lang="en-US" sz="1200" dirty="0"/>
         </a:p>
@@ -2468,29 +2460,29 @@
     </dgm:pt>
   </dgm:ptLst>
   <dgm:cxnLst>
+    <dgm:cxn modelId="{5A082171-8A85-4529-BAE7-A1B25404C7F9}" type="presOf" srcId="{99F541C9-4B89-4720-8419-4756B8A83A7E}" destId="{F29EBD48-39FE-46A3-8159-E25C865C6BF8}" srcOrd="1" destOrd="0" presId="urn:microsoft.com/office/officeart/2005/8/layout/process3"/>
+    <dgm:cxn modelId="{1084EE26-F00B-4AD1-AD37-186AB6CC6875}" type="presOf" srcId="{89F9240B-9632-4DE3-A228-C4F6C570DB12}" destId="{B9490DA7-A1FF-4A37-9F8A-8D2DD806CA18}" srcOrd="1" destOrd="0" presId="urn:microsoft.com/office/officeart/2005/8/layout/process3"/>
+    <dgm:cxn modelId="{67A80E91-FF97-4594-8936-4377EFF6BD15}" type="presOf" srcId="{6783C4DC-314E-474B-A502-3DEC5A16B774}" destId="{F14FE8F0-029E-4C04-A790-62927A941AD2}" srcOrd="0" destOrd="0" presId="urn:microsoft.com/office/officeart/2005/8/layout/process3"/>
+    <dgm:cxn modelId="{06B2DD58-DC8C-487B-8734-F86528E2E808}" srcId="{FDB29BDC-7CAF-4DE5-B604-FFD084883D35}" destId="{99F541C9-4B89-4720-8419-4756B8A83A7E}" srcOrd="1" destOrd="0" parTransId="{7FF73C21-1B15-4FC2-A655-33C7A363E49E}" sibTransId="{6783C4DC-314E-474B-A502-3DEC5A16B774}"/>
+    <dgm:cxn modelId="{F7142B95-0AEC-4547-8C6D-17C067423A94}" type="presOf" srcId="{6DF77C84-12E0-4FB5-8064-8EDC512450E3}" destId="{884BE4BE-800C-4710-B702-504DB05EE476}" srcOrd="0" destOrd="1" presId="urn:microsoft.com/office/officeart/2005/8/layout/process3"/>
     <dgm:cxn modelId="{1C2320A5-CFFE-4DEF-94E4-01496665B7E5}" type="presOf" srcId="{DAF8DBA7-B6FE-4941-AD4C-56B7BECBE0DA}" destId="{CEB601EB-83B9-4501-849D-EC92EFED9F85}" srcOrd="0" destOrd="0" presId="urn:microsoft.com/office/officeart/2005/8/layout/process3"/>
+    <dgm:cxn modelId="{810330E6-CAFA-4596-8074-DFC8F48A76FF}" type="presOf" srcId="{89F9240B-9632-4DE3-A228-C4F6C570DB12}" destId="{72E70E8A-5A96-49D6-93D9-6BA4AF3C2BF1}" srcOrd="0" destOrd="0" presId="urn:microsoft.com/office/officeart/2005/8/layout/process3"/>
+    <dgm:cxn modelId="{CB383971-8103-4059-9B53-2CAA39F78040}" srcId="{99F541C9-4B89-4720-8419-4756B8A83A7E}" destId="{69203A6C-F9FD-4B47-B29D-A3FD54DF983B}" srcOrd="0" destOrd="0" parTransId="{73B75FEB-7731-45AB-A7B5-553836A1EAC2}" sibTransId="{E6709D32-8BFD-4CEE-8D17-86D610F20E8D}"/>
     <dgm:cxn modelId="{D4B85A7F-E0BF-4573-B046-8BBB6A4FD835}" type="presOf" srcId="{1436DA99-98D2-46A6-9879-A64FA746FADF}" destId="{4F829F7E-28CF-423F-A6F0-12DFDC90ED6F}" srcOrd="0" destOrd="0" presId="urn:microsoft.com/office/officeart/2005/8/layout/process3"/>
+    <dgm:cxn modelId="{5BC518E1-BB78-4BFC-BFCA-9B805A9E117D}" type="presOf" srcId="{FFBE7152-9240-4F05-A484-F353574ADCAB}" destId="{E5FF585A-6EEB-4240-B449-78DB777BD3C8}" srcOrd="0" destOrd="0" presId="urn:microsoft.com/office/officeart/2005/8/layout/process3"/>
+    <dgm:cxn modelId="{863F57C8-C6B5-4032-9DE4-4796C9ADA769}" type="presOf" srcId="{DAF8DBA7-B6FE-4941-AD4C-56B7BECBE0DA}" destId="{57ED2D54-0A47-4A18-9FB7-1BCA81BBFF52}" srcOrd="1" destOrd="0" presId="urn:microsoft.com/office/officeart/2005/8/layout/process3"/>
+    <dgm:cxn modelId="{479AC3EF-EAD1-446E-81B7-E2156BCA1992}" srcId="{23E9BE2F-0B68-4660-B14B-AA6A221E3C6B}" destId="{FFBE7152-9240-4F05-A484-F353574ADCAB}" srcOrd="0" destOrd="0" parTransId="{820FAF01-879D-4575-B712-A5AE44D8C44B}" sibTransId="{77E59311-2344-42DB-895D-7F567335CD24}"/>
+    <dgm:cxn modelId="{B1A3AEC1-B711-4955-9479-13A874A02CAA}" type="presOf" srcId="{69203A6C-F9FD-4B47-B29D-A3FD54DF983B}" destId="{884BE4BE-800C-4710-B702-504DB05EE476}" srcOrd="0" destOrd="0" presId="urn:microsoft.com/office/officeart/2005/8/layout/process3"/>
+    <dgm:cxn modelId="{77FB54BB-865A-4E95-A2C8-D73B04A1241B}" type="presOf" srcId="{FDB29BDC-7CAF-4DE5-B604-FFD084883D35}" destId="{F5B10830-9B9E-43F2-A9C2-F3FB4AC10FE0}" srcOrd="0" destOrd="0" presId="urn:microsoft.com/office/officeart/2005/8/layout/process3"/>
+    <dgm:cxn modelId="{E3A16923-AEC2-41C6-9C87-27E9C01BC137}" type="presOf" srcId="{23E9BE2F-0B68-4660-B14B-AA6A221E3C6B}" destId="{8B3BCE30-B0A2-4FEA-AA20-530F7C5B4F57}" srcOrd="1" destOrd="0" presId="urn:microsoft.com/office/officeart/2005/8/layout/process3"/>
+    <dgm:cxn modelId="{DD3A013F-1236-412D-84B4-A89D138A4176}" type="presOf" srcId="{23E9BE2F-0B68-4660-B14B-AA6A221E3C6B}" destId="{A0DC9EAA-5056-45E0-8AE0-895707891302}" srcOrd="0" destOrd="0" presId="urn:microsoft.com/office/officeart/2005/8/layout/process3"/>
+    <dgm:cxn modelId="{135A5854-BABD-433B-8CEC-A844C3AE38CF}" srcId="{99F541C9-4B89-4720-8419-4756B8A83A7E}" destId="{6DF77C84-12E0-4FB5-8064-8EDC512450E3}" srcOrd="1" destOrd="0" parTransId="{1F4F7CEC-3472-4DE6-BCBB-B78220C95E64}" sibTransId="{789AD4C8-6B51-42CF-8E78-ECFE7CF0480C}"/>
+    <dgm:cxn modelId="{E7B05916-2D79-47BD-872A-5AC477D37932}" type="presOf" srcId="{99F541C9-4B89-4720-8419-4756B8A83A7E}" destId="{2A92E57F-79B2-4C10-BC93-A1402D7A3349}" srcOrd="0" destOrd="0" presId="urn:microsoft.com/office/officeart/2005/8/layout/process3"/>
     <dgm:cxn modelId="{62251BA5-372E-4AED-A0F5-77CCB9CCC3E8}" type="presOf" srcId="{78755EBA-6679-4B9D-8D4B-522C3AFAE4EC}" destId="{E5FF585A-6EEB-4240-B449-78DB777BD3C8}" srcOrd="0" destOrd="1" presId="urn:microsoft.com/office/officeart/2005/8/layout/process3"/>
-    <dgm:cxn modelId="{CB383971-8103-4059-9B53-2CAA39F78040}" srcId="{99F541C9-4B89-4720-8419-4756B8A83A7E}" destId="{69203A6C-F9FD-4B47-B29D-A3FD54DF983B}" srcOrd="0" destOrd="0" parTransId="{73B75FEB-7731-45AB-A7B5-553836A1EAC2}" sibTransId="{E6709D32-8BFD-4CEE-8D17-86D610F20E8D}"/>
-    <dgm:cxn modelId="{1084EE26-F00B-4AD1-AD37-186AB6CC6875}" type="presOf" srcId="{89F9240B-9632-4DE3-A228-C4F6C570DB12}" destId="{B9490DA7-A1FF-4A37-9F8A-8D2DD806CA18}" srcOrd="1" destOrd="0" presId="urn:microsoft.com/office/officeart/2005/8/layout/process3"/>
-    <dgm:cxn modelId="{E3A16923-AEC2-41C6-9C87-27E9C01BC137}" type="presOf" srcId="{23E9BE2F-0B68-4660-B14B-AA6A221E3C6B}" destId="{8B3BCE30-B0A2-4FEA-AA20-530F7C5B4F57}" srcOrd="1" destOrd="0" presId="urn:microsoft.com/office/officeart/2005/8/layout/process3"/>
-    <dgm:cxn modelId="{77FB54BB-865A-4E95-A2C8-D73B04A1241B}" type="presOf" srcId="{FDB29BDC-7CAF-4DE5-B604-FFD084883D35}" destId="{F5B10830-9B9E-43F2-A9C2-F3FB4AC10FE0}" srcOrd="0" destOrd="0" presId="urn:microsoft.com/office/officeart/2005/8/layout/process3"/>
-    <dgm:cxn modelId="{E7B05916-2D79-47BD-872A-5AC477D37932}" type="presOf" srcId="{99F541C9-4B89-4720-8419-4756B8A83A7E}" destId="{2A92E57F-79B2-4C10-BC93-A1402D7A3349}" srcOrd="0" destOrd="0" presId="urn:microsoft.com/office/officeart/2005/8/layout/process3"/>
-    <dgm:cxn modelId="{5BC518E1-BB78-4BFC-BFCA-9B805A9E117D}" type="presOf" srcId="{FFBE7152-9240-4F05-A484-F353574ADCAB}" destId="{E5FF585A-6EEB-4240-B449-78DB777BD3C8}" srcOrd="0" destOrd="0" presId="urn:microsoft.com/office/officeart/2005/8/layout/process3"/>
-    <dgm:cxn modelId="{5A082171-8A85-4529-BAE7-A1B25404C7F9}" type="presOf" srcId="{99F541C9-4B89-4720-8419-4756B8A83A7E}" destId="{F29EBD48-39FE-46A3-8159-E25C865C6BF8}" srcOrd="1" destOrd="0" presId="urn:microsoft.com/office/officeart/2005/8/layout/process3"/>
-    <dgm:cxn modelId="{DD3A013F-1236-412D-84B4-A89D138A4176}" type="presOf" srcId="{23E9BE2F-0B68-4660-B14B-AA6A221E3C6B}" destId="{A0DC9EAA-5056-45E0-8AE0-895707891302}" srcOrd="0" destOrd="0" presId="urn:microsoft.com/office/officeart/2005/8/layout/process3"/>
-    <dgm:cxn modelId="{06B2DD58-DC8C-487B-8734-F86528E2E808}" srcId="{FDB29BDC-7CAF-4DE5-B604-FFD084883D35}" destId="{99F541C9-4B89-4720-8419-4756B8A83A7E}" srcOrd="1" destOrd="0" parTransId="{7FF73C21-1B15-4FC2-A655-33C7A363E49E}" sibTransId="{6783C4DC-314E-474B-A502-3DEC5A16B774}"/>
+    <dgm:cxn modelId="{85291B55-A46C-4F11-9303-8BBB4F27B9AE}" srcId="{89F9240B-9632-4DE3-A228-C4F6C570DB12}" destId="{1436DA99-98D2-46A6-9879-A64FA746FADF}" srcOrd="0" destOrd="0" parTransId="{0A7594E5-AF2F-404C-A970-3D7343362F2A}" sibTransId="{68452923-C40B-4D69-A47A-A6F4FA97D1E9}"/>
+    <dgm:cxn modelId="{5AAE8BFD-6E74-44F2-9A1C-AD31AF458949}" srcId="{FDB29BDC-7CAF-4DE5-B604-FFD084883D35}" destId="{23E9BE2F-0B68-4660-B14B-AA6A221E3C6B}" srcOrd="0" destOrd="0" parTransId="{D8C7E8DF-0B6C-45E0-AE5C-2A462014D8C2}" sibTransId="{DAF8DBA7-B6FE-4941-AD4C-56B7BECBE0DA}"/>
+    <dgm:cxn modelId="{26F43017-4FAA-444A-AA86-2110224F603F}" type="presOf" srcId="{6783C4DC-314E-474B-A502-3DEC5A16B774}" destId="{39A67C2B-FE37-47A0-A735-F7D2F807D3CE}" srcOrd="1" destOrd="0" presId="urn:microsoft.com/office/officeart/2005/8/layout/process3"/>
     <dgm:cxn modelId="{FE34B8AA-9CA5-4F2B-9F7E-ECD5B6EBE472}" srcId="{23E9BE2F-0B68-4660-B14B-AA6A221E3C6B}" destId="{78755EBA-6679-4B9D-8D4B-522C3AFAE4EC}" srcOrd="1" destOrd="0" parTransId="{A02A6A6C-ACFD-425B-AD36-E4594313EC18}" sibTransId="{66D92159-229F-4E0B-ADD0-E76E21829947}"/>
-    <dgm:cxn modelId="{B1A3AEC1-B711-4955-9479-13A874A02CAA}" type="presOf" srcId="{69203A6C-F9FD-4B47-B29D-A3FD54DF983B}" destId="{884BE4BE-800C-4710-B702-504DB05EE476}" srcOrd="0" destOrd="0" presId="urn:microsoft.com/office/officeart/2005/8/layout/process3"/>
-    <dgm:cxn modelId="{5AAE8BFD-6E74-44F2-9A1C-AD31AF458949}" srcId="{FDB29BDC-7CAF-4DE5-B604-FFD084883D35}" destId="{23E9BE2F-0B68-4660-B14B-AA6A221E3C6B}" srcOrd="0" destOrd="0" parTransId="{D8C7E8DF-0B6C-45E0-AE5C-2A462014D8C2}" sibTransId="{DAF8DBA7-B6FE-4941-AD4C-56B7BECBE0DA}"/>
-    <dgm:cxn modelId="{863F57C8-C6B5-4032-9DE4-4796C9ADA769}" type="presOf" srcId="{DAF8DBA7-B6FE-4941-AD4C-56B7BECBE0DA}" destId="{57ED2D54-0A47-4A18-9FB7-1BCA81BBFF52}" srcOrd="1" destOrd="0" presId="urn:microsoft.com/office/officeart/2005/8/layout/process3"/>
-    <dgm:cxn modelId="{26F43017-4FAA-444A-AA86-2110224F603F}" type="presOf" srcId="{6783C4DC-314E-474B-A502-3DEC5A16B774}" destId="{39A67C2B-FE37-47A0-A735-F7D2F807D3CE}" srcOrd="1" destOrd="0" presId="urn:microsoft.com/office/officeart/2005/8/layout/process3"/>
-    <dgm:cxn modelId="{67A80E91-FF97-4594-8936-4377EFF6BD15}" type="presOf" srcId="{6783C4DC-314E-474B-A502-3DEC5A16B774}" destId="{F14FE8F0-029E-4C04-A790-62927A941AD2}" srcOrd="0" destOrd="0" presId="urn:microsoft.com/office/officeart/2005/8/layout/process3"/>
-    <dgm:cxn modelId="{F7142B95-0AEC-4547-8C6D-17C067423A94}" type="presOf" srcId="{6DF77C84-12E0-4FB5-8064-8EDC512450E3}" destId="{884BE4BE-800C-4710-B702-504DB05EE476}" srcOrd="0" destOrd="1" presId="urn:microsoft.com/office/officeart/2005/8/layout/process3"/>
-    <dgm:cxn modelId="{135A5854-BABD-433B-8CEC-A844C3AE38CF}" srcId="{99F541C9-4B89-4720-8419-4756B8A83A7E}" destId="{6DF77C84-12E0-4FB5-8064-8EDC512450E3}" srcOrd="1" destOrd="0" parTransId="{1F4F7CEC-3472-4DE6-BCBB-B78220C95E64}" sibTransId="{789AD4C8-6B51-42CF-8E78-ECFE7CF0480C}"/>
-    <dgm:cxn modelId="{810330E6-CAFA-4596-8074-DFC8F48A76FF}" type="presOf" srcId="{89F9240B-9632-4DE3-A228-C4F6C570DB12}" destId="{72E70E8A-5A96-49D6-93D9-6BA4AF3C2BF1}" srcOrd="0" destOrd="0" presId="urn:microsoft.com/office/officeart/2005/8/layout/process3"/>
-    <dgm:cxn modelId="{85291B55-A46C-4F11-9303-8BBB4F27B9AE}" srcId="{89F9240B-9632-4DE3-A228-C4F6C570DB12}" destId="{1436DA99-98D2-46A6-9879-A64FA746FADF}" srcOrd="0" destOrd="0" parTransId="{0A7594E5-AF2F-404C-A970-3D7343362F2A}" sibTransId="{68452923-C40B-4D69-A47A-A6F4FA97D1E9}"/>
-    <dgm:cxn modelId="{479AC3EF-EAD1-446E-81B7-E2156BCA1992}" srcId="{23E9BE2F-0B68-4660-B14B-AA6A221E3C6B}" destId="{FFBE7152-9240-4F05-A484-F353574ADCAB}" srcOrd="0" destOrd="0" parTransId="{820FAF01-879D-4575-B712-A5AE44D8C44B}" sibTransId="{77E59311-2344-42DB-895D-7F567335CD24}"/>
     <dgm:cxn modelId="{7FA0605E-2EFF-4E84-AF45-1B988B346457}" srcId="{FDB29BDC-7CAF-4DE5-B604-FFD084883D35}" destId="{89F9240B-9632-4DE3-A228-C4F6C570DB12}" srcOrd="2" destOrd="0" parTransId="{DC2C9175-D928-4325-9FE6-62CE8319C006}" sibTransId="{C1791B6B-7A02-4573-AE05-8D217DFC7DF9}"/>
     <dgm:cxn modelId="{DEB11943-162E-423D-9B4E-A5DEF418842E}" type="presParOf" srcId="{F5B10830-9B9E-43F2-A9C2-F3FB4AC10FE0}" destId="{C06F00B3-02B3-4157-9556-F6BE00EE11F0}" srcOrd="0" destOrd="0" presId="urn:microsoft.com/office/officeart/2005/8/layout/process3"/>
     <dgm:cxn modelId="{61FADB71-EB22-4308-B6E7-36CD964CEF90}" type="presParOf" srcId="{C06F00B3-02B3-4157-9556-F6BE00EE11F0}" destId="{A0DC9EAA-5056-45E0-8AE0-895707891302}" srcOrd="0" destOrd="0" presId="urn:microsoft.com/office/officeart/2005/8/layout/process3"/>
@@ -3229,11 +3221,7 @@
           </a:pPr>
           <a:r>
             <a:rPr lang="hu-HU" sz="1200" kern="1200" dirty="0" smtClean="0"/>
-            <a:t>Search </a:t>
-          </a:r>
-          <a:r>
-            <a:rPr lang="hu-HU" sz="1200" kern="1200" dirty="0" smtClean="0"/>
-            <a:t>dependencies</a:t>
+            <a:t>Search dependencies</a:t>
           </a:r>
           <a:endParaRPr lang="en-US" sz="1200" kern="1200" dirty="0"/>
         </a:p>
@@ -3381,11 +3369,7 @@
           </a:pPr>
           <a:r>
             <a:rPr lang="hu-HU" sz="1400" kern="1200" smtClean="0"/>
-            <a:t>Java </a:t>
-          </a:r>
-          <a:r>
-            <a:rPr lang="hu-HU" sz="1400" kern="1200" smtClean="0"/>
-            <a:t>code changes</a:t>
+            <a:t>Java code changes</a:t>
           </a:r>
           <a:endParaRPr lang="en-US" sz="1400" kern="1200" dirty="0"/>
         </a:p>
@@ -15286,6 +15270,245 @@
           <a:chExt cx="0" cy="0"/>
         </a:xfrm>
       </p:grpSpPr>
+      <p:sp>
+        <p:nvSpPr>
+          <p:cNvPr id="2" name="Snip Single Corner Rectangle 1"/>
+          <p:cNvSpPr/>
+          <p:nvPr/>
+        </p:nvSpPr>
+        <p:spPr>
+          <a:xfrm>
+            <a:off x="188640" y="842160"/>
+            <a:ext cx="864096" cy="936104"/>
+          </a:xfrm>
+          <a:prstGeom prst="snip1Rect">
+            <a:avLst/>
+          </a:prstGeom>
+        </p:spPr>
+        <p:style>
+          <a:lnRef idx="2">
+            <a:schemeClr val="accent1"/>
+          </a:lnRef>
+          <a:fillRef idx="1">
+            <a:schemeClr val="lt1"/>
+          </a:fillRef>
+          <a:effectRef idx="0">
+            <a:schemeClr val="accent1"/>
+          </a:effectRef>
+          <a:fontRef idx="minor">
+            <a:schemeClr val="dk1"/>
+          </a:fontRef>
+        </p:style>
+        <p:txBody>
+          <a:bodyPr rtlCol="0" anchor="ctr"/>
+          <a:lstStyle/>
+          <a:p>
+            <a:pPr algn="ctr"/>
+            <a:r>
+              <a:rPr lang="hu-HU" sz="1200" dirty="0" smtClean="0"/>
+              <a:t>IncQuery</a:t>
+            </a:r>
+          </a:p>
+          <a:p>
+            <a:pPr algn="ctr"/>
+            <a:r>
+              <a:rPr lang="hu-HU" sz="1200" dirty="0" smtClean="0"/>
+              <a:t>patterns</a:t>
+            </a:r>
+            <a:endParaRPr lang="en-US" sz="1200" dirty="0"/>
+          </a:p>
+        </p:txBody>
+      </p:sp>
+      <p:sp>
+        <p:nvSpPr>
+          <p:cNvPr id="4" name="Right Arrow 3"/>
+          <p:cNvSpPr/>
+          <p:nvPr/>
+        </p:nvSpPr>
+        <p:spPr>
+          <a:xfrm>
+            <a:off x="1196752" y="986176"/>
+            <a:ext cx="1368152" cy="648072"/>
+          </a:xfrm>
+          <a:prstGeom prst="rightArrow">
+            <a:avLst/>
+          </a:prstGeom>
+        </p:spPr>
+        <p:style>
+          <a:lnRef idx="1">
+            <a:schemeClr val="accent1"/>
+          </a:lnRef>
+          <a:fillRef idx="2">
+            <a:schemeClr val="accent1"/>
+          </a:fillRef>
+          <a:effectRef idx="1">
+            <a:schemeClr val="accent1"/>
+          </a:effectRef>
+          <a:fontRef idx="minor">
+            <a:schemeClr val="dk1"/>
+          </a:fontRef>
+        </p:style>
+        <p:txBody>
+          <a:bodyPr rtlCol="0" anchor="ctr"/>
+          <a:lstStyle/>
+          <a:p>
+            <a:pPr algn="ctr"/>
+            <a:r>
+              <a:rPr lang="hu-HU" sz="1200" dirty="0" smtClean="0"/>
+              <a:t>Code generation</a:t>
+            </a:r>
+            <a:endParaRPr lang="en-US" sz="1200" dirty="0"/>
+          </a:p>
+        </p:txBody>
+      </p:sp>
+      <p:sp>
+        <p:nvSpPr>
+          <p:cNvPr id="5" name="Snip Single Corner Rectangle 4"/>
+          <p:cNvSpPr/>
+          <p:nvPr/>
+        </p:nvSpPr>
+        <p:spPr>
+          <a:xfrm>
+            <a:off x="2708920" y="842160"/>
+            <a:ext cx="864096" cy="936104"/>
+          </a:xfrm>
+          <a:prstGeom prst="snip1Rect">
+            <a:avLst/>
+          </a:prstGeom>
+        </p:spPr>
+        <p:style>
+          <a:lnRef idx="2">
+            <a:schemeClr val="accent1"/>
+          </a:lnRef>
+          <a:fillRef idx="1">
+            <a:schemeClr val="lt1"/>
+          </a:fillRef>
+          <a:effectRef idx="0">
+            <a:schemeClr val="accent1"/>
+          </a:effectRef>
+          <a:fontRef idx="minor">
+            <a:schemeClr val="dk1"/>
+          </a:fontRef>
+        </p:style>
+        <p:txBody>
+          <a:bodyPr rtlCol="0" anchor="ctr"/>
+          <a:lstStyle/>
+          <a:p>
+            <a:pPr algn="ctr"/>
+            <a:r>
+              <a:rPr lang="hu-HU" sz="1200" dirty="0" smtClean="0"/>
+              <a:t>Query</a:t>
+            </a:r>
+          </a:p>
+          <a:p>
+            <a:pPr algn="ctr"/>
+            <a:r>
+              <a:rPr lang="hu-HU" sz="1200" smtClean="0"/>
+              <a:t>source</a:t>
+            </a:r>
+            <a:endParaRPr lang="hu-HU" sz="1200" dirty="0" smtClean="0"/>
+          </a:p>
+          <a:p>
+            <a:pPr algn="ctr"/>
+            <a:r>
+              <a:rPr lang="hu-HU" sz="1200" dirty="0" smtClean="0"/>
+              <a:t>code</a:t>
+            </a:r>
+            <a:endParaRPr lang="hu-HU" sz="1200" dirty="0"/>
+          </a:p>
+        </p:txBody>
+      </p:sp>
+      <p:sp>
+        <p:nvSpPr>
+          <p:cNvPr id="6" name="Right Arrow 5"/>
+          <p:cNvSpPr/>
+          <p:nvPr/>
+        </p:nvSpPr>
+        <p:spPr>
+          <a:xfrm>
+            <a:off x="3717032" y="979792"/>
+            <a:ext cx="1368152" cy="648072"/>
+          </a:xfrm>
+          <a:prstGeom prst="rightArrow">
+            <a:avLst/>
+          </a:prstGeom>
+        </p:spPr>
+        <p:style>
+          <a:lnRef idx="1">
+            <a:schemeClr val="accent1"/>
+          </a:lnRef>
+          <a:fillRef idx="2">
+            <a:schemeClr val="accent1"/>
+          </a:fillRef>
+          <a:effectRef idx="1">
+            <a:schemeClr val="accent1"/>
+          </a:effectRef>
+          <a:fontRef idx="minor">
+            <a:schemeClr val="dk1"/>
+          </a:fontRef>
+        </p:style>
+        <p:txBody>
+          <a:bodyPr rtlCol="0" anchor="ctr"/>
+          <a:lstStyle/>
+          <a:p>
+            <a:pPr algn="ctr"/>
+            <a:r>
+              <a:rPr lang="hu-HU" sz="1200" dirty="0" smtClean="0"/>
+              <a:t>Compile and load</a:t>
+            </a:r>
+            <a:endParaRPr lang="en-US" sz="1200" dirty="0"/>
+          </a:p>
+        </p:txBody>
+      </p:sp>
+      <p:sp>
+        <p:nvSpPr>
+          <p:cNvPr id="7" name="Snip Single Corner Rectangle 6"/>
+          <p:cNvSpPr/>
+          <p:nvPr/>
+        </p:nvSpPr>
+        <p:spPr>
+          <a:xfrm>
+            <a:off x="5229200" y="842160"/>
+            <a:ext cx="864096" cy="936104"/>
+          </a:xfrm>
+          <a:prstGeom prst="snip1Rect">
+            <a:avLst/>
+          </a:prstGeom>
+        </p:spPr>
+        <p:style>
+          <a:lnRef idx="2">
+            <a:schemeClr val="accent1"/>
+          </a:lnRef>
+          <a:fillRef idx="1">
+            <a:schemeClr val="lt1"/>
+          </a:fillRef>
+          <a:effectRef idx="0">
+            <a:schemeClr val="accent1"/>
+          </a:effectRef>
+          <a:fontRef idx="minor">
+            <a:schemeClr val="dk1"/>
+          </a:fontRef>
+        </p:style>
+        <p:txBody>
+          <a:bodyPr rtlCol="0" anchor="ctr"/>
+          <a:lstStyle/>
+          <a:p>
+            <a:pPr algn="ctr"/>
+            <a:r>
+              <a:rPr lang="hu-HU" sz="1200" dirty="0"/>
+              <a:t>IncQuery</a:t>
+            </a:r>
+          </a:p>
+          <a:p>
+            <a:pPr algn="ctr"/>
+            <a:r>
+              <a:rPr lang="hu-HU" sz="1200" dirty="0"/>
+              <a:t>runtime</a:t>
+            </a:r>
+            <a:endParaRPr lang="en-US" sz="1200" dirty="0"/>
+          </a:p>
+        </p:txBody>
+      </p:sp>
     </p:spTree>
     <p:extLst>
       <p:ext uri="{BB962C8B-B14F-4D97-AF65-F5344CB8AC3E}">

--- a/incquery-deps-documentation/visio-diagrams/diagram-source.pptx
+++ b/incquery-deps-documentation/visio-diagrams/diagram-source.pptx
@@ -5,7 +5,7 @@
     <p:sldMasterId id="2147483648" r:id="rId1"/>
   </p:sldMasterIdLst>
   <p:notesMasterIdLst>
-    <p:notesMasterId r:id="rId8"/>
+    <p:notesMasterId r:id="rId9"/>
   </p:notesMasterIdLst>
   <p:sldIdLst>
     <p:sldId id="262" r:id="rId2"/>
@@ -14,6 +14,7 @@
     <p:sldId id="263" r:id="rId5"/>
     <p:sldId id="264" r:id="rId6"/>
     <p:sldId id="265" r:id="rId7"/>
+    <p:sldId id="266" r:id="rId8"/>
   </p:sldIdLst>
   <p:sldSz cx="6858000" cy="9906000" type="A4"/>
   <p:notesSz cx="6858000" cy="9144000"/>
@@ -127,6 +128,7 @@
             <p14:sldId id="263"/>
             <p14:sldId id="264"/>
             <p14:sldId id="265"/>
+            <p14:sldId id="266"/>
           </p14:sldIdLst>
         </p14:section>
       </p14:sectionLst>
@@ -2465,8 +2467,8 @@
     <dgm:cxn modelId="{67A80E91-FF97-4594-8936-4377EFF6BD15}" type="presOf" srcId="{6783C4DC-314E-474B-A502-3DEC5A16B774}" destId="{F14FE8F0-029E-4C04-A790-62927A941AD2}" srcOrd="0" destOrd="0" presId="urn:microsoft.com/office/officeart/2005/8/layout/process3"/>
     <dgm:cxn modelId="{06B2DD58-DC8C-487B-8734-F86528E2E808}" srcId="{FDB29BDC-7CAF-4DE5-B604-FFD084883D35}" destId="{99F541C9-4B89-4720-8419-4756B8A83A7E}" srcOrd="1" destOrd="0" parTransId="{7FF73C21-1B15-4FC2-A655-33C7A363E49E}" sibTransId="{6783C4DC-314E-474B-A502-3DEC5A16B774}"/>
     <dgm:cxn modelId="{F7142B95-0AEC-4547-8C6D-17C067423A94}" type="presOf" srcId="{6DF77C84-12E0-4FB5-8064-8EDC512450E3}" destId="{884BE4BE-800C-4710-B702-504DB05EE476}" srcOrd="0" destOrd="1" presId="urn:microsoft.com/office/officeart/2005/8/layout/process3"/>
+    <dgm:cxn modelId="{810330E6-CAFA-4596-8074-DFC8F48A76FF}" type="presOf" srcId="{89F9240B-9632-4DE3-A228-C4F6C570DB12}" destId="{72E70E8A-5A96-49D6-93D9-6BA4AF3C2BF1}" srcOrd="0" destOrd="0" presId="urn:microsoft.com/office/officeart/2005/8/layout/process3"/>
     <dgm:cxn modelId="{1C2320A5-CFFE-4DEF-94E4-01496665B7E5}" type="presOf" srcId="{DAF8DBA7-B6FE-4941-AD4C-56B7BECBE0DA}" destId="{CEB601EB-83B9-4501-849D-EC92EFED9F85}" srcOrd="0" destOrd="0" presId="urn:microsoft.com/office/officeart/2005/8/layout/process3"/>
-    <dgm:cxn modelId="{810330E6-CAFA-4596-8074-DFC8F48A76FF}" type="presOf" srcId="{89F9240B-9632-4DE3-A228-C4F6C570DB12}" destId="{72E70E8A-5A96-49D6-93D9-6BA4AF3C2BF1}" srcOrd="0" destOrd="0" presId="urn:microsoft.com/office/officeart/2005/8/layout/process3"/>
     <dgm:cxn modelId="{CB383971-8103-4059-9B53-2CAA39F78040}" srcId="{99F541C9-4B89-4720-8419-4756B8A83A7E}" destId="{69203A6C-F9FD-4B47-B29D-A3FD54DF983B}" srcOrd="0" destOrd="0" parTransId="{73B75FEB-7731-45AB-A7B5-553836A1EAC2}" sibTransId="{E6709D32-8BFD-4CEE-8D17-86D610F20E8D}"/>
     <dgm:cxn modelId="{D4B85A7F-E0BF-4573-B046-8BBB6A4FD835}" type="presOf" srcId="{1436DA99-98D2-46A6-9879-A64FA746FADF}" destId="{4F829F7E-28CF-423F-A6F0-12DFDC90ED6F}" srcOrd="0" destOrd="0" presId="urn:microsoft.com/office/officeart/2005/8/layout/process3"/>
     <dgm:cxn modelId="{5BC518E1-BB78-4BFC-BFCA-9B805A9E117D}" type="presOf" srcId="{FFBE7152-9240-4F05-A484-F353574ADCAB}" destId="{E5FF585A-6EEB-4240-B449-78DB777BD3C8}" srcOrd="0" destOrd="0" presId="urn:microsoft.com/office/officeart/2005/8/layout/process3"/>
@@ -6305,7 +6307,7 @@
           <a:p>
             <a:fld id="{066D07CF-11C7-4B9C-BCBF-E2D9FCA17911}" type="datetimeFigureOut">
               <a:rPr lang="hu-HU" smtClean="0"/>
-              <a:t>2012.10.23.</a:t>
+              <a:t>2012.10.24.</a:t>
             </a:fld>
             <a:endParaRPr lang="hu-HU"/>
           </a:p>
@@ -6848,7 +6850,7 @@
           <a:p>
             <a:fld id="{109A3B03-3B51-4BDD-9DD7-3CEC69C24252}" type="datetimeFigureOut">
               <a:rPr lang="hu-HU" smtClean="0"/>
-              <a:t>2012.10.23.</a:t>
+              <a:t>2012.10.24.</a:t>
             </a:fld>
             <a:endParaRPr lang="hu-HU"/>
           </a:p>
@@ -7018,7 +7020,7 @@
           <a:p>
             <a:fld id="{109A3B03-3B51-4BDD-9DD7-3CEC69C24252}" type="datetimeFigureOut">
               <a:rPr lang="hu-HU" smtClean="0"/>
-              <a:t>2012.10.23.</a:t>
+              <a:t>2012.10.24.</a:t>
             </a:fld>
             <a:endParaRPr lang="hu-HU"/>
           </a:p>
@@ -7198,7 +7200,7 @@
           <a:p>
             <a:fld id="{109A3B03-3B51-4BDD-9DD7-3CEC69C24252}" type="datetimeFigureOut">
               <a:rPr lang="hu-HU" smtClean="0"/>
-              <a:t>2012.10.23.</a:t>
+              <a:t>2012.10.24.</a:t>
             </a:fld>
             <a:endParaRPr lang="hu-HU"/>
           </a:p>
@@ -7368,7 +7370,7 @@
           <a:p>
             <a:fld id="{109A3B03-3B51-4BDD-9DD7-3CEC69C24252}" type="datetimeFigureOut">
               <a:rPr lang="hu-HU" smtClean="0"/>
-              <a:t>2012.10.23.</a:t>
+              <a:t>2012.10.24.</a:t>
             </a:fld>
             <a:endParaRPr lang="hu-HU"/>
           </a:p>
@@ -7614,7 +7616,7 @@
           <a:p>
             <a:fld id="{109A3B03-3B51-4BDD-9DD7-3CEC69C24252}" type="datetimeFigureOut">
               <a:rPr lang="hu-HU" smtClean="0"/>
-              <a:t>2012.10.23.</a:t>
+              <a:t>2012.10.24.</a:t>
             </a:fld>
             <a:endParaRPr lang="hu-HU"/>
           </a:p>
@@ -7902,7 +7904,7 @@
           <a:p>
             <a:fld id="{109A3B03-3B51-4BDD-9DD7-3CEC69C24252}" type="datetimeFigureOut">
               <a:rPr lang="hu-HU" smtClean="0"/>
-              <a:t>2012.10.23.</a:t>
+              <a:t>2012.10.24.</a:t>
             </a:fld>
             <a:endParaRPr lang="hu-HU"/>
           </a:p>
@@ -8324,7 +8326,7 @@
           <a:p>
             <a:fld id="{109A3B03-3B51-4BDD-9DD7-3CEC69C24252}" type="datetimeFigureOut">
               <a:rPr lang="hu-HU" smtClean="0"/>
-              <a:t>2012.10.23.</a:t>
+              <a:t>2012.10.24.</a:t>
             </a:fld>
             <a:endParaRPr lang="hu-HU"/>
           </a:p>
@@ -8442,7 +8444,7 @@
           <a:p>
             <a:fld id="{109A3B03-3B51-4BDD-9DD7-3CEC69C24252}" type="datetimeFigureOut">
               <a:rPr lang="hu-HU" smtClean="0"/>
-              <a:t>2012.10.23.</a:t>
+              <a:t>2012.10.24.</a:t>
             </a:fld>
             <a:endParaRPr lang="hu-HU"/>
           </a:p>
@@ -8537,7 +8539,7 @@
           <a:p>
             <a:fld id="{109A3B03-3B51-4BDD-9DD7-3CEC69C24252}" type="datetimeFigureOut">
               <a:rPr lang="hu-HU" smtClean="0"/>
-              <a:t>2012.10.23.</a:t>
+              <a:t>2012.10.24.</a:t>
             </a:fld>
             <a:endParaRPr lang="hu-HU"/>
           </a:p>
@@ -8814,7 +8816,7 @@
           <a:p>
             <a:fld id="{109A3B03-3B51-4BDD-9DD7-3CEC69C24252}" type="datetimeFigureOut">
               <a:rPr lang="hu-HU" smtClean="0"/>
-              <a:t>2012.10.23.</a:t>
+              <a:t>2012.10.24.</a:t>
             </a:fld>
             <a:endParaRPr lang="hu-HU"/>
           </a:p>
@@ -9067,7 +9069,7 @@
           <a:p>
             <a:fld id="{109A3B03-3B51-4BDD-9DD7-3CEC69C24252}" type="datetimeFigureOut">
               <a:rPr lang="hu-HU" smtClean="0"/>
-              <a:t>2012.10.23.</a:t>
+              <a:t>2012.10.24.</a:t>
             </a:fld>
             <a:endParaRPr lang="hu-HU"/>
           </a:p>
@@ -9280,7 +9282,7 @@
           <a:p>
             <a:fld id="{109A3B03-3B51-4BDD-9DD7-3CEC69C24252}" type="datetimeFigureOut">
               <a:rPr lang="hu-HU" smtClean="0"/>
-              <a:t>2012.10.23.</a:t>
+              <a:t>2012.10.24.</a:t>
             </a:fld>
             <a:endParaRPr lang="hu-HU"/>
           </a:p>
@@ -15513,6 +15515,311 @@
     <p:extLst>
       <p:ext uri="{BB962C8B-B14F-4D97-AF65-F5344CB8AC3E}">
         <p14:creationId xmlns:p14="http://schemas.microsoft.com/office/powerpoint/2010/main" val="3221265485"/>
+      </p:ext>
+    </p:extLst>
+  </p:cSld>
+  <p:clrMapOvr>
+    <a:masterClrMapping/>
+  </p:clrMapOvr>
+</p:sld>
+</file>
+
+<file path=ppt/slides/slide7.xml><?xml version="1.0" encoding="utf-8"?>
+<p:sld xmlns:a="http://schemas.openxmlformats.org/drawingml/2006/main" xmlns:r="http://schemas.openxmlformats.org/officeDocument/2006/relationships" xmlns:p="http://schemas.openxmlformats.org/presentationml/2006/main">
+  <p:cSld>
+    <p:spTree>
+      <p:nvGrpSpPr>
+        <p:cNvPr id="1" name=""/>
+        <p:cNvGrpSpPr/>
+        <p:nvPr/>
+      </p:nvGrpSpPr>
+      <p:grpSpPr>
+        <a:xfrm>
+          <a:off x="0" y="0"/>
+          <a:ext cx="0" cy="0"/>
+          <a:chOff x="0" y="0"/>
+          <a:chExt cx="0" cy="0"/>
+        </a:xfrm>
+      </p:grpSpPr>
+      <p:sp>
+        <p:nvSpPr>
+          <p:cNvPr id="2" name="Rounded Rectangle 1"/>
+          <p:cNvSpPr/>
+          <p:nvPr/>
+        </p:nvSpPr>
+        <p:spPr>
+          <a:xfrm>
+            <a:off x="2909880" y="350392"/>
+            <a:ext cx="1512168" cy="936104"/>
+          </a:xfrm>
+          <a:prstGeom prst="roundRect">
+            <a:avLst/>
+          </a:prstGeom>
+        </p:spPr>
+        <p:style>
+          <a:lnRef idx="2">
+            <a:schemeClr val="accent1">
+              <a:shade val="50000"/>
+            </a:schemeClr>
+          </a:lnRef>
+          <a:fillRef idx="1">
+            <a:schemeClr val="accent1"/>
+          </a:fillRef>
+          <a:effectRef idx="0">
+            <a:schemeClr val="accent1"/>
+          </a:effectRef>
+          <a:fontRef idx="minor">
+            <a:schemeClr val="lt1"/>
+          </a:fontRef>
+        </p:style>
+        <p:txBody>
+          <a:bodyPr rtlCol="0" anchor="ctr"/>
+          <a:lstStyle/>
+          <a:p>
+            <a:pPr algn="ctr"/>
+            <a:r>
+              <a:rPr lang="hu-HU" dirty="0" smtClean="0"/>
+              <a:t>Jface treeviewer</a:t>
+            </a:r>
+            <a:endParaRPr lang="en-US" dirty="0"/>
+          </a:p>
+        </p:txBody>
+      </p:sp>
+      <p:sp>
+        <p:nvSpPr>
+          <p:cNvPr id="3" name="Rounded Rectangle 2"/>
+          <p:cNvSpPr/>
+          <p:nvPr/>
+        </p:nvSpPr>
+        <p:spPr>
+          <a:xfrm>
+            <a:off x="1844824" y="1770252"/>
+            <a:ext cx="1656184" cy="864096"/>
+          </a:xfrm>
+          <a:prstGeom prst="roundRect">
+            <a:avLst/>
+          </a:prstGeom>
+        </p:spPr>
+        <p:style>
+          <a:lnRef idx="2">
+            <a:schemeClr val="accent2">
+              <a:shade val="50000"/>
+            </a:schemeClr>
+          </a:lnRef>
+          <a:fillRef idx="1">
+            <a:schemeClr val="accent2"/>
+          </a:fillRef>
+          <a:effectRef idx="0">
+            <a:schemeClr val="accent2"/>
+          </a:effectRef>
+          <a:fontRef idx="minor">
+            <a:schemeClr val="lt1"/>
+          </a:fontRef>
+        </p:style>
+        <p:txBody>
+          <a:bodyPr rtlCol="0" anchor="ctr"/>
+          <a:lstStyle/>
+          <a:p>
+            <a:pPr algn="ctr"/>
+            <a:r>
+              <a:rPr lang="hu-HU" dirty="0"/>
+              <a:t>Custom data structure</a:t>
+            </a:r>
+            <a:endParaRPr lang="en-US" dirty="0"/>
+          </a:p>
+        </p:txBody>
+      </p:sp>
+      <p:sp>
+        <p:nvSpPr>
+          <p:cNvPr id="4" name="Rounded Rectangle 3"/>
+          <p:cNvSpPr/>
+          <p:nvPr/>
+        </p:nvSpPr>
+        <p:spPr>
+          <a:xfrm>
+            <a:off x="3861048" y="1797388"/>
+            <a:ext cx="1656184" cy="864096"/>
+          </a:xfrm>
+          <a:prstGeom prst="roundRect">
+            <a:avLst/>
+          </a:prstGeom>
+        </p:spPr>
+        <p:style>
+          <a:lnRef idx="2">
+            <a:schemeClr val="accent2">
+              <a:shade val="50000"/>
+            </a:schemeClr>
+          </a:lnRef>
+          <a:fillRef idx="1">
+            <a:schemeClr val="accent2"/>
+          </a:fillRef>
+          <a:effectRef idx="0">
+            <a:schemeClr val="accent2"/>
+          </a:effectRef>
+          <a:fontRef idx="minor">
+            <a:schemeClr val="lt1"/>
+          </a:fontRef>
+        </p:style>
+        <p:txBody>
+          <a:bodyPr rtlCol="0" anchor="ctr"/>
+          <a:lstStyle/>
+          <a:p>
+            <a:pPr algn="ctr"/>
+            <a:r>
+              <a:rPr lang="hu-HU" dirty="0" smtClean="0"/>
+              <a:t>Data adapter</a:t>
+            </a:r>
+            <a:endParaRPr lang="en-US" dirty="0"/>
+          </a:p>
+        </p:txBody>
+      </p:sp>
+      <p:cxnSp>
+        <p:nvCxnSpPr>
+          <p:cNvPr id="6" name="Straight Arrow Connector 5"/>
+          <p:cNvCxnSpPr>
+            <a:stCxn id="3" idx="0"/>
+          </p:cNvCxnSpPr>
+          <p:nvPr/>
+        </p:nvCxnSpPr>
+        <p:spPr>
+          <a:xfrm flipV="1">
+            <a:off x="2672916" y="1286496"/>
+            <a:ext cx="684076" cy="483756"/>
+          </a:xfrm>
+          <a:prstGeom prst="straightConnector1">
+            <a:avLst/>
+          </a:prstGeom>
+          <a:ln>
+            <a:tailEnd type="arrow"/>
+          </a:ln>
+        </p:spPr>
+        <p:style>
+          <a:lnRef idx="2">
+            <a:schemeClr val="dk1"/>
+          </a:lnRef>
+          <a:fillRef idx="0">
+            <a:schemeClr val="dk1"/>
+          </a:fillRef>
+          <a:effectRef idx="1">
+            <a:schemeClr val="dk1"/>
+          </a:effectRef>
+          <a:fontRef idx="minor">
+            <a:schemeClr val="tx1"/>
+          </a:fontRef>
+        </p:style>
+      </p:cxnSp>
+      <p:cxnSp>
+        <p:nvCxnSpPr>
+          <p:cNvPr id="8" name="Straight Arrow Connector 7"/>
+          <p:cNvCxnSpPr>
+            <a:stCxn id="4" idx="0"/>
+          </p:cNvCxnSpPr>
+          <p:nvPr/>
+        </p:nvCxnSpPr>
+        <p:spPr>
+          <a:xfrm flipH="1" flipV="1">
+            <a:off x="4005064" y="1286496"/>
+            <a:ext cx="684076" cy="510892"/>
+          </a:xfrm>
+          <a:prstGeom prst="straightConnector1">
+            <a:avLst/>
+          </a:prstGeom>
+          <a:ln>
+            <a:tailEnd type="arrow"/>
+          </a:ln>
+        </p:spPr>
+        <p:style>
+          <a:lnRef idx="2">
+            <a:schemeClr val="dk1"/>
+          </a:lnRef>
+          <a:fillRef idx="0">
+            <a:schemeClr val="dk1"/>
+          </a:fillRef>
+          <a:effectRef idx="1">
+            <a:schemeClr val="dk1"/>
+          </a:effectRef>
+          <a:fontRef idx="minor">
+            <a:schemeClr val="tx1"/>
+          </a:fontRef>
+        </p:style>
+      </p:cxnSp>
+      <p:sp>
+        <p:nvSpPr>
+          <p:cNvPr id="11" name="TextBox 10"/>
+          <p:cNvSpPr txBox="1"/>
+          <p:nvPr/>
+        </p:nvSpPr>
+        <p:spPr>
+          <a:xfrm>
+            <a:off x="548680" y="1879134"/>
+            <a:ext cx="792088" cy="646331"/>
+          </a:xfrm>
+          <a:prstGeom prst="rect">
+            <a:avLst/>
+          </a:prstGeom>
+          <a:noFill/>
+        </p:spPr>
+        <p:txBody>
+          <a:bodyPr wrap="square" rtlCol="0">
+            <a:spAutoFit/>
+          </a:bodyPr>
+          <a:lstStyle/>
+          <a:p>
+            <a:pPr algn="r"/>
+            <a:r>
+              <a:rPr lang="hu-HU" dirty="0" smtClean="0"/>
+              <a:t>Query</a:t>
+            </a:r>
+          </a:p>
+          <a:p>
+            <a:pPr algn="r"/>
+            <a:r>
+              <a:rPr lang="hu-HU" dirty="0" smtClean="0"/>
+              <a:t>Result</a:t>
+            </a:r>
+          </a:p>
+        </p:txBody>
+      </p:sp>
+      <p:cxnSp>
+        <p:nvCxnSpPr>
+          <p:cNvPr id="12" name="Straight Arrow Connector 11"/>
+          <p:cNvCxnSpPr>
+            <a:stCxn id="11" idx="3"/>
+            <a:endCxn id="3" idx="1"/>
+          </p:cNvCxnSpPr>
+          <p:nvPr/>
+        </p:nvCxnSpPr>
+        <p:spPr>
+          <a:xfrm>
+            <a:off x="1340768" y="2202300"/>
+            <a:ext cx="504056" cy="0"/>
+          </a:xfrm>
+          <a:prstGeom prst="straightConnector1">
+            <a:avLst/>
+          </a:prstGeom>
+          <a:ln>
+            <a:tailEnd type="arrow"/>
+          </a:ln>
+        </p:spPr>
+        <p:style>
+          <a:lnRef idx="2">
+            <a:schemeClr val="dk1"/>
+          </a:lnRef>
+          <a:fillRef idx="0">
+            <a:schemeClr val="dk1"/>
+          </a:fillRef>
+          <a:effectRef idx="1">
+            <a:schemeClr val="dk1"/>
+          </a:effectRef>
+          <a:fontRef idx="minor">
+            <a:schemeClr val="tx1"/>
+          </a:fontRef>
+        </p:style>
+      </p:cxnSp>
+    </p:spTree>
+    <p:extLst>
+      <p:ext uri="{BB962C8B-B14F-4D97-AF65-F5344CB8AC3E}">
+        <p14:creationId xmlns:p14="http://schemas.microsoft.com/office/powerpoint/2010/main" val="1714833200"/>
       </p:ext>
     </p:extLst>
   </p:cSld>

--- a/incquery-deps-documentation/visio-diagrams/diagram-source.pptx
+++ b/incquery-deps-documentation/visio-diagrams/diagram-source.pptx
@@ -6307,7 +6307,7 @@
           <a:p>
             <a:fld id="{066D07CF-11C7-4B9C-BCBF-E2D9FCA17911}" type="datetimeFigureOut">
               <a:rPr lang="hu-HU" smtClean="0"/>
-              <a:t>2012.10.24.</a:t>
+              <a:t>2012.10.25.</a:t>
             </a:fld>
             <a:endParaRPr lang="hu-HU"/>
           </a:p>
@@ -6850,7 +6850,7 @@
           <a:p>
             <a:fld id="{109A3B03-3B51-4BDD-9DD7-3CEC69C24252}" type="datetimeFigureOut">
               <a:rPr lang="hu-HU" smtClean="0"/>
-              <a:t>2012.10.24.</a:t>
+              <a:t>2012.10.25.</a:t>
             </a:fld>
             <a:endParaRPr lang="hu-HU"/>
           </a:p>
@@ -7020,7 +7020,7 @@
           <a:p>
             <a:fld id="{109A3B03-3B51-4BDD-9DD7-3CEC69C24252}" type="datetimeFigureOut">
               <a:rPr lang="hu-HU" smtClean="0"/>
-              <a:t>2012.10.24.</a:t>
+              <a:t>2012.10.25.</a:t>
             </a:fld>
             <a:endParaRPr lang="hu-HU"/>
           </a:p>
@@ -7200,7 +7200,7 @@
           <a:p>
             <a:fld id="{109A3B03-3B51-4BDD-9DD7-3CEC69C24252}" type="datetimeFigureOut">
               <a:rPr lang="hu-HU" smtClean="0"/>
-              <a:t>2012.10.24.</a:t>
+              <a:t>2012.10.25.</a:t>
             </a:fld>
             <a:endParaRPr lang="hu-HU"/>
           </a:p>
@@ -7370,7 +7370,7 @@
           <a:p>
             <a:fld id="{109A3B03-3B51-4BDD-9DD7-3CEC69C24252}" type="datetimeFigureOut">
               <a:rPr lang="hu-HU" smtClean="0"/>
-              <a:t>2012.10.24.</a:t>
+              <a:t>2012.10.25.</a:t>
             </a:fld>
             <a:endParaRPr lang="hu-HU"/>
           </a:p>
@@ -7616,7 +7616,7 @@
           <a:p>
             <a:fld id="{109A3B03-3B51-4BDD-9DD7-3CEC69C24252}" type="datetimeFigureOut">
               <a:rPr lang="hu-HU" smtClean="0"/>
-              <a:t>2012.10.24.</a:t>
+              <a:t>2012.10.25.</a:t>
             </a:fld>
             <a:endParaRPr lang="hu-HU"/>
           </a:p>
@@ -7904,7 +7904,7 @@
           <a:p>
             <a:fld id="{109A3B03-3B51-4BDD-9DD7-3CEC69C24252}" type="datetimeFigureOut">
               <a:rPr lang="hu-HU" smtClean="0"/>
-              <a:t>2012.10.24.</a:t>
+              <a:t>2012.10.25.</a:t>
             </a:fld>
             <a:endParaRPr lang="hu-HU"/>
           </a:p>
@@ -8326,7 +8326,7 @@
           <a:p>
             <a:fld id="{109A3B03-3B51-4BDD-9DD7-3CEC69C24252}" type="datetimeFigureOut">
               <a:rPr lang="hu-HU" smtClean="0"/>
-              <a:t>2012.10.24.</a:t>
+              <a:t>2012.10.25.</a:t>
             </a:fld>
             <a:endParaRPr lang="hu-HU"/>
           </a:p>
@@ -8444,7 +8444,7 @@
           <a:p>
             <a:fld id="{109A3B03-3B51-4BDD-9DD7-3CEC69C24252}" type="datetimeFigureOut">
               <a:rPr lang="hu-HU" smtClean="0"/>
-              <a:t>2012.10.24.</a:t>
+              <a:t>2012.10.25.</a:t>
             </a:fld>
             <a:endParaRPr lang="hu-HU"/>
           </a:p>
@@ -8539,7 +8539,7 @@
           <a:p>
             <a:fld id="{109A3B03-3B51-4BDD-9DD7-3CEC69C24252}" type="datetimeFigureOut">
               <a:rPr lang="hu-HU" smtClean="0"/>
-              <a:t>2012.10.24.</a:t>
+              <a:t>2012.10.25.</a:t>
             </a:fld>
             <a:endParaRPr lang="hu-HU"/>
           </a:p>
@@ -8816,7 +8816,7 @@
           <a:p>
             <a:fld id="{109A3B03-3B51-4BDD-9DD7-3CEC69C24252}" type="datetimeFigureOut">
               <a:rPr lang="hu-HU" smtClean="0"/>
-              <a:t>2012.10.24.</a:t>
+              <a:t>2012.10.25.</a:t>
             </a:fld>
             <a:endParaRPr lang="hu-HU"/>
           </a:p>
@@ -9069,7 +9069,7 @@
           <a:p>
             <a:fld id="{109A3B03-3B51-4BDD-9DD7-3CEC69C24252}" type="datetimeFigureOut">
               <a:rPr lang="hu-HU" smtClean="0"/>
-              <a:t>2012.10.24.</a:t>
+              <a:t>2012.10.25.</a:t>
             </a:fld>
             <a:endParaRPr lang="hu-HU"/>
           </a:p>
@@ -9282,7 +9282,7 @@
           <a:p>
             <a:fld id="{109A3B03-3B51-4BDD-9DD7-3CEC69C24252}" type="datetimeFigureOut">
               <a:rPr lang="hu-HU" smtClean="0"/>
-              <a:t>2012.10.24.</a:t>
+              <a:t>2012.10.25.</a:t>
             </a:fld>
             <a:endParaRPr lang="hu-HU"/>
           </a:p>
@@ -11645,8 +11645,8 @@
         </p:nvSpPr>
         <p:spPr>
           <a:xfrm>
-            <a:off x="245070" y="1004045"/>
-            <a:ext cx="1002754" cy="1368152"/>
+            <a:off x="245070" y="1231554"/>
+            <a:ext cx="830488" cy="913134"/>
           </a:xfrm>
           <a:prstGeom prst="snip1Rect">
             <a:avLst/>
@@ -11672,8 +11672,8 @@
           <a:p>
             <a:pPr algn="ctr"/>
             <a:r>
-              <a:rPr lang="hu-HU" sz="1400" dirty="0" smtClean="0"/>
-              <a:t>Foo.java</a:t>
+              <a:rPr lang="en-US" sz="1400" dirty="0" smtClean="0"/>
+              <a:t>.java</a:t>
             </a:r>
             <a:endParaRPr lang="en-US" sz="1600" dirty="0"/>
           </a:p>
@@ -11729,8 +11729,8 @@
         </p:nvSpPr>
         <p:spPr>
           <a:xfrm>
-            <a:off x="3429000" y="1004045"/>
-            <a:ext cx="1002754" cy="1368152"/>
+            <a:off x="3429000" y="1231554"/>
+            <a:ext cx="1002754" cy="913134"/>
           </a:xfrm>
           <a:prstGeom prst="snip1Rect">
             <a:avLst/>
@@ -11756,8 +11756,8 @@
           <a:p>
             <a:pPr algn="ctr"/>
             <a:r>
-              <a:rPr lang="hu-HU" sz="1400" dirty="0" smtClean="0"/>
-              <a:t>Foo.class</a:t>
+              <a:rPr lang="en-US" sz="1400" dirty="0" smtClean="0"/>
+              <a:t>.class</a:t>
             </a:r>
             <a:endParaRPr lang="en-US" sz="1600" dirty="0"/>
           </a:p>
@@ -12050,8 +12050,8 @@
         </p:nvCxnSpPr>
         <p:spPr>
           <a:xfrm>
-            <a:off x="1247824" y="1688121"/>
-            <a:ext cx="632791" cy="0"/>
+            <a:off x="1075558" y="1688121"/>
+            <a:ext cx="805057" cy="0"/>
           </a:xfrm>
           <a:prstGeom prst="straightConnector1">
             <a:avLst/>
@@ -12113,38 +12113,6 @@
       </p:cxnSp>
       <p:cxnSp>
         <p:nvCxnSpPr>
-          <p:cNvPr id="40" name="Elbow Connector 39"/>
-          <p:cNvCxnSpPr/>
-          <p:nvPr/>
-        </p:nvCxnSpPr>
-        <p:spPr>
-          <a:xfrm rot="16200000" flipH="1">
-            <a:off x="1069891" y="1012092"/>
-            <a:ext cx="170631" cy="159297"/>
-          </a:xfrm>
-          <a:prstGeom prst="bentConnector3">
-            <a:avLst>
-              <a:gd name="adj1" fmla="val 97449"/>
-            </a:avLst>
-          </a:prstGeom>
-        </p:spPr>
-        <p:style>
-          <a:lnRef idx="2">
-            <a:schemeClr val="accent1"/>
-          </a:lnRef>
-          <a:fillRef idx="0">
-            <a:schemeClr val="accent1"/>
-          </a:fillRef>
-          <a:effectRef idx="1">
-            <a:schemeClr val="accent1"/>
-          </a:effectRef>
-          <a:fontRef idx="minor">
-            <a:schemeClr val="tx1"/>
-          </a:fontRef>
-        </p:style>
-      </p:cxnSp>
-      <p:cxnSp>
-        <p:nvCxnSpPr>
           <p:cNvPr id="23" name="Straight Arrow Connector 22"/>
           <p:cNvCxnSpPr>
             <a:stCxn id="4" idx="0"/>
@@ -12163,38 +12131,6 @@
           <a:ln>
             <a:tailEnd type="arrow"/>
           </a:ln>
-        </p:spPr>
-        <p:style>
-          <a:lnRef idx="2">
-            <a:schemeClr val="accent1"/>
-          </a:lnRef>
-          <a:fillRef idx="0">
-            <a:schemeClr val="accent1"/>
-          </a:fillRef>
-          <a:effectRef idx="1">
-            <a:schemeClr val="accent1"/>
-          </a:effectRef>
-          <a:fontRef idx="minor">
-            <a:schemeClr val="tx1"/>
-          </a:fontRef>
-        </p:style>
-      </p:cxnSp>
-      <p:cxnSp>
-        <p:nvCxnSpPr>
-          <p:cNvPr id="44" name="Elbow Connector 43"/>
-          <p:cNvCxnSpPr/>
-          <p:nvPr/>
-        </p:nvCxnSpPr>
-        <p:spPr>
-          <a:xfrm rot="16200000" flipH="1">
-            <a:off x="4258777" y="1009191"/>
-            <a:ext cx="170631" cy="159297"/>
-          </a:xfrm>
-          <a:prstGeom prst="bentConnector3">
-            <a:avLst>
-              <a:gd name="adj1" fmla="val 97449"/>
-            </a:avLst>
-          </a:prstGeom>
         </p:spPr>
         <p:style>
           <a:lnRef idx="2">
@@ -12661,7 +12597,37 @@
               <a:rPr lang="hu-HU" sz="1000" dirty="0" smtClean="0">
                 <a:cs typeface="Courier New" pitchFamily="49" charset="0"/>
               </a:rPr>
-              <a:t>”java.io.PrintStream”</a:t>
+              <a:t>”java</a:t>
+            </a:r>
+            <a:r>
+              <a:rPr lang="en-US" sz="1000" dirty="0" smtClean="0">
+                <a:cs typeface="Courier New" pitchFamily="49" charset="0"/>
+              </a:rPr>
+              <a:t>/</a:t>
+            </a:r>
+            <a:r>
+              <a:rPr lang="hu-HU" sz="1000" dirty="0" smtClean="0">
+                <a:cs typeface="Courier New" pitchFamily="49" charset="0"/>
+              </a:rPr>
+              <a:t>io</a:t>
+            </a:r>
+            <a:r>
+              <a:rPr lang="en-US" sz="1000" smtClean="0">
+                <a:cs typeface="Courier New" pitchFamily="49" charset="0"/>
+              </a:rPr>
+              <a:t>/</a:t>
+            </a:r>
+            <a:r>
+              <a:rPr lang="hu-HU" sz="1000" smtClean="0">
+                <a:cs typeface="Courier New" pitchFamily="49" charset="0"/>
+              </a:rPr>
+              <a:t>PrintStream</a:t>
+            </a:r>
+            <a:r>
+              <a:rPr lang="hu-HU" sz="1000" dirty="0" smtClean="0">
+                <a:cs typeface="Courier New" pitchFamily="49" charset="0"/>
+              </a:rPr>
+              <a:t>”</a:t>
             </a:r>
             <a:endParaRPr lang="en-US" sz="1000" dirty="0">
               <a:cs typeface="Courier New" pitchFamily="49" charset="0"/>
@@ -13209,6 +13175,10 @@
               <a:t>	</a:t>
             </a:r>
             <a:r>
+              <a:rPr lang="en-US" sz="1100" dirty="0" smtClean="0"/>
+              <a:t>     </a:t>
+            </a:r>
+            <a:r>
               <a:rPr lang="en-US" sz="1100" dirty="0" err="1" smtClean="0"/>
               <a:t>java.lang.System.out</a:t>
             </a:r>
@@ -13225,7 +13195,7 @@
             </a:r>
             <a:r>
               <a:rPr lang="en-US" sz="1100" dirty="0" smtClean="0"/>
-              <a:t>“Hello, world”</a:t>
+              <a:t>     “Hello, world”</a:t>
             </a:r>
           </a:p>
           <a:p>
@@ -13236,6 +13206,10 @@
             <a:r>
               <a:rPr lang="hu-HU" sz="1100" dirty="0" smtClean="0"/>
               <a:t>	</a:t>
+            </a:r>
+            <a:r>
+              <a:rPr lang="en-US" sz="1100" dirty="0" smtClean="0"/>
+              <a:t>     </a:t>
             </a:r>
             <a:r>
               <a:rPr lang="en-US" sz="1100" dirty="0" err="1" smtClean="0"/>
@@ -13405,8 +13379,8 @@
         </p:nvCxnSpPr>
         <p:spPr>
           <a:xfrm flipH="1">
-            <a:off x="2691358" y="2234649"/>
-            <a:ext cx="1587324" cy="1566223"/>
+            <a:off x="2691358" y="2236723"/>
+            <a:ext cx="1770298" cy="1564149"/>
           </a:xfrm>
           <a:prstGeom prst="straightConnector1">
             <a:avLst/>
@@ -13441,8 +13415,8 @@
         </p:nvCxnSpPr>
         <p:spPr>
           <a:xfrm flipH="1">
-            <a:off x="2691358" y="2395108"/>
-            <a:ext cx="1587324" cy="1971931"/>
+            <a:off x="2691358" y="2397182"/>
+            <a:ext cx="1770298" cy="1969857"/>
           </a:xfrm>
           <a:prstGeom prst="straightConnector1">
             <a:avLst/>
@@ -13474,7 +13448,7 @@
         </p:nvSpPr>
         <p:spPr>
           <a:xfrm>
-            <a:off x="4278682" y="2164249"/>
+            <a:off x="4461656" y="2166323"/>
             <a:ext cx="878510" cy="140799"/>
           </a:xfrm>
           <a:prstGeom prst="roundRect">
@@ -13516,8 +13490,8 @@
         </p:nvSpPr>
         <p:spPr>
           <a:xfrm>
-            <a:off x="4278682" y="2324708"/>
-            <a:ext cx="1526582" cy="140799"/>
+            <a:off x="4461656" y="2326782"/>
+            <a:ext cx="1559632" cy="140799"/>
           </a:xfrm>
           <a:prstGeom prst="roundRect">
             <a:avLst>
@@ -15622,8 +15596,8 @@
           <a:p>
             <a:pPr algn="ctr"/>
             <a:r>
-              <a:rPr lang="hu-HU" dirty="0"/>
-              <a:t>Custom data structure</a:t>
+              <a:rPr lang="hu-HU" dirty="0" smtClean="0"/>
+              <a:t>Content provider</a:t>
             </a:r>
             <a:endParaRPr lang="en-US" dirty="0"/>
           </a:p>

--- a/incquery-deps-documentation/visio-diagrams/diagram-source.pptx
+++ b/incquery-deps-documentation/visio-diagrams/diagram-source.pptx
@@ -3056,656 +3056,6 @@
       <dsp:cNvGrpSpPr/>
     </dsp:nvGrpSpPr>
     <dsp:grpSpPr/>
-    <dsp:sp modelId="{8B3BCE30-B0A2-4FEA-AA20-530F7C5B4F57}">
-      <dsp:nvSpPr>
-        <dsp:cNvPr id="0" name=""/>
-        <dsp:cNvSpPr/>
-      </dsp:nvSpPr>
-      <dsp:spPr>
-        <a:xfrm>
-          <a:off x="3030" y="49036"/>
-          <a:ext cx="1377953" cy="819835"/>
-        </a:xfrm>
-        <a:prstGeom prst="roundRect">
-          <a:avLst>
-            <a:gd name="adj" fmla="val 10000"/>
-          </a:avLst>
-        </a:prstGeom>
-        <a:solidFill>
-          <a:schemeClr val="accent1">
-            <a:hueOff val="0"/>
-            <a:satOff val="0"/>
-            <a:lumOff val="0"/>
-            <a:alphaOff val="0"/>
-          </a:schemeClr>
-        </a:solidFill>
-        <a:ln w="25400" cap="flat" cmpd="sng" algn="ctr">
-          <a:solidFill>
-            <a:schemeClr val="lt1">
-              <a:hueOff val="0"/>
-              <a:satOff val="0"/>
-              <a:lumOff val="0"/>
-              <a:alphaOff val="0"/>
-            </a:schemeClr>
-          </a:solidFill>
-          <a:prstDash val="solid"/>
-        </a:ln>
-        <a:effectLst/>
-      </dsp:spPr>
-      <dsp:style>
-        <a:lnRef idx="2">
-          <a:scrgbClr r="0" g="0" b="0"/>
-        </a:lnRef>
-        <a:fillRef idx="1">
-          <a:scrgbClr r="0" g="0" b="0"/>
-        </a:fillRef>
-        <a:effectRef idx="0">
-          <a:scrgbClr r="0" g="0" b="0"/>
-        </a:effectRef>
-        <a:fontRef idx="minor">
-          <a:schemeClr val="lt1"/>
-        </a:fontRef>
-      </dsp:style>
-      <dsp:txBody>
-        <a:bodyPr spcFirstLastPara="0" vert="horz" wrap="square" lIns="99568" tIns="99568" rIns="99568" bIns="53340" numCol="1" spcCol="1270" anchor="t" anchorCtr="0">
-          <a:noAutofit/>
-        </a:bodyPr>
-        <a:lstStyle/>
-        <a:p>
-          <a:pPr lvl="0" algn="l" defTabSz="622300">
-            <a:lnSpc>
-              <a:spcPct val="90000"/>
-            </a:lnSpc>
-            <a:spcBef>
-              <a:spcPct val="0"/>
-            </a:spcBef>
-            <a:spcAft>
-              <a:spcPct val="35000"/>
-            </a:spcAft>
-          </a:pPr>
-          <a:r>
-            <a:rPr lang="hu-HU" sz="1400" kern="1200" dirty="0" smtClean="0"/>
-            <a:t>Eclipse Startup</a:t>
-          </a:r>
-          <a:endParaRPr lang="en-US" sz="1400" kern="1200" dirty="0"/>
-        </a:p>
-      </dsp:txBody>
-      <dsp:txXfrm>
-        <a:off x="3030" y="49036"/>
-        <a:ext cx="1377953" cy="546557"/>
-      </dsp:txXfrm>
-    </dsp:sp>
-    <dsp:sp modelId="{E5FF585A-6EEB-4240-B449-78DB777BD3C8}">
-      <dsp:nvSpPr>
-        <dsp:cNvPr id="0" name=""/>
-        <dsp:cNvSpPr/>
-      </dsp:nvSpPr>
-      <dsp:spPr>
-        <a:xfrm>
-          <a:off x="285262" y="595594"/>
-          <a:ext cx="1377953" cy="1107224"/>
-        </a:xfrm>
-        <a:prstGeom prst="roundRect">
-          <a:avLst>
-            <a:gd name="adj" fmla="val 10000"/>
-          </a:avLst>
-        </a:prstGeom>
-        <a:solidFill>
-          <a:schemeClr val="lt1">
-            <a:alpha val="90000"/>
-            <a:hueOff val="0"/>
-            <a:satOff val="0"/>
-            <a:lumOff val="0"/>
-            <a:alphaOff val="0"/>
-          </a:schemeClr>
-        </a:solidFill>
-        <a:ln w="25400" cap="flat" cmpd="sng" algn="ctr">
-          <a:solidFill>
-            <a:schemeClr val="accent1">
-              <a:hueOff val="0"/>
-              <a:satOff val="0"/>
-              <a:lumOff val="0"/>
-              <a:alphaOff val="0"/>
-            </a:schemeClr>
-          </a:solidFill>
-          <a:prstDash val="solid"/>
-        </a:ln>
-        <a:effectLst/>
-      </dsp:spPr>
-      <dsp:style>
-        <a:lnRef idx="2">
-          <a:scrgbClr r="0" g="0" b="0"/>
-        </a:lnRef>
-        <a:fillRef idx="1">
-          <a:scrgbClr r="0" g="0" b="0"/>
-        </a:fillRef>
-        <a:effectRef idx="0">
-          <a:scrgbClr r="0" g="0" b="0"/>
-        </a:effectRef>
-        <a:fontRef idx="minor"/>
-      </dsp:style>
-      <dsp:txBody>
-        <a:bodyPr spcFirstLastPara="0" vert="horz" wrap="square" lIns="85344" tIns="85344" rIns="85344" bIns="85344" numCol="1" spcCol="1270" anchor="t" anchorCtr="0">
-          <a:noAutofit/>
-        </a:bodyPr>
-        <a:lstStyle/>
-        <a:p>
-          <a:pPr marL="114300" lvl="1" indent="-114300" algn="l" defTabSz="533400">
-            <a:lnSpc>
-              <a:spcPct val="90000"/>
-            </a:lnSpc>
-            <a:spcBef>
-              <a:spcPct val="0"/>
-            </a:spcBef>
-            <a:spcAft>
-              <a:spcPct val="15000"/>
-            </a:spcAft>
-            <a:buChar char="••"/>
-          </a:pPr>
-          <a:r>
-            <a:rPr lang="hu-HU" sz="1200" kern="1200" dirty="0" smtClean="0"/>
-            <a:t>Load Java Model Structure</a:t>
-          </a:r>
-          <a:endParaRPr lang="en-US" sz="1200" kern="1200" dirty="0"/>
-        </a:p>
-        <a:p>
-          <a:pPr marL="114300" lvl="1" indent="-114300" algn="l" defTabSz="533400">
-            <a:lnSpc>
-              <a:spcPct val="90000"/>
-            </a:lnSpc>
-            <a:spcBef>
-              <a:spcPct val="0"/>
-            </a:spcBef>
-            <a:spcAft>
-              <a:spcPct val="15000"/>
-            </a:spcAft>
-            <a:buChar char="••"/>
-          </a:pPr>
-          <a:r>
-            <a:rPr lang="hu-HU" sz="1200" kern="1200" dirty="0" smtClean="0"/>
-            <a:t>Search dependencies</a:t>
-          </a:r>
-          <a:endParaRPr lang="en-US" sz="1200" kern="1200" dirty="0"/>
-        </a:p>
-      </dsp:txBody>
-      <dsp:txXfrm>
-        <a:off x="317691" y="628023"/>
-        <a:ext cx="1313095" cy="1042366"/>
-      </dsp:txXfrm>
-    </dsp:sp>
-    <dsp:sp modelId="{CEB601EB-83B9-4501-849D-EC92EFED9F85}">
-      <dsp:nvSpPr>
-        <dsp:cNvPr id="0" name=""/>
-        <dsp:cNvSpPr/>
-      </dsp:nvSpPr>
-      <dsp:spPr>
-        <a:xfrm>
-          <a:off x="1589877" y="150780"/>
-          <a:ext cx="442852" cy="343070"/>
-        </a:xfrm>
-        <a:prstGeom prst="rightArrow">
-          <a:avLst>
-            <a:gd name="adj1" fmla="val 60000"/>
-            <a:gd name="adj2" fmla="val 50000"/>
-          </a:avLst>
-        </a:prstGeom>
-        <a:solidFill>
-          <a:schemeClr val="accent1">
-            <a:tint val="60000"/>
-            <a:hueOff val="0"/>
-            <a:satOff val="0"/>
-            <a:lumOff val="0"/>
-            <a:alphaOff val="0"/>
-          </a:schemeClr>
-        </a:solidFill>
-        <a:ln>
-          <a:noFill/>
-        </a:ln>
-        <a:effectLst/>
-      </dsp:spPr>
-      <dsp:style>
-        <a:lnRef idx="0">
-          <a:scrgbClr r="0" g="0" b="0"/>
-        </a:lnRef>
-        <a:fillRef idx="1">
-          <a:scrgbClr r="0" g="0" b="0"/>
-        </a:fillRef>
-        <a:effectRef idx="0">
-          <a:scrgbClr r="0" g="0" b="0"/>
-        </a:effectRef>
-        <a:fontRef idx="minor">
-          <a:schemeClr val="lt1"/>
-        </a:fontRef>
-      </dsp:style>
-      <dsp:txBody>
-        <a:bodyPr spcFirstLastPara="0" vert="horz" wrap="square" lIns="0" tIns="0" rIns="0" bIns="0" numCol="1" spcCol="1270" anchor="ctr" anchorCtr="0">
-          <a:noAutofit/>
-        </a:bodyPr>
-        <a:lstStyle/>
-        <a:p>
-          <a:pPr lvl="0" algn="ctr" defTabSz="488950">
-            <a:lnSpc>
-              <a:spcPct val="90000"/>
-            </a:lnSpc>
-            <a:spcBef>
-              <a:spcPct val="0"/>
-            </a:spcBef>
-            <a:spcAft>
-              <a:spcPct val="35000"/>
-            </a:spcAft>
-          </a:pPr>
-          <a:endParaRPr lang="en-US" sz="1100" kern="1200"/>
-        </a:p>
-      </dsp:txBody>
-      <dsp:txXfrm>
-        <a:off x="1589877" y="219394"/>
-        <a:ext cx="339931" cy="205842"/>
-      </dsp:txXfrm>
-    </dsp:sp>
-    <dsp:sp modelId="{F29EBD48-39FE-46A3-8159-E25C865C6BF8}">
-      <dsp:nvSpPr>
-        <dsp:cNvPr id="0" name=""/>
-        <dsp:cNvSpPr/>
-      </dsp:nvSpPr>
-      <dsp:spPr>
-        <a:xfrm>
-          <a:off x="2216555" y="49036"/>
-          <a:ext cx="1377953" cy="819835"/>
-        </a:xfrm>
-        <a:prstGeom prst="roundRect">
-          <a:avLst>
-            <a:gd name="adj" fmla="val 10000"/>
-          </a:avLst>
-        </a:prstGeom>
-        <a:solidFill>
-          <a:schemeClr val="accent1">
-            <a:hueOff val="0"/>
-            <a:satOff val="0"/>
-            <a:lumOff val="0"/>
-            <a:alphaOff val="0"/>
-          </a:schemeClr>
-        </a:solidFill>
-        <a:ln w="25400" cap="flat" cmpd="sng" algn="ctr">
-          <a:solidFill>
-            <a:schemeClr val="lt1">
-              <a:hueOff val="0"/>
-              <a:satOff val="0"/>
-              <a:lumOff val="0"/>
-              <a:alphaOff val="0"/>
-            </a:schemeClr>
-          </a:solidFill>
-          <a:prstDash val="solid"/>
-        </a:ln>
-        <a:effectLst/>
-      </dsp:spPr>
-      <dsp:style>
-        <a:lnRef idx="2">
-          <a:scrgbClr r="0" g="0" b="0"/>
-        </a:lnRef>
-        <a:fillRef idx="1">
-          <a:scrgbClr r="0" g="0" b="0"/>
-        </a:fillRef>
-        <a:effectRef idx="0">
-          <a:scrgbClr r="0" g="0" b="0"/>
-        </a:effectRef>
-        <a:fontRef idx="minor">
-          <a:schemeClr val="lt1"/>
-        </a:fontRef>
-      </dsp:style>
-      <dsp:txBody>
-        <a:bodyPr spcFirstLastPara="0" vert="horz" wrap="square" lIns="99568" tIns="99568" rIns="99568" bIns="53340" numCol="1" spcCol="1270" anchor="t" anchorCtr="0">
-          <a:noAutofit/>
-        </a:bodyPr>
-        <a:lstStyle/>
-        <a:p>
-          <a:pPr lvl="0" algn="l" defTabSz="622300">
-            <a:lnSpc>
-              <a:spcPct val="90000"/>
-            </a:lnSpc>
-            <a:spcBef>
-              <a:spcPct val="0"/>
-            </a:spcBef>
-            <a:spcAft>
-              <a:spcPct val="35000"/>
-            </a:spcAft>
-          </a:pPr>
-          <a:r>
-            <a:rPr lang="hu-HU" sz="1400" kern="1200" smtClean="0"/>
-            <a:t>Java code changes</a:t>
-          </a:r>
-          <a:endParaRPr lang="en-US" sz="1400" kern="1200" dirty="0"/>
-        </a:p>
-      </dsp:txBody>
-      <dsp:txXfrm>
-        <a:off x="2216555" y="49036"/>
-        <a:ext cx="1377953" cy="546557"/>
-      </dsp:txXfrm>
-    </dsp:sp>
-    <dsp:sp modelId="{884BE4BE-800C-4710-B702-504DB05EE476}">
-      <dsp:nvSpPr>
-        <dsp:cNvPr id="0" name=""/>
-        <dsp:cNvSpPr/>
-      </dsp:nvSpPr>
-      <dsp:spPr>
-        <a:xfrm>
-          <a:off x="2498786" y="595594"/>
-          <a:ext cx="1377953" cy="1107224"/>
-        </a:xfrm>
-        <a:prstGeom prst="roundRect">
-          <a:avLst>
-            <a:gd name="adj" fmla="val 10000"/>
-          </a:avLst>
-        </a:prstGeom>
-        <a:solidFill>
-          <a:schemeClr val="lt1">
-            <a:alpha val="90000"/>
-            <a:hueOff val="0"/>
-            <a:satOff val="0"/>
-            <a:lumOff val="0"/>
-            <a:alphaOff val="0"/>
-          </a:schemeClr>
-        </a:solidFill>
-        <a:ln w="25400" cap="flat" cmpd="sng" algn="ctr">
-          <a:solidFill>
-            <a:schemeClr val="accent1">
-              <a:hueOff val="0"/>
-              <a:satOff val="0"/>
-              <a:lumOff val="0"/>
-              <a:alphaOff val="0"/>
-            </a:schemeClr>
-          </a:solidFill>
-          <a:prstDash val="solid"/>
-        </a:ln>
-        <a:effectLst/>
-      </dsp:spPr>
-      <dsp:style>
-        <a:lnRef idx="2">
-          <a:scrgbClr r="0" g="0" b="0"/>
-        </a:lnRef>
-        <a:fillRef idx="1">
-          <a:scrgbClr r="0" g="0" b="0"/>
-        </a:fillRef>
-        <a:effectRef idx="0">
-          <a:scrgbClr r="0" g="0" b="0"/>
-        </a:effectRef>
-        <a:fontRef idx="minor"/>
-      </dsp:style>
-      <dsp:txBody>
-        <a:bodyPr spcFirstLastPara="0" vert="horz" wrap="square" lIns="85344" tIns="85344" rIns="85344" bIns="85344" numCol="1" spcCol="1270" anchor="t" anchorCtr="0">
-          <a:noAutofit/>
-        </a:bodyPr>
-        <a:lstStyle/>
-        <a:p>
-          <a:pPr marL="114300" lvl="1" indent="-114300" algn="l" defTabSz="533400">
-            <a:lnSpc>
-              <a:spcPct val="90000"/>
-            </a:lnSpc>
-            <a:spcBef>
-              <a:spcPct val="0"/>
-            </a:spcBef>
-            <a:spcAft>
-              <a:spcPct val="15000"/>
-            </a:spcAft>
-            <a:buChar char="••"/>
-          </a:pPr>
-          <a:r>
-            <a:rPr lang="hu-HU" sz="1200" kern="1200" dirty="0" smtClean="0"/>
-            <a:t>Subscribe for Java Model change</a:t>
-          </a:r>
-          <a:endParaRPr lang="en-US" sz="1200" kern="1200" dirty="0"/>
-        </a:p>
-        <a:p>
-          <a:pPr marL="114300" lvl="1" indent="-114300" algn="l" defTabSz="533400">
-            <a:lnSpc>
-              <a:spcPct val="90000"/>
-            </a:lnSpc>
-            <a:spcBef>
-              <a:spcPct val="0"/>
-            </a:spcBef>
-            <a:spcAft>
-              <a:spcPct val="15000"/>
-            </a:spcAft>
-            <a:buChar char="••"/>
-          </a:pPr>
-          <a:r>
-            <a:rPr lang="hu-HU" sz="1200" kern="1200" dirty="0" smtClean="0"/>
-            <a:t>Incremental model update</a:t>
-          </a:r>
-          <a:endParaRPr lang="en-US" sz="1200" kern="1200" dirty="0"/>
-        </a:p>
-      </dsp:txBody>
-      <dsp:txXfrm>
-        <a:off x="2531215" y="628023"/>
-        <a:ext cx="1313095" cy="1042366"/>
-      </dsp:txXfrm>
-    </dsp:sp>
-    <dsp:sp modelId="{F14FE8F0-029E-4C04-A790-62927A941AD2}">
-      <dsp:nvSpPr>
-        <dsp:cNvPr id="0" name=""/>
-        <dsp:cNvSpPr/>
-      </dsp:nvSpPr>
-      <dsp:spPr>
-        <a:xfrm>
-          <a:off x="3803401" y="150780"/>
-          <a:ext cx="442852" cy="343070"/>
-        </a:xfrm>
-        <a:prstGeom prst="rightArrow">
-          <a:avLst>
-            <a:gd name="adj1" fmla="val 60000"/>
-            <a:gd name="adj2" fmla="val 50000"/>
-          </a:avLst>
-        </a:prstGeom>
-        <a:solidFill>
-          <a:schemeClr val="accent1">
-            <a:tint val="60000"/>
-            <a:hueOff val="0"/>
-            <a:satOff val="0"/>
-            <a:lumOff val="0"/>
-            <a:alphaOff val="0"/>
-          </a:schemeClr>
-        </a:solidFill>
-        <a:ln>
-          <a:noFill/>
-        </a:ln>
-        <a:effectLst/>
-      </dsp:spPr>
-      <dsp:style>
-        <a:lnRef idx="0">
-          <a:scrgbClr r="0" g="0" b="0"/>
-        </a:lnRef>
-        <a:fillRef idx="1">
-          <a:scrgbClr r="0" g="0" b="0"/>
-        </a:fillRef>
-        <a:effectRef idx="0">
-          <a:scrgbClr r="0" g="0" b="0"/>
-        </a:effectRef>
-        <a:fontRef idx="minor">
-          <a:schemeClr val="lt1"/>
-        </a:fontRef>
-      </dsp:style>
-      <dsp:txBody>
-        <a:bodyPr spcFirstLastPara="0" vert="horz" wrap="square" lIns="0" tIns="0" rIns="0" bIns="0" numCol="1" spcCol="1270" anchor="ctr" anchorCtr="0">
-          <a:noAutofit/>
-        </a:bodyPr>
-        <a:lstStyle/>
-        <a:p>
-          <a:pPr lvl="0" algn="ctr" defTabSz="488950">
-            <a:lnSpc>
-              <a:spcPct val="90000"/>
-            </a:lnSpc>
-            <a:spcBef>
-              <a:spcPct val="0"/>
-            </a:spcBef>
-            <a:spcAft>
-              <a:spcPct val="35000"/>
-            </a:spcAft>
-          </a:pPr>
-          <a:endParaRPr lang="en-US" sz="1100" kern="1200"/>
-        </a:p>
-      </dsp:txBody>
-      <dsp:txXfrm>
-        <a:off x="3803401" y="219394"/>
-        <a:ext cx="339931" cy="205842"/>
-      </dsp:txXfrm>
-    </dsp:sp>
-    <dsp:sp modelId="{B9490DA7-A1FF-4A37-9F8A-8D2DD806CA18}">
-      <dsp:nvSpPr>
-        <dsp:cNvPr id="0" name=""/>
-        <dsp:cNvSpPr/>
-      </dsp:nvSpPr>
-      <dsp:spPr>
-        <a:xfrm>
-          <a:off x="4430080" y="49036"/>
-          <a:ext cx="1377953" cy="819835"/>
-        </a:xfrm>
-        <a:prstGeom prst="roundRect">
-          <a:avLst>
-            <a:gd name="adj" fmla="val 10000"/>
-          </a:avLst>
-        </a:prstGeom>
-        <a:solidFill>
-          <a:schemeClr val="accent1">
-            <a:hueOff val="0"/>
-            <a:satOff val="0"/>
-            <a:lumOff val="0"/>
-            <a:alphaOff val="0"/>
-          </a:schemeClr>
-        </a:solidFill>
-        <a:ln w="25400" cap="flat" cmpd="sng" algn="ctr">
-          <a:solidFill>
-            <a:schemeClr val="lt1">
-              <a:hueOff val="0"/>
-              <a:satOff val="0"/>
-              <a:lumOff val="0"/>
-              <a:alphaOff val="0"/>
-            </a:schemeClr>
-          </a:solidFill>
-          <a:prstDash val="solid"/>
-        </a:ln>
-        <a:effectLst/>
-      </dsp:spPr>
-      <dsp:style>
-        <a:lnRef idx="2">
-          <a:scrgbClr r="0" g="0" b="0"/>
-        </a:lnRef>
-        <a:fillRef idx="1">
-          <a:scrgbClr r="0" g="0" b="0"/>
-        </a:fillRef>
-        <a:effectRef idx="0">
-          <a:scrgbClr r="0" g="0" b="0"/>
-        </a:effectRef>
-        <a:fontRef idx="minor">
-          <a:schemeClr val="lt1"/>
-        </a:fontRef>
-      </dsp:style>
-      <dsp:txBody>
-        <a:bodyPr spcFirstLastPara="0" vert="horz" wrap="square" lIns="99568" tIns="99568" rIns="99568" bIns="53340" numCol="1" spcCol="1270" anchor="t" anchorCtr="0">
-          <a:noAutofit/>
-        </a:bodyPr>
-        <a:lstStyle/>
-        <a:p>
-          <a:pPr lvl="0" algn="l" defTabSz="622300">
-            <a:lnSpc>
-              <a:spcPct val="90000"/>
-            </a:lnSpc>
-            <a:spcBef>
-              <a:spcPct val="0"/>
-            </a:spcBef>
-            <a:spcAft>
-              <a:spcPct val="35000"/>
-            </a:spcAft>
-          </a:pPr>
-          <a:r>
-            <a:rPr lang="hu-HU" sz="1400" kern="1200" dirty="0" smtClean="0"/>
-            <a:t>Eclipse shuts down</a:t>
-          </a:r>
-          <a:endParaRPr lang="en-US" sz="1400" kern="1200" dirty="0"/>
-        </a:p>
-      </dsp:txBody>
-      <dsp:txXfrm>
-        <a:off x="4430080" y="49036"/>
-        <a:ext cx="1377953" cy="546557"/>
-      </dsp:txXfrm>
-    </dsp:sp>
-    <dsp:sp modelId="{4F829F7E-28CF-423F-A6F0-12DFDC90ED6F}">
-      <dsp:nvSpPr>
-        <dsp:cNvPr id="0" name=""/>
-        <dsp:cNvSpPr/>
-      </dsp:nvSpPr>
-      <dsp:spPr>
-        <a:xfrm>
-          <a:off x="4712311" y="595594"/>
-          <a:ext cx="1377953" cy="1107224"/>
-        </a:xfrm>
-        <a:prstGeom prst="roundRect">
-          <a:avLst>
-            <a:gd name="adj" fmla="val 10000"/>
-          </a:avLst>
-        </a:prstGeom>
-        <a:solidFill>
-          <a:schemeClr val="lt1">
-            <a:alpha val="90000"/>
-            <a:hueOff val="0"/>
-            <a:satOff val="0"/>
-            <a:lumOff val="0"/>
-            <a:alphaOff val="0"/>
-          </a:schemeClr>
-        </a:solidFill>
-        <a:ln w="25400" cap="flat" cmpd="sng" algn="ctr">
-          <a:solidFill>
-            <a:schemeClr val="accent1">
-              <a:hueOff val="0"/>
-              <a:satOff val="0"/>
-              <a:lumOff val="0"/>
-              <a:alphaOff val="0"/>
-            </a:schemeClr>
-          </a:solidFill>
-          <a:prstDash val="solid"/>
-        </a:ln>
-        <a:effectLst/>
-      </dsp:spPr>
-      <dsp:style>
-        <a:lnRef idx="2">
-          <a:scrgbClr r="0" g="0" b="0"/>
-        </a:lnRef>
-        <a:fillRef idx="1">
-          <a:scrgbClr r="0" g="0" b="0"/>
-        </a:fillRef>
-        <a:effectRef idx="0">
-          <a:scrgbClr r="0" g="0" b="0"/>
-        </a:effectRef>
-        <a:fontRef idx="minor"/>
-      </dsp:style>
-      <dsp:txBody>
-        <a:bodyPr spcFirstLastPara="0" vert="horz" wrap="square" lIns="85344" tIns="85344" rIns="85344" bIns="85344" numCol="1" spcCol="1270" anchor="t" anchorCtr="0">
-          <a:noAutofit/>
-        </a:bodyPr>
-        <a:lstStyle/>
-        <a:p>
-          <a:pPr marL="114300" lvl="1" indent="-114300" algn="l" defTabSz="533400">
-            <a:lnSpc>
-              <a:spcPct val="90000"/>
-            </a:lnSpc>
-            <a:spcBef>
-              <a:spcPct val="0"/>
-            </a:spcBef>
-            <a:spcAft>
-              <a:spcPct val="15000"/>
-            </a:spcAft>
-            <a:buChar char="••"/>
-          </a:pPr>
-          <a:r>
-            <a:rPr lang="hu-HU" sz="1200" kern="1200" dirty="0" smtClean="0"/>
-            <a:t>Save model to disk</a:t>
-          </a:r>
-          <a:endParaRPr lang="en-US" sz="1200" kern="1200" dirty="0"/>
-        </a:p>
-      </dsp:txBody>
-      <dsp:txXfrm>
-        <a:off x="4744740" y="628023"/>
-        <a:ext cx="1313095" cy="1042366"/>
-      </dsp:txXfrm>
-    </dsp:sp>
   </dsp:spTree>
 </dsp:drawing>
 </file>
@@ -6307,7 +5657,7 @@
           <a:p>
             <a:fld id="{066D07CF-11C7-4B9C-BCBF-E2D9FCA17911}" type="datetimeFigureOut">
               <a:rPr lang="hu-HU" smtClean="0"/>
-              <a:t>2012.10.25.</a:t>
+              <a:t>2012.10.28.</a:t>
             </a:fld>
             <a:endParaRPr lang="hu-HU"/>
           </a:p>
@@ -6850,7 +6200,7 @@
           <a:p>
             <a:fld id="{109A3B03-3B51-4BDD-9DD7-3CEC69C24252}" type="datetimeFigureOut">
               <a:rPr lang="hu-HU" smtClean="0"/>
-              <a:t>2012.10.25.</a:t>
+              <a:t>2012.10.28.</a:t>
             </a:fld>
             <a:endParaRPr lang="hu-HU"/>
           </a:p>
@@ -7020,7 +6370,7 @@
           <a:p>
             <a:fld id="{109A3B03-3B51-4BDD-9DD7-3CEC69C24252}" type="datetimeFigureOut">
               <a:rPr lang="hu-HU" smtClean="0"/>
-              <a:t>2012.10.25.</a:t>
+              <a:t>2012.10.28.</a:t>
             </a:fld>
             <a:endParaRPr lang="hu-HU"/>
           </a:p>
@@ -7200,7 +6550,7 @@
           <a:p>
             <a:fld id="{109A3B03-3B51-4BDD-9DD7-3CEC69C24252}" type="datetimeFigureOut">
               <a:rPr lang="hu-HU" smtClean="0"/>
-              <a:t>2012.10.25.</a:t>
+              <a:t>2012.10.28.</a:t>
             </a:fld>
             <a:endParaRPr lang="hu-HU"/>
           </a:p>
@@ -7370,7 +6720,7 @@
           <a:p>
             <a:fld id="{109A3B03-3B51-4BDD-9DD7-3CEC69C24252}" type="datetimeFigureOut">
               <a:rPr lang="hu-HU" smtClean="0"/>
-              <a:t>2012.10.25.</a:t>
+              <a:t>2012.10.28.</a:t>
             </a:fld>
             <a:endParaRPr lang="hu-HU"/>
           </a:p>
@@ -7616,7 +6966,7 @@
           <a:p>
             <a:fld id="{109A3B03-3B51-4BDD-9DD7-3CEC69C24252}" type="datetimeFigureOut">
               <a:rPr lang="hu-HU" smtClean="0"/>
-              <a:t>2012.10.25.</a:t>
+              <a:t>2012.10.28.</a:t>
             </a:fld>
             <a:endParaRPr lang="hu-HU"/>
           </a:p>
@@ -7904,7 +7254,7 @@
           <a:p>
             <a:fld id="{109A3B03-3B51-4BDD-9DD7-3CEC69C24252}" type="datetimeFigureOut">
               <a:rPr lang="hu-HU" smtClean="0"/>
-              <a:t>2012.10.25.</a:t>
+              <a:t>2012.10.28.</a:t>
             </a:fld>
             <a:endParaRPr lang="hu-HU"/>
           </a:p>
@@ -8326,7 +7676,7 @@
           <a:p>
             <a:fld id="{109A3B03-3B51-4BDD-9DD7-3CEC69C24252}" type="datetimeFigureOut">
               <a:rPr lang="hu-HU" smtClean="0"/>
-              <a:t>2012.10.25.</a:t>
+              <a:t>2012.10.28.</a:t>
             </a:fld>
             <a:endParaRPr lang="hu-HU"/>
           </a:p>
@@ -8444,7 +7794,7 @@
           <a:p>
             <a:fld id="{109A3B03-3B51-4BDD-9DD7-3CEC69C24252}" type="datetimeFigureOut">
               <a:rPr lang="hu-HU" smtClean="0"/>
-              <a:t>2012.10.25.</a:t>
+              <a:t>2012.10.28.</a:t>
             </a:fld>
             <a:endParaRPr lang="hu-HU"/>
           </a:p>
@@ -8539,7 +7889,7 @@
           <a:p>
             <a:fld id="{109A3B03-3B51-4BDD-9DD7-3CEC69C24252}" type="datetimeFigureOut">
               <a:rPr lang="hu-HU" smtClean="0"/>
-              <a:t>2012.10.25.</a:t>
+              <a:t>2012.10.28.</a:t>
             </a:fld>
             <a:endParaRPr lang="hu-HU"/>
           </a:p>
@@ -8816,7 +8166,7 @@
           <a:p>
             <a:fld id="{109A3B03-3B51-4BDD-9DD7-3CEC69C24252}" type="datetimeFigureOut">
               <a:rPr lang="hu-HU" smtClean="0"/>
-              <a:t>2012.10.25.</a:t>
+              <a:t>2012.10.28.</a:t>
             </a:fld>
             <a:endParaRPr lang="hu-HU"/>
           </a:p>
@@ -9069,7 +8419,7 @@
           <a:p>
             <a:fld id="{109A3B03-3B51-4BDD-9DD7-3CEC69C24252}" type="datetimeFigureOut">
               <a:rPr lang="hu-HU" smtClean="0"/>
-              <a:t>2012.10.25.</a:t>
+              <a:t>2012.10.28.</a:t>
             </a:fld>
             <a:endParaRPr lang="hu-HU"/>
           </a:p>
@@ -9282,7 +8632,7 @@
           <a:p>
             <a:fld id="{109A3B03-3B51-4BDD-9DD7-3CEC69C24252}" type="datetimeFigureOut">
               <a:rPr lang="hu-HU" smtClean="0"/>
-              <a:t>2012.10.25.</a:t>
+              <a:t>2012.10.28.</a:t>
             </a:fld>
             <a:endParaRPr lang="hu-HU"/>
           </a:p>
@@ -11729,8 +11079,8 @@
         </p:nvSpPr>
         <p:spPr>
           <a:xfrm>
-            <a:off x="3429000" y="1231554"/>
-            <a:ext cx="1002754" cy="913134"/>
+            <a:off x="3501008" y="1231554"/>
+            <a:ext cx="792088" cy="913134"/>
           </a:xfrm>
           <a:prstGeom prst="snip1Rect">
             <a:avLst/>
@@ -12087,7 +11437,7 @@
         <p:spPr>
           <a:xfrm>
             <a:off x="2888727" y="1688121"/>
-            <a:ext cx="540273" cy="0"/>
+            <a:ext cx="612281" cy="0"/>
           </a:xfrm>
           <a:prstGeom prst="straightConnector1">
             <a:avLst/>
@@ -12122,8 +11472,8 @@
         </p:nvCxnSpPr>
         <p:spPr>
           <a:xfrm>
-            <a:off x="4431754" y="1688121"/>
-            <a:ext cx="664071" cy="0"/>
+            <a:off x="4293096" y="1688121"/>
+            <a:ext cx="802729" cy="0"/>
           </a:xfrm>
           <a:prstGeom prst="straightConnector1">
             <a:avLst/>

--- a/incquery-deps-documentation/visio-diagrams/diagram-source.pptx
+++ b/incquery-deps-documentation/visio-diagrams/diagram-source.pptx
@@ -5,7 +5,7 @@
     <p:sldMasterId id="2147483648" r:id="rId1"/>
   </p:sldMasterIdLst>
   <p:notesMasterIdLst>
-    <p:notesMasterId r:id="rId9"/>
+    <p:notesMasterId r:id="rId10"/>
   </p:notesMasterIdLst>
   <p:sldIdLst>
     <p:sldId id="262" r:id="rId2"/>
@@ -15,6 +15,7 @@
     <p:sldId id="264" r:id="rId6"/>
     <p:sldId id="265" r:id="rId7"/>
     <p:sldId id="266" r:id="rId8"/>
+    <p:sldId id="267" r:id="rId9"/>
   </p:sldIdLst>
   <p:sldSz cx="6858000" cy="9906000" type="A4"/>
   <p:notesSz cx="6858000" cy="9144000"/>
@@ -129,6 +130,7 @@
             <p14:sldId id="264"/>
             <p14:sldId id="265"/>
             <p14:sldId id="266"/>
+            <p14:sldId id="267"/>
           </p14:sldIdLst>
         </p14:section>
       </p14:sectionLst>
@@ -3056,6 +3058,656 @@
       <dsp:cNvGrpSpPr/>
     </dsp:nvGrpSpPr>
     <dsp:grpSpPr/>
+    <dsp:sp modelId="{8B3BCE30-B0A2-4FEA-AA20-530F7C5B4F57}">
+      <dsp:nvSpPr>
+        <dsp:cNvPr id="0" name=""/>
+        <dsp:cNvSpPr/>
+      </dsp:nvSpPr>
+      <dsp:spPr>
+        <a:xfrm>
+          <a:off x="3030" y="49036"/>
+          <a:ext cx="1377953" cy="819835"/>
+        </a:xfrm>
+        <a:prstGeom prst="roundRect">
+          <a:avLst>
+            <a:gd name="adj" fmla="val 10000"/>
+          </a:avLst>
+        </a:prstGeom>
+        <a:solidFill>
+          <a:schemeClr val="accent1">
+            <a:hueOff val="0"/>
+            <a:satOff val="0"/>
+            <a:lumOff val="0"/>
+            <a:alphaOff val="0"/>
+          </a:schemeClr>
+        </a:solidFill>
+        <a:ln w="25400" cap="flat" cmpd="sng" algn="ctr">
+          <a:solidFill>
+            <a:schemeClr val="lt1">
+              <a:hueOff val="0"/>
+              <a:satOff val="0"/>
+              <a:lumOff val="0"/>
+              <a:alphaOff val="0"/>
+            </a:schemeClr>
+          </a:solidFill>
+          <a:prstDash val="solid"/>
+        </a:ln>
+        <a:effectLst/>
+      </dsp:spPr>
+      <dsp:style>
+        <a:lnRef idx="2">
+          <a:scrgbClr r="0" g="0" b="0"/>
+        </a:lnRef>
+        <a:fillRef idx="1">
+          <a:scrgbClr r="0" g="0" b="0"/>
+        </a:fillRef>
+        <a:effectRef idx="0">
+          <a:scrgbClr r="0" g="0" b="0"/>
+        </a:effectRef>
+        <a:fontRef idx="minor">
+          <a:schemeClr val="lt1"/>
+        </a:fontRef>
+      </dsp:style>
+      <dsp:txBody>
+        <a:bodyPr spcFirstLastPara="0" vert="horz" wrap="square" lIns="99568" tIns="99568" rIns="99568" bIns="53340" numCol="1" spcCol="1270" anchor="t" anchorCtr="0">
+          <a:noAutofit/>
+        </a:bodyPr>
+        <a:lstStyle/>
+        <a:p>
+          <a:pPr lvl="0" algn="l" defTabSz="622300">
+            <a:lnSpc>
+              <a:spcPct val="90000"/>
+            </a:lnSpc>
+            <a:spcBef>
+              <a:spcPct val="0"/>
+            </a:spcBef>
+            <a:spcAft>
+              <a:spcPct val="35000"/>
+            </a:spcAft>
+          </a:pPr>
+          <a:r>
+            <a:rPr lang="hu-HU" sz="1400" kern="1200" dirty="0" smtClean="0"/>
+            <a:t>Eclipse Startup</a:t>
+          </a:r>
+          <a:endParaRPr lang="en-US" sz="1400" kern="1200" dirty="0"/>
+        </a:p>
+      </dsp:txBody>
+      <dsp:txXfrm>
+        <a:off x="3030" y="49036"/>
+        <a:ext cx="1377953" cy="546557"/>
+      </dsp:txXfrm>
+    </dsp:sp>
+    <dsp:sp modelId="{E5FF585A-6EEB-4240-B449-78DB777BD3C8}">
+      <dsp:nvSpPr>
+        <dsp:cNvPr id="0" name=""/>
+        <dsp:cNvSpPr/>
+      </dsp:nvSpPr>
+      <dsp:spPr>
+        <a:xfrm>
+          <a:off x="285262" y="595594"/>
+          <a:ext cx="1377953" cy="1107224"/>
+        </a:xfrm>
+        <a:prstGeom prst="roundRect">
+          <a:avLst>
+            <a:gd name="adj" fmla="val 10000"/>
+          </a:avLst>
+        </a:prstGeom>
+        <a:solidFill>
+          <a:schemeClr val="lt1">
+            <a:alpha val="90000"/>
+            <a:hueOff val="0"/>
+            <a:satOff val="0"/>
+            <a:lumOff val="0"/>
+            <a:alphaOff val="0"/>
+          </a:schemeClr>
+        </a:solidFill>
+        <a:ln w="25400" cap="flat" cmpd="sng" algn="ctr">
+          <a:solidFill>
+            <a:schemeClr val="accent1">
+              <a:hueOff val="0"/>
+              <a:satOff val="0"/>
+              <a:lumOff val="0"/>
+              <a:alphaOff val="0"/>
+            </a:schemeClr>
+          </a:solidFill>
+          <a:prstDash val="solid"/>
+        </a:ln>
+        <a:effectLst/>
+      </dsp:spPr>
+      <dsp:style>
+        <a:lnRef idx="2">
+          <a:scrgbClr r="0" g="0" b="0"/>
+        </a:lnRef>
+        <a:fillRef idx="1">
+          <a:scrgbClr r="0" g="0" b="0"/>
+        </a:fillRef>
+        <a:effectRef idx="0">
+          <a:scrgbClr r="0" g="0" b="0"/>
+        </a:effectRef>
+        <a:fontRef idx="minor"/>
+      </dsp:style>
+      <dsp:txBody>
+        <a:bodyPr spcFirstLastPara="0" vert="horz" wrap="square" lIns="85344" tIns="85344" rIns="85344" bIns="85344" numCol="1" spcCol="1270" anchor="t" anchorCtr="0">
+          <a:noAutofit/>
+        </a:bodyPr>
+        <a:lstStyle/>
+        <a:p>
+          <a:pPr marL="114300" lvl="1" indent="-114300" algn="l" defTabSz="533400">
+            <a:lnSpc>
+              <a:spcPct val="90000"/>
+            </a:lnSpc>
+            <a:spcBef>
+              <a:spcPct val="0"/>
+            </a:spcBef>
+            <a:spcAft>
+              <a:spcPct val="15000"/>
+            </a:spcAft>
+            <a:buChar char="••"/>
+          </a:pPr>
+          <a:r>
+            <a:rPr lang="hu-HU" sz="1200" kern="1200" dirty="0" smtClean="0"/>
+            <a:t>Load Java Model Structure</a:t>
+          </a:r>
+          <a:endParaRPr lang="en-US" sz="1200" kern="1200" dirty="0"/>
+        </a:p>
+        <a:p>
+          <a:pPr marL="114300" lvl="1" indent="-114300" algn="l" defTabSz="533400">
+            <a:lnSpc>
+              <a:spcPct val="90000"/>
+            </a:lnSpc>
+            <a:spcBef>
+              <a:spcPct val="0"/>
+            </a:spcBef>
+            <a:spcAft>
+              <a:spcPct val="15000"/>
+            </a:spcAft>
+            <a:buChar char="••"/>
+          </a:pPr>
+          <a:r>
+            <a:rPr lang="hu-HU" sz="1200" kern="1200" dirty="0" smtClean="0"/>
+            <a:t>Search dependencies</a:t>
+          </a:r>
+          <a:endParaRPr lang="en-US" sz="1200" kern="1200" dirty="0"/>
+        </a:p>
+      </dsp:txBody>
+      <dsp:txXfrm>
+        <a:off x="317691" y="628023"/>
+        <a:ext cx="1313095" cy="1042366"/>
+      </dsp:txXfrm>
+    </dsp:sp>
+    <dsp:sp modelId="{CEB601EB-83B9-4501-849D-EC92EFED9F85}">
+      <dsp:nvSpPr>
+        <dsp:cNvPr id="0" name=""/>
+        <dsp:cNvSpPr/>
+      </dsp:nvSpPr>
+      <dsp:spPr>
+        <a:xfrm>
+          <a:off x="1589877" y="150780"/>
+          <a:ext cx="442852" cy="343070"/>
+        </a:xfrm>
+        <a:prstGeom prst="rightArrow">
+          <a:avLst>
+            <a:gd name="adj1" fmla="val 60000"/>
+            <a:gd name="adj2" fmla="val 50000"/>
+          </a:avLst>
+        </a:prstGeom>
+        <a:solidFill>
+          <a:schemeClr val="accent1">
+            <a:tint val="60000"/>
+            <a:hueOff val="0"/>
+            <a:satOff val="0"/>
+            <a:lumOff val="0"/>
+            <a:alphaOff val="0"/>
+          </a:schemeClr>
+        </a:solidFill>
+        <a:ln>
+          <a:noFill/>
+        </a:ln>
+        <a:effectLst/>
+      </dsp:spPr>
+      <dsp:style>
+        <a:lnRef idx="0">
+          <a:scrgbClr r="0" g="0" b="0"/>
+        </a:lnRef>
+        <a:fillRef idx="1">
+          <a:scrgbClr r="0" g="0" b="0"/>
+        </a:fillRef>
+        <a:effectRef idx="0">
+          <a:scrgbClr r="0" g="0" b="0"/>
+        </a:effectRef>
+        <a:fontRef idx="minor">
+          <a:schemeClr val="lt1"/>
+        </a:fontRef>
+      </dsp:style>
+      <dsp:txBody>
+        <a:bodyPr spcFirstLastPara="0" vert="horz" wrap="square" lIns="0" tIns="0" rIns="0" bIns="0" numCol="1" spcCol="1270" anchor="ctr" anchorCtr="0">
+          <a:noAutofit/>
+        </a:bodyPr>
+        <a:lstStyle/>
+        <a:p>
+          <a:pPr lvl="0" algn="ctr" defTabSz="488950">
+            <a:lnSpc>
+              <a:spcPct val="90000"/>
+            </a:lnSpc>
+            <a:spcBef>
+              <a:spcPct val="0"/>
+            </a:spcBef>
+            <a:spcAft>
+              <a:spcPct val="35000"/>
+            </a:spcAft>
+          </a:pPr>
+          <a:endParaRPr lang="en-US" sz="1100" kern="1200"/>
+        </a:p>
+      </dsp:txBody>
+      <dsp:txXfrm>
+        <a:off x="1589877" y="219394"/>
+        <a:ext cx="339931" cy="205842"/>
+      </dsp:txXfrm>
+    </dsp:sp>
+    <dsp:sp modelId="{F29EBD48-39FE-46A3-8159-E25C865C6BF8}">
+      <dsp:nvSpPr>
+        <dsp:cNvPr id="0" name=""/>
+        <dsp:cNvSpPr/>
+      </dsp:nvSpPr>
+      <dsp:spPr>
+        <a:xfrm>
+          <a:off x="2216555" y="49036"/>
+          <a:ext cx="1377953" cy="819835"/>
+        </a:xfrm>
+        <a:prstGeom prst="roundRect">
+          <a:avLst>
+            <a:gd name="adj" fmla="val 10000"/>
+          </a:avLst>
+        </a:prstGeom>
+        <a:solidFill>
+          <a:schemeClr val="accent1">
+            <a:hueOff val="0"/>
+            <a:satOff val="0"/>
+            <a:lumOff val="0"/>
+            <a:alphaOff val="0"/>
+          </a:schemeClr>
+        </a:solidFill>
+        <a:ln w="25400" cap="flat" cmpd="sng" algn="ctr">
+          <a:solidFill>
+            <a:schemeClr val="lt1">
+              <a:hueOff val="0"/>
+              <a:satOff val="0"/>
+              <a:lumOff val="0"/>
+              <a:alphaOff val="0"/>
+            </a:schemeClr>
+          </a:solidFill>
+          <a:prstDash val="solid"/>
+        </a:ln>
+        <a:effectLst/>
+      </dsp:spPr>
+      <dsp:style>
+        <a:lnRef idx="2">
+          <a:scrgbClr r="0" g="0" b="0"/>
+        </a:lnRef>
+        <a:fillRef idx="1">
+          <a:scrgbClr r="0" g="0" b="0"/>
+        </a:fillRef>
+        <a:effectRef idx="0">
+          <a:scrgbClr r="0" g="0" b="0"/>
+        </a:effectRef>
+        <a:fontRef idx="minor">
+          <a:schemeClr val="lt1"/>
+        </a:fontRef>
+      </dsp:style>
+      <dsp:txBody>
+        <a:bodyPr spcFirstLastPara="0" vert="horz" wrap="square" lIns="99568" tIns="99568" rIns="99568" bIns="53340" numCol="1" spcCol="1270" anchor="t" anchorCtr="0">
+          <a:noAutofit/>
+        </a:bodyPr>
+        <a:lstStyle/>
+        <a:p>
+          <a:pPr lvl="0" algn="l" defTabSz="622300">
+            <a:lnSpc>
+              <a:spcPct val="90000"/>
+            </a:lnSpc>
+            <a:spcBef>
+              <a:spcPct val="0"/>
+            </a:spcBef>
+            <a:spcAft>
+              <a:spcPct val="35000"/>
+            </a:spcAft>
+          </a:pPr>
+          <a:r>
+            <a:rPr lang="hu-HU" sz="1400" kern="1200" smtClean="0"/>
+            <a:t>Java code changes</a:t>
+          </a:r>
+          <a:endParaRPr lang="en-US" sz="1400" kern="1200" dirty="0"/>
+        </a:p>
+      </dsp:txBody>
+      <dsp:txXfrm>
+        <a:off x="2216555" y="49036"/>
+        <a:ext cx="1377953" cy="546557"/>
+      </dsp:txXfrm>
+    </dsp:sp>
+    <dsp:sp modelId="{884BE4BE-800C-4710-B702-504DB05EE476}">
+      <dsp:nvSpPr>
+        <dsp:cNvPr id="0" name=""/>
+        <dsp:cNvSpPr/>
+      </dsp:nvSpPr>
+      <dsp:spPr>
+        <a:xfrm>
+          <a:off x="2498786" y="595594"/>
+          <a:ext cx="1377953" cy="1107224"/>
+        </a:xfrm>
+        <a:prstGeom prst="roundRect">
+          <a:avLst>
+            <a:gd name="adj" fmla="val 10000"/>
+          </a:avLst>
+        </a:prstGeom>
+        <a:solidFill>
+          <a:schemeClr val="lt1">
+            <a:alpha val="90000"/>
+            <a:hueOff val="0"/>
+            <a:satOff val="0"/>
+            <a:lumOff val="0"/>
+            <a:alphaOff val="0"/>
+          </a:schemeClr>
+        </a:solidFill>
+        <a:ln w="25400" cap="flat" cmpd="sng" algn="ctr">
+          <a:solidFill>
+            <a:schemeClr val="accent1">
+              <a:hueOff val="0"/>
+              <a:satOff val="0"/>
+              <a:lumOff val="0"/>
+              <a:alphaOff val="0"/>
+            </a:schemeClr>
+          </a:solidFill>
+          <a:prstDash val="solid"/>
+        </a:ln>
+        <a:effectLst/>
+      </dsp:spPr>
+      <dsp:style>
+        <a:lnRef idx="2">
+          <a:scrgbClr r="0" g="0" b="0"/>
+        </a:lnRef>
+        <a:fillRef idx="1">
+          <a:scrgbClr r="0" g="0" b="0"/>
+        </a:fillRef>
+        <a:effectRef idx="0">
+          <a:scrgbClr r="0" g="0" b="0"/>
+        </a:effectRef>
+        <a:fontRef idx="minor"/>
+      </dsp:style>
+      <dsp:txBody>
+        <a:bodyPr spcFirstLastPara="0" vert="horz" wrap="square" lIns="85344" tIns="85344" rIns="85344" bIns="85344" numCol="1" spcCol="1270" anchor="t" anchorCtr="0">
+          <a:noAutofit/>
+        </a:bodyPr>
+        <a:lstStyle/>
+        <a:p>
+          <a:pPr marL="114300" lvl="1" indent="-114300" algn="l" defTabSz="533400">
+            <a:lnSpc>
+              <a:spcPct val="90000"/>
+            </a:lnSpc>
+            <a:spcBef>
+              <a:spcPct val="0"/>
+            </a:spcBef>
+            <a:spcAft>
+              <a:spcPct val="15000"/>
+            </a:spcAft>
+            <a:buChar char="••"/>
+          </a:pPr>
+          <a:r>
+            <a:rPr lang="hu-HU" sz="1200" kern="1200" dirty="0" smtClean="0"/>
+            <a:t>Subscribe for Java Model change</a:t>
+          </a:r>
+          <a:endParaRPr lang="en-US" sz="1200" kern="1200" dirty="0"/>
+        </a:p>
+        <a:p>
+          <a:pPr marL="114300" lvl="1" indent="-114300" algn="l" defTabSz="533400">
+            <a:lnSpc>
+              <a:spcPct val="90000"/>
+            </a:lnSpc>
+            <a:spcBef>
+              <a:spcPct val="0"/>
+            </a:spcBef>
+            <a:spcAft>
+              <a:spcPct val="15000"/>
+            </a:spcAft>
+            <a:buChar char="••"/>
+          </a:pPr>
+          <a:r>
+            <a:rPr lang="hu-HU" sz="1200" kern="1200" dirty="0" smtClean="0"/>
+            <a:t>Incremental model update</a:t>
+          </a:r>
+          <a:endParaRPr lang="en-US" sz="1200" kern="1200" dirty="0"/>
+        </a:p>
+      </dsp:txBody>
+      <dsp:txXfrm>
+        <a:off x="2531215" y="628023"/>
+        <a:ext cx="1313095" cy="1042366"/>
+      </dsp:txXfrm>
+    </dsp:sp>
+    <dsp:sp modelId="{F14FE8F0-029E-4C04-A790-62927A941AD2}">
+      <dsp:nvSpPr>
+        <dsp:cNvPr id="0" name=""/>
+        <dsp:cNvSpPr/>
+      </dsp:nvSpPr>
+      <dsp:spPr>
+        <a:xfrm>
+          <a:off x="3803401" y="150780"/>
+          <a:ext cx="442852" cy="343070"/>
+        </a:xfrm>
+        <a:prstGeom prst="rightArrow">
+          <a:avLst>
+            <a:gd name="adj1" fmla="val 60000"/>
+            <a:gd name="adj2" fmla="val 50000"/>
+          </a:avLst>
+        </a:prstGeom>
+        <a:solidFill>
+          <a:schemeClr val="accent1">
+            <a:tint val="60000"/>
+            <a:hueOff val="0"/>
+            <a:satOff val="0"/>
+            <a:lumOff val="0"/>
+            <a:alphaOff val="0"/>
+          </a:schemeClr>
+        </a:solidFill>
+        <a:ln>
+          <a:noFill/>
+        </a:ln>
+        <a:effectLst/>
+      </dsp:spPr>
+      <dsp:style>
+        <a:lnRef idx="0">
+          <a:scrgbClr r="0" g="0" b="0"/>
+        </a:lnRef>
+        <a:fillRef idx="1">
+          <a:scrgbClr r="0" g="0" b="0"/>
+        </a:fillRef>
+        <a:effectRef idx="0">
+          <a:scrgbClr r="0" g="0" b="0"/>
+        </a:effectRef>
+        <a:fontRef idx="minor">
+          <a:schemeClr val="lt1"/>
+        </a:fontRef>
+      </dsp:style>
+      <dsp:txBody>
+        <a:bodyPr spcFirstLastPara="0" vert="horz" wrap="square" lIns="0" tIns="0" rIns="0" bIns="0" numCol="1" spcCol="1270" anchor="ctr" anchorCtr="0">
+          <a:noAutofit/>
+        </a:bodyPr>
+        <a:lstStyle/>
+        <a:p>
+          <a:pPr lvl="0" algn="ctr" defTabSz="488950">
+            <a:lnSpc>
+              <a:spcPct val="90000"/>
+            </a:lnSpc>
+            <a:spcBef>
+              <a:spcPct val="0"/>
+            </a:spcBef>
+            <a:spcAft>
+              <a:spcPct val="35000"/>
+            </a:spcAft>
+          </a:pPr>
+          <a:endParaRPr lang="en-US" sz="1100" kern="1200"/>
+        </a:p>
+      </dsp:txBody>
+      <dsp:txXfrm>
+        <a:off x="3803401" y="219394"/>
+        <a:ext cx="339931" cy="205842"/>
+      </dsp:txXfrm>
+    </dsp:sp>
+    <dsp:sp modelId="{B9490DA7-A1FF-4A37-9F8A-8D2DD806CA18}">
+      <dsp:nvSpPr>
+        <dsp:cNvPr id="0" name=""/>
+        <dsp:cNvSpPr/>
+      </dsp:nvSpPr>
+      <dsp:spPr>
+        <a:xfrm>
+          <a:off x="4430080" y="49036"/>
+          <a:ext cx="1377953" cy="819835"/>
+        </a:xfrm>
+        <a:prstGeom prst="roundRect">
+          <a:avLst>
+            <a:gd name="adj" fmla="val 10000"/>
+          </a:avLst>
+        </a:prstGeom>
+        <a:solidFill>
+          <a:schemeClr val="accent1">
+            <a:hueOff val="0"/>
+            <a:satOff val="0"/>
+            <a:lumOff val="0"/>
+            <a:alphaOff val="0"/>
+          </a:schemeClr>
+        </a:solidFill>
+        <a:ln w="25400" cap="flat" cmpd="sng" algn="ctr">
+          <a:solidFill>
+            <a:schemeClr val="lt1">
+              <a:hueOff val="0"/>
+              <a:satOff val="0"/>
+              <a:lumOff val="0"/>
+              <a:alphaOff val="0"/>
+            </a:schemeClr>
+          </a:solidFill>
+          <a:prstDash val="solid"/>
+        </a:ln>
+        <a:effectLst/>
+      </dsp:spPr>
+      <dsp:style>
+        <a:lnRef idx="2">
+          <a:scrgbClr r="0" g="0" b="0"/>
+        </a:lnRef>
+        <a:fillRef idx="1">
+          <a:scrgbClr r="0" g="0" b="0"/>
+        </a:fillRef>
+        <a:effectRef idx="0">
+          <a:scrgbClr r="0" g="0" b="0"/>
+        </a:effectRef>
+        <a:fontRef idx="minor">
+          <a:schemeClr val="lt1"/>
+        </a:fontRef>
+      </dsp:style>
+      <dsp:txBody>
+        <a:bodyPr spcFirstLastPara="0" vert="horz" wrap="square" lIns="99568" tIns="99568" rIns="99568" bIns="53340" numCol="1" spcCol="1270" anchor="t" anchorCtr="0">
+          <a:noAutofit/>
+        </a:bodyPr>
+        <a:lstStyle/>
+        <a:p>
+          <a:pPr lvl="0" algn="l" defTabSz="622300">
+            <a:lnSpc>
+              <a:spcPct val="90000"/>
+            </a:lnSpc>
+            <a:spcBef>
+              <a:spcPct val="0"/>
+            </a:spcBef>
+            <a:spcAft>
+              <a:spcPct val="35000"/>
+            </a:spcAft>
+          </a:pPr>
+          <a:r>
+            <a:rPr lang="hu-HU" sz="1400" kern="1200" dirty="0" smtClean="0"/>
+            <a:t>Eclipse shuts down</a:t>
+          </a:r>
+          <a:endParaRPr lang="en-US" sz="1400" kern="1200" dirty="0"/>
+        </a:p>
+      </dsp:txBody>
+      <dsp:txXfrm>
+        <a:off x="4430080" y="49036"/>
+        <a:ext cx="1377953" cy="546557"/>
+      </dsp:txXfrm>
+    </dsp:sp>
+    <dsp:sp modelId="{4F829F7E-28CF-423F-A6F0-12DFDC90ED6F}">
+      <dsp:nvSpPr>
+        <dsp:cNvPr id="0" name=""/>
+        <dsp:cNvSpPr/>
+      </dsp:nvSpPr>
+      <dsp:spPr>
+        <a:xfrm>
+          <a:off x="4712311" y="595594"/>
+          <a:ext cx="1377953" cy="1107224"/>
+        </a:xfrm>
+        <a:prstGeom prst="roundRect">
+          <a:avLst>
+            <a:gd name="adj" fmla="val 10000"/>
+          </a:avLst>
+        </a:prstGeom>
+        <a:solidFill>
+          <a:schemeClr val="lt1">
+            <a:alpha val="90000"/>
+            <a:hueOff val="0"/>
+            <a:satOff val="0"/>
+            <a:lumOff val="0"/>
+            <a:alphaOff val="0"/>
+          </a:schemeClr>
+        </a:solidFill>
+        <a:ln w="25400" cap="flat" cmpd="sng" algn="ctr">
+          <a:solidFill>
+            <a:schemeClr val="accent1">
+              <a:hueOff val="0"/>
+              <a:satOff val="0"/>
+              <a:lumOff val="0"/>
+              <a:alphaOff val="0"/>
+            </a:schemeClr>
+          </a:solidFill>
+          <a:prstDash val="solid"/>
+        </a:ln>
+        <a:effectLst/>
+      </dsp:spPr>
+      <dsp:style>
+        <a:lnRef idx="2">
+          <a:scrgbClr r="0" g="0" b="0"/>
+        </a:lnRef>
+        <a:fillRef idx="1">
+          <a:scrgbClr r="0" g="0" b="0"/>
+        </a:fillRef>
+        <a:effectRef idx="0">
+          <a:scrgbClr r="0" g="0" b="0"/>
+        </a:effectRef>
+        <a:fontRef idx="minor"/>
+      </dsp:style>
+      <dsp:txBody>
+        <a:bodyPr spcFirstLastPara="0" vert="horz" wrap="square" lIns="85344" tIns="85344" rIns="85344" bIns="85344" numCol="1" spcCol="1270" anchor="t" anchorCtr="0">
+          <a:noAutofit/>
+        </a:bodyPr>
+        <a:lstStyle/>
+        <a:p>
+          <a:pPr marL="114300" lvl="1" indent="-114300" algn="l" defTabSz="533400">
+            <a:lnSpc>
+              <a:spcPct val="90000"/>
+            </a:lnSpc>
+            <a:spcBef>
+              <a:spcPct val="0"/>
+            </a:spcBef>
+            <a:spcAft>
+              <a:spcPct val="15000"/>
+            </a:spcAft>
+            <a:buChar char="••"/>
+          </a:pPr>
+          <a:r>
+            <a:rPr lang="hu-HU" sz="1200" kern="1200" dirty="0" smtClean="0"/>
+            <a:t>Save model to disk</a:t>
+          </a:r>
+          <a:endParaRPr lang="en-US" sz="1200" kern="1200" dirty="0"/>
+        </a:p>
+      </dsp:txBody>
+      <dsp:txXfrm>
+        <a:off x="4744740" y="628023"/>
+        <a:ext cx="1313095" cy="1042366"/>
+      </dsp:txXfrm>
+    </dsp:sp>
   </dsp:spTree>
 </dsp:drawing>
 </file>
@@ -15144,6 +15796,446 @@
     <p:extLst>
       <p:ext uri="{BB962C8B-B14F-4D97-AF65-F5344CB8AC3E}">
         <p14:creationId xmlns:p14="http://schemas.microsoft.com/office/powerpoint/2010/main" val="1714833200"/>
+      </p:ext>
+    </p:extLst>
+  </p:cSld>
+  <p:clrMapOvr>
+    <a:masterClrMapping/>
+  </p:clrMapOvr>
+</p:sld>
+</file>
+
+<file path=ppt/slides/slide8.xml><?xml version="1.0" encoding="utf-8"?>
+<p:sld xmlns:a="http://schemas.openxmlformats.org/drawingml/2006/main" xmlns:r="http://schemas.openxmlformats.org/officeDocument/2006/relationships" xmlns:p="http://schemas.openxmlformats.org/presentationml/2006/main">
+  <p:cSld>
+    <p:spTree>
+      <p:nvGrpSpPr>
+        <p:cNvPr id="1" name=""/>
+        <p:cNvGrpSpPr/>
+        <p:nvPr/>
+      </p:nvGrpSpPr>
+      <p:grpSpPr>
+        <a:xfrm>
+          <a:off x="0" y="0"/>
+          <a:ext cx="0" cy="0"/>
+          <a:chOff x="0" y="0"/>
+          <a:chExt cx="0" cy="0"/>
+        </a:xfrm>
+      </p:grpSpPr>
+      <p:pic>
+        <p:nvPicPr>
+          <p:cNvPr id="1026" name="Picture 2"/>
+          <p:cNvPicPr>
+            <a:picLocks noChangeAspect="1" noChangeArrowheads="1"/>
+          </p:cNvPicPr>
+          <p:nvPr/>
+        </p:nvPicPr>
+        <p:blipFill>
+          <a:blip r:embed="rId2">
+            <a:extLst>
+              <a:ext uri="{28A0092B-C50C-407E-A947-70E740481C1C}">
+                <a14:useLocalDpi xmlns:a14="http://schemas.microsoft.com/office/drawing/2010/main" val="0"/>
+              </a:ext>
+            </a:extLst>
+          </a:blip>
+          <a:srcRect/>
+          <a:stretch>
+            <a:fillRect/>
+          </a:stretch>
+        </p:blipFill>
+        <p:spPr bwMode="auto">
+          <a:xfrm>
+            <a:off x="1124744" y="3584848"/>
+            <a:ext cx="3825180" cy="1843222"/>
+          </a:xfrm>
+          <a:prstGeom prst="rect">
+            <a:avLst/>
+          </a:prstGeom>
+          <a:noFill/>
+          <a:ln>
+            <a:noFill/>
+          </a:ln>
+          <a:effectLst/>
+          <a:extLst>
+            <a:ext uri="{909E8E84-426E-40DD-AFC4-6F175D3DCCD1}">
+              <a14:hiddenFill xmlns:a14="http://schemas.microsoft.com/office/drawing/2010/main">
+                <a:solidFill>
+                  <a:schemeClr val="accent1"/>
+                </a:solidFill>
+              </a14:hiddenFill>
+            </a:ext>
+            <a:ext uri="{91240B29-F687-4F45-9708-019B960494DF}">
+              <a14:hiddenLine xmlns:a14="http://schemas.microsoft.com/office/drawing/2010/main" w="9525">
+                <a:solidFill>
+                  <a:schemeClr val="tx1"/>
+                </a:solidFill>
+                <a:miter lim="800000"/>
+                <a:headEnd/>
+                <a:tailEnd/>
+              </a14:hiddenLine>
+            </a:ext>
+            <a:ext uri="{AF507438-7753-43E0-B8FC-AC1667EBCBE1}">
+              <a14:hiddenEffects xmlns:a14="http://schemas.microsoft.com/office/drawing/2010/main">
+                <a:effectLst>
+                  <a:outerShdw dist="35921" dir="2700000" algn="ctr" rotWithShape="0">
+                    <a:schemeClr val="bg2"/>
+                  </a:outerShdw>
+                </a:effectLst>
+              </a14:hiddenEffects>
+            </a:ext>
+          </a:extLst>
+        </p:spPr>
+      </p:pic>
+      <p:sp>
+        <p:nvSpPr>
+          <p:cNvPr id="2" name="Rectangle 1"/>
+          <p:cNvSpPr/>
+          <p:nvPr/>
+        </p:nvSpPr>
+        <p:spPr>
+          <a:xfrm>
+            <a:off x="836712" y="3080793"/>
+            <a:ext cx="4320480" cy="1411974"/>
+          </a:xfrm>
+          <a:prstGeom prst="rect">
+            <a:avLst/>
+          </a:prstGeom>
+          <a:noFill/>
+        </p:spPr>
+        <p:style>
+          <a:lnRef idx="2">
+            <a:schemeClr val="dk1"/>
+          </a:lnRef>
+          <a:fillRef idx="1">
+            <a:schemeClr val="lt1"/>
+          </a:fillRef>
+          <a:effectRef idx="0">
+            <a:schemeClr val="dk1"/>
+          </a:effectRef>
+          <a:fontRef idx="minor">
+            <a:schemeClr val="dk1"/>
+          </a:fontRef>
+        </p:style>
+        <p:txBody>
+          <a:bodyPr rtlCol="0" anchor="ctr"/>
+          <a:lstStyle/>
+          <a:p>
+            <a:pPr algn="ctr"/>
+            <a:endParaRPr lang="en-US"/>
+          </a:p>
+        </p:txBody>
+      </p:sp>
+      <p:sp>
+        <p:nvSpPr>
+          <p:cNvPr id="4" name="Rectangle 3"/>
+          <p:cNvSpPr/>
+          <p:nvPr/>
+        </p:nvSpPr>
+        <p:spPr>
+          <a:xfrm>
+            <a:off x="834068" y="4631492"/>
+            <a:ext cx="4320480" cy="1041588"/>
+          </a:xfrm>
+          <a:prstGeom prst="rect">
+            <a:avLst/>
+          </a:prstGeom>
+          <a:noFill/>
+        </p:spPr>
+        <p:style>
+          <a:lnRef idx="2">
+            <a:schemeClr val="dk1"/>
+          </a:lnRef>
+          <a:fillRef idx="1">
+            <a:schemeClr val="lt1"/>
+          </a:fillRef>
+          <a:effectRef idx="0">
+            <a:schemeClr val="dk1"/>
+          </a:effectRef>
+          <a:fontRef idx="minor">
+            <a:schemeClr val="dk1"/>
+          </a:fontRef>
+        </p:style>
+        <p:txBody>
+          <a:bodyPr rtlCol="0" anchor="ctr"/>
+          <a:lstStyle/>
+          <a:p>
+            <a:pPr algn="ctr"/>
+            <a:endParaRPr lang="en-US"/>
+          </a:p>
+        </p:txBody>
+      </p:sp>
+      <p:sp>
+        <p:nvSpPr>
+          <p:cNvPr id="3" name="TextBox 2"/>
+          <p:cNvSpPr txBox="1"/>
+          <p:nvPr/>
+        </p:nvSpPr>
+        <p:spPr>
+          <a:xfrm>
+            <a:off x="3940354" y="3089427"/>
+            <a:ext cx="1226780" cy="369332"/>
+          </a:xfrm>
+          <a:prstGeom prst="rect">
+            <a:avLst/>
+          </a:prstGeom>
+          <a:noFill/>
+        </p:spPr>
+        <p:txBody>
+          <a:bodyPr wrap="square" rtlCol="0">
+            <a:spAutoFit/>
+          </a:bodyPr>
+          <a:lstStyle/>
+          <a:p>
+            <a:r>
+              <a:rPr lang="hu-HU" dirty="0" smtClean="0"/>
+              <a:t>Repository</a:t>
+            </a:r>
+            <a:endParaRPr lang="en-US" dirty="0"/>
+          </a:p>
+        </p:txBody>
+      </p:sp>
+      <p:sp>
+        <p:nvSpPr>
+          <p:cNvPr id="6" name="TextBox 5"/>
+          <p:cNvSpPr txBox="1"/>
+          <p:nvPr/>
+        </p:nvSpPr>
+        <p:spPr>
+          <a:xfrm>
+            <a:off x="3930412" y="5303748"/>
+            <a:ext cx="1226780" cy="369332"/>
+          </a:xfrm>
+          <a:prstGeom prst="rect">
+            <a:avLst/>
+          </a:prstGeom>
+          <a:noFill/>
+        </p:spPr>
+        <p:txBody>
+          <a:bodyPr wrap="square" rtlCol="0">
+            <a:spAutoFit/>
+          </a:bodyPr>
+          <a:lstStyle/>
+          <a:p>
+            <a:r>
+              <a:rPr lang="hu-HU" dirty="0" smtClean="0"/>
+              <a:t>Workspace</a:t>
+            </a:r>
+            <a:endParaRPr lang="en-US" dirty="0"/>
+          </a:p>
+        </p:txBody>
+      </p:sp>
+      <p:sp>
+        <p:nvSpPr>
+          <p:cNvPr id="7" name="Rectangle 6"/>
+          <p:cNvSpPr/>
+          <p:nvPr/>
+        </p:nvSpPr>
+        <p:spPr>
+          <a:xfrm>
+            <a:off x="1027212" y="3501792"/>
+            <a:ext cx="1143744" cy="561971"/>
+          </a:xfrm>
+          <a:prstGeom prst="rect">
+            <a:avLst/>
+          </a:prstGeom>
+          <a:noFill/>
+          <a:ln>
+            <a:solidFill>
+              <a:srgbClr val="FF0000"/>
+            </a:solidFill>
+          </a:ln>
+        </p:spPr>
+        <p:style>
+          <a:lnRef idx="2">
+            <a:schemeClr val="dk1"/>
+          </a:lnRef>
+          <a:fillRef idx="1">
+            <a:schemeClr val="lt1"/>
+          </a:fillRef>
+          <a:effectRef idx="0">
+            <a:schemeClr val="dk1"/>
+          </a:effectRef>
+          <a:fontRef idx="minor">
+            <a:schemeClr val="dk1"/>
+          </a:fontRef>
+        </p:style>
+        <p:txBody>
+          <a:bodyPr rtlCol="0" anchor="ctr"/>
+          <a:lstStyle/>
+          <a:p>
+            <a:pPr algn="ctr"/>
+            <a:endParaRPr lang="en-US"/>
+          </a:p>
+        </p:txBody>
+      </p:sp>
+      <p:sp>
+        <p:nvSpPr>
+          <p:cNvPr id="9" name="Rectangle 8"/>
+          <p:cNvSpPr/>
+          <p:nvPr/>
+        </p:nvSpPr>
+        <p:spPr>
+          <a:xfrm>
+            <a:off x="3364612" y="4700269"/>
+            <a:ext cx="1585312" cy="561971"/>
+          </a:xfrm>
+          <a:prstGeom prst="rect">
+            <a:avLst/>
+          </a:prstGeom>
+          <a:noFill/>
+          <a:ln>
+            <a:solidFill>
+              <a:srgbClr val="FF0000"/>
+            </a:solidFill>
+          </a:ln>
+        </p:spPr>
+        <p:style>
+          <a:lnRef idx="2">
+            <a:schemeClr val="dk1"/>
+          </a:lnRef>
+          <a:fillRef idx="1">
+            <a:schemeClr val="lt1"/>
+          </a:fillRef>
+          <a:effectRef idx="0">
+            <a:schemeClr val="dk1"/>
+          </a:effectRef>
+          <a:fontRef idx="minor">
+            <a:schemeClr val="dk1"/>
+          </a:fontRef>
+        </p:style>
+        <p:txBody>
+          <a:bodyPr rtlCol="0" anchor="ctr"/>
+          <a:lstStyle/>
+          <a:p>
+            <a:pPr algn="ctr"/>
+            <a:endParaRPr lang="en-US"/>
+          </a:p>
+        </p:txBody>
+      </p:sp>
+      <p:sp>
+        <p:nvSpPr>
+          <p:cNvPr id="5" name="Up-Down Arrow 4"/>
+          <p:cNvSpPr/>
+          <p:nvPr/>
+        </p:nvSpPr>
+        <p:spPr>
+          <a:xfrm>
+            <a:off x="4175534" y="3872880"/>
+            <a:ext cx="357396" cy="758612"/>
+          </a:xfrm>
+          <a:prstGeom prst="upDownArrow">
+            <a:avLst/>
+          </a:prstGeom>
+        </p:spPr>
+        <p:style>
+          <a:lnRef idx="2">
+            <a:schemeClr val="accent3">
+              <a:shade val="50000"/>
+            </a:schemeClr>
+          </a:lnRef>
+          <a:fillRef idx="1">
+            <a:schemeClr val="accent3"/>
+          </a:fillRef>
+          <a:effectRef idx="0">
+            <a:schemeClr val="accent3"/>
+          </a:effectRef>
+          <a:fontRef idx="minor">
+            <a:schemeClr val="lt1"/>
+          </a:fontRef>
+        </p:style>
+        <p:txBody>
+          <a:bodyPr rtlCol="0" anchor="ctr"/>
+          <a:lstStyle/>
+          <a:p>
+            <a:pPr algn="ctr"/>
+            <a:endParaRPr lang="en-US"/>
+          </a:p>
+        </p:txBody>
+      </p:sp>
+      <p:sp>
+        <p:nvSpPr>
+          <p:cNvPr id="11" name="Up-Down Arrow 10"/>
+          <p:cNvSpPr/>
+          <p:nvPr/>
+        </p:nvSpPr>
+        <p:spPr>
+          <a:xfrm rot="2700000">
+            <a:off x="3357145" y="3732585"/>
+            <a:ext cx="357396" cy="758612"/>
+          </a:xfrm>
+          <a:prstGeom prst="upDownArrow">
+            <a:avLst/>
+          </a:prstGeom>
+        </p:spPr>
+        <p:style>
+          <a:lnRef idx="2">
+            <a:schemeClr val="accent3">
+              <a:shade val="50000"/>
+            </a:schemeClr>
+          </a:lnRef>
+          <a:fillRef idx="1">
+            <a:schemeClr val="accent3"/>
+          </a:fillRef>
+          <a:effectRef idx="0">
+            <a:schemeClr val="accent3"/>
+          </a:effectRef>
+          <a:fontRef idx="minor">
+            <a:schemeClr val="lt1"/>
+          </a:fontRef>
+        </p:style>
+        <p:txBody>
+          <a:bodyPr rtlCol="0" anchor="ctr"/>
+          <a:lstStyle/>
+          <a:p>
+            <a:pPr algn="ctr"/>
+            <a:endParaRPr lang="en-US"/>
+          </a:p>
+        </p:txBody>
+      </p:sp>
+      <p:sp>
+        <p:nvSpPr>
+          <p:cNvPr id="12" name="Up-Down Arrow 11"/>
+          <p:cNvSpPr/>
+          <p:nvPr/>
+        </p:nvSpPr>
+        <p:spPr>
+          <a:xfrm rot="8100000">
+            <a:off x="1736769" y="3718891"/>
+            <a:ext cx="357396" cy="758612"/>
+          </a:xfrm>
+          <a:prstGeom prst="upDownArrow">
+            <a:avLst/>
+          </a:prstGeom>
+        </p:spPr>
+        <p:style>
+          <a:lnRef idx="2">
+            <a:schemeClr val="accent3">
+              <a:shade val="50000"/>
+            </a:schemeClr>
+          </a:lnRef>
+          <a:fillRef idx="1">
+            <a:schemeClr val="accent3"/>
+          </a:fillRef>
+          <a:effectRef idx="0">
+            <a:schemeClr val="accent3"/>
+          </a:effectRef>
+          <a:fontRef idx="minor">
+            <a:schemeClr val="lt1"/>
+          </a:fontRef>
+        </p:style>
+        <p:txBody>
+          <a:bodyPr rtlCol="0" anchor="ctr"/>
+          <a:lstStyle/>
+          <a:p>
+            <a:pPr algn="ctr"/>
+            <a:endParaRPr lang="en-US"/>
+          </a:p>
+        </p:txBody>
+      </p:sp>
+    </p:spTree>
+    <p:extLst>
+      <p:ext uri="{BB962C8B-B14F-4D97-AF65-F5344CB8AC3E}">
+        <p14:creationId xmlns:p14="http://schemas.microsoft.com/office/powerpoint/2010/main" val="3949817856"/>
       </p:ext>
     </p:extLst>
   </p:cSld>
